--- a/testing-debugging-profiling.pptx
+++ b/testing-debugging-profiling.pptx
@@ -5,10 +5,10 @@
     <p:sldMasterId id="2147483660" r:id="rId1"/>
   </p:sldMasterIdLst>
   <p:notesMasterIdLst>
-    <p:notesMasterId r:id="rId80"/>
+    <p:notesMasterId r:id="rId81"/>
   </p:notesMasterIdLst>
   <p:handoutMasterIdLst>
-    <p:handoutMasterId r:id="rId81"/>
+    <p:handoutMasterId r:id="rId82"/>
   </p:handoutMasterIdLst>
   <p:sldIdLst>
     <p:sldId id="273" r:id="rId2"/>
@@ -58,37 +58,38 @@
     <p:sldId id="319" r:id="rId46"/>
     <p:sldId id="316" r:id="rId47"/>
     <p:sldId id="306" r:id="rId48"/>
-    <p:sldId id="291" r:id="rId49"/>
-    <p:sldId id="461" r:id="rId50"/>
-    <p:sldId id="359" r:id="rId51"/>
-    <p:sldId id="444" r:id="rId52"/>
-    <p:sldId id="445" r:id="rId53"/>
-    <p:sldId id="446" r:id="rId54"/>
-    <p:sldId id="447" r:id="rId55"/>
-    <p:sldId id="450" r:id="rId56"/>
-    <p:sldId id="448" r:id="rId57"/>
-    <p:sldId id="449" r:id="rId58"/>
-    <p:sldId id="462" r:id="rId59"/>
-    <p:sldId id="463" r:id="rId60"/>
-    <p:sldId id="381" r:id="rId61"/>
-    <p:sldId id="430" r:id="rId62"/>
-    <p:sldId id="419" r:id="rId63"/>
-    <p:sldId id="272" r:id="rId64"/>
-    <p:sldId id="464" r:id="rId65"/>
-    <p:sldId id="358" r:id="rId66"/>
-    <p:sldId id="275" r:id="rId67"/>
-    <p:sldId id="397" r:id="rId68"/>
-    <p:sldId id="453" r:id="rId69"/>
-    <p:sldId id="452" r:id="rId70"/>
-    <p:sldId id="284" r:id="rId71"/>
-    <p:sldId id="454" r:id="rId72"/>
-    <p:sldId id="390" r:id="rId73"/>
-    <p:sldId id="465" r:id="rId74"/>
-    <p:sldId id="391" r:id="rId75"/>
-    <p:sldId id="433" r:id="rId76"/>
-    <p:sldId id="355" r:id="rId77"/>
-    <p:sldId id="288" r:id="rId78"/>
-    <p:sldId id="298" r:id="rId79"/>
+    <p:sldId id="469" r:id="rId49"/>
+    <p:sldId id="291" r:id="rId50"/>
+    <p:sldId id="461" r:id="rId51"/>
+    <p:sldId id="359" r:id="rId52"/>
+    <p:sldId id="444" r:id="rId53"/>
+    <p:sldId id="445" r:id="rId54"/>
+    <p:sldId id="446" r:id="rId55"/>
+    <p:sldId id="447" r:id="rId56"/>
+    <p:sldId id="450" r:id="rId57"/>
+    <p:sldId id="448" r:id="rId58"/>
+    <p:sldId id="449" r:id="rId59"/>
+    <p:sldId id="462" r:id="rId60"/>
+    <p:sldId id="463" r:id="rId61"/>
+    <p:sldId id="381" r:id="rId62"/>
+    <p:sldId id="430" r:id="rId63"/>
+    <p:sldId id="419" r:id="rId64"/>
+    <p:sldId id="272" r:id="rId65"/>
+    <p:sldId id="464" r:id="rId66"/>
+    <p:sldId id="358" r:id="rId67"/>
+    <p:sldId id="275" r:id="rId68"/>
+    <p:sldId id="397" r:id="rId69"/>
+    <p:sldId id="453" r:id="rId70"/>
+    <p:sldId id="452" r:id="rId71"/>
+    <p:sldId id="284" r:id="rId72"/>
+    <p:sldId id="454" r:id="rId73"/>
+    <p:sldId id="390" r:id="rId74"/>
+    <p:sldId id="465" r:id="rId75"/>
+    <p:sldId id="391" r:id="rId76"/>
+    <p:sldId id="468" r:id="rId77"/>
+    <p:sldId id="355" r:id="rId78"/>
+    <p:sldId id="288" r:id="rId79"/>
+    <p:sldId id="298" r:id="rId80"/>
   </p:sldIdLst>
   <p:sldSz cx="9144000" cy="6858000" type="screen4x3"/>
   <p:notesSz cx="6858000" cy="9144000"/>
@@ -269,6 +270,7 @@
             <p14:sldId id="319"/>
             <p14:sldId id="316"/>
             <p14:sldId id="306"/>
+            <p14:sldId id="469"/>
             <p14:sldId id="291"/>
             <p14:sldId id="461"/>
             <p14:sldId id="359"/>
@@ -296,7 +298,7 @@
             <p14:sldId id="390"/>
             <p14:sldId id="465"/>
             <p14:sldId id="391"/>
-            <p14:sldId id="433"/>
+            <p14:sldId id="468"/>
             <p14:sldId id="355"/>
             <p14:sldId id="288"/>
             <p14:sldId id="298"/>
@@ -6673,24 +6675,24 @@
   </dgm:ptLst>
   <dgm:cxnLst>
     <dgm:cxn modelId="{8747F884-7CA4-413D-AFAC-DD5CAE19DDA5}" srcId="{47AA4630-B738-4650-913F-7378CC40D312}" destId="{6CD60870-D228-4E7C-AB37-75604251742A}" srcOrd="2" destOrd="0" parTransId="{75E4D45F-C716-48A2-8E57-584BA67C4566}" sibTransId="{04BB66AA-DBE2-4BFD-A94E-A31165187E75}"/>
+    <dgm:cxn modelId="{D502F2CB-B89C-E34F-A6DF-89B1A25FEDE7}" type="presOf" srcId="{D8FC48C4-469B-40DC-950F-ABA168836D34}" destId="{3725F2C1-AA1D-49A3-9D73-9D444D08CE71}" srcOrd="0" destOrd="0" presId="urn:microsoft.com/office/officeart/2005/8/layout/process2"/>
     <dgm:cxn modelId="{B9FDB916-0E3A-45DF-B817-B4FF0DF0DD0F}" srcId="{47AA4630-B738-4650-913F-7378CC40D312}" destId="{96BC0EEB-57F0-4267-86F0-4EA98B40D230}" srcOrd="4" destOrd="0" parTransId="{A57BE1BC-E807-47AE-8640-A3F276768BED}" sibTransId="{062036D4-7094-47BF-9BE9-A58B2E6A4D41}"/>
-    <dgm:cxn modelId="{D502F2CB-B89C-E34F-A6DF-89B1A25FEDE7}" type="presOf" srcId="{D8FC48C4-469B-40DC-950F-ABA168836D34}" destId="{3725F2C1-AA1D-49A3-9D73-9D444D08CE71}" srcOrd="0" destOrd="0" presId="urn:microsoft.com/office/officeart/2005/8/layout/process2"/>
+    <dgm:cxn modelId="{1B5D7B5E-5E25-644F-BB4B-F1E7896D0731}" type="presOf" srcId="{97DB59AD-8506-4A74-BB78-BA533F4FB10F}" destId="{87C32DCB-D7CA-425A-A14D-DC1B34BAA990}" srcOrd="0" destOrd="0" presId="urn:microsoft.com/office/officeart/2005/8/layout/process2"/>
+    <dgm:cxn modelId="{D086F928-FE0E-4B47-8C13-5FF4984C9F9C}" type="presOf" srcId="{EFB1699C-C280-416C-B6B3-B9CB2E52EAA1}" destId="{143F6140-E7F1-4CCF-A9B1-524762512517}" srcOrd="0" destOrd="0" presId="urn:microsoft.com/office/officeart/2005/8/layout/process2"/>
+    <dgm:cxn modelId="{B8E8490A-B09C-734B-A716-413F24EA4012}" type="presOf" srcId="{EFB1699C-C280-416C-B6B3-B9CB2E52EAA1}" destId="{B2BEE0C4-D8B2-432A-8CB1-C2162205DCA3}" srcOrd="1" destOrd="0" presId="urn:microsoft.com/office/officeart/2005/8/layout/process2"/>
+    <dgm:cxn modelId="{9D8E6E91-508B-E540-99ED-C0D4895B5537}" type="presOf" srcId="{CB49FD0C-9B39-4860-B781-669D9FC3FB40}" destId="{B4CC5E68-BD20-49EE-86FA-E08541A3FE12}" srcOrd="0" destOrd="0" presId="urn:microsoft.com/office/officeart/2005/8/layout/process2"/>
+    <dgm:cxn modelId="{29DFC02F-6195-3043-8F91-015C50C4CEAE}" type="presOf" srcId="{7764EA43-B182-BC4F-BCDA-333200F918B8}" destId="{5EB7E61C-215B-AD45-8738-514EF8F5F4E5}" srcOrd="1" destOrd="0" presId="urn:microsoft.com/office/officeart/2005/8/layout/process2"/>
+    <dgm:cxn modelId="{F91E15A7-C24F-4D74-8B1A-D7C0021B8888}" srcId="{47AA4630-B738-4650-913F-7378CC40D312}" destId="{97DB59AD-8506-4A74-BB78-BA533F4FB10F}" srcOrd="1" destOrd="0" parTransId="{E5F038C7-DBC4-490A-AAFB-6D151F9C0538}" sibTransId="{EFB1699C-C280-416C-B6B3-B9CB2E52EAA1}"/>
+    <dgm:cxn modelId="{9C518300-8071-B04B-8A6B-F7BFA0AC4999}" type="presOf" srcId="{7764EA43-B182-BC4F-BCDA-333200F918B8}" destId="{66533B70-8731-2345-9B98-5A7A7F80153B}" srcOrd="0" destOrd="0" presId="urn:microsoft.com/office/officeart/2005/8/layout/process2"/>
+    <dgm:cxn modelId="{FF83F153-2D58-2E4E-B3E7-2B6600349125}" type="presOf" srcId="{04BB66AA-DBE2-4BFD-A94E-A31165187E75}" destId="{E3B3E849-56D6-49C5-932E-7B5B0F9F195C}" srcOrd="1" destOrd="0" presId="urn:microsoft.com/office/officeart/2005/8/layout/process2"/>
+    <dgm:cxn modelId="{0F95B477-3571-3442-BE80-0888F825957B}" srcId="{47AA4630-B738-4650-913F-7378CC40D312}" destId="{E188BD28-8BF3-DF4E-89B0-D0D9BDDAD858}" srcOrd="0" destOrd="0" parTransId="{36E39B49-FFE1-4141-AC7D-DEC0690E85F8}" sibTransId="{7764EA43-B182-BC4F-BCDA-333200F918B8}"/>
+    <dgm:cxn modelId="{3F4C1D19-41C5-5C46-AB27-79D2FA146B21}" type="presOf" srcId="{E188BD28-8BF3-DF4E-89B0-D0D9BDDAD858}" destId="{8B185A30-22C7-6840-8D3E-58B36EE38549}" srcOrd="0" destOrd="0" presId="urn:microsoft.com/office/officeart/2005/8/layout/process2"/>
+    <dgm:cxn modelId="{298F934D-0BC7-3B4B-8998-C29A1E2FA2F5}" type="presOf" srcId="{CB49FD0C-9B39-4860-B781-669D9FC3FB40}" destId="{BD1FA95E-C45B-4671-BBAB-95DCE436E052}" srcOrd="1" destOrd="0" presId="urn:microsoft.com/office/officeart/2005/8/layout/process2"/>
+    <dgm:cxn modelId="{4F77C843-7170-FB42-AD56-04C07B5BA200}" type="presOf" srcId="{96BC0EEB-57F0-4267-86F0-4EA98B40D230}" destId="{C45FEE31-6BF1-4E83-9497-1224D8F07991}" srcOrd="0" destOrd="0" presId="urn:microsoft.com/office/officeart/2005/8/layout/process2"/>
+    <dgm:cxn modelId="{165AE32A-34E6-4032-86AF-87A045F8F59C}" srcId="{47AA4630-B738-4650-913F-7378CC40D312}" destId="{D8FC48C4-469B-40DC-950F-ABA168836D34}" srcOrd="3" destOrd="0" parTransId="{3B29C759-9861-4F5A-9C39-84993FBBD849}" sibTransId="{CB49FD0C-9B39-4860-B781-669D9FC3FB40}"/>
     <dgm:cxn modelId="{CF6FC7B7-1ABC-5A44-B057-88C52247DFDB}" type="presOf" srcId="{6CD60870-D228-4E7C-AB37-75604251742A}" destId="{3FA6B472-D1F3-409B-BF18-F1310278CB78}" srcOrd="0" destOrd="0" presId="urn:microsoft.com/office/officeart/2005/8/layout/process2"/>
-    <dgm:cxn modelId="{0F95B477-3571-3442-BE80-0888F825957B}" srcId="{47AA4630-B738-4650-913F-7378CC40D312}" destId="{E188BD28-8BF3-DF4E-89B0-D0D9BDDAD858}" srcOrd="0" destOrd="0" parTransId="{36E39B49-FFE1-4141-AC7D-DEC0690E85F8}" sibTransId="{7764EA43-B182-BC4F-BCDA-333200F918B8}"/>
+    <dgm:cxn modelId="{9ED44D31-D359-7A48-807F-414B7B57652D}" type="presOf" srcId="{47AA4630-B738-4650-913F-7378CC40D312}" destId="{7A234B30-A436-41B7-96D9-05CCC2F7ADDC}" srcOrd="0" destOrd="0" presId="urn:microsoft.com/office/officeart/2005/8/layout/process2"/>
     <dgm:cxn modelId="{FA0C0E2A-C034-524E-B609-3005A3507C7A}" type="presOf" srcId="{04BB66AA-DBE2-4BFD-A94E-A31165187E75}" destId="{E202264D-36A3-408A-9050-7FBD30D2645C}" srcOrd="0" destOrd="0" presId="urn:microsoft.com/office/officeart/2005/8/layout/process2"/>
-    <dgm:cxn modelId="{298F934D-0BC7-3B4B-8998-C29A1E2FA2F5}" type="presOf" srcId="{CB49FD0C-9B39-4860-B781-669D9FC3FB40}" destId="{BD1FA95E-C45B-4671-BBAB-95DCE436E052}" srcOrd="1" destOrd="0" presId="urn:microsoft.com/office/officeart/2005/8/layout/process2"/>
-    <dgm:cxn modelId="{29DFC02F-6195-3043-8F91-015C50C4CEAE}" type="presOf" srcId="{7764EA43-B182-BC4F-BCDA-333200F918B8}" destId="{5EB7E61C-215B-AD45-8738-514EF8F5F4E5}" srcOrd="1" destOrd="0" presId="urn:microsoft.com/office/officeart/2005/8/layout/process2"/>
-    <dgm:cxn modelId="{3F4C1D19-41C5-5C46-AB27-79D2FA146B21}" type="presOf" srcId="{E188BD28-8BF3-DF4E-89B0-D0D9BDDAD858}" destId="{8B185A30-22C7-6840-8D3E-58B36EE38549}" srcOrd="0" destOrd="0" presId="urn:microsoft.com/office/officeart/2005/8/layout/process2"/>
-    <dgm:cxn modelId="{165AE32A-34E6-4032-86AF-87A045F8F59C}" srcId="{47AA4630-B738-4650-913F-7378CC40D312}" destId="{D8FC48C4-469B-40DC-950F-ABA168836D34}" srcOrd="3" destOrd="0" parTransId="{3B29C759-9861-4F5A-9C39-84993FBBD849}" sibTransId="{CB49FD0C-9B39-4860-B781-669D9FC3FB40}"/>
-    <dgm:cxn modelId="{D086F928-FE0E-4B47-8C13-5FF4984C9F9C}" type="presOf" srcId="{EFB1699C-C280-416C-B6B3-B9CB2E52EAA1}" destId="{143F6140-E7F1-4CCF-A9B1-524762512517}" srcOrd="0" destOrd="0" presId="urn:microsoft.com/office/officeart/2005/8/layout/process2"/>
-    <dgm:cxn modelId="{FF83F153-2D58-2E4E-B3E7-2B6600349125}" type="presOf" srcId="{04BB66AA-DBE2-4BFD-A94E-A31165187E75}" destId="{E3B3E849-56D6-49C5-932E-7B5B0F9F195C}" srcOrd="1" destOrd="0" presId="urn:microsoft.com/office/officeart/2005/8/layout/process2"/>
-    <dgm:cxn modelId="{B8E8490A-B09C-734B-A716-413F24EA4012}" type="presOf" srcId="{EFB1699C-C280-416C-B6B3-B9CB2E52EAA1}" destId="{B2BEE0C4-D8B2-432A-8CB1-C2162205DCA3}" srcOrd="1" destOrd="0" presId="urn:microsoft.com/office/officeart/2005/8/layout/process2"/>
-    <dgm:cxn modelId="{F91E15A7-C24F-4D74-8B1A-D7C0021B8888}" srcId="{47AA4630-B738-4650-913F-7378CC40D312}" destId="{97DB59AD-8506-4A74-BB78-BA533F4FB10F}" srcOrd="1" destOrd="0" parTransId="{E5F038C7-DBC4-490A-AAFB-6D151F9C0538}" sibTransId="{EFB1699C-C280-416C-B6B3-B9CB2E52EAA1}"/>
-    <dgm:cxn modelId="{4F77C843-7170-FB42-AD56-04C07B5BA200}" type="presOf" srcId="{96BC0EEB-57F0-4267-86F0-4EA98B40D230}" destId="{C45FEE31-6BF1-4E83-9497-1224D8F07991}" srcOrd="0" destOrd="0" presId="urn:microsoft.com/office/officeart/2005/8/layout/process2"/>
-    <dgm:cxn modelId="{9D8E6E91-508B-E540-99ED-C0D4895B5537}" type="presOf" srcId="{CB49FD0C-9B39-4860-B781-669D9FC3FB40}" destId="{B4CC5E68-BD20-49EE-86FA-E08541A3FE12}" srcOrd="0" destOrd="0" presId="urn:microsoft.com/office/officeart/2005/8/layout/process2"/>
-    <dgm:cxn modelId="{9ED44D31-D359-7A48-807F-414B7B57652D}" type="presOf" srcId="{47AA4630-B738-4650-913F-7378CC40D312}" destId="{7A234B30-A436-41B7-96D9-05CCC2F7ADDC}" srcOrd="0" destOrd="0" presId="urn:microsoft.com/office/officeart/2005/8/layout/process2"/>
-    <dgm:cxn modelId="{1B5D7B5E-5E25-644F-BB4B-F1E7896D0731}" type="presOf" srcId="{97DB59AD-8506-4A74-BB78-BA533F4FB10F}" destId="{87C32DCB-D7CA-425A-A14D-DC1B34BAA990}" srcOrd="0" destOrd="0" presId="urn:microsoft.com/office/officeart/2005/8/layout/process2"/>
-    <dgm:cxn modelId="{9C518300-8071-B04B-8A6B-F7BFA0AC4999}" type="presOf" srcId="{7764EA43-B182-BC4F-BCDA-333200F918B8}" destId="{66533B70-8731-2345-9B98-5A7A7F80153B}" srcOrd="0" destOrd="0" presId="urn:microsoft.com/office/officeart/2005/8/layout/process2"/>
     <dgm:cxn modelId="{D10CBB14-61D0-5A4C-9A50-E26F9C5EB347}" type="presParOf" srcId="{7A234B30-A436-41B7-96D9-05CCC2F7ADDC}" destId="{8B185A30-22C7-6840-8D3E-58B36EE38549}" srcOrd="0" destOrd="0" presId="urn:microsoft.com/office/officeart/2005/8/layout/process2"/>
     <dgm:cxn modelId="{8FE40D00-E814-1443-BEB0-B3CC291F595A}" type="presParOf" srcId="{7A234B30-A436-41B7-96D9-05CCC2F7ADDC}" destId="{66533B70-8731-2345-9B98-5A7A7F80153B}" srcOrd="1" destOrd="0" presId="urn:microsoft.com/office/officeart/2005/8/layout/process2"/>
     <dgm:cxn modelId="{A24DEC56-1878-E64B-9D73-E456A25FB8B9}" type="presParOf" srcId="{66533B70-8731-2345-9B98-5A7A7F80153B}" destId="{5EB7E61C-215B-AD45-8738-514EF8F5F4E5}" srcOrd="0" destOrd="0" presId="urn:microsoft.com/office/officeart/2005/8/layout/process2"/>
@@ -7867,24 +7869,24 @@
   </dgm:ptLst>
   <dgm:cxnLst>
     <dgm:cxn modelId="{8747F884-7CA4-413D-AFAC-DD5CAE19DDA5}" srcId="{47AA4630-B738-4650-913F-7378CC40D312}" destId="{6CD60870-D228-4E7C-AB37-75604251742A}" srcOrd="2" destOrd="0" parTransId="{75E4D45F-C716-48A2-8E57-584BA67C4566}" sibTransId="{04BB66AA-DBE2-4BFD-A94E-A31165187E75}"/>
+    <dgm:cxn modelId="{9DCAD1AE-AE8F-C542-993A-46832AD7E3F7}" type="presOf" srcId="{04BB66AA-DBE2-4BFD-A94E-A31165187E75}" destId="{E3B3E849-56D6-49C5-932E-7B5B0F9F195C}" srcOrd="1" destOrd="0" presId="urn:microsoft.com/office/officeart/2005/8/layout/process2"/>
     <dgm:cxn modelId="{B9FDB916-0E3A-45DF-B817-B4FF0DF0DD0F}" srcId="{47AA4630-B738-4650-913F-7378CC40D312}" destId="{96BC0EEB-57F0-4267-86F0-4EA98B40D230}" srcOrd="4" destOrd="0" parTransId="{A57BE1BC-E807-47AE-8640-A3F276768BED}" sibTransId="{062036D4-7094-47BF-9BE9-A58B2E6A4D41}"/>
+    <dgm:cxn modelId="{6689F0B5-F6D2-6146-A3CC-16A7F09ECD95}" type="presOf" srcId="{97DB59AD-8506-4A74-BB78-BA533F4FB10F}" destId="{87C32DCB-D7CA-425A-A14D-DC1B34BAA990}" srcOrd="0" destOrd="0" presId="urn:microsoft.com/office/officeart/2005/8/layout/process2"/>
+    <dgm:cxn modelId="{EB39C2AD-FD57-5049-B098-258DD88E7496}" type="presOf" srcId="{04BB66AA-DBE2-4BFD-A94E-A31165187E75}" destId="{E202264D-36A3-408A-9050-7FBD30D2645C}" srcOrd="0" destOrd="0" presId="urn:microsoft.com/office/officeart/2005/8/layout/process2"/>
+    <dgm:cxn modelId="{0F95B477-3571-3442-BE80-0888F825957B}" srcId="{47AA4630-B738-4650-913F-7378CC40D312}" destId="{E188BD28-8BF3-DF4E-89B0-D0D9BDDAD858}" srcOrd="0" destOrd="0" parTransId="{36E39B49-FFE1-4141-AC7D-DEC0690E85F8}" sibTransId="{7764EA43-B182-BC4F-BCDA-333200F918B8}"/>
     <dgm:cxn modelId="{F4F8E3FF-6FD5-6745-A94E-2A3A6F209DFF}" type="presOf" srcId="{CB49FD0C-9B39-4860-B781-669D9FC3FB40}" destId="{BD1FA95E-C45B-4671-BBAB-95DCE436E052}" srcOrd="1" destOrd="0" presId="urn:microsoft.com/office/officeart/2005/8/layout/process2"/>
+    <dgm:cxn modelId="{E40B25C4-5FF1-D246-9715-8E798430839E}" type="presOf" srcId="{7764EA43-B182-BC4F-BCDA-333200F918B8}" destId="{66533B70-8731-2345-9B98-5A7A7F80153B}" srcOrd="0" destOrd="0" presId="urn:microsoft.com/office/officeart/2005/8/layout/process2"/>
+    <dgm:cxn modelId="{165AE32A-34E6-4032-86AF-87A045F8F59C}" srcId="{47AA4630-B738-4650-913F-7378CC40D312}" destId="{D8FC48C4-469B-40DC-950F-ABA168836D34}" srcOrd="3" destOrd="0" parTransId="{3B29C759-9861-4F5A-9C39-84993FBBD849}" sibTransId="{CB49FD0C-9B39-4860-B781-669D9FC3FB40}"/>
+    <dgm:cxn modelId="{258E6188-D24E-5243-86FE-FF33A3DEEA39}" type="presOf" srcId="{7764EA43-B182-BC4F-BCDA-333200F918B8}" destId="{5EB7E61C-215B-AD45-8738-514EF8F5F4E5}" srcOrd="1" destOrd="0" presId="urn:microsoft.com/office/officeart/2005/8/layout/process2"/>
+    <dgm:cxn modelId="{3E1261D4-078C-EE4B-AFC6-897F3D5D71BD}" type="presOf" srcId="{EFB1699C-C280-416C-B6B3-B9CB2E52EAA1}" destId="{B2BEE0C4-D8B2-432A-8CB1-C2162205DCA3}" srcOrd="1" destOrd="0" presId="urn:microsoft.com/office/officeart/2005/8/layout/process2"/>
+    <dgm:cxn modelId="{2D0ABAC6-DA91-8D46-B554-E9457DCF3A92}" type="presOf" srcId="{47AA4630-B738-4650-913F-7378CC40D312}" destId="{7A234B30-A436-41B7-96D9-05CCC2F7ADDC}" srcOrd="0" destOrd="0" presId="urn:microsoft.com/office/officeart/2005/8/layout/process2"/>
+    <dgm:cxn modelId="{D365E894-A5EB-1247-B4AA-97AE89C3B6F1}" type="presOf" srcId="{EFB1699C-C280-416C-B6B3-B9CB2E52EAA1}" destId="{143F6140-E7F1-4CCF-A9B1-524762512517}" srcOrd="0" destOrd="0" presId="urn:microsoft.com/office/officeart/2005/8/layout/process2"/>
+    <dgm:cxn modelId="{F91E15A7-C24F-4D74-8B1A-D7C0021B8888}" srcId="{47AA4630-B738-4650-913F-7378CC40D312}" destId="{97DB59AD-8506-4A74-BB78-BA533F4FB10F}" srcOrd="1" destOrd="0" parTransId="{E5F038C7-DBC4-490A-AAFB-6D151F9C0538}" sibTransId="{EFB1699C-C280-416C-B6B3-B9CB2E52EAA1}"/>
+    <dgm:cxn modelId="{9DF0477C-A764-8B4F-B772-DEA08EF5B2B1}" type="presOf" srcId="{D8FC48C4-469B-40DC-950F-ABA168836D34}" destId="{3725F2C1-AA1D-49A3-9D73-9D444D08CE71}" srcOrd="0" destOrd="0" presId="urn:microsoft.com/office/officeart/2005/8/layout/process2"/>
+    <dgm:cxn modelId="{26575D07-F418-0F47-847E-EB1CD13E562B}" type="presOf" srcId="{96BC0EEB-57F0-4267-86F0-4EA98B40D230}" destId="{C45FEE31-6BF1-4E83-9497-1224D8F07991}" srcOrd="0" destOrd="0" presId="urn:microsoft.com/office/officeart/2005/8/layout/process2"/>
     <dgm:cxn modelId="{0E210A85-09CF-AA45-A9A9-05D250FD2536}" type="presOf" srcId="{E188BD28-8BF3-DF4E-89B0-D0D9BDDAD858}" destId="{8B185A30-22C7-6840-8D3E-58B36EE38549}" srcOrd="0" destOrd="0" presId="urn:microsoft.com/office/officeart/2005/8/layout/process2"/>
-    <dgm:cxn modelId="{F91E15A7-C24F-4D74-8B1A-D7C0021B8888}" srcId="{47AA4630-B738-4650-913F-7378CC40D312}" destId="{97DB59AD-8506-4A74-BB78-BA533F4FB10F}" srcOrd="1" destOrd="0" parTransId="{E5F038C7-DBC4-490A-AAFB-6D151F9C0538}" sibTransId="{EFB1699C-C280-416C-B6B3-B9CB2E52EAA1}"/>
+    <dgm:cxn modelId="{33D39394-D06E-3C45-A948-C1FD1F42BE5D}" type="presOf" srcId="{6CD60870-D228-4E7C-AB37-75604251742A}" destId="{3FA6B472-D1F3-409B-BF18-F1310278CB78}" srcOrd="0" destOrd="0" presId="urn:microsoft.com/office/officeart/2005/8/layout/process2"/>
     <dgm:cxn modelId="{53D6E192-6B91-4748-A7C9-998CF3DA9B64}" type="presOf" srcId="{CB49FD0C-9B39-4860-B781-669D9FC3FB40}" destId="{B4CC5E68-BD20-49EE-86FA-E08541A3FE12}" srcOrd="0" destOrd="0" presId="urn:microsoft.com/office/officeart/2005/8/layout/process2"/>
-    <dgm:cxn modelId="{E40B25C4-5FF1-D246-9715-8E798430839E}" type="presOf" srcId="{7764EA43-B182-BC4F-BCDA-333200F918B8}" destId="{66533B70-8731-2345-9B98-5A7A7F80153B}" srcOrd="0" destOrd="0" presId="urn:microsoft.com/office/officeart/2005/8/layout/process2"/>
-    <dgm:cxn modelId="{0F95B477-3571-3442-BE80-0888F825957B}" srcId="{47AA4630-B738-4650-913F-7378CC40D312}" destId="{E188BD28-8BF3-DF4E-89B0-D0D9BDDAD858}" srcOrd="0" destOrd="0" parTransId="{36E39B49-FFE1-4141-AC7D-DEC0690E85F8}" sibTransId="{7764EA43-B182-BC4F-BCDA-333200F918B8}"/>
-    <dgm:cxn modelId="{2D0ABAC6-DA91-8D46-B554-E9457DCF3A92}" type="presOf" srcId="{47AA4630-B738-4650-913F-7378CC40D312}" destId="{7A234B30-A436-41B7-96D9-05CCC2F7ADDC}" srcOrd="0" destOrd="0" presId="urn:microsoft.com/office/officeart/2005/8/layout/process2"/>
-    <dgm:cxn modelId="{3E1261D4-078C-EE4B-AFC6-897F3D5D71BD}" type="presOf" srcId="{EFB1699C-C280-416C-B6B3-B9CB2E52EAA1}" destId="{B2BEE0C4-D8B2-432A-8CB1-C2162205DCA3}" srcOrd="1" destOrd="0" presId="urn:microsoft.com/office/officeart/2005/8/layout/process2"/>
-    <dgm:cxn modelId="{EB39C2AD-FD57-5049-B098-258DD88E7496}" type="presOf" srcId="{04BB66AA-DBE2-4BFD-A94E-A31165187E75}" destId="{E202264D-36A3-408A-9050-7FBD30D2645C}" srcOrd="0" destOrd="0" presId="urn:microsoft.com/office/officeart/2005/8/layout/process2"/>
-    <dgm:cxn modelId="{165AE32A-34E6-4032-86AF-87A045F8F59C}" srcId="{47AA4630-B738-4650-913F-7378CC40D312}" destId="{D8FC48C4-469B-40DC-950F-ABA168836D34}" srcOrd="3" destOrd="0" parTransId="{3B29C759-9861-4F5A-9C39-84993FBBD849}" sibTransId="{CB49FD0C-9B39-4860-B781-669D9FC3FB40}"/>
-    <dgm:cxn modelId="{9DF0477C-A764-8B4F-B772-DEA08EF5B2B1}" type="presOf" srcId="{D8FC48C4-469B-40DC-950F-ABA168836D34}" destId="{3725F2C1-AA1D-49A3-9D73-9D444D08CE71}" srcOrd="0" destOrd="0" presId="urn:microsoft.com/office/officeart/2005/8/layout/process2"/>
-    <dgm:cxn modelId="{33D39394-D06E-3C45-A948-C1FD1F42BE5D}" type="presOf" srcId="{6CD60870-D228-4E7C-AB37-75604251742A}" destId="{3FA6B472-D1F3-409B-BF18-F1310278CB78}" srcOrd="0" destOrd="0" presId="urn:microsoft.com/office/officeart/2005/8/layout/process2"/>
-    <dgm:cxn modelId="{D365E894-A5EB-1247-B4AA-97AE89C3B6F1}" type="presOf" srcId="{EFB1699C-C280-416C-B6B3-B9CB2E52EAA1}" destId="{143F6140-E7F1-4CCF-A9B1-524762512517}" srcOrd="0" destOrd="0" presId="urn:microsoft.com/office/officeart/2005/8/layout/process2"/>
-    <dgm:cxn modelId="{6689F0B5-F6D2-6146-A3CC-16A7F09ECD95}" type="presOf" srcId="{97DB59AD-8506-4A74-BB78-BA533F4FB10F}" destId="{87C32DCB-D7CA-425A-A14D-DC1B34BAA990}" srcOrd="0" destOrd="0" presId="urn:microsoft.com/office/officeart/2005/8/layout/process2"/>
-    <dgm:cxn modelId="{26575D07-F418-0F47-847E-EB1CD13E562B}" type="presOf" srcId="{96BC0EEB-57F0-4267-86F0-4EA98B40D230}" destId="{C45FEE31-6BF1-4E83-9497-1224D8F07991}" srcOrd="0" destOrd="0" presId="urn:microsoft.com/office/officeart/2005/8/layout/process2"/>
-    <dgm:cxn modelId="{9DCAD1AE-AE8F-C542-993A-46832AD7E3F7}" type="presOf" srcId="{04BB66AA-DBE2-4BFD-A94E-A31165187E75}" destId="{E3B3E849-56D6-49C5-932E-7B5B0F9F195C}" srcOrd="1" destOrd="0" presId="urn:microsoft.com/office/officeart/2005/8/layout/process2"/>
-    <dgm:cxn modelId="{258E6188-D24E-5243-86FE-FF33A3DEEA39}" type="presOf" srcId="{7764EA43-B182-BC4F-BCDA-333200F918B8}" destId="{5EB7E61C-215B-AD45-8738-514EF8F5F4E5}" srcOrd="1" destOrd="0" presId="urn:microsoft.com/office/officeart/2005/8/layout/process2"/>
     <dgm:cxn modelId="{15EAEB83-C41B-5C48-9F6E-3898263890BB}" type="presParOf" srcId="{7A234B30-A436-41B7-96D9-05CCC2F7ADDC}" destId="{8B185A30-22C7-6840-8D3E-58B36EE38549}" srcOrd="0" destOrd="0" presId="urn:microsoft.com/office/officeart/2005/8/layout/process2"/>
     <dgm:cxn modelId="{D84D3A96-F045-B440-B21D-D8AE917A4A87}" type="presParOf" srcId="{7A234B30-A436-41B7-96D9-05CCC2F7ADDC}" destId="{66533B70-8731-2345-9B98-5A7A7F80153B}" srcOrd="1" destOrd="0" presId="urn:microsoft.com/office/officeart/2005/8/layout/process2"/>
     <dgm:cxn modelId="{7AFF4E44-A8A0-B346-A202-3F879C6FDA04}" type="presParOf" srcId="{66533B70-8731-2345-9B98-5A7A7F80153B}" destId="{5EB7E61C-215B-AD45-8738-514EF8F5F4E5}" srcOrd="0" destOrd="0" presId="urn:microsoft.com/office/officeart/2005/8/layout/process2"/>
@@ -18329,7 +18331,7 @@
             <a:fld id="{80AC11AF-147E-0A48-A5B0-8DA858D84551}" type="datetimeFigureOut">
               <a:rPr lang="en-US" smtClean="0"/>
               <a:pPr/>
-              <a:t>30/08/2015</a:t>
+              <a:t>31/08/2015</a:t>
             </a:fld>
             <a:endParaRPr lang="en-US"/>
           </a:p>
@@ -18892,41 +18894,7 @@
           </a:bodyPr>
           <a:lstStyle/>
           <a:p>
-            <a:r>
-              <a:rPr lang="en-US" dirty="0" err="1" smtClean="0"/>
-              <a:t>Kathryn </a:t>
-            </a:r>
-            <a:r>
-              <a:rPr lang="en-US" dirty="0" smtClean="0"/>
-              <a:t>talked about best practices</a:t>
-            </a:r>
-            <a:r>
-              <a:rPr lang="en-US" baseline="0" dirty="0" smtClean="0"/>
-              <a:t> for scientific programming -&gt; recipes that have been shown to produce good software</a:t>
-            </a:r>
-          </a:p>
-          <a:p>
-            <a:r>
-              <a:rPr lang="en-US" baseline="0" dirty="0" smtClean="0"/>
-              <a:t>I’m going to show you the Python tools for those techniques: unit testing, debugging, profile, …</a:t>
-            </a:r>
-          </a:p>
-          <a:p>
             <a:endParaRPr lang="en-US" baseline="0" dirty="0" smtClean="0"/>
-          </a:p>
-          <a:p>
-            <a:r>
-              <a:rPr lang="en-US" baseline="0" dirty="0" smtClean="0"/>
-              <a:t>PLEASE interrupt me whenever</a:t>
-            </a:r>
-            <a:r>
-              <a:rPr lang="en-US" baseline="0" dirty="0"/>
-              <a:t> </a:t>
-            </a:r>
-            <a:r>
-              <a:rPr lang="en-US" baseline="0" dirty="0" smtClean="0"/>
-              <a:t>BRING UP YOUR USER CASES</a:t>
-            </a:r>
           </a:p>
         </p:txBody>
       </p:sp>
@@ -20886,62 +20854,6 @@
             <a:pPr marL="228600" indent="-228600">
               <a:buNone/>
             </a:pPr>
-            <a:r>
-              <a:rPr lang="en-GB" baseline="0" dirty="0" smtClean="0"/>
-              <a:t>First of all, you should start with testing your code with</a:t>
-            </a:r>
-          </a:p>
-          <a:p>
-            <a:pPr marL="228600" indent="-228600">
-              <a:buNone/>
-            </a:pPr>
-            <a:endParaRPr lang="en-GB" dirty="0" smtClean="0"/>
-          </a:p>
-          <a:p>
-            <a:pPr marL="228600" indent="-228600">
-              <a:buAutoNum type="arabicParenR"/>
-            </a:pPr>
-            <a:r>
-              <a:rPr lang="en-GB" dirty="0" smtClean="0"/>
-              <a:t>explain typical test</a:t>
-            </a:r>
-            <a:r>
-              <a:rPr lang="en-GB" baseline="0" dirty="0" smtClean="0"/>
-              <a:t> structure</a:t>
-            </a:r>
-          </a:p>
-          <a:p>
-            <a:pPr marL="228600" indent="-228600">
-              <a:buAutoNum type="arabicParenR"/>
-            </a:pPr>
-            <a:r>
-              <a:rPr lang="en-GB" baseline="0" dirty="0" smtClean="0"/>
-              <a:t>show general case: two words, upper case chars randomly dispersed</a:t>
-            </a:r>
-          </a:p>
-          <a:p>
-            <a:pPr marL="228600" indent="-228600">
-              <a:buAutoNum type="arabicParenR"/>
-            </a:pPr>
-            <a:r>
-              <a:rPr lang="en-GB" baseline="0" dirty="0" smtClean="0"/>
-              <a:t>special cases</a:t>
-            </a:r>
-          </a:p>
-          <a:p>
-            <a:pPr marL="228600" indent="-228600">
-              <a:buAutoNum type="arabicParenR"/>
-            </a:pPr>
-            <a:endParaRPr lang="en-GB" baseline="0" dirty="0" smtClean="0"/>
-          </a:p>
-          <a:p>
-            <a:pPr marL="0" indent="0">
-              <a:buNone/>
-            </a:pPr>
-            <a:r>
-              <a:rPr lang="en-GB" baseline="0" dirty="0" smtClean="0"/>
-              <a:t>SHOW THIS (cut &amp; paste code)</a:t>
-            </a:r>
             <a:endParaRPr lang="en-GB" dirty="0"/>
           </a:p>
         </p:txBody>
@@ -21763,7 +21675,7 @@
             <a:fld id="{99B30722-7DAA-4E93-8206-71F83E275281}" type="slidenum">
               <a:rPr lang="en-US" smtClean="0"/>
               <a:pPr/>
-              <a:t>49</a:t>
+              <a:t>50</a:t>
             </a:fld>
             <a:endParaRPr lang="en-US"/>
           </a:p>
@@ -21850,7 +21762,7 @@
             <a:fld id="{5F378627-E3FE-44FD-B5FA-4582AC800163}" type="slidenum">
               <a:rPr lang="en-GB" smtClean="0"/>
               <a:pPr/>
-              <a:t>52</a:t>
+              <a:t>53</a:t>
             </a:fld>
             <a:endParaRPr lang="en-GB"/>
           </a:p>
@@ -21936,7 +21848,7 @@
             <a:fld id="{99B30722-7DAA-4E93-8206-71F83E275281}" type="slidenum">
               <a:rPr lang="en-US" smtClean="0"/>
               <a:pPr/>
-              <a:t>53</a:t>
+              <a:t>54</a:t>
             </a:fld>
             <a:endParaRPr lang="en-US"/>
           </a:p>
@@ -22024,7 +21936,7 @@
             <a:fld id="{99B30722-7DAA-4E93-8206-71F83E275281}" type="slidenum">
               <a:rPr lang="en-US"/>
               <a:pPr/>
-              <a:t>58</a:t>
+              <a:t>59</a:t>
             </a:fld>
             <a:endParaRPr lang="en-US"/>
           </a:p>
@@ -22089,49 +22001,6 @@
           </a:bodyPr>
           <a:lstStyle/>
           <a:p>
-            <a:r>
-              <a:rPr lang="en-GB" dirty="0" smtClean="0"/>
-              <a:t>As opposed</a:t>
-            </a:r>
-            <a:r>
-              <a:rPr lang="en-GB" baseline="0" dirty="0" smtClean="0"/>
-              <a:t> to waterfall model</a:t>
-            </a:r>
-            <a:endParaRPr lang="en-GB" dirty="0" smtClean="0"/>
-          </a:p>
-          <a:p>
-            <a:endParaRPr lang="en-GB" dirty="0" smtClean="0"/>
-          </a:p>
-          <a:p>
-            <a:r>
-              <a:rPr lang="en-GB" dirty="0" smtClean="0"/>
-              <a:t>Reminder</a:t>
-            </a:r>
-          </a:p>
-          <a:p>
-            <a:r>
-              <a:rPr lang="en-GB" dirty="0" smtClean="0"/>
-              <a:t> 1) describe cycle</a:t>
-            </a:r>
-          </a:p>
-          <a:p>
-            <a:r>
-              <a:rPr lang="en-GB" dirty="0" smtClean="0"/>
-              <a:t> 2) short development cycles</a:t>
-            </a:r>
-          </a:p>
-          <a:p>
-            <a:r>
-              <a:rPr lang="en-GB" dirty="0" smtClean="0"/>
-              <a:t> 3) for</a:t>
-            </a:r>
-            <a:r>
-              <a:rPr lang="en-GB" baseline="0" dirty="0" smtClean="0"/>
-              <a:t> all of these steps there are python tools to help you; there’s no tool yet for writing the code, unfortunately</a:t>
-            </a:r>
-            <a:endParaRPr lang="en-GB" dirty="0" smtClean="0"/>
-          </a:p>
-          <a:p>
             <a:endParaRPr lang="en-GB" dirty="0"/>
           </a:p>
         </p:txBody>
@@ -22154,7 +22023,7 @@
             <a:fld id="{5F378627-E3FE-44FD-B5FA-4582AC800163}" type="slidenum">
               <a:rPr lang="en-GB" smtClean="0"/>
               <a:pPr/>
-              <a:t>61</a:t>
+              <a:t>62</a:t>
             </a:fld>
             <a:endParaRPr lang="en-GB"/>
           </a:p>
@@ -22236,7 +22105,7 @@
             <a:fld id="{2E53EA59-0E76-47F3-BAE3-1CF23EB8E420}" type="slidenum">
               <a:rPr lang="en-US" smtClean="0"/>
               <a:pPr/>
-              <a:t>62</a:t>
+              <a:t>63</a:t>
             </a:fld>
             <a:endParaRPr lang="en-US"/>
           </a:p>
@@ -22402,7 +22271,7 @@
             <a:fld id="{99B30722-7DAA-4E93-8206-71F83E275281}" type="slidenum">
               <a:rPr lang="en-US" smtClean="0"/>
               <a:pPr/>
-              <a:t>66</a:t>
+              <a:t>67</a:t>
             </a:fld>
             <a:endParaRPr lang="en-US"/>
           </a:p>
@@ -22484,7 +22353,7 @@
             <a:fld id="{99B30722-7DAA-4E93-8206-71F83E275281}" type="slidenum">
               <a:rPr lang="en-US" smtClean="0"/>
               <a:pPr/>
-              <a:t>69</a:t>
+              <a:t>70</a:t>
             </a:fld>
             <a:endParaRPr lang="en-US"/>
           </a:p>
@@ -22582,7 +22451,7 @@
             <a:fld id="{99B30722-7DAA-4E93-8206-71F83E275281}" type="slidenum">
               <a:rPr lang="en-US" smtClean="0"/>
               <a:pPr/>
-              <a:t>70</a:t>
+              <a:t>71</a:t>
             </a:fld>
             <a:endParaRPr lang="en-US"/>
           </a:p>
@@ -22680,7 +22549,7 @@
             <a:fld id="{99B30722-7DAA-4E93-8206-71F83E275281}" type="slidenum">
               <a:rPr lang="en-US" smtClean="0"/>
               <a:pPr/>
-              <a:t>71</a:t>
+              <a:t>72</a:t>
             </a:fld>
             <a:endParaRPr lang="en-US"/>
           </a:p>
@@ -22760,7 +22629,7 @@
             <a:fld id="{99B30722-7DAA-4E93-8206-71F83E275281}" type="slidenum">
               <a:rPr lang="en-US" smtClean="0"/>
               <a:pPr/>
-              <a:t>76</a:t>
+              <a:t>77</a:t>
             </a:fld>
             <a:endParaRPr lang="en-US"/>
           </a:p>
@@ -30084,11 +29953,46 @@
             </a:r>
             <a:r>
               <a:rPr lang="en-US">
+                <a:cs typeface="Courier New"/>
+              </a:rPr>
+              <a:t>the tests:</a:t>
+            </a:r>
+            <a:r>
+              <a:rPr lang="en-US">
+                <a:cs typeface="Courier New"/>
+              </a:rPr>
+              <a:t/>
+            </a:r>
+            <a:br>
+              <a:rPr lang="en-US">
+                <a:cs typeface="Courier New"/>
+              </a:rPr>
+            </a:br>
+            <a:r>
+              <a:rPr lang="en-US" dirty="0">
                 <a:latin typeface="Courier New"/>
                 <a:cs typeface="Courier New"/>
               </a:rPr>
-              <a:t>pyanno/tests/test_voting.py </a:t>
-            </a:r>
+              <a:t>python -m </a:t>
+            </a:r>
+            <a:r>
+              <a:rPr lang="en-US" dirty="0" err="1">
+                <a:latin typeface="Courier New"/>
+                <a:cs typeface="Courier New"/>
+              </a:rPr>
+              <a:t>unittest</a:t>
+            </a:r>
+            <a:r>
+              <a:rPr lang="en-US" dirty="0">
+                <a:latin typeface="Courier New"/>
+                <a:cs typeface="Courier New"/>
+              </a:rPr>
+              <a:t> -v discover</a:t>
+            </a:r>
+            <a:endParaRPr lang="en-US">
+              <a:latin typeface="Courier New"/>
+              <a:cs typeface="Courier New"/>
+            </a:endParaRPr>
           </a:p>
         </p:txBody>
       </p:sp>
@@ -30148,6 +30052,13 @@
   <p:clrMapOvr>
     <a:masterClrMapping/>
   </p:clrMapOvr>
+  <p:timing>
+    <p:tnLst>
+      <p:par>
+        <p:cTn xmlns:p14="http://schemas.microsoft.com/office/powerpoint/2010/main" id="1" dur="indefinite" restart="never" nodeType="tmRoot"/>
+      </p:par>
+    </p:tnLst>
+  </p:timing>
 </p:sld>
 </file>
 
@@ -30225,11 +30136,7 @@
           <a:p>
             <a:r>
               <a:rPr lang="en-US"/>
-              <a:t>P</a:t>
-            </a:r>
-            <a:r>
-              <a:rPr lang="en-US"/>
-              <a:t>rofiling</a:t>
+              <a:t>Profiling</a:t>
             </a:r>
           </a:p>
         </p:txBody>
@@ -30442,14 +30349,7 @@
                 <a:latin typeface="Courier New"/>
                 <a:cs typeface="Courier New"/>
               </a:rPr>
-              <a:t> </a:t>
-            </a:r>
-            <a:r>
-              <a:rPr lang="en-US" dirty="0">
-                <a:latin typeface="Courier New"/>
-                <a:cs typeface="Courier New"/>
-              </a:rPr>
-              <a:t>[-v] </a:t>
+              <a:t> [-v] </a:t>
             </a:r>
             <a:r>
               <a:rPr lang="en-US" dirty="0" err="1">
@@ -30575,11 +30475,7 @@
             </a:r>
             <a:r>
               <a:rPr lang="en-US" dirty="0"/>
-              <a:t> classes in </a:t>
-            </a:r>
-            <a:r>
-              <a:rPr lang="en-US" dirty="0"/>
-              <a:t>a file.</a:t>
+              <a:t> classes in a file.</a:t>
             </a:r>
             <a:endParaRPr lang="en-US" dirty="0" smtClean="0">
               <a:latin typeface="Courier New"/>
@@ -33032,6 +32928,13 @@
   <p:clrMapOvr>
     <a:masterClrMapping/>
   </p:clrMapOvr>
+  <p:timing>
+    <p:tnLst>
+      <p:par>
+        <p:cTn xmlns:p14="http://schemas.microsoft.com/office/powerpoint/2010/main" id="1" dur="indefinite" restart="never" nodeType="tmRoot"/>
+      </p:par>
+    </p:tnLst>
+  </p:timing>
 </p:sld>
 </file>
 
@@ -33171,6 +33074,13 @@
   <p:clrMapOvr>
     <a:masterClrMapping/>
   </p:clrMapOvr>
+  <p:timing>
+    <p:tnLst>
+      <p:par>
+        <p:cTn xmlns:p14="http://schemas.microsoft.com/office/powerpoint/2010/main" id="1" dur="indefinite" restart="never" nodeType="tmRoot"/>
+      </p:par>
+    </p:tnLst>
+  </p:timing>
 </p:sld>
 </file>
 
@@ -33613,6 +33523,13 @@
   <p:clrMapOvr>
     <a:masterClrMapping/>
   </p:clrMapOvr>
+  <p:timing>
+    <p:tnLst>
+      <p:par>
+        <p:cTn xmlns:p14="http://schemas.microsoft.com/office/powerpoint/2010/main" id="1" dur="indefinite" restart="never" nodeType="tmRoot"/>
+      </p:par>
+    </p:tnLst>
+  </p:timing>
 </p:sld>
 </file>
 
@@ -33656,11 +33573,11 @@
             </a:r>
             <a:r>
               <a:rPr lang="en-US" dirty="0" err="1" smtClean="0"/>
-              <a:t>numpy</a:t>
+              <a:t>NumPy </a:t>
             </a:r>
             <a:r>
               <a:rPr lang="en-US" dirty="0" smtClean="0"/>
-              <a:t> arrays</a:t>
+              <a:t>arrays</a:t>
             </a:r>
             <a:endParaRPr lang="en-US" dirty="0"/>
           </a:p>
@@ -33762,8 +33679,8 @@
         </p:nvSpPr>
         <p:spPr>
           <a:xfrm>
-            <a:off x="1547664" y="1340768"/>
-            <a:ext cx="5946454" cy="1754327"/>
+            <a:off x="1259632" y="1340768"/>
+            <a:ext cx="7128792" cy="2031325"/>
           </a:xfrm>
           <a:prstGeom prst="rect">
             <a:avLst/>
@@ -33792,7 +33709,7 @@
                 </a:solidFill>
                 <a:latin typeface="Courier New" pitchFamily="49" charset="0"/>
               </a:rPr>
-              <a:t>NumpyTestCase</a:t>
+              <a:t>TestNumpyEquiality</a:t>
             </a:r>
             <a:r>
               <a:rPr lang="en-US" sz="1800" b="1" dirty="0" smtClean="0">
@@ -33848,7 +33765,7 @@
                 </a:solidFill>
                 <a:latin typeface="Courier New" pitchFamily="49" charset="0"/>
               </a:rPr>
-              <a:t>(</a:t>
+              <a:t>(self</a:t>
             </a:r>
             <a:r>
               <a:rPr lang="en-US" sz="1800" b="1" i="1" dirty="0" smtClean="0">
@@ -33857,7 +33774,7 @@
                 </a:solidFill>
                 <a:latin typeface="Courier New" pitchFamily="49" charset="0"/>
               </a:rPr>
-              <a:t>self):</a:t>
+              <a:t>):</a:t>
             </a:r>
           </a:p>
           <a:p>
@@ -33868,7 +33785,7 @@
                 </a:solidFill>
                 <a:latin typeface="Courier New" pitchFamily="49" charset="0"/>
               </a:rPr>
-              <a:t>        a = numpy.array([</a:t>
+              <a:t>        x = numpy.array([</a:t>
             </a:r>
             <a:r>
               <a:rPr lang="en-US" sz="1800" dirty="0" smtClean="0">
@@ -33889,13 +33806,13 @@
               <a:t>, </a:t>
             </a:r>
             <a:r>
-              <a:rPr lang="en-US" sz="1800" dirty="0" smtClean="0">
+              <a:rPr lang="en-US" sz="1800" dirty="0">
                 <a:solidFill>
                   <a:srgbClr val="800000"/>
                 </a:solidFill>
                 <a:latin typeface="Courier New" pitchFamily="49" charset="0"/>
               </a:rPr>
-              <a:t>2</a:t>
+              <a:t>1</a:t>
             </a:r>
             <a:r>
               <a:rPr lang="en-US" sz="1800" dirty="0" smtClean="0">
@@ -33906,26 +33823,14 @@
               </a:rPr>
               <a:t>])</a:t>
             </a:r>
-          </a:p>
-          <a:p>
-            <a:r>
+            <a:br>
               <a:rPr lang="en-US" sz="1800" dirty="0" smtClean="0">
                 <a:solidFill>
                   <a:srgbClr val="000000"/>
                 </a:solidFill>
                 <a:latin typeface="Courier New" pitchFamily="49" charset="0"/>
               </a:rPr>
-              <a:t>        b = numpy.array([</a:t>
-            </a:r>
-            <a:r>
-              <a:rPr lang="en-US" sz="1800" dirty="0" smtClean="0">
-                <a:solidFill>
-                  <a:srgbClr val="800000"/>
-                </a:solidFill>
-                <a:latin typeface="Courier New" pitchFamily="49" charset="0"/>
-              </a:rPr>
-              <a:t>1</a:t>
-            </a:r>
+            </a:br>
             <a:r>
               <a:rPr lang="en-US" sz="1800" dirty="0" smtClean="0">
                 <a:solidFill>
@@ -33933,16 +33838,72 @@
                 </a:solidFill>
                 <a:latin typeface="Courier New" pitchFamily="49" charset="0"/>
               </a:rPr>
-              <a:t>, </a:t>
-            </a:r>
-            <a:r>
-              <a:rPr lang="en-US" sz="1800" dirty="0" smtClean="0">
+              <a:t>       </a:t>
+            </a:r>
+            <a:r>
+              <a:rPr lang="en-US" sz="1800" dirty="0">
+                <a:solidFill>
+                  <a:srgbClr val="000000"/>
+                </a:solidFill>
+                <a:latin typeface="Courier New" pitchFamily="49" charset="0"/>
+              </a:rPr>
+              <a:t> y = numpy.array([</a:t>
+            </a:r>
+            <a:r>
+              <a:rPr lang="en-US" sz="1800" dirty="0">
                 <a:solidFill>
                   <a:srgbClr val="800000"/>
                 </a:solidFill>
                 <a:latin typeface="Courier New" pitchFamily="49" charset="0"/>
               </a:rPr>
               <a:t>2</a:t>
+            </a:r>
+            <a:r>
+              <a:rPr lang="en-US" sz="1800" dirty="0">
+                <a:solidFill>
+                  <a:srgbClr val="000000"/>
+                </a:solidFill>
+                <a:latin typeface="Courier New" pitchFamily="49" charset="0"/>
+              </a:rPr>
+              <a:t>, </a:t>
+            </a:r>
+            <a:r>
+              <a:rPr lang="en-US" sz="1800" dirty="0">
+                <a:solidFill>
+                  <a:srgbClr val="800000"/>
+                </a:solidFill>
+                <a:latin typeface="Courier New" pitchFamily="49" charset="0"/>
+              </a:rPr>
+              <a:t>2</a:t>
+            </a:r>
+            <a:r>
+              <a:rPr lang="en-US" sz="1800" dirty="0">
+                <a:solidFill>
+                  <a:srgbClr val="000000"/>
+                </a:solidFill>
+                <a:latin typeface="Courier New" pitchFamily="49" charset="0"/>
+              </a:rPr>
+              <a:t>])        </a:t>
+            </a:r>
+          </a:p>
+          <a:p>
+            <a:r>
+              <a:rPr lang="en-US" sz="1800" dirty="0">
+                <a:solidFill>
+                  <a:srgbClr val="000000"/>
+                </a:solidFill>
+                <a:latin typeface="Courier New" pitchFamily="49" charset="0"/>
+              </a:rPr>
+              <a:t>        z = numpy.array([</a:t>
+            </a:r>
+            <a:r>
+              <a:rPr lang="en-US" sz="1800" dirty="0">
+                <a:solidFill>
+                  <a:srgbClr val="800000"/>
+                </a:solidFill>
+                <a:latin typeface="Courier New" pitchFamily="49" charset="0"/>
+              </a:rPr>
+              <a:t>3</a:t>
             </a:r>
             <a:r>
               <a:rPr lang="en-US" sz="1800" dirty="0" smtClean="0">
@@ -33951,10 +33912,17 @@
                 </a:solidFill>
                 <a:latin typeface="Courier New" pitchFamily="49" charset="0"/>
               </a:rPr>
-              <a:t>])</a:t>
-            </a:r>
-          </a:p>
-          <a:p>
+              <a:t>, </a:t>
+            </a:r>
+            <a:r>
+              <a:rPr lang="en-US" sz="1800" dirty="0">
+                <a:solidFill>
+                  <a:srgbClr val="800000"/>
+                </a:solidFill>
+                <a:latin typeface="Courier New" pitchFamily="49" charset="0"/>
+              </a:rPr>
+              <a:t>3</a:t>
+            </a:r>
             <a:r>
               <a:rPr lang="en-US" sz="1800" dirty="0" smtClean="0">
                 <a:solidFill>
@@ -33962,6 +33930,17 @@
                 </a:solidFill>
                 <a:latin typeface="Courier New" pitchFamily="49" charset="0"/>
               </a:rPr>
+              <a:t>])</a:t>
+            </a:r>
+          </a:p>
+          <a:p>
+            <a:r>
+              <a:rPr lang="en-US" sz="1800" dirty="0" smtClean="0">
+                <a:solidFill>
+                  <a:srgbClr val="000000"/>
+                </a:solidFill>
+                <a:latin typeface="Courier New" pitchFamily="49" charset="0"/>
+              </a:rPr>
               <a:t>        </a:t>
             </a:r>
             <a:r>
@@ -33980,7 +33959,7 @@
                 </a:solidFill>
                 <a:latin typeface="Courier New" pitchFamily="49" charset="0"/>
               </a:rPr>
-              <a:t>(a, b)</a:t>
+              <a:t>(x + y, z)</a:t>
             </a:r>
             <a:endParaRPr lang="en-US" sz="1800" dirty="0" smtClean="0"/>
           </a:p>
@@ -33998,7 +33977,7 @@
         <p:spPr>
           <a:xfrm>
             <a:off x="827584" y="2996952"/>
-            <a:ext cx="7118176" cy="2970043"/>
+            <a:ext cx="7920880" cy="3308598"/>
           </a:xfrm>
           <a:prstGeom prst="rect">
             <a:avLst/>
@@ -34012,7 +33991,7 @@
           <a:p>
             <a:pPr lvl="0"/>
             <a:r>
-              <a:rPr lang="en-US" sz="1100" dirty="0" smtClean="0">
+              <a:rPr lang="en-US" sz="1100" dirty="0">
                 <a:solidFill>
                   <a:prstClr val="black"/>
                 </a:solidFill>
@@ -34025,7 +34004,7 @@
           <a:p>
             <a:pPr lvl="0"/>
             <a:r>
-              <a:rPr lang="en-US" sz="1100" dirty="0" smtClean="0">
+              <a:rPr lang="en-US" sz="1100" dirty="0">
                 <a:solidFill>
                   <a:prstClr val="black"/>
                 </a:solidFill>
@@ -34038,135 +34017,136 @@
           <a:p>
             <a:pPr lvl="0"/>
             <a:r>
-              <a:rPr lang="en-US" sz="1100" dirty="0" smtClean="0">
+              <a:rPr lang="en-US" sz="1100" dirty="0">
                 <a:solidFill>
                   <a:prstClr val="black"/>
                 </a:solidFill>
                 <a:latin typeface="Courier New" pitchFamily="49" charset="0"/>
                 <a:cs typeface="Courier New" pitchFamily="49" charset="0"/>
               </a:rPr>
-              <a:t>ERROR: </a:t>
-            </a:r>
-            <a:r>
-              <a:rPr lang="en-US" sz="1100" dirty="0" err="1" smtClean="0">
+              <a:t>ERROR: test_equality (test_numpy_equality.TestNumpyEquality)</a:t>
+            </a:r>
+          </a:p>
+          <a:p>
+            <a:pPr lvl="0"/>
+            <a:r>
+              <a:rPr lang="en-US" sz="1100" dirty="0">
                 <a:solidFill>
                   <a:prstClr val="black"/>
                 </a:solidFill>
                 <a:latin typeface="Courier New" pitchFamily="49" charset="0"/>
                 <a:cs typeface="Courier New" pitchFamily="49" charset="0"/>
               </a:rPr>
-              <a:t>test_equality</a:t>
-            </a:r>
-            <a:r>
-              <a:rPr lang="en-US" sz="1100" dirty="0" smtClean="0">
+              <a:t>----------------------------------------------------------------------</a:t>
+            </a:r>
+          </a:p>
+          <a:p>
+            <a:pPr lvl="0"/>
+            <a:r>
+              <a:rPr lang="en-US" sz="1100" dirty="0">
                 <a:solidFill>
                   <a:prstClr val="black"/>
                 </a:solidFill>
                 <a:latin typeface="Courier New" pitchFamily="49" charset="0"/>
                 <a:cs typeface="Courier New" pitchFamily="49" charset="0"/>
               </a:rPr>
-              <a:t> (__</a:t>
-            </a:r>
-            <a:r>
-              <a:rPr lang="en-US" sz="1100" dirty="0" err="1" smtClean="0">
+              <a:t>Traceback (most recent call last):</a:t>
+            </a:r>
+          </a:p>
+          <a:p>
+            <a:pPr lvl="0"/>
+            <a:r>
+              <a:rPr lang="en-US" sz="1100" dirty="0">
                 <a:solidFill>
                   <a:prstClr val="black"/>
                 </a:solidFill>
                 <a:latin typeface="Courier New" pitchFamily="49" charset="0"/>
                 <a:cs typeface="Courier New" pitchFamily="49" charset="0"/>
               </a:rPr>
-              <a:t>main__.NumpyTestCase</a:t>
-            </a:r>
-            <a:r>
-              <a:rPr lang="en-US" sz="1100" dirty="0" smtClean="0">
+              <a:t>  File "/Users/pberkes/o/pyschool/testing_debugging_profiling/hands_on/numpy_equality/test_numpy_equality.py", line 11, in test_equality</a:t>
+            </a:r>
+          </a:p>
+          <a:p>
+            <a:pPr lvl="0"/>
+            <a:r>
+              <a:rPr lang="en-US" sz="1100" dirty="0">
                 <a:solidFill>
                   <a:prstClr val="black"/>
                 </a:solidFill>
                 <a:latin typeface="Courier New" pitchFamily="49" charset="0"/>
                 <a:cs typeface="Courier New" pitchFamily="49" charset="0"/>
               </a:rPr>
-              <a:t>)</a:t>
+              <a:t>    self.assertEqual(x + y, z)</a:t>
             </a:r>
           </a:p>
           <a:p>
             <a:pPr lvl="0"/>
             <a:r>
-              <a:rPr lang="en-US" sz="1100" dirty="0" smtClean="0">
+              <a:rPr lang="en-US" sz="1100" dirty="0">
                 <a:solidFill>
                   <a:prstClr val="black"/>
                 </a:solidFill>
                 <a:latin typeface="Courier New" pitchFamily="49" charset="0"/>
                 <a:cs typeface="Courier New" pitchFamily="49" charset="0"/>
               </a:rPr>
-              <a:t>----------------------------------------------------------------------</a:t>
+              <a:t>  File ”/envs/gnode/lib/python3.4/unittest/case.py", line 797, in assertEqual</a:t>
             </a:r>
           </a:p>
           <a:p>
             <a:pPr lvl="0"/>
             <a:r>
-              <a:rPr lang="en-US" sz="1100" dirty="0" err="1" smtClean="0">
+              <a:rPr lang="en-US" sz="1100" dirty="0">
                 <a:solidFill>
                   <a:prstClr val="black"/>
                 </a:solidFill>
                 <a:latin typeface="Courier New" pitchFamily="49" charset="0"/>
                 <a:cs typeface="Courier New" pitchFamily="49" charset="0"/>
               </a:rPr>
-              <a:t>Traceback</a:t>
-            </a:r>
-            <a:r>
-              <a:rPr lang="en-US" sz="1100" dirty="0" smtClean="0">
+              <a:t>    assertion_func(first, second, msg=msg)</a:t>
+            </a:r>
+          </a:p>
+          <a:p>
+            <a:pPr lvl="0"/>
+            <a:r>
+              <a:rPr lang="en-US" sz="1100" dirty="0">
                 <a:solidFill>
                   <a:prstClr val="black"/>
                 </a:solidFill>
                 <a:latin typeface="Courier New" pitchFamily="49" charset="0"/>
                 <a:cs typeface="Courier New" pitchFamily="49" charset="0"/>
               </a:rPr>
-              <a:t> (most recent call last):</a:t>
+              <a:t>  File ”//envs/gnode/lib/python3.4/unittest/case.py", line 787, in _baseAssertEqual</a:t>
             </a:r>
           </a:p>
           <a:p>
             <a:pPr lvl="0"/>
             <a:r>
-              <a:rPr lang="en-US" sz="1100" dirty="0" smtClean="0">
+              <a:rPr lang="en-US" sz="1100" dirty="0">
                 <a:solidFill>
                   <a:prstClr val="black"/>
                 </a:solidFill>
                 <a:latin typeface="Courier New" pitchFamily="49" charset="0"/>
                 <a:cs typeface="Courier New" pitchFamily="49" charset="0"/>
               </a:rPr>
-              <a:t>  File "</a:t>
-            </a:r>
-            <a:r>
-              <a:rPr lang="en-US" sz="1100" dirty="0" err="1" smtClean="0">
+              <a:t>    if not first == second:</a:t>
+            </a:r>
+          </a:p>
+          <a:p>
+            <a:pPr lvl="0"/>
+            <a:r>
+              <a:rPr lang="en-US" sz="1100" dirty="0">
                 <a:solidFill>
                   <a:prstClr val="black"/>
                 </a:solidFill>
                 <a:latin typeface="Courier New" pitchFamily="49" charset="0"/>
                 <a:cs typeface="Courier New" pitchFamily="49" charset="0"/>
               </a:rPr>
-              <a:t>numpy_testing.py</a:t>
-            </a:r>
-            <a:r>
-              <a:rPr lang="en-US" sz="1100" dirty="0" smtClean="0">
-                <a:solidFill>
-                  <a:prstClr val="black"/>
-                </a:solidFill>
-                <a:latin typeface="Courier New" pitchFamily="49" charset="0"/>
-                <a:cs typeface="Courier New" pitchFamily="49" charset="0"/>
-              </a:rPr>
-              <a:t>", line 8, in </a:t>
-            </a:r>
-            <a:r>
-              <a:rPr lang="en-US" sz="1100" dirty="0" err="1" smtClean="0">
-                <a:solidFill>
-                  <a:prstClr val="black"/>
-                </a:solidFill>
-                <a:latin typeface="Courier New" pitchFamily="49" charset="0"/>
-                <a:cs typeface="Courier New" pitchFamily="49" charset="0"/>
-              </a:rPr>
-              <a:t>test_equality</a:t>
-            </a:r>
-            <a:endParaRPr lang="en-US" sz="1100" dirty="0" smtClean="0">
+              <a:t>ValueError: The truth value of an array with more than one element is ambiguous. Use a.any() or a.all()</a:t>
+            </a:r>
+          </a:p>
+          <a:p>
+            <a:pPr lvl="0"/>
+            <a:endParaRPr lang="en-US" sz="1100" dirty="0">
               <a:solidFill>
                 <a:prstClr val="black"/>
               </a:solidFill>
@@ -34177,69 +34157,32 @@
           <a:p>
             <a:pPr lvl="0"/>
             <a:r>
-              <a:rPr lang="en-US" sz="1100" dirty="0" err="1" smtClean="0">
+              <a:rPr lang="en-US" sz="1100" dirty="0">
                 <a:solidFill>
                   <a:prstClr val="black"/>
                 </a:solidFill>
                 <a:latin typeface="Courier New" pitchFamily="49" charset="0"/>
                 <a:cs typeface="Courier New" pitchFamily="49" charset="0"/>
               </a:rPr>
-              <a:t>self.assertEqual(a</a:t>
-            </a:r>
-            <a:r>
-              <a:rPr lang="en-US" sz="1100" dirty="0" smtClean="0">
+              <a:t>----------------------------------------------------------------------</a:t>
+            </a:r>
+          </a:p>
+          <a:p>
+            <a:pPr lvl="0"/>
+            <a:r>
+              <a:rPr lang="en-US" sz="1100" dirty="0">
                 <a:solidFill>
                   <a:prstClr val="black"/>
                 </a:solidFill>
                 <a:latin typeface="Courier New" pitchFamily="49" charset="0"/>
                 <a:cs typeface="Courier New" pitchFamily="49" charset="0"/>
               </a:rPr>
-              <a:t>, </a:t>
-            </a:r>
-            <a:r>
-              <a:rPr lang="en-US" sz="1100" dirty="0" err="1" smtClean="0">
-                <a:solidFill>
-                  <a:prstClr val="black"/>
-                </a:solidFill>
-                <a:latin typeface="Courier New" pitchFamily="49" charset="0"/>
-                <a:cs typeface="Courier New" pitchFamily="49" charset="0"/>
-              </a:rPr>
-              <a:t>b</a:t>
-            </a:r>
-            <a:r>
-              <a:rPr lang="en-US" sz="1100" dirty="0" smtClean="0">
-                <a:solidFill>
-                  <a:prstClr val="black"/>
-                </a:solidFill>
-                <a:latin typeface="Courier New" pitchFamily="49" charset="0"/>
-                <a:cs typeface="Courier New" pitchFamily="49" charset="0"/>
-              </a:rPr>
-              <a:t>)</a:t>
+              <a:t>Ran 1 test in 0.006s</a:t>
             </a:r>
           </a:p>
           <a:p>
             <a:pPr lvl="0"/>
-            <a:r>
-              <a:rPr lang="en-US" sz="1100" dirty="0" smtClean="0">
-                <a:solidFill>
-                  <a:prstClr val="black"/>
-                </a:solidFill>
-                <a:latin typeface="Courier New" pitchFamily="49" charset="0"/>
-                <a:cs typeface="Courier New" pitchFamily="49" charset="0"/>
-              </a:rPr>
-              <a:t>  File "/Library/Frameworks/Python.framework/Versions/6.1/lib/python2.6/unittest.py", line 348, in </a:t>
-            </a:r>
-            <a:r>
-              <a:rPr lang="en-US" sz="1100" dirty="0" err="1" smtClean="0">
-                <a:solidFill>
-                  <a:prstClr val="black"/>
-                </a:solidFill>
-                <a:latin typeface="Courier New" pitchFamily="49" charset="0"/>
-                <a:cs typeface="Courier New" pitchFamily="49" charset="0"/>
-              </a:rPr>
-              <a:t>failUnlessEqual</a:t>
-            </a:r>
-            <a:endParaRPr lang="en-US" sz="1100" dirty="0" smtClean="0">
+            <a:endParaRPr lang="en-US" sz="1100" dirty="0">
               <a:solidFill>
                 <a:prstClr val="black"/>
               </a:solidFill>
@@ -34250,129 +34193,7 @@
           <a:p>
             <a:pPr lvl="0"/>
             <a:r>
-              <a:rPr lang="en-US" sz="1100" dirty="0" smtClean="0">
-                <a:solidFill>
-                  <a:prstClr val="black"/>
-                </a:solidFill>
-                <a:latin typeface="Courier New" pitchFamily="49" charset="0"/>
-                <a:cs typeface="Courier New" pitchFamily="49" charset="0"/>
-              </a:rPr>
-              <a:t>    if not first == second:</a:t>
-            </a:r>
-          </a:p>
-          <a:p>
-            <a:pPr lvl="0"/>
-            <a:r>
-              <a:rPr lang="en-US" sz="1100" b="1" dirty="0" err="1" smtClean="0">
-                <a:solidFill>
-                  <a:prstClr val="black"/>
-                </a:solidFill>
-                <a:latin typeface="Courier New" pitchFamily="49" charset="0"/>
-                <a:cs typeface="Courier New" pitchFamily="49" charset="0"/>
-              </a:rPr>
-              <a:t>ValueError</a:t>
-            </a:r>
-            <a:r>
-              <a:rPr lang="en-US" sz="1100" b="1" dirty="0" smtClean="0">
-                <a:solidFill>
-                  <a:prstClr val="black"/>
-                </a:solidFill>
-                <a:latin typeface="Courier New" pitchFamily="49" charset="0"/>
-                <a:cs typeface="Courier New" pitchFamily="49" charset="0"/>
-              </a:rPr>
-              <a:t>: The truth value of an array with more than one element is ambiguous. Use </a:t>
-            </a:r>
-            <a:r>
-              <a:rPr lang="en-US" sz="1100" b="1" dirty="0" err="1" smtClean="0">
-                <a:solidFill>
-                  <a:prstClr val="black"/>
-                </a:solidFill>
-                <a:latin typeface="Courier New" pitchFamily="49" charset="0"/>
-                <a:cs typeface="Courier New" pitchFamily="49" charset="0"/>
-              </a:rPr>
-              <a:t>a.any</a:t>
-            </a:r>
-            <a:r>
-              <a:rPr lang="en-US" sz="1100" b="1" dirty="0" smtClean="0">
-                <a:solidFill>
-                  <a:prstClr val="black"/>
-                </a:solidFill>
-                <a:latin typeface="Courier New" pitchFamily="49" charset="0"/>
-                <a:cs typeface="Courier New" pitchFamily="49" charset="0"/>
-              </a:rPr>
-              <a:t>() or </a:t>
-            </a:r>
-            <a:r>
-              <a:rPr lang="en-US" sz="1100" b="1" dirty="0" err="1" smtClean="0">
-                <a:solidFill>
-                  <a:prstClr val="black"/>
-                </a:solidFill>
-                <a:latin typeface="Courier New" pitchFamily="49" charset="0"/>
-                <a:cs typeface="Courier New" pitchFamily="49" charset="0"/>
-              </a:rPr>
-              <a:t>a.all</a:t>
-            </a:r>
-            <a:r>
-              <a:rPr lang="en-US" sz="1100" b="1" dirty="0" smtClean="0">
-                <a:solidFill>
-                  <a:prstClr val="black"/>
-                </a:solidFill>
-                <a:latin typeface="Courier New" pitchFamily="49" charset="0"/>
-                <a:cs typeface="Courier New" pitchFamily="49" charset="0"/>
-              </a:rPr>
-              <a:t>()</a:t>
-            </a:r>
-          </a:p>
-          <a:p>
-            <a:pPr lvl="0"/>
-            <a:endParaRPr lang="en-US" sz="1100" dirty="0" smtClean="0">
-              <a:solidFill>
-                <a:prstClr val="black"/>
-              </a:solidFill>
-              <a:latin typeface="Courier New" pitchFamily="49" charset="0"/>
-              <a:cs typeface="Courier New" pitchFamily="49" charset="0"/>
-            </a:endParaRPr>
-          </a:p>
-          <a:p>
-            <a:pPr lvl="0"/>
-            <a:r>
-              <a:rPr lang="en-US" sz="1100" dirty="0" smtClean="0">
-                <a:solidFill>
-                  <a:prstClr val="black"/>
-                </a:solidFill>
-                <a:latin typeface="Courier New" pitchFamily="49" charset="0"/>
-                <a:cs typeface="Courier New" pitchFamily="49" charset="0"/>
-              </a:rPr>
-              <a:t>----------------------------------------------------------------------</a:t>
-            </a:r>
-          </a:p>
-          <a:p>
-            <a:pPr lvl="0"/>
-            <a:r>
-              <a:rPr lang="en-US" sz="1100" dirty="0" smtClean="0">
-                <a:solidFill>
-                  <a:prstClr val="black"/>
-                </a:solidFill>
-                <a:latin typeface="Courier New" pitchFamily="49" charset="0"/>
-                <a:cs typeface="Courier New" pitchFamily="49" charset="0"/>
-              </a:rPr>
-              <a:t>Ran 1 test in 0.000s</a:t>
-            </a:r>
-          </a:p>
-          <a:p>
-            <a:pPr lvl="0"/>
-            <a:endParaRPr lang="en-US" sz="1100" dirty="0" smtClean="0">
-              <a:solidFill>
-                <a:prstClr val="black"/>
-              </a:solidFill>
-              <a:latin typeface="Courier New" pitchFamily="49" charset="0"/>
-              <a:cs typeface="Courier New" pitchFamily="49" charset="0"/>
-            </a:endParaRPr>
-          </a:p>
-          <a:p>
-            <a:pPr lvl="0"/>
-            <a:r>
-              <a:rPr lang="en-US" sz="1100" dirty="0" smtClean="0">
+              <a:rPr lang="en-US" sz="1100" dirty="0">
                 <a:solidFill>
                   <a:prstClr val="black"/>
                 </a:solidFill>
@@ -35197,6 +35018,13 @@
   <p:clrMapOvr>
     <a:masterClrMapping/>
   </p:clrMapOvr>
+  <p:timing>
+    <p:tnLst>
+      <p:par>
+        <p:cTn xmlns:p14="http://schemas.microsoft.com/office/powerpoint/2010/main" id="1" dur="indefinite" restart="never" nodeType="tmRoot"/>
+      </p:par>
+    </p:tnLst>
+  </p:timing>
 </p:sld>
 </file>
 
@@ -35584,6 +35412,13 @@
   <p:clrMapOvr>
     <a:masterClrMapping/>
   </p:clrMapOvr>
+  <p:timing>
+    <p:tnLst>
+      <p:par>
+        <p:cTn xmlns:p14="http://schemas.microsoft.com/office/powerpoint/2010/main" id="1" dur="indefinite" restart="never" nodeType="tmRoot"/>
+      </p:par>
+    </p:tnLst>
+  </p:timing>
 </p:sld>
 </file>
 
@@ -36531,6 +36366,13 @@
   <p:clrMapOvr>
     <a:masterClrMapping/>
   </p:clrMapOvr>
+  <p:timing>
+    <p:tnLst>
+      <p:par>
+        <p:cTn xmlns:p14="http://schemas.microsoft.com/office/powerpoint/2010/main" id="1" dur="indefinite" restart="never" nodeType="tmRoot"/>
+      </p:par>
+    </p:tnLst>
+  </p:timing>
 </p:sld>
 </file>
 
@@ -37316,6 +37158,13 @@
   <p:clrMapOvr>
     <a:masterClrMapping/>
   </p:clrMapOvr>
+  <p:timing>
+    <p:tnLst>
+      <p:par>
+        <p:cTn xmlns:p14="http://schemas.microsoft.com/office/powerpoint/2010/main" id="1" dur="indefinite" restart="never" nodeType="tmRoot"/>
+      </p:par>
+    </p:tnLst>
+  </p:timing>
 </p:sld>
 </file>
 
@@ -40767,8 +40616,8 @@
         </p:nvSpPr>
         <p:spPr>
           <a:xfrm>
-            <a:off x="457200" y="1219201"/>
-            <a:ext cx="8229600" cy="1828800"/>
+            <a:off x="457200" y="1219200"/>
+            <a:ext cx="8229600" cy="4874095"/>
           </a:xfrm>
         </p:spPr>
         <p:txBody>
@@ -40781,7 +40630,40 @@
               <a:rPr lang="en-US" sz="2400" dirty="0" smtClean="0"/>
               <a:t>Better still:</a:t>
             </a:r>
+          </a:p>
+          <a:p>
+            <a:endParaRPr lang="en-US" dirty="0"/>
+          </a:p>
+          <a:p>
             <a:endParaRPr lang="en-US" sz="2100" dirty="0" smtClean="0"/>
+          </a:p>
+          <a:p>
+            <a:endParaRPr lang="en-US" sz="2100" dirty="0"/>
+          </a:p>
+          <a:p>
+            <a:endParaRPr lang="en-US" sz="2100" dirty="0" smtClean="0"/>
+          </a:p>
+          <a:p>
+            <a:endParaRPr lang="en-US" sz="2100" dirty="0"/>
+          </a:p>
+          <a:p>
+            <a:endParaRPr lang="en-US" sz="2100" dirty="0" smtClean="0"/>
+          </a:p>
+          <a:p>
+            <a:endParaRPr lang="en-US" sz="2100" dirty="0"/>
+          </a:p>
+          <a:p>
+            <a:r>
+              <a:rPr lang="en-US" sz="2100" dirty="0" smtClean="0"/>
+              <a:t>See </a:t>
+            </a:r>
+            <a:r>
+              <a:rPr lang="en-US" sz="2100" dirty="0" smtClean="0">
+                <a:latin typeface="Courier New"/>
+                <a:cs typeface="Courier New"/>
+              </a:rPr>
+              <a:t>hands_on/sub_test</a:t>
+            </a:r>
           </a:p>
         </p:txBody>
       </p:sp>
@@ -40793,7 +40675,7 @@
         </p:nvSpPr>
         <p:spPr>
           <a:xfrm>
-            <a:off x="971600" y="2276872"/>
+            <a:off x="971600" y="1772816"/>
             <a:ext cx="7162800" cy="3323987"/>
           </a:xfrm>
           <a:prstGeom prst="rect">
@@ -42229,6 +42111,13 @@
   <p:clrMapOvr>
     <a:masterClrMapping/>
   </p:clrMapOvr>
+  <p:timing>
+    <p:tnLst>
+      <p:par>
+        <p:cTn xmlns:p14="http://schemas.microsoft.com/office/powerpoint/2010/main" id="1" dur="indefinite" restart="never" nodeType="tmRoot"/>
+      </p:par>
+    </p:tnLst>
+  </p:timing>
 </p:sld>
 </file>
 
@@ -44163,6 +44052,207 @@
           <a:chExt cx="0" cy="0"/>
         </a:xfrm>
       </p:grpSpPr>
+      <p:sp>
+        <p:nvSpPr>
+          <p:cNvPr id="2" name="Title 1"/>
+          <p:cNvSpPr>
+            <a:spLocks noGrp="1"/>
+          </p:cNvSpPr>
+          <p:nvPr>
+            <p:ph type="title"/>
+          </p:nvPr>
+        </p:nvSpPr>
+        <p:spPr/>
+        <p:txBody>
+          <a:bodyPr/>
+          <a:lstStyle/>
+          <a:p>
+            <a:r>
+              <a:rPr lang="en-US"/>
+              <a:t>No safety net!</a:t>
+            </a:r>
+          </a:p>
+        </p:txBody>
+      </p:sp>
+      <p:sp>
+        <p:nvSpPr>
+          <p:cNvPr id="3" name="Content Placeholder 2"/>
+          <p:cNvSpPr>
+            <a:spLocks noGrp="1"/>
+          </p:cNvSpPr>
+          <p:nvPr>
+            <p:ph sz="quarter" idx="1"/>
+          </p:nvPr>
+        </p:nvSpPr>
+        <p:spPr/>
+        <p:txBody>
+          <a:bodyPr/>
+          <a:lstStyle/>
+          <a:p>
+            <a:r>
+              <a:rPr lang="en-US"/>
+              <a:t>Anybody offering code for testing and profiling?</a:t>
+            </a:r>
+          </a:p>
+          <a:p>
+            <a:r>
+              <a:rPr lang="en-US"/>
+              <a:t>Looking for:</a:t>
+            </a:r>
+          </a:p>
+          <a:p>
+            <a:pPr lvl="1"/>
+            <a:r>
+              <a:rPr lang="en-US"/>
+              <a:t>Self-contained, relatively small script or library</a:t>
+            </a:r>
+          </a:p>
+          <a:p>
+            <a:pPr lvl="1"/>
+            <a:r>
+              <a:rPr lang="en-US"/>
+              <a:t>Does not run for too long</a:t>
+            </a:r>
+          </a:p>
+          <a:p>
+            <a:pPr lvl="1"/>
+            <a:r>
+              <a:rPr lang="en-US"/>
+              <a:t>Does something we can understand</a:t>
+            </a:r>
+          </a:p>
+          <a:p>
+            <a:r>
+              <a:rPr lang="en-US"/>
+              <a:t>Make a pull request on the class repository</a:t>
+            </a:r>
+          </a:p>
+          <a:p>
+            <a:pPr lvl="1"/>
+            <a:r>
+              <a:rPr lang="en-US"/>
+              <a:t>Create branch</a:t>
+            </a:r>
+          </a:p>
+          <a:p>
+            <a:pPr lvl="1"/>
+            <a:r>
+              <a:rPr lang="en-US"/>
+              <a:t>Commit files in a sub-directory</a:t>
+            </a:r>
+          </a:p>
+          <a:p>
+            <a:pPr lvl="1"/>
+            <a:r>
+              <a:rPr lang="en-US"/>
+              <a:t>Push to origin</a:t>
+            </a:r>
+          </a:p>
+          <a:p>
+            <a:pPr lvl="1"/>
+            <a:r>
+              <a:rPr lang="en-US"/>
+              <a:t>Create PR</a:t>
+            </a:r>
+            <a:endParaRPr lang="en-US"/>
+          </a:p>
+          <a:p>
+            <a:pPr marL="274320" lvl="1" indent="0">
+              <a:buNone/>
+            </a:pPr>
+            <a:endParaRPr lang="en-US"/>
+          </a:p>
+          <a:p>
+            <a:pPr marL="274320" lvl="1" indent="0">
+              <a:buNone/>
+            </a:pPr>
+            <a:endParaRPr lang="en-US"/>
+          </a:p>
+        </p:txBody>
+      </p:sp>
+      <p:sp>
+        <p:nvSpPr>
+          <p:cNvPr id="4" name="Date Placeholder 3"/>
+          <p:cNvSpPr>
+            <a:spLocks noGrp="1"/>
+          </p:cNvSpPr>
+          <p:nvPr>
+            <p:ph type="dt" sz="half" idx="10"/>
+          </p:nvPr>
+        </p:nvSpPr>
+        <p:spPr/>
+        <p:txBody>
+          <a:bodyPr/>
+          <a:lstStyle/>
+          <a:p>
+            <a:r>
+              <a:rPr lang="en-US" smtClean="0"/>
+              <a:t>Pietro Berkes, Sept 2015</a:t>
+            </a:r>
+            <a:endParaRPr lang="en-US"/>
+          </a:p>
+        </p:txBody>
+      </p:sp>
+      <p:sp>
+        <p:nvSpPr>
+          <p:cNvPr id="5" name="Footer Placeholder 4"/>
+          <p:cNvSpPr>
+            <a:spLocks noGrp="1"/>
+          </p:cNvSpPr>
+          <p:nvPr>
+            <p:ph type="ftr" sz="quarter" idx="11"/>
+          </p:nvPr>
+        </p:nvSpPr>
+        <p:spPr/>
+        <p:txBody>
+          <a:bodyPr/>
+          <a:lstStyle/>
+          <a:p>
+            <a:r>
+              <a:rPr lang="en-US" smtClean="0"/>
+              <a:t>Testing, debugging, profiling</a:t>
+            </a:r>
+            <a:endParaRPr lang="en-US"/>
+          </a:p>
+        </p:txBody>
+      </p:sp>
+    </p:spTree>
+    <p:extLst>
+      <p:ext uri="{BB962C8B-B14F-4D97-AF65-F5344CB8AC3E}">
+        <p14:creationId xmlns:p14="http://schemas.microsoft.com/office/powerpoint/2010/main" val="3565413105"/>
+      </p:ext>
+    </p:extLst>
+  </p:cSld>
+  <p:clrMapOvr>
+    <a:masterClrMapping/>
+  </p:clrMapOvr>
+  <p:timing>
+    <p:tnLst>
+      <p:par>
+        <p:cTn xmlns:p14="http://schemas.microsoft.com/office/powerpoint/2010/main" id="1" dur="indefinite" restart="never" nodeType="tmRoot"/>
+      </p:par>
+    </p:tnLst>
+  </p:timing>
+</p:sld>
+</file>
+
+<file path=ppt/slides/slide49.xml><?xml version="1.0" encoding="utf-8"?>
+<p:sld xmlns:a="http://schemas.openxmlformats.org/drawingml/2006/main" xmlns:r="http://schemas.openxmlformats.org/officeDocument/2006/relationships" xmlns:p="http://schemas.openxmlformats.org/presentationml/2006/main">
+  <p:cSld>
+    <p:spTree>
+      <p:nvGrpSpPr>
+        <p:cNvPr id="1" name=""/>
+        <p:cNvGrpSpPr/>
+        <p:nvPr/>
+      </p:nvGrpSpPr>
+      <p:grpSpPr>
+        <a:xfrm>
+          <a:off x="0" y="0"/>
+          <a:ext cx="0" cy="0"/>
+          <a:chOff x="0" y="0"/>
+          <a:chExt cx="0" cy="0"/>
+        </a:xfrm>
+      </p:grpSpPr>
       <p:pic>
         <p:nvPicPr>
           <p:cNvPr id="3" name="Picture 2"/>
@@ -44401,7 +44491,193 @@
 </p:sld>
 </file>
 
-<file path=ppt/slides/slide49.xml><?xml version="1.0" encoding="utf-8"?>
+<file path=ppt/slides/slide5.xml><?xml version="1.0" encoding="utf-8"?>
+<p:sld xmlns:a="http://schemas.openxmlformats.org/drawingml/2006/main" xmlns:r="http://schemas.openxmlformats.org/officeDocument/2006/relationships" xmlns:p="http://schemas.openxmlformats.org/presentationml/2006/main">
+  <p:cSld>
+    <p:spTree>
+      <p:nvGrpSpPr>
+        <p:cNvPr id="1" name=""/>
+        <p:cNvGrpSpPr/>
+        <p:nvPr/>
+      </p:nvGrpSpPr>
+      <p:grpSpPr>
+        <a:xfrm>
+          <a:off x="0" y="0"/>
+          <a:ext cx="0" cy="0"/>
+          <a:chOff x="0" y="0"/>
+          <a:chExt cx="0" cy="0"/>
+        </a:xfrm>
+      </p:grpSpPr>
+      <p:sp>
+        <p:nvSpPr>
+          <p:cNvPr id="3074" name="Rectangle 2"/>
+          <p:cNvSpPr>
+            <a:spLocks noGrp="1" noChangeArrowheads="1"/>
+          </p:cNvSpPr>
+          <p:nvPr>
+            <p:ph type="title"/>
+          </p:nvPr>
+        </p:nvSpPr>
+        <p:spPr/>
+        <p:txBody>
+          <a:bodyPr/>
+          <a:lstStyle/>
+          <a:p>
+            <a:r>
+              <a:rPr lang="en-US" dirty="0" smtClean="0"/>
+              <a:t>Python tools for agile development</a:t>
+            </a:r>
+            <a:endParaRPr lang="en-US" dirty="0"/>
+          </a:p>
+        </p:txBody>
+      </p:sp>
+      <p:sp>
+        <p:nvSpPr>
+          <p:cNvPr id="3075" name="Rectangle 3"/>
+          <p:cNvSpPr>
+            <a:spLocks noGrp="1" noChangeArrowheads="1"/>
+          </p:cNvSpPr>
+          <p:nvPr>
+            <p:ph sz="quarter" idx="1"/>
+          </p:nvPr>
+        </p:nvSpPr>
+        <p:spPr/>
+        <p:txBody>
+          <a:bodyPr/>
+          <a:lstStyle/>
+          <a:p>
+            <a:r>
+              <a:rPr lang="en-US" dirty="0" smtClean="0"/>
+              <a:t>There are many tools, based on command line or graphical interface. </a:t>
+            </a:r>
+          </a:p>
+          <a:p>
+            <a:r>
+              <a:rPr lang="en-US" dirty="0" smtClean="0"/>
+              <a:t>I’ll present:</a:t>
+            </a:r>
+          </a:p>
+          <a:p>
+            <a:pPr lvl="1"/>
+            <a:r>
+              <a:rPr lang="en-US" dirty="0" smtClean="0"/>
+              <a:t>Python standard “batteries included” tools</a:t>
+            </a:r>
+          </a:p>
+          <a:p>
+            <a:pPr lvl="1"/>
+            <a:r>
+              <a:rPr lang="en-US" dirty="0" smtClean="0"/>
+              <a:t>Mostly, no </a:t>
+            </a:r>
+            <a:r>
+              <a:rPr lang="en-US" dirty="0"/>
+              <a:t>graphical interface </a:t>
+            </a:r>
+            <a:r>
+              <a:rPr lang="en-US" dirty="0" smtClean="0"/>
+              <a:t>necessary</a:t>
+            </a:r>
+          </a:p>
+          <a:p>
+            <a:pPr lvl="1"/>
+            <a:r>
+              <a:rPr lang="en-US" dirty="0"/>
+              <a:t>M</a:t>
+            </a:r>
+            <a:r>
+              <a:rPr lang="en-US" dirty="0" smtClean="0"/>
+              <a:t>agic commands for </a:t>
+            </a:r>
+            <a:r>
+              <a:rPr lang="en-US" dirty="0" err="1"/>
+              <a:t>IP</a:t>
+            </a:r>
+            <a:r>
+              <a:rPr lang="en-US" dirty="0" err="1" smtClean="0"/>
+              <a:t>ython</a:t>
+            </a:r>
+            <a:endParaRPr lang="en-US" dirty="0" smtClean="0"/>
+          </a:p>
+        </p:txBody>
+      </p:sp>
+      <p:sp>
+        <p:nvSpPr>
+          <p:cNvPr id="7" name="Date Placeholder 6"/>
+          <p:cNvSpPr>
+            <a:spLocks noGrp="1"/>
+          </p:cNvSpPr>
+          <p:nvPr>
+            <p:ph type="dt" sz="half" idx="10"/>
+          </p:nvPr>
+        </p:nvSpPr>
+        <p:spPr>
+          <a:xfrm>
+            <a:off x="6400800" y="6356350"/>
+            <a:ext cx="2289048" cy="365760"/>
+          </a:xfrm>
+        </p:spPr>
+        <p:txBody>
+          <a:bodyPr/>
+          <a:lstStyle/>
+          <a:p>
+            <a:r>
+              <a:rPr lang="en-US" smtClean="0"/>
+              <a:t>Pietro Berkes, Sept 2015</a:t>
+            </a:r>
+            <a:endParaRPr lang="en-US" dirty="0"/>
+          </a:p>
+        </p:txBody>
+      </p:sp>
+      <p:sp>
+        <p:nvSpPr>
+          <p:cNvPr id="8" name="Footer Placeholder 7"/>
+          <p:cNvSpPr>
+            <a:spLocks noGrp="1"/>
+          </p:cNvSpPr>
+          <p:nvPr>
+            <p:ph type="ftr" sz="quarter" idx="11"/>
+          </p:nvPr>
+        </p:nvSpPr>
+        <p:spPr>
+          <a:xfrm>
+            <a:off x="2898648" y="6356350"/>
+            <a:ext cx="3505200" cy="365760"/>
+          </a:xfrm>
+        </p:spPr>
+        <p:txBody>
+          <a:bodyPr/>
+          <a:lstStyle/>
+          <a:p>
+            <a:r>
+              <a:rPr lang="en-US" smtClean="0"/>
+              <a:t>Testing, debugging, profiling</a:t>
+            </a:r>
+            <a:endParaRPr lang="en-US"/>
+          </a:p>
+        </p:txBody>
+      </p:sp>
+    </p:spTree>
+    <p:extLst>
+      <p:ext uri="{BB962C8B-B14F-4D97-AF65-F5344CB8AC3E}">
+        <p14:creationId xmlns:p14="http://schemas.microsoft.com/office/powerpoint/2010/main" val="3686299254"/>
+      </p:ext>
+    </p:extLst>
+  </p:cSld>
+  <p:clrMapOvr>
+    <a:masterClrMapping/>
+  </p:clrMapOvr>
+  <p:timing>
+    <p:tnLst>
+      <p:par>
+        <p:cTn xmlns:p14="http://schemas.microsoft.com/office/powerpoint/2010/main" id="1" dur="indefinite" restart="never" nodeType="tmRoot"/>
+      </p:par>
+    </p:tnLst>
+  </p:timing>
+</p:sld>
+</file>
+
+<file path=ppt/slides/slide50.xml><?xml version="1.0" encoding="utf-8"?>
 <p:sld xmlns:a="http://schemas.openxmlformats.org/drawingml/2006/main" xmlns:r="http://schemas.openxmlformats.org/officeDocument/2006/relationships" xmlns:p="http://schemas.openxmlformats.org/presentationml/2006/main">
   <p:cSld>
     <p:spTree>
@@ -44769,193 +45045,7 @@
 </p:sld>
 </file>
 
-<file path=ppt/slides/slide5.xml><?xml version="1.0" encoding="utf-8"?>
-<p:sld xmlns:a="http://schemas.openxmlformats.org/drawingml/2006/main" xmlns:r="http://schemas.openxmlformats.org/officeDocument/2006/relationships" xmlns:p="http://schemas.openxmlformats.org/presentationml/2006/main">
-  <p:cSld>
-    <p:spTree>
-      <p:nvGrpSpPr>
-        <p:cNvPr id="1" name=""/>
-        <p:cNvGrpSpPr/>
-        <p:nvPr/>
-      </p:nvGrpSpPr>
-      <p:grpSpPr>
-        <a:xfrm>
-          <a:off x="0" y="0"/>
-          <a:ext cx="0" cy="0"/>
-          <a:chOff x="0" y="0"/>
-          <a:chExt cx="0" cy="0"/>
-        </a:xfrm>
-      </p:grpSpPr>
-      <p:sp>
-        <p:nvSpPr>
-          <p:cNvPr id="3074" name="Rectangle 2"/>
-          <p:cNvSpPr>
-            <a:spLocks noGrp="1" noChangeArrowheads="1"/>
-          </p:cNvSpPr>
-          <p:nvPr>
-            <p:ph type="title"/>
-          </p:nvPr>
-        </p:nvSpPr>
-        <p:spPr/>
-        <p:txBody>
-          <a:bodyPr/>
-          <a:lstStyle/>
-          <a:p>
-            <a:r>
-              <a:rPr lang="en-US" dirty="0" smtClean="0"/>
-              <a:t>Python tools for building software</a:t>
-            </a:r>
-            <a:endParaRPr lang="en-US" dirty="0"/>
-          </a:p>
-        </p:txBody>
-      </p:sp>
-      <p:sp>
-        <p:nvSpPr>
-          <p:cNvPr id="3075" name="Rectangle 3"/>
-          <p:cNvSpPr>
-            <a:spLocks noGrp="1" noChangeArrowheads="1"/>
-          </p:cNvSpPr>
-          <p:nvPr>
-            <p:ph sz="quarter" idx="1"/>
-          </p:nvPr>
-        </p:nvSpPr>
-        <p:spPr/>
-        <p:txBody>
-          <a:bodyPr/>
-          <a:lstStyle/>
-          <a:p>
-            <a:r>
-              <a:rPr lang="en-US" dirty="0" smtClean="0"/>
-              <a:t>There are many tools, based on command line or graphical interface. </a:t>
-            </a:r>
-          </a:p>
-          <a:p>
-            <a:r>
-              <a:rPr lang="en-US" dirty="0" smtClean="0"/>
-              <a:t>I’ll present:</a:t>
-            </a:r>
-          </a:p>
-          <a:p>
-            <a:pPr lvl="1"/>
-            <a:r>
-              <a:rPr lang="en-US" dirty="0" smtClean="0"/>
-              <a:t>Python standard “batteries included” tools</a:t>
-            </a:r>
-          </a:p>
-          <a:p>
-            <a:pPr lvl="1"/>
-            <a:r>
-              <a:rPr lang="en-US" dirty="0" smtClean="0"/>
-              <a:t>Mostly, no </a:t>
-            </a:r>
-            <a:r>
-              <a:rPr lang="en-US" dirty="0"/>
-              <a:t>graphical interface </a:t>
-            </a:r>
-            <a:r>
-              <a:rPr lang="en-US" dirty="0" smtClean="0"/>
-              <a:t>necessary</a:t>
-            </a:r>
-          </a:p>
-          <a:p>
-            <a:pPr lvl="1"/>
-            <a:r>
-              <a:rPr lang="en-US" dirty="0"/>
-              <a:t>M</a:t>
-            </a:r>
-            <a:r>
-              <a:rPr lang="en-US" dirty="0" smtClean="0"/>
-              <a:t>agic commands for </a:t>
-            </a:r>
-            <a:r>
-              <a:rPr lang="en-US" dirty="0" err="1"/>
-              <a:t>IP</a:t>
-            </a:r>
-            <a:r>
-              <a:rPr lang="en-US" dirty="0" err="1" smtClean="0"/>
-              <a:t>ython</a:t>
-            </a:r>
-            <a:endParaRPr lang="en-US" dirty="0" smtClean="0"/>
-          </a:p>
-        </p:txBody>
-      </p:sp>
-      <p:sp>
-        <p:nvSpPr>
-          <p:cNvPr id="7" name="Date Placeholder 6"/>
-          <p:cNvSpPr>
-            <a:spLocks noGrp="1"/>
-          </p:cNvSpPr>
-          <p:nvPr>
-            <p:ph type="dt" sz="half" idx="10"/>
-          </p:nvPr>
-        </p:nvSpPr>
-        <p:spPr>
-          <a:xfrm>
-            <a:off x="6400800" y="6356350"/>
-            <a:ext cx="2289048" cy="365760"/>
-          </a:xfrm>
-        </p:spPr>
-        <p:txBody>
-          <a:bodyPr/>
-          <a:lstStyle/>
-          <a:p>
-            <a:r>
-              <a:rPr lang="en-US" smtClean="0"/>
-              <a:t>Pietro Berkes, Sept 2015</a:t>
-            </a:r>
-            <a:endParaRPr lang="en-US" dirty="0"/>
-          </a:p>
-        </p:txBody>
-      </p:sp>
-      <p:sp>
-        <p:nvSpPr>
-          <p:cNvPr id="8" name="Footer Placeholder 7"/>
-          <p:cNvSpPr>
-            <a:spLocks noGrp="1"/>
-          </p:cNvSpPr>
-          <p:nvPr>
-            <p:ph type="ftr" sz="quarter" idx="11"/>
-          </p:nvPr>
-        </p:nvSpPr>
-        <p:spPr>
-          <a:xfrm>
-            <a:off x="2898648" y="6356350"/>
-            <a:ext cx="3505200" cy="365760"/>
-          </a:xfrm>
-        </p:spPr>
-        <p:txBody>
-          <a:bodyPr/>
-          <a:lstStyle/>
-          <a:p>
-            <a:r>
-              <a:rPr lang="en-US" smtClean="0"/>
-              <a:t>Testing, debugging, profiling</a:t>
-            </a:r>
-            <a:endParaRPr lang="en-US"/>
-          </a:p>
-        </p:txBody>
-      </p:sp>
-    </p:spTree>
-    <p:extLst>
-      <p:ext uri="{BB962C8B-B14F-4D97-AF65-F5344CB8AC3E}">
-        <p14:creationId xmlns:p14="http://schemas.microsoft.com/office/powerpoint/2010/main" val="3686299254"/>
-      </p:ext>
-    </p:extLst>
-  </p:cSld>
-  <p:clrMapOvr>
-    <a:masterClrMapping/>
-  </p:clrMapOvr>
-  <p:timing>
-    <p:tnLst>
-      <p:par>
-        <p:cTn xmlns:p14="http://schemas.microsoft.com/office/powerpoint/2010/main" id="1" dur="indefinite" restart="never" nodeType="tmRoot"/>
-      </p:par>
-    </p:tnLst>
-  </p:timing>
-</p:sld>
-</file>
-
-<file path=ppt/slides/slide50.xml><?xml version="1.0" encoding="utf-8"?>
+<file path=ppt/slides/slide51.xml><?xml version="1.0" encoding="utf-8"?>
 <p:sld xmlns:a="http://schemas.openxmlformats.org/drawingml/2006/main" xmlns:r="http://schemas.openxmlformats.org/officeDocument/2006/relationships" xmlns:p="http://schemas.openxmlformats.org/presentationml/2006/main">
   <p:cSld>
     <p:spTree>
@@ -45121,7 +45211,7 @@
 </p:sld>
 </file>
 
-<file path=ppt/slides/slide51.xml><?xml version="1.0" encoding="utf-8"?>
+<file path=ppt/slides/slide52.xml><?xml version="1.0" encoding="utf-8"?>
 <p:sld xmlns:a="http://schemas.openxmlformats.org/drawingml/2006/main" xmlns:r="http://schemas.openxmlformats.org/officeDocument/2006/relationships" xmlns:p="http://schemas.openxmlformats.org/presentationml/2006/main">
   <p:cSld>
     <p:spTree>
@@ -45240,7 +45330,7 @@
 </p:sld>
 </file>
 
-<file path=ppt/slides/slide52.xml><?xml version="1.0" encoding="utf-8"?>
+<file path=ppt/slides/slide53.xml><?xml version="1.0" encoding="utf-8"?>
 <p:sld xmlns:a="http://schemas.openxmlformats.org/drawingml/2006/main" xmlns:r="http://schemas.openxmlformats.org/officeDocument/2006/relationships" xmlns:p="http://schemas.openxmlformats.org/presentationml/2006/main">
   <p:cSld>
     <p:spTree>
@@ -45653,141 +45743,14 @@
   <p:timing>
     <p:tnLst>
       <p:par>
-        <p:cTn xmlns:p14="http://schemas.microsoft.com/office/powerpoint/2010/main" id="1" dur="indefinite" restart="never" nodeType="tmRoot">
-          <p:childTnLst>
-            <p:seq concurrent="1" nextAc="seek">
-              <p:cTn id="2" dur="indefinite" nodeType="mainSeq">
-                <p:childTnLst>
-                  <p:par>
-                    <p:cTn id="3" fill="hold">
-                      <p:stCondLst>
-                        <p:cond delay="indefinite"/>
-                      </p:stCondLst>
-                      <p:childTnLst>
-                        <p:par>
-                          <p:cTn id="4" fill="hold">
-                            <p:stCondLst>
-                              <p:cond delay="0"/>
-                            </p:stCondLst>
-                            <p:childTnLst>
-                              <p:par>
-                                <p:cTn id="5" presetID="1" presetClass="entr" presetSubtype="0" fill="hold" grpId="0" nodeType="clickEffect">
-                                  <p:stCondLst>
-                                    <p:cond delay="0"/>
-                                  </p:stCondLst>
-                                  <p:childTnLst>
-                                    <p:set>
-                                      <p:cBhvr>
-                                        <p:cTn id="6" dur="1" fill="hold">
-                                          <p:stCondLst>
-                                            <p:cond delay="0"/>
-                                          </p:stCondLst>
-                                        </p:cTn>
-                                        <p:tgtEl>
-                                          <p:spTgt spid="11"/>
-                                        </p:tgtEl>
-                                        <p:attrNameLst>
-                                          <p:attrName>style.visibility</p:attrName>
-                                        </p:attrNameLst>
-                                      </p:cBhvr>
-                                      <p:to>
-                                        <p:strVal val="visible"/>
-                                      </p:to>
-                                    </p:set>
-                                  </p:childTnLst>
-                                </p:cTn>
-                              </p:par>
-                              <p:par>
-                                <p:cTn id="7" presetID="1" presetClass="entr" presetSubtype="0" fill="hold" grpId="0" nodeType="withEffect">
-                                  <p:stCondLst>
-                                    <p:cond delay="0"/>
-                                  </p:stCondLst>
-                                  <p:childTnLst>
-                                    <p:set>
-                                      <p:cBhvr>
-                                        <p:cTn id="8" dur="1" fill="hold">
-                                          <p:stCondLst>
-                                            <p:cond delay="0"/>
-                                          </p:stCondLst>
-                                        </p:cTn>
-                                        <p:tgtEl>
-                                          <p:spTgt spid="12"/>
-                                        </p:tgtEl>
-                                        <p:attrNameLst>
-                                          <p:attrName>style.visibility</p:attrName>
-                                        </p:attrNameLst>
-                                      </p:cBhvr>
-                                      <p:to>
-                                        <p:strVal val="visible"/>
-                                      </p:to>
-                                    </p:set>
-                                  </p:childTnLst>
-                                </p:cTn>
-                              </p:par>
-                              <p:par>
-                                <p:cTn id="9" presetID="1" presetClass="entr" presetSubtype="0" fill="hold" grpId="0" nodeType="withEffect">
-                                  <p:stCondLst>
-                                    <p:cond delay="0"/>
-                                  </p:stCondLst>
-                                  <p:childTnLst>
-                                    <p:set>
-                                      <p:cBhvr>
-                                        <p:cTn id="10" dur="1" fill="hold">
-                                          <p:stCondLst>
-                                            <p:cond delay="0"/>
-                                          </p:stCondLst>
-                                        </p:cTn>
-                                        <p:tgtEl>
-                                          <p:spTgt spid="13"/>
-                                        </p:tgtEl>
-                                        <p:attrNameLst>
-                                          <p:attrName>style.visibility</p:attrName>
-                                        </p:attrNameLst>
-                                      </p:cBhvr>
-                                      <p:to>
-                                        <p:strVal val="visible"/>
-                                      </p:to>
-                                    </p:set>
-                                  </p:childTnLst>
-                                </p:cTn>
-                              </p:par>
-                            </p:childTnLst>
-                          </p:cTn>
-                        </p:par>
-                      </p:childTnLst>
-                    </p:cTn>
-                  </p:par>
-                </p:childTnLst>
-              </p:cTn>
-              <p:prevCondLst>
-                <p:cond evt="onPrev" delay="0">
-                  <p:tgtEl>
-                    <p:sldTgt/>
-                  </p:tgtEl>
-                </p:cond>
-              </p:prevCondLst>
-              <p:nextCondLst>
-                <p:cond evt="onNext" delay="0">
-                  <p:tgtEl>
-                    <p:sldTgt/>
-                  </p:tgtEl>
-                </p:cond>
-              </p:nextCondLst>
-            </p:seq>
-          </p:childTnLst>
-        </p:cTn>
+        <p:cTn xmlns:p14="http://schemas.microsoft.com/office/powerpoint/2010/main" id="1" dur="indefinite" restart="never" nodeType="tmRoot"/>
       </p:par>
     </p:tnLst>
-    <p:bldLst>
-      <p:bldP spid="11" grpId="0"/>
-      <p:bldP spid="12" grpId="0"/>
-      <p:bldP spid="13" grpId="0"/>
-    </p:bldLst>
   </p:timing>
 </p:sld>
 </file>
 
-<file path=ppt/slides/slide53.xml><?xml version="1.0" encoding="utf-8"?>
+<file path=ppt/slides/slide54.xml><?xml version="1.0" encoding="utf-8"?>
 <p:sld xmlns:a="http://schemas.openxmlformats.org/drawingml/2006/main" xmlns:r="http://schemas.openxmlformats.org/officeDocument/2006/relationships" xmlns:p="http://schemas.openxmlformats.org/presentationml/2006/main">
   <p:cSld>
     <p:spTree>
@@ -46112,7 +46075,7 @@
 </p:sld>
 </file>
 
-<file path=ppt/slides/slide54.xml><?xml version="1.0" encoding="utf-8"?>
+<file path=ppt/slides/slide55.xml><?xml version="1.0" encoding="utf-8"?>
 <p:sld xmlns:a="http://schemas.openxmlformats.org/drawingml/2006/main" xmlns:r="http://schemas.openxmlformats.org/officeDocument/2006/relationships" xmlns:p="http://schemas.openxmlformats.org/presentationml/2006/main">
   <p:cSld>
     <p:spTree>
@@ -46321,7 +46284,7 @@
 </p:sld>
 </file>
 
-<file path=ppt/slides/slide55.xml><?xml version="1.0" encoding="utf-8"?>
+<file path=ppt/slides/slide56.xml><?xml version="1.0" encoding="utf-8"?>
 <p:sld xmlns:a="http://schemas.openxmlformats.org/drawingml/2006/main" xmlns:r="http://schemas.openxmlformats.org/officeDocument/2006/relationships" xmlns:p="http://schemas.openxmlformats.org/presentationml/2006/main">
   <p:cSld>
     <p:spTree>
@@ -46470,777 +46433,6 @@
 </p:sld>
 </file>
 
-<file path=ppt/slides/slide56.xml><?xml version="1.0" encoding="utf-8"?>
-<p:sld xmlns:a="http://schemas.openxmlformats.org/drawingml/2006/main" xmlns:r="http://schemas.openxmlformats.org/officeDocument/2006/relationships" xmlns:p="http://schemas.openxmlformats.org/presentationml/2006/main">
-  <p:cSld>
-    <p:spTree>
-      <p:nvGrpSpPr>
-        <p:cNvPr id="1" name=""/>
-        <p:cNvGrpSpPr/>
-        <p:nvPr/>
-      </p:nvGrpSpPr>
-      <p:grpSpPr>
-        <a:xfrm>
-          <a:off x="0" y="0"/>
-          <a:ext cx="0" cy="0"/>
-          <a:chOff x="0" y="0"/>
-          <a:chExt cx="0" cy="0"/>
-        </a:xfrm>
-      </p:grpSpPr>
-      <p:sp>
-        <p:nvSpPr>
-          <p:cNvPr id="2" name="Title 1"/>
-          <p:cNvSpPr>
-            <a:spLocks noGrp="1"/>
-          </p:cNvSpPr>
-          <p:nvPr>
-            <p:ph type="title"/>
-          </p:nvPr>
-        </p:nvSpPr>
-        <p:spPr/>
-        <p:txBody>
-          <a:bodyPr/>
-          <a:lstStyle/>
-          <a:p>
-            <a:r>
-              <a:rPr lang="en-GB" dirty="0" smtClean="0"/>
-              <a:t>Entering the debugger</a:t>
-            </a:r>
-            <a:endParaRPr lang="en-GB" dirty="0"/>
-          </a:p>
-        </p:txBody>
-      </p:sp>
-      <p:sp>
-        <p:nvSpPr>
-          <p:cNvPr id="3" name="Content Placeholder 2"/>
-          <p:cNvSpPr>
-            <a:spLocks noGrp="1"/>
-          </p:cNvSpPr>
-          <p:nvPr>
-            <p:ph sz="quarter" idx="1"/>
-          </p:nvPr>
-        </p:nvSpPr>
-        <p:spPr/>
-        <p:txBody>
-          <a:bodyPr>
-            <a:noAutofit/>
-          </a:bodyPr>
-          <a:lstStyle/>
-          <a:p>
-            <a:pPr indent="228600">
-              <a:spcAft>
-                <a:spcPts val="0"/>
-              </a:spcAft>
-            </a:pPr>
-            <a:r>
-              <a:rPr lang="en-US" dirty="0" smtClean="0">
-                <a:ea typeface="Times New Roman"/>
-                <a:cs typeface="Times New Roman"/>
-              </a:rPr>
-              <a:t>Enter debugger at the start of a file:</a:t>
-            </a:r>
-            <a:r>
-              <a:rPr lang="en-US" sz="2800" dirty="0" smtClean="0">
-                <a:latin typeface="Calibri"/>
-                <a:ea typeface="Times New Roman"/>
-                <a:cs typeface="Times New Roman"/>
-              </a:rPr>
-              <a:t/>
-            </a:r>
-            <a:br>
-              <a:rPr lang="en-US" sz="2800" dirty="0" smtClean="0">
-                <a:latin typeface="Calibri"/>
-                <a:ea typeface="Times New Roman"/>
-                <a:cs typeface="Times New Roman"/>
-              </a:rPr>
-            </a:br>
-            <a:r>
-              <a:rPr lang="en-US" sz="2800" dirty="0" smtClean="0">
-                <a:latin typeface="Calibri"/>
-                <a:ea typeface="Times New Roman"/>
-                <a:cs typeface="Times New Roman"/>
-              </a:rPr>
-              <a:t>    </a:t>
-            </a:r>
-            <a:r>
-              <a:rPr lang="en-US" sz="2400" dirty="0" smtClean="0">
-                <a:latin typeface="Courier New" pitchFamily="49" charset="0"/>
-                <a:ea typeface="Times New Roman"/>
-                <a:cs typeface="Times New Roman"/>
-              </a:rPr>
-              <a:t>python –m </a:t>
-            </a:r>
-            <a:r>
-              <a:rPr lang="en-US" sz="2400" dirty="0" err="1" smtClean="0">
-                <a:latin typeface="Courier New" pitchFamily="49" charset="0"/>
-                <a:ea typeface="Times New Roman"/>
-                <a:cs typeface="Times New Roman"/>
-              </a:rPr>
-              <a:t>pdb</a:t>
-            </a:r>
-            <a:r>
-              <a:rPr lang="en-US" sz="2400" dirty="0" smtClean="0">
-                <a:latin typeface="Courier New" pitchFamily="49" charset="0"/>
-                <a:ea typeface="Times New Roman"/>
-                <a:cs typeface="Times New Roman"/>
-              </a:rPr>
-              <a:t> myscript.py</a:t>
-            </a:r>
-            <a:endParaRPr lang="en-GB" sz="2400" dirty="0" smtClean="0">
-              <a:latin typeface="Calibri"/>
-              <a:ea typeface="Times New Roman"/>
-              <a:cs typeface="Times New Roman"/>
-            </a:endParaRPr>
-          </a:p>
-          <a:p>
-            <a:pPr indent="228600">
-              <a:spcAft>
-                <a:spcPts val="0"/>
-              </a:spcAft>
-            </a:pPr>
-            <a:r>
-              <a:rPr lang="en-US" dirty="0" smtClean="0">
-                <a:ea typeface="Times New Roman"/>
-                <a:cs typeface="Times New Roman"/>
-              </a:rPr>
-              <a:t>Enter at a specific point in the code (alternative to </a:t>
-            </a:r>
-            <a:r>
-              <a:rPr lang="en-US" dirty="0" smtClean="0">
-                <a:latin typeface="Courier New" pitchFamily="49" charset="0"/>
-                <a:ea typeface="Times New Roman"/>
-                <a:cs typeface="Courier New" pitchFamily="49" charset="0"/>
-              </a:rPr>
-              <a:t>print</a:t>
-            </a:r>
-            <a:r>
-              <a:rPr lang="en-US" dirty="0" smtClean="0">
-                <a:ea typeface="Times New Roman"/>
-                <a:cs typeface="Times New Roman"/>
-              </a:rPr>
-              <a:t>):</a:t>
-            </a:r>
-          </a:p>
-          <a:p>
-            <a:pPr indent="228600">
-              <a:spcAft>
-                <a:spcPts val="0"/>
-              </a:spcAft>
-            </a:pPr>
-            <a:endParaRPr lang="en-US" dirty="0">
-              <a:ea typeface="Times New Roman"/>
-              <a:cs typeface="Times New Roman"/>
-            </a:endParaRPr>
-          </a:p>
-          <a:p>
-            <a:pPr indent="228600">
-              <a:spcAft>
-                <a:spcPts val="0"/>
-              </a:spcAft>
-            </a:pPr>
-            <a:endParaRPr lang="en-US" dirty="0" smtClean="0">
-              <a:ea typeface="Times New Roman"/>
-              <a:cs typeface="Times New Roman"/>
-            </a:endParaRPr>
-          </a:p>
-          <a:p>
-            <a:pPr indent="228600">
-              <a:spcAft>
-                <a:spcPts val="0"/>
-              </a:spcAft>
-            </a:pPr>
-            <a:endParaRPr lang="en-US" dirty="0">
-              <a:ea typeface="Times New Roman"/>
-              <a:cs typeface="Times New Roman"/>
-            </a:endParaRPr>
-          </a:p>
-          <a:p>
-            <a:pPr indent="228600">
-              <a:spcAft>
-                <a:spcPts val="0"/>
-              </a:spcAft>
-            </a:pPr>
-            <a:r>
-              <a:rPr lang="en-US" dirty="0" smtClean="0">
-                <a:ea typeface="Times New Roman"/>
-                <a:cs typeface="Times New Roman"/>
-              </a:rPr>
-              <a:t>If you have IPython installed, use ipdb instead:</a:t>
-            </a:r>
-          </a:p>
-        </p:txBody>
-      </p:sp>
-      <p:sp>
-        <p:nvSpPr>
-          <p:cNvPr id="5" name="TextBox 4"/>
-          <p:cNvSpPr txBox="1"/>
-          <p:nvPr/>
-        </p:nvSpPr>
-        <p:spPr>
-          <a:xfrm>
-            <a:off x="1043608" y="2636912"/>
-            <a:ext cx="6572296" cy="1631216"/>
-          </a:xfrm>
-          <a:prstGeom prst="rect">
-            <a:avLst/>
-          </a:prstGeom>
-          <a:noFill/>
-        </p:spPr>
-        <p:txBody>
-          <a:bodyPr wrap="square" rtlCol="0">
-            <a:spAutoFit/>
-          </a:bodyPr>
-          <a:lstStyle/>
-          <a:p>
-            <a:pPr eaLnBrk="1" fontAlgn="auto" hangingPunct="1">
-              <a:spcBef>
-                <a:spcPts val="1200"/>
-              </a:spcBef>
-              <a:spcAft>
-                <a:spcPts val="0"/>
-              </a:spcAft>
-              <a:buClr>
-                <a:srgbClr val="727CA3"/>
-              </a:buClr>
-              <a:buSzPct val="76000"/>
-            </a:pPr>
-            <a:r>
-              <a:rPr lang="en-US" sz="2000" dirty="0" smtClean="0">
-                <a:solidFill>
-                  <a:srgbClr val="A9494D"/>
-                </a:solidFill>
-                <a:latin typeface="Courier New" pitchFamily="49" charset="0"/>
-                <a:ea typeface="Times New Roman"/>
-                <a:cs typeface="Times New Roman"/>
-              </a:rPr>
-              <a:t># some code here</a:t>
-            </a:r>
-            <a:r>
-              <a:rPr lang="en-GB" sz="2000" dirty="0" smtClean="0">
-                <a:solidFill>
-                  <a:prstClr val="black"/>
-                </a:solidFill>
-                <a:latin typeface="Calibri"/>
-                <a:ea typeface="Times New Roman"/>
-                <a:cs typeface="Times New Roman"/>
-              </a:rPr>
-              <a:t/>
-            </a:r>
-            <a:br>
-              <a:rPr lang="en-GB" sz="2000" dirty="0" smtClean="0">
-                <a:solidFill>
-                  <a:prstClr val="black"/>
-                </a:solidFill>
-                <a:latin typeface="Calibri"/>
-                <a:ea typeface="Times New Roman"/>
-                <a:cs typeface="Times New Roman"/>
-              </a:rPr>
-            </a:br>
-            <a:r>
-              <a:rPr lang="en-US" sz="2000" dirty="0" smtClean="0">
-                <a:solidFill>
-                  <a:srgbClr val="A9494D"/>
-                </a:solidFill>
-                <a:latin typeface="Courier New" pitchFamily="49" charset="0"/>
-                <a:ea typeface="Times New Roman"/>
-                <a:cs typeface="Times New Roman"/>
-              </a:rPr>
-              <a:t># the debugger starts here</a:t>
-            </a:r>
-            <a:r>
-              <a:rPr lang="en-GB" sz="2000" dirty="0" smtClean="0">
-                <a:solidFill>
-                  <a:prstClr val="black"/>
-                </a:solidFill>
-                <a:latin typeface="Calibri"/>
-                <a:ea typeface="Times New Roman"/>
-                <a:cs typeface="Times New Roman"/>
-              </a:rPr>
-              <a:t/>
-            </a:r>
-            <a:br>
-              <a:rPr lang="en-GB" sz="2000" dirty="0" smtClean="0">
-                <a:solidFill>
-                  <a:prstClr val="black"/>
-                </a:solidFill>
-                <a:latin typeface="Calibri"/>
-                <a:ea typeface="Times New Roman"/>
-                <a:cs typeface="Times New Roman"/>
-              </a:rPr>
-            </a:br>
-            <a:r>
-              <a:rPr lang="en-US" sz="2000" dirty="0" smtClean="0">
-                <a:solidFill>
-                  <a:srgbClr val="0000FF"/>
-                </a:solidFill>
-                <a:latin typeface="Courier New" pitchFamily="49" charset="0"/>
-                <a:ea typeface="Times New Roman"/>
-                <a:cs typeface="Times New Roman"/>
-              </a:rPr>
-              <a:t>import </a:t>
-            </a:r>
-            <a:r>
-              <a:rPr lang="en-US" sz="2000" dirty="0" err="1" smtClean="0">
-                <a:solidFill>
-                  <a:prstClr val="black"/>
-                </a:solidFill>
-                <a:latin typeface="Courier New" pitchFamily="49" charset="0"/>
-                <a:ea typeface="Times New Roman"/>
-                <a:cs typeface="Times New Roman"/>
-              </a:rPr>
-              <a:t>pdb</a:t>
-            </a:r>
-            <a:r>
-              <a:rPr lang="en-GB" sz="2000" dirty="0" smtClean="0">
-                <a:solidFill>
-                  <a:prstClr val="black"/>
-                </a:solidFill>
-                <a:latin typeface="Calibri"/>
-                <a:ea typeface="Times New Roman"/>
-                <a:cs typeface="Times New Roman"/>
-              </a:rPr>
-              <a:t>;</a:t>
-            </a:r>
-            <a:br>
-              <a:rPr lang="en-GB" sz="2000" dirty="0" smtClean="0">
-                <a:solidFill>
-                  <a:prstClr val="black"/>
-                </a:solidFill>
-                <a:latin typeface="Calibri"/>
-                <a:ea typeface="Times New Roman"/>
-                <a:cs typeface="Times New Roman"/>
-              </a:rPr>
-            </a:br>
-            <a:r>
-              <a:rPr lang="en-US" sz="2000" dirty="0" err="1" smtClean="0">
-                <a:solidFill>
-                  <a:prstClr val="black"/>
-                </a:solidFill>
-                <a:latin typeface="Courier New" pitchFamily="49" charset="0"/>
-                <a:ea typeface="Times New Roman"/>
-                <a:cs typeface="Times New Roman"/>
-              </a:rPr>
-              <a:t>pdb.set_trace</a:t>
-            </a:r>
-            <a:r>
-              <a:rPr lang="en-US" sz="2000" dirty="0" smtClean="0">
-                <a:solidFill>
-                  <a:prstClr val="black"/>
-                </a:solidFill>
-                <a:latin typeface="Courier New" pitchFamily="49" charset="0"/>
-                <a:ea typeface="Times New Roman"/>
-                <a:cs typeface="Times New Roman"/>
-              </a:rPr>
-              <a:t>()</a:t>
-            </a:r>
-            <a:r>
-              <a:rPr lang="en-GB" sz="1600" dirty="0" smtClean="0">
-                <a:solidFill>
-                  <a:prstClr val="black"/>
-                </a:solidFill>
-                <a:latin typeface="Calibri"/>
-                <a:ea typeface="Times New Roman"/>
-                <a:cs typeface="Times New Roman"/>
-              </a:rPr>
-              <a:t/>
-            </a:r>
-            <a:br>
-              <a:rPr lang="en-GB" sz="1600" dirty="0" smtClean="0">
-                <a:solidFill>
-                  <a:prstClr val="black"/>
-                </a:solidFill>
-                <a:latin typeface="Calibri"/>
-                <a:ea typeface="Times New Roman"/>
-                <a:cs typeface="Times New Roman"/>
-              </a:rPr>
-            </a:br>
-            <a:r>
-              <a:rPr lang="en-US" sz="2000" dirty="0" smtClean="0">
-                <a:solidFill>
-                  <a:srgbClr val="A9494D"/>
-                </a:solidFill>
-                <a:latin typeface="Courier New" pitchFamily="49" charset="0"/>
-                <a:ea typeface="Times New Roman"/>
-                <a:cs typeface="Times New Roman"/>
-              </a:rPr>
-              <a:t># rest of the code</a:t>
-            </a:r>
-          </a:p>
-        </p:txBody>
-      </p:sp>
-      <p:sp>
-        <p:nvSpPr>
-          <p:cNvPr id="9" name="Date Placeholder 8"/>
-          <p:cNvSpPr>
-            <a:spLocks noGrp="1"/>
-          </p:cNvSpPr>
-          <p:nvPr>
-            <p:ph type="dt" sz="half" idx="10"/>
-          </p:nvPr>
-        </p:nvSpPr>
-        <p:spPr>
-          <a:xfrm>
-            <a:off x="6400800" y="6356350"/>
-            <a:ext cx="2289048" cy="365760"/>
-          </a:xfrm>
-        </p:spPr>
-        <p:txBody>
-          <a:bodyPr/>
-          <a:lstStyle/>
-          <a:p>
-            <a:r>
-              <a:rPr lang="en-US" smtClean="0"/>
-              <a:t>Pietro Berkes, Sept 2015</a:t>
-            </a:r>
-            <a:endParaRPr lang="en-US"/>
-          </a:p>
-        </p:txBody>
-      </p:sp>
-      <p:sp>
-        <p:nvSpPr>
-          <p:cNvPr id="10" name="Footer Placeholder 9"/>
-          <p:cNvSpPr>
-            <a:spLocks noGrp="1"/>
-          </p:cNvSpPr>
-          <p:nvPr>
-            <p:ph type="ftr" sz="quarter" idx="11"/>
-          </p:nvPr>
-        </p:nvSpPr>
-        <p:spPr>
-          <a:xfrm>
-            <a:off x="2898648" y="6356350"/>
-            <a:ext cx="3505200" cy="365760"/>
-          </a:xfrm>
-        </p:spPr>
-        <p:txBody>
-          <a:bodyPr/>
-          <a:lstStyle/>
-          <a:p>
-            <a:r>
-              <a:rPr lang="en-US" smtClean="0"/>
-              <a:t>Testing, debugging, profiling</a:t>
-            </a:r>
-            <a:endParaRPr lang="en-US"/>
-          </a:p>
-        </p:txBody>
-      </p:sp>
-      <p:sp>
-        <p:nvSpPr>
-          <p:cNvPr id="7" name="TextBox 6"/>
-          <p:cNvSpPr txBox="1"/>
-          <p:nvPr/>
-        </p:nvSpPr>
-        <p:spPr>
-          <a:xfrm>
-            <a:off x="1024040" y="4725144"/>
-            <a:ext cx="6572296" cy="707886"/>
-          </a:xfrm>
-          <a:prstGeom prst="rect">
-            <a:avLst/>
-          </a:prstGeom>
-          <a:noFill/>
-        </p:spPr>
-        <p:txBody>
-          <a:bodyPr wrap="square" rtlCol="0">
-            <a:spAutoFit/>
-          </a:bodyPr>
-          <a:lstStyle/>
-          <a:p>
-            <a:pPr eaLnBrk="1" fontAlgn="auto" hangingPunct="1">
-              <a:spcBef>
-                <a:spcPts val="1200"/>
-              </a:spcBef>
-              <a:spcAft>
-                <a:spcPts val="0"/>
-              </a:spcAft>
-              <a:buClr>
-                <a:srgbClr val="727CA3"/>
-              </a:buClr>
-              <a:buSzPct val="76000"/>
-            </a:pPr>
-            <a:r>
-              <a:rPr lang="en-US" sz="2000" dirty="0" smtClean="0">
-                <a:solidFill>
-                  <a:srgbClr val="0000FF"/>
-                </a:solidFill>
-                <a:latin typeface="Courier New" pitchFamily="49" charset="0"/>
-                <a:ea typeface="Times New Roman"/>
-                <a:cs typeface="Times New Roman"/>
-              </a:rPr>
-              <a:t>import </a:t>
-            </a:r>
-            <a:r>
-              <a:rPr lang="en-US" sz="2000" dirty="0" smtClean="0">
-                <a:latin typeface="Courier New" pitchFamily="49" charset="0"/>
-                <a:ea typeface="Times New Roman"/>
-                <a:cs typeface="Times New Roman"/>
-              </a:rPr>
-              <a:t>i</a:t>
-            </a:r>
-            <a:r>
-              <a:rPr lang="en-US" sz="2000" dirty="0" err="1" smtClean="0">
-                <a:solidFill>
-                  <a:prstClr val="black"/>
-                </a:solidFill>
-                <a:latin typeface="Courier New" pitchFamily="49" charset="0"/>
-                <a:ea typeface="Times New Roman"/>
-                <a:cs typeface="Times New Roman"/>
-              </a:rPr>
-              <a:t>pdb</a:t>
-            </a:r>
-            <a:r>
-              <a:rPr lang="en-GB" sz="2000" dirty="0" smtClean="0">
-                <a:solidFill>
-                  <a:prstClr val="black"/>
-                </a:solidFill>
-                <a:latin typeface="Calibri"/>
-                <a:ea typeface="Times New Roman"/>
-                <a:cs typeface="Times New Roman"/>
-              </a:rPr>
-              <a:t>;</a:t>
-            </a:r>
-            <a:br>
-              <a:rPr lang="en-GB" sz="2000" dirty="0" smtClean="0">
-                <a:solidFill>
-                  <a:prstClr val="black"/>
-                </a:solidFill>
-                <a:latin typeface="Calibri"/>
-                <a:ea typeface="Times New Roman"/>
-                <a:cs typeface="Times New Roman"/>
-              </a:rPr>
-            </a:br>
-            <a:r>
-              <a:rPr lang="en-US" sz="2000" dirty="0" err="1" smtClean="0">
-                <a:solidFill>
-                  <a:prstClr val="black"/>
-                </a:solidFill>
-                <a:latin typeface="Courier New" pitchFamily="49" charset="0"/>
-                <a:ea typeface="Times New Roman"/>
-                <a:cs typeface="Times New Roman"/>
-              </a:rPr>
-              <a:t>ipdb.set_trace</a:t>
-            </a:r>
-            <a:r>
-              <a:rPr lang="en-US" sz="2000" dirty="0" smtClean="0">
-                <a:solidFill>
-                  <a:prstClr val="black"/>
-                </a:solidFill>
-                <a:latin typeface="Courier New" pitchFamily="49" charset="0"/>
-                <a:ea typeface="Times New Roman"/>
-                <a:cs typeface="Times New Roman"/>
-              </a:rPr>
-              <a:t>()</a:t>
-            </a:r>
-            <a:endParaRPr lang="en-US" sz="2000" dirty="0" smtClean="0">
-              <a:solidFill>
-                <a:srgbClr val="A9494D"/>
-              </a:solidFill>
-              <a:latin typeface="Courier New" pitchFamily="49" charset="0"/>
-              <a:ea typeface="Times New Roman"/>
-              <a:cs typeface="Times New Roman"/>
-            </a:endParaRPr>
-          </a:p>
-        </p:txBody>
-      </p:sp>
-    </p:spTree>
-    <p:extLst>
-      <p:ext uri="{BB962C8B-B14F-4D97-AF65-F5344CB8AC3E}">
-        <p14:creationId xmlns:p14="http://schemas.microsoft.com/office/powerpoint/2010/main" val="3141183166"/>
-      </p:ext>
-    </p:extLst>
-  </p:cSld>
-  <p:clrMapOvr>
-    <a:masterClrMapping/>
-  </p:clrMapOvr>
-  <p:timing>
-    <p:tnLst>
-      <p:par>
-        <p:cTn xmlns:p14="http://schemas.microsoft.com/office/powerpoint/2010/main" id="1" dur="indefinite" restart="never" nodeType="tmRoot">
-          <p:childTnLst>
-            <p:seq concurrent="1" nextAc="seek">
-              <p:cTn id="2" dur="indefinite" nodeType="mainSeq">
-                <p:childTnLst>
-                  <p:par>
-                    <p:cTn id="3" fill="hold">
-                      <p:stCondLst>
-                        <p:cond delay="indefinite"/>
-                      </p:stCondLst>
-                      <p:childTnLst>
-                        <p:par>
-                          <p:cTn id="4" fill="hold">
-                            <p:stCondLst>
-                              <p:cond delay="0"/>
-                            </p:stCondLst>
-                            <p:childTnLst>
-                              <p:par>
-                                <p:cTn id="5" presetID="1" presetClass="entr" presetSubtype="0" fill="hold" nodeType="clickEffect">
-                                  <p:stCondLst>
-                                    <p:cond delay="0"/>
-                                  </p:stCondLst>
-                                  <p:childTnLst>
-                                    <p:set>
-                                      <p:cBhvr>
-                                        <p:cTn id="6" dur="1" fill="hold">
-                                          <p:stCondLst>
-                                            <p:cond delay="0"/>
-                                          </p:stCondLst>
-                                        </p:cTn>
-                                        <p:tgtEl>
-                                          <p:spTgt spid="3">
-                                            <p:txEl>
-                                              <p:pRg st="1" end="1"/>
-                                            </p:txEl>
-                                          </p:spTgt>
-                                        </p:tgtEl>
-                                        <p:attrNameLst>
-                                          <p:attrName>style.visibility</p:attrName>
-                                        </p:attrNameLst>
-                                      </p:cBhvr>
-                                      <p:to>
-                                        <p:strVal val="visible"/>
-                                      </p:to>
-                                    </p:set>
-                                  </p:childTnLst>
-                                </p:cTn>
-                              </p:par>
-                            </p:childTnLst>
-                          </p:cTn>
-                        </p:par>
-                      </p:childTnLst>
-                    </p:cTn>
-                  </p:par>
-                  <p:par>
-                    <p:cTn id="7" fill="hold">
-                      <p:stCondLst>
-                        <p:cond delay="indefinite"/>
-                      </p:stCondLst>
-                      <p:childTnLst>
-                        <p:par>
-                          <p:cTn id="8" fill="hold">
-                            <p:stCondLst>
-                              <p:cond delay="0"/>
-                            </p:stCondLst>
-                            <p:childTnLst>
-                              <p:par>
-                                <p:cTn id="9" presetID="1" presetClass="entr" presetSubtype="0" fill="hold" nodeType="clickEffect">
-                                  <p:stCondLst>
-                                    <p:cond delay="0"/>
-                                  </p:stCondLst>
-                                  <p:childTnLst>
-                                    <p:set>
-                                      <p:cBhvr>
-                                        <p:cTn id="10" dur="1" fill="hold">
-                                          <p:stCondLst>
-                                            <p:cond delay="0"/>
-                                          </p:stCondLst>
-                                        </p:cTn>
-                                        <p:tgtEl>
-                                          <p:spTgt spid="3">
-                                            <p:txEl>
-                                              <p:pRg st="5" end="5"/>
-                                            </p:txEl>
-                                          </p:spTgt>
-                                        </p:tgtEl>
-                                        <p:attrNameLst>
-                                          <p:attrName>style.visibility</p:attrName>
-                                        </p:attrNameLst>
-                                      </p:cBhvr>
-                                      <p:to>
-                                        <p:strVal val="visible"/>
-                                      </p:to>
-                                    </p:set>
-                                  </p:childTnLst>
-                                </p:cTn>
-                              </p:par>
-                              <p:par>
-                                <p:cTn id="11" presetID="1" presetClass="entr" presetSubtype="0" fill="hold" grpId="0" nodeType="withEffect">
-                                  <p:stCondLst>
-                                    <p:cond delay="0"/>
-                                  </p:stCondLst>
-                                  <p:childTnLst>
-                                    <p:set>
-                                      <p:cBhvr>
-                                        <p:cTn id="12" dur="1" fill="hold">
-                                          <p:stCondLst>
-                                            <p:cond delay="0"/>
-                                          </p:stCondLst>
-                                        </p:cTn>
-                                        <p:tgtEl>
-                                          <p:spTgt spid="5"/>
-                                        </p:tgtEl>
-                                        <p:attrNameLst>
-                                          <p:attrName>style.visibility</p:attrName>
-                                        </p:attrNameLst>
-                                      </p:cBhvr>
-                                      <p:to>
-                                        <p:strVal val="visible"/>
-                                      </p:to>
-                                    </p:set>
-                                  </p:childTnLst>
-                                </p:cTn>
-                              </p:par>
-                              <p:par>
-                                <p:cTn id="13" presetID="1" presetClass="entr" presetSubtype="0" fill="hold" grpId="0" nodeType="withEffect">
-                                  <p:stCondLst>
-                                    <p:cond delay="0"/>
-                                  </p:stCondLst>
-                                  <p:childTnLst>
-                                    <p:set>
-                                      <p:cBhvr>
-                                        <p:cTn id="14" dur="1" fill="hold">
-                                          <p:stCondLst>
-                                            <p:cond delay="0"/>
-                                          </p:stCondLst>
-                                        </p:cTn>
-                                        <p:tgtEl>
-                                          <p:spTgt spid="7"/>
-                                        </p:tgtEl>
-                                        <p:attrNameLst>
-                                          <p:attrName>style.visibility</p:attrName>
-                                        </p:attrNameLst>
-                                      </p:cBhvr>
-                                      <p:to>
-                                        <p:strVal val="visible"/>
-                                      </p:to>
-                                    </p:set>
-                                  </p:childTnLst>
-                                </p:cTn>
-                              </p:par>
-                            </p:childTnLst>
-                          </p:cTn>
-                        </p:par>
-                      </p:childTnLst>
-                    </p:cTn>
-                  </p:par>
-                </p:childTnLst>
-              </p:cTn>
-              <p:prevCondLst>
-                <p:cond evt="onPrev" delay="0">
-                  <p:tgtEl>
-                    <p:sldTgt/>
-                  </p:tgtEl>
-                </p:cond>
-              </p:prevCondLst>
-              <p:nextCondLst>
-                <p:cond evt="onNext" delay="0">
-                  <p:tgtEl>
-                    <p:sldTgt/>
-                  </p:tgtEl>
-                </p:cond>
-              </p:nextCondLst>
-            </p:seq>
-          </p:childTnLst>
-        </p:cTn>
-      </p:par>
-    </p:tnLst>
-    <p:bldLst>
-      <p:bldP spid="5" grpId="0"/>
-      <p:bldP spid="7" grpId="0"/>
-    </p:bldLst>
-  </p:timing>
-</p:sld>
-</file>
-
 <file path=ppt/slides/slide57.xml><?xml version="1.0" encoding="utf-8"?>
 <p:sld xmlns:a="http://schemas.openxmlformats.org/drawingml/2006/main" xmlns:r="http://schemas.openxmlformats.org/officeDocument/2006/relationships" xmlns:p="http://schemas.openxmlformats.org/presentationml/2006/main">
   <p:cSld>
@@ -47260,9 +46452,9 @@
       </p:grpSpPr>
       <p:sp>
         <p:nvSpPr>
-          <p:cNvPr id="33794" name="Rectangle 2"/>
+          <p:cNvPr id="2" name="Title 1"/>
           <p:cNvSpPr>
-            <a:spLocks noGrp="1" noChangeArrowheads="1"/>
+            <a:spLocks noGrp="1"/>
           </p:cNvSpPr>
           <p:nvPr>
             <p:ph type="title"/>
@@ -47275,24 +46467,17 @@
           <a:p>
             <a:r>
               <a:rPr lang="en-GB" dirty="0" smtClean="0"/>
-              <a:t>Entering the debugger from </a:t>
-            </a:r>
-            <a:r>
-              <a:rPr lang="en-GB" dirty="0" err="1" smtClean="0"/>
-              <a:t>ipython</a:t>
-            </a:r>
-            <a:endParaRPr lang="en-US" dirty="0">
-              <a:latin typeface="Courier New" pitchFamily="49" charset="0"/>
-              <a:cs typeface="Courier New" pitchFamily="49" charset="0"/>
-            </a:endParaRPr>
+              <a:t>Entering the debugger</a:t>
+            </a:r>
+            <a:endParaRPr lang="en-GB" dirty="0"/>
           </a:p>
         </p:txBody>
       </p:sp>
       <p:sp>
         <p:nvSpPr>
-          <p:cNvPr id="33795" name="Rectangle 3"/>
+          <p:cNvPr id="3" name="Content Placeholder 2"/>
           <p:cNvSpPr>
-            <a:spLocks noGrp="1" noChangeArrowheads="1"/>
+            <a:spLocks noGrp="1"/>
           </p:cNvSpPr>
           <p:nvPr>
             <p:ph sz="quarter" idx="1"/>
@@ -47300,92 +46485,355 @@
         </p:nvSpPr>
         <p:spPr/>
         <p:txBody>
-          <a:bodyPr/>
+          <a:bodyPr>
+            <a:noAutofit/>
+          </a:bodyPr>
           <a:lstStyle/>
           <a:p>
-            <a:r>
-              <a:rPr lang="en-US" sz="2800" dirty="0"/>
-              <a:t>From </a:t>
-            </a:r>
-            <a:r>
-              <a:rPr lang="en-US" sz="2800" dirty="0" err="1"/>
-              <a:t>ipython</a:t>
-            </a:r>
-            <a:r>
-              <a:rPr lang="en-US" sz="2800" dirty="0" smtClean="0"/>
-              <a:t>:</a:t>
-            </a:r>
-            <a:r>
-              <a:rPr lang="en-US" dirty="0" smtClean="0"/>
+            <a:pPr indent="228600">
+              <a:spcAft>
+                <a:spcPts val="0"/>
+              </a:spcAft>
+            </a:pPr>
+            <a:r>
+              <a:rPr lang="en-US" dirty="0" smtClean="0">
+                <a:ea typeface="Times New Roman"/>
+                <a:cs typeface="Times New Roman"/>
+              </a:rPr>
+              <a:t>Enter debugger at the start of a file:</a:t>
+            </a:r>
+            <a:r>
+              <a:rPr lang="en-US" sz="2800" dirty="0" smtClean="0">
+                <a:latin typeface="Calibri"/>
+                <a:ea typeface="Times New Roman"/>
+                <a:cs typeface="Times New Roman"/>
+              </a:rPr>
               <a:t/>
             </a:r>
             <a:br>
-              <a:rPr lang="en-US" dirty="0" smtClean="0"/>
+              <a:rPr lang="en-US" sz="2800" dirty="0" smtClean="0">
+                <a:latin typeface="Calibri"/>
+                <a:ea typeface="Times New Roman"/>
+                <a:cs typeface="Times New Roman"/>
+              </a:rPr>
             </a:br>
+            <a:r>
+              <a:rPr lang="en-US" sz="2800" dirty="0" smtClean="0">
+                <a:latin typeface="Calibri"/>
+                <a:ea typeface="Times New Roman"/>
+                <a:cs typeface="Times New Roman"/>
+              </a:rPr>
+              <a:t>    </a:t>
+            </a:r>
             <a:r>
               <a:rPr lang="en-US" sz="2400" dirty="0" smtClean="0">
                 <a:latin typeface="Courier New" pitchFamily="49" charset="0"/>
-                <a:cs typeface="Courier New" pitchFamily="49" charset="0"/>
-              </a:rPr>
-              <a:t>%</a:t>
+                <a:ea typeface="Times New Roman"/>
+                <a:cs typeface="Times New Roman"/>
+              </a:rPr>
+              <a:t>python –m </a:t>
             </a:r>
             <a:r>
               <a:rPr lang="en-US" sz="2400" dirty="0" err="1" smtClean="0">
                 <a:latin typeface="Courier New" pitchFamily="49" charset="0"/>
-                <a:cs typeface="Courier New" pitchFamily="49" charset="0"/>
+                <a:ea typeface="Times New Roman"/>
+                <a:cs typeface="Times New Roman"/>
               </a:rPr>
               <a:t>pdb</a:t>
-            </a:r>
-            <a:r>
-              <a:rPr lang="en-US" sz="2400" dirty="0" smtClean="0">
-                <a:cs typeface="Courier New" pitchFamily="49" charset="0"/>
-              </a:rPr>
-              <a:t> – preventive</a:t>
             </a:r>
             <a:r>
               <a:rPr lang="en-US" sz="2400" dirty="0" smtClean="0">
                 <a:latin typeface="Courier New" pitchFamily="49" charset="0"/>
+                <a:ea typeface="Times New Roman"/>
+                <a:cs typeface="Times New Roman"/>
+              </a:rPr>
+              <a:t> myscript.py</a:t>
+            </a:r>
+            <a:endParaRPr lang="en-GB" sz="2400" dirty="0" smtClean="0">
+              <a:latin typeface="Calibri"/>
+              <a:ea typeface="Times New Roman"/>
+              <a:cs typeface="Times New Roman"/>
+            </a:endParaRPr>
+          </a:p>
+          <a:p>
+            <a:pPr indent="228600">
+              <a:spcAft>
+                <a:spcPts val="0"/>
+              </a:spcAft>
+            </a:pPr>
+            <a:r>
+              <a:rPr lang="en-US" dirty="0" smtClean="0">
+                <a:ea typeface="Times New Roman"/>
+                <a:cs typeface="Times New Roman"/>
+              </a:rPr>
+              <a:t>Enter at a specific point in the code (alternative to </a:t>
+            </a:r>
+            <a:r>
+              <a:rPr lang="en-US" dirty="0" smtClean="0">
+                <a:latin typeface="Courier New" pitchFamily="49" charset="0"/>
+                <a:ea typeface="Times New Roman"/>
                 <a:cs typeface="Courier New" pitchFamily="49" charset="0"/>
               </a:rPr>
+              <a:t>print</a:t>
+            </a:r>
+            <a:r>
+              <a:rPr lang="en-US" dirty="0" smtClean="0">
+                <a:ea typeface="Times New Roman"/>
+                <a:cs typeface="Times New Roman"/>
+              </a:rPr>
+              <a:t>):</a:t>
+            </a:r>
+          </a:p>
+          <a:p>
+            <a:pPr indent="228600">
+              <a:spcAft>
+                <a:spcPts val="0"/>
+              </a:spcAft>
+            </a:pPr>
+            <a:endParaRPr lang="en-US" dirty="0">
+              <a:ea typeface="Times New Roman"/>
+              <a:cs typeface="Times New Roman"/>
+            </a:endParaRPr>
+          </a:p>
+          <a:p>
+            <a:pPr indent="228600">
+              <a:spcAft>
+                <a:spcPts val="0"/>
+              </a:spcAft>
+            </a:pPr>
+            <a:endParaRPr lang="en-US" dirty="0" smtClean="0">
+              <a:ea typeface="Times New Roman"/>
+              <a:cs typeface="Times New Roman"/>
+            </a:endParaRPr>
+          </a:p>
+          <a:p>
+            <a:pPr indent="228600">
+              <a:spcAft>
+                <a:spcPts val="0"/>
+              </a:spcAft>
+            </a:pPr>
+            <a:endParaRPr lang="en-US" dirty="0">
+              <a:ea typeface="Times New Roman"/>
+              <a:cs typeface="Times New Roman"/>
+            </a:endParaRPr>
+          </a:p>
+          <a:p>
+            <a:pPr indent="228600">
+              <a:spcAft>
+                <a:spcPts val="0"/>
+              </a:spcAft>
+            </a:pPr>
+            <a:r>
+              <a:rPr lang="en-US" dirty="0" smtClean="0">
+                <a:ea typeface="Times New Roman"/>
+                <a:cs typeface="Times New Roman"/>
+              </a:rPr>
+              <a:t>If you have it installed, use ipdb instead:</a:t>
+            </a:r>
+          </a:p>
+        </p:txBody>
+      </p:sp>
+      <p:sp>
+        <p:nvSpPr>
+          <p:cNvPr id="5" name="TextBox 4"/>
+          <p:cNvSpPr txBox="1"/>
+          <p:nvPr/>
+        </p:nvSpPr>
+        <p:spPr>
+          <a:xfrm>
+            <a:off x="1043608" y="2636912"/>
+            <a:ext cx="6572296" cy="1631216"/>
+          </a:xfrm>
+          <a:prstGeom prst="rect">
+            <a:avLst/>
+          </a:prstGeom>
+          <a:noFill/>
+        </p:spPr>
+        <p:txBody>
+          <a:bodyPr wrap="square" rtlCol="0">
+            <a:spAutoFit/>
+          </a:bodyPr>
+          <a:lstStyle/>
+          <a:p>
+            <a:pPr eaLnBrk="1" fontAlgn="auto" hangingPunct="1">
+              <a:spcBef>
+                <a:spcPts val="1200"/>
+              </a:spcBef>
+              <a:spcAft>
+                <a:spcPts val="0"/>
+              </a:spcAft>
+              <a:buClr>
+                <a:srgbClr val="727CA3"/>
+              </a:buClr>
+              <a:buSzPct val="76000"/>
+            </a:pPr>
+            <a:r>
+              <a:rPr lang="en-US" sz="2000" dirty="0" smtClean="0">
+                <a:solidFill>
+                  <a:srgbClr val="A9494D"/>
+                </a:solidFill>
+                <a:latin typeface="Courier New" pitchFamily="49" charset="0"/>
+                <a:ea typeface="Times New Roman"/>
+                <a:cs typeface="Times New Roman"/>
+              </a:rPr>
+              <a:t># some code here</a:t>
+            </a:r>
+            <a:r>
+              <a:rPr lang="en-GB" sz="2000" dirty="0" smtClean="0">
+                <a:solidFill>
+                  <a:prstClr val="black"/>
+                </a:solidFill>
+                <a:latin typeface="Calibri"/>
+                <a:ea typeface="Times New Roman"/>
+                <a:cs typeface="Times New Roman"/>
+              </a:rPr>
               <a:t/>
             </a:r>
             <a:br>
-              <a:rPr lang="en-US" sz="2400" dirty="0" smtClean="0">
+              <a:rPr lang="en-GB" sz="2000" dirty="0" smtClean="0">
+                <a:solidFill>
+                  <a:prstClr val="black"/>
+                </a:solidFill>
+                <a:latin typeface="Calibri"/>
+                <a:ea typeface="Times New Roman"/>
+                <a:cs typeface="Times New Roman"/>
+              </a:rPr>
+            </a:br>
+            <a:r>
+              <a:rPr lang="en-US" sz="2000" dirty="0" smtClean="0">
+                <a:solidFill>
+                  <a:srgbClr val="A9494D"/>
+                </a:solidFill>
                 <a:latin typeface="Courier New" pitchFamily="49" charset="0"/>
-                <a:cs typeface="Courier New" pitchFamily="49" charset="0"/>
+                <a:ea typeface="Times New Roman"/>
+                <a:cs typeface="Times New Roman"/>
+              </a:rPr>
+              <a:t># the debugger starts here</a:t>
+            </a:r>
+            <a:r>
+              <a:rPr lang="en-GB" sz="2000" dirty="0" smtClean="0">
+                <a:solidFill>
+                  <a:prstClr val="black"/>
+                </a:solidFill>
+                <a:latin typeface="Calibri"/>
+                <a:ea typeface="Times New Roman"/>
+                <a:cs typeface="Times New Roman"/>
+              </a:rPr>
+              <a:t/>
+            </a:r>
+            <a:br>
+              <a:rPr lang="en-GB" sz="2000" dirty="0" smtClean="0">
+                <a:solidFill>
+                  <a:prstClr val="black"/>
+                </a:solidFill>
+                <a:latin typeface="Calibri"/>
+                <a:ea typeface="Times New Roman"/>
+                <a:cs typeface="Times New Roman"/>
               </a:rPr>
             </a:br>
             <a:r>
-              <a:rPr lang="en-US" sz="2400" dirty="0" smtClean="0">
+              <a:rPr lang="en-US" sz="2000" dirty="0" smtClean="0">
+                <a:solidFill>
+                  <a:srgbClr val="0000FF"/>
+                </a:solidFill>
                 <a:latin typeface="Courier New" pitchFamily="49" charset="0"/>
-                <a:cs typeface="Courier New" pitchFamily="49" charset="0"/>
-              </a:rPr>
-              <a:t>%debug</a:t>
-            </a:r>
-            <a:r>
-              <a:rPr lang="en-US" sz="2400" dirty="0" smtClean="0">
-                <a:cs typeface="Courier New" pitchFamily="49" charset="0"/>
-              </a:rPr>
-              <a:t> – post-mortem</a:t>
-            </a:r>
-          </a:p>
-          <a:p>
-            <a:endParaRPr lang="en-US" dirty="0">
-              <a:latin typeface="Courier New" pitchFamily="49" charset="0"/>
-              <a:cs typeface="Courier New" pitchFamily="49" charset="0"/>
-            </a:endParaRPr>
-          </a:p>
-          <a:p>
-            <a:endParaRPr lang="en-US" sz="2400" dirty="0" smtClean="0">
-              <a:latin typeface="Courier New" pitchFamily="49" charset="0"/>
-              <a:cs typeface="Courier New" pitchFamily="49" charset="0"/>
-            </a:endParaRPr>
+                <a:ea typeface="Times New Roman"/>
+                <a:cs typeface="Times New Roman"/>
+              </a:rPr>
+              <a:t>import </a:t>
+            </a:r>
+            <a:r>
+              <a:rPr lang="en-US" sz="2000" dirty="0" err="1" smtClean="0">
+                <a:solidFill>
+                  <a:prstClr val="black"/>
+                </a:solidFill>
+                <a:latin typeface="Courier New" pitchFamily="49" charset="0"/>
+                <a:ea typeface="Times New Roman"/>
+                <a:cs typeface="Times New Roman"/>
+              </a:rPr>
+              <a:t>pdb</a:t>
+            </a:r>
+            <a:r>
+              <a:rPr lang="en-GB" sz="2000" dirty="0" smtClean="0">
+                <a:solidFill>
+                  <a:prstClr val="black"/>
+                </a:solidFill>
+                <a:latin typeface="Calibri"/>
+                <a:ea typeface="Times New Roman"/>
+                <a:cs typeface="Times New Roman"/>
+              </a:rPr>
+              <a:t>;</a:t>
+            </a:r>
+            <a:br>
+              <a:rPr lang="en-GB" sz="2000" dirty="0" smtClean="0">
+                <a:solidFill>
+                  <a:prstClr val="black"/>
+                </a:solidFill>
+                <a:latin typeface="Calibri"/>
+                <a:ea typeface="Times New Roman"/>
+                <a:cs typeface="Times New Roman"/>
+              </a:rPr>
+            </a:br>
+            <a:r>
+              <a:rPr lang="en-US" sz="2000" dirty="0" err="1" smtClean="0">
+                <a:solidFill>
+                  <a:prstClr val="black"/>
+                </a:solidFill>
+                <a:latin typeface="Courier New" pitchFamily="49" charset="0"/>
+                <a:ea typeface="Times New Roman"/>
+                <a:cs typeface="Times New Roman"/>
+              </a:rPr>
+              <a:t>pdb.set_trace</a:t>
+            </a:r>
+            <a:r>
+              <a:rPr lang="en-US" sz="2000" dirty="0" smtClean="0">
+                <a:solidFill>
+                  <a:prstClr val="black"/>
+                </a:solidFill>
+                <a:latin typeface="Courier New" pitchFamily="49" charset="0"/>
+                <a:ea typeface="Times New Roman"/>
+                <a:cs typeface="Times New Roman"/>
+              </a:rPr>
+              <a:t>()</a:t>
+            </a:r>
+            <a:r>
+              <a:rPr lang="en-GB" sz="1600" dirty="0" smtClean="0">
+                <a:solidFill>
+                  <a:prstClr val="black"/>
+                </a:solidFill>
+                <a:latin typeface="Calibri"/>
+                <a:ea typeface="Times New Roman"/>
+                <a:cs typeface="Times New Roman"/>
+              </a:rPr>
+              <a:t/>
+            </a:r>
+            <a:br>
+              <a:rPr lang="en-GB" sz="1600" dirty="0" smtClean="0">
+                <a:solidFill>
+                  <a:prstClr val="black"/>
+                </a:solidFill>
+                <a:latin typeface="Calibri"/>
+                <a:ea typeface="Times New Roman"/>
+                <a:cs typeface="Times New Roman"/>
+              </a:rPr>
+            </a:br>
+            <a:r>
+              <a:rPr lang="en-US" sz="2000" dirty="0" smtClean="0">
+                <a:solidFill>
+                  <a:srgbClr val="A9494D"/>
+                </a:solidFill>
+                <a:latin typeface="Courier New" pitchFamily="49" charset="0"/>
+                <a:ea typeface="Times New Roman"/>
+                <a:cs typeface="Times New Roman"/>
+              </a:rPr>
+              <a:t># rest of the code</a:t>
+            </a:r>
           </a:p>
         </p:txBody>
       </p:sp>
       <p:sp>
         <p:nvSpPr>
-          <p:cNvPr id="7" name="Date Placeholder 6"/>
+          <p:cNvPr id="9" name="Date Placeholder 8"/>
           <p:cNvSpPr>
             <a:spLocks noGrp="1"/>
           </p:cNvSpPr>
@@ -47413,7 +46861,7 @@
       </p:sp>
       <p:sp>
         <p:nvSpPr>
-          <p:cNvPr id="8" name="Footer Placeholder 7"/>
+          <p:cNvPr id="10" name="Footer Placeholder 9"/>
           <p:cNvSpPr>
             <a:spLocks noGrp="1"/>
           </p:cNvSpPr>
@@ -47439,10 +46887,128 @@
           </a:p>
         </p:txBody>
       </p:sp>
+      <p:sp>
+        <p:nvSpPr>
+          <p:cNvPr id="7" name="TextBox 6"/>
+          <p:cNvSpPr txBox="1"/>
+          <p:nvPr/>
+        </p:nvSpPr>
+        <p:spPr>
+          <a:xfrm>
+            <a:off x="1024040" y="4725144"/>
+            <a:ext cx="6572296" cy="707886"/>
+          </a:xfrm>
+          <a:prstGeom prst="rect">
+            <a:avLst/>
+          </a:prstGeom>
+          <a:noFill/>
+        </p:spPr>
+        <p:txBody>
+          <a:bodyPr wrap="square" rtlCol="0">
+            <a:spAutoFit/>
+          </a:bodyPr>
+          <a:lstStyle/>
+          <a:p>
+            <a:pPr eaLnBrk="1" fontAlgn="auto" hangingPunct="1">
+              <a:spcBef>
+                <a:spcPts val="1200"/>
+              </a:spcBef>
+              <a:spcAft>
+                <a:spcPts val="0"/>
+              </a:spcAft>
+              <a:buClr>
+                <a:srgbClr val="727CA3"/>
+              </a:buClr>
+              <a:buSzPct val="76000"/>
+            </a:pPr>
+            <a:r>
+              <a:rPr lang="en-US" sz="2000" dirty="0" smtClean="0">
+                <a:solidFill>
+                  <a:srgbClr val="0000FF"/>
+                </a:solidFill>
+                <a:latin typeface="Courier New" pitchFamily="49" charset="0"/>
+                <a:ea typeface="Times New Roman"/>
+                <a:cs typeface="Times New Roman"/>
+              </a:rPr>
+              <a:t>import </a:t>
+            </a:r>
+            <a:r>
+              <a:rPr lang="en-US" sz="2000" dirty="0" smtClean="0">
+                <a:latin typeface="Courier New" pitchFamily="49" charset="0"/>
+                <a:ea typeface="Times New Roman"/>
+                <a:cs typeface="Times New Roman"/>
+              </a:rPr>
+              <a:t>i</a:t>
+            </a:r>
+            <a:r>
+              <a:rPr lang="en-US" sz="2000" dirty="0" err="1" smtClean="0">
+                <a:solidFill>
+                  <a:prstClr val="black"/>
+                </a:solidFill>
+                <a:latin typeface="Courier New" pitchFamily="49" charset="0"/>
+                <a:ea typeface="Times New Roman"/>
+                <a:cs typeface="Times New Roman"/>
+              </a:rPr>
+              <a:t>pdb</a:t>
+            </a:r>
+            <a:r>
+              <a:rPr lang="en-GB" sz="2000" dirty="0" smtClean="0">
+                <a:solidFill>
+                  <a:prstClr val="black"/>
+                </a:solidFill>
+                <a:latin typeface="Calibri"/>
+                <a:ea typeface="Times New Roman"/>
+                <a:cs typeface="Times New Roman"/>
+              </a:rPr>
+              <a:t>;</a:t>
+            </a:r>
+            <a:br>
+              <a:rPr lang="en-GB" sz="2000" dirty="0" smtClean="0">
+                <a:solidFill>
+                  <a:prstClr val="black"/>
+                </a:solidFill>
+                <a:latin typeface="Calibri"/>
+                <a:ea typeface="Times New Roman"/>
+                <a:cs typeface="Times New Roman"/>
+              </a:rPr>
+            </a:br>
+            <a:r>
+              <a:rPr lang="en-US" sz="2000" dirty="0" err="1" smtClean="0">
+                <a:solidFill>
+                  <a:prstClr val="black"/>
+                </a:solidFill>
+                <a:latin typeface="Courier New" pitchFamily="49" charset="0"/>
+                <a:ea typeface="Times New Roman"/>
+                <a:cs typeface="Times New Roman"/>
+              </a:rPr>
+              <a:t>ipdb.set_trace</a:t>
+            </a:r>
+            <a:r>
+              <a:rPr lang="en-US" sz="2000" dirty="0" smtClean="0">
+                <a:solidFill>
+                  <a:prstClr val="black"/>
+                </a:solidFill>
+                <a:latin typeface="Courier New" pitchFamily="49" charset="0"/>
+                <a:ea typeface="Times New Roman"/>
+                <a:cs typeface="Times New Roman"/>
+              </a:rPr>
+              <a:t>()</a:t>
+            </a:r>
+            <a:endParaRPr lang="en-US" sz="2000" dirty="0" smtClean="0">
+              <a:solidFill>
+                <a:srgbClr val="A9494D"/>
+              </a:solidFill>
+              <a:latin typeface="Courier New" pitchFamily="49" charset="0"/>
+              <a:ea typeface="Times New Roman"/>
+              <a:cs typeface="Times New Roman"/>
+            </a:endParaRPr>
+          </a:p>
+        </p:txBody>
+      </p:sp>
     </p:spTree>
     <p:extLst>
       <p:ext uri="{BB962C8B-B14F-4D97-AF65-F5344CB8AC3E}">
-        <p14:creationId xmlns:p14="http://schemas.microsoft.com/office/powerpoint/2010/main" val="3581862367"/>
+        <p14:creationId xmlns:p14="http://schemas.microsoft.com/office/powerpoint/2010/main" val="3141183166"/>
       </p:ext>
     </p:extLst>
   </p:cSld>
@@ -47478,9 +47044,9 @@
       </p:grpSpPr>
       <p:sp>
         <p:nvSpPr>
-          <p:cNvPr id="4" name="Title 3"/>
+          <p:cNvPr id="33794" name="Rectangle 2"/>
           <p:cNvSpPr>
-            <a:spLocks noGrp="1"/>
+            <a:spLocks noGrp="1" noChangeArrowheads="1"/>
           </p:cNvSpPr>
           <p:nvPr>
             <p:ph type="title"/>
@@ -47492,17 +47058,25 @@
           <a:lstStyle/>
           <a:p>
             <a:r>
-              <a:rPr lang="en-US"/>
-              <a:t>Static checking</a:t>
-            </a:r>
+              <a:rPr lang="en-GB" dirty="0" smtClean="0"/>
+              <a:t>Entering the debugger from </a:t>
+            </a:r>
+            <a:r>
+              <a:rPr lang="en-GB" dirty="0" err="1" smtClean="0"/>
+              <a:t>ipython</a:t>
+            </a:r>
+            <a:endParaRPr lang="en-US" dirty="0">
+              <a:latin typeface="Courier New" pitchFamily="49" charset="0"/>
+              <a:cs typeface="Courier New" pitchFamily="49" charset="0"/>
+            </a:endParaRPr>
           </a:p>
         </p:txBody>
       </p:sp>
       <p:sp>
         <p:nvSpPr>
-          <p:cNvPr id="5" name="Content Placeholder 4"/>
+          <p:cNvPr id="33795" name="Rectangle 3"/>
           <p:cNvSpPr>
-            <a:spLocks noGrp="1"/>
+            <a:spLocks noGrp="1" noChangeArrowheads="1"/>
           </p:cNvSpPr>
           <p:nvPr>
             <p:ph sz="quarter" idx="1"/>
@@ -47513,67 +47087,89 @@
           <a:bodyPr/>
           <a:lstStyle/>
           <a:p>
-            <a:pPr marL="0" indent="0">
-              <a:buNone/>
-            </a:pPr>
-            <a:r>
-              <a:rPr lang="en-US"/>
-              <a:t>One of the problems with debugging in Python is that most bugs only appear when the code executes.</a:t>
-            </a:r>
-          </a:p>
-          <a:p>
-            <a:pPr marL="0" indent="0">
-              <a:buNone/>
-            </a:pPr>
-            <a:r>
-              <a:rPr lang="en-US"/>
-              <a:t>There are a couple of tools to do “static checking”, i.e., to analyze the code without executing it.</a:t>
-            </a:r>
-          </a:p>
-          <a:p>
-            <a:r>
-              <a:rPr lang="en-US">
-                <a:latin typeface="Courier New"/>
-                <a:cs typeface="Courier New"/>
-              </a:rPr>
-              <a:t>pep8</a:t>
-            </a:r>
-            <a:r>
-              <a:rPr lang="en-US"/>
-              <a:t>: check that the style of the files is compatible with PEP8</a:t>
-            </a:r>
-          </a:p>
-          <a:p>
-            <a:r>
-              <a:rPr lang="en-US">
-                <a:latin typeface="Courier New"/>
-                <a:cs typeface="Courier New"/>
-              </a:rPr>
-              <a:t>pyflakes</a:t>
-            </a:r>
-            <a:r>
-              <a:rPr lang="en-US"/>
-              <a:t>: look for errors like defined but unused variables, undefined names, etc.</a:t>
-            </a:r>
-          </a:p>
-          <a:p>
-            <a:r>
-              <a:rPr lang="en-US">
-                <a:latin typeface="Courier New"/>
-                <a:cs typeface="Courier New"/>
-              </a:rPr>
-              <a:t>flake8</a:t>
-            </a:r>
-            <a:r>
-              <a:rPr lang="en-US"/>
-              <a:t>: pep8 and pyflakes in a single, handy command</a:t>
-            </a:r>
+            <a:r>
+              <a:rPr lang="en-US" sz="2800" dirty="0"/>
+              <a:t>From </a:t>
+            </a:r>
+            <a:r>
+              <a:rPr lang="en-US" sz="2800" dirty="0" err="1"/>
+              <a:t>ipython</a:t>
+            </a:r>
+            <a:r>
+              <a:rPr lang="en-US" sz="2800" dirty="0" smtClean="0"/>
+              <a:t>:</a:t>
+            </a:r>
+            <a:r>
+              <a:rPr lang="en-US" dirty="0" smtClean="0"/>
+              <a:t/>
+            </a:r>
+            <a:br>
+              <a:rPr lang="en-US" dirty="0" smtClean="0"/>
+            </a:br>
+            <a:r>
+              <a:rPr lang="en-US" sz="2400" dirty="0" smtClean="0">
+                <a:latin typeface="Courier New" pitchFamily="49" charset="0"/>
+                <a:cs typeface="Courier New" pitchFamily="49" charset="0"/>
+              </a:rPr>
+              <a:t>%</a:t>
+            </a:r>
+            <a:r>
+              <a:rPr lang="en-US" sz="2400" dirty="0" err="1" smtClean="0">
+                <a:latin typeface="Courier New" pitchFamily="49" charset="0"/>
+                <a:cs typeface="Courier New" pitchFamily="49" charset="0"/>
+              </a:rPr>
+              <a:t>pdb</a:t>
+            </a:r>
+            <a:r>
+              <a:rPr lang="en-US" sz="2400" dirty="0" smtClean="0">
+                <a:cs typeface="Courier New" pitchFamily="49" charset="0"/>
+              </a:rPr>
+              <a:t> – preventive</a:t>
+            </a:r>
+            <a:r>
+              <a:rPr lang="en-US" sz="2400" dirty="0" smtClean="0">
+                <a:latin typeface="Courier New" pitchFamily="49" charset="0"/>
+                <a:cs typeface="Courier New" pitchFamily="49" charset="0"/>
+              </a:rPr>
+              <a:t/>
+            </a:r>
+            <a:br>
+              <a:rPr lang="en-US" sz="2400" dirty="0" smtClean="0">
+                <a:latin typeface="Courier New" pitchFamily="49" charset="0"/>
+                <a:cs typeface="Courier New" pitchFamily="49" charset="0"/>
+              </a:rPr>
+            </a:br>
+            <a:r>
+              <a:rPr lang="en-US" sz="2400" dirty="0" smtClean="0">
+                <a:latin typeface="Courier New" pitchFamily="49" charset="0"/>
+                <a:cs typeface="Courier New" pitchFamily="49" charset="0"/>
+              </a:rPr>
+              <a:t>%debug</a:t>
+            </a:r>
+            <a:r>
+              <a:rPr lang="en-US" sz="2400" dirty="0" smtClean="0">
+                <a:cs typeface="Courier New" pitchFamily="49" charset="0"/>
+              </a:rPr>
+              <a:t> – post-mortem</a:t>
+            </a:r>
+          </a:p>
+          <a:p>
+            <a:endParaRPr lang="en-US" dirty="0">
+              <a:latin typeface="Courier New" pitchFamily="49" charset="0"/>
+              <a:cs typeface="Courier New" pitchFamily="49" charset="0"/>
+            </a:endParaRPr>
+          </a:p>
+          <a:p>
+            <a:endParaRPr lang="en-US" sz="2400" dirty="0" smtClean="0">
+              <a:latin typeface="Courier New" pitchFamily="49" charset="0"/>
+              <a:cs typeface="Courier New" pitchFamily="49" charset="0"/>
+            </a:endParaRPr>
           </a:p>
         </p:txBody>
       </p:sp>
       <p:sp>
         <p:nvSpPr>
-          <p:cNvPr id="2" name="Date Placeholder 1"/>
+          <p:cNvPr id="7" name="Date Placeholder 6"/>
           <p:cNvSpPr>
             <a:spLocks noGrp="1"/>
           </p:cNvSpPr>
@@ -47581,7 +47177,12 @@
             <p:ph type="dt" sz="half" idx="10"/>
           </p:nvPr>
         </p:nvSpPr>
-        <p:spPr/>
+        <p:spPr>
+          <a:xfrm>
+            <a:off x="6400800" y="6356350"/>
+            <a:ext cx="2289048" cy="365760"/>
+          </a:xfrm>
+        </p:spPr>
         <p:txBody>
           <a:bodyPr/>
           <a:lstStyle/>
@@ -47596,7 +47197,7 @@
       </p:sp>
       <p:sp>
         <p:nvSpPr>
-          <p:cNvPr id="3" name="Footer Placeholder 2"/>
+          <p:cNvPr id="8" name="Footer Placeholder 7"/>
           <p:cNvSpPr>
             <a:spLocks noGrp="1"/>
           </p:cNvSpPr>
@@ -47604,7 +47205,12 @@
             <p:ph type="ftr" sz="quarter" idx="11"/>
           </p:nvPr>
         </p:nvSpPr>
-        <p:spPr/>
+        <p:spPr>
+          <a:xfrm>
+            <a:off x="2898648" y="6356350"/>
+            <a:ext cx="3505200" cy="365760"/>
+          </a:xfrm>
+        </p:spPr>
         <p:txBody>
           <a:bodyPr/>
           <a:lstStyle/>
@@ -47620,13 +47226,20 @@
     </p:spTree>
     <p:extLst>
       <p:ext uri="{BB962C8B-B14F-4D97-AF65-F5344CB8AC3E}">
-        <p14:creationId xmlns:p14="http://schemas.microsoft.com/office/powerpoint/2010/main" val="3054927248"/>
+        <p14:creationId xmlns:p14="http://schemas.microsoft.com/office/powerpoint/2010/main" val="3581862367"/>
       </p:ext>
     </p:extLst>
   </p:cSld>
   <p:clrMapOvr>
     <a:masterClrMapping/>
   </p:clrMapOvr>
+  <p:timing>
+    <p:tnLst>
+      <p:par>
+        <p:cTn xmlns:p14="http://schemas.microsoft.com/office/powerpoint/2010/main" id="1" dur="indefinite" restart="never" nodeType="tmRoot"/>
+      </p:par>
+    </p:tnLst>
+  </p:timing>
 </p:sld>
 </file>
 
@@ -47649,7 +47262,7 @@
       </p:grpSpPr>
       <p:sp>
         <p:nvSpPr>
-          <p:cNvPr id="2" name="Title 1"/>
+          <p:cNvPr id="4" name="Title 3"/>
           <p:cNvSpPr>
             <a:spLocks noGrp="1"/>
           </p:cNvSpPr>
@@ -47664,14 +47277,14 @@
           <a:p>
             <a:r>
               <a:rPr lang="en-US"/>
-              <a:t>Hands-on!</a:t>
+              <a:t>Static checking</a:t>
             </a:r>
           </a:p>
         </p:txBody>
       </p:sp>
       <p:sp>
         <p:nvSpPr>
-          <p:cNvPr id="3" name="Content Placeholder 2"/>
+          <p:cNvPr id="5" name="Content Placeholder 4"/>
           <p:cNvSpPr>
             <a:spLocks noGrp="1"/>
           </p:cNvSpPr>
@@ -47684,16 +47297,67 @@
           <a:bodyPr/>
           <a:lstStyle/>
           <a:p>
+            <a:pPr marL="0" indent="0">
+              <a:buNone/>
+            </a:pPr>
             <a:r>
               <a:rPr lang="en-US"/>
-              <a:t>Run flake8 on the pyanno package.</a:t>
+              <a:t>One of the problems with debugging in Python is that most bugs only appear when the code executes.</a:t>
+            </a:r>
+          </a:p>
+          <a:p>
+            <a:pPr marL="0" indent="0">
+              <a:buNone/>
+            </a:pPr>
+            <a:r>
+              <a:rPr lang="en-US"/>
+              <a:t>There are a couple of tools to do “static checking”, i.e., to analyze the code without executing it.</a:t>
+            </a:r>
+          </a:p>
+          <a:p>
+            <a:r>
+              <a:rPr lang="en-US">
+                <a:latin typeface="Courier New"/>
+                <a:cs typeface="Courier New"/>
+              </a:rPr>
+              <a:t>pep8</a:t>
+            </a:r>
+            <a:r>
+              <a:rPr lang="en-US"/>
+              <a:t>: check that the style of the files is compatible with PEP8</a:t>
+            </a:r>
+          </a:p>
+          <a:p>
+            <a:r>
+              <a:rPr lang="en-US">
+                <a:latin typeface="Courier New"/>
+                <a:cs typeface="Courier New"/>
+              </a:rPr>
+              <a:t>pyflakes</a:t>
+            </a:r>
+            <a:r>
+              <a:rPr lang="en-US"/>
+              <a:t>: look for errors like defined but unused variables, undefined names, etc.</a:t>
+            </a:r>
+          </a:p>
+          <a:p>
+            <a:r>
+              <a:rPr lang="en-US">
+                <a:latin typeface="Courier New"/>
+                <a:cs typeface="Courier New"/>
+              </a:rPr>
+              <a:t>flake8</a:t>
+            </a:r>
+            <a:r>
+              <a:rPr lang="en-US"/>
+              <a:t>: pep8 and pyflakes in a single, handy command</a:t>
             </a:r>
           </a:p>
         </p:txBody>
       </p:sp>
       <p:sp>
         <p:nvSpPr>
-          <p:cNvPr id="4" name="Date Placeholder 3"/>
+          <p:cNvPr id="2" name="Date Placeholder 1"/>
           <p:cNvSpPr>
             <a:spLocks noGrp="1"/>
           </p:cNvSpPr>
@@ -47716,7 +47380,7 @@
       </p:sp>
       <p:sp>
         <p:nvSpPr>
-          <p:cNvPr id="5" name="Footer Placeholder 4"/>
+          <p:cNvPr id="3" name="Footer Placeholder 2"/>
           <p:cNvSpPr>
             <a:spLocks noGrp="1"/>
           </p:cNvSpPr>
@@ -47740,13 +47404,20 @@
     </p:spTree>
     <p:extLst>
       <p:ext uri="{BB962C8B-B14F-4D97-AF65-F5344CB8AC3E}">
-        <p14:creationId xmlns:p14="http://schemas.microsoft.com/office/powerpoint/2010/main" val="2063047111"/>
+        <p14:creationId xmlns:p14="http://schemas.microsoft.com/office/powerpoint/2010/main" val="3054927248"/>
       </p:ext>
     </p:extLst>
   </p:cSld>
   <p:clrMapOvr>
     <a:masterClrMapping/>
   </p:clrMapOvr>
+  <p:timing>
+    <p:tnLst>
+      <p:par>
+        <p:cTn xmlns:p14="http://schemas.microsoft.com/office/powerpoint/2010/main" id="1" dur="indefinite" restart="never" nodeType="tmRoot"/>
+      </p:par>
+    </p:tnLst>
+  </p:timing>
 </p:sld>
 </file>
 
@@ -47785,8 +47456,8 @@
           <a:lstStyle/>
           <a:p>
             <a:r>
-              <a:rPr lang="en-US" dirty="0" smtClean="0"/>
-              <a:t>Python tools</a:t>
+              <a:rPr lang="en-US" dirty="0"/>
+              <a:t>Python tools for agile development</a:t>
             </a:r>
           </a:p>
         </p:txBody>
@@ -48142,136 +47813,9 @@
   <p:timing>
     <p:tnLst>
       <p:par>
-        <p:cTn xmlns:p14="http://schemas.microsoft.com/office/powerpoint/2010/main" id="1" dur="indefinite" restart="never" nodeType="tmRoot">
-          <p:childTnLst>
-            <p:seq concurrent="1" nextAc="seek">
-              <p:cTn id="2" dur="indefinite" nodeType="mainSeq">
-                <p:childTnLst>
-                  <p:par>
-                    <p:cTn id="3" fill="hold">
-                      <p:stCondLst>
-                        <p:cond delay="indefinite"/>
-                      </p:stCondLst>
-                      <p:childTnLst>
-                        <p:par>
-                          <p:cTn id="4" fill="hold">
-                            <p:stCondLst>
-                              <p:cond delay="0"/>
-                            </p:stCondLst>
-                            <p:childTnLst>
-                              <p:par>
-                                <p:cTn id="5" presetID="1" presetClass="entr" presetSubtype="0" fill="hold" grpId="0" nodeType="clickEffect">
-                                  <p:stCondLst>
-                                    <p:cond delay="0"/>
-                                  </p:stCondLst>
-                                  <p:childTnLst>
-                                    <p:set>
-                                      <p:cBhvr>
-                                        <p:cTn id="6" dur="1" fill="hold">
-                                          <p:stCondLst>
-                                            <p:cond delay="0"/>
-                                          </p:stCondLst>
-                                        </p:cTn>
-                                        <p:tgtEl>
-                                          <p:spTgt spid="11"/>
-                                        </p:tgtEl>
-                                        <p:attrNameLst>
-                                          <p:attrName>style.visibility</p:attrName>
-                                        </p:attrNameLst>
-                                      </p:cBhvr>
-                                      <p:to>
-                                        <p:strVal val="visible"/>
-                                      </p:to>
-                                    </p:set>
-                                  </p:childTnLst>
-                                </p:cTn>
-                              </p:par>
-                              <p:par>
-                                <p:cTn id="7" presetID="1" presetClass="entr" presetSubtype="0" fill="hold" grpId="0" nodeType="withEffect">
-                                  <p:stCondLst>
-                                    <p:cond delay="0"/>
-                                  </p:stCondLst>
-                                  <p:childTnLst>
-                                    <p:set>
-                                      <p:cBhvr>
-                                        <p:cTn id="8" dur="1" fill="hold">
-                                          <p:stCondLst>
-                                            <p:cond delay="0"/>
-                                          </p:stCondLst>
-                                        </p:cTn>
-                                        <p:tgtEl>
-                                          <p:spTgt spid="12"/>
-                                        </p:tgtEl>
-                                        <p:attrNameLst>
-                                          <p:attrName>style.visibility</p:attrName>
-                                        </p:attrNameLst>
-                                      </p:cBhvr>
-                                      <p:to>
-                                        <p:strVal val="visible"/>
-                                      </p:to>
-                                    </p:set>
-                                  </p:childTnLst>
-                                </p:cTn>
-                              </p:par>
-                              <p:par>
-                                <p:cTn id="9" presetID="1" presetClass="entr" presetSubtype="0" fill="hold" grpId="0" nodeType="withEffect">
-                                  <p:stCondLst>
-                                    <p:cond delay="0"/>
-                                  </p:stCondLst>
-                                  <p:childTnLst>
-                                    <p:set>
-                                      <p:cBhvr>
-                                        <p:cTn id="10" dur="1" fill="hold">
-                                          <p:stCondLst>
-                                            <p:cond delay="0"/>
-                                          </p:stCondLst>
-                                        </p:cTn>
-                                        <p:tgtEl>
-                                          <p:spTgt spid="13"/>
-                                        </p:tgtEl>
-                                        <p:attrNameLst>
-                                          <p:attrName>style.visibility</p:attrName>
-                                        </p:attrNameLst>
-                                      </p:cBhvr>
-                                      <p:to>
-                                        <p:strVal val="visible"/>
-                                      </p:to>
-                                    </p:set>
-                                  </p:childTnLst>
-                                </p:cTn>
-                              </p:par>
-                            </p:childTnLst>
-                          </p:cTn>
-                        </p:par>
-                      </p:childTnLst>
-                    </p:cTn>
-                  </p:par>
-                </p:childTnLst>
-              </p:cTn>
-              <p:prevCondLst>
-                <p:cond evt="onPrev" delay="0">
-                  <p:tgtEl>
-                    <p:sldTgt/>
-                  </p:tgtEl>
-                </p:cond>
-              </p:prevCondLst>
-              <p:nextCondLst>
-                <p:cond evt="onNext" delay="0">
-                  <p:tgtEl>
-                    <p:sldTgt/>
-                  </p:tgtEl>
-                </p:cond>
-              </p:nextCondLst>
-            </p:seq>
-          </p:childTnLst>
-        </p:cTn>
+        <p:cTn xmlns:p14="http://schemas.microsoft.com/office/powerpoint/2010/main" id="1" dur="indefinite" restart="never" nodeType="tmRoot"/>
       </p:par>
     </p:tnLst>
-    <p:bldLst>
-      <p:bldP spid="11" grpId="0"/>
-      <p:bldP spid="12" grpId="0"/>
-      <p:bldP spid="13" grpId="0"/>
-    </p:bldLst>
   </p:timing>
 </p:sld>
 </file>
@@ -48295,6 +47839,133 @@
       </p:grpSpPr>
       <p:sp>
         <p:nvSpPr>
+          <p:cNvPr id="2" name="Title 1"/>
+          <p:cNvSpPr>
+            <a:spLocks noGrp="1"/>
+          </p:cNvSpPr>
+          <p:nvPr>
+            <p:ph type="title"/>
+          </p:nvPr>
+        </p:nvSpPr>
+        <p:spPr/>
+        <p:txBody>
+          <a:bodyPr/>
+          <a:lstStyle/>
+          <a:p>
+            <a:r>
+              <a:rPr lang="en-US"/>
+              <a:t>Hands-on!</a:t>
+            </a:r>
+          </a:p>
+        </p:txBody>
+      </p:sp>
+      <p:sp>
+        <p:nvSpPr>
+          <p:cNvPr id="3" name="Content Placeholder 2"/>
+          <p:cNvSpPr>
+            <a:spLocks noGrp="1"/>
+          </p:cNvSpPr>
+          <p:nvPr>
+            <p:ph sz="quarter" idx="1"/>
+          </p:nvPr>
+        </p:nvSpPr>
+        <p:spPr/>
+        <p:txBody>
+          <a:bodyPr/>
+          <a:lstStyle/>
+          <a:p>
+            <a:r>
+              <a:rPr lang="en-US"/>
+              <a:t>Run flake8 on the pyanno package.</a:t>
+            </a:r>
+          </a:p>
+        </p:txBody>
+      </p:sp>
+      <p:sp>
+        <p:nvSpPr>
+          <p:cNvPr id="4" name="Date Placeholder 3"/>
+          <p:cNvSpPr>
+            <a:spLocks noGrp="1"/>
+          </p:cNvSpPr>
+          <p:nvPr>
+            <p:ph type="dt" sz="half" idx="10"/>
+          </p:nvPr>
+        </p:nvSpPr>
+        <p:spPr/>
+        <p:txBody>
+          <a:bodyPr/>
+          <a:lstStyle/>
+          <a:p>
+            <a:r>
+              <a:rPr lang="en-US" smtClean="0"/>
+              <a:t>Pietro Berkes, Sept 2015</a:t>
+            </a:r>
+            <a:endParaRPr lang="en-US"/>
+          </a:p>
+        </p:txBody>
+      </p:sp>
+      <p:sp>
+        <p:nvSpPr>
+          <p:cNvPr id="5" name="Footer Placeholder 4"/>
+          <p:cNvSpPr>
+            <a:spLocks noGrp="1"/>
+          </p:cNvSpPr>
+          <p:nvPr>
+            <p:ph type="ftr" sz="quarter" idx="11"/>
+          </p:nvPr>
+        </p:nvSpPr>
+        <p:spPr/>
+        <p:txBody>
+          <a:bodyPr/>
+          <a:lstStyle/>
+          <a:p>
+            <a:r>
+              <a:rPr lang="en-US" smtClean="0"/>
+              <a:t>Testing, debugging, profiling</a:t>
+            </a:r>
+            <a:endParaRPr lang="en-US"/>
+          </a:p>
+        </p:txBody>
+      </p:sp>
+    </p:spTree>
+    <p:extLst>
+      <p:ext uri="{BB962C8B-B14F-4D97-AF65-F5344CB8AC3E}">
+        <p14:creationId xmlns:p14="http://schemas.microsoft.com/office/powerpoint/2010/main" val="2063047111"/>
+      </p:ext>
+    </p:extLst>
+  </p:cSld>
+  <p:clrMapOvr>
+    <a:masterClrMapping/>
+  </p:clrMapOvr>
+  <p:timing>
+    <p:tnLst>
+      <p:par>
+        <p:cTn xmlns:p14="http://schemas.microsoft.com/office/powerpoint/2010/main" id="1" dur="indefinite" restart="never" nodeType="tmRoot"/>
+      </p:par>
+    </p:tnLst>
+  </p:timing>
+</p:sld>
+</file>
+
+<file path=ppt/slides/slide61.xml><?xml version="1.0" encoding="utf-8"?>
+<p:sld xmlns:a="http://schemas.openxmlformats.org/drawingml/2006/main" xmlns:r="http://schemas.openxmlformats.org/officeDocument/2006/relationships" xmlns:p="http://schemas.openxmlformats.org/presentationml/2006/main">
+  <p:cSld>
+    <p:spTree>
+      <p:nvGrpSpPr>
+        <p:cNvPr id="1" name=""/>
+        <p:cNvGrpSpPr/>
+        <p:nvPr/>
+      </p:nvGrpSpPr>
+      <p:grpSpPr>
+        <a:xfrm>
+          <a:off x="0" y="0"/>
+          <a:ext cx="0" cy="0"/>
+          <a:chOff x="0" y="0"/>
+          <a:chExt cx="0" cy="0"/>
+        </a:xfrm>
+      </p:grpSpPr>
+      <p:sp>
+        <p:nvSpPr>
           <p:cNvPr id="3" name="Date Placeholder 2"/>
           <p:cNvSpPr>
             <a:spLocks noGrp="1"/>
@@ -48391,7 +48062,7 @@
 </p:sld>
 </file>
 
-<file path=ppt/slides/slide61.xml><?xml version="1.0" encoding="utf-8"?>
+<file path=ppt/slides/slide62.xml><?xml version="1.0" encoding="utf-8"?>
 <p:sld xmlns:a="http://schemas.openxmlformats.org/drawingml/2006/main" xmlns:r="http://schemas.openxmlformats.org/officeDocument/2006/relationships" xmlns:p="http://schemas.openxmlformats.org/presentationml/2006/main">
   <p:cSld>
     <p:spTree>
@@ -48929,7 +48600,7 @@
 </p:sld>
 </file>
 
-<file path=ppt/slides/slide62.xml><?xml version="1.0" encoding="utf-8"?>
+<file path=ppt/slides/slide63.xml><?xml version="1.0" encoding="utf-8"?>
 <p:sld xmlns:a="http://schemas.openxmlformats.org/drawingml/2006/main" xmlns:r="http://schemas.openxmlformats.org/officeDocument/2006/relationships" xmlns:p="http://schemas.openxmlformats.org/presentationml/2006/main">
   <p:cSld>
     <p:spTree>
@@ -49191,180 +48862,6 @@
 </p:sld>
 </file>
 
-<file path=ppt/slides/slide63.xml><?xml version="1.0" encoding="utf-8"?>
-<p:sld xmlns:a="http://schemas.openxmlformats.org/drawingml/2006/main" xmlns:r="http://schemas.openxmlformats.org/officeDocument/2006/relationships" xmlns:p="http://schemas.openxmlformats.org/presentationml/2006/main">
-  <p:cSld>
-    <p:spTree>
-      <p:nvGrpSpPr>
-        <p:cNvPr id="1" name=""/>
-        <p:cNvGrpSpPr/>
-        <p:nvPr/>
-      </p:nvGrpSpPr>
-      <p:grpSpPr>
-        <a:xfrm>
-          <a:off x="0" y="0"/>
-          <a:ext cx="0" cy="0"/>
-          <a:chOff x="0" y="0"/>
-          <a:chExt cx="0" cy="0"/>
-        </a:xfrm>
-      </p:grpSpPr>
-      <p:sp>
-        <p:nvSpPr>
-          <p:cNvPr id="35842" name="Rectangle 2"/>
-          <p:cNvSpPr>
-            <a:spLocks noGrp="1" noChangeArrowheads="1"/>
-          </p:cNvSpPr>
-          <p:nvPr>
-            <p:ph type="title"/>
-          </p:nvPr>
-        </p:nvSpPr>
-        <p:spPr>
-          <a:noFill/>
-        </p:spPr>
-        <p:txBody>
-          <a:bodyPr/>
-          <a:lstStyle/>
-          <a:p>
-            <a:r>
-              <a:rPr lang="en-US" dirty="0" smtClean="0"/>
-              <a:t>Python code optimization</a:t>
-            </a:r>
-            <a:endParaRPr lang="en-US" dirty="0"/>
-          </a:p>
-        </p:txBody>
-      </p:sp>
-      <p:sp>
-        <p:nvSpPr>
-          <p:cNvPr id="5" name="Content Placeholder 4"/>
-          <p:cNvSpPr>
-            <a:spLocks noGrp="1"/>
-          </p:cNvSpPr>
-          <p:nvPr>
-            <p:ph sz="quarter" idx="1"/>
-          </p:nvPr>
-        </p:nvSpPr>
-        <p:spPr/>
-        <p:txBody>
-          <a:bodyPr/>
-          <a:lstStyle/>
-          <a:p>
-            <a:r>
-              <a:rPr lang="en-GB" dirty="0" smtClean="0"/>
-              <a:t>Python is slower than C, but not prohibitively so</a:t>
-            </a:r>
-          </a:p>
-          <a:p>
-            <a:r>
-              <a:rPr lang="en-GB" dirty="0" smtClean="0"/>
-              <a:t>In scientific applications, this difference is often not noticeable: the costly parts of </a:t>
-            </a:r>
-            <a:r>
-              <a:rPr lang="en-GB" dirty="0" err="1" smtClean="0">
-                <a:latin typeface="Courier New" pitchFamily="49" charset="0"/>
-                <a:cs typeface="Courier New" pitchFamily="49" charset="0"/>
-              </a:rPr>
-              <a:t>numpy</a:t>
-            </a:r>
-            <a:r>
-              <a:rPr lang="en-GB" dirty="0" smtClean="0"/>
-              <a:t>, </a:t>
-            </a:r>
-            <a:r>
-              <a:rPr lang="en-GB" dirty="0" err="1" smtClean="0">
-                <a:latin typeface="Courier New" pitchFamily="49" charset="0"/>
-                <a:cs typeface="Courier New" pitchFamily="49" charset="0"/>
-              </a:rPr>
-              <a:t>scipy</a:t>
-            </a:r>
-            <a:r>
-              <a:rPr lang="en-GB" dirty="0" smtClean="0"/>
-              <a:t>, … are written in C or Fortran</a:t>
-            </a:r>
-          </a:p>
-          <a:p>
-            <a:r>
-              <a:rPr lang="en-GB" dirty="0"/>
-              <a:t>Don’t rush into writing </a:t>
-            </a:r>
-            <a:r>
-              <a:rPr lang="en-GB" dirty="0" smtClean="0"/>
-              <a:t>optimizations</a:t>
-            </a:r>
-            <a:endParaRPr lang="en-GB" dirty="0"/>
-          </a:p>
-        </p:txBody>
-      </p:sp>
-      <p:sp>
-        <p:nvSpPr>
-          <p:cNvPr id="8" name="Date Placeholder 7"/>
-          <p:cNvSpPr>
-            <a:spLocks noGrp="1"/>
-          </p:cNvSpPr>
-          <p:nvPr>
-            <p:ph type="dt" sz="half" idx="10"/>
-          </p:nvPr>
-        </p:nvSpPr>
-        <p:spPr>
-          <a:xfrm>
-            <a:off x="6400800" y="6356350"/>
-            <a:ext cx="2289048" cy="365760"/>
-          </a:xfrm>
-        </p:spPr>
-        <p:txBody>
-          <a:bodyPr/>
-          <a:lstStyle/>
-          <a:p>
-            <a:r>
-              <a:rPr lang="en-US" smtClean="0"/>
-              <a:t>Pietro Berkes, Sept 2015</a:t>
-            </a:r>
-            <a:endParaRPr lang="en-US"/>
-          </a:p>
-        </p:txBody>
-      </p:sp>
-      <p:sp>
-        <p:nvSpPr>
-          <p:cNvPr id="9" name="Footer Placeholder 8"/>
-          <p:cNvSpPr>
-            <a:spLocks noGrp="1"/>
-          </p:cNvSpPr>
-          <p:nvPr>
-            <p:ph type="ftr" sz="quarter" idx="11"/>
-          </p:nvPr>
-        </p:nvSpPr>
-        <p:spPr>
-          <a:xfrm>
-            <a:off x="2898648" y="6356350"/>
-            <a:ext cx="3505200" cy="365760"/>
-          </a:xfrm>
-        </p:spPr>
-        <p:txBody>
-          <a:bodyPr/>
-          <a:lstStyle/>
-          <a:p>
-            <a:r>
-              <a:rPr lang="en-US" smtClean="0"/>
-              <a:t>Testing, debugging, profiling</a:t>
-            </a:r>
-            <a:endParaRPr lang="en-US"/>
-          </a:p>
-        </p:txBody>
-      </p:sp>
-    </p:spTree>
-  </p:cSld>
-  <p:clrMapOvr>
-    <a:masterClrMapping/>
-  </p:clrMapOvr>
-  <p:timing>
-    <p:tnLst>
-      <p:par>
-        <p:cTn xmlns:p14="http://schemas.microsoft.com/office/powerpoint/2010/main" id="1" dur="indefinite" restart="never" nodeType="tmRoot"/>
-      </p:par>
-    </p:tnLst>
-  </p:timing>
-</p:sld>
-</file>
-
 <file path=ppt/slides/slide64.xml><?xml version="1.0" encoding="utf-8"?>
 <p:sld xmlns:a="http://schemas.openxmlformats.org/drawingml/2006/main" xmlns:r="http://schemas.openxmlformats.org/officeDocument/2006/relationships" xmlns:p="http://schemas.openxmlformats.org/presentationml/2006/main">
   <p:cSld>
@@ -49384,155 +48881,121 @@
       </p:grpSpPr>
       <p:sp>
         <p:nvSpPr>
-          <p:cNvPr id="2" name="Title 1"/>
+          <p:cNvPr id="35842" name="Rectangle 2"/>
+          <p:cNvSpPr>
+            <a:spLocks noGrp="1" noChangeArrowheads="1"/>
+          </p:cNvSpPr>
+          <p:nvPr>
+            <p:ph type="title"/>
+          </p:nvPr>
+        </p:nvSpPr>
+        <p:spPr>
+          <a:noFill/>
+        </p:spPr>
+        <p:txBody>
+          <a:bodyPr/>
+          <a:lstStyle/>
+          <a:p>
+            <a:r>
+              <a:rPr lang="en-US" dirty="0" smtClean="0"/>
+              <a:t>Python code optimization</a:t>
+            </a:r>
+            <a:endParaRPr lang="en-US" dirty="0"/>
+          </a:p>
+        </p:txBody>
+      </p:sp>
+      <p:sp>
+        <p:nvSpPr>
+          <p:cNvPr id="5" name="Content Placeholder 4"/>
           <p:cNvSpPr>
             <a:spLocks noGrp="1"/>
           </p:cNvSpPr>
           <p:nvPr>
-            <p:ph type="title"/>
+            <p:ph sz="quarter" idx="1"/>
           </p:nvPr>
         </p:nvSpPr>
         <p:spPr/>
         <p:txBody>
-          <a:bodyPr>
-            <a:normAutofit/>
-          </a:bodyPr>
+          <a:bodyPr/>
           <a:lstStyle/>
           <a:p>
             <a:r>
-              <a:rPr lang="en-US" dirty="0" smtClean="0"/>
-              <a:t>Optimization methods hierarchy</a:t>
-            </a:r>
-            <a:endParaRPr lang="en-US" dirty="0"/>
+              <a:rPr lang="en-GB" dirty="0" smtClean="0"/>
+              <a:t>Python is slower than C, but not prohibitively so</a:t>
+            </a:r>
+          </a:p>
+          <a:p>
+            <a:r>
+              <a:rPr lang="en-GB" dirty="0" smtClean="0"/>
+              <a:t>In scientific applications, this difference is often not noticeable: the costly parts of </a:t>
+            </a:r>
+            <a:r>
+              <a:rPr lang="en-GB" dirty="0" err="1" smtClean="0">
+                <a:latin typeface="Courier New" pitchFamily="49" charset="0"/>
+                <a:cs typeface="Courier New" pitchFamily="49" charset="0"/>
+              </a:rPr>
+              <a:t>numpy</a:t>
+            </a:r>
+            <a:r>
+              <a:rPr lang="en-GB" dirty="0" smtClean="0"/>
+              <a:t>, </a:t>
+            </a:r>
+            <a:r>
+              <a:rPr lang="en-GB" dirty="0" err="1" smtClean="0">
+                <a:latin typeface="Courier New" pitchFamily="49" charset="0"/>
+                <a:cs typeface="Courier New" pitchFamily="49" charset="0"/>
+              </a:rPr>
+              <a:t>scipy</a:t>
+            </a:r>
+            <a:r>
+              <a:rPr lang="en-GB" dirty="0" smtClean="0"/>
+              <a:t>, … are written in C or Fortran</a:t>
+            </a:r>
+          </a:p>
+          <a:p>
+            <a:r>
+              <a:rPr lang="en-GB" dirty="0"/>
+              <a:t>Don’t rush into writing </a:t>
+            </a:r>
+            <a:r>
+              <a:rPr lang="en-GB" dirty="0" smtClean="0"/>
+              <a:t>optimizations</a:t>
+            </a:r>
+            <a:endParaRPr lang="en-GB" dirty="0"/>
           </a:p>
         </p:txBody>
       </p:sp>
       <p:sp>
         <p:nvSpPr>
-          <p:cNvPr id="3" name="Content Placeholder 2"/>
+          <p:cNvPr id="8" name="Date Placeholder 7"/>
           <p:cNvSpPr>
             <a:spLocks noGrp="1"/>
           </p:cNvSpPr>
           <p:nvPr>
-            <p:ph idx="1"/>
+            <p:ph type="dt" sz="half" idx="10"/>
           </p:nvPr>
         </p:nvSpPr>
-        <p:spPr/>
+        <p:spPr>
+          <a:xfrm>
+            <a:off x="6400800" y="6356350"/>
+            <a:ext cx="2289048" cy="365760"/>
+          </a:xfrm>
+        </p:spPr>
         <p:txBody>
-          <a:bodyPr>
-            <a:normAutofit/>
-          </a:bodyPr>
+          <a:bodyPr/>
           <a:lstStyle/>
           <a:p>
             <a:r>
-              <a:rPr lang="en-US" dirty="0" smtClean="0"/>
-              <a:t>(This is mildly controversial)</a:t>
-            </a:r>
-            <a:endParaRPr lang="en-US" dirty="0"/>
-          </a:p>
-          <a:p>
-            <a:r>
-              <a:rPr lang="en-US" dirty="0" smtClean="0"/>
-              <a:t>In order of preference:</a:t>
-            </a:r>
-          </a:p>
-          <a:p>
-            <a:pPr lvl="1"/>
-            <a:r>
-              <a:rPr lang="en-US" dirty="0" err="1"/>
-              <a:t>Vectorize</a:t>
-            </a:r>
-            <a:r>
-              <a:rPr lang="en-US" dirty="0"/>
-              <a:t> code using </a:t>
-            </a:r>
-            <a:r>
-              <a:rPr lang="en-US" dirty="0" err="1"/>
-              <a:t>numpy</a:t>
-            </a:r>
-            <a:endParaRPr lang="en-US" dirty="0"/>
-          </a:p>
-          <a:p>
-            <a:pPr lvl="1"/>
-            <a:r>
-              <a:rPr lang="en-US" dirty="0"/>
-              <a:t>Use a “magic optimization” tool, like </a:t>
-            </a:r>
-            <a:r>
-              <a:rPr lang="en-US" dirty="0" err="1"/>
-              <a:t>numexpr, or numba</a:t>
-            </a:r>
-            <a:endParaRPr lang="en-US" dirty="0" err="1" smtClean="0"/>
-          </a:p>
-          <a:p>
-            <a:pPr lvl="1"/>
-            <a:r>
-              <a:rPr lang="en-US" dirty="0"/>
-              <a:t>Spend some money on better hardware (faster machine, SSD), optimized libraries (e.g., Intel’s MKL</a:t>
-            </a:r>
-            <a:r>
-              <a:rPr lang="en-US" dirty="0" smtClean="0"/>
-              <a:t>)</a:t>
-            </a:r>
-          </a:p>
-          <a:p>
-            <a:pPr lvl="1"/>
-            <a:r>
-              <a:rPr lang="en-US" dirty="0" smtClean="0"/>
-              <a:t>Use </a:t>
-            </a:r>
-            <a:r>
-              <a:rPr lang="en-US" dirty="0" err="1" smtClean="0"/>
-              <a:t>Cython</a:t>
-            </a:r>
-            <a:endParaRPr lang="en-US" dirty="0" smtClean="0"/>
-          </a:p>
-          <a:p>
-            <a:pPr lvl="1"/>
-            <a:r>
-              <a:rPr lang="en-US" dirty="0"/>
-              <a:t>P</a:t>
-            </a:r>
-            <a:r>
-              <a:rPr lang="en-US" dirty="0" smtClean="0"/>
-              <a:t>arallelize your code</a:t>
-            </a:r>
-          </a:p>
-          <a:p>
-            <a:pPr lvl="1"/>
-            <a:r>
-              <a:rPr lang="en-US" dirty="0"/>
-              <a:t>U</a:t>
-            </a:r>
-            <a:r>
-              <a:rPr lang="en-US" dirty="0" smtClean="0"/>
-              <a:t>se GPU acceleration</a:t>
-            </a:r>
-          </a:p>
-          <a:p>
-            <a:r>
-              <a:rPr lang="en-US" dirty="0" smtClean="0"/>
-              <a:t>The bottleneck might in memory or disk management, not the CPU (see </a:t>
-            </a:r>
-            <a:r>
-              <a:rPr lang="en-US" dirty="0" err="1" smtClean="0"/>
-              <a:t>Francesc Alteds’s</a:t>
-            </a:r>
-            <a:r>
-              <a:rPr lang="en-US" dirty="0" smtClean="0"/>
-              <a:t> videos online</a:t>
-            </a:r>
-            <a:r>
               <a:rPr lang="en-US" smtClean="0"/>
-              <a:t>)</a:t>
-            </a:r>
-            <a:endParaRPr lang="en-US" dirty="0"/>
+              <a:t>Pietro Berkes, Sept 2015</a:t>
+            </a:r>
+            <a:endParaRPr lang="en-US"/>
           </a:p>
         </p:txBody>
       </p:sp>
       <p:sp>
         <p:nvSpPr>
-          <p:cNvPr id="8" name="Footer Placeholder 7"/>
+          <p:cNvPr id="9" name="Footer Placeholder 8"/>
           <p:cNvSpPr>
             <a:spLocks noGrp="1"/>
           </p:cNvSpPr>
@@ -49558,35 +49021,7 @@
           </a:p>
         </p:txBody>
       </p:sp>
-      <p:sp>
-        <p:nvSpPr>
-          <p:cNvPr id="4" name="Date Placeholder 3"/>
-          <p:cNvSpPr>
-            <a:spLocks noGrp="1"/>
-          </p:cNvSpPr>
-          <p:nvPr>
-            <p:ph type="dt" sz="half" idx="10"/>
-          </p:nvPr>
-        </p:nvSpPr>
-        <p:spPr/>
-        <p:txBody>
-          <a:bodyPr/>
-          <a:lstStyle/>
-          <a:p>
-            <a:r>
-              <a:rPr lang="en-US" smtClean="0"/>
-              <a:t>Pietro Berkes, Sept 2015</a:t>
-            </a:r>
-            <a:endParaRPr lang="en-US"/>
-          </a:p>
-        </p:txBody>
-      </p:sp>
     </p:spTree>
-    <p:extLst>
-      <p:ext uri="{BB962C8B-B14F-4D97-AF65-F5344CB8AC3E}">
-        <p14:creationId xmlns:p14="http://schemas.microsoft.com/office/powerpoint/2010/main" val="1239101084"/>
-      </p:ext>
-    </p:extLst>
   </p:cSld>
   <p:clrMapOvr>
     <a:masterClrMapping/>
@@ -49630,12 +49065,14 @@
         </p:nvSpPr>
         <p:spPr/>
         <p:txBody>
-          <a:bodyPr/>
+          <a:bodyPr>
+            <a:normAutofit/>
+          </a:bodyPr>
           <a:lstStyle/>
           <a:p>
             <a:r>
               <a:rPr lang="en-US" dirty="0" smtClean="0"/>
-              <a:t>How to optimize</a:t>
+              <a:t>Optimization methods hierarchy</a:t>
             </a:r>
             <a:endParaRPr lang="en-US" dirty="0"/>
           </a:p>
@@ -49653,108 +49090,113 @@
         </p:nvSpPr>
         <p:spPr/>
         <p:txBody>
-          <a:bodyPr/>
+          <a:bodyPr>
+            <a:normAutofit/>
+          </a:bodyPr>
           <a:lstStyle/>
           <a:p>
             <a:r>
+              <a:rPr lang="en-US" dirty="0" smtClean="0"/>
+              <a:t>(This is mildly controversial)</a:t>
+            </a:r>
+            <a:endParaRPr lang="en-US" dirty="0"/>
+          </a:p>
+          <a:p>
+            <a:r>
+              <a:rPr lang="en-US" dirty="0" smtClean="0"/>
+              <a:t>In order of preference:</a:t>
+            </a:r>
+          </a:p>
+          <a:p>
+            <a:pPr lvl="1"/>
+            <a:r>
+              <a:rPr lang="en-US" dirty="0" err="1"/>
+              <a:t>Vectorize</a:t>
+            </a:r>
+            <a:r>
               <a:rPr lang="en-US" dirty="0"/>
-              <a:t>Usually, a small percentage of your code takes up most of the </a:t>
+              <a:t> code using </a:t>
+            </a:r>
+            <a:r>
+              <a:rPr lang="en-US" dirty="0" err="1"/>
+              <a:t>numpy</a:t>
+            </a:r>
+            <a:endParaRPr lang="en-US" dirty="0"/>
+          </a:p>
+          <a:p>
+            <a:pPr lvl="1"/>
+            <a:r>
+              <a:rPr lang="en-US" dirty="0"/>
+              <a:t>Use a “magic optimization” tool, like </a:t>
+            </a:r>
+            <a:r>
+              <a:rPr lang="en-US" dirty="0" err="1"/>
+              <a:t>numexpr, or numba</a:t>
+            </a:r>
+            <a:endParaRPr lang="en-US" dirty="0" err="1" smtClean="0"/>
+          </a:p>
+          <a:p>
+            <a:pPr lvl="1"/>
+            <a:r>
+              <a:rPr lang="en-US" dirty="0"/>
+              <a:t>Spend some money on better hardware (faster machine, SSD), optimized libraries (e.g., Intel’s MKL</a:t>
             </a:r>
             <a:r>
               <a:rPr lang="en-US" dirty="0" smtClean="0"/>
-              <a:t>time</a:t>
-            </a:r>
-          </a:p>
-          <a:p>
-            <a:pPr marL="514350" indent="-514350">
-              <a:buFont typeface="+mj-lt"/>
-              <a:buAutoNum type="arabicPeriod"/>
-            </a:pPr>
+              <a:t>)</a:t>
+            </a:r>
+          </a:p>
+          <a:p>
+            <a:pPr lvl="1"/>
             <a:r>
               <a:rPr lang="en-US" dirty="0" smtClean="0"/>
-              <a:t>Identify </a:t>
-            </a:r>
+              <a:t>Use </a:t>
+            </a:r>
+            <a:r>
+              <a:rPr lang="en-US" dirty="0" err="1" smtClean="0"/>
+              <a:t>Cython</a:t>
+            </a:r>
+            <a:endParaRPr lang="en-US" dirty="0" smtClean="0"/>
+          </a:p>
+          <a:p>
+            <a:pPr lvl="1"/>
             <a:r>
               <a:rPr lang="en-US" dirty="0"/>
-              <a:t>time-consuming parts of the </a:t>
+              <a:t>P</a:t>
             </a:r>
             <a:r>
               <a:rPr lang="en-US" dirty="0" smtClean="0"/>
-              <a:t>code</a:t>
-            </a:r>
-            <a:br>
+              <a:t>arallelize your code</a:t>
+            </a:r>
+          </a:p>
+          <a:p>
+            <a:pPr lvl="1"/>
+            <a:r>
+              <a:rPr lang="en-US" dirty="0"/>
+              <a:t>U</a:t>
+            </a:r>
+            <a:r>
               <a:rPr lang="en-US" dirty="0" smtClean="0"/>
-            </a:br>
+              <a:t>se GPU acceleration</a:t>
+            </a:r>
+          </a:p>
+          <a:p>
             <a:r>
               <a:rPr lang="en-US" dirty="0" smtClean="0"/>
-              <a:t>(</a:t>
-            </a:r>
-            <a:r>
-              <a:rPr lang="en-US" dirty="0"/>
-              <a:t>use a profiler)</a:t>
-            </a:r>
-          </a:p>
-          <a:p>
-            <a:pPr marL="514350" indent="-514350">
-              <a:buFont typeface="+mj-lt"/>
-              <a:buAutoNum type="arabicPeriod"/>
-            </a:pPr>
+              <a:t>The bottleneck might in memory or disk management, not the CPU (see </a:t>
+            </a:r>
+            <a:r>
+              <a:rPr lang="en-US" dirty="0" err="1" smtClean="0"/>
+              <a:t>Francesc Alteds’s</a:t>
+            </a:r>
             <a:r>
               <a:rPr lang="en-US" dirty="0" smtClean="0"/>
-              <a:t>Only </a:t>
-            </a:r>
-            <a:r>
-              <a:rPr lang="en-US" dirty="0"/>
-              <a:t>optimize those parts of the code</a:t>
-            </a:r>
-          </a:p>
-          <a:p>
-            <a:pPr marL="514350" indent="-514350">
-              <a:buFont typeface="+mj-lt"/>
-              <a:buAutoNum type="arabicPeriod"/>
-            </a:pPr>
-            <a:r>
-              <a:rPr lang="en-US" dirty="0" smtClean="0"/>
-              <a:t>Keep </a:t>
-            </a:r>
-            <a:r>
-              <a:rPr lang="en-US" dirty="0"/>
-              <a:t>running the tests to make sure that </a:t>
-            </a:r>
-            <a:r>
-              <a:rPr lang="en-US" dirty="0" smtClean="0"/>
-              <a:t>code is </a:t>
-            </a:r>
-            <a:r>
-              <a:rPr lang="en-US" dirty="0"/>
-              <a:t>not </a:t>
-            </a:r>
-            <a:r>
-              <a:rPr lang="en-US" dirty="0" smtClean="0"/>
-              <a:t>broken</a:t>
-            </a:r>
-          </a:p>
-          <a:p>
-            <a:pPr marL="0" indent="0">
-              <a:buNone/>
-            </a:pPr>
-            <a:endParaRPr lang="en-US" dirty="0"/>
-          </a:p>
-          <a:p>
-            <a:r>
-              <a:rPr lang="en-US" dirty="0"/>
-              <a:t>Stop optimizing as soon as possible</a:t>
-            </a:r>
-            <a:br>
-              <a:rPr lang="en-US" dirty="0"/>
-            </a:br>
-            <a:endParaRPr lang="en-US" dirty="0"/>
-          </a:p>
-          <a:p>
-            <a:pPr marL="514350" indent="-514350">
-              <a:buFont typeface="+mj-lt"/>
-              <a:buAutoNum type="arabicPeriod"/>
-            </a:pPr>
+              <a:t> videos online</a:t>
+            </a:r>
+            <a:r>
+              <a:rPr lang="en-US" smtClean="0"/>
+              <a:t>)</a:t>
+            </a:r>
             <a:endParaRPr lang="en-US" dirty="0"/>
           </a:p>
         </p:txBody>
@@ -49813,7 +49255,7 @@
     </p:spTree>
     <p:extLst>
       <p:ext uri="{BB962C8B-B14F-4D97-AF65-F5344CB8AC3E}">
-        <p14:creationId xmlns:p14="http://schemas.microsoft.com/office/powerpoint/2010/main" val="849293537"/>
+        <p14:creationId xmlns:p14="http://schemas.microsoft.com/office/powerpoint/2010/main" val="1239101084"/>
       </p:ext>
     </p:extLst>
   </p:cSld>
@@ -49863,19 +49305,10 @@
           <a:lstStyle/>
           <a:p>
             <a:r>
-              <a:rPr lang="en-GB" dirty="0" err="1" smtClean="0">
-                <a:cs typeface="Courier New" pitchFamily="49" charset="0"/>
-              </a:rPr>
-              <a:t>Measuring time: </a:t>
-            </a:r>
-            <a:r>
-              <a:rPr lang="en-GB" dirty="0" err="1" smtClean="0">
-                <a:latin typeface="Courier New" pitchFamily="49" charset="0"/>
-                <a:cs typeface="Courier New" pitchFamily="49" charset="0"/>
-              </a:rPr>
-              <a:t>timeit</a:t>
-            </a:r>
-            <a:endParaRPr lang="en-GB" dirty="0"/>
+              <a:rPr lang="en-US" dirty="0" smtClean="0"/>
+              <a:t>How to optimize</a:t>
+            </a:r>
+            <a:endParaRPr lang="en-US" dirty="0"/>
           </a:p>
         </p:txBody>
       </p:sp>
@@ -49886,333 +49319,120 @@
             <a:spLocks noGrp="1"/>
           </p:cNvSpPr>
           <p:nvPr>
-            <p:ph sz="quarter" idx="1"/>
+            <p:ph idx="1"/>
           </p:nvPr>
         </p:nvSpPr>
         <p:spPr/>
-        <p:txBody>
-          <a:bodyPr>
-            <a:noAutofit/>
-          </a:bodyPr>
-          <a:lstStyle/>
-          <a:p>
-            <a:r>
-              <a:rPr lang="en-GB" dirty="0" smtClean="0"/>
-              <a:t>Precise timing of a function/expression</a:t>
-            </a:r>
-          </a:p>
-          <a:p>
-            <a:r>
-              <a:rPr lang="en-GB" dirty="0" smtClean="0"/>
-              <a:t>Test different versions of a small amount of code, often used in interactive Python shell</a:t>
-            </a:r>
-          </a:p>
-          <a:p>
-            <a:endParaRPr lang="en-GB" dirty="0" smtClean="0"/>
-          </a:p>
-          <a:p>
-            <a:endParaRPr lang="en-GB" dirty="0" smtClean="0"/>
-          </a:p>
-          <a:p>
-            <a:endParaRPr lang="en-GB" dirty="0" smtClean="0"/>
-          </a:p>
-          <a:p>
-            <a:pPr>
-              <a:buNone/>
-            </a:pPr>
-            <a:endParaRPr lang="en-GB" dirty="0" smtClean="0"/>
-          </a:p>
-          <a:p>
-            <a:r>
-              <a:rPr lang="en-GB" dirty="0" smtClean="0"/>
-              <a:t>In </a:t>
-            </a:r>
-            <a:r>
-              <a:rPr lang="en-GB" dirty="0" err="1" smtClean="0"/>
-              <a:t>ipython</a:t>
-            </a:r>
-            <a:r>
-              <a:rPr lang="en-GB" dirty="0" smtClean="0"/>
-              <a:t>, you can use the </a:t>
-            </a:r>
-            <a:r>
-              <a:rPr lang="en-GB" dirty="0" smtClean="0">
-                <a:latin typeface="Courier New" pitchFamily="49" charset="0"/>
-                <a:cs typeface="Courier New" pitchFamily="49" charset="0"/>
-              </a:rPr>
-              <a:t>%</a:t>
-            </a:r>
-            <a:r>
-              <a:rPr lang="en-GB" dirty="0" err="1" smtClean="0">
-                <a:latin typeface="Courier New" pitchFamily="49" charset="0"/>
-                <a:cs typeface="Courier New" pitchFamily="49" charset="0"/>
-              </a:rPr>
-              <a:t>timeit</a:t>
-            </a:r>
-            <a:r>
-              <a:rPr lang="en-GB" dirty="0" smtClean="0">
-                <a:latin typeface="Courier New" pitchFamily="49" charset="0"/>
-                <a:cs typeface="Courier New" pitchFamily="49" charset="0"/>
-              </a:rPr>
-              <a:t> </a:t>
-            </a:r>
-            <a:r>
-              <a:rPr lang="en-GB" dirty="0" smtClean="0"/>
-              <a:t>magic command</a:t>
-            </a:r>
-            <a:endParaRPr lang="en-GB" dirty="0"/>
-          </a:p>
-        </p:txBody>
-      </p:sp>
-      <p:sp>
-        <p:nvSpPr>
-          <p:cNvPr id="4" name="TextBox 3"/>
-          <p:cNvSpPr txBox="1"/>
-          <p:nvPr/>
-        </p:nvSpPr>
-        <p:spPr>
-          <a:xfrm>
-            <a:off x="785786" y="2714620"/>
-            <a:ext cx="8001056" cy="1569660"/>
-          </a:xfrm>
-          <a:prstGeom prst="rect">
-            <a:avLst/>
-          </a:prstGeom>
-          <a:noFill/>
-        </p:spPr>
-        <p:txBody>
-          <a:bodyPr wrap="square" rtlCol="0">
-            <a:spAutoFit/>
-          </a:bodyPr>
-          <a:lstStyle/>
-          <a:p>
-            <a:r>
-              <a:rPr lang="en-GB" sz="1600" dirty="0" smtClean="0">
-                <a:solidFill>
-                  <a:srgbClr val="0000FF"/>
-                </a:solidFill>
-                <a:latin typeface="Courier New" pitchFamily="49" charset="0"/>
-              </a:rPr>
-              <a:t>from </a:t>
-            </a:r>
-            <a:r>
-              <a:rPr lang="en-GB" sz="1600" dirty="0" err="1" smtClean="0">
-                <a:solidFill>
-                  <a:srgbClr val="000000"/>
-                </a:solidFill>
-                <a:latin typeface="Courier New" pitchFamily="49" charset="0"/>
-              </a:rPr>
-              <a:t>timeit</a:t>
-            </a:r>
-            <a:r>
-              <a:rPr lang="en-GB" sz="1600" dirty="0" smtClean="0">
-                <a:solidFill>
-                  <a:srgbClr val="000000"/>
-                </a:solidFill>
-                <a:latin typeface="Courier New" pitchFamily="49" charset="0"/>
-              </a:rPr>
-              <a:t> </a:t>
-            </a:r>
-            <a:r>
-              <a:rPr lang="en-GB" sz="1600" dirty="0" smtClean="0">
-                <a:solidFill>
-                  <a:srgbClr val="0000FF"/>
-                </a:solidFill>
-                <a:latin typeface="Courier New" pitchFamily="49" charset="0"/>
-              </a:rPr>
-              <a:t>import</a:t>
-            </a:r>
-            <a:r>
-              <a:rPr lang="en-GB" sz="1600" dirty="0" smtClean="0">
-                <a:solidFill>
-                  <a:srgbClr val="000000"/>
-                </a:solidFill>
-                <a:latin typeface="Courier New" pitchFamily="49" charset="0"/>
-              </a:rPr>
-              <a:t> Timer</a:t>
-            </a:r>
-          </a:p>
-          <a:p>
-            <a:endParaRPr lang="en-GB" sz="1600" dirty="0" smtClean="0">
-              <a:latin typeface="Courier New" pitchFamily="49" charset="0"/>
-            </a:endParaRPr>
-          </a:p>
-          <a:p>
-            <a:r>
-              <a:rPr lang="en-US" sz="1600" dirty="0" smtClean="0">
-                <a:solidFill>
-                  <a:srgbClr val="800000"/>
-                </a:solidFill>
-                <a:latin typeface="Courier New" pitchFamily="49" charset="0"/>
-              </a:rPr>
-              <a:t># more detailed control of timing</a:t>
-            </a:r>
-          </a:p>
-          <a:p>
-            <a:r>
-              <a:rPr lang="en-GB" sz="1600" dirty="0" smtClean="0">
-                <a:solidFill>
-                  <a:srgbClr val="000000"/>
-                </a:solidFill>
-                <a:latin typeface="Courier New" pitchFamily="49" charset="0"/>
-              </a:rPr>
-              <a:t>t = Timer(</a:t>
-            </a:r>
-            <a:r>
-              <a:rPr lang="en-GB" sz="1600" i="1" dirty="0" smtClean="0">
-                <a:solidFill>
-                  <a:srgbClr val="00AA00"/>
-                </a:solidFill>
-                <a:latin typeface="Courier New" pitchFamily="49" charset="0"/>
-              </a:rPr>
-              <a:t>"</a:t>
-            </a:r>
-            <a:r>
-              <a:rPr lang="en-GB" sz="1600" i="1" dirty="0" err="1" smtClean="0">
-                <a:solidFill>
-                  <a:srgbClr val="00AA00"/>
-                </a:solidFill>
-                <a:latin typeface="Courier New" pitchFamily="49" charset="0"/>
-              </a:rPr>
-              <a:t>module.function</a:t>
-            </a:r>
-            <a:r>
-              <a:rPr lang="en-GB" sz="1600" i="1" dirty="0" smtClean="0">
-                <a:solidFill>
-                  <a:srgbClr val="00AA00"/>
-                </a:solidFill>
-                <a:latin typeface="Courier New" pitchFamily="49" charset="0"/>
-              </a:rPr>
-              <a:t>(arg1, arg2)"</a:t>
-            </a:r>
-            <a:r>
-              <a:rPr lang="en-GB" sz="1600" i="1" dirty="0" smtClean="0">
-                <a:solidFill>
-                  <a:srgbClr val="000000"/>
-                </a:solidFill>
-                <a:latin typeface="Courier New" pitchFamily="49" charset="0"/>
-              </a:rPr>
-              <a:t>, </a:t>
-            </a:r>
-            <a:r>
-              <a:rPr lang="en-GB" sz="1600" i="1" dirty="0" smtClean="0">
-                <a:solidFill>
-                  <a:srgbClr val="00AA00"/>
-                </a:solidFill>
-                <a:latin typeface="Courier New" pitchFamily="49" charset="0"/>
-              </a:rPr>
-              <a:t>"import module"</a:t>
-            </a:r>
-            <a:r>
-              <a:rPr lang="en-GB" sz="1600" i="1" dirty="0" smtClean="0">
-                <a:solidFill>
-                  <a:srgbClr val="000000"/>
-                </a:solidFill>
-                <a:latin typeface="Courier New" pitchFamily="49" charset="0"/>
-              </a:rPr>
-              <a:t>)</a:t>
-            </a:r>
-          </a:p>
-          <a:p>
-            <a:r>
-              <a:rPr lang="en-US" sz="1600" dirty="0" smtClean="0">
-                <a:solidFill>
-                  <a:srgbClr val="800000"/>
-                </a:solidFill>
-                <a:latin typeface="Courier New" pitchFamily="49" charset="0"/>
-              </a:rPr>
-              <a:t># make three measurements of timing, repeat 2 million times</a:t>
-            </a:r>
-          </a:p>
-          <a:p>
-            <a:r>
-              <a:rPr lang="en-GB" sz="1600" dirty="0" err="1" smtClean="0">
-                <a:solidFill>
-                  <a:srgbClr val="000000"/>
-                </a:solidFill>
-                <a:latin typeface="Courier New" pitchFamily="49" charset="0"/>
-              </a:rPr>
-              <a:t>t.repeat</a:t>
-            </a:r>
-            <a:r>
-              <a:rPr lang="en-GB" sz="1600" dirty="0" smtClean="0">
-                <a:solidFill>
-                  <a:srgbClr val="000000"/>
-                </a:solidFill>
-                <a:latin typeface="Courier New" pitchFamily="49" charset="0"/>
-              </a:rPr>
-              <a:t>(</a:t>
-            </a:r>
-            <a:r>
-              <a:rPr lang="en-GB" sz="1600" dirty="0" smtClean="0">
-                <a:solidFill>
-                  <a:srgbClr val="800000"/>
-                </a:solidFill>
-                <a:latin typeface="Courier New" pitchFamily="49" charset="0"/>
-              </a:rPr>
-              <a:t>3</a:t>
-            </a:r>
-            <a:r>
-              <a:rPr lang="en-GB" sz="1600" dirty="0" smtClean="0">
-                <a:solidFill>
-                  <a:srgbClr val="000000"/>
-                </a:solidFill>
-                <a:latin typeface="Courier New" pitchFamily="49" charset="0"/>
-              </a:rPr>
-              <a:t>, </a:t>
-            </a:r>
-            <a:r>
-              <a:rPr lang="en-GB" sz="1600" dirty="0" smtClean="0">
-                <a:solidFill>
-                  <a:srgbClr val="800000"/>
-                </a:solidFill>
-                <a:latin typeface="Courier New" pitchFamily="49" charset="0"/>
-              </a:rPr>
-              <a:t>2000000</a:t>
-            </a:r>
-            <a:r>
-              <a:rPr lang="en-GB" sz="1600" dirty="0" smtClean="0">
-                <a:solidFill>
-                  <a:srgbClr val="000000"/>
-                </a:solidFill>
-                <a:latin typeface="Courier New" pitchFamily="49" charset="0"/>
-              </a:rPr>
-              <a:t>)</a:t>
-            </a:r>
-          </a:p>
-        </p:txBody>
-      </p:sp>
-      <p:sp>
-        <p:nvSpPr>
-          <p:cNvPr id="8" name="Date Placeholder 7"/>
-          <p:cNvSpPr>
-            <a:spLocks noGrp="1"/>
-          </p:cNvSpPr>
-          <p:nvPr>
-            <p:ph type="dt" sz="half" idx="10"/>
-          </p:nvPr>
-        </p:nvSpPr>
-        <p:spPr>
-          <a:xfrm>
-            <a:off x="6400800" y="6356350"/>
-            <a:ext cx="2289048" cy="365760"/>
-          </a:xfrm>
-        </p:spPr>
         <p:txBody>
           <a:bodyPr/>
           <a:lstStyle/>
           <a:p>
             <a:r>
-              <a:rPr lang="en-US" smtClean="0"/>
-              <a:t>Pietro Berkes, Sept 2015</a:t>
-            </a:r>
-            <a:endParaRPr lang="en-US"/>
+              <a:rPr lang="en-US" dirty="0"/>
+              <a:t>Usually, a small percentage of your code takes up most of the </a:t>
+            </a:r>
+            <a:r>
+              <a:rPr lang="en-US" dirty="0" smtClean="0"/>
+              <a:t>time</a:t>
+            </a:r>
+          </a:p>
+          <a:p>
+            <a:pPr marL="514350" indent="-514350">
+              <a:buFont typeface="+mj-lt"/>
+              <a:buAutoNum type="arabicPeriod"/>
+            </a:pPr>
+            <a:r>
+              <a:rPr lang="en-US" dirty="0" smtClean="0"/>
+              <a:t>Identify </a:t>
+            </a:r>
+            <a:r>
+              <a:rPr lang="en-US" dirty="0"/>
+              <a:t>time-consuming parts of the </a:t>
+            </a:r>
+            <a:r>
+              <a:rPr lang="en-US" dirty="0" smtClean="0"/>
+              <a:t>code</a:t>
+            </a:r>
+            <a:br>
+              <a:rPr lang="en-US" dirty="0" smtClean="0"/>
+            </a:br>
+            <a:r>
+              <a:rPr lang="en-US" dirty="0" smtClean="0"/>
+              <a:t>(</a:t>
+            </a:r>
+            <a:r>
+              <a:rPr lang="en-US" dirty="0"/>
+              <a:t>use a profiler)</a:t>
+            </a:r>
+          </a:p>
+          <a:p>
+            <a:pPr marL="514350" indent="-514350">
+              <a:buFont typeface="+mj-lt"/>
+              <a:buAutoNum type="arabicPeriod"/>
+            </a:pPr>
+            <a:r>
+              <a:rPr lang="en-US" dirty="0" smtClean="0"/>
+              <a:t>Only </a:t>
+            </a:r>
+            <a:r>
+              <a:rPr lang="en-US" dirty="0"/>
+              <a:t>optimize those parts of the code</a:t>
+            </a:r>
+          </a:p>
+          <a:p>
+            <a:pPr marL="514350" indent="-514350">
+              <a:buFont typeface="+mj-lt"/>
+              <a:buAutoNum type="arabicPeriod"/>
+            </a:pPr>
+            <a:r>
+              <a:rPr lang="en-US" dirty="0" smtClean="0"/>
+              <a:t>Keep </a:t>
+            </a:r>
+            <a:r>
+              <a:rPr lang="en-US" dirty="0"/>
+              <a:t>running the tests to make sure that </a:t>
+            </a:r>
+            <a:r>
+              <a:rPr lang="en-US" dirty="0" smtClean="0"/>
+              <a:t>code is </a:t>
+            </a:r>
+            <a:r>
+              <a:rPr lang="en-US" dirty="0"/>
+              <a:t>not </a:t>
+            </a:r>
+            <a:r>
+              <a:rPr lang="en-US" dirty="0" smtClean="0"/>
+              <a:t>broken</a:t>
+            </a:r>
+          </a:p>
+          <a:p>
+            <a:pPr marL="0" indent="0">
+              <a:buNone/>
+            </a:pPr>
+            <a:endParaRPr lang="en-US" dirty="0"/>
+          </a:p>
+          <a:p>
+            <a:r>
+              <a:rPr lang="en-US" dirty="0"/>
+              <a:t>Stop optimizing as soon as possible</a:t>
+            </a:r>
+            <a:br>
+              <a:rPr lang="en-US" dirty="0"/>
+            </a:br>
+            <a:endParaRPr lang="en-US" dirty="0"/>
+          </a:p>
+          <a:p>
+            <a:pPr marL="514350" indent="-514350">
+              <a:buFont typeface="+mj-lt"/>
+              <a:buAutoNum type="arabicPeriod"/>
+            </a:pPr>
+            <a:endParaRPr lang="en-US" dirty="0"/>
           </a:p>
         </p:txBody>
       </p:sp>
       <p:sp>
         <p:nvSpPr>
-          <p:cNvPr id="9" name="Footer Placeholder 8"/>
+          <p:cNvPr id="8" name="Footer Placeholder 7"/>
           <p:cNvSpPr>
             <a:spLocks noGrp="1"/>
           </p:cNvSpPr>
@@ -50238,7 +49458,35 @@
           </a:p>
         </p:txBody>
       </p:sp>
+      <p:sp>
+        <p:nvSpPr>
+          <p:cNvPr id="4" name="Date Placeholder 3"/>
+          <p:cNvSpPr>
+            <a:spLocks noGrp="1"/>
+          </p:cNvSpPr>
+          <p:nvPr>
+            <p:ph type="dt" sz="half" idx="10"/>
+          </p:nvPr>
+        </p:nvSpPr>
+        <p:spPr/>
+        <p:txBody>
+          <a:bodyPr/>
+          <a:lstStyle/>
+          <a:p>
+            <a:r>
+              <a:rPr lang="en-US" smtClean="0"/>
+              <a:t>Pietro Berkes, Sept 2015</a:t>
+            </a:r>
+            <a:endParaRPr lang="en-US"/>
+          </a:p>
+        </p:txBody>
+      </p:sp>
     </p:spTree>
+    <p:extLst>
+      <p:ext uri="{BB962C8B-B14F-4D97-AF65-F5344CB8AC3E}">
+        <p14:creationId xmlns:p14="http://schemas.microsoft.com/office/powerpoint/2010/main" val="849293537"/>
+      </p:ext>
+    </p:extLst>
   </p:cSld>
   <p:clrMapOvr>
     <a:masterClrMapping/>
@@ -50286,6 +49534,429 @@
           <a:lstStyle/>
           <a:p>
             <a:r>
+              <a:rPr lang="en-GB" dirty="0" err="1" smtClean="0">
+                <a:cs typeface="Courier New" pitchFamily="49" charset="0"/>
+              </a:rPr>
+              <a:t>Measuring time: </a:t>
+            </a:r>
+            <a:r>
+              <a:rPr lang="en-GB" dirty="0" err="1" smtClean="0">
+                <a:latin typeface="Courier New" pitchFamily="49" charset="0"/>
+                <a:cs typeface="Courier New" pitchFamily="49" charset="0"/>
+              </a:rPr>
+              <a:t>timeit</a:t>
+            </a:r>
+            <a:endParaRPr lang="en-GB" dirty="0"/>
+          </a:p>
+        </p:txBody>
+      </p:sp>
+      <p:sp>
+        <p:nvSpPr>
+          <p:cNvPr id="3" name="Content Placeholder 2"/>
+          <p:cNvSpPr>
+            <a:spLocks noGrp="1"/>
+          </p:cNvSpPr>
+          <p:nvPr>
+            <p:ph sz="quarter" idx="1"/>
+          </p:nvPr>
+        </p:nvSpPr>
+        <p:spPr/>
+        <p:txBody>
+          <a:bodyPr>
+            <a:noAutofit/>
+          </a:bodyPr>
+          <a:lstStyle/>
+          <a:p>
+            <a:r>
+              <a:rPr lang="en-GB" dirty="0" smtClean="0"/>
+              <a:t>Precise timing of a function/expression</a:t>
+            </a:r>
+          </a:p>
+          <a:p>
+            <a:r>
+              <a:rPr lang="en-GB" dirty="0" smtClean="0"/>
+              <a:t>Test different versions of a small amount of code, often used in interactive Python shell</a:t>
+            </a:r>
+          </a:p>
+          <a:p>
+            <a:endParaRPr lang="en-GB" dirty="0" smtClean="0"/>
+          </a:p>
+          <a:p>
+            <a:endParaRPr lang="en-GB" dirty="0" smtClean="0"/>
+          </a:p>
+          <a:p>
+            <a:endParaRPr lang="en-GB" dirty="0" smtClean="0"/>
+          </a:p>
+          <a:p>
+            <a:pPr>
+              <a:buNone/>
+            </a:pPr>
+            <a:endParaRPr lang="en-GB" dirty="0" smtClean="0"/>
+          </a:p>
+          <a:p>
+            <a:r>
+              <a:rPr lang="en-GB" dirty="0" smtClean="0"/>
+              <a:t>In </a:t>
+            </a:r>
+            <a:r>
+              <a:rPr lang="en-GB" dirty="0" err="1" smtClean="0"/>
+              <a:t>ipython</a:t>
+            </a:r>
+            <a:r>
+              <a:rPr lang="en-GB" dirty="0" smtClean="0"/>
+              <a:t>, you can use the </a:t>
+            </a:r>
+            <a:r>
+              <a:rPr lang="en-GB" dirty="0" smtClean="0">
+                <a:latin typeface="Courier New" pitchFamily="49" charset="0"/>
+                <a:cs typeface="Courier New" pitchFamily="49" charset="0"/>
+              </a:rPr>
+              <a:t>%</a:t>
+            </a:r>
+            <a:r>
+              <a:rPr lang="en-GB" dirty="0" err="1" smtClean="0">
+                <a:latin typeface="Courier New" pitchFamily="49" charset="0"/>
+                <a:cs typeface="Courier New" pitchFamily="49" charset="0"/>
+              </a:rPr>
+              <a:t>timeit</a:t>
+            </a:r>
+            <a:r>
+              <a:rPr lang="en-GB" dirty="0" smtClean="0">
+                <a:latin typeface="Courier New" pitchFamily="49" charset="0"/>
+                <a:cs typeface="Courier New" pitchFamily="49" charset="0"/>
+              </a:rPr>
+              <a:t> </a:t>
+            </a:r>
+            <a:r>
+              <a:rPr lang="en-GB" dirty="0" smtClean="0"/>
+              <a:t>magic command</a:t>
+            </a:r>
+            <a:endParaRPr lang="en-GB" dirty="0"/>
+          </a:p>
+        </p:txBody>
+      </p:sp>
+      <p:sp>
+        <p:nvSpPr>
+          <p:cNvPr id="4" name="TextBox 3"/>
+          <p:cNvSpPr txBox="1"/>
+          <p:nvPr/>
+        </p:nvSpPr>
+        <p:spPr>
+          <a:xfrm>
+            <a:off x="785786" y="2714620"/>
+            <a:ext cx="8001056" cy="1569660"/>
+          </a:xfrm>
+          <a:prstGeom prst="rect">
+            <a:avLst/>
+          </a:prstGeom>
+          <a:noFill/>
+        </p:spPr>
+        <p:txBody>
+          <a:bodyPr wrap="square" rtlCol="0">
+            <a:spAutoFit/>
+          </a:bodyPr>
+          <a:lstStyle/>
+          <a:p>
+            <a:r>
+              <a:rPr lang="en-GB" sz="1600" dirty="0" smtClean="0">
+                <a:solidFill>
+                  <a:srgbClr val="0000FF"/>
+                </a:solidFill>
+                <a:latin typeface="Courier New" pitchFamily="49" charset="0"/>
+              </a:rPr>
+              <a:t>from </a:t>
+            </a:r>
+            <a:r>
+              <a:rPr lang="en-GB" sz="1600" dirty="0" err="1" smtClean="0">
+                <a:solidFill>
+                  <a:srgbClr val="000000"/>
+                </a:solidFill>
+                <a:latin typeface="Courier New" pitchFamily="49" charset="0"/>
+              </a:rPr>
+              <a:t>timeit</a:t>
+            </a:r>
+            <a:r>
+              <a:rPr lang="en-GB" sz="1600" dirty="0" smtClean="0">
+                <a:solidFill>
+                  <a:srgbClr val="000000"/>
+                </a:solidFill>
+                <a:latin typeface="Courier New" pitchFamily="49" charset="0"/>
+              </a:rPr>
+              <a:t> </a:t>
+            </a:r>
+            <a:r>
+              <a:rPr lang="en-GB" sz="1600" dirty="0" smtClean="0">
+                <a:solidFill>
+                  <a:srgbClr val="0000FF"/>
+                </a:solidFill>
+                <a:latin typeface="Courier New" pitchFamily="49" charset="0"/>
+              </a:rPr>
+              <a:t>import</a:t>
+            </a:r>
+            <a:r>
+              <a:rPr lang="en-GB" sz="1600" dirty="0" smtClean="0">
+                <a:solidFill>
+                  <a:srgbClr val="000000"/>
+                </a:solidFill>
+                <a:latin typeface="Courier New" pitchFamily="49" charset="0"/>
+              </a:rPr>
+              <a:t> Timer</a:t>
+            </a:r>
+          </a:p>
+          <a:p>
+            <a:endParaRPr lang="en-GB" sz="1600" dirty="0" smtClean="0">
+              <a:latin typeface="Courier New" pitchFamily="49" charset="0"/>
+            </a:endParaRPr>
+          </a:p>
+          <a:p>
+            <a:r>
+              <a:rPr lang="en-US" sz="1600" dirty="0" smtClean="0">
+                <a:solidFill>
+                  <a:srgbClr val="800000"/>
+                </a:solidFill>
+                <a:latin typeface="Courier New" pitchFamily="49" charset="0"/>
+              </a:rPr>
+              <a:t># more detailed control of timing</a:t>
+            </a:r>
+          </a:p>
+          <a:p>
+            <a:r>
+              <a:rPr lang="en-GB" sz="1600" dirty="0" smtClean="0">
+                <a:solidFill>
+                  <a:srgbClr val="000000"/>
+                </a:solidFill>
+                <a:latin typeface="Courier New" pitchFamily="49" charset="0"/>
+              </a:rPr>
+              <a:t>t = Timer(</a:t>
+            </a:r>
+            <a:r>
+              <a:rPr lang="en-GB" sz="1600" i="1" dirty="0" smtClean="0">
+                <a:solidFill>
+                  <a:srgbClr val="00AA00"/>
+                </a:solidFill>
+                <a:latin typeface="Courier New" pitchFamily="49" charset="0"/>
+              </a:rPr>
+              <a:t>"</a:t>
+            </a:r>
+            <a:r>
+              <a:rPr lang="en-GB" sz="1600" i="1" dirty="0" err="1" smtClean="0">
+                <a:solidFill>
+                  <a:srgbClr val="00AA00"/>
+                </a:solidFill>
+                <a:latin typeface="Courier New" pitchFamily="49" charset="0"/>
+              </a:rPr>
+              <a:t>module.function</a:t>
+            </a:r>
+            <a:r>
+              <a:rPr lang="en-GB" sz="1600" i="1" dirty="0" smtClean="0">
+                <a:solidFill>
+                  <a:srgbClr val="00AA00"/>
+                </a:solidFill>
+                <a:latin typeface="Courier New" pitchFamily="49" charset="0"/>
+              </a:rPr>
+              <a:t>(arg1, arg2)"</a:t>
+            </a:r>
+            <a:r>
+              <a:rPr lang="en-GB" sz="1600" i="1" dirty="0" smtClean="0">
+                <a:solidFill>
+                  <a:srgbClr val="000000"/>
+                </a:solidFill>
+                <a:latin typeface="Courier New" pitchFamily="49" charset="0"/>
+              </a:rPr>
+              <a:t>, </a:t>
+            </a:r>
+            <a:r>
+              <a:rPr lang="en-GB" sz="1600" i="1" dirty="0" smtClean="0">
+                <a:solidFill>
+                  <a:srgbClr val="00AA00"/>
+                </a:solidFill>
+                <a:latin typeface="Courier New" pitchFamily="49" charset="0"/>
+              </a:rPr>
+              <a:t>"import module"</a:t>
+            </a:r>
+            <a:r>
+              <a:rPr lang="en-GB" sz="1600" i="1" dirty="0" smtClean="0">
+                <a:solidFill>
+                  <a:srgbClr val="000000"/>
+                </a:solidFill>
+                <a:latin typeface="Courier New" pitchFamily="49" charset="0"/>
+              </a:rPr>
+              <a:t>)</a:t>
+            </a:r>
+          </a:p>
+          <a:p>
+            <a:r>
+              <a:rPr lang="en-US" sz="1600" dirty="0" smtClean="0">
+                <a:solidFill>
+                  <a:srgbClr val="800000"/>
+                </a:solidFill>
+                <a:latin typeface="Courier New" pitchFamily="49" charset="0"/>
+              </a:rPr>
+              <a:t># make three measurements of timing, repeat 2 million times</a:t>
+            </a:r>
+          </a:p>
+          <a:p>
+            <a:r>
+              <a:rPr lang="en-GB" sz="1600" dirty="0" err="1" smtClean="0">
+                <a:solidFill>
+                  <a:srgbClr val="000000"/>
+                </a:solidFill>
+                <a:latin typeface="Courier New" pitchFamily="49" charset="0"/>
+              </a:rPr>
+              <a:t>t.repeat</a:t>
+            </a:r>
+            <a:r>
+              <a:rPr lang="en-GB" sz="1600" dirty="0" smtClean="0">
+                <a:solidFill>
+                  <a:srgbClr val="000000"/>
+                </a:solidFill>
+                <a:latin typeface="Courier New" pitchFamily="49" charset="0"/>
+              </a:rPr>
+              <a:t>(</a:t>
+            </a:r>
+            <a:r>
+              <a:rPr lang="en-GB" sz="1600" dirty="0" smtClean="0">
+                <a:solidFill>
+                  <a:srgbClr val="800000"/>
+                </a:solidFill>
+                <a:latin typeface="Courier New" pitchFamily="49" charset="0"/>
+              </a:rPr>
+              <a:t>3</a:t>
+            </a:r>
+            <a:r>
+              <a:rPr lang="en-GB" sz="1600" dirty="0" smtClean="0">
+                <a:solidFill>
+                  <a:srgbClr val="000000"/>
+                </a:solidFill>
+                <a:latin typeface="Courier New" pitchFamily="49" charset="0"/>
+              </a:rPr>
+              <a:t>, </a:t>
+            </a:r>
+            <a:r>
+              <a:rPr lang="en-GB" sz="1600" dirty="0" smtClean="0">
+                <a:solidFill>
+                  <a:srgbClr val="800000"/>
+                </a:solidFill>
+                <a:latin typeface="Courier New" pitchFamily="49" charset="0"/>
+              </a:rPr>
+              <a:t>2000000</a:t>
+            </a:r>
+            <a:r>
+              <a:rPr lang="en-GB" sz="1600" dirty="0" smtClean="0">
+                <a:solidFill>
+                  <a:srgbClr val="000000"/>
+                </a:solidFill>
+                <a:latin typeface="Courier New" pitchFamily="49" charset="0"/>
+              </a:rPr>
+              <a:t>)</a:t>
+            </a:r>
+          </a:p>
+        </p:txBody>
+      </p:sp>
+      <p:sp>
+        <p:nvSpPr>
+          <p:cNvPr id="8" name="Date Placeholder 7"/>
+          <p:cNvSpPr>
+            <a:spLocks noGrp="1"/>
+          </p:cNvSpPr>
+          <p:nvPr>
+            <p:ph type="dt" sz="half" idx="10"/>
+          </p:nvPr>
+        </p:nvSpPr>
+        <p:spPr>
+          <a:xfrm>
+            <a:off x="6400800" y="6356350"/>
+            <a:ext cx="2289048" cy="365760"/>
+          </a:xfrm>
+        </p:spPr>
+        <p:txBody>
+          <a:bodyPr/>
+          <a:lstStyle/>
+          <a:p>
+            <a:r>
+              <a:rPr lang="en-US" smtClean="0"/>
+              <a:t>Pietro Berkes, Sept 2015</a:t>
+            </a:r>
+            <a:endParaRPr lang="en-US"/>
+          </a:p>
+        </p:txBody>
+      </p:sp>
+      <p:sp>
+        <p:nvSpPr>
+          <p:cNvPr id="9" name="Footer Placeholder 8"/>
+          <p:cNvSpPr>
+            <a:spLocks noGrp="1"/>
+          </p:cNvSpPr>
+          <p:nvPr>
+            <p:ph type="ftr" sz="quarter" idx="11"/>
+          </p:nvPr>
+        </p:nvSpPr>
+        <p:spPr>
+          <a:xfrm>
+            <a:off x="2898648" y="6356350"/>
+            <a:ext cx="3505200" cy="365760"/>
+          </a:xfrm>
+        </p:spPr>
+        <p:txBody>
+          <a:bodyPr/>
+          <a:lstStyle/>
+          <a:p>
+            <a:r>
+              <a:rPr lang="en-US" smtClean="0"/>
+              <a:t>Testing, debugging, profiling</a:t>
+            </a:r>
+            <a:endParaRPr lang="en-US"/>
+          </a:p>
+        </p:txBody>
+      </p:sp>
+    </p:spTree>
+  </p:cSld>
+  <p:clrMapOvr>
+    <a:masterClrMapping/>
+  </p:clrMapOvr>
+  <p:timing>
+    <p:tnLst>
+      <p:par>
+        <p:cTn xmlns:p14="http://schemas.microsoft.com/office/powerpoint/2010/main" id="1" dur="indefinite" restart="never" nodeType="tmRoot"/>
+      </p:par>
+    </p:tnLst>
+  </p:timing>
+</p:sld>
+</file>
+
+<file path=ppt/slides/slide68.xml><?xml version="1.0" encoding="utf-8"?>
+<p:sld xmlns:a="http://schemas.openxmlformats.org/drawingml/2006/main" xmlns:r="http://schemas.openxmlformats.org/officeDocument/2006/relationships" xmlns:p="http://schemas.openxmlformats.org/presentationml/2006/main">
+  <p:cSld>
+    <p:spTree>
+      <p:nvGrpSpPr>
+        <p:cNvPr id="1" name=""/>
+        <p:cNvGrpSpPr/>
+        <p:nvPr/>
+      </p:nvGrpSpPr>
+      <p:grpSpPr>
+        <a:xfrm>
+          <a:off x="0" y="0"/>
+          <a:ext cx="0" cy="0"/>
+          <a:chOff x="0" y="0"/>
+          <a:chExt cx="0" cy="0"/>
+        </a:xfrm>
+      </p:grpSpPr>
+      <p:sp>
+        <p:nvSpPr>
+          <p:cNvPr id="2" name="Title 1"/>
+          <p:cNvSpPr>
+            <a:spLocks noGrp="1"/>
+          </p:cNvSpPr>
+          <p:nvPr>
+            <p:ph type="title"/>
+          </p:nvPr>
+        </p:nvSpPr>
+        <p:spPr/>
+        <p:txBody>
+          <a:bodyPr/>
+          <a:lstStyle/>
+          <a:p>
+            <a:r>
               <a:rPr lang="en-US"/>
               <a:t>Hands-on!</a:t>
             </a:r>
@@ -50423,10 +50094,17 @@
   <p:clrMapOvr>
     <a:masterClrMapping/>
   </p:clrMapOvr>
+  <p:timing>
+    <p:tnLst>
+      <p:par>
+        <p:cTn xmlns:p14="http://schemas.microsoft.com/office/powerpoint/2010/main" id="1" dur="indefinite" restart="never" nodeType="tmRoot"/>
+      </p:par>
+    </p:tnLst>
+  </p:timing>
 </p:sld>
 </file>
 
-<file path=ppt/slides/slide68.xml><?xml version="1.0" encoding="utf-8"?>
+<file path=ppt/slides/slide69.xml><?xml version="1.0" encoding="utf-8"?>
 <p:sld xmlns:a="http://schemas.openxmlformats.org/drawingml/2006/main" xmlns:r="http://schemas.openxmlformats.org/officeDocument/2006/relationships" xmlns:p="http://schemas.openxmlformats.org/presentationml/2006/main">
   <p:cSld>
     <p:spTree>
@@ -50607,280 +50285,6 @@
       </p:stSnd>
     </p:sndAc>
   </p:transition>
-  <p:timing>
-    <p:tnLst>
-      <p:par>
-        <p:cTn xmlns:p14="http://schemas.microsoft.com/office/powerpoint/2010/main" id="1" dur="indefinite" restart="never" nodeType="tmRoot"/>
-      </p:par>
-    </p:tnLst>
-  </p:timing>
-</p:sld>
-</file>
-
-<file path=ppt/slides/slide69.xml><?xml version="1.0" encoding="utf-8"?>
-<p:sld xmlns:a="http://schemas.openxmlformats.org/drawingml/2006/main" xmlns:r="http://schemas.openxmlformats.org/officeDocument/2006/relationships" xmlns:p="http://schemas.openxmlformats.org/presentationml/2006/main">
-  <p:cSld>
-    <p:spTree>
-      <p:nvGrpSpPr>
-        <p:cNvPr id="1" name=""/>
-        <p:cNvGrpSpPr/>
-        <p:nvPr/>
-      </p:nvGrpSpPr>
-      <p:grpSpPr>
-        <a:xfrm>
-          <a:off x="0" y="0"/>
-          <a:ext cx="0" cy="0"/>
-          <a:chOff x="0" y="0"/>
-          <a:chExt cx="0" cy="0"/>
-        </a:xfrm>
-      </p:grpSpPr>
-      <p:sp>
-        <p:nvSpPr>
-          <p:cNvPr id="2" name="Title 1"/>
-          <p:cNvSpPr>
-            <a:spLocks noGrp="1"/>
-          </p:cNvSpPr>
-          <p:nvPr>
-            <p:ph type="title"/>
-          </p:nvPr>
-        </p:nvSpPr>
-        <p:spPr/>
-        <p:txBody>
-          <a:bodyPr/>
-          <a:lstStyle/>
-          <a:p>
-            <a:r>
-              <a:rPr lang="en-GB" dirty="0" err="1" smtClean="0">
-                <a:cs typeface="Courier New" pitchFamily="49" charset="0"/>
-              </a:rPr>
-              <a:t>Measuring time: </a:t>
-            </a:r>
-            <a:r>
-              <a:rPr lang="en-GB" dirty="0" err="1" smtClean="0">
-                <a:latin typeface="Courier New" pitchFamily="49" charset="0"/>
-                <a:cs typeface="Courier New" pitchFamily="49" charset="0"/>
-              </a:rPr>
-              <a:t>time</a:t>
-            </a:r>
-            <a:endParaRPr lang="en-GB" dirty="0"/>
-          </a:p>
-        </p:txBody>
-      </p:sp>
-      <p:sp>
-        <p:nvSpPr>
-          <p:cNvPr id="3" name="Content Placeholder 2"/>
-          <p:cNvSpPr>
-            <a:spLocks noGrp="1"/>
-          </p:cNvSpPr>
-          <p:nvPr>
-            <p:ph sz="quarter" idx="1"/>
-          </p:nvPr>
-        </p:nvSpPr>
-        <p:spPr/>
-        <p:txBody>
-          <a:bodyPr>
-            <a:noAutofit/>
-          </a:bodyPr>
-          <a:lstStyle/>
-          <a:p>
-            <a:r>
-              <a:rPr lang="en-GB" dirty="0" smtClean="0"/>
-              <a:t>On *nix systems, the command </a:t>
-            </a:r>
-            <a:r>
-              <a:rPr lang="en-GB" dirty="0" smtClean="0">
-                <a:latin typeface="Courier New"/>
-                <a:cs typeface="Courier New"/>
-              </a:rPr>
-              <a:t>time</a:t>
-            </a:r>
-            <a:r>
-              <a:rPr lang="en-GB" dirty="0" smtClean="0"/>
-              <a:t> gives a quick way of measuring time:</a:t>
-            </a:r>
-          </a:p>
-          <a:p>
-            <a:endParaRPr lang="en-GB" dirty="0"/>
-          </a:p>
-          <a:p>
-            <a:endParaRPr lang="en-GB" dirty="0" smtClean="0"/>
-          </a:p>
-          <a:p>
-            <a:endParaRPr lang="en-GB" dirty="0"/>
-          </a:p>
-          <a:p>
-            <a:endParaRPr lang="en-GB" dirty="0" smtClean="0"/>
-          </a:p>
-          <a:p>
-            <a:r>
-              <a:rPr lang="en-GB" dirty="0"/>
-              <a:t>“real” is wall clock time</a:t>
-            </a:r>
-          </a:p>
-          <a:p>
-            <a:r>
-              <a:rPr lang="en-GB" dirty="0" smtClean="0"/>
-              <a:t>“user” is CPU time executing the script</a:t>
-            </a:r>
-          </a:p>
-          <a:p>
-            <a:r>
-              <a:rPr lang="en-GB" dirty="0"/>
-              <a:t>“sys” is CPU time spent in system calls</a:t>
-            </a:r>
-            <a:endParaRPr lang="en-GB" dirty="0" smtClean="0"/>
-          </a:p>
-        </p:txBody>
-      </p:sp>
-      <p:sp>
-        <p:nvSpPr>
-          <p:cNvPr id="4" name="TextBox 3"/>
-          <p:cNvSpPr txBox="1"/>
-          <p:nvPr/>
-        </p:nvSpPr>
-        <p:spPr>
-          <a:xfrm>
-            <a:off x="755576" y="2348880"/>
-            <a:ext cx="8001056" cy="1569660"/>
-          </a:xfrm>
-          <a:prstGeom prst="rect">
-            <a:avLst/>
-          </a:prstGeom>
-          <a:noFill/>
-        </p:spPr>
-        <p:txBody>
-          <a:bodyPr wrap="square" rtlCol="0">
-            <a:spAutoFit/>
-          </a:bodyPr>
-          <a:lstStyle/>
-          <a:p>
-            <a:r>
-              <a:rPr lang="en-GB" sz="1600" dirty="0" err="1" smtClean="0">
-                <a:solidFill>
-                  <a:srgbClr val="000000"/>
-                </a:solidFill>
-                <a:latin typeface="Courier New" pitchFamily="49" charset="0"/>
-              </a:rPr>
-              <a:t>$ time python your_script.py</a:t>
-            </a:r>
-          </a:p>
-          <a:p>
-            <a:endParaRPr lang="en-GB" sz="1600" dirty="0" err="1">
-              <a:solidFill>
-                <a:srgbClr val="000000"/>
-              </a:solidFill>
-              <a:latin typeface="Courier New" pitchFamily="49" charset="0"/>
-            </a:endParaRPr>
-          </a:p>
-          <a:p>
-            <a:r>
-              <a:rPr lang="en-GB" sz="1600" dirty="0">
-                <a:solidFill>
-                  <a:srgbClr val="000000"/>
-                </a:solidFill>
-                <a:latin typeface="Courier New" pitchFamily="49" charset="0"/>
-              </a:rPr>
-              <a:t>real	0m0.135s</a:t>
-            </a:r>
-          </a:p>
-          <a:p>
-            <a:r>
-              <a:rPr lang="en-GB" sz="1600" dirty="0">
-                <a:solidFill>
-                  <a:srgbClr val="000000"/>
-                </a:solidFill>
-                <a:latin typeface="Courier New" pitchFamily="49" charset="0"/>
-              </a:rPr>
-              <a:t>user	0m0.125s</a:t>
-            </a:r>
-          </a:p>
-          <a:p>
-            <a:r>
-              <a:rPr lang="en-GB" sz="1600" dirty="0">
-                <a:solidFill>
-                  <a:srgbClr val="000000"/>
-                </a:solidFill>
-                <a:latin typeface="Courier New" pitchFamily="49" charset="0"/>
-              </a:rPr>
-              <a:t>sys	0m0.009s</a:t>
-            </a:r>
-          </a:p>
-          <a:p>
-            <a:endParaRPr lang="en-GB" sz="1600" dirty="0" smtClean="0">
-              <a:solidFill>
-                <a:srgbClr val="000000"/>
-              </a:solidFill>
-              <a:latin typeface="Courier New" pitchFamily="49" charset="0"/>
-            </a:endParaRPr>
-          </a:p>
-        </p:txBody>
-      </p:sp>
-      <p:sp>
-        <p:nvSpPr>
-          <p:cNvPr id="8" name="Date Placeholder 7"/>
-          <p:cNvSpPr>
-            <a:spLocks noGrp="1"/>
-          </p:cNvSpPr>
-          <p:nvPr>
-            <p:ph type="dt" sz="half" idx="10"/>
-          </p:nvPr>
-        </p:nvSpPr>
-        <p:spPr>
-          <a:xfrm>
-            <a:off x="6400800" y="6356350"/>
-            <a:ext cx="2289048" cy="365760"/>
-          </a:xfrm>
-        </p:spPr>
-        <p:txBody>
-          <a:bodyPr/>
-          <a:lstStyle/>
-          <a:p>
-            <a:r>
-              <a:rPr lang="en-US" smtClean="0"/>
-              <a:t>Pietro Berkes, Sept 2015</a:t>
-            </a:r>
-            <a:endParaRPr lang="en-US"/>
-          </a:p>
-        </p:txBody>
-      </p:sp>
-      <p:sp>
-        <p:nvSpPr>
-          <p:cNvPr id="9" name="Footer Placeholder 8"/>
-          <p:cNvSpPr>
-            <a:spLocks noGrp="1"/>
-          </p:cNvSpPr>
-          <p:nvPr>
-            <p:ph type="ftr" sz="quarter" idx="11"/>
-          </p:nvPr>
-        </p:nvSpPr>
-        <p:spPr>
-          <a:xfrm>
-            <a:off x="2898648" y="6356350"/>
-            <a:ext cx="3505200" cy="365760"/>
-          </a:xfrm>
-        </p:spPr>
-        <p:txBody>
-          <a:bodyPr/>
-          <a:lstStyle/>
-          <a:p>
-            <a:r>
-              <a:rPr lang="en-US" smtClean="0"/>
-              <a:t>Testing, debugging, profiling</a:t>
-            </a:r>
-            <a:endParaRPr lang="en-US"/>
-          </a:p>
-        </p:txBody>
-      </p:sp>
-    </p:spTree>
-    <p:extLst>
-      <p:ext uri="{BB962C8B-B14F-4D97-AF65-F5344CB8AC3E}">
-        <p14:creationId xmlns:p14="http://schemas.microsoft.com/office/powerpoint/2010/main" val="2661697105"/>
-      </p:ext>
-    </p:extLst>
-  </p:cSld>
-  <p:clrMapOvr>
-    <a:masterClrMapping/>
-  </p:clrMapOvr>
   <p:timing>
     <p:tnLst>
       <p:par>
@@ -51040,10 +50444,16 @@
           <a:p>
             <a:r>
               <a:rPr lang="en-GB" dirty="0" err="1" smtClean="0">
+                <a:cs typeface="Courier New" pitchFamily="49" charset="0"/>
+              </a:rPr>
+              <a:t>Measuring time: </a:t>
+            </a:r>
+            <a:r>
+              <a:rPr lang="en-GB" dirty="0" err="1" smtClean="0">
                 <a:latin typeface="Courier New" pitchFamily="49" charset="0"/>
                 <a:cs typeface="Courier New" pitchFamily="49" charset="0"/>
               </a:rPr>
-              <a:t>cProfile</a:t>
+              <a:t>time</a:t>
             </a:r>
             <a:endParaRPr lang="en-GB" dirty="0"/>
           </a:p>
@@ -51059,75 +50469,72 @@
             <p:ph sz="quarter" idx="1"/>
           </p:nvPr>
         </p:nvSpPr>
+        <p:spPr/>
+        <p:txBody>
+          <a:bodyPr>
+            <a:noAutofit/>
+          </a:bodyPr>
+          <a:lstStyle/>
+          <a:p>
+            <a:r>
+              <a:rPr lang="en-GB" dirty="0" smtClean="0"/>
+              <a:t>On *nix systems, the command </a:t>
+            </a:r>
+            <a:r>
+              <a:rPr lang="en-GB" dirty="0" smtClean="0">
+                <a:latin typeface="Courier New"/>
+                <a:cs typeface="Courier New"/>
+              </a:rPr>
+              <a:t>time</a:t>
+            </a:r>
+            <a:r>
+              <a:rPr lang="en-GB" dirty="0" smtClean="0"/>
+              <a:t> gives a quick way of measuring time:</a:t>
+            </a:r>
+          </a:p>
+          <a:p>
+            <a:endParaRPr lang="en-GB" dirty="0"/>
+          </a:p>
+          <a:p>
+            <a:endParaRPr lang="en-GB" dirty="0" smtClean="0"/>
+          </a:p>
+          <a:p>
+            <a:endParaRPr lang="en-GB" dirty="0"/>
+          </a:p>
+          <a:p>
+            <a:endParaRPr lang="en-GB" dirty="0" smtClean="0"/>
+          </a:p>
+          <a:p>
+            <a:r>
+              <a:rPr lang="en-GB" dirty="0"/>
+              <a:t>“real” is wall clock time</a:t>
+            </a:r>
+          </a:p>
+          <a:p>
+            <a:r>
+              <a:rPr lang="en-GB" dirty="0" smtClean="0"/>
+              <a:t>“user” is CPU time executing the script</a:t>
+            </a:r>
+          </a:p>
+          <a:p>
+            <a:r>
+              <a:rPr lang="en-GB" dirty="0"/>
+              <a:t>“sys” is CPU time spent in system calls</a:t>
+            </a:r>
+            <a:endParaRPr lang="en-GB" dirty="0" smtClean="0"/>
+          </a:p>
+        </p:txBody>
+      </p:sp>
+      <p:sp>
+        <p:nvSpPr>
+          <p:cNvPr id="4" name="TextBox 3"/>
+          <p:cNvSpPr txBox="1"/>
+          <p:nvPr/>
+        </p:nvSpPr>
         <p:spPr>
           <a:xfrm>
-            <a:off x="357158" y="1219200"/>
-            <a:ext cx="8572560" cy="4937760"/>
-          </a:xfrm>
-        </p:spPr>
-        <p:txBody>
-          <a:bodyPr/>
-          <a:lstStyle/>
-          <a:p>
-            <a:r>
-              <a:rPr lang="en-GB" dirty="0" smtClean="0"/>
-              <a:t>standard Python module to profile an entire application</a:t>
-            </a:r>
-            <a:br>
-              <a:rPr lang="en-GB" dirty="0" smtClean="0"/>
-            </a:br>
-            <a:r>
-              <a:rPr lang="en-GB" dirty="0" smtClean="0"/>
-              <a:t>(</a:t>
-            </a:r>
-            <a:r>
-              <a:rPr lang="en-GB" sz="2400" dirty="0" smtClean="0">
-                <a:latin typeface="Courier New" pitchFamily="49" charset="0"/>
-                <a:cs typeface="Courier New" pitchFamily="49" charset="0"/>
-              </a:rPr>
-              <a:t>profile </a:t>
-            </a:r>
-            <a:r>
-              <a:rPr lang="en-GB" dirty="0" smtClean="0"/>
-              <a:t>is an old, slow profiling module)</a:t>
-            </a:r>
-          </a:p>
-          <a:p>
-            <a:r>
-              <a:rPr lang="en-GB" dirty="0" smtClean="0"/>
-              <a:t>Running the profiler from command line:</a:t>
-            </a:r>
-            <a:br>
-              <a:rPr lang="en-GB" dirty="0" smtClean="0"/>
-            </a:br>
-            <a:r>
-              <a:rPr lang="en-GB" dirty="0" smtClean="0"/>
-              <a:t/>
-            </a:r>
-            <a:br>
-              <a:rPr lang="en-GB" dirty="0" smtClean="0"/>
-            </a:br>
-            <a:endParaRPr lang="en-GB" dirty="0" smtClean="0"/>
-          </a:p>
-          <a:p>
-            <a:r>
-              <a:rPr lang="en-GB" dirty="0"/>
-              <a:t>Sorting options: TODO</a:t>
-            </a:r>
-            <a:endParaRPr lang="en-US" dirty="0" smtClean="0"/>
-          </a:p>
-        </p:txBody>
-      </p:sp>
-      <p:sp>
-        <p:nvSpPr>
-          <p:cNvPr id="7" name="TextBox 6"/>
-          <p:cNvSpPr txBox="1"/>
-          <p:nvPr/>
-        </p:nvSpPr>
-        <p:spPr>
-          <a:xfrm>
-            <a:off x="755576" y="2564904"/>
-            <a:ext cx="8107834" cy="400110"/>
+            <a:off x="755576" y="2348880"/>
+            <a:ext cx="8001056" cy="1569660"/>
           </a:xfrm>
           <a:prstGeom prst="rect">
             <a:avLst/>
@@ -51141,33 +50548,69 @@
           <a:lstStyle/>
           <a:p>
             <a:r>
-              <a:rPr lang="en-GB" sz="2000" dirty="0" smtClean="0">
+              <a:rPr lang="en-GB" sz="1600" dirty="0" err="1" smtClean="0">
+                <a:solidFill>
+                  <a:srgbClr val="000000"/>
+                </a:solidFill>
                 <a:latin typeface="Courier New" pitchFamily="49" charset="0"/>
-                <a:cs typeface="Courier New" pitchFamily="49" charset="0"/>
-              </a:rPr>
-              <a:t>python -m </a:t>
-            </a:r>
-            <a:r>
-              <a:rPr lang="en-GB" sz="2000" dirty="0" err="1" smtClean="0">
+              </a:rPr>
+              <a:t>$ time python your_script.py</a:t>
+            </a:r>
+          </a:p>
+          <a:p>
+            <a:endParaRPr lang="en-GB" sz="1600" dirty="0" err="1">
+              <a:solidFill>
+                <a:srgbClr val="000000"/>
+              </a:solidFill>
+              <a:latin typeface="Courier New" pitchFamily="49" charset="0"/>
+            </a:endParaRPr>
+          </a:p>
+          <a:p>
+            <a:r>
+              <a:rPr lang="en-GB" sz="1600" dirty="0">
+                <a:solidFill>
+                  <a:srgbClr val="000000"/>
+                </a:solidFill>
                 <a:latin typeface="Courier New" pitchFamily="49" charset="0"/>
-                <a:cs typeface="Courier New" pitchFamily="49" charset="0"/>
-              </a:rPr>
-              <a:t>cProfile</a:t>
-            </a:r>
-            <a:r>
-              <a:rPr lang="en-GB" sz="2000" dirty="0" smtClean="0">
+              </a:rPr>
+              <a:t>real	0m0.135s</a:t>
+            </a:r>
+          </a:p>
+          <a:p>
+            <a:r>
+              <a:rPr lang="en-GB" sz="1600" dirty="0">
+                <a:solidFill>
+                  <a:srgbClr val="000000"/>
+                </a:solidFill>
                 <a:latin typeface="Courier New" pitchFamily="49" charset="0"/>
-                <a:cs typeface="Courier New" pitchFamily="49" charset="0"/>
-              </a:rPr>
-              <a:t> –s cumulative myscript.py</a:t>
-            </a:r>
-            <a:endParaRPr lang="en-GB" sz="2000" dirty="0" smtClean="0"/>
+              </a:rPr>
+              <a:t>user	0m0.125s</a:t>
+            </a:r>
+          </a:p>
+          <a:p>
+            <a:r>
+              <a:rPr lang="en-GB" sz="1600" dirty="0">
+                <a:solidFill>
+                  <a:srgbClr val="000000"/>
+                </a:solidFill>
+                <a:latin typeface="Courier New" pitchFamily="49" charset="0"/>
+              </a:rPr>
+              <a:t>sys	0m0.009s</a:t>
+            </a:r>
+          </a:p>
+          <a:p>
+            <a:endParaRPr lang="en-GB" sz="1600" dirty="0" smtClean="0">
+              <a:solidFill>
+                <a:srgbClr val="000000"/>
+              </a:solidFill>
+              <a:latin typeface="Courier New" pitchFamily="49" charset="0"/>
+            </a:endParaRPr>
           </a:p>
         </p:txBody>
       </p:sp>
       <p:sp>
         <p:nvSpPr>
-          <p:cNvPr id="10" name="Date Placeholder 9"/>
+          <p:cNvPr id="8" name="Date Placeholder 7"/>
           <p:cNvSpPr>
             <a:spLocks noGrp="1"/>
           </p:cNvSpPr>
@@ -51195,7 +50638,7 @@
       </p:sp>
       <p:sp>
         <p:nvSpPr>
-          <p:cNvPr id="11" name="Footer Placeholder 10"/>
+          <p:cNvPr id="9" name="Footer Placeholder 8"/>
           <p:cNvSpPr>
             <a:spLocks noGrp="1"/>
           </p:cNvSpPr>
@@ -51221,45 +50664,12 @@
           </a:p>
         </p:txBody>
       </p:sp>
-      <p:sp>
-        <p:nvSpPr>
-          <p:cNvPr id="8" name="TextBox 7"/>
-          <p:cNvSpPr txBox="1"/>
-          <p:nvPr/>
-        </p:nvSpPr>
-        <p:spPr>
-          <a:xfrm>
-            <a:off x="1043608" y="3789040"/>
-            <a:ext cx="6984776" cy="707886"/>
-          </a:xfrm>
-          <a:prstGeom prst="rect">
-            <a:avLst/>
-          </a:prstGeom>
-          <a:noFill/>
-        </p:spPr>
-        <p:txBody>
-          <a:bodyPr wrap="square" rtlCol="0">
-            <a:spAutoFit/>
-          </a:bodyPr>
-          <a:lstStyle/>
-          <a:p>
-            <a:r>
-              <a:rPr lang="en-GB" sz="2000" dirty="0" smtClean="0">
-                <a:latin typeface="Courier New" pitchFamily="49" charset="0"/>
-                <a:cs typeface="Courier New" pitchFamily="49" charset="0"/>
-              </a:rPr>
-              <a:t>cumulative</a:t>
-            </a:r>
-          </a:p>
-          <a:p>
-            <a:endParaRPr lang="en-GB" sz="2000" dirty="0">
-              <a:latin typeface="Courier New" pitchFamily="49" charset="0"/>
-              <a:cs typeface="Courier New" pitchFamily="49" charset="0"/>
-            </a:endParaRPr>
-          </a:p>
-        </p:txBody>
-      </p:sp>
     </p:spTree>
+    <p:extLst>
+      <p:ext uri="{BB962C8B-B14F-4D97-AF65-F5344CB8AC3E}">
+        <p14:creationId xmlns:p14="http://schemas.microsoft.com/office/powerpoint/2010/main" val="2661697105"/>
+      </p:ext>
+    </p:extLst>
   </p:cSld>
   <p:clrMapOvr>
     <a:masterClrMapping/>
@@ -51267,188 +50677,9 @@
   <p:timing>
     <p:tnLst>
       <p:par>
-        <p:cTn xmlns:p14="http://schemas.microsoft.com/office/powerpoint/2010/main" id="1" dur="indefinite" restart="never" nodeType="tmRoot">
-          <p:childTnLst>
-            <p:seq concurrent="1" nextAc="seek">
-              <p:cTn id="2" dur="indefinite" nodeType="mainSeq">
-                <p:childTnLst>
-                  <p:par>
-                    <p:cTn id="3" fill="hold">
-                      <p:stCondLst>
-                        <p:cond delay="indefinite"/>
-                      </p:stCondLst>
-                      <p:childTnLst>
-                        <p:par>
-                          <p:cTn id="4" fill="hold">
-                            <p:stCondLst>
-                              <p:cond delay="0"/>
-                            </p:stCondLst>
-                            <p:childTnLst>
-                              <p:par>
-                                <p:cTn id="5" presetID="1" presetClass="entr" presetSubtype="0" fill="hold" nodeType="clickEffect">
-                                  <p:stCondLst>
-                                    <p:cond delay="0"/>
-                                  </p:stCondLst>
-                                  <p:childTnLst>
-                                    <p:set>
-                                      <p:cBhvr>
-                                        <p:cTn id="6" dur="1" fill="hold">
-                                          <p:stCondLst>
-                                            <p:cond delay="0"/>
-                                          </p:stCondLst>
-                                        </p:cTn>
-                                        <p:tgtEl>
-                                          <p:spTgt spid="3">
-                                            <p:txEl>
-                                              <p:pRg st="1" end="1"/>
-                                            </p:txEl>
-                                          </p:spTgt>
-                                        </p:tgtEl>
-                                        <p:attrNameLst>
-                                          <p:attrName>style.visibility</p:attrName>
-                                        </p:attrNameLst>
-                                      </p:cBhvr>
-                                      <p:to>
-                                        <p:strVal val="visible"/>
-                                      </p:to>
-                                    </p:set>
-                                  </p:childTnLst>
-                                </p:cTn>
-                              </p:par>
-                            </p:childTnLst>
-                          </p:cTn>
-                        </p:par>
-                      </p:childTnLst>
-                    </p:cTn>
-                  </p:par>
-                  <p:par>
-                    <p:cTn id="7" fill="hold">
-                      <p:stCondLst>
-                        <p:cond delay="indefinite"/>
-                      </p:stCondLst>
-                      <p:childTnLst>
-                        <p:par>
-                          <p:cTn id="8" fill="hold">
-                            <p:stCondLst>
-                              <p:cond delay="0"/>
-                            </p:stCondLst>
-                            <p:childTnLst>
-                              <p:par>
-                                <p:cTn id="9" presetID="1" presetClass="entr" presetSubtype="0" fill="hold" nodeType="clickEffect">
-                                  <p:stCondLst>
-                                    <p:cond delay="0"/>
-                                  </p:stCondLst>
-                                  <p:childTnLst>
-                                    <p:set>
-                                      <p:cBhvr>
-                                        <p:cTn id="10" dur="1" fill="hold">
-                                          <p:stCondLst>
-                                            <p:cond delay="0"/>
-                                          </p:stCondLst>
-                                        </p:cTn>
-                                        <p:tgtEl>
-                                          <p:spTgt spid="3">
-                                            <p:txEl>
-                                              <p:pRg st="2" end="2"/>
-                                            </p:txEl>
-                                          </p:spTgt>
-                                        </p:tgtEl>
-                                        <p:attrNameLst>
-                                          <p:attrName>style.visibility</p:attrName>
-                                        </p:attrNameLst>
-                                      </p:cBhvr>
-                                      <p:to>
-                                        <p:strVal val="visible"/>
-                                      </p:to>
-                                    </p:set>
-                                  </p:childTnLst>
-                                </p:cTn>
-                              </p:par>
-                              <p:par>
-                                <p:cTn id="11" presetID="1" presetClass="entr" presetSubtype="0" fill="hold" grpId="0" nodeType="withEffect">
-                                  <p:stCondLst>
-                                    <p:cond delay="0"/>
-                                  </p:stCondLst>
-                                  <p:childTnLst>
-                                    <p:set>
-                                      <p:cBhvr>
-                                        <p:cTn id="12" dur="1" fill="hold">
-                                          <p:stCondLst>
-                                            <p:cond delay="0"/>
-                                          </p:stCondLst>
-                                        </p:cTn>
-                                        <p:tgtEl>
-                                          <p:spTgt spid="7"/>
-                                        </p:tgtEl>
-                                        <p:attrNameLst>
-                                          <p:attrName>style.visibility</p:attrName>
-                                        </p:attrNameLst>
-                                      </p:cBhvr>
-                                      <p:to>
-                                        <p:strVal val="visible"/>
-                                      </p:to>
-                                    </p:set>
-                                  </p:childTnLst>
-                                </p:cTn>
-                              </p:par>
-                              <p:par>
-                                <p:cTn id="13" presetID="1" presetClass="entr" presetSubtype="0" fill="hold" grpId="0" nodeType="withEffect">
-                                  <p:stCondLst>
-                                    <p:cond delay="0"/>
-                                  </p:stCondLst>
-                                  <p:childTnLst>
-                                    <p:set>
-                                      <p:cBhvr>
-                                        <p:cTn id="14" dur="1" fill="hold">
-                                          <p:stCondLst>
-                                            <p:cond delay="0"/>
-                                          </p:stCondLst>
-                                        </p:cTn>
-                                        <p:tgtEl>
-                                          <p:spTgt spid="8"/>
-                                        </p:tgtEl>
-                                        <p:attrNameLst>
-                                          <p:attrName>style.visibility</p:attrName>
-                                        </p:attrNameLst>
-                                      </p:cBhvr>
-                                      <p:to>
-                                        <p:strVal val="visible"/>
-                                      </p:to>
-                                    </p:set>
-                                  </p:childTnLst>
-                                </p:cTn>
-                              </p:par>
-                            </p:childTnLst>
-                          </p:cTn>
-                        </p:par>
-                      </p:childTnLst>
-                    </p:cTn>
-                  </p:par>
-                </p:childTnLst>
-              </p:cTn>
-              <p:prevCondLst>
-                <p:cond evt="onPrev" delay="0">
-                  <p:tgtEl>
-                    <p:sldTgt/>
-                  </p:tgtEl>
-                </p:cond>
-              </p:prevCondLst>
-              <p:nextCondLst>
-                <p:cond evt="onNext" delay="0">
-                  <p:tgtEl>
-                    <p:sldTgt/>
-                  </p:tgtEl>
-                </p:cond>
-              </p:nextCondLst>
-            </p:seq>
-          </p:childTnLst>
-        </p:cTn>
+        <p:cTn xmlns:p14="http://schemas.microsoft.com/office/powerpoint/2010/main" id="1" dur="indefinite" restart="never" nodeType="tmRoot"/>
       </p:par>
     </p:tnLst>
-    <p:bldLst>
-      <p:bldP spid="7" grpId="0"/>
-      <p:bldP spid="8" grpId="0"/>
-    </p:bldLst>
   </p:timing>
 </p:sld>
 </file>
@@ -51518,7 +50749,31 @@
           <a:p>
             <a:r>
               <a:rPr lang="en-GB" dirty="0" smtClean="0"/>
-              <a:t>Or save results to disk for later inspection:</a:t>
+              <a:t>standard Python module to profile an entire application</a:t>
+            </a:r>
+            <a:br>
+              <a:rPr lang="en-GB" dirty="0" smtClean="0"/>
+            </a:br>
+            <a:r>
+              <a:rPr lang="en-GB" dirty="0" smtClean="0"/>
+              <a:t>(</a:t>
+            </a:r>
+            <a:r>
+              <a:rPr lang="en-GB" sz="2400" dirty="0" smtClean="0">
+                <a:latin typeface="Courier New" pitchFamily="49" charset="0"/>
+                <a:cs typeface="Courier New" pitchFamily="49" charset="0"/>
+              </a:rPr>
+              <a:t>profile </a:t>
+            </a:r>
+            <a:r>
+              <a:rPr lang="en-GB" dirty="0" smtClean="0"/>
+              <a:t>is an old, slow profiling module)</a:t>
+            </a:r>
+          </a:p>
+          <a:p>
+            <a:r>
+              <a:rPr lang="en-GB" dirty="0" smtClean="0"/>
+              <a:t>Running the profiler from command line:</a:t>
             </a:r>
             <a:br>
               <a:rPr lang="en-GB" dirty="0" smtClean="0"/>
@@ -51535,7 +50790,7 @@
           <a:p>
             <a:r>
               <a:rPr lang="en-GB" dirty="0"/>
-              <a:t>Explore with</a:t>
+              <a:t>Sorting options:</a:t>
             </a:r>
             <a:endParaRPr lang="en-US" dirty="0" smtClean="0"/>
           </a:p>
@@ -51549,7 +50804,7 @@
         </p:nvSpPr>
         <p:spPr>
           <a:xfrm>
-            <a:off x="755576" y="1700808"/>
+            <a:off x="755576" y="2564904"/>
             <a:ext cx="8107834" cy="400110"/>
           </a:xfrm>
           <a:prstGeom prst="rect">
@@ -51575,14 +50830,14 @@
                 <a:latin typeface="Courier New" pitchFamily="49" charset="0"/>
                 <a:cs typeface="Courier New" pitchFamily="49" charset="0"/>
               </a:rPr>
-              <a:t>cProfile </a:t>
+              <a:t>cProfile</a:t>
             </a:r>
             <a:r>
               <a:rPr lang="en-GB" sz="2000" dirty="0" smtClean="0">
                 <a:latin typeface="Courier New" pitchFamily="49" charset="0"/>
                 <a:cs typeface="Courier New" pitchFamily="49" charset="0"/>
               </a:rPr>
-              <a:t>–o filename.prof myscript.py</a:t>
+              <a:t> –s cumulative myscript.py</a:t>
             </a:r>
             <a:endParaRPr lang="en-GB" sz="2000" dirty="0" smtClean="0"/>
           </a:p>
@@ -51652,8 +50907,8 @@
         </p:nvSpPr>
         <p:spPr>
           <a:xfrm>
-            <a:off x="755576" y="2996952"/>
-            <a:ext cx="9217024" cy="1938992"/>
+            <a:off x="683568" y="3789040"/>
+            <a:ext cx="8280920" cy="1015663"/>
           </a:xfrm>
           <a:prstGeom prst="rect">
             <a:avLst/>
@@ -51671,84 +50926,62 @@
                 <a:latin typeface="Courier New" pitchFamily="49" charset="0"/>
                 <a:cs typeface="Courier New" pitchFamily="49" charset="0"/>
               </a:rPr>
-              <a:t>python –m </a:t>
-            </a:r>
-            <a:r>
-              <a:rPr lang="en-GB" sz="2000" dirty="0" err="1">
+              <a:t>tottime : </a:t>
+            </a:r>
+            <a:r>
+              <a:rPr lang="en-GB" sz="2000" dirty="0" smtClean="0">
+                <a:latin typeface="+mn-lt"/>
+                <a:cs typeface="Courier New" pitchFamily="49" charset="0"/>
+              </a:rPr>
+              <a:t>time spent in function only</a:t>
+            </a:r>
+          </a:p>
+          <a:p>
+            <a:r>
+              <a:rPr lang="en-GB" sz="2000" dirty="0" smtClean="0">
                 <a:latin typeface="Courier New" pitchFamily="49" charset="0"/>
                 <a:cs typeface="Courier New" pitchFamily="49" charset="0"/>
               </a:rPr>
-              <a:t>pstats </a:t>
-            </a:r>
+              <a:t>cumtime : </a:t>
+            </a:r>
+            <a:r>
+              <a:rPr lang="en-GB" sz="2000" dirty="0" smtClean="0">
+                <a:latin typeface="+mn-lt"/>
+                <a:cs typeface="Courier New" pitchFamily="49" charset="0"/>
+              </a:rPr>
+              <a:t>time spent in function and sub-calls</a:t>
+            </a:r>
+          </a:p>
+          <a:p>
             <a:r>
               <a:rPr lang="en-GB" sz="2000" dirty="0">
                 <a:latin typeface="Courier New" pitchFamily="49" charset="0"/>
                 <a:cs typeface="Courier New" pitchFamily="49" charset="0"/>
               </a:rPr>
-              <a:t>filename</a:t>
-            </a:r>
-            <a:r>
-              <a:rPr lang="en-GB" sz="2000" dirty="0" smtClean="0">
-                <a:latin typeface="Courier New" pitchFamily="49" charset="0"/>
-                <a:cs typeface="Courier New" pitchFamily="49" charset="0"/>
-              </a:rPr>
-              <a:t>.prof</a:t>
-            </a:r>
-          </a:p>
-          <a:p>
-            <a:endParaRPr lang="en-GB" sz="2000" dirty="0">
-              <a:latin typeface="Courier New" pitchFamily="49" charset="0"/>
-              <a:cs typeface="Courier New" pitchFamily="49" charset="0"/>
-            </a:endParaRPr>
-          </a:p>
-          <a:p>
-            <a:r>
-              <a:rPr lang="en-GB" sz="2000" dirty="0" smtClean="0">
-                <a:latin typeface="Courier New" pitchFamily="49" charset="0"/>
-                <a:cs typeface="Courier New" pitchFamily="49" charset="0"/>
-              </a:rPr>
-              <a:t>stats [n | regexp]: print statistics</a:t>
-            </a:r>
-          </a:p>
-          <a:p>
+              <a:t>calls</a:t>
+            </a:r>
             <a:r>
               <a:rPr lang="en-GB" sz="2000" dirty="0">
                 <a:latin typeface="Courier New" pitchFamily="49" charset="0"/>
                 <a:cs typeface="Courier New" pitchFamily="49" charset="0"/>
               </a:rPr>
-              <a:t>sort [cumulative, time, ...] : change sort order</a:t>
-            </a:r>
-            <a:br>
+              <a:t>   : </a:t>
+            </a:r>
+            <a:r>
               <a:rPr lang="en-GB" sz="2000" dirty="0">
-                <a:latin typeface="Courier New" pitchFamily="49" charset="0"/>
+                <a:latin typeface="+mn-lt"/>
                 <a:cs typeface="Courier New" pitchFamily="49" charset="0"/>
               </a:rPr>
-            </a:br>
-            <a:r>
-              <a:rPr lang="en-GB" sz="2000" dirty="0">
-                <a:latin typeface="Courier New" pitchFamily="49" charset="0"/>
-                <a:cs typeface="Courier New" pitchFamily="49" charset="0"/>
-              </a:rPr>
-              <a:t>callers [n | regexp]: show callers of functions</a:t>
-            </a:r>
-          </a:p>
-          <a:p>
-            <a:r>
-              <a:rPr lang="en-GB" sz="2000" dirty="0">
-                <a:latin typeface="Courier New" pitchFamily="49" charset="0"/>
-                <a:cs typeface="Courier New" pitchFamily="49" charset="0"/>
-              </a:rPr>
-              <a:t>callees [n | regexp]: show callers of functions</a:t>
-            </a:r>
+              <a:t>number of calls</a:t>
+            </a:r>
+            <a:endParaRPr lang="en-GB" sz="2000" dirty="0">
+              <a:latin typeface="+mn-lt"/>
+              <a:cs typeface="Courier New" pitchFamily="49" charset="0"/>
+            </a:endParaRPr>
           </a:p>
         </p:txBody>
       </p:sp>
     </p:spTree>
-    <p:extLst>
-      <p:ext uri="{BB962C8B-B14F-4D97-AF65-F5344CB8AC3E}">
-        <p14:creationId xmlns:p14="http://schemas.microsoft.com/office/powerpoint/2010/main" val="4063644365"/>
-      </p:ext>
-    </p:extLst>
   </p:cSld>
   <p:clrMapOvr>
     <a:masterClrMapping/>
@@ -51756,139 +50989,9 @@
   <p:timing>
     <p:tnLst>
       <p:par>
-        <p:cTn xmlns:p14="http://schemas.microsoft.com/office/powerpoint/2010/main" id="1" dur="indefinite" restart="never" nodeType="tmRoot">
-          <p:childTnLst>
-            <p:seq concurrent="1" nextAc="seek">
-              <p:cTn id="2" dur="indefinite" nodeType="mainSeq">
-                <p:childTnLst>
-                  <p:par>
-                    <p:cTn id="3" fill="hold">
-                      <p:stCondLst>
-                        <p:cond delay="indefinite"/>
-                      </p:stCondLst>
-                      <p:childTnLst>
-                        <p:par>
-                          <p:cTn id="4" fill="hold">
-                            <p:stCondLst>
-                              <p:cond delay="0"/>
-                            </p:stCondLst>
-                            <p:childTnLst>
-                              <p:par>
-                                <p:cTn id="5" presetID="1" presetClass="entr" presetSubtype="0" fill="hold" nodeType="clickEffect">
-                                  <p:stCondLst>
-                                    <p:cond delay="0"/>
-                                  </p:stCondLst>
-                                  <p:childTnLst>
-                                    <p:set>
-                                      <p:cBhvr>
-                                        <p:cTn id="6" dur="1" fill="hold">
-                                          <p:stCondLst>
-                                            <p:cond delay="0"/>
-                                          </p:stCondLst>
-                                        </p:cTn>
-                                        <p:tgtEl>
-                                          <p:spTgt spid="3">
-                                            <p:txEl>
-                                              <p:pRg st="1" end="1"/>
-                                            </p:txEl>
-                                          </p:spTgt>
-                                        </p:tgtEl>
-                                        <p:attrNameLst>
-                                          <p:attrName>style.visibility</p:attrName>
-                                        </p:attrNameLst>
-                                      </p:cBhvr>
-                                      <p:to>
-                                        <p:strVal val="visible"/>
-                                      </p:to>
-                                    </p:set>
-                                  </p:childTnLst>
-                                </p:cTn>
-                              </p:par>
-                              <p:par>
-                                <p:cTn id="7" presetID="1" presetClass="entr" presetSubtype="0" fill="hold" grpId="0" nodeType="withEffect">
-                                  <p:stCondLst>
-                                    <p:cond delay="0"/>
-                                  </p:stCondLst>
-                                  <p:childTnLst>
-                                    <p:set>
-                                      <p:cBhvr>
-                                        <p:cTn id="8" dur="1" fill="hold">
-                                          <p:stCondLst>
-                                            <p:cond delay="0"/>
-                                          </p:stCondLst>
-                                        </p:cTn>
-                                        <p:tgtEl>
-                                          <p:spTgt spid="7"/>
-                                        </p:tgtEl>
-                                        <p:attrNameLst>
-                                          <p:attrName>style.visibility</p:attrName>
-                                        </p:attrNameLst>
-                                      </p:cBhvr>
-                                      <p:to>
-                                        <p:strVal val="visible"/>
-                                      </p:to>
-                                    </p:set>
-                                  </p:childTnLst>
-                                </p:cTn>
-                              </p:par>
-                              <p:par>
-                                <p:cTn id="9" presetID="1" presetClass="entr" presetSubtype="0" fill="hold" grpId="0" nodeType="withEffect">
-                                  <p:stCondLst>
-                                    <p:cond delay="0"/>
-                                  </p:stCondLst>
-                                  <p:childTnLst>
-                                    <p:set>
-                                      <p:cBhvr>
-                                        <p:cTn id="10" dur="1" fill="hold">
-                                          <p:stCondLst>
-                                            <p:cond delay="0"/>
-                                          </p:stCondLst>
-                                        </p:cTn>
-                                        <p:tgtEl>
-                                          <p:spTgt spid="8"/>
-                                        </p:tgtEl>
-                                        <p:attrNameLst>
-                                          <p:attrName>style.visibility</p:attrName>
-                                        </p:attrNameLst>
-                                      </p:cBhvr>
-                                      <p:to>
-                                        <p:strVal val="visible"/>
-                                      </p:to>
-                                    </p:set>
-                                  </p:childTnLst>
-                                </p:cTn>
-                              </p:par>
-                            </p:childTnLst>
-                          </p:cTn>
-                        </p:par>
-                      </p:childTnLst>
-                    </p:cTn>
-                  </p:par>
-                </p:childTnLst>
-              </p:cTn>
-              <p:prevCondLst>
-                <p:cond evt="onPrev" delay="0">
-                  <p:tgtEl>
-                    <p:sldTgt/>
-                  </p:tgtEl>
-                </p:cond>
-              </p:prevCondLst>
-              <p:nextCondLst>
-                <p:cond evt="onNext" delay="0">
-                  <p:tgtEl>
-                    <p:sldTgt/>
-                  </p:tgtEl>
-                </p:cond>
-              </p:nextCondLst>
-            </p:seq>
-          </p:childTnLst>
-        </p:cTn>
+        <p:cTn xmlns:p14="http://schemas.microsoft.com/office/powerpoint/2010/main" id="1" dur="indefinite" restart="never" nodeType="tmRoot"/>
       </p:par>
     </p:tnLst>
-    <p:bldLst>
-      <p:bldP spid="7" grpId="0"/>
-      <p:bldP spid="8" grpId="0"/>
-    </p:bldLst>
   </p:timing>
 </p:sld>
 </file>
@@ -51926,12 +51029,353 @@
           <a:lstStyle/>
           <a:p>
             <a:r>
+              <a:rPr lang="en-GB" dirty="0" err="1" smtClean="0">
+                <a:latin typeface="Courier New" pitchFamily="49" charset="0"/>
+                <a:cs typeface="Courier New" pitchFamily="49" charset="0"/>
+              </a:rPr>
+              <a:t>cProfile</a:t>
+            </a:r>
+            <a:endParaRPr lang="en-GB" dirty="0"/>
+          </a:p>
+        </p:txBody>
+      </p:sp>
+      <p:sp>
+        <p:nvSpPr>
+          <p:cNvPr id="3" name="Content Placeholder 2"/>
+          <p:cNvSpPr>
+            <a:spLocks noGrp="1"/>
+          </p:cNvSpPr>
+          <p:nvPr>
+            <p:ph sz="quarter" idx="1"/>
+          </p:nvPr>
+        </p:nvSpPr>
+        <p:spPr>
+          <a:xfrm>
+            <a:off x="357158" y="1219200"/>
+            <a:ext cx="8572560" cy="4937760"/>
+          </a:xfrm>
+        </p:spPr>
+        <p:txBody>
+          <a:bodyPr/>
+          <a:lstStyle/>
+          <a:p>
+            <a:r>
+              <a:rPr lang="en-GB" dirty="0" smtClean="0"/>
+              <a:t>Or save results to disk for later inspection:</a:t>
+            </a:r>
+            <a:br>
+              <a:rPr lang="en-GB" dirty="0" smtClean="0"/>
+            </a:br>
+            <a:r>
+              <a:rPr lang="en-GB" dirty="0" smtClean="0"/>
+              <a:t/>
+            </a:r>
+            <a:br>
+              <a:rPr lang="en-GB" dirty="0" smtClean="0"/>
+            </a:br>
+            <a:endParaRPr lang="en-GB" dirty="0" smtClean="0"/>
+          </a:p>
+          <a:p>
+            <a:r>
+              <a:rPr lang="en-GB" dirty="0"/>
+              <a:t>Explore with</a:t>
+            </a:r>
+            <a:endParaRPr lang="en-US" dirty="0" smtClean="0"/>
+          </a:p>
+        </p:txBody>
+      </p:sp>
+      <p:sp>
+        <p:nvSpPr>
+          <p:cNvPr id="7" name="TextBox 6"/>
+          <p:cNvSpPr txBox="1"/>
+          <p:nvPr/>
+        </p:nvSpPr>
+        <p:spPr>
+          <a:xfrm>
+            <a:off x="755576" y="1700808"/>
+            <a:ext cx="8107834" cy="400110"/>
+          </a:xfrm>
+          <a:prstGeom prst="rect">
+            <a:avLst/>
+          </a:prstGeom>
+          <a:noFill/>
+        </p:spPr>
+        <p:txBody>
+          <a:bodyPr wrap="square" rtlCol="0">
+            <a:spAutoFit/>
+          </a:bodyPr>
+          <a:lstStyle/>
+          <a:p>
+            <a:r>
+              <a:rPr lang="en-GB" sz="2000" dirty="0" smtClean="0">
+                <a:latin typeface="Courier New" pitchFamily="49" charset="0"/>
+                <a:cs typeface="Courier New" pitchFamily="49" charset="0"/>
+              </a:rPr>
+              <a:t>python -m </a:t>
+            </a:r>
+            <a:r>
+              <a:rPr lang="en-GB" sz="2000" dirty="0" err="1" smtClean="0">
+                <a:latin typeface="Courier New" pitchFamily="49" charset="0"/>
+                <a:cs typeface="Courier New" pitchFamily="49" charset="0"/>
+              </a:rPr>
+              <a:t>cProfile </a:t>
+            </a:r>
+            <a:r>
+              <a:rPr lang="en-GB" sz="2000" dirty="0" smtClean="0">
+                <a:latin typeface="Courier New" pitchFamily="49" charset="0"/>
+                <a:cs typeface="Courier New" pitchFamily="49" charset="0"/>
+              </a:rPr>
+              <a:t>–o filename.prof myscript.py</a:t>
+            </a:r>
+            <a:endParaRPr lang="en-GB" sz="2000" dirty="0" smtClean="0"/>
+          </a:p>
+        </p:txBody>
+      </p:sp>
+      <p:sp>
+        <p:nvSpPr>
+          <p:cNvPr id="10" name="Date Placeholder 9"/>
+          <p:cNvSpPr>
+            <a:spLocks noGrp="1"/>
+          </p:cNvSpPr>
+          <p:nvPr>
+            <p:ph type="dt" sz="half" idx="10"/>
+          </p:nvPr>
+        </p:nvSpPr>
+        <p:spPr>
+          <a:xfrm>
+            <a:off x="6400800" y="6356350"/>
+            <a:ext cx="2289048" cy="365760"/>
+          </a:xfrm>
+        </p:spPr>
+        <p:txBody>
+          <a:bodyPr/>
+          <a:lstStyle/>
+          <a:p>
+            <a:r>
+              <a:rPr lang="en-US" smtClean="0"/>
+              <a:t>Pietro Berkes, Sept 2015</a:t>
+            </a:r>
+            <a:endParaRPr lang="en-US"/>
+          </a:p>
+        </p:txBody>
+      </p:sp>
+      <p:sp>
+        <p:nvSpPr>
+          <p:cNvPr id="11" name="Footer Placeholder 10"/>
+          <p:cNvSpPr>
+            <a:spLocks noGrp="1"/>
+          </p:cNvSpPr>
+          <p:nvPr>
+            <p:ph type="ftr" sz="quarter" idx="11"/>
+          </p:nvPr>
+        </p:nvSpPr>
+        <p:spPr>
+          <a:xfrm>
+            <a:off x="2898648" y="6356350"/>
+            <a:ext cx="3505200" cy="365760"/>
+          </a:xfrm>
+        </p:spPr>
+        <p:txBody>
+          <a:bodyPr/>
+          <a:lstStyle/>
+          <a:p>
+            <a:r>
+              <a:rPr lang="en-US" smtClean="0"/>
+              <a:t>Testing, debugging, profiling</a:t>
+            </a:r>
+            <a:endParaRPr lang="en-US"/>
+          </a:p>
+        </p:txBody>
+      </p:sp>
+      <p:sp>
+        <p:nvSpPr>
+          <p:cNvPr id="8" name="TextBox 7"/>
+          <p:cNvSpPr txBox="1"/>
+          <p:nvPr/>
+        </p:nvSpPr>
+        <p:spPr>
+          <a:xfrm>
+            <a:off x="755576" y="2996952"/>
+            <a:ext cx="8136904" cy="1938992"/>
+          </a:xfrm>
+          <a:prstGeom prst="rect">
+            <a:avLst/>
+          </a:prstGeom>
+          <a:noFill/>
+        </p:spPr>
+        <p:txBody>
+          <a:bodyPr wrap="square" rtlCol="0">
+            <a:spAutoFit/>
+          </a:bodyPr>
+          <a:lstStyle/>
+          <a:p>
+            <a:r>
+              <a:rPr lang="en-GB" sz="2000" dirty="0" smtClean="0">
+                <a:latin typeface="Courier New" pitchFamily="49" charset="0"/>
+                <a:cs typeface="Courier New" pitchFamily="49" charset="0"/>
+              </a:rPr>
+              <a:t>python –m </a:t>
+            </a:r>
+            <a:r>
+              <a:rPr lang="en-GB" sz="2000" dirty="0" err="1">
+                <a:latin typeface="Courier New" pitchFamily="49" charset="0"/>
+                <a:cs typeface="Courier New" pitchFamily="49" charset="0"/>
+              </a:rPr>
+              <a:t>pstats </a:t>
+            </a:r>
+            <a:r>
+              <a:rPr lang="en-GB" sz="2000" dirty="0">
+                <a:latin typeface="Courier New" pitchFamily="49" charset="0"/>
+                <a:cs typeface="Courier New" pitchFamily="49" charset="0"/>
+              </a:rPr>
+              <a:t>filename</a:t>
+            </a:r>
+            <a:r>
+              <a:rPr lang="en-GB" sz="2000" dirty="0" smtClean="0">
+                <a:latin typeface="Courier New" pitchFamily="49" charset="0"/>
+                <a:cs typeface="Courier New" pitchFamily="49" charset="0"/>
+              </a:rPr>
+              <a:t>.prof</a:t>
+            </a:r>
+          </a:p>
+          <a:p>
+            <a:endParaRPr lang="en-GB" sz="2000" dirty="0">
+              <a:latin typeface="Courier New" pitchFamily="49" charset="0"/>
+              <a:cs typeface="Courier New" pitchFamily="49" charset="0"/>
+            </a:endParaRPr>
+          </a:p>
+          <a:p>
+            <a:r>
+              <a:rPr lang="en-GB" sz="2000" dirty="0" smtClean="0">
+                <a:latin typeface="Courier New" pitchFamily="49" charset="0"/>
+                <a:cs typeface="Courier New" pitchFamily="49" charset="0"/>
+              </a:rPr>
+              <a:t>stats [n | regexp]: </a:t>
+            </a:r>
+            <a:r>
+              <a:rPr lang="en-GB" sz="2000" dirty="0" smtClean="0">
+                <a:latin typeface="+mn-lt"/>
+                <a:cs typeface="Courier New" pitchFamily="49" charset="0"/>
+              </a:rPr>
+              <a:t>print statistics</a:t>
+            </a:r>
+          </a:p>
+          <a:p>
+            <a:r>
+              <a:rPr lang="en-GB" sz="2000" dirty="0">
+                <a:latin typeface="Courier New" pitchFamily="49" charset="0"/>
+                <a:cs typeface="Courier New" pitchFamily="49" charset="0"/>
+              </a:rPr>
+              <a:t>sort [cumulative, time, ...] : </a:t>
+            </a:r>
+            <a:r>
+              <a:rPr lang="en-GB" sz="2000" dirty="0">
+                <a:latin typeface="+mn-lt"/>
+                <a:cs typeface="Courier New" pitchFamily="49" charset="0"/>
+              </a:rPr>
+              <a:t>change sort order</a:t>
+            </a:r>
+            <a:r>
+              <a:rPr lang="en-GB" sz="2000" dirty="0">
+                <a:latin typeface="Courier New" pitchFamily="49" charset="0"/>
+                <a:cs typeface="Courier New" pitchFamily="49" charset="0"/>
+              </a:rPr>
+              <a:t/>
+            </a:r>
+            <a:br>
+              <a:rPr lang="en-GB" sz="2000" dirty="0">
+                <a:latin typeface="Courier New" pitchFamily="49" charset="0"/>
+                <a:cs typeface="Courier New" pitchFamily="49" charset="0"/>
+              </a:rPr>
+            </a:br>
+            <a:r>
+              <a:rPr lang="en-GB" sz="2000" dirty="0">
+                <a:latin typeface="Courier New" pitchFamily="49" charset="0"/>
+                <a:cs typeface="Courier New" pitchFamily="49" charset="0"/>
+              </a:rPr>
+              <a:t>callers [n | regexp]: </a:t>
+            </a:r>
+            <a:r>
+              <a:rPr lang="en-GB" sz="2000" dirty="0">
+                <a:latin typeface="+mn-lt"/>
+                <a:cs typeface="Courier New" pitchFamily="49" charset="0"/>
+              </a:rPr>
+              <a:t>show callers of functions</a:t>
+            </a:r>
+          </a:p>
+          <a:p>
+            <a:r>
+              <a:rPr lang="en-GB" sz="2000" dirty="0">
+                <a:latin typeface="Courier New" pitchFamily="49" charset="0"/>
+                <a:cs typeface="Courier New" pitchFamily="49" charset="0"/>
+              </a:rPr>
+              <a:t>callees [n | regexp]: </a:t>
+            </a:r>
+            <a:r>
+              <a:rPr lang="en-GB" sz="2000" dirty="0">
+                <a:latin typeface="+mn-lt"/>
+                <a:cs typeface="Courier New" pitchFamily="49" charset="0"/>
+              </a:rPr>
+              <a:t>show callees of functions</a:t>
+            </a:r>
+          </a:p>
+        </p:txBody>
+      </p:sp>
+    </p:spTree>
+    <p:extLst>
+      <p:ext uri="{BB962C8B-B14F-4D97-AF65-F5344CB8AC3E}">
+        <p14:creationId xmlns:p14="http://schemas.microsoft.com/office/powerpoint/2010/main" val="4063644365"/>
+      </p:ext>
+    </p:extLst>
+  </p:cSld>
+  <p:clrMapOvr>
+    <a:masterClrMapping/>
+  </p:clrMapOvr>
+  <p:timing>
+    <p:tnLst>
+      <p:par>
+        <p:cTn xmlns:p14="http://schemas.microsoft.com/office/powerpoint/2010/main" id="1" dur="indefinite" restart="never" nodeType="tmRoot"/>
+      </p:par>
+    </p:tnLst>
+  </p:timing>
+</p:sld>
+</file>
+
+<file path=ppt/slides/slide73.xml><?xml version="1.0" encoding="utf-8"?>
+<p:sld xmlns:a="http://schemas.openxmlformats.org/drawingml/2006/main" xmlns:r="http://schemas.openxmlformats.org/officeDocument/2006/relationships" xmlns:p="http://schemas.openxmlformats.org/presentationml/2006/main">
+  <p:cSld>
+    <p:spTree>
+      <p:nvGrpSpPr>
+        <p:cNvPr id="1" name=""/>
+        <p:cNvGrpSpPr/>
+        <p:nvPr/>
+      </p:nvGrpSpPr>
+      <p:grpSpPr>
+        <a:xfrm>
+          <a:off x="0" y="0"/>
+          <a:ext cx="0" cy="0"/>
+          <a:chOff x="0" y="0"/>
+          <a:chExt cx="0" cy="0"/>
+        </a:xfrm>
+      </p:grpSpPr>
+      <p:sp>
+        <p:nvSpPr>
+          <p:cNvPr id="2" name="Title 1"/>
+          <p:cNvSpPr>
+            <a:spLocks noGrp="1"/>
+          </p:cNvSpPr>
+          <p:nvPr>
+            <p:ph type="title"/>
+          </p:nvPr>
+        </p:nvSpPr>
+        <p:spPr/>
+        <p:txBody>
+          <a:bodyPr/>
+          <a:lstStyle/>
+          <a:p>
+            <a:r>
               <a:rPr lang="en-US"/>
-              <a:t>C</a:t>
-            </a:r>
-            <a:r>
-              <a:rPr lang="en-US"/>
-              <a:t>allgrind</a:t>
+              <a:t>Callgrind</a:t>
             </a:r>
           </a:p>
         </p:txBody>
@@ -52022,228 +51466,13 @@
   <p:clrMapOvr>
     <a:masterClrMapping/>
   </p:clrMapOvr>
-</p:sld>
-</file>
-
-<file path=ppt/slides/slide73.xml><?xml version="1.0" encoding="utf-8"?>
-<p:sld xmlns:a="http://schemas.openxmlformats.org/drawingml/2006/main" xmlns:r="http://schemas.openxmlformats.org/officeDocument/2006/relationships" xmlns:p="http://schemas.openxmlformats.org/presentationml/2006/main">
-  <p:cSld>
-    <p:spTree>
-      <p:nvGrpSpPr>
-        <p:cNvPr id="1" name=""/>
-        <p:cNvGrpSpPr/>
-        <p:nvPr/>
-      </p:nvGrpSpPr>
-      <p:grpSpPr>
-        <a:xfrm>
-          <a:off x="0" y="0"/>
-          <a:ext cx="0" cy="0"/>
-          <a:chOff x="0" y="0"/>
-          <a:chExt cx="0" cy="0"/>
-        </a:xfrm>
-      </p:grpSpPr>
-      <p:sp>
-        <p:nvSpPr>
-          <p:cNvPr id="2" name="Title 1"/>
-          <p:cNvSpPr>
-            <a:spLocks noGrp="1"/>
-          </p:cNvSpPr>
-          <p:nvPr>
-            <p:ph type="title"/>
-          </p:nvPr>
-        </p:nvSpPr>
-        <p:spPr/>
-        <p:txBody>
-          <a:bodyPr/>
-          <a:lstStyle/>
-          <a:p>
-            <a:r>
-              <a:rPr lang="en-US"/>
-              <a:t>Using callgrind</a:t>
-            </a:r>
-          </a:p>
-        </p:txBody>
-      </p:sp>
-      <p:sp>
-        <p:nvSpPr>
-          <p:cNvPr id="3" name="Content Placeholder 2"/>
-          <p:cNvSpPr>
-            <a:spLocks noGrp="1"/>
-          </p:cNvSpPr>
-          <p:nvPr>
-            <p:ph sz="quarter" idx="1"/>
-          </p:nvPr>
-        </p:nvSpPr>
-        <p:spPr>
-          <a:xfrm>
-            <a:off x="323528" y="1219200"/>
-            <a:ext cx="8496944" cy="4937760"/>
-          </a:xfrm>
-        </p:spPr>
-        <p:txBody>
-          <a:bodyPr>
-            <a:normAutofit/>
-          </a:bodyPr>
-          <a:lstStyle/>
-          <a:p>
-            <a:pPr marL="0" indent="0">
-              <a:buNone/>
-            </a:pPr>
-            <a:r>
-              <a:rPr lang="en-US"/>
-              <a:t>Callgrind gives graphical representation of profiling results:</a:t>
-            </a:r>
-          </a:p>
-          <a:p>
-            <a:r>
-              <a:rPr lang="en-US"/>
-              <a:t>Run profiler:</a:t>
-            </a:r>
-            <a:br>
-              <a:rPr lang="en-US"/>
-            </a:br>
-            <a:r>
-              <a:rPr lang="en-US" sz="2000">
-                <a:latin typeface="Courier New"/>
-                <a:cs typeface="Courier New"/>
-              </a:rPr>
-              <a:t>python -m cProfile -o factorial.prof factorial.py </a:t>
-            </a:r>
-          </a:p>
-          <a:p>
-            <a:r>
-              <a:rPr lang="en-US"/>
-              <a:t>Transform results in callgrind format:</a:t>
-            </a:r>
-            <a:br>
-              <a:rPr lang="en-US"/>
-            </a:br>
-            <a:r>
-              <a:rPr lang="en-US" sz="2000">
-                <a:latin typeface="Courier New"/>
-                <a:cs typeface="Courier New"/>
-              </a:rPr>
-              <a:t>pyprof2calltree -i factorial.prof -o callgrind.out.1</a:t>
-            </a:r>
-          </a:p>
-          <a:p>
-            <a:r>
-              <a:rPr lang="en-US"/>
-              <a:t>Run callgrind:</a:t>
-            </a:r>
-            <a:br>
-              <a:rPr lang="en-US"/>
-            </a:br>
-            <a:r>
-              <a:rPr lang="en-US" sz="2000">
-                <a:latin typeface="Courier New"/>
-                <a:cs typeface="Courier New"/>
-              </a:rPr>
-              <a:t>qcallgrind callgrind.out.1</a:t>
-            </a:r>
-            <a:br>
-              <a:rPr lang="en-US" sz="2000">
-                <a:latin typeface="Courier New"/>
-                <a:cs typeface="Courier New"/>
-              </a:rPr>
-            </a:br>
-            <a:r>
-              <a:rPr lang="en-US" sz="2000">
-                <a:cs typeface="Courier New"/>
-              </a:rPr>
-              <a:t>or</a:t>
-            </a:r>
-            <a:r>
-              <a:rPr lang="en-US" sz="2000">
-                <a:latin typeface="Courier New"/>
-                <a:cs typeface="Courier New"/>
-              </a:rPr>
-              <a:t/>
-            </a:r>
-            <a:br>
-              <a:rPr lang="en-US" sz="2000">
-                <a:latin typeface="Courier New"/>
-                <a:cs typeface="Courier New"/>
-              </a:rPr>
-            </a:br>
-            <a:r>
-              <a:rPr lang="en-US" sz="2000">
-                <a:latin typeface="Courier New"/>
-                <a:cs typeface="Courier New"/>
-              </a:rPr>
-              <a:t>kcachegrind callgrind.out.1</a:t>
-            </a:r>
-          </a:p>
-          <a:p>
-            <a:endParaRPr lang="en-US" sz="2000">
-              <a:latin typeface="Courier New"/>
-              <a:cs typeface="Courier New"/>
-            </a:endParaRPr>
-          </a:p>
-          <a:p>
-            <a:pPr marL="0" indent="0">
-              <a:buNone/>
-            </a:pPr>
-            <a:endParaRPr lang="en-US"/>
-          </a:p>
-        </p:txBody>
-      </p:sp>
-      <p:sp>
-        <p:nvSpPr>
-          <p:cNvPr id="4" name="Date Placeholder 3"/>
-          <p:cNvSpPr>
-            <a:spLocks noGrp="1"/>
-          </p:cNvSpPr>
-          <p:nvPr>
-            <p:ph type="dt" sz="half" idx="10"/>
-          </p:nvPr>
-        </p:nvSpPr>
-        <p:spPr/>
-        <p:txBody>
-          <a:bodyPr/>
-          <a:lstStyle/>
-          <a:p>
-            <a:r>
-              <a:rPr lang="en-US" smtClean="0"/>
-              <a:t>Pietro Berkes, Sept 2015</a:t>
-            </a:r>
-            <a:endParaRPr lang="en-US"/>
-          </a:p>
-        </p:txBody>
-      </p:sp>
-      <p:sp>
-        <p:nvSpPr>
-          <p:cNvPr id="5" name="Footer Placeholder 4"/>
-          <p:cNvSpPr>
-            <a:spLocks noGrp="1"/>
-          </p:cNvSpPr>
-          <p:nvPr>
-            <p:ph type="ftr" sz="quarter" idx="11"/>
-          </p:nvPr>
-        </p:nvSpPr>
-        <p:spPr/>
-        <p:txBody>
-          <a:bodyPr/>
-          <a:lstStyle/>
-          <a:p>
-            <a:r>
-              <a:rPr lang="en-US" smtClean="0"/>
-              <a:t>Testing, debugging, profiling</a:t>
-            </a:r>
-            <a:endParaRPr lang="en-US"/>
-          </a:p>
-        </p:txBody>
-      </p:sp>
-    </p:spTree>
-    <p:extLst>
-      <p:ext uri="{BB962C8B-B14F-4D97-AF65-F5344CB8AC3E}">
-        <p14:creationId xmlns:p14="http://schemas.microsoft.com/office/powerpoint/2010/main" val="1942706288"/>
-      </p:ext>
-    </p:extLst>
-  </p:cSld>
-  <p:clrMapOvr>
-    <a:masterClrMapping/>
-  </p:clrMapOvr>
+  <p:timing>
+    <p:tnLst>
+      <p:par>
+        <p:cTn xmlns:p14="http://schemas.microsoft.com/office/powerpoint/2010/main" id="1" dur="indefinite" restart="never" nodeType="tmRoot"/>
+      </p:par>
+    </p:tnLst>
+  </p:timing>
 </p:sld>
 </file>
 
@@ -52281,7 +51510,7 @@
           <a:p>
             <a:r>
               <a:rPr lang="en-US"/>
-              <a:t>Fine-grained profiling: kernprof</a:t>
+              <a:t>Using callgrind</a:t>
             </a:r>
           </a:p>
         </p:txBody>
@@ -52296,45 +51525,117 @@
             <p:ph sz="quarter" idx="1"/>
           </p:nvPr>
         </p:nvSpPr>
-        <p:spPr/>
+        <p:spPr>
+          <a:xfrm>
+            <a:off x="323528" y="1219200"/>
+            <a:ext cx="8496944" cy="4937760"/>
+          </a:xfrm>
+        </p:spPr>
         <p:txBody>
-          <a:bodyPr/>
+          <a:bodyPr>
+            <a:normAutofit/>
+          </a:bodyPr>
           <a:lstStyle/>
           <a:p>
+            <a:pPr marL="0" indent="0">
+              <a:buNone/>
+            </a:pPr>
             <a:r>
               <a:rPr lang="en-US"/>
-              <a:t>You can profile only a set of functions by decorating them with @profile</a:t>
+              <a:t>Callgrind gives graphical representation of profiling results:</a:t>
+            </a:r>
+          </a:p>
+          <a:p>
+            <a:r>
+              <a:rPr lang="en-US"/>
+              <a:t>Run profiler:</a:t>
             </a:r>
             <a:br>
               <a:rPr lang="en-US"/>
             </a:br>
             <a:r>
-              <a:rPr lang="en-US">
+              <a:rPr lang="en-US" sz="2000">
                 <a:latin typeface="Courier New"/>
                 <a:cs typeface="Courier New"/>
               </a:rPr>
-              <a:t>kernprof –b -v factorial.py</a:t>
-            </a:r>
-            <a:endParaRPr lang="en-US">
+              <a:t>python -m cProfile -o factorial.prof factorial.py </a:t>
+            </a:r>
+          </a:p>
+          <a:p>
+            <a:r>
+              <a:rPr lang="en-US"/>
+              <a:t>Transform results in callgrind format:</a:t>
+            </a:r>
+            <a:br>
+              <a:rPr lang="en-US"/>
+            </a:br>
+            <a:r>
+              <a:rPr lang="en-US" sz="2000">
+                <a:latin typeface="Courier New"/>
+                <a:cs typeface="Courier New"/>
+              </a:rPr>
+              <a:t>pyprof2calltree -i factorial.prof -o callgrind.out.1</a:t>
+            </a:r>
+          </a:p>
+          <a:p>
+            <a:r>
+              <a:rPr lang="en-US"/>
+              <a:t>Run callgrind:</a:t>
+            </a:r>
+            <a:br>
+              <a:rPr lang="en-US"/>
+            </a:br>
+            <a:r>
+              <a:rPr lang="en-US" sz="2000">
+                <a:latin typeface="Courier New"/>
+                <a:cs typeface="Courier New"/>
+              </a:rPr>
+              <a:t>qcallgrind callgrind.out.1</a:t>
+            </a:r>
+            <a:br>
+              <a:rPr lang="en-US" sz="2000">
+                <a:latin typeface="Courier New"/>
+                <a:cs typeface="Courier New"/>
+              </a:rPr>
+            </a:br>
+            <a:r>
+              <a:rPr lang="en-US" sz="2000">
+                <a:cs typeface="Courier New"/>
+              </a:rPr>
+              <a:t>or</a:t>
+            </a:r>
+            <a:r>
+              <a:rPr lang="en-US" sz="2000">
+                <a:latin typeface="Courier New"/>
+                <a:cs typeface="Courier New"/>
+              </a:rPr>
+              <a:t/>
+            </a:r>
+            <a:br>
+              <a:rPr lang="en-US" sz="2000">
+                <a:latin typeface="Courier New"/>
+                <a:cs typeface="Courier New"/>
+              </a:rPr>
+            </a:br>
+            <a:r>
+              <a:rPr lang="en-US" sz="2000">
+                <a:latin typeface="Courier New"/>
+                <a:cs typeface="Courier New"/>
+              </a:rPr>
+              <a:t>kcachegrind callgrind.out.1</a:t>
+            </a:r>
+          </a:p>
+          <a:p>
+            <a:endParaRPr lang="en-US" sz="2000">
               <a:latin typeface="Courier New"/>
               <a:cs typeface="Courier New"/>
             </a:endParaRPr>
           </a:p>
           <a:p>
-            <a:r>
-              <a:rPr lang="en-US"/>
-              <a:t>Line-by-line profiling</a:t>
-            </a:r>
-            <a:br>
-              <a:rPr lang="en-US"/>
-            </a:br>
-            <a:r>
-              <a:rPr lang="en-US">
-                <a:latin typeface="Courier New"/>
-                <a:cs typeface="Courier New"/>
-              </a:rPr>
-              <a:t>kernprof -b -l -v factorial.py</a:t>
-            </a:r>
+            <a:pPr marL="0" indent="0">
+              <a:buNone/>
+            </a:pPr>
+            <a:endParaRPr lang="en-US"/>
           </a:p>
         </p:txBody>
       </p:sp>
@@ -52387,13 +51688,20 @@
     </p:spTree>
     <p:extLst>
       <p:ext uri="{BB962C8B-B14F-4D97-AF65-F5344CB8AC3E}">
-        <p14:creationId xmlns:p14="http://schemas.microsoft.com/office/powerpoint/2010/main" val="2331284151"/>
+        <p14:creationId xmlns:p14="http://schemas.microsoft.com/office/powerpoint/2010/main" val="1942706288"/>
       </p:ext>
     </p:extLst>
   </p:cSld>
   <p:clrMapOvr>
     <a:masterClrMapping/>
   </p:clrMapOvr>
+  <p:timing>
+    <p:tnLst>
+      <p:par>
+        <p:cTn xmlns:p14="http://schemas.microsoft.com/office/powerpoint/2010/main" id="1" dur="indefinite" restart="never" nodeType="tmRoot"/>
+      </p:par>
+    </p:tnLst>
+  </p:timing>
 </p:sld>
 </file>
 
@@ -52431,7 +51739,7 @@
           <a:p>
             <a:r>
               <a:rPr lang="en-US"/>
-              <a:t>No safety net!</a:t>
+              <a:t>Fine-grained profiling: kernprof</a:t>
             </a:r>
           </a:p>
         </p:txBody>
@@ -52453,15 +51761,45 @@
           <a:p>
             <a:r>
               <a:rPr lang="en-US"/>
-              <a:t>Anybody offering code for optimization session?</a:t>
-            </a:r>
-          </a:p>
-          <a:p>
+              <a:t>You can profile a subset of all functions by decorating them with </a:t>
+            </a:r>
+            <a:r>
+              <a:rPr lang="en-US">
+                <a:latin typeface="Courier New"/>
+                <a:cs typeface="Courier New"/>
+              </a:rPr>
+              <a:t>@profile</a:t>
+            </a:r>
             <a:r>
               <a:rPr lang="en-US"/>
-              <a:t>Make a pull request on the class repository</a:t>
-            </a:r>
-            <a:endParaRPr lang="en-US"/>
+              <a:t/>
+            </a:r>
+            <a:br>
+              <a:rPr lang="en-US"/>
+            </a:br>
+            <a:r>
+              <a:rPr lang="en-US">
+                <a:latin typeface="Courier New"/>
+                <a:cs typeface="Courier New"/>
+              </a:rPr>
+              <a:t>kernprof –b -v factorial.py</a:t>
+            </a:r>
+          </a:p>
+          <a:p>
+            <a:r>
+              <a:rPr lang="en-US"/>
+              <a:t>Line-by-line profiling</a:t>
+            </a:r>
+            <a:br>
+              <a:rPr lang="en-US"/>
+            </a:br>
+            <a:r>
+              <a:rPr lang="en-US">
+                <a:latin typeface="Courier New"/>
+                <a:cs typeface="Courier New"/>
+              </a:rPr>
+              <a:t>kernprof -b -l -v factorial.py</a:t>
+            </a:r>
           </a:p>
         </p:txBody>
       </p:sp>
@@ -52514,13 +51852,20 @@
     </p:spTree>
     <p:extLst>
       <p:ext uri="{BB962C8B-B14F-4D97-AF65-F5344CB8AC3E}">
-        <p14:creationId xmlns:p14="http://schemas.microsoft.com/office/powerpoint/2010/main" val="1919887115"/>
+        <p14:creationId xmlns:p14="http://schemas.microsoft.com/office/powerpoint/2010/main" val="2331284151"/>
       </p:ext>
     </p:extLst>
   </p:cSld>
   <p:clrMapOvr>
     <a:masterClrMapping/>
   </p:clrMapOvr>
+  <p:timing>
+    <p:tnLst>
+      <p:par>
+        <p:cTn xmlns:p14="http://schemas.microsoft.com/office/powerpoint/2010/main" id="1" dur="indefinite" restart="never" nodeType="tmRoot"/>
+      </p:par>
+    </p:tnLst>
+  </p:timing>
 </p:sld>
 </file>
 
@@ -52557,6 +51902,126 @@
           <a:lstStyle/>
           <a:p>
             <a:r>
+              <a:rPr lang="en-US"/>
+              <a:t>No safety net!</a:t>
+            </a:r>
+          </a:p>
+        </p:txBody>
+      </p:sp>
+      <p:sp>
+        <p:nvSpPr>
+          <p:cNvPr id="3" name="Content Placeholder 2"/>
+          <p:cNvSpPr>
+            <a:spLocks noGrp="1"/>
+          </p:cNvSpPr>
+          <p:nvPr>
+            <p:ph sz="quarter" idx="1"/>
+          </p:nvPr>
+        </p:nvSpPr>
+        <p:spPr/>
+        <p:txBody>
+          <a:bodyPr/>
+          <a:lstStyle/>
+          <a:p>
+            <a:r>
+              <a:rPr lang="en-US"/>
+              <a:t>Optimization of contributed code</a:t>
+            </a:r>
+          </a:p>
+        </p:txBody>
+      </p:sp>
+      <p:sp>
+        <p:nvSpPr>
+          <p:cNvPr id="4" name="Date Placeholder 3"/>
+          <p:cNvSpPr>
+            <a:spLocks noGrp="1"/>
+          </p:cNvSpPr>
+          <p:nvPr>
+            <p:ph type="dt" sz="half" idx="10"/>
+          </p:nvPr>
+        </p:nvSpPr>
+        <p:spPr/>
+        <p:txBody>
+          <a:bodyPr/>
+          <a:lstStyle/>
+          <a:p>
+            <a:r>
+              <a:rPr lang="en-US" smtClean="0"/>
+              <a:t>Pietro Berkes, Sept 2015</a:t>
+            </a:r>
+            <a:endParaRPr lang="en-US"/>
+          </a:p>
+        </p:txBody>
+      </p:sp>
+      <p:sp>
+        <p:nvSpPr>
+          <p:cNvPr id="5" name="Footer Placeholder 4"/>
+          <p:cNvSpPr>
+            <a:spLocks noGrp="1"/>
+          </p:cNvSpPr>
+          <p:nvPr>
+            <p:ph type="ftr" sz="quarter" idx="11"/>
+          </p:nvPr>
+        </p:nvSpPr>
+        <p:spPr/>
+        <p:txBody>
+          <a:bodyPr/>
+          <a:lstStyle/>
+          <a:p>
+            <a:r>
+              <a:rPr lang="en-US" smtClean="0"/>
+              <a:t>Testing, debugging, profiling</a:t>
+            </a:r>
+            <a:endParaRPr lang="en-US"/>
+          </a:p>
+        </p:txBody>
+      </p:sp>
+    </p:spTree>
+    <p:extLst>
+      <p:ext uri="{BB962C8B-B14F-4D97-AF65-F5344CB8AC3E}">
+        <p14:creationId xmlns:p14="http://schemas.microsoft.com/office/powerpoint/2010/main" val="4068521431"/>
+      </p:ext>
+    </p:extLst>
+  </p:cSld>
+  <p:clrMapOvr>
+    <a:masterClrMapping/>
+  </p:clrMapOvr>
+</p:sld>
+</file>
+
+<file path=ppt/slides/slide77.xml><?xml version="1.0" encoding="utf-8"?>
+<p:sld xmlns:a="http://schemas.openxmlformats.org/drawingml/2006/main" xmlns:r="http://schemas.openxmlformats.org/officeDocument/2006/relationships" xmlns:p="http://schemas.openxmlformats.org/presentationml/2006/main">
+  <p:cSld>
+    <p:spTree>
+      <p:nvGrpSpPr>
+        <p:cNvPr id="1" name=""/>
+        <p:cNvGrpSpPr/>
+        <p:nvPr/>
+      </p:nvGrpSpPr>
+      <p:grpSpPr>
+        <a:xfrm>
+          <a:off x="0" y="0"/>
+          <a:ext cx="0" cy="0"/>
+          <a:chOff x="0" y="0"/>
+          <a:chExt cx="0" cy="0"/>
+        </a:xfrm>
+      </p:grpSpPr>
+      <p:sp>
+        <p:nvSpPr>
+          <p:cNvPr id="2" name="Title 1"/>
+          <p:cNvSpPr>
+            <a:spLocks noGrp="1"/>
+          </p:cNvSpPr>
+          <p:nvPr>
+            <p:ph type="title"/>
+          </p:nvPr>
+        </p:nvSpPr>
+        <p:spPr/>
+        <p:txBody>
+          <a:bodyPr/>
+          <a:lstStyle/>
+          <a:p>
+            <a:r>
               <a:rPr lang="en-GB" dirty="0" smtClean="0"/>
               <a:t>Final thoughts</a:t>
             </a:r>
@@ -52678,7 +52143,7 @@
 </p:sld>
 </file>
 
-<file path=ppt/slides/slide77.xml><?xml version="1.0" encoding="utf-8"?>
+<file path=ppt/slides/slide78.xml><?xml version="1.0" encoding="utf-8"?>
 <p:sld xmlns:a="http://schemas.openxmlformats.org/drawingml/2006/main" xmlns:r="http://schemas.openxmlformats.org/officeDocument/2006/relationships" xmlns:p="http://schemas.openxmlformats.org/presentationml/2006/main">
   <p:cSld>
     <p:spTree>
@@ -53036,7 +52501,7 @@
 </p:sld>
 </file>
 
-<file path=ppt/slides/slide78.xml><?xml version="1.0" encoding="utf-8"?>
+<file path=ppt/slides/slide79.xml><?xml version="1.0" encoding="utf-8"?>
 <p:sld xmlns:a="http://schemas.openxmlformats.org/drawingml/2006/main" xmlns:r="http://schemas.openxmlformats.org/officeDocument/2006/relationships" xmlns:p="http://schemas.openxmlformats.org/presentationml/2006/main">
   <p:cSld>
     <p:spTree>
@@ -53551,136 +53016,9 @@
   <p:timing>
     <p:tnLst>
       <p:par>
-        <p:cTn xmlns:p14="http://schemas.microsoft.com/office/powerpoint/2010/main" id="1" dur="indefinite" restart="never" nodeType="tmRoot">
-          <p:childTnLst>
-            <p:seq concurrent="1" nextAc="seek">
-              <p:cTn id="2" dur="indefinite" nodeType="mainSeq">
-                <p:childTnLst>
-                  <p:par>
-                    <p:cTn id="3" fill="hold">
-                      <p:stCondLst>
-                        <p:cond delay="indefinite"/>
-                      </p:stCondLst>
-                      <p:childTnLst>
-                        <p:par>
-                          <p:cTn id="4" fill="hold">
-                            <p:stCondLst>
-                              <p:cond delay="0"/>
-                            </p:stCondLst>
-                            <p:childTnLst>
-                              <p:par>
-                                <p:cTn id="5" presetID="1" presetClass="entr" presetSubtype="0" fill="hold" grpId="0" nodeType="clickEffect">
-                                  <p:stCondLst>
-                                    <p:cond delay="0"/>
-                                  </p:stCondLst>
-                                  <p:childTnLst>
-                                    <p:set>
-                                      <p:cBhvr>
-                                        <p:cTn id="6" dur="1" fill="hold">
-                                          <p:stCondLst>
-                                            <p:cond delay="0"/>
-                                          </p:stCondLst>
-                                        </p:cTn>
-                                        <p:tgtEl>
-                                          <p:spTgt spid="11"/>
-                                        </p:tgtEl>
-                                        <p:attrNameLst>
-                                          <p:attrName>style.visibility</p:attrName>
-                                        </p:attrNameLst>
-                                      </p:cBhvr>
-                                      <p:to>
-                                        <p:strVal val="visible"/>
-                                      </p:to>
-                                    </p:set>
-                                  </p:childTnLst>
-                                </p:cTn>
-                              </p:par>
-                              <p:par>
-                                <p:cTn id="7" presetID="1" presetClass="entr" presetSubtype="0" fill="hold" grpId="0" nodeType="withEffect">
-                                  <p:stCondLst>
-                                    <p:cond delay="0"/>
-                                  </p:stCondLst>
-                                  <p:childTnLst>
-                                    <p:set>
-                                      <p:cBhvr>
-                                        <p:cTn id="8" dur="1" fill="hold">
-                                          <p:stCondLst>
-                                            <p:cond delay="0"/>
-                                          </p:stCondLst>
-                                        </p:cTn>
-                                        <p:tgtEl>
-                                          <p:spTgt spid="12"/>
-                                        </p:tgtEl>
-                                        <p:attrNameLst>
-                                          <p:attrName>style.visibility</p:attrName>
-                                        </p:attrNameLst>
-                                      </p:cBhvr>
-                                      <p:to>
-                                        <p:strVal val="visible"/>
-                                      </p:to>
-                                    </p:set>
-                                  </p:childTnLst>
-                                </p:cTn>
-                              </p:par>
-                              <p:par>
-                                <p:cTn id="9" presetID="1" presetClass="entr" presetSubtype="0" fill="hold" grpId="0" nodeType="withEffect">
-                                  <p:stCondLst>
-                                    <p:cond delay="0"/>
-                                  </p:stCondLst>
-                                  <p:childTnLst>
-                                    <p:set>
-                                      <p:cBhvr>
-                                        <p:cTn id="10" dur="1" fill="hold">
-                                          <p:stCondLst>
-                                            <p:cond delay="0"/>
-                                          </p:stCondLst>
-                                        </p:cTn>
-                                        <p:tgtEl>
-                                          <p:spTgt spid="13"/>
-                                        </p:tgtEl>
-                                        <p:attrNameLst>
-                                          <p:attrName>style.visibility</p:attrName>
-                                        </p:attrNameLst>
-                                      </p:cBhvr>
-                                      <p:to>
-                                        <p:strVal val="visible"/>
-                                      </p:to>
-                                    </p:set>
-                                  </p:childTnLst>
-                                </p:cTn>
-                              </p:par>
-                            </p:childTnLst>
-                          </p:cTn>
-                        </p:par>
-                      </p:childTnLst>
-                    </p:cTn>
-                  </p:par>
-                </p:childTnLst>
-              </p:cTn>
-              <p:prevCondLst>
-                <p:cond evt="onPrev" delay="0">
-                  <p:tgtEl>
-                    <p:sldTgt/>
-                  </p:tgtEl>
-                </p:cond>
-              </p:prevCondLst>
-              <p:nextCondLst>
-                <p:cond evt="onNext" delay="0">
-                  <p:tgtEl>
-                    <p:sldTgt/>
-                  </p:tgtEl>
-                </p:cond>
-              </p:nextCondLst>
-            </p:seq>
-          </p:childTnLst>
-        </p:cTn>
+        <p:cTn xmlns:p14="http://schemas.microsoft.com/office/powerpoint/2010/main" id="1" dur="indefinite" restart="never" nodeType="tmRoot"/>
       </p:par>
     </p:tnLst>
-    <p:bldLst>
-      <p:bldP spid="11" grpId="0"/>
-      <p:bldP spid="12" grpId="0"/>
-      <p:bldP spid="13" grpId="0"/>
-    </p:bldLst>
   </p:timing>
 </p:sld>
 </file>

--- a/testing-debugging-profiling.pptx
+++ b/testing-debugging-profiling.pptx
@@ -42163,7 +42163,7 @@
             </a:r>
             <a:r>
               <a:rPr lang="en-US" dirty="0" smtClean="0"/>
-              <a:t> – example</a:t>
+              <a:t> – solution</a:t>
             </a:r>
             <a:endParaRPr lang="en-US" dirty="0"/>
           </a:p>
@@ -42178,7 +42178,7 @@
         <p:spPr>
           <a:xfrm>
             <a:off x="609600" y="1295400"/>
-            <a:ext cx="8077200" cy="3108544"/>
+            <a:ext cx="8077200" cy="4616648"/>
           </a:xfrm>
           <a:prstGeom prst="rect">
             <a:avLst/>
@@ -42192,227 +42192,121 @@
           <a:lstStyle/>
           <a:p>
             <a:r>
-              <a:rPr lang="en-US" sz="1400" dirty="0" smtClean="0">
-                <a:solidFill>
-                  <a:srgbClr val="0000FF"/>
-                </a:solidFill>
+              <a:rPr lang="en-US" sz="1400" dirty="0">
                 <a:latin typeface="Courier New" pitchFamily="49" charset="0"/>
                 <a:cs typeface="Courier New" pitchFamily="49" charset="0"/>
               </a:rPr>
-              <a:t>class </a:t>
-            </a:r>
-            <a:r>
-              <a:rPr lang="en-US" sz="1400" b="1" dirty="0" err="1" smtClean="0">
-                <a:latin typeface="Courier New" pitchFamily="49" charset="0"/>
-                <a:cs typeface="Courier New" pitchFamily="49" charset="0"/>
-              </a:rPr>
-              <a:t>VarianceTestCase</a:t>
-            </a:r>
-            <a:r>
-              <a:rPr lang="en-US" sz="1400" b="1" dirty="0" smtClean="0">
-                <a:latin typeface="Courier New" pitchFamily="49" charset="0"/>
-                <a:cs typeface="Courier New" pitchFamily="49" charset="0"/>
-              </a:rPr>
-              <a:t>(</a:t>
-            </a:r>
-            <a:r>
-              <a:rPr lang="en-US" sz="1400" b="1" dirty="0" err="1" smtClean="0">
-                <a:latin typeface="Courier New" pitchFamily="49" charset="0"/>
-                <a:cs typeface="Courier New" pitchFamily="49" charset="0"/>
-              </a:rPr>
-              <a:t>unittest.TestCase</a:t>
-            </a:r>
-            <a:r>
-              <a:rPr lang="en-US" sz="1400" b="1" dirty="0" smtClean="0">
-                <a:latin typeface="Courier New" pitchFamily="49" charset="0"/>
-                <a:cs typeface="Courier New" pitchFamily="49" charset="0"/>
-              </a:rPr>
-              <a:t>):</a:t>
-            </a:r>
-            <a:endParaRPr sz="1400" b="1" dirty="0">
+              <a:t>class TestVar(unittest.TestCase):</a:t>
+            </a:r>
+          </a:p>
+          <a:p>
+            <a:endParaRPr lang="en-US" sz="1400" dirty="0">
               <a:latin typeface="Courier New" pitchFamily="49" charset="0"/>
               <a:cs typeface="Courier New" pitchFamily="49" charset="0"/>
             </a:endParaRPr>
           </a:p>
           <a:p>
-            <a:endParaRPr lang="en-US" sz="1400" dirty="0" smtClean="0">
-              <a:solidFill>
-                <a:srgbClr val="0000FF"/>
-              </a:solidFill>
+            <a:r>
+              <a:rPr lang="en-US" sz="1400" dirty="0">
+                <a:latin typeface="Courier New" pitchFamily="49" charset="0"/>
+                <a:cs typeface="Courier New" pitchFamily="49" charset="0"/>
+              </a:rPr>
+              <a:t>    def test_var_deterministic(self):</a:t>
+            </a:r>
+          </a:p>
+          <a:p>
+            <a:r>
+              <a:rPr lang="en-US" sz="1400" dirty="0">
+                <a:latin typeface="Courier New" pitchFamily="49" charset="0"/>
+                <a:cs typeface="Courier New" pitchFamily="49" charset="0"/>
+              </a:rPr>
+              <a:t>        x = numpy.array([-2.0, 2.0])</a:t>
+            </a:r>
+          </a:p>
+          <a:p>
+            <a:r>
+              <a:rPr lang="en-US" sz="1400" dirty="0">
+                <a:latin typeface="Courier New" pitchFamily="49" charset="0"/>
+                <a:cs typeface="Courier New" pitchFamily="49" charset="0"/>
+              </a:rPr>
+              <a:t>        expected = 4.0</a:t>
+            </a:r>
+          </a:p>
+          <a:p>
+            <a:r>
+              <a:rPr lang="en-US" sz="1400" dirty="0">
+                <a:latin typeface="Courier New" pitchFamily="49" charset="0"/>
+                <a:cs typeface="Courier New" pitchFamily="49" charset="0"/>
+              </a:rPr>
+              <a:t>        self.assertAlmostEqual(numpy.var(x), expected)</a:t>
+            </a:r>
+          </a:p>
+          <a:p>
+            <a:endParaRPr lang="en-US" sz="1400" dirty="0">
               <a:latin typeface="Courier New" pitchFamily="49" charset="0"/>
               <a:cs typeface="Courier New" pitchFamily="49" charset="0"/>
             </a:endParaRPr>
           </a:p>
           <a:p>
             <a:r>
-              <a:rPr lang="en-US" sz="1400" dirty="0" smtClean="0">
-                <a:solidFill>
-                  <a:srgbClr val="0000FF"/>
-                </a:solidFill>
+              <a:rPr lang="en-US" sz="1400" dirty="0">
                 <a:latin typeface="Courier New" pitchFamily="49" charset="0"/>
                 <a:cs typeface="Courier New" pitchFamily="49" charset="0"/>
               </a:rPr>
-              <a:t>    def </a:t>
-            </a:r>
-            <a:r>
-              <a:rPr lang="en-US" sz="1400" b="1" dirty="0" err="1" smtClean="0">
-                <a:solidFill>
-                  <a:srgbClr val="000000"/>
-                </a:solidFill>
+              <a:t>    def test_var_fuzzing(self):</a:t>
+            </a:r>
+          </a:p>
+          <a:p>
+            <a:r>
+              <a:rPr lang="en-US" sz="1400" dirty="0">
                 <a:latin typeface="Courier New" pitchFamily="49" charset="0"/>
                 <a:cs typeface="Courier New" pitchFamily="49" charset="0"/>
               </a:rPr>
-              <a:t>test_var</a:t>
-            </a:r>
-            <a:r>
-              <a:rPr lang="en-US" sz="1400" b="1" dirty="0" smtClean="0">
-                <a:solidFill>
-                  <a:srgbClr val="000000"/>
-                </a:solidFill>
-                <a:latin typeface="Courier New" pitchFamily="49" charset="0"/>
-                <a:cs typeface="Courier New" pitchFamily="49" charset="0"/>
-              </a:rPr>
-              <a:t>(</a:t>
-            </a:r>
-            <a:r>
-              <a:rPr lang="en-US" sz="1400" b="1" i="1" dirty="0" smtClean="0">
-                <a:solidFill>
-                  <a:srgbClr val="000000"/>
-                </a:solidFill>
-                <a:latin typeface="Courier New" pitchFamily="49" charset="0"/>
-                <a:cs typeface="Courier New" pitchFamily="49" charset="0"/>
-              </a:rPr>
-              <a:t>self):</a:t>
-            </a:r>
-          </a:p>
-          <a:p>
-            <a:r>
-              <a:rPr lang="en-US" sz="1400" dirty="0" smtClean="0">
-                <a:solidFill>
-                  <a:srgbClr val="000000"/>
-                </a:solidFill>
-                <a:latin typeface="Courier New" pitchFamily="49" charset="0"/>
-                <a:cs typeface="Courier New" pitchFamily="49" charset="0"/>
-              </a:rPr>
-              <a:t>        N, D = </a:t>
-            </a:r>
-            <a:r>
-              <a:rPr lang="en-US" sz="1400" dirty="0" smtClean="0">
-                <a:solidFill>
-                  <a:srgbClr val="800000"/>
-                </a:solidFill>
-                <a:latin typeface="Courier New" pitchFamily="49" charset="0"/>
-                <a:cs typeface="Courier New" pitchFamily="49" charset="0"/>
-              </a:rPr>
-              <a:t>100000</a:t>
-            </a:r>
-            <a:r>
-              <a:rPr lang="en-US" sz="1400" dirty="0" smtClean="0">
-                <a:solidFill>
-                  <a:srgbClr val="000000"/>
-                </a:solidFill>
-                <a:latin typeface="Courier New" pitchFamily="49" charset="0"/>
-                <a:cs typeface="Courier New" pitchFamily="49" charset="0"/>
-              </a:rPr>
-              <a:t>, </a:t>
-            </a:r>
-            <a:r>
-              <a:rPr lang="en-US" sz="1400" dirty="0" smtClean="0">
-                <a:solidFill>
-                  <a:srgbClr val="800000"/>
-                </a:solidFill>
-                <a:latin typeface="Courier New" pitchFamily="49" charset="0"/>
-                <a:cs typeface="Courier New" pitchFamily="49" charset="0"/>
-              </a:rPr>
-              <a:t>5</a:t>
-            </a:r>
-            <a:endParaRPr lang="en-US" sz="1400" i="1" dirty="0" smtClean="0">
-              <a:solidFill>
-                <a:srgbClr val="9E0001"/>
-              </a:solidFill>
+              <a:t>        rand_state = numpy.random.RandomState(8393)</a:t>
+            </a:r>
+          </a:p>
+          <a:p>
+            <a:endParaRPr lang="en-US" sz="1400" dirty="0">
               <a:latin typeface="Courier New" pitchFamily="49" charset="0"/>
               <a:cs typeface="Courier New" pitchFamily="49" charset="0"/>
             </a:endParaRPr>
           </a:p>
           <a:p>
             <a:r>
-              <a:rPr lang="en-US" sz="1400" i="1" dirty="0" smtClean="0">
-                <a:solidFill>
-                  <a:srgbClr val="9E0001"/>
-                </a:solidFill>
+              <a:rPr lang="en-US" sz="1400" dirty="0">
                 <a:latin typeface="Courier New" pitchFamily="49" charset="0"/>
                 <a:cs typeface="Courier New" pitchFamily="49" charset="0"/>
               </a:rPr>
-              <a:t>        # Goal variances: [0.1 ,  0.45,  0.8 ,  1.15,  1.5]</a:t>
-            </a:r>
-          </a:p>
-          <a:p>
-            <a:r>
-              <a:rPr lang="en-US" sz="1400" dirty="0" smtClean="0">
-                <a:solidFill>
-                  <a:srgbClr val="000000"/>
-                </a:solidFill>
+              <a:t>        N, D = 100000, 5</a:t>
+            </a:r>
+          </a:p>
+          <a:p>
+            <a:r>
+              <a:rPr lang="en-US" sz="1400" dirty="0">
                 <a:latin typeface="Courier New" pitchFamily="49" charset="0"/>
                 <a:cs typeface="Courier New" pitchFamily="49" charset="0"/>
               </a:rPr>
-              <a:t>        expected = numpy.linspace(</a:t>
-            </a:r>
-            <a:r>
-              <a:rPr lang="en-US" sz="1400" dirty="0" smtClean="0">
-                <a:solidFill>
-                  <a:srgbClr val="800000"/>
-                </a:solidFill>
+              <a:t>        # Goal variances: [0.1 ,  0.45,  0.8 ,  1.15,  1.5]</a:t>
+            </a:r>
+          </a:p>
+          <a:p>
+            <a:r>
+              <a:rPr lang="en-US" sz="1400" dirty="0">
                 <a:latin typeface="Courier New" pitchFamily="49" charset="0"/>
                 <a:cs typeface="Courier New" pitchFamily="49" charset="0"/>
               </a:rPr>
-              <a:t>0.1</a:t>
-            </a:r>
-            <a:r>
-              <a:rPr lang="en-US" sz="1400" dirty="0" smtClean="0">
-                <a:solidFill>
-                  <a:srgbClr val="000000"/>
-                </a:solidFill>
-                <a:latin typeface="Courier New" pitchFamily="49" charset="0"/>
-                <a:cs typeface="Courier New" pitchFamily="49" charset="0"/>
-              </a:rPr>
-              <a:t>, </a:t>
-            </a:r>
-            <a:r>
-              <a:rPr lang="en-US" sz="1400" dirty="0" smtClean="0">
-                <a:solidFill>
-                  <a:srgbClr val="800000"/>
-                </a:solidFill>
-                <a:latin typeface="Courier New" pitchFamily="49" charset="0"/>
-                <a:cs typeface="Courier New" pitchFamily="49" charset="0"/>
-              </a:rPr>
-              <a:t>1.5</a:t>
-            </a:r>
-            <a:r>
-              <a:rPr lang="en-US" sz="1400" dirty="0" smtClean="0">
-                <a:solidFill>
-                  <a:srgbClr val="000000"/>
-                </a:solidFill>
-                <a:latin typeface="Courier New" pitchFamily="49" charset="0"/>
-                <a:cs typeface="Courier New" pitchFamily="49" charset="0"/>
-              </a:rPr>
-              <a:t>, D)</a:t>
-            </a:r>
-          </a:p>
-          <a:p>
-            <a:endParaRPr lang="en-US" sz="1400" i="1" dirty="0" smtClean="0">
-              <a:solidFill>
-                <a:srgbClr val="9E0001"/>
-              </a:solidFill>
+              <a:t>        expected = numpy.linspace(0.1, 1.5, D)</a:t>
+            </a:r>
+          </a:p>
+          <a:p>
+            <a:endParaRPr lang="en-US" sz="1400" dirty="0">
               <a:latin typeface="Courier New" pitchFamily="49" charset="0"/>
               <a:cs typeface="Courier New" pitchFamily="49" charset="0"/>
             </a:endParaRPr>
           </a:p>
           <a:p>
             <a:r>
-              <a:rPr lang="en-US" sz="1400" i="1" dirty="0" smtClean="0">
-                <a:solidFill>
-                  <a:srgbClr val="9E0001"/>
-                </a:solidFill>
+              <a:rPr lang="en-US" sz="1400" dirty="0">
                 <a:latin typeface="Courier New" pitchFamily="49" charset="0"/>
                 <a:cs typeface="Courier New" pitchFamily="49" charset="0"/>
               </a:rPr>
@@ -42421,242 +42315,47 @@
           </a:p>
           <a:p>
             <a:r>
-              <a:rPr lang="en-US" sz="1400" dirty="0" smtClean="0">
-                <a:solidFill>
-                  <a:srgbClr val="0000FF"/>
-                </a:solidFill>
+              <a:rPr lang="en-US" sz="1400" dirty="0">
                 <a:latin typeface="Courier New" pitchFamily="49" charset="0"/>
                 <a:cs typeface="Courier New" pitchFamily="49" charset="0"/>
               </a:rPr>
-              <a:t>        for</a:t>
-            </a:r>
-            <a:r>
-              <a:rPr lang="en-US" sz="1400" dirty="0" smtClean="0">
-                <a:solidFill>
-                  <a:srgbClr val="000000"/>
-                </a:solidFill>
+              <a:t>        for _ in range(20):</a:t>
+            </a:r>
+          </a:p>
+          <a:p>
+            <a:r>
+              <a:rPr lang="en-US" sz="1400" dirty="0">
                 <a:latin typeface="Courier New" pitchFamily="49" charset="0"/>
                 <a:cs typeface="Courier New" pitchFamily="49" charset="0"/>
               </a:rPr>
-              <a:t> _ </a:t>
-            </a:r>
-            <a:r>
-              <a:rPr lang="en-US" sz="1400" dirty="0" smtClean="0">
-                <a:solidFill>
-                  <a:srgbClr val="0000FF"/>
-                </a:solidFill>
+              <a:t>            # Generate random, D-dimensional data</a:t>
+            </a:r>
+          </a:p>
+          <a:p>
+            <a:r>
+              <a:rPr lang="en-US" sz="1400" dirty="0">
                 <a:latin typeface="Courier New" pitchFamily="49" charset="0"/>
                 <a:cs typeface="Courier New" pitchFamily="49" charset="0"/>
               </a:rPr>
-              <a:t>in</a:t>
-            </a:r>
-            <a:r>
-              <a:rPr lang="en-US" sz="1400" dirty="0" smtClean="0">
-                <a:solidFill>
-                  <a:srgbClr val="000000"/>
-                </a:solidFill>
+              <a:t>            x = rand_state.randn(N, D) * numpy.sqrt(expected)</a:t>
+            </a:r>
+          </a:p>
+          <a:p>
+            <a:r>
+              <a:rPr lang="en-US" sz="1400" dirty="0">
                 <a:latin typeface="Courier New" pitchFamily="49" charset="0"/>
                 <a:cs typeface="Courier New" pitchFamily="49" charset="0"/>
               </a:rPr>
-              <a:t> range(</a:t>
-            </a:r>
-            <a:r>
-              <a:rPr lang="en-US" sz="1400" dirty="0" smtClean="0">
-                <a:solidFill>
-                  <a:srgbClr val="800000"/>
-                </a:solidFill>
+              <a:t>            variance = numpy.var(x, axis=0)</a:t>
+            </a:r>
+          </a:p>
+          <a:p>
+            <a:r>
+              <a:rPr lang="en-US" sz="1400" dirty="0">
                 <a:latin typeface="Courier New" pitchFamily="49" charset="0"/>
                 <a:cs typeface="Courier New" pitchFamily="49" charset="0"/>
               </a:rPr>
-              <a:t>20</a:t>
-            </a:r>
-            <a:r>
-              <a:rPr lang="en-US" sz="1400" dirty="0" smtClean="0">
-                <a:solidFill>
-                  <a:srgbClr val="000000"/>
-                </a:solidFill>
-                <a:latin typeface="Courier New" pitchFamily="49" charset="0"/>
-                <a:cs typeface="Courier New" pitchFamily="49" charset="0"/>
-              </a:rPr>
-              <a:t>):</a:t>
-            </a:r>
-          </a:p>
-          <a:p>
-            <a:r>
-              <a:rPr lang="en-US" sz="1400" i="1" dirty="0" smtClean="0">
-                <a:solidFill>
-                  <a:srgbClr val="9E0001"/>
-                </a:solidFill>
-                <a:latin typeface="Courier New" pitchFamily="49" charset="0"/>
-                <a:cs typeface="Courier New" pitchFamily="49" charset="0"/>
-              </a:rPr>
-              <a:t>            # Generate random, D-dimensional data</a:t>
-            </a:r>
-          </a:p>
-          <a:p>
-            <a:r>
-              <a:rPr lang="en-US" sz="1400" dirty="0" smtClean="0">
-                <a:solidFill>
-                  <a:srgbClr val="000000"/>
-                </a:solidFill>
-                <a:latin typeface="Courier New" pitchFamily="49" charset="0"/>
-                <a:cs typeface="Courier New" pitchFamily="49" charset="0"/>
-              </a:rPr>
-              <a:t>            x = </a:t>
-            </a:r>
-            <a:r>
-              <a:rPr lang="en-US" sz="1400" dirty="0" err="1" smtClean="0">
-                <a:solidFill>
-                  <a:srgbClr val="000000"/>
-                </a:solidFill>
-                <a:latin typeface="Courier New" pitchFamily="49" charset="0"/>
-                <a:cs typeface="Courier New" pitchFamily="49" charset="0"/>
-              </a:rPr>
-              <a:t>numpy.random.randn</a:t>
-            </a:r>
-            <a:r>
-              <a:rPr lang="en-US" sz="1400" dirty="0" smtClean="0">
-                <a:solidFill>
-                  <a:srgbClr val="000000"/>
-                </a:solidFill>
-                <a:latin typeface="Courier New" pitchFamily="49" charset="0"/>
-                <a:cs typeface="Courier New" pitchFamily="49" charset="0"/>
-              </a:rPr>
-              <a:t>(N, D) * </a:t>
-            </a:r>
-            <a:r>
-              <a:rPr lang="en-US" sz="1400" dirty="0" err="1" smtClean="0">
-                <a:solidFill>
-                  <a:srgbClr val="000000"/>
-                </a:solidFill>
-                <a:latin typeface="Courier New" pitchFamily="49" charset="0"/>
-                <a:cs typeface="Courier New" pitchFamily="49" charset="0"/>
-              </a:rPr>
-              <a:t>numpy.sqrt</a:t>
-            </a:r>
-            <a:r>
-              <a:rPr lang="en-US" sz="1400" dirty="0" smtClean="0">
-                <a:solidFill>
-                  <a:srgbClr val="000000"/>
-                </a:solidFill>
-                <a:latin typeface="Courier New" pitchFamily="49" charset="0"/>
-                <a:cs typeface="Courier New" pitchFamily="49" charset="0"/>
-              </a:rPr>
-              <a:t>(desired)</a:t>
-            </a:r>
-          </a:p>
-          <a:p>
-            <a:r>
-              <a:rPr lang="en-US" sz="1400" dirty="0">
-                <a:solidFill>
-                  <a:srgbClr val="000000"/>
-                </a:solidFill>
-                <a:latin typeface="Courier New" pitchFamily="49" charset="0"/>
-                <a:cs typeface="Courier New" pitchFamily="49" charset="0"/>
-              </a:rPr>
-              <a:t>            </a:t>
-            </a:r>
-            <a:r>
-              <a:rPr lang="en-US" sz="1400" dirty="0" smtClean="0">
-                <a:solidFill>
-                  <a:srgbClr val="000000"/>
-                </a:solidFill>
-                <a:latin typeface="Courier New" pitchFamily="49" charset="0"/>
-                <a:cs typeface="Courier New" pitchFamily="49" charset="0"/>
-              </a:rPr>
-              <a:t>variance = </a:t>
-            </a:r>
-            <a:r>
-              <a:rPr lang="en-US" sz="1400" dirty="0" err="1" smtClean="0">
-                <a:solidFill>
-                  <a:srgbClr val="000000"/>
-                </a:solidFill>
-                <a:latin typeface="Courier New" pitchFamily="49" charset="0"/>
-                <a:cs typeface="Courier New" pitchFamily="49" charset="0"/>
-              </a:rPr>
-              <a:t>numpy.var(x</a:t>
-            </a:r>
-            <a:r>
-              <a:rPr lang="en-US" sz="1400" dirty="0" smtClean="0">
-                <a:solidFill>
-                  <a:srgbClr val="000000"/>
-                </a:solidFill>
-                <a:latin typeface="Courier New" pitchFamily="49" charset="0"/>
-                <a:cs typeface="Courier New" pitchFamily="49" charset="0"/>
-              </a:rPr>
-              <a:t>, axis=</a:t>
-            </a:r>
-            <a:r>
-              <a:rPr lang="en-US" sz="1400" dirty="0" smtClean="0">
-                <a:solidFill>
-                  <a:srgbClr val="800000"/>
-                </a:solidFill>
-                <a:latin typeface="Courier New" pitchFamily="49" charset="0"/>
-                <a:cs typeface="Courier New" pitchFamily="49" charset="0"/>
-              </a:rPr>
-              <a:t>0</a:t>
-            </a:r>
-            <a:r>
-              <a:rPr lang="en-US" sz="1400" dirty="0" smtClean="0">
-                <a:solidFill>
-                  <a:srgbClr val="000000"/>
-                </a:solidFill>
-                <a:latin typeface="Courier New" pitchFamily="49" charset="0"/>
-                <a:cs typeface="Courier New" pitchFamily="49" charset="0"/>
-              </a:rPr>
-              <a:t>)</a:t>
-            </a:r>
-          </a:p>
-          <a:p>
-            <a:r>
-              <a:rPr lang="en-US" sz="1400" dirty="0" smtClean="0">
-                <a:solidFill>
-                  <a:srgbClr val="000000"/>
-                </a:solidFill>
-                <a:latin typeface="Courier New" pitchFamily="49" charset="0"/>
-                <a:cs typeface="Courier New" pitchFamily="49" charset="0"/>
-              </a:rPr>
-              <a:t>            </a:t>
-            </a:r>
-            <a:r>
-              <a:rPr lang="en-US" sz="1400" dirty="0" err="1" smtClean="0">
-                <a:solidFill>
-                  <a:srgbClr val="000000"/>
-                </a:solidFill>
-                <a:latin typeface="Courier New" pitchFamily="49" charset="0"/>
-                <a:cs typeface="Courier New" pitchFamily="49" charset="0"/>
-              </a:rPr>
-              <a:t>numpy.testing.assert_array_almost_equal</a:t>
-            </a:r>
-            <a:r>
-              <a:rPr lang="en-US" sz="1400" dirty="0" smtClean="0">
-                <a:solidFill>
-                  <a:srgbClr val="000000"/>
-                </a:solidFill>
-                <a:latin typeface="Courier New" pitchFamily="49" charset="0"/>
-                <a:cs typeface="Courier New" pitchFamily="49" charset="0"/>
-              </a:rPr>
-              <a:t>(variance, expected, </a:t>
-            </a:r>
-            <a:r>
-              <a:rPr lang="en-US" sz="1400" dirty="0" smtClean="0">
-                <a:solidFill>
-                  <a:srgbClr val="800000"/>
-                </a:solidFill>
-                <a:latin typeface="Courier New" pitchFamily="49" charset="0"/>
-                <a:cs typeface="Courier New" pitchFamily="49" charset="0"/>
-              </a:rPr>
-              <a:t>1</a:t>
-            </a:r>
-            <a:r>
-              <a:rPr lang="en-US" sz="1400" dirty="0" smtClean="0">
-                <a:solidFill>
-                  <a:srgbClr val="000000"/>
-                </a:solidFill>
-                <a:latin typeface="Courier New" pitchFamily="49" charset="0"/>
-                <a:cs typeface="Courier New" pitchFamily="49" charset="0"/>
-              </a:rPr>
-              <a:t>)</a:t>
+              <a:t>            numpy.testing.assert_array_almost_equal(variance, expected, 1)</a:t>
             </a:r>
           </a:p>
           <a:p>
@@ -51986,6 +51685,13 @@
   <p:clrMapOvr>
     <a:masterClrMapping/>
   </p:clrMapOvr>
+  <p:timing>
+    <p:tnLst>
+      <p:par>
+        <p:cTn xmlns:p14="http://schemas.microsoft.com/office/powerpoint/2010/main" id="1" dur="indefinite" restart="never" nodeType="tmRoot"/>
+      </p:par>
+    </p:tnLst>
+  </p:timing>
 </p:sld>
 </file>
 

--- a/testing-debugging-profiling.pptx
+++ b/testing-debugging-profiling.pptx
@@ -6675,24 +6675,24 @@
   </dgm:ptLst>
   <dgm:cxnLst>
     <dgm:cxn modelId="{8747F884-7CA4-413D-AFAC-DD5CAE19DDA5}" srcId="{47AA4630-B738-4650-913F-7378CC40D312}" destId="{6CD60870-D228-4E7C-AB37-75604251742A}" srcOrd="2" destOrd="0" parTransId="{75E4D45F-C716-48A2-8E57-584BA67C4566}" sibTransId="{04BB66AA-DBE2-4BFD-A94E-A31165187E75}"/>
+    <dgm:cxn modelId="{B9FDB916-0E3A-45DF-B817-B4FF0DF0DD0F}" srcId="{47AA4630-B738-4650-913F-7378CC40D312}" destId="{96BC0EEB-57F0-4267-86F0-4EA98B40D230}" srcOrd="4" destOrd="0" parTransId="{A57BE1BC-E807-47AE-8640-A3F276768BED}" sibTransId="{062036D4-7094-47BF-9BE9-A58B2E6A4D41}"/>
     <dgm:cxn modelId="{D502F2CB-B89C-E34F-A6DF-89B1A25FEDE7}" type="presOf" srcId="{D8FC48C4-469B-40DC-950F-ABA168836D34}" destId="{3725F2C1-AA1D-49A3-9D73-9D444D08CE71}" srcOrd="0" destOrd="0" presId="urn:microsoft.com/office/officeart/2005/8/layout/process2"/>
-    <dgm:cxn modelId="{B9FDB916-0E3A-45DF-B817-B4FF0DF0DD0F}" srcId="{47AA4630-B738-4650-913F-7378CC40D312}" destId="{96BC0EEB-57F0-4267-86F0-4EA98B40D230}" srcOrd="4" destOrd="0" parTransId="{A57BE1BC-E807-47AE-8640-A3F276768BED}" sibTransId="{062036D4-7094-47BF-9BE9-A58B2E6A4D41}"/>
+    <dgm:cxn modelId="{CF6FC7B7-1ABC-5A44-B057-88C52247DFDB}" type="presOf" srcId="{6CD60870-D228-4E7C-AB37-75604251742A}" destId="{3FA6B472-D1F3-409B-BF18-F1310278CB78}" srcOrd="0" destOrd="0" presId="urn:microsoft.com/office/officeart/2005/8/layout/process2"/>
+    <dgm:cxn modelId="{0F95B477-3571-3442-BE80-0888F825957B}" srcId="{47AA4630-B738-4650-913F-7378CC40D312}" destId="{E188BD28-8BF3-DF4E-89B0-D0D9BDDAD858}" srcOrd="0" destOrd="0" parTransId="{36E39B49-FFE1-4141-AC7D-DEC0690E85F8}" sibTransId="{7764EA43-B182-BC4F-BCDA-333200F918B8}"/>
+    <dgm:cxn modelId="{FA0C0E2A-C034-524E-B609-3005A3507C7A}" type="presOf" srcId="{04BB66AA-DBE2-4BFD-A94E-A31165187E75}" destId="{E202264D-36A3-408A-9050-7FBD30D2645C}" srcOrd="0" destOrd="0" presId="urn:microsoft.com/office/officeart/2005/8/layout/process2"/>
+    <dgm:cxn modelId="{298F934D-0BC7-3B4B-8998-C29A1E2FA2F5}" type="presOf" srcId="{CB49FD0C-9B39-4860-B781-669D9FC3FB40}" destId="{BD1FA95E-C45B-4671-BBAB-95DCE436E052}" srcOrd="1" destOrd="0" presId="urn:microsoft.com/office/officeart/2005/8/layout/process2"/>
+    <dgm:cxn modelId="{29DFC02F-6195-3043-8F91-015C50C4CEAE}" type="presOf" srcId="{7764EA43-B182-BC4F-BCDA-333200F918B8}" destId="{5EB7E61C-215B-AD45-8738-514EF8F5F4E5}" srcOrd="1" destOrd="0" presId="urn:microsoft.com/office/officeart/2005/8/layout/process2"/>
+    <dgm:cxn modelId="{3F4C1D19-41C5-5C46-AB27-79D2FA146B21}" type="presOf" srcId="{E188BD28-8BF3-DF4E-89B0-D0D9BDDAD858}" destId="{8B185A30-22C7-6840-8D3E-58B36EE38549}" srcOrd="0" destOrd="0" presId="urn:microsoft.com/office/officeart/2005/8/layout/process2"/>
+    <dgm:cxn modelId="{165AE32A-34E6-4032-86AF-87A045F8F59C}" srcId="{47AA4630-B738-4650-913F-7378CC40D312}" destId="{D8FC48C4-469B-40DC-950F-ABA168836D34}" srcOrd="3" destOrd="0" parTransId="{3B29C759-9861-4F5A-9C39-84993FBBD849}" sibTransId="{CB49FD0C-9B39-4860-B781-669D9FC3FB40}"/>
+    <dgm:cxn modelId="{D086F928-FE0E-4B47-8C13-5FF4984C9F9C}" type="presOf" srcId="{EFB1699C-C280-416C-B6B3-B9CB2E52EAA1}" destId="{143F6140-E7F1-4CCF-A9B1-524762512517}" srcOrd="0" destOrd="0" presId="urn:microsoft.com/office/officeart/2005/8/layout/process2"/>
+    <dgm:cxn modelId="{FF83F153-2D58-2E4E-B3E7-2B6600349125}" type="presOf" srcId="{04BB66AA-DBE2-4BFD-A94E-A31165187E75}" destId="{E3B3E849-56D6-49C5-932E-7B5B0F9F195C}" srcOrd="1" destOrd="0" presId="urn:microsoft.com/office/officeart/2005/8/layout/process2"/>
+    <dgm:cxn modelId="{B8E8490A-B09C-734B-A716-413F24EA4012}" type="presOf" srcId="{EFB1699C-C280-416C-B6B3-B9CB2E52EAA1}" destId="{B2BEE0C4-D8B2-432A-8CB1-C2162205DCA3}" srcOrd="1" destOrd="0" presId="urn:microsoft.com/office/officeart/2005/8/layout/process2"/>
+    <dgm:cxn modelId="{F91E15A7-C24F-4D74-8B1A-D7C0021B8888}" srcId="{47AA4630-B738-4650-913F-7378CC40D312}" destId="{97DB59AD-8506-4A74-BB78-BA533F4FB10F}" srcOrd="1" destOrd="0" parTransId="{E5F038C7-DBC4-490A-AAFB-6D151F9C0538}" sibTransId="{EFB1699C-C280-416C-B6B3-B9CB2E52EAA1}"/>
+    <dgm:cxn modelId="{4F77C843-7170-FB42-AD56-04C07B5BA200}" type="presOf" srcId="{96BC0EEB-57F0-4267-86F0-4EA98B40D230}" destId="{C45FEE31-6BF1-4E83-9497-1224D8F07991}" srcOrd="0" destOrd="0" presId="urn:microsoft.com/office/officeart/2005/8/layout/process2"/>
+    <dgm:cxn modelId="{9D8E6E91-508B-E540-99ED-C0D4895B5537}" type="presOf" srcId="{CB49FD0C-9B39-4860-B781-669D9FC3FB40}" destId="{B4CC5E68-BD20-49EE-86FA-E08541A3FE12}" srcOrd="0" destOrd="0" presId="urn:microsoft.com/office/officeart/2005/8/layout/process2"/>
+    <dgm:cxn modelId="{9ED44D31-D359-7A48-807F-414B7B57652D}" type="presOf" srcId="{47AA4630-B738-4650-913F-7378CC40D312}" destId="{7A234B30-A436-41B7-96D9-05CCC2F7ADDC}" srcOrd="0" destOrd="0" presId="urn:microsoft.com/office/officeart/2005/8/layout/process2"/>
     <dgm:cxn modelId="{1B5D7B5E-5E25-644F-BB4B-F1E7896D0731}" type="presOf" srcId="{97DB59AD-8506-4A74-BB78-BA533F4FB10F}" destId="{87C32DCB-D7CA-425A-A14D-DC1B34BAA990}" srcOrd="0" destOrd="0" presId="urn:microsoft.com/office/officeart/2005/8/layout/process2"/>
-    <dgm:cxn modelId="{D086F928-FE0E-4B47-8C13-5FF4984C9F9C}" type="presOf" srcId="{EFB1699C-C280-416C-B6B3-B9CB2E52EAA1}" destId="{143F6140-E7F1-4CCF-A9B1-524762512517}" srcOrd="0" destOrd="0" presId="urn:microsoft.com/office/officeart/2005/8/layout/process2"/>
-    <dgm:cxn modelId="{B8E8490A-B09C-734B-A716-413F24EA4012}" type="presOf" srcId="{EFB1699C-C280-416C-B6B3-B9CB2E52EAA1}" destId="{B2BEE0C4-D8B2-432A-8CB1-C2162205DCA3}" srcOrd="1" destOrd="0" presId="urn:microsoft.com/office/officeart/2005/8/layout/process2"/>
-    <dgm:cxn modelId="{9D8E6E91-508B-E540-99ED-C0D4895B5537}" type="presOf" srcId="{CB49FD0C-9B39-4860-B781-669D9FC3FB40}" destId="{B4CC5E68-BD20-49EE-86FA-E08541A3FE12}" srcOrd="0" destOrd="0" presId="urn:microsoft.com/office/officeart/2005/8/layout/process2"/>
-    <dgm:cxn modelId="{29DFC02F-6195-3043-8F91-015C50C4CEAE}" type="presOf" srcId="{7764EA43-B182-BC4F-BCDA-333200F918B8}" destId="{5EB7E61C-215B-AD45-8738-514EF8F5F4E5}" srcOrd="1" destOrd="0" presId="urn:microsoft.com/office/officeart/2005/8/layout/process2"/>
-    <dgm:cxn modelId="{F91E15A7-C24F-4D74-8B1A-D7C0021B8888}" srcId="{47AA4630-B738-4650-913F-7378CC40D312}" destId="{97DB59AD-8506-4A74-BB78-BA533F4FB10F}" srcOrd="1" destOrd="0" parTransId="{E5F038C7-DBC4-490A-AAFB-6D151F9C0538}" sibTransId="{EFB1699C-C280-416C-B6B3-B9CB2E52EAA1}"/>
     <dgm:cxn modelId="{9C518300-8071-B04B-8A6B-F7BFA0AC4999}" type="presOf" srcId="{7764EA43-B182-BC4F-BCDA-333200F918B8}" destId="{66533B70-8731-2345-9B98-5A7A7F80153B}" srcOrd="0" destOrd="0" presId="urn:microsoft.com/office/officeart/2005/8/layout/process2"/>
-    <dgm:cxn modelId="{FF83F153-2D58-2E4E-B3E7-2B6600349125}" type="presOf" srcId="{04BB66AA-DBE2-4BFD-A94E-A31165187E75}" destId="{E3B3E849-56D6-49C5-932E-7B5B0F9F195C}" srcOrd="1" destOrd="0" presId="urn:microsoft.com/office/officeart/2005/8/layout/process2"/>
-    <dgm:cxn modelId="{0F95B477-3571-3442-BE80-0888F825957B}" srcId="{47AA4630-B738-4650-913F-7378CC40D312}" destId="{E188BD28-8BF3-DF4E-89B0-D0D9BDDAD858}" srcOrd="0" destOrd="0" parTransId="{36E39B49-FFE1-4141-AC7D-DEC0690E85F8}" sibTransId="{7764EA43-B182-BC4F-BCDA-333200F918B8}"/>
-    <dgm:cxn modelId="{3F4C1D19-41C5-5C46-AB27-79D2FA146B21}" type="presOf" srcId="{E188BD28-8BF3-DF4E-89B0-D0D9BDDAD858}" destId="{8B185A30-22C7-6840-8D3E-58B36EE38549}" srcOrd="0" destOrd="0" presId="urn:microsoft.com/office/officeart/2005/8/layout/process2"/>
-    <dgm:cxn modelId="{298F934D-0BC7-3B4B-8998-C29A1E2FA2F5}" type="presOf" srcId="{CB49FD0C-9B39-4860-B781-669D9FC3FB40}" destId="{BD1FA95E-C45B-4671-BBAB-95DCE436E052}" srcOrd="1" destOrd="0" presId="urn:microsoft.com/office/officeart/2005/8/layout/process2"/>
-    <dgm:cxn modelId="{4F77C843-7170-FB42-AD56-04C07B5BA200}" type="presOf" srcId="{96BC0EEB-57F0-4267-86F0-4EA98B40D230}" destId="{C45FEE31-6BF1-4E83-9497-1224D8F07991}" srcOrd="0" destOrd="0" presId="urn:microsoft.com/office/officeart/2005/8/layout/process2"/>
-    <dgm:cxn modelId="{165AE32A-34E6-4032-86AF-87A045F8F59C}" srcId="{47AA4630-B738-4650-913F-7378CC40D312}" destId="{D8FC48C4-469B-40DC-950F-ABA168836D34}" srcOrd="3" destOrd="0" parTransId="{3B29C759-9861-4F5A-9C39-84993FBBD849}" sibTransId="{CB49FD0C-9B39-4860-B781-669D9FC3FB40}"/>
-    <dgm:cxn modelId="{CF6FC7B7-1ABC-5A44-B057-88C52247DFDB}" type="presOf" srcId="{6CD60870-D228-4E7C-AB37-75604251742A}" destId="{3FA6B472-D1F3-409B-BF18-F1310278CB78}" srcOrd="0" destOrd="0" presId="urn:microsoft.com/office/officeart/2005/8/layout/process2"/>
-    <dgm:cxn modelId="{9ED44D31-D359-7A48-807F-414B7B57652D}" type="presOf" srcId="{47AA4630-B738-4650-913F-7378CC40D312}" destId="{7A234B30-A436-41B7-96D9-05CCC2F7ADDC}" srcOrd="0" destOrd="0" presId="urn:microsoft.com/office/officeart/2005/8/layout/process2"/>
-    <dgm:cxn modelId="{FA0C0E2A-C034-524E-B609-3005A3507C7A}" type="presOf" srcId="{04BB66AA-DBE2-4BFD-A94E-A31165187E75}" destId="{E202264D-36A3-408A-9050-7FBD30D2645C}" srcOrd="0" destOrd="0" presId="urn:microsoft.com/office/officeart/2005/8/layout/process2"/>
     <dgm:cxn modelId="{D10CBB14-61D0-5A4C-9A50-E26F9C5EB347}" type="presParOf" srcId="{7A234B30-A436-41B7-96D9-05CCC2F7ADDC}" destId="{8B185A30-22C7-6840-8D3E-58B36EE38549}" srcOrd="0" destOrd="0" presId="urn:microsoft.com/office/officeart/2005/8/layout/process2"/>
     <dgm:cxn modelId="{8FE40D00-E814-1443-BEB0-B3CC291F595A}" type="presParOf" srcId="{7A234B30-A436-41B7-96D9-05CCC2F7ADDC}" destId="{66533B70-8731-2345-9B98-5A7A7F80153B}" srcOrd="1" destOrd="0" presId="urn:microsoft.com/office/officeart/2005/8/layout/process2"/>
     <dgm:cxn modelId="{A24DEC56-1878-E64B-9D73-E456A25FB8B9}" type="presParOf" srcId="{66533B70-8731-2345-9B98-5A7A7F80153B}" destId="{5EB7E61C-215B-AD45-8738-514EF8F5F4E5}" srcOrd="0" destOrd="0" presId="urn:microsoft.com/office/officeart/2005/8/layout/process2"/>
@@ -7869,24 +7869,24 @@
   </dgm:ptLst>
   <dgm:cxnLst>
     <dgm:cxn modelId="{8747F884-7CA4-413D-AFAC-DD5CAE19DDA5}" srcId="{47AA4630-B738-4650-913F-7378CC40D312}" destId="{6CD60870-D228-4E7C-AB37-75604251742A}" srcOrd="2" destOrd="0" parTransId="{75E4D45F-C716-48A2-8E57-584BA67C4566}" sibTransId="{04BB66AA-DBE2-4BFD-A94E-A31165187E75}"/>
+    <dgm:cxn modelId="{B9FDB916-0E3A-45DF-B817-B4FF0DF0DD0F}" srcId="{47AA4630-B738-4650-913F-7378CC40D312}" destId="{96BC0EEB-57F0-4267-86F0-4EA98B40D230}" srcOrd="4" destOrd="0" parTransId="{A57BE1BC-E807-47AE-8640-A3F276768BED}" sibTransId="{062036D4-7094-47BF-9BE9-A58B2E6A4D41}"/>
+    <dgm:cxn modelId="{F4F8E3FF-6FD5-6745-A94E-2A3A6F209DFF}" type="presOf" srcId="{CB49FD0C-9B39-4860-B781-669D9FC3FB40}" destId="{BD1FA95E-C45B-4671-BBAB-95DCE436E052}" srcOrd="1" destOrd="0" presId="urn:microsoft.com/office/officeart/2005/8/layout/process2"/>
+    <dgm:cxn modelId="{0E210A85-09CF-AA45-A9A9-05D250FD2536}" type="presOf" srcId="{E188BD28-8BF3-DF4E-89B0-D0D9BDDAD858}" destId="{8B185A30-22C7-6840-8D3E-58B36EE38549}" srcOrd="0" destOrd="0" presId="urn:microsoft.com/office/officeart/2005/8/layout/process2"/>
+    <dgm:cxn modelId="{F91E15A7-C24F-4D74-8B1A-D7C0021B8888}" srcId="{47AA4630-B738-4650-913F-7378CC40D312}" destId="{97DB59AD-8506-4A74-BB78-BA533F4FB10F}" srcOrd="1" destOrd="0" parTransId="{E5F038C7-DBC4-490A-AAFB-6D151F9C0538}" sibTransId="{EFB1699C-C280-416C-B6B3-B9CB2E52EAA1}"/>
+    <dgm:cxn modelId="{53D6E192-6B91-4748-A7C9-998CF3DA9B64}" type="presOf" srcId="{CB49FD0C-9B39-4860-B781-669D9FC3FB40}" destId="{B4CC5E68-BD20-49EE-86FA-E08541A3FE12}" srcOrd="0" destOrd="0" presId="urn:microsoft.com/office/officeart/2005/8/layout/process2"/>
+    <dgm:cxn modelId="{E40B25C4-5FF1-D246-9715-8E798430839E}" type="presOf" srcId="{7764EA43-B182-BC4F-BCDA-333200F918B8}" destId="{66533B70-8731-2345-9B98-5A7A7F80153B}" srcOrd="0" destOrd="0" presId="urn:microsoft.com/office/officeart/2005/8/layout/process2"/>
+    <dgm:cxn modelId="{0F95B477-3571-3442-BE80-0888F825957B}" srcId="{47AA4630-B738-4650-913F-7378CC40D312}" destId="{E188BD28-8BF3-DF4E-89B0-D0D9BDDAD858}" srcOrd="0" destOrd="0" parTransId="{36E39B49-FFE1-4141-AC7D-DEC0690E85F8}" sibTransId="{7764EA43-B182-BC4F-BCDA-333200F918B8}"/>
+    <dgm:cxn modelId="{2D0ABAC6-DA91-8D46-B554-E9457DCF3A92}" type="presOf" srcId="{47AA4630-B738-4650-913F-7378CC40D312}" destId="{7A234B30-A436-41B7-96D9-05CCC2F7ADDC}" srcOrd="0" destOrd="0" presId="urn:microsoft.com/office/officeart/2005/8/layout/process2"/>
+    <dgm:cxn modelId="{3E1261D4-078C-EE4B-AFC6-897F3D5D71BD}" type="presOf" srcId="{EFB1699C-C280-416C-B6B3-B9CB2E52EAA1}" destId="{B2BEE0C4-D8B2-432A-8CB1-C2162205DCA3}" srcOrd="1" destOrd="0" presId="urn:microsoft.com/office/officeart/2005/8/layout/process2"/>
+    <dgm:cxn modelId="{EB39C2AD-FD57-5049-B098-258DD88E7496}" type="presOf" srcId="{04BB66AA-DBE2-4BFD-A94E-A31165187E75}" destId="{E202264D-36A3-408A-9050-7FBD30D2645C}" srcOrd="0" destOrd="0" presId="urn:microsoft.com/office/officeart/2005/8/layout/process2"/>
+    <dgm:cxn modelId="{165AE32A-34E6-4032-86AF-87A045F8F59C}" srcId="{47AA4630-B738-4650-913F-7378CC40D312}" destId="{D8FC48C4-469B-40DC-950F-ABA168836D34}" srcOrd="3" destOrd="0" parTransId="{3B29C759-9861-4F5A-9C39-84993FBBD849}" sibTransId="{CB49FD0C-9B39-4860-B781-669D9FC3FB40}"/>
+    <dgm:cxn modelId="{9DF0477C-A764-8B4F-B772-DEA08EF5B2B1}" type="presOf" srcId="{D8FC48C4-469B-40DC-950F-ABA168836D34}" destId="{3725F2C1-AA1D-49A3-9D73-9D444D08CE71}" srcOrd="0" destOrd="0" presId="urn:microsoft.com/office/officeart/2005/8/layout/process2"/>
+    <dgm:cxn modelId="{33D39394-D06E-3C45-A948-C1FD1F42BE5D}" type="presOf" srcId="{6CD60870-D228-4E7C-AB37-75604251742A}" destId="{3FA6B472-D1F3-409B-BF18-F1310278CB78}" srcOrd="0" destOrd="0" presId="urn:microsoft.com/office/officeart/2005/8/layout/process2"/>
+    <dgm:cxn modelId="{D365E894-A5EB-1247-B4AA-97AE89C3B6F1}" type="presOf" srcId="{EFB1699C-C280-416C-B6B3-B9CB2E52EAA1}" destId="{143F6140-E7F1-4CCF-A9B1-524762512517}" srcOrd="0" destOrd="0" presId="urn:microsoft.com/office/officeart/2005/8/layout/process2"/>
+    <dgm:cxn modelId="{6689F0B5-F6D2-6146-A3CC-16A7F09ECD95}" type="presOf" srcId="{97DB59AD-8506-4A74-BB78-BA533F4FB10F}" destId="{87C32DCB-D7CA-425A-A14D-DC1B34BAA990}" srcOrd="0" destOrd="0" presId="urn:microsoft.com/office/officeart/2005/8/layout/process2"/>
+    <dgm:cxn modelId="{26575D07-F418-0F47-847E-EB1CD13E562B}" type="presOf" srcId="{96BC0EEB-57F0-4267-86F0-4EA98B40D230}" destId="{C45FEE31-6BF1-4E83-9497-1224D8F07991}" srcOrd="0" destOrd="0" presId="urn:microsoft.com/office/officeart/2005/8/layout/process2"/>
     <dgm:cxn modelId="{9DCAD1AE-AE8F-C542-993A-46832AD7E3F7}" type="presOf" srcId="{04BB66AA-DBE2-4BFD-A94E-A31165187E75}" destId="{E3B3E849-56D6-49C5-932E-7B5B0F9F195C}" srcOrd="1" destOrd="0" presId="urn:microsoft.com/office/officeart/2005/8/layout/process2"/>
-    <dgm:cxn modelId="{B9FDB916-0E3A-45DF-B817-B4FF0DF0DD0F}" srcId="{47AA4630-B738-4650-913F-7378CC40D312}" destId="{96BC0EEB-57F0-4267-86F0-4EA98B40D230}" srcOrd="4" destOrd="0" parTransId="{A57BE1BC-E807-47AE-8640-A3F276768BED}" sibTransId="{062036D4-7094-47BF-9BE9-A58B2E6A4D41}"/>
-    <dgm:cxn modelId="{6689F0B5-F6D2-6146-A3CC-16A7F09ECD95}" type="presOf" srcId="{97DB59AD-8506-4A74-BB78-BA533F4FB10F}" destId="{87C32DCB-D7CA-425A-A14D-DC1B34BAA990}" srcOrd="0" destOrd="0" presId="urn:microsoft.com/office/officeart/2005/8/layout/process2"/>
-    <dgm:cxn modelId="{EB39C2AD-FD57-5049-B098-258DD88E7496}" type="presOf" srcId="{04BB66AA-DBE2-4BFD-A94E-A31165187E75}" destId="{E202264D-36A3-408A-9050-7FBD30D2645C}" srcOrd="0" destOrd="0" presId="urn:microsoft.com/office/officeart/2005/8/layout/process2"/>
-    <dgm:cxn modelId="{0F95B477-3571-3442-BE80-0888F825957B}" srcId="{47AA4630-B738-4650-913F-7378CC40D312}" destId="{E188BD28-8BF3-DF4E-89B0-D0D9BDDAD858}" srcOrd="0" destOrd="0" parTransId="{36E39B49-FFE1-4141-AC7D-DEC0690E85F8}" sibTransId="{7764EA43-B182-BC4F-BCDA-333200F918B8}"/>
-    <dgm:cxn modelId="{F4F8E3FF-6FD5-6745-A94E-2A3A6F209DFF}" type="presOf" srcId="{CB49FD0C-9B39-4860-B781-669D9FC3FB40}" destId="{BD1FA95E-C45B-4671-BBAB-95DCE436E052}" srcOrd="1" destOrd="0" presId="urn:microsoft.com/office/officeart/2005/8/layout/process2"/>
-    <dgm:cxn modelId="{E40B25C4-5FF1-D246-9715-8E798430839E}" type="presOf" srcId="{7764EA43-B182-BC4F-BCDA-333200F918B8}" destId="{66533B70-8731-2345-9B98-5A7A7F80153B}" srcOrd="0" destOrd="0" presId="urn:microsoft.com/office/officeart/2005/8/layout/process2"/>
-    <dgm:cxn modelId="{165AE32A-34E6-4032-86AF-87A045F8F59C}" srcId="{47AA4630-B738-4650-913F-7378CC40D312}" destId="{D8FC48C4-469B-40DC-950F-ABA168836D34}" srcOrd="3" destOrd="0" parTransId="{3B29C759-9861-4F5A-9C39-84993FBBD849}" sibTransId="{CB49FD0C-9B39-4860-B781-669D9FC3FB40}"/>
     <dgm:cxn modelId="{258E6188-D24E-5243-86FE-FF33A3DEEA39}" type="presOf" srcId="{7764EA43-B182-BC4F-BCDA-333200F918B8}" destId="{5EB7E61C-215B-AD45-8738-514EF8F5F4E5}" srcOrd="1" destOrd="0" presId="urn:microsoft.com/office/officeart/2005/8/layout/process2"/>
-    <dgm:cxn modelId="{3E1261D4-078C-EE4B-AFC6-897F3D5D71BD}" type="presOf" srcId="{EFB1699C-C280-416C-B6B3-B9CB2E52EAA1}" destId="{B2BEE0C4-D8B2-432A-8CB1-C2162205DCA3}" srcOrd="1" destOrd="0" presId="urn:microsoft.com/office/officeart/2005/8/layout/process2"/>
-    <dgm:cxn modelId="{2D0ABAC6-DA91-8D46-B554-E9457DCF3A92}" type="presOf" srcId="{47AA4630-B738-4650-913F-7378CC40D312}" destId="{7A234B30-A436-41B7-96D9-05CCC2F7ADDC}" srcOrd="0" destOrd="0" presId="urn:microsoft.com/office/officeart/2005/8/layout/process2"/>
-    <dgm:cxn modelId="{D365E894-A5EB-1247-B4AA-97AE89C3B6F1}" type="presOf" srcId="{EFB1699C-C280-416C-B6B3-B9CB2E52EAA1}" destId="{143F6140-E7F1-4CCF-A9B1-524762512517}" srcOrd="0" destOrd="0" presId="urn:microsoft.com/office/officeart/2005/8/layout/process2"/>
-    <dgm:cxn modelId="{F91E15A7-C24F-4D74-8B1A-D7C0021B8888}" srcId="{47AA4630-B738-4650-913F-7378CC40D312}" destId="{97DB59AD-8506-4A74-BB78-BA533F4FB10F}" srcOrd="1" destOrd="0" parTransId="{E5F038C7-DBC4-490A-AAFB-6D151F9C0538}" sibTransId="{EFB1699C-C280-416C-B6B3-B9CB2E52EAA1}"/>
-    <dgm:cxn modelId="{9DF0477C-A764-8B4F-B772-DEA08EF5B2B1}" type="presOf" srcId="{D8FC48C4-469B-40DC-950F-ABA168836D34}" destId="{3725F2C1-AA1D-49A3-9D73-9D444D08CE71}" srcOrd="0" destOrd="0" presId="urn:microsoft.com/office/officeart/2005/8/layout/process2"/>
-    <dgm:cxn modelId="{26575D07-F418-0F47-847E-EB1CD13E562B}" type="presOf" srcId="{96BC0EEB-57F0-4267-86F0-4EA98B40D230}" destId="{C45FEE31-6BF1-4E83-9497-1224D8F07991}" srcOrd="0" destOrd="0" presId="urn:microsoft.com/office/officeart/2005/8/layout/process2"/>
-    <dgm:cxn modelId="{0E210A85-09CF-AA45-A9A9-05D250FD2536}" type="presOf" srcId="{E188BD28-8BF3-DF4E-89B0-D0D9BDDAD858}" destId="{8B185A30-22C7-6840-8D3E-58B36EE38549}" srcOrd="0" destOrd="0" presId="urn:microsoft.com/office/officeart/2005/8/layout/process2"/>
-    <dgm:cxn modelId="{33D39394-D06E-3C45-A948-C1FD1F42BE5D}" type="presOf" srcId="{6CD60870-D228-4E7C-AB37-75604251742A}" destId="{3FA6B472-D1F3-409B-BF18-F1310278CB78}" srcOrd="0" destOrd="0" presId="urn:microsoft.com/office/officeart/2005/8/layout/process2"/>
-    <dgm:cxn modelId="{53D6E192-6B91-4748-A7C9-998CF3DA9B64}" type="presOf" srcId="{CB49FD0C-9B39-4860-B781-669D9FC3FB40}" destId="{B4CC5E68-BD20-49EE-86FA-E08541A3FE12}" srcOrd="0" destOrd="0" presId="urn:microsoft.com/office/officeart/2005/8/layout/process2"/>
     <dgm:cxn modelId="{15EAEB83-C41B-5C48-9F6E-3898263890BB}" type="presParOf" srcId="{7A234B30-A436-41B7-96D9-05CCC2F7ADDC}" destId="{8B185A30-22C7-6840-8D3E-58B36EE38549}" srcOrd="0" destOrd="0" presId="urn:microsoft.com/office/officeart/2005/8/layout/process2"/>
     <dgm:cxn modelId="{D84D3A96-F045-B440-B21D-D8AE917A4A87}" type="presParOf" srcId="{7A234B30-A436-41B7-96D9-05CCC2F7ADDC}" destId="{66533B70-8731-2345-9B98-5A7A7F80153B}" srcOrd="1" destOrd="0" presId="urn:microsoft.com/office/officeart/2005/8/layout/process2"/>
     <dgm:cxn modelId="{7AFF4E44-A8A0-B346-A202-3F879C6FDA04}" type="presParOf" srcId="{66533B70-8731-2345-9B98-5A7A7F80153B}" destId="{5EB7E61C-215B-AD45-8738-514EF8F5F4E5}" srcOrd="0" destOrd="0" presId="urn:microsoft.com/office/officeart/2005/8/layout/process2"/>
@@ -29957,12 +29957,6 @@
               </a:rPr>
               <a:t>the tests:</a:t>
             </a:r>
-            <a:r>
-              <a:rPr lang="en-US">
-                <a:cs typeface="Courier New"/>
-              </a:rPr>
-              <a:t/>
-            </a:r>
             <a:br>
               <a:rPr lang="en-US">
                 <a:cs typeface="Courier New"/>
@@ -30356,7 +30350,7 @@
                 <a:latin typeface="Courier New"/>
                 <a:cs typeface="Courier New"/>
               </a:rPr>
-              <a:t>test_module</a:t>
+              <a:t>test.module</a:t>
             </a:r>
             <a:endParaRPr lang="en-US" dirty="0">
               <a:latin typeface="Courier New"/>
@@ -41479,80 +41473,9 @@
   <p:timing>
     <p:tnLst>
       <p:par>
-        <p:cTn xmlns:p14="http://schemas.microsoft.com/office/powerpoint/2010/main" id="1" dur="indefinite" restart="never" nodeType="tmRoot">
-          <p:childTnLst>
-            <p:seq concurrent="1" nextAc="seek">
-              <p:cTn id="2" dur="indefinite" nodeType="mainSeq">
-                <p:childTnLst>
-                  <p:par>
-                    <p:cTn id="3" fill="hold">
-                      <p:stCondLst>
-                        <p:cond delay="indefinite"/>
-                      </p:stCondLst>
-                      <p:childTnLst>
-                        <p:par>
-                          <p:cTn id="4" fill="hold">
-                            <p:stCondLst>
-                              <p:cond delay="0"/>
-                            </p:stCondLst>
-                            <p:childTnLst>
-                              <p:par>
-                                <p:cTn id="5" presetID="1" presetClass="entr" presetSubtype="0" fill="hold" grpId="0" nodeType="clickEffect">
-                                  <p:stCondLst>
-                                    <p:cond delay="0"/>
-                                  </p:stCondLst>
-                                  <p:childTnLst>
-                                    <p:set>
-                                      <p:cBhvr>
-                                        <p:cTn id="6" dur="1" fill="hold">
-                                          <p:stCondLst>
-                                            <p:cond delay="0"/>
-                                          </p:stCondLst>
-                                        </p:cTn>
-                                        <p:tgtEl>
-                                          <p:spTgt spid="10"/>
-                                        </p:tgtEl>
-                                        <p:attrNameLst>
-                                          <p:attrName>style.visibility</p:attrName>
-                                        </p:attrNameLst>
-                                      </p:cBhvr>
-                                      <p:to>
-                                        <p:strVal val="visible"/>
-                                      </p:to>
-                                    </p:set>
-                                  </p:childTnLst>
-                                </p:cTn>
-                              </p:par>
-                            </p:childTnLst>
-                          </p:cTn>
-                        </p:par>
-                      </p:childTnLst>
-                    </p:cTn>
-                  </p:par>
-                </p:childTnLst>
-              </p:cTn>
-              <p:prevCondLst>
-                <p:cond evt="onPrev" delay="0">
-                  <p:tgtEl>
-                    <p:sldTgt/>
-                  </p:tgtEl>
-                </p:cond>
-              </p:prevCondLst>
-              <p:nextCondLst>
-                <p:cond evt="onNext" delay="0">
-                  <p:tgtEl>
-                    <p:sldTgt/>
-                  </p:tgtEl>
-                </p:cond>
-              </p:nextCondLst>
-            </p:seq>
-          </p:childTnLst>
-        </p:cTn>
+        <p:cTn xmlns:p14="http://schemas.microsoft.com/office/powerpoint/2010/main" id="1" dur="indefinite" restart="never" nodeType="tmRoot"/>
       </p:par>
     </p:tnLst>
-    <p:bldLst>
-      <p:bldP spid="10" grpId="0"/>
-    </p:bldLst>
   </p:timing>
 </p:sld>
 </file>
@@ -43853,7 +43776,6 @@
               <a:rPr lang="en-US"/>
               <a:t>Create PR</a:t>
             </a:r>
-            <a:endParaRPr lang="en-US"/>
           </a:p>
           <a:p>
             <a:pPr marL="274320" lvl="1" indent="0">
@@ -50657,14 +50579,7 @@
                 <a:latin typeface="Courier New" pitchFamily="49" charset="0"/>
                 <a:cs typeface="Courier New" pitchFamily="49" charset="0"/>
               </a:rPr>
-              <a:t>calls</a:t>
-            </a:r>
-            <a:r>
-              <a:rPr lang="en-GB" sz="2000" dirty="0">
-                <a:latin typeface="Courier New" pitchFamily="49" charset="0"/>
-                <a:cs typeface="Courier New" pitchFamily="49" charset="0"/>
-              </a:rPr>
-              <a:t>   : </a:t>
+              <a:t>calls   : </a:t>
             </a:r>
             <a:r>
               <a:rPr lang="en-GB" sz="2000" dirty="0">
@@ -50673,10 +50588,6 @@
               </a:rPr>
               <a:t>number of calls</a:t>
             </a:r>
-            <a:endParaRPr lang="en-GB" sz="2000" dirty="0">
-              <a:latin typeface="+mn-lt"/>
-              <a:cs typeface="Courier New" pitchFamily="49" charset="0"/>
-            </a:endParaRPr>
           </a:p>
         </p:txBody>
       </p:sp>

--- a/testing-debugging-profiling.pptx
+++ b/testing-debugging-profiling.pptx
@@ -6673,24 +6673,24 @@
   </dgm:ptLst>
   <dgm:cxnLst>
     <dgm:cxn modelId="{8747F884-7CA4-413D-AFAC-DD5CAE19DDA5}" srcId="{47AA4630-B738-4650-913F-7378CC40D312}" destId="{6CD60870-D228-4E7C-AB37-75604251742A}" srcOrd="2" destOrd="0" parTransId="{75E4D45F-C716-48A2-8E57-584BA67C4566}" sibTransId="{04BB66AA-DBE2-4BFD-A94E-A31165187E75}"/>
+    <dgm:cxn modelId="{B9FDB916-0E3A-45DF-B817-B4FF0DF0DD0F}" srcId="{47AA4630-B738-4650-913F-7378CC40D312}" destId="{96BC0EEB-57F0-4267-86F0-4EA98B40D230}" srcOrd="4" destOrd="0" parTransId="{A57BE1BC-E807-47AE-8640-A3F276768BED}" sibTransId="{062036D4-7094-47BF-9BE9-A58B2E6A4D41}"/>
     <dgm:cxn modelId="{D502F2CB-B89C-E34F-A6DF-89B1A25FEDE7}" type="presOf" srcId="{D8FC48C4-469B-40DC-950F-ABA168836D34}" destId="{3725F2C1-AA1D-49A3-9D73-9D444D08CE71}" srcOrd="0" destOrd="0" presId="urn:microsoft.com/office/officeart/2005/8/layout/process2"/>
-    <dgm:cxn modelId="{B9FDB916-0E3A-45DF-B817-B4FF0DF0DD0F}" srcId="{47AA4630-B738-4650-913F-7378CC40D312}" destId="{96BC0EEB-57F0-4267-86F0-4EA98B40D230}" srcOrd="4" destOrd="0" parTransId="{A57BE1BC-E807-47AE-8640-A3F276768BED}" sibTransId="{062036D4-7094-47BF-9BE9-A58B2E6A4D41}"/>
+    <dgm:cxn modelId="{CF6FC7B7-1ABC-5A44-B057-88C52247DFDB}" type="presOf" srcId="{6CD60870-D228-4E7C-AB37-75604251742A}" destId="{3FA6B472-D1F3-409B-BF18-F1310278CB78}" srcOrd="0" destOrd="0" presId="urn:microsoft.com/office/officeart/2005/8/layout/process2"/>
+    <dgm:cxn modelId="{0F95B477-3571-3442-BE80-0888F825957B}" srcId="{47AA4630-B738-4650-913F-7378CC40D312}" destId="{E188BD28-8BF3-DF4E-89B0-D0D9BDDAD858}" srcOrd="0" destOrd="0" parTransId="{36E39B49-FFE1-4141-AC7D-DEC0690E85F8}" sibTransId="{7764EA43-B182-BC4F-BCDA-333200F918B8}"/>
+    <dgm:cxn modelId="{FA0C0E2A-C034-524E-B609-3005A3507C7A}" type="presOf" srcId="{04BB66AA-DBE2-4BFD-A94E-A31165187E75}" destId="{E202264D-36A3-408A-9050-7FBD30D2645C}" srcOrd="0" destOrd="0" presId="urn:microsoft.com/office/officeart/2005/8/layout/process2"/>
+    <dgm:cxn modelId="{298F934D-0BC7-3B4B-8998-C29A1E2FA2F5}" type="presOf" srcId="{CB49FD0C-9B39-4860-B781-669D9FC3FB40}" destId="{BD1FA95E-C45B-4671-BBAB-95DCE436E052}" srcOrd="1" destOrd="0" presId="urn:microsoft.com/office/officeart/2005/8/layout/process2"/>
+    <dgm:cxn modelId="{29DFC02F-6195-3043-8F91-015C50C4CEAE}" type="presOf" srcId="{7764EA43-B182-BC4F-BCDA-333200F918B8}" destId="{5EB7E61C-215B-AD45-8738-514EF8F5F4E5}" srcOrd="1" destOrd="0" presId="urn:microsoft.com/office/officeart/2005/8/layout/process2"/>
+    <dgm:cxn modelId="{3F4C1D19-41C5-5C46-AB27-79D2FA146B21}" type="presOf" srcId="{E188BD28-8BF3-DF4E-89B0-D0D9BDDAD858}" destId="{8B185A30-22C7-6840-8D3E-58B36EE38549}" srcOrd="0" destOrd="0" presId="urn:microsoft.com/office/officeart/2005/8/layout/process2"/>
+    <dgm:cxn modelId="{165AE32A-34E6-4032-86AF-87A045F8F59C}" srcId="{47AA4630-B738-4650-913F-7378CC40D312}" destId="{D8FC48C4-469B-40DC-950F-ABA168836D34}" srcOrd="3" destOrd="0" parTransId="{3B29C759-9861-4F5A-9C39-84993FBBD849}" sibTransId="{CB49FD0C-9B39-4860-B781-669D9FC3FB40}"/>
+    <dgm:cxn modelId="{D086F928-FE0E-4B47-8C13-5FF4984C9F9C}" type="presOf" srcId="{EFB1699C-C280-416C-B6B3-B9CB2E52EAA1}" destId="{143F6140-E7F1-4CCF-A9B1-524762512517}" srcOrd="0" destOrd="0" presId="urn:microsoft.com/office/officeart/2005/8/layout/process2"/>
+    <dgm:cxn modelId="{FF83F153-2D58-2E4E-B3E7-2B6600349125}" type="presOf" srcId="{04BB66AA-DBE2-4BFD-A94E-A31165187E75}" destId="{E3B3E849-56D6-49C5-932E-7B5B0F9F195C}" srcOrd="1" destOrd="0" presId="urn:microsoft.com/office/officeart/2005/8/layout/process2"/>
+    <dgm:cxn modelId="{B8E8490A-B09C-734B-A716-413F24EA4012}" type="presOf" srcId="{EFB1699C-C280-416C-B6B3-B9CB2E52EAA1}" destId="{B2BEE0C4-D8B2-432A-8CB1-C2162205DCA3}" srcOrd="1" destOrd="0" presId="urn:microsoft.com/office/officeart/2005/8/layout/process2"/>
+    <dgm:cxn modelId="{F91E15A7-C24F-4D74-8B1A-D7C0021B8888}" srcId="{47AA4630-B738-4650-913F-7378CC40D312}" destId="{97DB59AD-8506-4A74-BB78-BA533F4FB10F}" srcOrd="1" destOrd="0" parTransId="{E5F038C7-DBC4-490A-AAFB-6D151F9C0538}" sibTransId="{EFB1699C-C280-416C-B6B3-B9CB2E52EAA1}"/>
+    <dgm:cxn modelId="{4F77C843-7170-FB42-AD56-04C07B5BA200}" type="presOf" srcId="{96BC0EEB-57F0-4267-86F0-4EA98B40D230}" destId="{C45FEE31-6BF1-4E83-9497-1224D8F07991}" srcOrd="0" destOrd="0" presId="urn:microsoft.com/office/officeart/2005/8/layout/process2"/>
+    <dgm:cxn modelId="{9D8E6E91-508B-E540-99ED-C0D4895B5537}" type="presOf" srcId="{CB49FD0C-9B39-4860-B781-669D9FC3FB40}" destId="{B4CC5E68-BD20-49EE-86FA-E08541A3FE12}" srcOrd="0" destOrd="0" presId="urn:microsoft.com/office/officeart/2005/8/layout/process2"/>
+    <dgm:cxn modelId="{9ED44D31-D359-7A48-807F-414B7B57652D}" type="presOf" srcId="{47AA4630-B738-4650-913F-7378CC40D312}" destId="{7A234B30-A436-41B7-96D9-05CCC2F7ADDC}" srcOrd="0" destOrd="0" presId="urn:microsoft.com/office/officeart/2005/8/layout/process2"/>
     <dgm:cxn modelId="{1B5D7B5E-5E25-644F-BB4B-F1E7896D0731}" type="presOf" srcId="{97DB59AD-8506-4A74-BB78-BA533F4FB10F}" destId="{87C32DCB-D7CA-425A-A14D-DC1B34BAA990}" srcOrd="0" destOrd="0" presId="urn:microsoft.com/office/officeart/2005/8/layout/process2"/>
-    <dgm:cxn modelId="{D086F928-FE0E-4B47-8C13-5FF4984C9F9C}" type="presOf" srcId="{EFB1699C-C280-416C-B6B3-B9CB2E52EAA1}" destId="{143F6140-E7F1-4CCF-A9B1-524762512517}" srcOrd="0" destOrd="0" presId="urn:microsoft.com/office/officeart/2005/8/layout/process2"/>
-    <dgm:cxn modelId="{B8E8490A-B09C-734B-A716-413F24EA4012}" type="presOf" srcId="{EFB1699C-C280-416C-B6B3-B9CB2E52EAA1}" destId="{B2BEE0C4-D8B2-432A-8CB1-C2162205DCA3}" srcOrd="1" destOrd="0" presId="urn:microsoft.com/office/officeart/2005/8/layout/process2"/>
-    <dgm:cxn modelId="{9D8E6E91-508B-E540-99ED-C0D4895B5537}" type="presOf" srcId="{CB49FD0C-9B39-4860-B781-669D9FC3FB40}" destId="{B4CC5E68-BD20-49EE-86FA-E08541A3FE12}" srcOrd="0" destOrd="0" presId="urn:microsoft.com/office/officeart/2005/8/layout/process2"/>
-    <dgm:cxn modelId="{29DFC02F-6195-3043-8F91-015C50C4CEAE}" type="presOf" srcId="{7764EA43-B182-BC4F-BCDA-333200F918B8}" destId="{5EB7E61C-215B-AD45-8738-514EF8F5F4E5}" srcOrd="1" destOrd="0" presId="urn:microsoft.com/office/officeart/2005/8/layout/process2"/>
-    <dgm:cxn modelId="{F91E15A7-C24F-4D74-8B1A-D7C0021B8888}" srcId="{47AA4630-B738-4650-913F-7378CC40D312}" destId="{97DB59AD-8506-4A74-BB78-BA533F4FB10F}" srcOrd="1" destOrd="0" parTransId="{E5F038C7-DBC4-490A-AAFB-6D151F9C0538}" sibTransId="{EFB1699C-C280-416C-B6B3-B9CB2E52EAA1}"/>
     <dgm:cxn modelId="{9C518300-8071-B04B-8A6B-F7BFA0AC4999}" type="presOf" srcId="{7764EA43-B182-BC4F-BCDA-333200F918B8}" destId="{66533B70-8731-2345-9B98-5A7A7F80153B}" srcOrd="0" destOrd="0" presId="urn:microsoft.com/office/officeart/2005/8/layout/process2"/>
-    <dgm:cxn modelId="{FF83F153-2D58-2E4E-B3E7-2B6600349125}" type="presOf" srcId="{04BB66AA-DBE2-4BFD-A94E-A31165187E75}" destId="{E3B3E849-56D6-49C5-932E-7B5B0F9F195C}" srcOrd="1" destOrd="0" presId="urn:microsoft.com/office/officeart/2005/8/layout/process2"/>
-    <dgm:cxn modelId="{0F95B477-3571-3442-BE80-0888F825957B}" srcId="{47AA4630-B738-4650-913F-7378CC40D312}" destId="{E188BD28-8BF3-DF4E-89B0-D0D9BDDAD858}" srcOrd="0" destOrd="0" parTransId="{36E39B49-FFE1-4141-AC7D-DEC0690E85F8}" sibTransId="{7764EA43-B182-BC4F-BCDA-333200F918B8}"/>
-    <dgm:cxn modelId="{3F4C1D19-41C5-5C46-AB27-79D2FA146B21}" type="presOf" srcId="{E188BD28-8BF3-DF4E-89B0-D0D9BDDAD858}" destId="{8B185A30-22C7-6840-8D3E-58B36EE38549}" srcOrd="0" destOrd="0" presId="urn:microsoft.com/office/officeart/2005/8/layout/process2"/>
-    <dgm:cxn modelId="{298F934D-0BC7-3B4B-8998-C29A1E2FA2F5}" type="presOf" srcId="{CB49FD0C-9B39-4860-B781-669D9FC3FB40}" destId="{BD1FA95E-C45B-4671-BBAB-95DCE436E052}" srcOrd="1" destOrd="0" presId="urn:microsoft.com/office/officeart/2005/8/layout/process2"/>
-    <dgm:cxn modelId="{4F77C843-7170-FB42-AD56-04C07B5BA200}" type="presOf" srcId="{96BC0EEB-57F0-4267-86F0-4EA98B40D230}" destId="{C45FEE31-6BF1-4E83-9497-1224D8F07991}" srcOrd="0" destOrd="0" presId="urn:microsoft.com/office/officeart/2005/8/layout/process2"/>
-    <dgm:cxn modelId="{165AE32A-34E6-4032-86AF-87A045F8F59C}" srcId="{47AA4630-B738-4650-913F-7378CC40D312}" destId="{D8FC48C4-469B-40DC-950F-ABA168836D34}" srcOrd="3" destOrd="0" parTransId="{3B29C759-9861-4F5A-9C39-84993FBBD849}" sibTransId="{CB49FD0C-9B39-4860-B781-669D9FC3FB40}"/>
-    <dgm:cxn modelId="{CF6FC7B7-1ABC-5A44-B057-88C52247DFDB}" type="presOf" srcId="{6CD60870-D228-4E7C-AB37-75604251742A}" destId="{3FA6B472-D1F3-409B-BF18-F1310278CB78}" srcOrd="0" destOrd="0" presId="urn:microsoft.com/office/officeart/2005/8/layout/process2"/>
-    <dgm:cxn modelId="{9ED44D31-D359-7A48-807F-414B7B57652D}" type="presOf" srcId="{47AA4630-B738-4650-913F-7378CC40D312}" destId="{7A234B30-A436-41B7-96D9-05CCC2F7ADDC}" srcOrd="0" destOrd="0" presId="urn:microsoft.com/office/officeart/2005/8/layout/process2"/>
-    <dgm:cxn modelId="{FA0C0E2A-C034-524E-B609-3005A3507C7A}" type="presOf" srcId="{04BB66AA-DBE2-4BFD-A94E-A31165187E75}" destId="{E202264D-36A3-408A-9050-7FBD30D2645C}" srcOrd="0" destOrd="0" presId="urn:microsoft.com/office/officeart/2005/8/layout/process2"/>
     <dgm:cxn modelId="{D10CBB14-61D0-5A4C-9A50-E26F9C5EB347}" type="presParOf" srcId="{7A234B30-A436-41B7-96D9-05CCC2F7ADDC}" destId="{8B185A30-22C7-6840-8D3E-58B36EE38549}" srcOrd="0" destOrd="0" presId="urn:microsoft.com/office/officeart/2005/8/layout/process2"/>
     <dgm:cxn modelId="{8FE40D00-E814-1443-BEB0-B3CC291F595A}" type="presParOf" srcId="{7A234B30-A436-41B7-96D9-05CCC2F7ADDC}" destId="{66533B70-8731-2345-9B98-5A7A7F80153B}" srcOrd="1" destOrd="0" presId="urn:microsoft.com/office/officeart/2005/8/layout/process2"/>
     <dgm:cxn modelId="{A24DEC56-1878-E64B-9D73-E456A25FB8B9}" type="presParOf" srcId="{66533B70-8731-2345-9B98-5A7A7F80153B}" destId="{5EB7E61C-215B-AD45-8738-514EF8F5F4E5}" srcOrd="0" destOrd="0" presId="urn:microsoft.com/office/officeart/2005/8/layout/process2"/>
@@ -7867,24 +7867,24 @@
   </dgm:ptLst>
   <dgm:cxnLst>
     <dgm:cxn modelId="{8747F884-7CA4-413D-AFAC-DD5CAE19DDA5}" srcId="{47AA4630-B738-4650-913F-7378CC40D312}" destId="{6CD60870-D228-4E7C-AB37-75604251742A}" srcOrd="2" destOrd="0" parTransId="{75E4D45F-C716-48A2-8E57-584BA67C4566}" sibTransId="{04BB66AA-DBE2-4BFD-A94E-A31165187E75}"/>
+    <dgm:cxn modelId="{B9FDB916-0E3A-45DF-B817-B4FF0DF0DD0F}" srcId="{47AA4630-B738-4650-913F-7378CC40D312}" destId="{96BC0EEB-57F0-4267-86F0-4EA98B40D230}" srcOrd="4" destOrd="0" parTransId="{A57BE1BC-E807-47AE-8640-A3F276768BED}" sibTransId="{062036D4-7094-47BF-9BE9-A58B2E6A4D41}"/>
+    <dgm:cxn modelId="{F4F8E3FF-6FD5-6745-A94E-2A3A6F209DFF}" type="presOf" srcId="{CB49FD0C-9B39-4860-B781-669D9FC3FB40}" destId="{BD1FA95E-C45B-4671-BBAB-95DCE436E052}" srcOrd="1" destOrd="0" presId="urn:microsoft.com/office/officeart/2005/8/layout/process2"/>
+    <dgm:cxn modelId="{0E210A85-09CF-AA45-A9A9-05D250FD2536}" type="presOf" srcId="{E188BD28-8BF3-DF4E-89B0-D0D9BDDAD858}" destId="{8B185A30-22C7-6840-8D3E-58B36EE38549}" srcOrd="0" destOrd="0" presId="urn:microsoft.com/office/officeart/2005/8/layout/process2"/>
+    <dgm:cxn modelId="{F91E15A7-C24F-4D74-8B1A-D7C0021B8888}" srcId="{47AA4630-B738-4650-913F-7378CC40D312}" destId="{97DB59AD-8506-4A74-BB78-BA533F4FB10F}" srcOrd="1" destOrd="0" parTransId="{E5F038C7-DBC4-490A-AAFB-6D151F9C0538}" sibTransId="{EFB1699C-C280-416C-B6B3-B9CB2E52EAA1}"/>
+    <dgm:cxn modelId="{53D6E192-6B91-4748-A7C9-998CF3DA9B64}" type="presOf" srcId="{CB49FD0C-9B39-4860-B781-669D9FC3FB40}" destId="{B4CC5E68-BD20-49EE-86FA-E08541A3FE12}" srcOrd="0" destOrd="0" presId="urn:microsoft.com/office/officeart/2005/8/layout/process2"/>
+    <dgm:cxn modelId="{E40B25C4-5FF1-D246-9715-8E798430839E}" type="presOf" srcId="{7764EA43-B182-BC4F-BCDA-333200F918B8}" destId="{66533B70-8731-2345-9B98-5A7A7F80153B}" srcOrd="0" destOrd="0" presId="urn:microsoft.com/office/officeart/2005/8/layout/process2"/>
+    <dgm:cxn modelId="{0F95B477-3571-3442-BE80-0888F825957B}" srcId="{47AA4630-B738-4650-913F-7378CC40D312}" destId="{E188BD28-8BF3-DF4E-89B0-D0D9BDDAD858}" srcOrd="0" destOrd="0" parTransId="{36E39B49-FFE1-4141-AC7D-DEC0690E85F8}" sibTransId="{7764EA43-B182-BC4F-BCDA-333200F918B8}"/>
+    <dgm:cxn modelId="{2D0ABAC6-DA91-8D46-B554-E9457DCF3A92}" type="presOf" srcId="{47AA4630-B738-4650-913F-7378CC40D312}" destId="{7A234B30-A436-41B7-96D9-05CCC2F7ADDC}" srcOrd="0" destOrd="0" presId="urn:microsoft.com/office/officeart/2005/8/layout/process2"/>
+    <dgm:cxn modelId="{3E1261D4-078C-EE4B-AFC6-897F3D5D71BD}" type="presOf" srcId="{EFB1699C-C280-416C-B6B3-B9CB2E52EAA1}" destId="{B2BEE0C4-D8B2-432A-8CB1-C2162205DCA3}" srcOrd="1" destOrd="0" presId="urn:microsoft.com/office/officeart/2005/8/layout/process2"/>
+    <dgm:cxn modelId="{EB39C2AD-FD57-5049-B098-258DD88E7496}" type="presOf" srcId="{04BB66AA-DBE2-4BFD-A94E-A31165187E75}" destId="{E202264D-36A3-408A-9050-7FBD30D2645C}" srcOrd="0" destOrd="0" presId="urn:microsoft.com/office/officeart/2005/8/layout/process2"/>
+    <dgm:cxn modelId="{165AE32A-34E6-4032-86AF-87A045F8F59C}" srcId="{47AA4630-B738-4650-913F-7378CC40D312}" destId="{D8FC48C4-469B-40DC-950F-ABA168836D34}" srcOrd="3" destOrd="0" parTransId="{3B29C759-9861-4F5A-9C39-84993FBBD849}" sibTransId="{CB49FD0C-9B39-4860-B781-669D9FC3FB40}"/>
+    <dgm:cxn modelId="{9DF0477C-A764-8B4F-B772-DEA08EF5B2B1}" type="presOf" srcId="{D8FC48C4-469B-40DC-950F-ABA168836D34}" destId="{3725F2C1-AA1D-49A3-9D73-9D444D08CE71}" srcOrd="0" destOrd="0" presId="urn:microsoft.com/office/officeart/2005/8/layout/process2"/>
+    <dgm:cxn modelId="{33D39394-D06E-3C45-A948-C1FD1F42BE5D}" type="presOf" srcId="{6CD60870-D228-4E7C-AB37-75604251742A}" destId="{3FA6B472-D1F3-409B-BF18-F1310278CB78}" srcOrd="0" destOrd="0" presId="urn:microsoft.com/office/officeart/2005/8/layout/process2"/>
+    <dgm:cxn modelId="{D365E894-A5EB-1247-B4AA-97AE89C3B6F1}" type="presOf" srcId="{EFB1699C-C280-416C-B6B3-B9CB2E52EAA1}" destId="{143F6140-E7F1-4CCF-A9B1-524762512517}" srcOrd="0" destOrd="0" presId="urn:microsoft.com/office/officeart/2005/8/layout/process2"/>
+    <dgm:cxn modelId="{6689F0B5-F6D2-6146-A3CC-16A7F09ECD95}" type="presOf" srcId="{97DB59AD-8506-4A74-BB78-BA533F4FB10F}" destId="{87C32DCB-D7CA-425A-A14D-DC1B34BAA990}" srcOrd="0" destOrd="0" presId="urn:microsoft.com/office/officeart/2005/8/layout/process2"/>
+    <dgm:cxn modelId="{26575D07-F418-0F47-847E-EB1CD13E562B}" type="presOf" srcId="{96BC0EEB-57F0-4267-86F0-4EA98B40D230}" destId="{C45FEE31-6BF1-4E83-9497-1224D8F07991}" srcOrd="0" destOrd="0" presId="urn:microsoft.com/office/officeart/2005/8/layout/process2"/>
     <dgm:cxn modelId="{9DCAD1AE-AE8F-C542-993A-46832AD7E3F7}" type="presOf" srcId="{04BB66AA-DBE2-4BFD-A94E-A31165187E75}" destId="{E3B3E849-56D6-49C5-932E-7B5B0F9F195C}" srcOrd="1" destOrd="0" presId="urn:microsoft.com/office/officeart/2005/8/layout/process2"/>
-    <dgm:cxn modelId="{B9FDB916-0E3A-45DF-B817-B4FF0DF0DD0F}" srcId="{47AA4630-B738-4650-913F-7378CC40D312}" destId="{96BC0EEB-57F0-4267-86F0-4EA98B40D230}" srcOrd="4" destOrd="0" parTransId="{A57BE1BC-E807-47AE-8640-A3F276768BED}" sibTransId="{062036D4-7094-47BF-9BE9-A58B2E6A4D41}"/>
-    <dgm:cxn modelId="{6689F0B5-F6D2-6146-A3CC-16A7F09ECD95}" type="presOf" srcId="{97DB59AD-8506-4A74-BB78-BA533F4FB10F}" destId="{87C32DCB-D7CA-425A-A14D-DC1B34BAA990}" srcOrd="0" destOrd="0" presId="urn:microsoft.com/office/officeart/2005/8/layout/process2"/>
-    <dgm:cxn modelId="{EB39C2AD-FD57-5049-B098-258DD88E7496}" type="presOf" srcId="{04BB66AA-DBE2-4BFD-A94E-A31165187E75}" destId="{E202264D-36A3-408A-9050-7FBD30D2645C}" srcOrd="0" destOrd="0" presId="urn:microsoft.com/office/officeart/2005/8/layout/process2"/>
-    <dgm:cxn modelId="{0F95B477-3571-3442-BE80-0888F825957B}" srcId="{47AA4630-B738-4650-913F-7378CC40D312}" destId="{E188BD28-8BF3-DF4E-89B0-D0D9BDDAD858}" srcOrd="0" destOrd="0" parTransId="{36E39B49-FFE1-4141-AC7D-DEC0690E85F8}" sibTransId="{7764EA43-B182-BC4F-BCDA-333200F918B8}"/>
-    <dgm:cxn modelId="{F4F8E3FF-6FD5-6745-A94E-2A3A6F209DFF}" type="presOf" srcId="{CB49FD0C-9B39-4860-B781-669D9FC3FB40}" destId="{BD1FA95E-C45B-4671-BBAB-95DCE436E052}" srcOrd="1" destOrd="0" presId="urn:microsoft.com/office/officeart/2005/8/layout/process2"/>
-    <dgm:cxn modelId="{E40B25C4-5FF1-D246-9715-8E798430839E}" type="presOf" srcId="{7764EA43-B182-BC4F-BCDA-333200F918B8}" destId="{66533B70-8731-2345-9B98-5A7A7F80153B}" srcOrd="0" destOrd="0" presId="urn:microsoft.com/office/officeart/2005/8/layout/process2"/>
-    <dgm:cxn modelId="{165AE32A-34E6-4032-86AF-87A045F8F59C}" srcId="{47AA4630-B738-4650-913F-7378CC40D312}" destId="{D8FC48C4-469B-40DC-950F-ABA168836D34}" srcOrd="3" destOrd="0" parTransId="{3B29C759-9861-4F5A-9C39-84993FBBD849}" sibTransId="{CB49FD0C-9B39-4860-B781-669D9FC3FB40}"/>
     <dgm:cxn modelId="{258E6188-D24E-5243-86FE-FF33A3DEEA39}" type="presOf" srcId="{7764EA43-B182-BC4F-BCDA-333200F918B8}" destId="{5EB7E61C-215B-AD45-8738-514EF8F5F4E5}" srcOrd="1" destOrd="0" presId="urn:microsoft.com/office/officeart/2005/8/layout/process2"/>
-    <dgm:cxn modelId="{3E1261D4-078C-EE4B-AFC6-897F3D5D71BD}" type="presOf" srcId="{EFB1699C-C280-416C-B6B3-B9CB2E52EAA1}" destId="{B2BEE0C4-D8B2-432A-8CB1-C2162205DCA3}" srcOrd="1" destOrd="0" presId="urn:microsoft.com/office/officeart/2005/8/layout/process2"/>
-    <dgm:cxn modelId="{2D0ABAC6-DA91-8D46-B554-E9457DCF3A92}" type="presOf" srcId="{47AA4630-B738-4650-913F-7378CC40D312}" destId="{7A234B30-A436-41B7-96D9-05CCC2F7ADDC}" srcOrd="0" destOrd="0" presId="urn:microsoft.com/office/officeart/2005/8/layout/process2"/>
-    <dgm:cxn modelId="{D365E894-A5EB-1247-B4AA-97AE89C3B6F1}" type="presOf" srcId="{EFB1699C-C280-416C-B6B3-B9CB2E52EAA1}" destId="{143F6140-E7F1-4CCF-A9B1-524762512517}" srcOrd="0" destOrd="0" presId="urn:microsoft.com/office/officeart/2005/8/layout/process2"/>
-    <dgm:cxn modelId="{F91E15A7-C24F-4D74-8B1A-D7C0021B8888}" srcId="{47AA4630-B738-4650-913F-7378CC40D312}" destId="{97DB59AD-8506-4A74-BB78-BA533F4FB10F}" srcOrd="1" destOrd="0" parTransId="{E5F038C7-DBC4-490A-AAFB-6D151F9C0538}" sibTransId="{EFB1699C-C280-416C-B6B3-B9CB2E52EAA1}"/>
-    <dgm:cxn modelId="{9DF0477C-A764-8B4F-B772-DEA08EF5B2B1}" type="presOf" srcId="{D8FC48C4-469B-40DC-950F-ABA168836D34}" destId="{3725F2C1-AA1D-49A3-9D73-9D444D08CE71}" srcOrd="0" destOrd="0" presId="urn:microsoft.com/office/officeart/2005/8/layout/process2"/>
-    <dgm:cxn modelId="{26575D07-F418-0F47-847E-EB1CD13E562B}" type="presOf" srcId="{96BC0EEB-57F0-4267-86F0-4EA98B40D230}" destId="{C45FEE31-6BF1-4E83-9497-1224D8F07991}" srcOrd="0" destOrd="0" presId="urn:microsoft.com/office/officeart/2005/8/layout/process2"/>
-    <dgm:cxn modelId="{0E210A85-09CF-AA45-A9A9-05D250FD2536}" type="presOf" srcId="{E188BD28-8BF3-DF4E-89B0-D0D9BDDAD858}" destId="{8B185A30-22C7-6840-8D3E-58B36EE38549}" srcOrd="0" destOrd="0" presId="urn:microsoft.com/office/officeart/2005/8/layout/process2"/>
-    <dgm:cxn modelId="{33D39394-D06E-3C45-A948-C1FD1F42BE5D}" type="presOf" srcId="{6CD60870-D228-4E7C-AB37-75604251742A}" destId="{3FA6B472-D1F3-409B-BF18-F1310278CB78}" srcOrd="0" destOrd="0" presId="urn:microsoft.com/office/officeart/2005/8/layout/process2"/>
-    <dgm:cxn modelId="{53D6E192-6B91-4748-A7C9-998CF3DA9B64}" type="presOf" srcId="{CB49FD0C-9B39-4860-B781-669D9FC3FB40}" destId="{B4CC5E68-BD20-49EE-86FA-E08541A3FE12}" srcOrd="0" destOrd="0" presId="urn:microsoft.com/office/officeart/2005/8/layout/process2"/>
     <dgm:cxn modelId="{15EAEB83-C41B-5C48-9F6E-3898263890BB}" type="presParOf" srcId="{7A234B30-A436-41B7-96D9-05CCC2F7ADDC}" destId="{8B185A30-22C7-6840-8D3E-58B36EE38549}" srcOrd="0" destOrd="0" presId="urn:microsoft.com/office/officeart/2005/8/layout/process2"/>
     <dgm:cxn modelId="{D84D3A96-F045-B440-B21D-D8AE917A4A87}" type="presParOf" srcId="{7A234B30-A436-41B7-96D9-05CCC2F7ADDC}" destId="{66533B70-8731-2345-9B98-5A7A7F80153B}" srcOrd="1" destOrd="0" presId="urn:microsoft.com/office/officeart/2005/8/layout/process2"/>
     <dgm:cxn modelId="{7AFF4E44-A8A0-B346-A202-3F879C6FDA04}" type="presParOf" srcId="{66533B70-8731-2345-9B98-5A7A7F80153B}" destId="{5EB7E61C-215B-AD45-8738-514EF8F5F4E5}" srcOrd="0" destOrd="0" presId="urn:microsoft.com/office/officeart/2005/8/layout/process2"/>
@@ -11460,873 +11460,6 @@
       <dsp:cNvGrpSpPr/>
     </dsp:nvGrpSpPr>
     <dsp:grpSpPr/>
-    <dsp:sp modelId="{8B185A30-22C7-6840-8D3E-58B36EE38549}">
-      <dsp:nvSpPr>
-        <dsp:cNvPr id="0" name=""/>
-        <dsp:cNvSpPr/>
-      </dsp:nvSpPr>
-      <dsp:spPr>
-        <a:xfrm>
-          <a:off x="1716833" y="2920"/>
-          <a:ext cx="3781570" cy="682929"/>
-        </a:xfrm>
-        <a:prstGeom prst="roundRect">
-          <a:avLst>
-            <a:gd name="adj" fmla="val 10000"/>
-          </a:avLst>
-        </a:prstGeom>
-        <a:solidFill>
-          <a:schemeClr val="bg1"/>
-        </a:solidFill>
-        <a:ln w="38100" cmpd="sng">
-          <a:solidFill>
-            <a:srgbClr val="BFBFBF"/>
-          </a:solidFill>
-        </a:ln>
-        <a:effectLst/>
-        <a:scene3d>
-          <a:camera prst="orthographicFront" fov="0">
-            <a:rot lat="0" lon="0" rev="0"/>
-          </a:camera>
-          <a:lightRig rig="balanced" dir="t">
-            <a:rot lat="0" lon="0" rev="0"/>
-          </a:lightRig>
-        </a:scene3d>
-        <a:sp3d prstMaterial="matte">
-          <a:bevelT w="0" h="0"/>
-          <a:contourClr>
-            <a:scrgbClr r="0" g="0" b="0">
-              <a:tint val="100000"/>
-              <a:shade val="100000"/>
-              <a:hueMod val="100000"/>
-              <a:satMod val="100000"/>
-            </a:scrgbClr>
-          </a:contourClr>
-        </a:sp3d>
-      </dsp:spPr>
-      <dsp:style>
-        <a:lnRef idx="0">
-          <a:scrgbClr r="0" g="0" b="0"/>
-        </a:lnRef>
-        <a:fillRef idx="3">
-          <a:scrgbClr r="0" g="0" b="0"/>
-        </a:fillRef>
-        <a:effectRef idx="2">
-          <a:scrgbClr r="0" g="0" b="0"/>
-        </a:effectRef>
-        <a:fontRef idx="minor">
-          <a:schemeClr val="lt1"/>
-        </a:fontRef>
-      </dsp:style>
-      <dsp:txBody>
-        <a:bodyPr spcFirstLastPara="0" vert="horz" wrap="square" lIns="91440" tIns="91440" rIns="91440" bIns="91440" numCol="1" spcCol="1270" anchor="ctr" anchorCtr="0">
-          <a:noAutofit/>
-        </a:bodyPr>
-        <a:lstStyle/>
-        <a:p>
-          <a:pPr lvl="0" algn="ctr" defTabSz="1066800">
-            <a:lnSpc>
-              <a:spcPct val="90000"/>
-            </a:lnSpc>
-            <a:spcBef>
-              <a:spcPct val="0"/>
-            </a:spcBef>
-            <a:spcAft>
-              <a:spcPct val="35000"/>
-            </a:spcAft>
-          </a:pPr>
-          <a:r>
-            <a:rPr lang="en-GB" sz="2400" kern="1200" dirty="0">
-              <a:solidFill>
-                <a:srgbClr val="D9D9D9"/>
-              </a:solidFill>
-            </a:rPr>
-            <a:t>Pick your next feature</a:t>
-          </a:r>
-        </a:p>
-      </dsp:txBody>
-      <dsp:txXfrm>
-        <a:off x="1736835" y="22922"/>
-        <a:ext cx="3741566" cy="642925"/>
-      </dsp:txXfrm>
-    </dsp:sp>
-    <dsp:sp modelId="{66533B70-8731-2345-9B98-5A7A7F80153B}">
-      <dsp:nvSpPr>
-        <dsp:cNvPr id="0" name=""/>
-        <dsp:cNvSpPr/>
-      </dsp:nvSpPr>
-      <dsp:spPr>
-        <a:xfrm rot="5400000">
-          <a:off x="3479569" y="702923"/>
-          <a:ext cx="256098" cy="307318"/>
-        </a:xfrm>
-        <a:prstGeom prst="rightArrow">
-          <a:avLst>
-            <a:gd name="adj1" fmla="val 60000"/>
-            <a:gd name="adj2" fmla="val 50000"/>
-          </a:avLst>
-        </a:prstGeom>
-        <a:solidFill>
-          <a:srgbClr val="FFFFFF"/>
-        </a:solidFill>
-        <a:ln w="38100" cmpd="sng">
-          <a:solidFill>
-            <a:srgbClr val="BFBFBF"/>
-          </a:solidFill>
-        </a:ln>
-        <a:effectLst/>
-        <a:scene3d>
-          <a:camera prst="orthographicFront" fov="0">
-            <a:rot lat="0" lon="0" rev="0"/>
-          </a:camera>
-          <a:lightRig rig="balanced" dir="t">
-            <a:rot lat="0" lon="0" rev="0"/>
-          </a:lightRig>
-        </a:scene3d>
-        <a:sp3d prstMaterial="matte">
-          <a:bevelT w="0" h="0"/>
-          <a:contourClr>
-            <a:scrgbClr r="0" g="0" b="0">
-              <a:tint val="100000"/>
-              <a:shade val="100000"/>
-              <a:hueMod val="100000"/>
-              <a:satMod val="100000"/>
-            </a:scrgbClr>
-          </a:contourClr>
-        </a:sp3d>
-      </dsp:spPr>
-      <dsp:style>
-        <a:lnRef idx="0">
-          <a:scrgbClr r="0" g="0" b="0"/>
-        </a:lnRef>
-        <a:fillRef idx="3">
-          <a:scrgbClr r="0" g="0" b="0"/>
-        </a:fillRef>
-        <a:effectRef idx="2">
-          <a:scrgbClr r="0" g="0" b="0"/>
-        </a:effectRef>
-        <a:fontRef idx="minor">
-          <a:schemeClr val="lt1"/>
-        </a:fontRef>
-      </dsp:style>
-      <dsp:txBody>
-        <a:bodyPr spcFirstLastPara="0" vert="horz" wrap="square" lIns="0" tIns="0" rIns="0" bIns="0" numCol="1" spcCol="1270" anchor="ctr" anchorCtr="0">
-          <a:noAutofit/>
-        </a:bodyPr>
-        <a:lstStyle/>
-        <a:p>
-          <a:pPr lvl="0" algn="ctr" defTabSz="488950">
-            <a:lnSpc>
-              <a:spcPct val="90000"/>
-            </a:lnSpc>
-            <a:spcBef>
-              <a:spcPct val="0"/>
-            </a:spcBef>
-            <a:spcAft>
-              <a:spcPct val="35000"/>
-            </a:spcAft>
-          </a:pPr>
-          <a:endParaRPr lang="en-US" sz="1100" kern="1200"/>
-        </a:p>
-      </dsp:txBody>
-      <dsp:txXfrm rot="-5400000">
-        <a:off x="3515424" y="728533"/>
-        <a:ext cx="184390" cy="179269"/>
-      </dsp:txXfrm>
-    </dsp:sp>
-    <dsp:sp modelId="{87C32DCB-D7CA-425A-A14D-DC1B34BAA990}">
-      <dsp:nvSpPr>
-        <dsp:cNvPr id="0" name=""/>
-        <dsp:cNvSpPr/>
-      </dsp:nvSpPr>
-      <dsp:spPr>
-        <a:xfrm>
-          <a:off x="1681977" y="1027314"/>
-          <a:ext cx="3851283" cy="682929"/>
-        </a:xfrm>
-        <a:prstGeom prst="roundRect">
-          <a:avLst>
-            <a:gd name="adj" fmla="val 10000"/>
-          </a:avLst>
-        </a:prstGeom>
-        <a:solidFill>
-          <a:srgbClr val="FFFFFF"/>
-        </a:solidFill>
-        <a:ln w="38100" cmpd="sng">
-          <a:solidFill>
-            <a:srgbClr val="BFBFBF"/>
-          </a:solidFill>
-        </a:ln>
-        <a:effectLst/>
-        <a:scene3d>
-          <a:camera prst="orthographicFront" fov="0">
-            <a:rot lat="0" lon="0" rev="0"/>
-          </a:camera>
-          <a:lightRig rig="balanced" dir="t">
-            <a:rot lat="0" lon="0" rev="0"/>
-          </a:lightRig>
-        </a:scene3d>
-        <a:sp3d prstMaterial="matte">
-          <a:bevelT w="0" h="0"/>
-          <a:contourClr>
-            <a:scrgbClr r="0" g="0" b="0">
-              <a:tint val="100000"/>
-              <a:shade val="100000"/>
-              <a:hueMod val="100000"/>
-              <a:satMod val="100000"/>
-            </a:scrgbClr>
-          </a:contourClr>
-        </a:sp3d>
-      </dsp:spPr>
-      <dsp:style>
-        <a:lnRef idx="0">
-          <a:scrgbClr r="0" g="0" b="0"/>
-        </a:lnRef>
-        <a:fillRef idx="3">
-          <a:scrgbClr r="0" g="0" b="0"/>
-        </a:fillRef>
-        <a:effectRef idx="2">
-          <a:scrgbClr r="0" g="0" b="0"/>
-        </a:effectRef>
-        <a:fontRef idx="minor">
-          <a:schemeClr val="lt1"/>
-        </a:fontRef>
-      </dsp:style>
-      <dsp:txBody>
-        <a:bodyPr spcFirstLastPara="0" vert="horz" wrap="square" lIns="91440" tIns="91440" rIns="91440" bIns="91440" numCol="1" spcCol="1270" anchor="ctr" anchorCtr="0">
-          <a:noAutofit/>
-        </a:bodyPr>
-        <a:lstStyle/>
-        <a:p>
-          <a:pPr lvl="0" algn="ctr" defTabSz="1066800">
-            <a:lnSpc>
-              <a:spcPct val="90000"/>
-            </a:lnSpc>
-            <a:spcBef>
-              <a:spcPct val="0"/>
-            </a:spcBef>
-            <a:spcAft>
-              <a:spcPct val="35000"/>
-            </a:spcAft>
-          </a:pPr>
-          <a:r>
-            <a:rPr lang="en-US" sz="2400" kern="1200" dirty="0" smtClean="0">
-              <a:solidFill>
-                <a:srgbClr val="D9D9D9"/>
-              </a:solidFill>
-            </a:rPr>
-            <a:t>Write tests </a:t>
-          </a:r>
-          <a:br>
-            <a:rPr lang="en-US" sz="2400" kern="1200" dirty="0" smtClean="0">
-              <a:solidFill>
-                <a:srgbClr val="D9D9D9"/>
-              </a:solidFill>
-            </a:rPr>
-          </a:br>
-          <a:r>
-            <a:rPr lang="en-US" sz="2000" kern="1200" dirty="0" smtClean="0">
-              <a:solidFill>
-                <a:srgbClr val="D9D9D9"/>
-              </a:solidFill>
-            </a:rPr>
-            <a:t>to check that feature works </a:t>
-          </a:r>
-          <a:endParaRPr lang="en-GB" sz="2400" kern="1200" dirty="0">
-            <a:solidFill>
-              <a:srgbClr val="D9D9D9"/>
-            </a:solidFill>
-          </a:endParaRPr>
-        </a:p>
-      </dsp:txBody>
-      <dsp:txXfrm>
-        <a:off x="1701979" y="1047316"/>
-        <a:ext cx="3811279" cy="642925"/>
-      </dsp:txXfrm>
-    </dsp:sp>
-    <dsp:sp modelId="{143F6140-E7F1-4CCF-A9B1-524762512517}">
-      <dsp:nvSpPr>
-        <dsp:cNvPr id="0" name=""/>
-        <dsp:cNvSpPr/>
-      </dsp:nvSpPr>
-      <dsp:spPr>
-        <a:xfrm rot="5400000">
-          <a:off x="3479569" y="1727317"/>
-          <a:ext cx="256098" cy="307318"/>
-        </a:xfrm>
-        <a:prstGeom prst="rightArrow">
-          <a:avLst>
-            <a:gd name="adj1" fmla="val 60000"/>
-            <a:gd name="adj2" fmla="val 50000"/>
-          </a:avLst>
-        </a:prstGeom>
-        <a:solidFill>
-          <a:srgbClr val="FFFFFF"/>
-        </a:solidFill>
-        <a:ln w="38100" cmpd="sng">
-          <a:solidFill>
-            <a:srgbClr val="BFBFBF"/>
-          </a:solidFill>
-        </a:ln>
-        <a:effectLst/>
-        <a:scene3d>
-          <a:camera prst="orthographicFront" fov="0">
-            <a:rot lat="0" lon="0" rev="0"/>
-          </a:camera>
-          <a:lightRig rig="balanced" dir="t">
-            <a:rot lat="0" lon="0" rev="0"/>
-          </a:lightRig>
-        </a:scene3d>
-        <a:sp3d prstMaterial="matte">
-          <a:bevelT w="0" h="0"/>
-          <a:contourClr>
-            <a:scrgbClr r="0" g="0" b="0">
-              <a:tint val="100000"/>
-              <a:shade val="100000"/>
-              <a:hueMod val="100000"/>
-              <a:satMod val="100000"/>
-            </a:scrgbClr>
-          </a:contourClr>
-        </a:sp3d>
-      </dsp:spPr>
-      <dsp:style>
-        <a:lnRef idx="0">
-          <a:scrgbClr r="0" g="0" b="0"/>
-        </a:lnRef>
-        <a:fillRef idx="3">
-          <a:scrgbClr r="0" g="0" b="0"/>
-        </a:fillRef>
-        <a:effectRef idx="2">
-          <a:scrgbClr r="0" g="0" b="0"/>
-        </a:effectRef>
-        <a:fontRef idx="minor">
-          <a:schemeClr val="lt1"/>
-        </a:fontRef>
-      </dsp:style>
-      <dsp:txBody>
-        <a:bodyPr spcFirstLastPara="0" vert="horz" wrap="square" lIns="0" tIns="0" rIns="0" bIns="0" numCol="1" spcCol="1270" anchor="ctr" anchorCtr="0">
-          <a:noAutofit/>
-        </a:bodyPr>
-        <a:lstStyle/>
-        <a:p>
-          <a:pPr lvl="0" algn="ctr" defTabSz="889000">
-            <a:lnSpc>
-              <a:spcPct val="90000"/>
-            </a:lnSpc>
-            <a:spcBef>
-              <a:spcPct val="0"/>
-            </a:spcBef>
-            <a:spcAft>
-              <a:spcPct val="35000"/>
-            </a:spcAft>
-          </a:pPr>
-          <a:endParaRPr lang="en-GB" sz="2000" kern="1200"/>
-        </a:p>
-      </dsp:txBody>
-      <dsp:txXfrm rot="-5400000">
-        <a:off x="3515424" y="1752927"/>
-        <a:ext cx="184390" cy="179269"/>
-      </dsp:txXfrm>
-    </dsp:sp>
-    <dsp:sp modelId="{3FA6B472-D1F3-409B-BF18-F1310278CB78}">
-      <dsp:nvSpPr>
-        <dsp:cNvPr id="0" name=""/>
-        <dsp:cNvSpPr/>
-      </dsp:nvSpPr>
-      <dsp:spPr>
-        <a:xfrm>
-          <a:off x="1697179" y="2051708"/>
-          <a:ext cx="3820879" cy="682929"/>
-        </a:xfrm>
-        <a:prstGeom prst="roundRect">
-          <a:avLst>
-            <a:gd name="adj" fmla="val 10000"/>
-          </a:avLst>
-        </a:prstGeom>
-        <a:solidFill>
-          <a:srgbClr val="FFFFFF"/>
-        </a:solidFill>
-        <a:ln w="38100" cmpd="sng">
-          <a:solidFill>
-            <a:srgbClr val="0ECC00"/>
-          </a:solidFill>
-        </a:ln>
-        <a:effectLst/>
-        <a:scene3d>
-          <a:camera prst="orthographicFront" fov="0">
-            <a:rot lat="0" lon="0" rev="0"/>
-          </a:camera>
-          <a:lightRig rig="balanced" dir="t">
-            <a:rot lat="0" lon="0" rev="0"/>
-          </a:lightRig>
-        </a:scene3d>
-        <a:sp3d prstMaterial="matte">
-          <a:bevelT w="0" h="0"/>
-          <a:contourClr>
-            <a:scrgbClr r="0" g="0" b="0">
-              <a:tint val="100000"/>
-              <a:shade val="100000"/>
-              <a:hueMod val="100000"/>
-              <a:satMod val="100000"/>
-            </a:scrgbClr>
-          </a:contourClr>
-        </a:sp3d>
-      </dsp:spPr>
-      <dsp:style>
-        <a:lnRef idx="0">
-          <a:scrgbClr r="0" g="0" b="0"/>
-        </a:lnRef>
-        <a:fillRef idx="3">
-          <a:scrgbClr r="0" g="0" b="0"/>
-        </a:fillRef>
-        <a:effectRef idx="2">
-          <a:scrgbClr r="0" g="0" b="0"/>
-        </a:effectRef>
-        <a:fontRef idx="minor">
-          <a:schemeClr val="lt1"/>
-        </a:fontRef>
-      </dsp:style>
-      <dsp:txBody>
-        <a:bodyPr spcFirstLastPara="0" vert="horz" wrap="square" lIns="91440" tIns="91440" rIns="91440" bIns="91440" numCol="1" spcCol="1270" anchor="ctr" anchorCtr="0">
-          <a:noAutofit/>
-        </a:bodyPr>
-        <a:lstStyle/>
-        <a:p>
-          <a:pPr lvl="0" algn="ctr" defTabSz="1066800">
-            <a:lnSpc>
-              <a:spcPct val="90000"/>
-            </a:lnSpc>
-            <a:spcBef>
-              <a:spcPct val="0"/>
-            </a:spcBef>
-            <a:spcAft>
-              <a:spcPct val="35000"/>
-            </a:spcAft>
-          </a:pPr>
-          <a:r>
-            <a:rPr lang="en-US" sz="2400" kern="1200" dirty="0" smtClean="0">
-              <a:solidFill>
-                <a:srgbClr val="000000"/>
-              </a:solidFill>
-            </a:rPr>
-            <a:t>Write simplest code </a:t>
-          </a:r>
-          <a:br>
-            <a:rPr lang="en-US" sz="2400" kern="1200" dirty="0" smtClean="0">
-              <a:solidFill>
-                <a:srgbClr val="000000"/>
-              </a:solidFill>
-            </a:rPr>
-          </a:br>
-          <a:r>
-            <a:rPr lang="en-US" sz="2000" kern="1200" dirty="0" smtClean="0">
-              <a:solidFill>
-                <a:srgbClr val="000000"/>
-              </a:solidFill>
-            </a:rPr>
-            <a:t>that makes tests pass</a:t>
-          </a:r>
-        </a:p>
-      </dsp:txBody>
-      <dsp:txXfrm>
-        <a:off x="1717181" y="2071710"/>
-        <a:ext cx="3780875" cy="642925"/>
-      </dsp:txXfrm>
-    </dsp:sp>
-    <dsp:sp modelId="{E202264D-36A3-408A-9050-7FBD30D2645C}">
-      <dsp:nvSpPr>
-        <dsp:cNvPr id="0" name=""/>
-        <dsp:cNvSpPr/>
-      </dsp:nvSpPr>
-      <dsp:spPr>
-        <a:xfrm rot="5400000">
-          <a:off x="3479569" y="2751710"/>
-          <a:ext cx="256098" cy="307318"/>
-        </a:xfrm>
-        <a:prstGeom prst="rightArrow">
-          <a:avLst>
-            <a:gd name="adj1" fmla="val 60000"/>
-            <a:gd name="adj2" fmla="val 50000"/>
-          </a:avLst>
-        </a:prstGeom>
-        <a:solidFill>
-          <a:srgbClr val="FFFFFF"/>
-        </a:solidFill>
-        <a:ln w="38100" cmpd="sng">
-          <a:solidFill>
-            <a:srgbClr val="BFBFBF"/>
-          </a:solidFill>
-        </a:ln>
-        <a:effectLst/>
-        <a:scene3d>
-          <a:camera prst="orthographicFront" fov="0">
-            <a:rot lat="0" lon="0" rev="0"/>
-          </a:camera>
-          <a:lightRig rig="balanced" dir="t">
-            <a:rot lat="0" lon="0" rev="0"/>
-          </a:lightRig>
-        </a:scene3d>
-        <a:sp3d prstMaterial="matte">
-          <a:bevelT w="0" h="0"/>
-          <a:contourClr>
-            <a:scrgbClr r="0" g="0" b="0">
-              <a:tint val="100000"/>
-              <a:shade val="100000"/>
-              <a:hueMod val="100000"/>
-              <a:satMod val="100000"/>
-            </a:scrgbClr>
-          </a:contourClr>
-        </a:sp3d>
-      </dsp:spPr>
-      <dsp:style>
-        <a:lnRef idx="0">
-          <a:scrgbClr r="0" g="0" b="0"/>
-        </a:lnRef>
-        <a:fillRef idx="3">
-          <a:scrgbClr r="0" g="0" b="0"/>
-        </a:fillRef>
-        <a:effectRef idx="2">
-          <a:scrgbClr r="0" g="0" b="0"/>
-        </a:effectRef>
-        <a:fontRef idx="minor">
-          <a:schemeClr val="lt1"/>
-        </a:fontRef>
-      </dsp:style>
-      <dsp:txBody>
-        <a:bodyPr spcFirstLastPara="0" vert="horz" wrap="square" lIns="0" tIns="0" rIns="0" bIns="0" numCol="1" spcCol="1270" anchor="ctr" anchorCtr="0">
-          <a:noAutofit/>
-        </a:bodyPr>
-        <a:lstStyle/>
-        <a:p>
-          <a:pPr lvl="0" algn="ctr" defTabSz="889000">
-            <a:lnSpc>
-              <a:spcPct val="90000"/>
-            </a:lnSpc>
-            <a:spcBef>
-              <a:spcPct val="0"/>
-            </a:spcBef>
-            <a:spcAft>
-              <a:spcPct val="35000"/>
-            </a:spcAft>
-          </a:pPr>
-          <a:endParaRPr lang="en-GB" sz="2000" kern="1200"/>
-        </a:p>
-      </dsp:txBody>
-      <dsp:txXfrm rot="-5400000">
-        <a:off x="3515424" y="2777320"/>
-        <a:ext cx="184390" cy="179269"/>
-      </dsp:txXfrm>
-    </dsp:sp>
-    <dsp:sp modelId="{3725F2C1-AA1D-49A3-9D73-9D444D08CE71}">
-      <dsp:nvSpPr>
-        <dsp:cNvPr id="0" name=""/>
-        <dsp:cNvSpPr/>
-      </dsp:nvSpPr>
-      <dsp:spPr>
-        <a:xfrm>
-          <a:off x="1697179" y="3076102"/>
-          <a:ext cx="3820879" cy="682929"/>
-        </a:xfrm>
-        <a:prstGeom prst="roundRect">
-          <a:avLst>
-            <a:gd name="adj" fmla="val 10000"/>
-          </a:avLst>
-        </a:prstGeom>
-        <a:solidFill>
-          <a:srgbClr val="FFFFFF"/>
-        </a:solidFill>
-        <a:ln w="38100" cmpd="sng">
-          <a:solidFill>
-            <a:srgbClr val="BFBFBF"/>
-          </a:solidFill>
-        </a:ln>
-        <a:effectLst/>
-        <a:scene3d>
-          <a:camera prst="orthographicFront" fov="0">
-            <a:rot lat="0" lon="0" rev="0"/>
-          </a:camera>
-          <a:lightRig rig="balanced" dir="t">
-            <a:rot lat="0" lon="0" rev="0"/>
-          </a:lightRig>
-        </a:scene3d>
-        <a:sp3d prstMaterial="matte">
-          <a:bevelT w="0" h="0"/>
-          <a:contourClr>
-            <a:scrgbClr r="0" g="0" b="0">
-              <a:tint val="100000"/>
-              <a:shade val="100000"/>
-              <a:hueMod val="100000"/>
-              <a:satMod val="100000"/>
-            </a:scrgbClr>
-          </a:contourClr>
-        </a:sp3d>
-      </dsp:spPr>
-      <dsp:style>
-        <a:lnRef idx="0">
-          <a:scrgbClr r="0" g="0" b="0"/>
-        </a:lnRef>
-        <a:fillRef idx="3">
-          <a:scrgbClr r="0" g="0" b="0"/>
-        </a:fillRef>
-        <a:effectRef idx="2">
-          <a:scrgbClr r="0" g="0" b="0"/>
-        </a:effectRef>
-        <a:fontRef idx="minor">
-          <a:schemeClr val="lt1"/>
-        </a:fontRef>
-      </dsp:style>
-      <dsp:txBody>
-        <a:bodyPr spcFirstLastPara="0" vert="horz" wrap="square" lIns="91440" tIns="91440" rIns="91440" bIns="91440" numCol="1" spcCol="1270" anchor="ctr" anchorCtr="0">
-          <a:noAutofit/>
-        </a:bodyPr>
-        <a:lstStyle/>
-        <a:p>
-          <a:pPr lvl="0" algn="ctr" defTabSz="1066800">
-            <a:lnSpc>
-              <a:spcPct val="90000"/>
-            </a:lnSpc>
-            <a:spcBef>
-              <a:spcPct val="0"/>
-            </a:spcBef>
-            <a:spcAft>
-              <a:spcPct val="35000"/>
-            </a:spcAft>
-          </a:pPr>
-          <a:r>
-            <a:rPr lang="en-US" sz="2400" kern="1200" dirty="0" smtClean="0">
-              <a:solidFill>
-                <a:srgbClr val="D9D9D9"/>
-              </a:solidFill>
-            </a:rPr>
-            <a:t>Run tests and debug </a:t>
-          </a:r>
-          <a:br>
-            <a:rPr lang="en-US" sz="2400" kern="1200" dirty="0" smtClean="0">
-              <a:solidFill>
-                <a:srgbClr val="D9D9D9"/>
-              </a:solidFill>
-            </a:rPr>
-          </a:br>
-          <a:r>
-            <a:rPr lang="en-US" sz="2000" kern="1200" dirty="0" smtClean="0">
-              <a:solidFill>
-                <a:srgbClr val="D9D9D9"/>
-              </a:solidFill>
-            </a:rPr>
-            <a:t>until </a:t>
-          </a:r>
-          <a:r>
-            <a:rPr lang="en-US" sz="2000" i="1" kern="1200" dirty="0" smtClean="0">
-              <a:solidFill>
-                <a:srgbClr val="D9D9D9"/>
-              </a:solidFill>
-            </a:rPr>
-            <a:t>all</a:t>
-          </a:r>
-          <a:r>
-            <a:rPr lang="en-US" sz="2000" kern="1200" dirty="0" smtClean="0">
-              <a:solidFill>
-                <a:srgbClr val="D9D9D9"/>
-              </a:solidFill>
-            </a:rPr>
-            <a:t> tests pass</a:t>
-          </a:r>
-        </a:p>
-      </dsp:txBody>
-      <dsp:txXfrm>
-        <a:off x="1717181" y="3096104"/>
-        <a:ext cx="3780875" cy="642925"/>
-      </dsp:txXfrm>
-    </dsp:sp>
-    <dsp:sp modelId="{B4CC5E68-BD20-49EE-86FA-E08541A3FE12}">
-      <dsp:nvSpPr>
-        <dsp:cNvPr id="0" name=""/>
-        <dsp:cNvSpPr/>
-      </dsp:nvSpPr>
-      <dsp:spPr>
-        <a:xfrm rot="5400000">
-          <a:off x="3479569" y="3776104"/>
-          <a:ext cx="256098" cy="307318"/>
-        </a:xfrm>
-        <a:prstGeom prst="rightArrow">
-          <a:avLst>
-            <a:gd name="adj1" fmla="val 60000"/>
-            <a:gd name="adj2" fmla="val 50000"/>
-          </a:avLst>
-        </a:prstGeom>
-        <a:solidFill>
-          <a:srgbClr val="FFFFFF"/>
-        </a:solidFill>
-        <a:ln w="38100" cmpd="sng">
-          <a:solidFill>
-            <a:srgbClr val="BFBFBF"/>
-          </a:solidFill>
-        </a:ln>
-        <a:effectLst/>
-        <a:scene3d>
-          <a:camera prst="orthographicFront" fov="0">
-            <a:rot lat="0" lon="0" rev="0"/>
-          </a:camera>
-          <a:lightRig rig="balanced" dir="t">
-            <a:rot lat="0" lon="0" rev="0"/>
-          </a:lightRig>
-        </a:scene3d>
-        <a:sp3d prstMaterial="matte">
-          <a:bevelT w="0" h="0"/>
-          <a:contourClr>
-            <a:scrgbClr r="0" g="0" b="0">
-              <a:tint val="100000"/>
-              <a:shade val="100000"/>
-              <a:hueMod val="100000"/>
-              <a:satMod val="100000"/>
-            </a:scrgbClr>
-          </a:contourClr>
-        </a:sp3d>
-      </dsp:spPr>
-      <dsp:style>
-        <a:lnRef idx="0">
-          <a:scrgbClr r="0" g="0" b="0"/>
-        </a:lnRef>
-        <a:fillRef idx="3">
-          <a:scrgbClr r="0" g="0" b="0"/>
-        </a:fillRef>
-        <a:effectRef idx="2">
-          <a:scrgbClr r="0" g="0" b="0"/>
-        </a:effectRef>
-        <a:fontRef idx="minor">
-          <a:schemeClr val="lt1"/>
-        </a:fontRef>
-      </dsp:style>
-      <dsp:txBody>
-        <a:bodyPr spcFirstLastPara="0" vert="horz" wrap="square" lIns="0" tIns="0" rIns="0" bIns="0" numCol="1" spcCol="1270" anchor="ctr" anchorCtr="0">
-          <a:noAutofit/>
-        </a:bodyPr>
-        <a:lstStyle/>
-        <a:p>
-          <a:pPr lvl="0" algn="ctr" defTabSz="889000">
-            <a:lnSpc>
-              <a:spcPct val="90000"/>
-            </a:lnSpc>
-            <a:spcBef>
-              <a:spcPct val="0"/>
-            </a:spcBef>
-            <a:spcAft>
-              <a:spcPct val="35000"/>
-            </a:spcAft>
-          </a:pPr>
-          <a:endParaRPr lang="en-GB" sz="2000" kern="1200"/>
-        </a:p>
-      </dsp:txBody>
-      <dsp:txXfrm rot="-5400000">
-        <a:off x="3515424" y="3801714"/>
-        <a:ext cx="184390" cy="179269"/>
-      </dsp:txXfrm>
-    </dsp:sp>
-    <dsp:sp modelId="{C45FEE31-6BF1-4E83-9497-1224D8F07991}">
-      <dsp:nvSpPr>
-        <dsp:cNvPr id="0" name=""/>
-        <dsp:cNvSpPr/>
-      </dsp:nvSpPr>
-      <dsp:spPr>
-        <a:xfrm>
-          <a:off x="1697179" y="4100496"/>
-          <a:ext cx="3820879" cy="682929"/>
-        </a:xfrm>
-        <a:prstGeom prst="roundRect">
-          <a:avLst>
-            <a:gd name="adj" fmla="val 10000"/>
-          </a:avLst>
-        </a:prstGeom>
-        <a:solidFill>
-          <a:srgbClr val="FFFFFF"/>
-        </a:solidFill>
-        <a:ln w="38100" cmpd="sng">
-          <a:solidFill>
-            <a:srgbClr val="0ECC00"/>
-          </a:solidFill>
-        </a:ln>
-        <a:effectLst/>
-        <a:scene3d>
-          <a:camera prst="orthographicFront" fov="0">
-            <a:rot lat="0" lon="0" rev="0"/>
-          </a:camera>
-          <a:lightRig rig="balanced" dir="t">
-            <a:rot lat="0" lon="0" rev="0"/>
-          </a:lightRig>
-        </a:scene3d>
-        <a:sp3d prstMaterial="matte">
-          <a:bevelT w="0" h="0"/>
-          <a:contourClr>
-            <a:scrgbClr r="0" g="0" b="0">
-              <a:tint val="100000"/>
-              <a:shade val="100000"/>
-              <a:hueMod val="100000"/>
-              <a:satMod val="100000"/>
-            </a:scrgbClr>
-          </a:contourClr>
-        </a:sp3d>
-      </dsp:spPr>
-      <dsp:style>
-        <a:lnRef idx="0">
-          <a:scrgbClr r="0" g="0" b="0"/>
-        </a:lnRef>
-        <a:fillRef idx="3">
-          <a:scrgbClr r="0" g="0" b="0"/>
-        </a:fillRef>
-        <a:effectRef idx="2">
-          <a:scrgbClr r="0" g="0" b="0"/>
-        </a:effectRef>
-        <a:fontRef idx="minor">
-          <a:schemeClr val="lt1"/>
-        </a:fontRef>
-      </dsp:style>
-      <dsp:txBody>
-        <a:bodyPr spcFirstLastPara="0" vert="horz" wrap="square" lIns="91440" tIns="91440" rIns="91440" bIns="91440" numCol="1" spcCol="1270" anchor="ctr" anchorCtr="0">
-          <a:noAutofit/>
-        </a:bodyPr>
-        <a:lstStyle/>
-        <a:p>
-          <a:pPr lvl="0" algn="ctr" defTabSz="1066800">
-            <a:lnSpc>
-              <a:spcPct val="90000"/>
-            </a:lnSpc>
-            <a:spcBef>
-              <a:spcPct val="0"/>
-            </a:spcBef>
-            <a:spcAft>
-              <a:spcPct val="35000"/>
-            </a:spcAft>
-          </a:pPr>
-          <a:r>
-            <a:rPr lang="en-US" sz="2400" kern="1200" dirty="0" smtClean="0">
-              <a:solidFill>
-                <a:srgbClr val="000000"/>
-              </a:solidFill>
-            </a:rPr>
-            <a:t>Refactor and optimize </a:t>
-          </a:r>
-          <a:br>
-            <a:rPr lang="en-US" sz="2400" kern="1200" dirty="0" smtClean="0">
-              <a:solidFill>
-                <a:srgbClr val="000000"/>
-              </a:solidFill>
-            </a:rPr>
-          </a:br>
-          <a:r>
-            <a:rPr lang="en-US" sz="2000" kern="1200" dirty="0" smtClean="0">
-              <a:solidFill>
-                <a:srgbClr val="000000"/>
-              </a:solidFill>
-            </a:rPr>
-            <a:t>only if necessary</a:t>
-          </a:r>
-        </a:p>
-      </dsp:txBody>
-      <dsp:txXfrm>
-        <a:off x="1717181" y="4120498"/>
-        <a:ext cx="3780875" cy="642925"/>
-      </dsp:txXfrm>
-    </dsp:sp>
   </dsp:spTree>
 </dsp:drawing>
 </file>
@@ -29091,7 +28224,7 @@
                 <a:latin typeface="Courier New"/>
                 <a:cs typeface="Courier New"/>
               </a:rPr>
-              <a:t>hands_on_exercises/pyanno_voting</a:t>
+              <a:t>hands_on/pyanno_voting</a:t>
             </a:r>
           </a:p>
           <a:p>
@@ -29129,7 +28262,7 @@
                 <a:latin typeface="Courier New"/>
                 <a:cs typeface="Courier New"/>
               </a:rPr>
-              <a:t> -v discover</a:t>
+              <a:t> discover –v</a:t>
             </a:r>
             <a:endParaRPr lang="en-US">
               <a:latin typeface="Courier New"/>
@@ -29313,7 +28446,7 @@
                 <a:latin typeface="Courier New"/>
                 <a:cs typeface="Courier New"/>
               </a:rPr>
-              <a:t> [-v] discover</a:t>
+              <a:t> discover [-v]</a:t>
             </a:r>
             <a:endParaRPr lang="en-US" dirty="0">
               <a:cs typeface="Courier New"/>
@@ -31996,7 +31129,7 @@
           <a:p>
             <a:r>
               <a:rPr lang="en-US"/>
-              <a:t>Add a dummy test to test_voting: test that </a:t>
+              <a:t>Add a dummy test to test_voting.py: test that </a:t>
             </a:r>
             <a:br>
               <a:rPr lang="en-US"/>
@@ -34472,7 +33605,12 @@
             <p:ph sz="quarter" idx="1"/>
           </p:nvPr>
         </p:nvSpPr>
-        <p:spPr/>
+        <p:spPr>
+          <a:xfrm>
+            <a:off x="457200" y="1219200"/>
+            <a:ext cx="8435280" cy="4937760"/>
+          </a:xfrm>
+        </p:spPr>
         <p:txBody>
           <a:bodyPr/>
           <a:lstStyle/>
@@ -34485,13 +33623,13 @@
               <a:rPr lang="en-US"/>
             </a:br>
             <a:r>
-              <a:rPr lang="en-US" sz="2000">
+              <a:rPr lang="en-US" sz="1800">
                 <a:latin typeface="Courier New"/>
                 <a:cs typeface="Courier New"/>
               </a:rPr>
-              <a:t>git@github.com:ASPP/testing_debugging_profiling.git</a:t>
-            </a:r>
-            <a:endParaRPr lang="en-US">
+              <a:t>https://github.com/ASPP/testing_debugging_profiling.git</a:t>
+            </a:r>
+            <a:endParaRPr lang="en-US" sz="2000">
               <a:latin typeface="Courier New"/>
               <a:cs typeface="Courier New"/>
             </a:endParaRPr>

--- a/testing-debugging-profiling.pptx
+++ b/testing-debugging-profiling.pptx
@@ -26642,11 +26642,7 @@
           <a:p>
             <a:r>
               <a:rPr lang="en-US" dirty="0"/>
-              <a:t>Tools </a:t>
-            </a:r>
-            <a:r>
-              <a:rPr lang="en-US" dirty="0"/>
-              <a:t>to efficiently build scientific code</a:t>
+              <a:t>Tools to efficiently build scientific code</a:t>
             </a:r>
             <a:br>
               <a:rPr lang="en-US" dirty="0"/>
@@ -30341,7 +30337,6 @@
               <a:rPr lang="en-GB" dirty="0"/>
               <a:t>Possibly your first test file</a:t>
             </a:r>
-            <a:endParaRPr lang="en-GB" dirty="0"/>
           </a:p>
         </p:txBody>
       </p:sp>
@@ -30375,7 +30370,6 @@
               <a:rPr lang="en-US" dirty="0"/>
               <a:t>:</a:t>
             </a:r>
-            <a:endParaRPr lang="en-US" dirty="0"/>
           </a:p>
           <a:p>
             <a:endParaRPr lang="en-US"/>
@@ -30456,8 +30450,8 @@
         </p:nvSpPr>
         <p:spPr bwMode="auto">
           <a:xfrm>
-            <a:off x="827584" y="2014211"/>
-            <a:ext cx="7502026" cy="3262431"/>
+            <a:off x="827584" y="1798768"/>
+            <a:ext cx="7502026" cy="3693319"/>
           </a:xfrm>
           <a:prstGeom prst="rect">
             <a:avLst/>
@@ -30481,7 +30475,7 @@
           <a:lstStyle/>
           <a:p>
             <a:r>
-              <a:rPr lang="en-US" sz="1600">
+              <a:rPr lang="en-US" sz="1800">
                 <a:solidFill>
                   <a:srgbClr val="7F007F"/>
                 </a:solidFill>
@@ -30492,7 +30486,7 @@
               <a:t>def</a:t>
             </a:r>
             <a:r>
-              <a:rPr lang="en-US" sz="1600">
+              <a:rPr lang="en-US" sz="1800">
                 <a:solidFill>
                   <a:srgbClr val="000000"/>
                 </a:solidFill>
@@ -30503,7 +30497,7 @@
               <a:t> </a:t>
             </a:r>
             <a:r>
-              <a:rPr lang="en-US" sz="1600">
+              <a:rPr lang="en-US" sz="1800">
                 <a:solidFill>
                   <a:srgbClr val="0000FF"/>
                 </a:solidFill>
@@ -30514,7 +30508,7 @@
               <a:t>test_arithmetic</a:t>
             </a:r>
             <a:r>
-              <a:rPr lang="en-US" sz="1600">
+              <a:rPr lang="en-US" sz="1800">
                 <a:solidFill>
                   <a:srgbClr val="000000"/>
                 </a:solidFill>
@@ -30525,7 +30519,7 @@
               <a:t>():</a:t>
             </a:r>
             <a:br>
-              <a:rPr lang="en-US" sz="1600">
+              <a:rPr lang="en-US" sz="1800">
                 <a:solidFill>
                   <a:srgbClr val="000000"/>
                 </a:solidFill>
@@ -30535,7 +30529,7 @@
               </a:rPr>
             </a:br>
             <a:r>
-              <a:rPr lang="en-US" sz="1600">
+              <a:rPr lang="en-US" sz="1800">
                 <a:solidFill>
                   <a:srgbClr val="000000"/>
                 </a:solidFill>
@@ -30546,7 +30540,7 @@
               <a:t>    </a:t>
             </a:r>
             <a:r>
-              <a:rPr lang="en-US" sz="1600">
+              <a:rPr lang="en-US" sz="1800">
                 <a:solidFill>
                   <a:srgbClr val="7F007F"/>
                 </a:solidFill>
@@ -30557,7 +30551,7 @@
               <a:t>assert</a:t>
             </a:r>
             <a:r>
-              <a:rPr lang="en-US" sz="1600">
+              <a:rPr lang="en-US" sz="1800">
                 <a:solidFill>
                   <a:srgbClr val="000000"/>
                 </a:solidFill>
@@ -30568,7 +30562,7 @@
               <a:t> 1 == 1</a:t>
             </a:r>
             <a:br>
-              <a:rPr lang="en-US" sz="1600">
+              <a:rPr lang="en-US" sz="1800">
                 <a:solidFill>
                   <a:srgbClr val="000000"/>
                 </a:solidFill>
@@ -30578,7 +30572,7 @@
               </a:rPr>
             </a:br>
             <a:r>
-              <a:rPr lang="en-US" sz="1600">
+              <a:rPr lang="en-US" sz="1800">
                 <a:solidFill>
                   <a:srgbClr val="000000"/>
                 </a:solidFill>
@@ -30589,7 +30583,7 @@
               <a:t>    </a:t>
             </a:r>
             <a:r>
-              <a:rPr lang="en-US" sz="1600">
+              <a:rPr lang="en-US" sz="1800">
                 <a:solidFill>
                   <a:srgbClr val="7F007F"/>
                 </a:solidFill>
@@ -30600,7 +30594,7 @@
               <a:t>assert</a:t>
             </a:r>
             <a:r>
-              <a:rPr lang="en-US" sz="1600">
+              <a:rPr lang="en-US" sz="1800">
                 <a:solidFill>
                   <a:srgbClr val="000000"/>
                 </a:solidFill>
@@ -30611,7 +30605,7 @@
               <a:t> 2 * 3 == 6</a:t>
             </a:r>
             <a:br>
-              <a:rPr lang="en-US" sz="1600">
+              <a:rPr lang="en-US" sz="1800">
                 <a:solidFill>
                   <a:srgbClr val="000000"/>
                 </a:solidFill>
@@ -30621,7 +30615,7 @@
               </a:rPr>
             </a:br>
             <a:r>
-              <a:rPr lang="en-US" sz="1600">
+              <a:rPr lang="en-US" sz="1800">
                 <a:solidFill>
                   <a:srgbClr val="000000"/>
                 </a:solidFill>
@@ -30632,7 +30626,7 @@
               <a:t/>
             </a:r>
             <a:br>
-              <a:rPr lang="en-US" sz="1600">
+              <a:rPr lang="en-US" sz="1800">
                 <a:solidFill>
                   <a:srgbClr val="000000"/>
                 </a:solidFill>
@@ -30642,7 +30636,7 @@
               </a:rPr>
             </a:br>
             <a:r>
-              <a:rPr lang="en-US" sz="1600">
+              <a:rPr lang="en-US" sz="1800">
                 <a:solidFill>
                   <a:srgbClr val="7F007F"/>
                 </a:solidFill>
@@ -30653,7 +30647,7 @@
               <a:t>def</a:t>
             </a:r>
             <a:r>
-              <a:rPr lang="en-US" sz="1600">
+              <a:rPr lang="en-US" sz="1800">
                 <a:solidFill>
                   <a:srgbClr val="000000"/>
                 </a:solidFill>
@@ -30664,7 +30658,7 @@
               <a:t> </a:t>
             </a:r>
             <a:r>
-              <a:rPr lang="en-US" sz="1600">
+              <a:rPr lang="en-US" sz="1800">
                 <a:solidFill>
                   <a:srgbClr val="0000FF"/>
                 </a:solidFill>
@@ -30675,7 +30669,7 @@
               <a:t>test_len_list</a:t>
             </a:r>
             <a:r>
-              <a:rPr lang="en-US" sz="1600">
+              <a:rPr lang="en-US" sz="1800">
                 <a:solidFill>
                   <a:srgbClr val="000000"/>
                 </a:solidFill>
@@ -30686,7 +30680,7 @@
               <a:t>():</a:t>
             </a:r>
             <a:br>
-              <a:rPr lang="en-US" sz="1600">
+              <a:rPr lang="en-US" sz="1800">
                 <a:solidFill>
                   <a:srgbClr val="000000"/>
                 </a:solidFill>
@@ -30696,7 +30690,7 @@
               </a:rPr>
             </a:br>
             <a:r>
-              <a:rPr lang="en-US" sz="1600">
+              <a:rPr lang="en-US" sz="1800">
                 <a:solidFill>
                   <a:srgbClr val="000000"/>
                 </a:solidFill>
@@ -30707,7 +30701,7 @@
               <a:t>    lst = [</a:t>
             </a:r>
             <a:r>
-              <a:rPr lang="en-US" sz="1600">
+              <a:rPr lang="en-US" sz="1800">
                 <a:solidFill>
                   <a:srgbClr val="8B2252"/>
                 </a:solidFill>
@@ -30718,7 +30712,7 @@
               <a:t>'a'</a:t>
             </a:r>
             <a:r>
-              <a:rPr lang="en-US" sz="1600">
+              <a:rPr lang="en-US" sz="1800">
                 <a:solidFill>
                   <a:srgbClr val="000000"/>
                 </a:solidFill>
@@ -30729,7 +30723,7 @@
               <a:t>, </a:t>
             </a:r>
             <a:r>
-              <a:rPr lang="en-US" sz="1600">
+              <a:rPr lang="en-US" sz="1800">
                 <a:solidFill>
                   <a:srgbClr val="8B2252"/>
                 </a:solidFill>
@@ -30740,7 +30734,7 @@
               <a:t>'b'</a:t>
             </a:r>
             <a:r>
-              <a:rPr lang="en-US" sz="1600">
+              <a:rPr lang="en-US" sz="1800">
                 <a:solidFill>
                   <a:srgbClr val="000000"/>
                 </a:solidFill>
@@ -30751,7 +30745,7 @@
               <a:t>, </a:t>
             </a:r>
             <a:r>
-              <a:rPr lang="en-US" sz="1600">
+              <a:rPr lang="en-US" sz="1800">
                 <a:solidFill>
                   <a:srgbClr val="8B2252"/>
                 </a:solidFill>
@@ -30762,7 +30756,7 @@
               <a:t>'c'</a:t>
             </a:r>
             <a:r>
-              <a:rPr lang="en-US" sz="1600">
+              <a:rPr lang="en-US" sz="1800">
                 <a:solidFill>
                   <a:srgbClr val="000000"/>
                 </a:solidFill>
@@ -30773,7 +30767,7 @@
               <a:t>]</a:t>
             </a:r>
             <a:br>
-              <a:rPr lang="en-US" sz="1600">
+              <a:rPr lang="en-US" sz="1800">
                 <a:solidFill>
                   <a:srgbClr val="000000"/>
                 </a:solidFill>
@@ -30783,7 +30777,7 @@
               </a:rPr>
             </a:br>
             <a:r>
-              <a:rPr lang="en-US" sz="1600">
+              <a:rPr lang="en-US" sz="1800">
                 <a:solidFill>
                   <a:srgbClr val="000000"/>
                 </a:solidFill>
@@ -30794,7 +30788,7 @@
               <a:t>    </a:t>
             </a:r>
             <a:r>
-              <a:rPr lang="en-US" sz="1600">
+              <a:rPr lang="en-US" sz="1800">
                 <a:solidFill>
                   <a:srgbClr val="7F007F"/>
                 </a:solidFill>
@@ -30805,7 +30799,7 @@
               <a:t>assert</a:t>
             </a:r>
             <a:r>
-              <a:rPr lang="en-US" sz="1600">
+              <a:rPr lang="en-US" sz="1800">
                 <a:solidFill>
                   <a:srgbClr val="000000"/>
                 </a:solidFill>
@@ -30816,7 +30810,7 @@
               <a:t> </a:t>
             </a:r>
             <a:r>
-              <a:rPr lang="en-US" sz="1600">
+              <a:rPr lang="en-US" sz="1800">
                 <a:solidFill>
                   <a:srgbClr val="7F007F"/>
                 </a:solidFill>
@@ -30827,7 +30821,7 @@
               <a:t>len</a:t>
             </a:r>
             <a:r>
-              <a:rPr lang="en-US" sz="1600">
+              <a:rPr lang="en-US" sz="1800">
                 <a:solidFill>
                   <a:srgbClr val="000000"/>
                 </a:solidFill>
@@ -30838,7 +30832,7 @@
               <a:t>(lst) == 3</a:t>
             </a:r>
             <a:br>
-              <a:rPr lang="en-US" sz="1600">
+              <a:rPr lang="en-US" sz="1800">
                 <a:solidFill>
                   <a:srgbClr val="000000"/>
                 </a:solidFill>
@@ -30847,7 +30841,7 @@
                 <a:cs typeface="Courier New"/>
               </a:rPr>
             </a:br>
-            <a:endParaRPr lang="en-US" sz="1600">
+            <a:endParaRPr lang="en-US" sz="1800">
               <a:solidFill>
                 <a:srgbClr val="000000"/>
               </a:solidFill>
@@ -30858,7 +30852,7 @@
           </a:p>
           <a:p>
             <a:r>
-              <a:rPr lang="en-US" sz="1600">
+              <a:rPr lang="en-US" sz="1800">
                 <a:solidFill>
                   <a:srgbClr val="000000"/>
                 </a:solidFill>
@@ -30868,7 +30862,7 @@
               <a:t/>
             </a:r>
             <a:br>
-              <a:rPr lang="en-US" sz="1600">
+              <a:rPr lang="en-US" sz="1800">
                 <a:solidFill>
                   <a:srgbClr val="000000"/>
                 </a:solidFill>
@@ -30877,7 +30871,7 @@
               </a:rPr>
             </a:br>
             <a:r>
-              <a:rPr lang="en-US" sz="1600">
+              <a:rPr lang="en-US" sz="1800">
                 <a:solidFill>
                   <a:srgbClr val="000000"/>
                 </a:solidFill>
@@ -30887,7 +30881,7 @@
               <a:t/>
             </a:r>
             <a:br>
-              <a:rPr lang="en-US" sz="1600">
+              <a:rPr lang="en-US" sz="1800">
                 <a:solidFill>
                   <a:srgbClr val="000000"/>
                 </a:solidFill>
@@ -30895,7 +30889,7 @@
                 <a:latin typeface="Monaco"/>
               </a:rPr>
             </a:br>
-            <a:endParaRPr lang="en-US" sz="1600">
+            <a:endParaRPr lang="en-US" sz="1800">
               <a:solidFill>
                 <a:srgbClr val="000000"/>
               </a:solidFill>
@@ -30905,7 +30899,7 @@
           </a:p>
           <a:p>
             <a:pPr eaLnBrk="1" hangingPunct="1"/>
-            <a:endParaRPr lang="en-US" sz="1500" dirty="0">
+            <a:endParaRPr lang="en-US" sz="1600" dirty="0">
               <a:solidFill>
                 <a:srgbClr val="0000FF"/>
               </a:solidFill>
@@ -30931,7 +30925,7 @@
               <a:buNone/>
               <a:tabLst/>
             </a:pPr>
-            <a:endParaRPr lang="en-US" sz="1500" dirty="0">
+            <a:endParaRPr lang="en-US" sz="1600" dirty="0">
               <a:solidFill>
                 <a:srgbClr val="0000FF"/>
               </a:solidFill>
@@ -35639,7 +35633,7 @@
                 <a:latin typeface="Courier New"/>
                 <a:cs typeface="Courier New"/>
               </a:rPr>
-              <a:t>with self.assertRaises(IOError):</a:t>
+              <a:t>with raises(IOError):</a:t>
             </a:r>
             <a:br>
               <a:rPr lang="en-US" sz="2000" dirty="0">
@@ -35707,7 +35701,7 @@
                 <a:latin typeface="Courier New"/>
                 <a:cs typeface="Courier New"/>
               </a:rPr>
-              <a:t>with self.assertRaises(Exception):</a:t>
+              <a:t>with raises(Exception):</a:t>
             </a:r>
             <a:br>
               <a:rPr lang="en-US" sz="2000" dirty="0">
@@ -41690,7 +41684,6 @@
               <a:rPr lang="en-US"/>
               <a:t>Run the test again and watch it pass</a:t>
             </a:r>
-            <a:endParaRPr lang="en-US"/>
           </a:p>
         </p:txBody>
       </p:sp>
@@ -42209,17 +42202,7 @@
                   </a:schemeClr>
                 </a:solidFill>
               </a:rPr>
-              <a:t> is m</a:t>
-            </a:r>
-            <a:r>
-              <a:rPr lang="en-US" dirty="0">
-                <a:solidFill>
-                  <a:schemeClr val="bg1">
-                    <a:lumMod val="75000"/>
-                  </a:schemeClr>
-                </a:solidFill>
-              </a:rPr>
-              <a:t>ain requirement for scientific code</a:t>
+              <a:t> is main requirement for scientific code</a:t>
             </a:r>
           </a:p>
           <a:p>
@@ -42856,7 +42839,7 @@
           <a:p>
             <a:r>
               <a:rPr lang="en-US"/>
-              <a:t>Warm-up exercise</a:t>
+              <a:t>Warm-up project</a:t>
             </a:r>
           </a:p>
         </p:txBody>
@@ -49074,27 +49057,6 @@
             <a:normAutofit/>
           </a:bodyPr>
           <a:lstStyle/>
-          <a:p>
-            <a:r>
-              <a:rPr lang="en-GB" dirty="0"/>
-              <a:t>They laughed when she started writing tests. </a:t>
-            </a:r>
-            <a:br>
-              <a:rPr lang="en-GB" dirty="0"/>
-            </a:br>
-            <a:r>
-              <a:rPr lang="en-GB" dirty="0"/>
-              <a:t>But when she got tenure</a:t>
-            </a:r>
-            <a:r>
-              <a:rPr lang="is-IS" dirty="0"/>
-              <a:t>…</a:t>
-            </a:r>
-            <a:endParaRPr lang="en-GB" dirty="0"/>
-          </a:p>
-          <a:p>
-            <a:endParaRPr lang="en-GB" dirty="0" smtClean="0"/>
-          </a:p>
           <a:p>
             <a:r>
               <a:rPr lang="en-GB" dirty="0"/>

--- a/testing-debugging-profiling.pptx
+++ b/testing-debugging-profiling.pptx
@@ -5,10 +5,10 @@
     <p:sldMasterId id="2147483660" r:id="rId1"/>
   </p:sldMasterIdLst>
   <p:notesMasterIdLst>
-    <p:notesMasterId r:id="rId79"/>
+    <p:notesMasterId r:id="rId78"/>
   </p:notesMasterIdLst>
   <p:handoutMasterIdLst>
-    <p:handoutMasterId r:id="rId80"/>
+    <p:handoutMasterId r:id="rId79"/>
   </p:handoutMasterIdLst>
   <p:sldIdLst>
     <p:sldId id="273" r:id="rId2"/>
@@ -42,52 +42,51 @@
     <p:sldId id="459" r:id="rId30"/>
     <p:sldId id="342" r:id="rId31"/>
     <p:sldId id="379" r:id="rId32"/>
-    <p:sldId id="417" r:id="rId33"/>
-    <p:sldId id="347" r:id="rId34"/>
-    <p:sldId id="348" r:id="rId35"/>
-    <p:sldId id="349" r:id="rId36"/>
-    <p:sldId id="350" r:id="rId37"/>
-    <p:sldId id="351" r:id="rId38"/>
-    <p:sldId id="317" r:id="rId39"/>
-    <p:sldId id="425" r:id="rId40"/>
-    <p:sldId id="318" r:id="rId41"/>
-    <p:sldId id="319" r:id="rId42"/>
-    <p:sldId id="316" r:id="rId43"/>
-    <p:sldId id="306" r:id="rId44"/>
-    <p:sldId id="469" r:id="rId45"/>
-    <p:sldId id="494" r:id="rId46"/>
-    <p:sldId id="359" r:id="rId47"/>
-    <p:sldId id="381" r:id="rId48"/>
-    <p:sldId id="481" r:id="rId49"/>
-    <p:sldId id="430" r:id="rId50"/>
-    <p:sldId id="419" r:id="rId51"/>
-    <p:sldId id="464" r:id="rId52"/>
-    <p:sldId id="358" r:id="rId53"/>
-    <p:sldId id="275" r:id="rId54"/>
-    <p:sldId id="397" r:id="rId55"/>
-    <p:sldId id="453" r:id="rId56"/>
-    <p:sldId id="452" r:id="rId57"/>
-    <p:sldId id="284" r:id="rId58"/>
-    <p:sldId id="454" r:id="rId59"/>
-    <p:sldId id="390" r:id="rId60"/>
-    <p:sldId id="465" r:id="rId61"/>
-    <p:sldId id="493" r:id="rId62"/>
-    <p:sldId id="391" r:id="rId63"/>
-    <p:sldId id="468" r:id="rId64"/>
-    <p:sldId id="482" r:id="rId65"/>
-    <p:sldId id="483" r:id="rId66"/>
-    <p:sldId id="484" r:id="rId67"/>
-    <p:sldId id="485" r:id="rId68"/>
-    <p:sldId id="486" r:id="rId69"/>
-    <p:sldId id="487" r:id="rId70"/>
-    <p:sldId id="488" r:id="rId71"/>
-    <p:sldId id="489" r:id="rId72"/>
-    <p:sldId id="490" r:id="rId73"/>
-    <p:sldId id="476" r:id="rId74"/>
-    <p:sldId id="355" r:id="rId75"/>
-    <p:sldId id="288" r:id="rId76"/>
-    <p:sldId id="477" r:id="rId77"/>
-    <p:sldId id="298" r:id="rId78"/>
+    <p:sldId id="347" r:id="rId33"/>
+    <p:sldId id="348" r:id="rId34"/>
+    <p:sldId id="349" r:id="rId35"/>
+    <p:sldId id="350" r:id="rId36"/>
+    <p:sldId id="351" r:id="rId37"/>
+    <p:sldId id="317" r:id="rId38"/>
+    <p:sldId id="425" r:id="rId39"/>
+    <p:sldId id="318" r:id="rId40"/>
+    <p:sldId id="319" r:id="rId41"/>
+    <p:sldId id="316" r:id="rId42"/>
+    <p:sldId id="306" r:id="rId43"/>
+    <p:sldId id="469" r:id="rId44"/>
+    <p:sldId id="494" r:id="rId45"/>
+    <p:sldId id="359" r:id="rId46"/>
+    <p:sldId id="381" r:id="rId47"/>
+    <p:sldId id="481" r:id="rId48"/>
+    <p:sldId id="430" r:id="rId49"/>
+    <p:sldId id="419" r:id="rId50"/>
+    <p:sldId id="464" r:id="rId51"/>
+    <p:sldId id="358" r:id="rId52"/>
+    <p:sldId id="275" r:id="rId53"/>
+    <p:sldId id="397" r:id="rId54"/>
+    <p:sldId id="453" r:id="rId55"/>
+    <p:sldId id="452" r:id="rId56"/>
+    <p:sldId id="284" r:id="rId57"/>
+    <p:sldId id="454" r:id="rId58"/>
+    <p:sldId id="390" r:id="rId59"/>
+    <p:sldId id="465" r:id="rId60"/>
+    <p:sldId id="493" r:id="rId61"/>
+    <p:sldId id="391" r:id="rId62"/>
+    <p:sldId id="468" r:id="rId63"/>
+    <p:sldId id="482" r:id="rId64"/>
+    <p:sldId id="483" r:id="rId65"/>
+    <p:sldId id="484" r:id="rId66"/>
+    <p:sldId id="485" r:id="rId67"/>
+    <p:sldId id="486" r:id="rId68"/>
+    <p:sldId id="487" r:id="rId69"/>
+    <p:sldId id="488" r:id="rId70"/>
+    <p:sldId id="489" r:id="rId71"/>
+    <p:sldId id="490" r:id="rId72"/>
+    <p:sldId id="476" r:id="rId73"/>
+    <p:sldId id="355" r:id="rId74"/>
+    <p:sldId id="288" r:id="rId75"/>
+    <p:sldId id="477" r:id="rId76"/>
+    <p:sldId id="298" r:id="rId77"/>
   </p:sldIdLst>
   <p:sldSz cx="9144000" cy="6858000" type="screen4x3"/>
   <p:notesSz cx="6858000" cy="9144000"/>
@@ -252,7 +251,6 @@
             <p14:sldId id="459"/>
             <p14:sldId id="342"/>
             <p14:sldId id="379"/>
-            <p14:sldId id="417"/>
             <p14:sldId id="347"/>
             <p14:sldId id="348"/>
             <p14:sldId id="349"/>
@@ -6671,24 +6669,24 @@
   </dgm:ptLst>
   <dgm:cxnLst>
     <dgm:cxn modelId="{8747F884-7CA4-413D-AFAC-DD5CAE19DDA5}" srcId="{47AA4630-B738-4650-913F-7378CC40D312}" destId="{6CD60870-D228-4E7C-AB37-75604251742A}" srcOrd="2" destOrd="0" parTransId="{75E4D45F-C716-48A2-8E57-584BA67C4566}" sibTransId="{04BB66AA-DBE2-4BFD-A94E-A31165187E75}"/>
+    <dgm:cxn modelId="{B9FDB916-0E3A-45DF-B817-B4FF0DF0DD0F}" srcId="{47AA4630-B738-4650-913F-7378CC40D312}" destId="{96BC0EEB-57F0-4267-86F0-4EA98B40D230}" srcOrd="4" destOrd="0" parTransId="{A57BE1BC-E807-47AE-8640-A3F276768BED}" sibTransId="{062036D4-7094-47BF-9BE9-A58B2E6A4D41}"/>
     <dgm:cxn modelId="{D502F2CB-B89C-E34F-A6DF-89B1A25FEDE7}" type="presOf" srcId="{D8FC48C4-469B-40DC-950F-ABA168836D34}" destId="{3725F2C1-AA1D-49A3-9D73-9D444D08CE71}" srcOrd="0" destOrd="0" presId="urn:microsoft.com/office/officeart/2005/8/layout/process2"/>
-    <dgm:cxn modelId="{B9FDB916-0E3A-45DF-B817-B4FF0DF0DD0F}" srcId="{47AA4630-B738-4650-913F-7378CC40D312}" destId="{96BC0EEB-57F0-4267-86F0-4EA98B40D230}" srcOrd="4" destOrd="0" parTransId="{A57BE1BC-E807-47AE-8640-A3F276768BED}" sibTransId="{062036D4-7094-47BF-9BE9-A58B2E6A4D41}"/>
+    <dgm:cxn modelId="{CF6FC7B7-1ABC-5A44-B057-88C52247DFDB}" type="presOf" srcId="{6CD60870-D228-4E7C-AB37-75604251742A}" destId="{3FA6B472-D1F3-409B-BF18-F1310278CB78}" srcOrd="0" destOrd="0" presId="urn:microsoft.com/office/officeart/2005/8/layout/process2"/>
+    <dgm:cxn modelId="{0F95B477-3571-3442-BE80-0888F825957B}" srcId="{47AA4630-B738-4650-913F-7378CC40D312}" destId="{E188BD28-8BF3-DF4E-89B0-D0D9BDDAD858}" srcOrd="0" destOrd="0" parTransId="{36E39B49-FFE1-4141-AC7D-DEC0690E85F8}" sibTransId="{7764EA43-B182-BC4F-BCDA-333200F918B8}"/>
+    <dgm:cxn modelId="{FA0C0E2A-C034-524E-B609-3005A3507C7A}" type="presOf" srcId="{04BB66AA-DBE2-4BFD-A94E-A31165187E75}" destId="{E202264D-36A3-408A-9050-7FBD30D2645C}" srcOrd="0" destOrd="0" presId="urn:microsoft.com/office/officeart/2005/8/layout/process2"/>
+    <dgm:cxn modelId="{298F934D-0BC7-3B4B-8998-C29A1E2FA2F5}" type="presOf" srcId="{CB49FD0C-9B39-4860-B781-669D9FC3FB40}" destId="{BD1FA95E-C45B-4671-BBAB-95DCE436E052}" srcOrd="1" destOrd="0" presId="urn:microsoft.com/office/officeart/2005/8/layout/process2"/>
+    <dgm:cxn modelId="{29DFC02F-6195-3043-8F91-015C50C4CEAE}" type="presOf" srcId="{7764EA43-B182-BC4F-BCDA-333200F918B8}" destId="{5EB7E61C-215B-AD45-8738-514EF8F5F4E5}" srcOrd="1" destOrd="0" presId="urn:microsoft.com/office/officeart/2005/8/layout/process2"/>
+    <dgm:cxn modelId="{3F4C1D19-41C5-5C46-AB27-79D2FA146B21}" type="presOf" srcId="{E188BD28-8BF3-DF4E-89B0-D0D9BDDAD858}" destId="{8B185A30-22C7-6840-8D3E-58B36EE38549}" srcOrd="0" destOrd="0" presId="urn:microsoft.com/office/officeart/2005/8/layout/process2"/>
+    <dgm:cxn modelId="{165AE32A-34E6-4032-86AF-87A045F8F59C}" srcId="{47AA4630-B738-4650-913F-7378CC40D312}" destId="{D8FC48C4-469B-40DC-950F-ABA168836D34}" srcOrd="3" destOrd="0" parTransId="{3B29C759-9861-4F5A-9C39-84993FBBD849}" sibTransId="{CB49FD0C-9B39-4860-B781-669D9FC3FB40}"/>
+    <dgm:cxn modelId="{D086F928-FE0E-4B47-8C13-5FF4984C9F9C}" type="presOf" srcId="{EFB1699C-C280-416C-B6B3-B9CB2E52EAA1}" destId="{143F6140-E7F1-4CCF-A9B1-524762512517}" srcOrd="0" destOrd="0" presId="urn:microsoft.com/office/officeart/2005/8/layout/process2"/>
+    <dgm:cxn modelId="{FF83F153-2D58-2E4E-B3E7-2B6600349125}" type="presOf" srcId="{04BB66AA-DBE2-4BFD-A94E-A31165187E75}" destId="{E3B3E849-56D6-49C5-932E-7B5B0F9F195C}" srcOrd="1" destOrd="0" presId="urn:microsoft.com/office/officeart/2005/8/layout/process2"/>
+    <dgm:cxn modelId="{B8E8490A-B09C-734B-A716-413F24EA4012}" type="presOf" srcId="{EFB1699C-C280-416C-B6B3-B9CB2E52EAA1}" destId="{B2BEE0C4-D8B2-432A-8CB1-C2162205DCA3}" srcOrd="1" destOrd="0" presId="urn:microsoft.com/office/officeart/2005/8/layout/process2"/>
+    <dgm:cxn modelId="{F91E15A7-C24F-4D74-8B1A-D7C0021B8888}" srcId="{47AA4630-B738-4650-913F-7378CC40D312}" destId="{97DB59AD-8506-4A74-BB78-BA533F4FB10F}" srcOrd="1" destOrd="0" parTransId="{E5F038C7-DBC4-490A-AAFB-6D151F9C0538}" sibTransId="{EFB1699C-C280-416C-B6B3-B9CB2E52EAA1}"/>
+    <dgm:cxn modelId="{4F77C843-7170-FB42-AD56-04C07B5BA200}" type="presOf" srcId="{96BC0EEB-57F0-4267-86F0-4EA98B40D230}" destId="{C45FEE31-6BF1-4E83-9497-1224D8F07991}" srcOrd="0" destOrd="0" presId="urn:microsoft.com/office/officeart/2005/8/layout/process2"/>
+    <dgm:cxn modelId="{9D8E6E91-508B-E540-99ED-C0D4895B5537}" type="presOf" srcId="{CB49FD0C-9B39-4860-B781-669D9FC3FB40}" destId="{B4CC5E68-BD20-49EE-86FA-E08541A3FE12}" srcOrd="0" destOrd="0" presId="urn:microsoft.com/office/officeart/2005/8/layout/process2"/>
+    <dgm:cxn modelId="{9ED44D31-D359-7A48-807F-414B7B57652D}" type="presOf" srcId="{47AA4630-B738-4650-913F-7378CC40D312}" destId="{7A234B30-A436-41B7-96D9-05CCC2F7ADDC}" srcOrd="0" destOrd="0" presId="urn:microsoft.com/office/officeart/2005/8/layout/process2"/>
     <dgm:cxn modelId="{1B5D7B5E-5E25-644F-BB4B-F1E7896D0731}" type="presOf" srcId="{97DB59AD-8506-4A74-BB78-BA533F4FB10F}" destId="{87C32DCB-D7CA-425A-A14D-DC1B34BAA990}" srcOrd="0" destOrd="0" presId="urn:microsoft.com/office/officeart/2005/8/layout/process2"/>
-    <dgm:cxn modelId="{D086F928-FE0E-4B47-8C13-5FF4984C9F9C}" type="presOf" srcId="{EFB1699C-C280-416C-B6B3-B9CB2E52EAA1}" destId="{143F6140-E7F1-4CCF-A9B1-524762512517}" srcOrd="0" destOrd="0" presId="urn:microsoft.com/office/officeart/2005/8/layout/process2"/>
-    <dgm:cxn modelId="{B8E8490A-B09C-734B-A716-413F24EA4012}" type="presOf" srcId="{EFB1699C-C280-416C-B6B3-B9CB2E52EAA1}" destId="{B2BEE0C4-D8B2-432A-8CB1-C2162205DCA3}" srcOrd="1" destOrd="0" presId="urn:microsoft.com/office/officeart/2005/8/layout/process2"/>
-    <dgm:cxn modelId="{9D8E6E91-508B-E540-99ED-C0D4895B5537}" type="presOf" srcId="{CB49FD0C-9B39-4860-B781-669D9FC3FB40}" destId="{B4CC5E68-BD20-49EE-86FA-E08541A3FE12}" srcOrd="0" destOrd="0" presId="urn:microsoft.com/office/officeart/2005/8/layout/process2"/>
-    <dgm:cxn modelId="{29DFC02F-6195-3043-8F91-015C50C4CEAE}" type="presOf" srcId="{7764EA43-B182-BC4F-BCDA-333200F918B8}" destId="{5EB7E61C-215B-AD45-8738-514EF8F5F4E5}" srcOrd="1" destOrd="0" presId="urn:microsoft.com/office/officeart/2005/8/layout/process2"/>
-    <dgm:cxn modelId="{F91E15A7-C24F-4D74-8B1A-D7C0021B8888}" srcId="{47AA4630-B738-4650-913F-7378CC40D312}" destId="{97DB59AD-8506-4A74-BB78-BA533F4FB10F}" srcOrd="1" destOrd="0" parTransId="{E5F038C7-DBC4-490A-AAFB-6D151F9C0538}" sibTransId="{EFB1699C-C280-416C-B6B3-B9CB2E52EAA1}"/>
     <dgm:cxn modelId="{9C518300-8071-B04B-8A6B-F7BFA0AC4999}" type="presOf" srcId="{7764EA43-B182-BC4F-BCDA-333200F918B8}" destId="{66533B70-8731-2345-9B98-5A7A7F80153B}" srcOrd="0" destOrd="0" presId="urn:microsoft.com/office/officeart/2005/8/layout/process2"/>
-    <dgm:cxn modelId="{FF83F153-2D58-2E4E-B3E7-2B6600349125}" type="presOf" srcId="{04BB66AA-DBE2-4BFD-A94E-A31165187E75}" destId="{E3B3E849-56D6-49C5-932E-7B5B0F9F195C}" srcOrd="1" destOrd="0" presId="urn:microsoft.com/office/officeart/2005/8/layout/process2"/>
-    <dgm:cxn modelId="{0F95B477-3571-3442-BE80-0888F825957B}" srcId="{47AA4630-B738-4650-913F-7378CC40D312}" destId="{E188BD28-8BF3-DF4E-89B0-D0D9BDDAD858}" srcOrd="0" destOrd="0" parTransId="{36E39B49-FFE1-4141-AC7D-DEC0690E85F8}" sibTransId="{7764EA43-B182-BC4F-BCDA-333200F918B8}"/>
-    <dgm:cxn modelId="{3F4C1D19-41C5-5C46-AB27-79D2FA146B21}" type="presOf" srcId="{E188BD28-8BF3-DF4E-89B0-D0D9BDDAD858}" destId="{8B185A30-22C7-6840-8D3E-58B36EE38549}" srcOrd="0" destOrd="0" presId="urn:microsoft.com/office/officeart/2005/8/layout/process2"/>
-    <dgm:cxn modelId="{298F934D-0BC7-3B4B-8998-C29A1E2FA2F5}" type="presOf" srcId="{CB49FD0C-9B39-4860-B781-669D9FC3FB40}" destId="{BD1FA95E-C45B-4671-BBAB-95DCE436E052}" srcOrd="1" destOrd="0" presId="urn:microsoft.com/office/officeart/2005/8/layout/process2"/>
-    <dgm:cxn modelId="{4F77C843-7170-FB42-AD56-04C07B5BA200}" type="presOf" srcId="{96BC0EEB-57F0-4267-86F0-4EA98B40D230}" destId="{C45FEE31-6BF1-4E83-9497-1224D8F07991}" srcOrd="0" destOrd="0" presId="urn:microsoft.com/office/officeart/2005/8/layout/process2"/>
-    <dgm:cxn modelId="{165AE32A-34E6-4032-86AF-87A045F8F59C}" srcId="{47AA4630-B738-4650-913F-7378CC40D312}" destId="{D8FC48C4-469B-40DC-950F-ABA168836D34}" srcOrd="3" destOrd="0" parTransId="{3B29C759-9861-4F5A-9C39-84993FBBD849}" sibTransId="{CB49FD0C-9B39-4860-B781-669D9FC3FB40}"/>
-    <dgm:cxn modelId="{CF6FC7B7-1ABC-5A44-B057-88C52247DFDB}" type="presOf" srcId="{6CD60870-D228-4E7C-AB37-75604251742A}" destId="{3FA6B472-D1F3-409B-BF18-F1310278CB78}" srcOrd="0" destOrd="0" presId="urn:microsoft.com/office/officeart/2005/8/layout/process2"/>
-    <dgm:cxn modelId="{9ED44D31-D359-7A48-807F-414B7B57652D}" type="presOf" srcId="{47AA4630-B738-4650-913F-7378CC40D312}" destId="{7A234B30-A436-41B7-96D9-05CCC2F7ADDC}" srcOrd="0" destOrd="0" presId="urn:microsoft.com/office/officeart/2005/8/layout/process2"/>
-    <dgm:cxn modelId="{FA0C0E2A-C034-524E-B609-3005A3507C7A}" type="presOf" srcId="{04BB66AA-DBE2-4BFD-A94E-A31165187E75}" destId="{E202264D-36A3-408A-9050-7FBD30D2645C}" srcOrd="0" destOrd="0" presId="urn:microsoft.com/office/officeart/2005/8/layout/process2"/>
     <dgm:cxn modelId="{D10CBB14-61D0-5A4C-9A50-E26F9C5EB347}" type="presParOf" srcId="{7A234B30-A436-41B7-96D9-05CCC2F7ADDC}" destId="{8B185A30-22C7-6840-8D3E-58B36EE38549}" srcOrd="0" destOrd="0" presId="urn:microsoft.com/office/officeart/2005/8/layout/process2"/>
     <dgm:cxn modelId="{8FE40D00-E814-1443-BEB0-B3CC291F595A}" type="presParOf" srcId="{7A234B30-A436-41B7-96D9-05CCC2F7ADDC}" destId="{66533B70-8731-2345-9B98-5A7A7F80153B}" srcOrd="1" destOrd="0" presId="urn:microsoft.com/office/officeart/2005/8/layout/process2"/>
     <dgm:cxn modelId="{A24DEC56-1878-E64B-9D73-E456A25FB8B9}" type="presParOf" srcId="{66533B70-8731-2345-9B98-5A7A7F80153B}" destId="{5EB7E61C-215B-AD45-8738-514EF8F5F4E5}" srcOrd="0" destOrd="0" presId="urn:microsoft.com/office/officeart/2005/8/layout/process2"/>
@@ -7268,24 +7266,24 @@
   </dgm:ptLst>
   <dgm:cxnLst>
     <dgm:cxn modelId="{8747F884-7CA4-413D-AFAC-DD5CAE19DDA5}" srcId="{47AA4630-B738-4650-913F-7378CC40D312}" destId="{6CD60870-D228-4E7C-AB37-75604251742A}" srcOrd="2" destOrd="0" parTransId="{75E4D45F-C716-48A2-8E57-584BA67C4566}" sibTransId="{04BB66AA-DBE2-4BFD-A94E-A31165187E75}"/>
+    <dgm:cxn modelId="{B9FDB916-0E3A-45DF-B817-B4FF0DF0DD0F}" srcId="{47AA4630-B738-4650-913F-7378CC40D312}" destId="{96BC0EEB-57F0-4267-86F0-4EA98B40D230}" srcOrd="4" destOrd="0" parTransId="{A57BE1BC-E807-47AE-8640-A3F276768BED}" sibTransId="{062036D4-7094-47BF-9BE9-A58B2E6A4D41}"/>
+    <dgm:cxn modelId="{F4F8E3FF-6FD5-6745-A94E-2A3A6F209DFF}" type="presOf" srcId="{CB49FD0C-9B39-4860-B781-669D9FC3FB40}" destId="{BD1FA95E-C45B-4671-BBAB-95DCE436E052}" srcOrd="1" destOrd="0" presId="urn:microsoft.com/office/officeart/2005/8/layout/process2"/>
+    <dgm:cxn modelId="{0E210A85-09CF-AA45-A9A9-05D250FD2536}" type="presOf" srcId="{E188BD28-8BF3-DF4E-89B0-D0D9BDDAD858}" destId="{8B185A30-22C7-6840-8D3E-58B36EE38549}" srcOrd="0" destOrd="0" presId="urn:microsoft.com/office/officeart/2005/8/layout/process2"/>
+    <dgm:cxn modelId="{F91E15A7-C24F-4D74-8B1A-D7C0021B8888}" srcId="{47AA4630-B738-4650-913F-7378CC40D312}" destId="{97DB59AD-8506-4A74-BB78-BA533F4FB10F}" srcOrd="1" destOrd="0" parTransId="{E5F038C7-DBC4-490A-AAFB-6D151F9C0538}" sibTransId="{EFB1699C-C280-416C-B6B3-B9CB2E52EAA1}"/>
+    <dgm:cxn modelId="{53D6E192-6B91-4748-A7C9-998CF3DA9B64}" type="presOf" srcId="{CB49FD0C-9B39-4860-B781-669D9FC3FB40}" destId="{B4CC5E68-BD20-49EE-86FA-E08541A3FE12}" srcOrd="0" destOrd="0" presId="urn:microsoft.com/office/officeart/2005/8/layout/process2"/>
+    <dgm:cxn modelId="{E40B25C4-5FF1-D246-9715-8E798430839E}" type="presOf" srcId="{7764EA43-B182-BC4F-BCDA-333200F918B8}" destId="{66533B70-8731-2345-9B98-5A7A7F80153B}" srcOrd="0" destOrd="0" presId="urn:microsoft.com/office/officeart/2005/8/layout/process2"/>
+    <dgm:cxn modelId="{0F95B477-3571-3442-BE80-0888F825957B}" srcId="{47AA4630-B738-4650-913F-7378CC40D312}" destId="{E188BD28-8BF3-DF4E-89B0-D0D9BDDAD858}" srcOrd="0" destOrd="0" parTransId="{36E39B49-FFE1-4141-AC7D-DEC0690E85F8}" sibTransId="{7764EA43-B182-BC4F-BCDA-333200F918B8}"/>
+    <dgm:cxn modelId="{2D0ABAC6-DA91-8D46-B554-E9457DCF3A92}" type="presOf" srcId="{47AA4630-B738-4650-913F-7378CC40D312}" destId="{7A234B30-A436-41B7-96D9-05CCC2F7ADDC}" srcOrd="0" destOrd="0" presId="urn:microsoft.com/office/officeart/2005/8/layout/process2"/>
+    <dgm:cxn modelId="{3E1261D4-078C-EE4B-AFC6-897F3D5D71BD}" type="presOf" srcId="{EFB1699C-C280-416C-B6B3-B9CB2E52EAA1}" destId="{B2BEE0C4-D8B2-432A-8CB1-C2162205DCA3}" srcOrd="1" destOrd="0" presId="urn:microsoft.com/office/officeart/2005/8/layout/process2"/>
+    <dgm:cxn modelId="{EB39C2AD-FD57-5049-B098-258DD88E7496}" type="presOf" srcId="{04BB66AA-DBE2-4BFD-A94E-A31165187E75}" destId="{E202264D-36A3-408A-9050-7FBD30D2645C}" srcOrd="0" destOrd="0" presId="urn:microsoft.com/office/officeart/2005/8/layout/process2"/>
+    <dgm:cxn modelId="{165AE32A-34E6-4032-86AF-87A045F8F59C}" srcId="{47AA4630-B738-4650-913F-7378CC40D312}" destId="{D8FC48C4-469B-40DC-950F-ABA168836D34}" srcOrd="3" destOrd="0" parTransId="{3B29C759-9861-4F5A-9C39-84993FBBD849}" sibTransId="{CB49FD0C-9B39-4860-B781-669D9FC3FB40}"/>
+    <dgm:cxn modelId="{9DF0477C-A764-8B4F-B772-DEA08EF5B2B1}" type="presOf" srcId="{D8FC48C4-469B-40DC-950F-ABA168836D34}" destId="{3725F2C1-AA1D-49A3-9D73-9D444D08CE71}" srcOrd="0" destOrd="0" presId="urn:microsoft.com/office/officeart/2005/8/layout/process2"/>
+    <dgm:cxn modelId="{33D39394-D06E-3C45-A948-C1FD1F42BE5D}" type="presOf" srcId="{6CD60870-D228-4E7C-AB37-75604251742A}" destId="{3FA6B472-D1F3-409B-BF18-F1310278CB78}" srcOrd="0" destOrd="0" presId="urn:microsoft.com/office/officeart/2005/8/layout/process2"/>
+    <dgm:cxn modelId="{D365E894-A5EB-1247-B4AA-97AE89C3B6F1}" type="presOf" srcId="{EFB1699C-C280-416C-B6B3-B9CB2E52EAA1}" destId="{143F6140-E7F1-4CCF-A9B1-524762512517}" srcOrd="0" destOrd="0" presId="urn:microsoft.com/office/officeart/2005/8/layout/process2"/>
+    <dgm:cxn modelId="{6689F0B5-F6D2-6146-A3CC-16A7F09ECD95}" type="presOf" srcId="{97DB59AD-8506-4A74-BB78-BA533F4FB10F}" destId="{87C32DCB-D7CA-425A-A14D-DC1B34BAA990}" srcOrd="0" destOrd="0" presId="urn:microsoft.com/office/officeart/2005/8/layout/process2"/>
+    <dgm:cxn modelId="{26575D07-F418-0F47-847E-EB1CD13E562B}" type="presOf" srcId="{96BC0EEB-57F0-4267-86F0-4EA98B40D230}" destId="{C45FEE31-6BF1-4E83-9497-1224D8F07991}" srcOrd="0" destOrd="0" presId="urn:microsoft.com/office/officeart/2005/8/layout/process2"/>
     <dgm:cxn modelId="{9DCAD1AE-AE8F-C542-993A-46832AD7E3F7}" type="presOf" srcId="{04BB66AA-DBE2-4BFD-A94E-A31165187E75}" destId="{E3B3E849-56D6-49C5-932E-7B5B0F9F195C}" srcOrd="1" destOrd="0" presId="urn:microsoft.com/office/officeart/2005/8/layout/process2"/>
-    <dgm:cxn modelId="{B9FDB916-0E3A-45DF-B817-B4FF0DF0DD0F}" srcId="{47AA4630-B738-4650-913F-7378CC40D312}" destId="{96BC0EEB-57F0-4267-86F0-4EA98B40D230}" srcOrd="4" destOrd="0" parTransId="{A57BE1BC-E807-47AE-8640-A3F276768BED}" sibTransId="{062036D4-7094-47BF-9BE9-A58B2E6A4D41}"/>
-    <dgm:cxn modelId="{6689F0B5-F6D2-6146-A3CC-16A7F09ECD95}" type="presOf" srcId="{97DB59AD-8506-4A74-BB78-BA533F4FB10F}" destId="{87C32DCB-D7CA-425A-A14D-DC1B34BAA990}" srcOrd="0" destOrd="0" presId="urn:microsoft.com/office/officeart/2005/8/layout/process2"/>
-    <dgm:cxn modelId="{EB39C2AD-FD57-5049-B098-258DD88E7496}" type="presOf" srcId="{04BB66AA-DBE2-4BFD-A94E-A31165187E75}" destId="{E202264D-36A3-408A-9050-7FBD30D2645C}" srcOrd="0" destOrd="0" presId="urn:microsoft.com/office/officeart/2005/8/layout/process2"/>
-    <dgm:cxn modelId="{0F95B477-3571-3442-BE80-0888F825957B}" srcId="{47AA4630-B738-4650-913F-7378CC40D312}" destId="{E188BD28-8BF3-DF4E-89B0-D0D9BDDAD858}" srcOrd="0" destOrd="0" parTransId="{36E39B49-FFE1-4141-AC7D-DEC0690E85F8}" sibTransId="{7764EA43-B182-BC4F-BCDA-333200F918B8}"/>
-    <dgm:cxn modelId="{F4F8E3FF-6FD5-6745-A94E-2A3A6F209DFF}" type="presOf" srcId="{CB49FD0C-9B39-4860-B781-669D9FC3FB40}" destId="{BD1FA95E-C45B-4671-BBAB-95DCE436E052}" srcOrd="1" destOrd="0" presId="urn:microsoft.com/office/officeart/2005/8/layout/process2"/>
-    <dgm:cxn modelId="{E40B25C4-5FF1-D246-9715-8E798430839E}" type="presOf" srcId="{7764EA43-B182-BC4F-BCDA-333200F918B8}" destId="{66533B70-8731-2345-9B98-5A7A7F80153B}" srcOrd="0" destOrd="0" presId="urn:microsoft.com/office/officeart/2005/8/layout/process2"/>
-    <dgm:cxn modelId="{165AE32A-34E6-4032-86AF-87A045F8F59C}" srcId="{47AA4630-B738-4650-913F-7378CC40D312}" destId="{D8FC48C4-469B-40DC-950F-ABA168836D34}" srcOrd="3" destOrd="0" parTransId="{3B29C759-9861-4F5A-9C39-84993FBBD849}" sibTransId="{CB49FD0C-9B39-4860-B781-669D9FC3FB40}"/>
     <dgm:cxn modelId="{258E6188-D24E-5243-86FE-FF33A3DEEA39}" type="presOf" srcId="{7764EA43-B182-BC4F-BCDA-333200F918B8}" destId="{5EB7E61C-215B-AD45-8738-514EF8F5F4E5}" srcOrd="1" destOrd="0" presId="urn:microsoft.com/office/officeart/2005/8/layout/process2"/>
-    <dgm:cxn modelId="{3E1261D4-078C-EE4B-AFC6-897F3D5D71BD}" type="presOf" srcId="{EFB1699C-C280-416C-B6B3-B9CB2E52EAA1}" destId="{B2BEE0C4-D8B2-432A-8CB1-C2162205DCA3}" srcOrd="1" destOrd="0" presId="urn:microsoft.com/office/officeart/2005/8/layout/process2"/>
-    <dgm:cxn modelId="{2D0ABAC6-DA91-8D46-B554-E9457DCF3A92}" type="presOf" srcId="{47AA4630-B738-4650-913F-7378CC40D312}" destId="{7A234B30-A436-41B7-96D9-05CCC2F7ADDC}" srcOrd="0" destOrd="0" presId="urn:microsoft.com/office/officeart/2005/8/layout/process2"/>
-    <dgm:cxn modelId="{D365E894-A5EB-1247-B4AA-97AE89C3B6F1}" type="presOf" srcId="{EFB1699C-C280-416C-B6B3-B9CB2E52EAA1}" destId="{143F6140-E7F1-4CCF-A9B1-524762512517}" srcOrd="0" destOrd="0" presId="urn:microsoft.com/office/officeart/2005/8/layout/process2"/>
-    <dgm:cxn modelId="{F91E15A7-C24F-4D74-8B1A-D7C0021B8888}" srcId="{47AA4630-B738-4650-913F-7378CC40D312}" destId="{97DB59AD-8506-4A74-BB78-BA533F4FB10F}" srcOrd="1" destOrd="0" parTransId="{E5F038C7-DBC4-490A-AAFB-6D151F9C0538}" sibTransId="{EFB1699C-C280-416C-B6B3-B9CB2E52EAA1}"/>
-    <dgm:cxn modelId="{9DF0477C-A764-8B4F-B772-DEA08EF5B2B1}" type="presOf" srcId="{D8FC48C4-469B-40DC-950F-ABA168836D34}" destId="{3725F2C1-AA1D-49A3-9D73-9D444D08CE71}" srcOrd="0" destOrd="0" presId="urn:microsoft.com/office/officeart/2005/8/layout/process2"/>
-    <dgm:cxn modelId="{26575D07-F418-0F47-847E-EB1CD13E562B}" type="presOf" srcId="{96BC0EEB-57F0-4267-86F0-4EA98B40D230}" destId="{C45FEE31-6BF1-4E83-9497-1224D8F07991}" srcOrd="0" destOrd="0" presId="urn:microsoft.com/office/officeart/2005/8/layout/process2"/>
-    <dgm:cxn modelId="{0E210A85-09CF-AA45-A9A9-05D250FD2536}" type="presOf" srcId="{E188BD28-8BF3-DF4E-89B0-D0D9BDDAD858}" destId="{8B185A30-22C7-6840-8D3E-58B36EE38549}" srcOrd="0" destOrd="0" presId="urn:microsoft.com/office/officeart/2005/8/layout/process2"/>
-    <dgm:cxn modelId="{33D39394-D06E-3C45-A948-C1FD1F42BE5D}" type="presOf" srcId="{6CD60870-D228-4E7C-AB37-75604251742A}" destId="{3FA6B472-D1F3-409B-BF18-F1310278CB78}" srcOrd="0" destOrd="0" presId="urn:microsoft.com/office/officeart/2005/8/layout/process2"/>
-    <dgm:cxn modelId="{53D6E192-6B91-4748-A7C9-998CF3DA9B64}" type="presOf" srcId="{CB49FD0C-9B39-4860-B781-669D9FC3FB40}" destId="{B4CC5E68-BD20-49EE-86FA-E08541A3FE12}" srcOrd="0" destOrd="0" presId="urn:microsoft.com/office/officeart/2005/8/layout/process2"/>
     <dgm:cxn modelId="{15EAEB83-C41B-5C48-9F6E-3898263890BB}" type="presParOf" srcId="{7A234B30-A436-41B7-96D9-05CCC2F7ADDC}" destId="{8B185A30-22C7-6840-8D3E-58B36EE38549}" srcOrd="0" destOrd="0" presId="urn:microsoft.com/office/officeart/2005/8/layout/process2"/>
     <dgm:cxn modelId="{D84D3A96-F045-B440-B21D-D8AE917A4A87}" type="presParOf" srcId="{7A234B30-A436-41B7-96D9-05CCC2F7ADDC}" destId="{66533B70-8731-2345-9B98-5A7A7F80153B}" srcOrd="1" destOrd="0" presId="urn:microsoft.com/office/officeart/2005/8/layout/process2"/>
     <dgm:cxn modelId="{7AFF4E44-A8A0-B346-A202-3F879C6FDA04}" type="presParOf" srcId="{66533B70-8731-2345-9B98-5A7A7F80153B}" destId="{5EB7E61C-215B-AD45-8738-514EF8F5F4E5}" srcOrd="0" destOrd="0" presId="urn:microsoft.com/office/officeart/2005/8/layout/process2"/>
@@ -18327,7 +18325,7 @@
             <a:fld id="{80AC11AF-147E-0A48-A5B0-8DA858D84551}" type="datetimeFigureOut">
               <a:rPr lang="en-US" smtClean="0"/>
               <a:pPr/>
-              <a:t>05/09/16</a:t>
+              <a:t>06/09/16</a:t>
             </a:fld>
             <a:endParaRPr lang="en-US"/>
           </a:p>
@@ -20303,7 +20301,7 @@
             <a:fld id="{99B30722-7DAA-4E93-8206-71F83E275281}" type="slidenum">
               <a:rPr lang="en-US" smtClean="0"/>
               <a:pPr/>
-              <a:t>33</a:t>
+              <a:t>32</a:t>
             </a:fld>
             <a:endParaRPr lang="en-US"/>
           </a:p>
@@ -20393,7 +20391,7 @@
             <a:fld id="{5F378627-E3FE-44FD-B5FA-4582AC800163}" type="slidenum">
               <a:rPr lang="en-GB" smtClean="0"/>
               <a:pPr/>
-              <a:t>35</a:t>
+              <a:t>34</a:t>
             </a:fld>
             <a:endParaRPr lang="en-GB"/>
           </a:p>
@@ -20534,7 +20532,7 @@
             <a:fld id="{5F378627-E3FE-44FD-B5FA-4582AC800163}" type="slidenum">
               <a:rPr lang="en-GB" smtClean="0"/>
               <a:pPr/>
-              <a:t>36</a:t>
+              <a:t>35</a:t>
             </a:fld>
             <a:endParaRPr lang="en-GB"/>
           </a:p>
@@ -20619,7 +20617,7 @@
             <a:fld id="{5F378627-E3FE-44FD-B5FA-4582AC800163}" type="slidenum">
               <a:rPr lang="en-GB" smtClean="0"/>
               <a:pPr/>
-              <a:t>37</a:t>
+              <a:t>36</a:t>
             </a:fld>
             <a:endParaRPr lang="en-GB"/>
           </a:p>
@@ -20747,7 +20745,7 @@
             <a:fld id="{99B30722-7DAA-4E93-8206-71F83E275281}" type="slidenum">
               <a:rPr lang="en-US" smtClean="0"/>
               <a:pPr/>
-              <a:t>38</a:t>
+              <a:t>37</a:t>
             </a:fld>
             <a:endParaRPr lang="en-US"/>
           </a:p>
@@ -20849,7 +20847,7 @@
             <a:fld id="{99B30722-7DAA-4E93-8206-71F83E275281}" type="slidenum">
               <a:rPr lang="en-US" smtClean="0"/>
               <a:pPr/>
-              <a:t>40</a:t>
+              <a:t>39</a:t>
             </a:fld>
             <a:endParaRPr lang="en-US"/>
           </a:p>
@@ -20960,7 +20958,7 @@
             <a:fld id="{99B30722-7DAA-4E93-8206-71F83E275281}" type="slidenum">
               <a:rPr lang="en-US" smtClean="0"/>
               <a:pPr/>
-              <a:t>41</a:t>
+              <a:t>40</a:t>
             </a:fld>
             <a:endParaRPr lang="en-US"/>
           </a:p>
@@ -21042,7 +21040,7 @@
             <a:fld id="{5F378627-E3FE-44FD-B5FA-4582AC800163}" type="slidenum">
               <a:rPr lang="en-GB" smtClean="0"/>
               <a:pPr/>
-              <a:t>42</a:t>
+              <a:t>41</a:t>
             </a:fld>
             <a:endParaRPr lang="en-GB"/>
           </a:p>
@@ -21124,7 +21122,7 @@
             <a:fld id="{5F378627-E3FE-44FD-B5FA-4582AC800163}" type="slidenum">
               <a:rPr lang="en-GB" smtClean="0"/>
               <a:pPr/>
-              <a:t>43</a:t>
+              <a:t>42</a:t>
             </a:fld>
             <a:endParaRPr lang="en-GB"/>
           </a:p>
@@ -21345,7 +21343,7 @@
             <a:fld id="{99B30722-7DAA-4E93-8206-71F83E275281}" type="slidenum">
               <a:rPr lang="en-US"/>
               <a:pPr/>
-              <a:t>46</a:t>
+              <a:t>45</a:t>
             </a:fld>
             <a:endParaRPr lang="en-US"/>
           </a:p>
@@ -21432,7 +21430,7 @@
             <a:fld id="{5F378627-E3FE-44FD-B5FA-4582AC800163}" type="slidenum">
               <a:rPr lang="en-GB" smtClean="0"/>
               <a:pPr/>
-              <a:t>49</a:t>
+              <a:t>48</a:t>
             </a:fld>
             <a:endParaRPr lang="en-GB"/>
           </a:p>
@@ -21514,7 +21512,7 @@
             <a:fld id="{2E53EA59-0E76-47F3-BAE3-1CF23EB8E420}" type="slidenum">
               <a:rPr lang="en-US" smtClean="0"/>
               <a:pPr/>
-              <a:t>50</a:t>
+              <a:t>49</a:t>
             </a:fld>
             <a:endParaRPr lang="en-US"/>
           </a:p>
@@ -21596,7 +21594,7 @@
             <a:fld id="{99B30722-7DAA-4E93-8206-71F83E275281}" type="slidenum">
               <a:rPr lang="en-US" smtClean="0"/>
               <a:pPr/>
-              <a:t>53</a:t>
+              <a:t>52</a:t>
             </a:fld>
             <a:endParaRPr lang="en-US"/>
           </a:p>
@@ -21678,7 +21676,7 @@
             <a:fld id="{99B30722-7DAA-4E93-8206-71F83E275281}" type="slidenum">
               <a:rPr lang="en-US" smtClean="0"/>
               <a:pPr/>
-              <a:t>56</a:t>
+              <a:t>55</a:t>
             </a:fld>
             <a:endParaRPr lang="en-US"/>
           </a:p>
@@ -21776,7 +21774,7 @@
             <a:fld id="{99B30722-7DAA-4E93-8206-71F83E275281}" type="slidenum">
               <a:rPr lang="en-US" smtClean="0"/>
               <a:pPr/>
-              <a:t>57</a:t>
+              <a:t>56</a:t>
             </a:fld>
             <a:endParaRPr lang="en-US"/>
           </a:p>
@@ -21874,7 +21872,7 @@
             <a:fld id="{99B30722-7DAA-4E93-8206-71F83E275281}" type="slidenum">
               <a:rPr lang="en-US" smtClean="0"/>
               <a:pPr/>
-              <a:t>58</a:t>
+              <a:t>57</a:t>
             </a:fld>
             <a:endParaRPr lang="en-US"/>
           </a:p>
@@ -21956,7 +21954,7 @@
             <a:fld id="{5F378627-E3FE-44FD-B5FA-4582AC800163}" type="slidenum">
               <a:rPr lang="en-GB" smtClean="0"/>
               <a:pPr/>
-              <a:t>65</a:t>
+              <a:t>64</a:t>
             </a:fld>
             <a:endParaRPr lang="en-GB"/>
           </a:p>
@@ -22042,7 +22040,7 @@
             <a:fld id="{99B30722-7DAA-4E93-8206-71F83E275281}" type="slidenum">
               <a:rPr lang="en-US" smtClean="0"/>
               <a:pPr/>
-              <a:t>66</a:t>
+              <a:t>65</a:t>
             </a:fld>
             <a:endParaRPr lang="en-US"/>
           </a:p>
@@ -22130,7 +22128,7 @@
             <a:fld id="{99B30722-7DAA-4E93-8206-71F83E275281}" type="slidenum">
               <a:rPr lang="en-US"/>
               <a:pPr/>
-              <a:t>71</a:t>
+              <a:t>70</a:t>
             </a:fld>
             <a:endParaRPr lang="en-US"/>
           </a:p>
@@ -22340,7 +22338,7 @@
             <a:fld id="{99B30722-7DAA-4E93-8206-71F83E275281}" type="slidenum">
               <a:rPr lang="en-US" smtClean="0"/>
               <a:pPr/>
-              <a:t>74</a:t>
+              <a:t>73</a:t>
             </a:fld>
             <a:endParaRPr lang="en-US"/>
           </a:p>
@@ -33503,7 +33501,7 @@
                 <a:latin typeface="Courier New" pitchFamily="49" charset="0"/>
                 <a:cs typeface="Courier New" pitchFamily="49" charset="0"/>
               </a:rPr>
-              <a:t>(x, 55 y, decimal=6)</a:t>
+              <a:t>(x, y, decimal=6)</a:t>
             </a:r>
             <a:endParaRPr lang="en-US" dirty="0" smtClean="0"/>
           </a:p>
@@ -35901,15 +35899,44 @@
           <a:lstStyle/>
           <a:p>
             <a:r>
-              <a:rPr lang="en-US"/>
-              <a:t>Hands-on!</a:t>
-            </a:r>
+              <a:rPr lang="en-US" dirty="0" smtClean="0"/>
+              <a:t>How to test like a pro</a:t>
+            </a:r>
+            <a:endParaRPr lang="en-US" dirty="0"/>
           </a:p>
         </p:txBody>
       </p:sp>
       <p:sp>
         <p:nvSpPr>
-          <p:cNvPr id="3" name="Content Placeholder 2"/>
+          <p:cNvPr id="3" name="Footer Placeholder 2"/>
+          <p:cNvSpPr>
+            <a:spLocks noGrp="1"/>
+          </p:cNvSpPr>
+          <p:nvPr>
+            <p:ph type="ftr" sz="quarter" idx="11"/>
+          </p:nvPr>
+        </p:nvSpPr>
+        <p:spPr>
+          <a:xfrm>
+            <a:off x="2898648" y="6356350"/>
+            <a:ext cx="3505200" cy="365760"/>
+          </a:xfrm>
+        </p:spPr>
+        <p:txBody>
+          <a:bodyPr/>
+          <a:lstStyle/>
+          <a:p>
+            <a:r>
+              <a:rPr lang="en-US" smtClean="0"/>
+              <a:t>Testing, debugging, profiling</a:t>
+            </a:r>
+            <a:endParaRPr lang="en-US"/>
+          </a:p>
+        </p:txBody>
+      </p:sp>
+      <p:sp>
+        <p:nvSpPr>
+          <p:cNvPr id="5" name="Content Placeholder 4"/>
           <p:cNvSpPr>
             <a:spLocks noGrp="1"/>
           </p:cNvSpPr>
@@ -35923,61 +35950,64 @@
           <a:lstStyle/>
           <a:p>
             <a:r>
-              <a:rPr lang="en-US"/>
-              <a:t>Have a look at the docstring of </a:t>
-            </a:r>
-            <a:r>
-              <a:rPr lang="en-US">
-                <a:latin typeface="Courier New"/>
-                <a:cs typeface="Courier New"/>
-              </a:rPr>
-              <a:t>labels_count</a:t>
-            </a:r>
-            <a:r>
-              <a:rPr lang="en-US"/>
-              <a:t> : </a:t>
-            </a:r>
-            <a:br>
-              <a:rPr lang="en-US"/>
-            </a:br>
-            <a:r>
-              <a:rPr lang="en-US"/>
-              <a:t>It raises an error if there are no valid observations, but that’s not tested!</a:t>
-            </a:r>
-          </a:p>
-          <a:p>
-            <a:r>
-              <a:rPr lang="en-US"/>
-              <a:t>Add a test checking that the function raises an error if:</a:t>
-            </a:r>
-          </a:p>
-          <a:p>
-            <a:pPr marL="274320" lvl="1" indent="0">
-              <a:buNone/>
+              <a:rPr lang="en-US" dirty="0"/>
+              <a:t>What does a good test looks like?</a:t>
+            </a:r>
+          </a:p>
+          <a:p>
+            <a:r>
+              <a:rPr lang="en-US" dirty="0"/>
+              <a:t>What should I test?</a:t>
+            </a:r>
+          </a:p>
+          <a:p>
+            <a:r>
+              <a:rPr lang="en-US" dirty="0"/>
+              <a:t>Anything specific to scientific code?</a:t>
+            </a:r>
+          </a:p>
+          <a:p>
+            <a:endParaRPr lang="en-US" dirty="0" smtClean="0"/>
+          </a:p>
+          <a:p>
+            <a:r>
+              <a:rPr lang="en-US" dirty="0"/>
+              <a:t>At first, testing is awkward:</a:t>
+            </a:r>
+          </a:p>
+          <a:p>
+            <a:pPr marL="502920" lvl="1" indent="-228600">
+              <a:buAutoNum type="arabicParenR"/>
             </a:pPr>
             <a:r>
-              <a:rPr lang="en-US"/>
-              <a:t>1) We pass a list of invalid annotations (all missing values)</a:t>
-            </a:r>
-            <a:br>
-              <a:rPr lang="en-US"/>
-            </a:br>
-            <a:r>
-              <a:rPr lang="en-US"/>
-              <a:t>2) We pass an empty list of annotations</a:t>
-            </a:r>
-          </a:p>
-          <a:p>
-            <a:pPr marL="274320" lvl="1" indent="0">
-              <a:buNone/>
+              <a:rPr lang="en-US" dirty="0"/>
+              <a:t>Where do I begin?</a:t>
+            </a:r>
+          </a:p>
+          <a:p>
+            <a:pPr marL="502920" lvl="1" indent="-228600">
+              <a:buAutoNum type="arabicParenR"/>
             </a:pPr>
-            <a:endParaRPr lang="en-US"/>
+            <a:r>
+              <a:rPr lang="en-US" dirty="0"/>
+              <a:t>What do I write in the test?</a:t>
+            </a:r>
+          </a:p>
+          <a:p>
+            <a:pPr marL="502920" lvl="1" indent="-228600">
+              <a:buAutoNum type="arabicParenR"/>
+            </a:pPr>
+            <a:r>
+              <a:rPr lang="en-US" dirty="0"/>
+              <a:t>It’s too much effort, it’s slowing me down!</a:t>
+            </a:r>
+            <a:endParaRPr lang="en-US" dirty="0" smtClean="0"/>
           </a:p>
         </p:txBody>
       </p:sp>
       <p:sp>
         <p:nvSpPr>
-          <p:cNvPr id="4" name="Date Placeholder 3"/>
+          <p:cNvPr id="6" name="Date Placeholder 5"/>
           <p:cNvSpPr>
             <a:spLocks noGrp="1"/>
           </p:cNvSpPr>
@@ -35998,33 +36028,10 @@
           </a:p>
         </p:txBody>
       </p:sp>
-      <p:sp>
-        <p:nvSpPr>
-          <p:cNvPr id="5" name="Footer Placeholder 4"/>
-          <p:cNvSpPr>
-            <a:spLocks noGrp="1"/>
-          </p:cNvSpPr>
-          <p:nvPr>
-            <p:ph type="ftr" sz="quarter" idx="11"/>
-          </p:nvPr>
-        </p:nvSpPr>
-        <p:spPr/>
-        <p:txBody>
-          <a:bodyPr/>
-          <a:lstStyle/>
-          <a:p>
-            <a:r>
-              <a:rPr lang="en-US" smtClean="0"/>
-              <a:t>Testing, debugging, profiling</a:t>
-            </a:r>
-            <a:endParaRPr lang="en-US"/>
-          </a:p>
-        </p:txBody>
-      </p:sp>
     </p:spTree>
     <p:extLst>
       <p:ext uri="{BB962C8B-B14F-4D97-AF65-F5344CB8AC3E}">
-        <p14:creationId xmlns:p14="http://schemas.microsoft.com/office/powerpoint/2010/main" val="3394866785"/>
+        <p14:creationId xmlns:p14="http://schemas.microsoft.com/office/powerpoint/2010/main" val="3761393621"/>
       </p:ext>
     </p:extLst>
   </p:cSld>
@@ -36075,188 +36082,6 @@
           <a:p>
             <a:r>
               <a:rPr lang="en-US" dirty="0" smtClean="0"/>
-              <a:t>How to test like a pro</a:t>
-            </a:r>
-            <a:endParaRPr lang="en-US" dirty="0"/>
-          </a:p>
-        </p:txBody>
-      </p:sp>
-      <p:sp>
-        <p:nvSpPr>
-          <p:cNvPr id="3" name="Footer Placeholder 2"/>
-          <p:cNvSpPr>
-            <a:spLocks noGrp="1"/>
-          </p:cNvSpPr>
-          <p:nvPr>
-            <p:ph type="ftr" sz="quarter" idx="11"/>
-          </p:nvPr>
-        </p:nvSpPr>
-        <p:spPr>
-          <a:xfrm>
-            <a:off x="2898648" y="6356350"/>
-            <a:ext cx="3505200" cy="365760"/>
-          </a:xfrm>
-        </p:spPr>
-        <p:txBody>
-          <a:bodyPr/>
-          <a:lstStyle/>
-          <a:p>
-            <a:r>
-              <a:rPr lang="en-US" smtClean="0"/>
-              <a:t>Testing, debugging, profiling</a:t>
-            </a:r>
-            <a:endParaRPr lang="en-US"/>
-          </a:p>
-        </p:txBody>
-      </p:sp>
-      <p:sp>
-        <p:nvSpPr>
-          <p:cNvPr id="5" name="Content Placeholder 4"/>
-          <p:cNvSpPr>
-            <a:spLocks noGrp="1"/>
-          </p:cNvSpPr>
-          <p:nvPr>
-            <p:ph sz="quarter" idx="1"/>
-          </p:nvPr>
-        </p:nvSpPr>
-        <p:spPr/>
-        <p:txBody>
-          <a:bodyPr/>
-          <a:lstStyle/>
-          <a:p>
-            <a:r>
-              <a:rPr lang="en-US" dirty="0"/>
-              <a:t>What does a good test looks like?</a:t>
-            </a:r>
-          </a:p>
-          <a:p>
-            <a:r>
-              <a:rPr lang="en-US" dirty="0"/>
-              <a:t>What should I test?</a:t>
-            </a:r>
-          </a:p>
-          <a:p>
-            <a:r>
-              <a:rPr lang="en-US" dirty="0"/>
-              <a:t>Anything specific to scientific code?</a:t>
-            </a:r>
-          </a:p>
-          <a:p>
-            <a:endParaRPr lang="en-US" dirty="0" smtClean="0"/>
-          </a:p>
-          <a:p>
-            <a:r>
-              <a:rPr lang="en-US" dirty="0"/>
-              <a:t>At first, testing is awkward:</a:t>
-            </a:r>
-          </a:p>
-          <a:p>
-            <a:pPr marL="502920" lvl="1" indent="-228600">
-              <a:buAutoNum type="arabicParenR"/>
-            </a:pPr>
-            <a:r>
-              <a:rPr lang="en-US" dirty="0"/>
-              <a:t>Where do I begin?</a:t>
-            </a:r>
-          </a:p>
-          <a:p>
-            <a:pPr marL="502920" lvl="1" indent="-228600">
-              <a:buAutoNum type="arabicParenR"/>
-            </a:pPr>
-            <a:r>
-              <a:rPr lang="en-US" dirty="0"/>
-              <a:t>What do I write in the test?</a:t>
-            </a:r>
-          </a:p>
-          <a:p>
-            <a:pPr marL="502920" lvl="1" indent="-228600">
-              <a:buAutoNum type="arabicParenR"/>
-            </a:pPr>
-            <a:r>
-              <a:rPr lang="en-US" dirty="0"/>
-              <a:t>It’s too much effort, it’s slowing me down!</a:t>
-            </a:r>
-            <a:endParaRPr lang="en-US" dirty="0" smtClean="0"/>
-          </a:p>
-        </p:txBody>
-      </p:sp>
-      <p:sp>
-        <p:nvSpPr>
-          <p:cNvPr id="6" name="Date Placeholder 5"/>
-          <p:cNvSpPr>
-            <a:spLocks noGrp="1"/>
-          </p:cNvSpPr>
-          <p:nvPr>
-            <p:ph type="dt" sz="half" idx="10"/>
-          </p:nvPr>
-        </p:nvSpPr>
-        <p:spPr/>
-        <p:txBody>
-          <a:bodyPr/>
-          <a:lstStyle/>
-          <a:p>
-            <a:r>
-              <a:rPr lang="en-US" smtClean="0"/>
-              <a:t>Pietro Berkes, Sept 2016</a:t>
-            </a:r>
-            <a:endParaRPr lang="en-US"/>
-          </a:p>
-        </p:txBody>
-      </p:sp>
-    </p:spTree>
-    <p:extLst>
-      <p:ext uri="{BB962C8B-B14F-4D97-AF65-F5344CB8AC3E}">
-        <p14:creationId xmlns:p14="http://schemas.microsoft.com/office/powerpoint/2010/main" val="3761393621"/>
-      </p:ext>
-    </p:extLst>
-  </p:cSld>
-  <p:clrMapOvr>
-    <a:masterClrMapping/>
-  </p:clrMapOvr>
-  <p:timing>
-    <p:tnLst>
-      <p:par>
-        <p:cTn xmlns:p14="http://schemas.microsoft.com/office/powerpoint/2010/main" id="1" dur="indefinite" restart="never" nodeType="tmRoot"/>
-      </p:par>
-    </p:tnLst>
-  </p:timing>
-</p:sld>
-</file>
-
-<file path=ppt/slides/slide34.xml><?xml version="1.0" encoding="utf-8"?>
-<p:sld xmlns:a="http://schemas.openxmlformats.org/drawingml/2006/main" xmlns:r="http://schemas.openxmlformats.org/officeDocument/2006/relationships" xmlns:p="http://schemas.openxmlformats.org/presentationml/2006/main">
-  <p:cSld>
-    <p:spTree>
-      <p:nvGrpSpPr>
-        <p:cNvPr id="1" name=""/>
-        <p:cNvGrpSpPr/>
-        <p:nvPr/>
-      </p:nvGrpSpPr>
-      <p:grpSpPr>
-        <a:xfrm>
-          <a:off x="0" y="0"/>
-          <a:ext cx="0" cy="0"/>
-          <a:chOff x="0" y="0"/>
-          <a:chExt cx="0" cy="0"/>
-        </a:xfrm>
-      </p:grpSpPr>
-      <p:sp>
-        <p:nvSpPr>
-          <p:cNvPr id="2" name="Title 1"/>
-          <p:cNvSpPr>
-            <a:spLocks noGrp="1"/>
-          </p:cNvSpPr>
-          <p:nvPr>
-            <p:ph type="title"/>
-          </p:nvPr>
-        </p:nvSpPr>
-        <p:spPr/>
-        <p:txBody>
-          <a:bodyPr/>
-          <a:lstStyle/>
-          <a:p>
-            <a:r>
-              <a:rPr lang="en-US" dirty="0" smtClean="0"/>
               <a:t>Basic structure of test</a:t>
             </a:r>
             <a:endParaRPr lang="en-US" dirty="0"/>
@@ -36450,7 +36275,7 @@
 </p:sld>
 </file>
 
-<file path=ppt/slides/slide35.xml><?xml version="1.0" encoding="utf-8"?>
+<file path=ppt/slides/slide34.xml><?xml version="1.0" encoding="utf-8"?>
 <p:sld xmlns:a="http://schemas.openxmlformats.org/drawingml/2006/main" xmlns:r="http://schemas.openxmlformats.org/officeDocument/2006/relationships" xmlns:p="http://schemas.openxmlformats.org/presentationml/2006/main">
   <p:cSld>
     <p:spTree>
@@ -37104,7 +36929,7 @@
 </p:sld>
 </file>
 
-<file path=ppt/slides/slide36.xml><?xml version="1.0" encoding="utf-8"?>
+<file path=ppt/slides/slide35.xml><?xml version="1.0" encoding="utf-8"?>
 <p:sld xmlns:a="http://schemas.openxmlformats.org/drawingml/2006/main" xmlns:r="http://schemas.openxmlformats.org/officeDocument/2006/relationships" xmlns:p="http://schemas.openxmlformats.org/presentationml/2006/main">
   <p:cSld>
     <p:spTree>
@@ -38006,7 +37831,7 @@
 </p:sld>
 </file>
 
-<file path=ppt/slides/slide37.xml><?xml version="1.0" encoding="utf-8"?>
+<file path=ppt/slides/slide36.xml><?xml version="1.0" encoding="utf-8"?>
 <p:sld xmlns:a="http://schemas.openxmlformats.org/drawingml/2006/main" xmlns:r="http://schemas.openxmlformats.org/officeDocument/2006/relationships" xmlns:p="http://schemas.openxmlformats.org/presentationml/2006/main">
   <p:cSld>
     <p:spTree>
@@ -38850,7 +38675,7 @@
 </p:sld>
 </file>
 
-<file path=ppt/slides/slide38.xml><?xml version="1.0" encoding="utf-8"?>
+<file path=ppt/slides/slide37.xml><?xml version="1.0" encoding="utf-8"?>
 <p:sld xmlns:a="http://schemas.openxmlformats.org/drawingml/2006/main" xmlns:r="http://schemas.openxmlformats.org/officeDocument/2006/relationships" xmlns:p="http://schemas.openxmlformats.org/presentationml/2006/main">
   <p:cSld>
     <p:spTree>
@@ -39273,6 +39098,147 @@
 </p:sld>
 </file>
 
+<file path=ppt/slides/slide38.xml><?xml version="1.0" encoding="utf-8"?>
+<p:sld xmlns:a="http://schemas.openxmlformats.org/drawingml/2006/main" xmlns:r="http://schemas.openxmlformats.org/officeDocument/2006/relationships" xmlns:p="http://schemas.openxmlformats.org/presentationml/2006/main">
+  <p:cSld>
+    <p:spTree>
+      <p:nvGrpSpPr>
+        <p:cNvPr id="1" name=""/>
+        <p:cNvGrpSpPr/>
+        <p:nvPr/>
+      </p:nvGrpSpPr>
+      <p:grpSpPr>
+        <a:xfrm>
+          <a:off x="0" y="0"/>
+          <a:ext cx="0" cy="0"/>
+          <a:chOff x="0" y="0"/>
+          <a:chExt cx="0" cy="0"/>
+        </a:xfrm>
+      </p:grpSpPr>
+      <p:sp>
+        <p:nvSpPr>
+          <p:cNvPr id="2" name="Title 1"/>
+          <p:cNvSpPr>
+            <a:spLocks noGrp="1"/>
+          </p:cNvSpPr>
+          <p:nvPr>
+            <p:ph type="title"/>
+          </p:nvPr>
+        </p:nvSpPr>
+        <p:spPr/>
+        <p:txBody>
+          <a:bodyPr/>
+          <a:lstStyle/>
+          <a:p>
+            <a:r>
+              <a:rPr lang="en-US"/>
+              <a:t>Hands-on!</a:t>
+            </a:r>
+          </a:p>
+        </p:txBody>
+      </p:sp>
+      <p:sp>
+        <p:nvSpPr>
+          <p:cNvPr id="3" name="Content Placeholder 2"/>
+          <p:cNvSpPr>
+            <a:spLocks noGrp="1"/>
+          </p:cNvSpPr>
+          <p:nvPr>
+            <p:ph sz="quarter" idx="1"/>
+          </p:nvPr>
+        </p:nvSpPr>
+        <p:spPr/>
+        <p:txBody>
+          <a:bodyPr/>
+          <a:lstStyle/>
+          <a:p>
+            <a:r>
+              <a:rPr lang="en-US"/>
+              <a:t>Write two tests for the function numpy.var :</a:t>
+            </a:r>
+            <a:br>
+              <a:rPr lang="en-US"/>
+            </a:br>
+            <a:r>
+              <a:rPr lang="en-US"/>
+              <a:t>1) First, a deterministic test</a:t>
+            </a:r>
+            <a:br>
+              <a:rPr lang="en-US"/>
+            </a:br>
+            <a:r>
+              <a:rPr lang="en-US"/>
+              <a:t>2) Then, a numerical fuzzing test</a:t>
+            </a:r>
+          </a:p>
+        </p:txBody>
+      </p:sp>
+      <p:sp>
+        <p:nvSpPr>
+          <p:cNvPr id="4" name="Date Placeholder 3"/>
+          <p:cNvSpPr>
+            <a:spLocks noGrp="1"/>
+          </p:cNvSpPr>
+          <p:nvPr>
+            <p:ph type="dt" sz="half" idx="10"/>
+          </p:nvPr>
+        </p:nvSpPr>
+        <p:spPr/>
+        <p:txBody>
+          <a:bodyPr/>
+          <a:lstStyle/>
+          <a:p>
+            <a:r>
+              <a:rPr lang="en-US" smtClean="0"/>
+              <a:t>Pietro Berkes, Sept 2016</a:t>
+            </a:r>
+            <a:endParaRPr lang="en-US"/>
+          </a:p>
+        </p:txBody>
+      </p:sp>
+      <p:sp>
+        <p:nvSpPr>
+          <p:cNvPr id="5" name="Footer Placeholder 4"/>
+          <p:cNvSpPr>
+            <a:spLocks noGrp="1"/>
+          </p:cNvSpPr>
+          <p:nvPr>
+            <p:ph type="ftr" sz="quarter" idx="11"/>
+          </p:nvPr>
+        </p:nvSpPr>
+        <p:spPr/>
+        <p:txBody>
+          <a:bodyPr/>
+          <a:lstStyle/>
+          <a:p>
+            <a:r>
+              <a:rPr lang="en-US" smtClean="0"/>
+              <a:t>Testing, debugging, profiling</a:t>
+            </a:r>
+            <a:endParaRPr lang="en-US"/>
+          </a:p>
+        </p:txBody>
+      </p:sp>
+    </p:spTree>
+    <p:extLst>
+      <p:ext uri="{BB962C8B-B14F-4D97-AF65-F5344CB8AC3E}">
+        <p14:creationId xmlns:p14="http://schemas.microsoft.com/office/powerpoint/2010/main" val="2782627509"/>
+      </p:ext>
+    </p:extLst>
+  </p:cSld>
+  <p:clrMapOvr>
+    <a:masterClrMapping/>
+  </p:clrMapOvr>
+  <p:timing>
+    <p:tnLst>
+      <p:par>
+        <p:cTn xmlns:p14="http://schemas.microsoft.com/office/powerpoint/2010/main" id="1" dur="indefinite" restart="never" nodeType="tmRoot"/>
+      </p:par>
+    </p:tnLst>
+  </p:timing>
+</p:sld>
+</file>
+
 <file path=ppt/slides/slide39.xml><?xml version="1.0" encoding="utf-8"?>
 <p:sld xmlns:a="http://schemas.openxmlformats.org/drawingml/2006/main" xmlns:r="http://schemas.openxmlformats.org/officeDocument/2006/relationships" xmlns:p="http://schemas.openxmlformats.org/presentationml/2006/main">
   <p:cSld>
@@ -39292,7 +39258,7 @@
       </p:grpSpPr>
       <p:sp>
         <p:nvSpPr>
-          <p:cNvPr id="2" name="Title 1"/>
+          <p:cNvPr id="7" name="Title 6"/>
           <p:cNvSpPr>
             <a:spLocks noGrp="1"/>
           </p:cNvSpPr>
@@ -39306,51 +39272,526 @@
           <a:lstStyle/>
           <a:p>
             <a:r>
-              <a:rPr lang="en-US"/>
-              <a:t>Hands-on!</a:t>
-            </a:r>
+              <a:rPr lang="en-US" dirty="0" smtClean="0"/>
+              <a:t>Numerical </a:t>
+            </a:r>
+            <a:r>
+              <a:rPr lang="en-US" dirty="0" err="1" smtClean="0"/>
+              <a:t>fuzzing</a:t>
+            </a:r>
+            <a:r>
+              <a:rPr lang="en-US" dirty="0" smtClean="0"/>
+              <a:t> – solution</a:t>
+            </a:r>
+            <a:endParaRPr lang="en-US" dirty="0"/>
           </a:p>
         </p:txBody>
       </p:sp>
       <p:sp>
         <p:nvSpPr>
-          <p:cNvPr id="3" name="Content Placeholder 2"/>
-          <p:cNvSpPr>
-            <a:spLocks noGrp="1"/>
-          </p:cNvSpPr>
-          <p:nvPr>
-            <p:ph sz="quarter" idx="1"/>
-          </p:nvPr>
-        </p:nvSpPr>
-        <p:spPr/>
+          <p:cNvPr id="8" name="TextBox 7"/>
+          <p:cNvSpPr txBox="1"/>
+          <p:nvPr/>
+        </p:nvSpPr>
+        <p:spPr>
+          <a:xfrm>
+            <a:off x="609600" y="1484784"/>
+            <a:ext cx="8077200" cy="4185761"/>
+          </a:xfrm>
+          <a:prstGeom prst="rect">
+            <a:avLst/>
+          </a:prstGeom>
+          <a:noFill/>
+        </p:spPr>
         <p:txBody>
-          <a:bodyPr/>
+          <a:bodyPr wrap="square" rtlCol="0">
+            <a:spAutoFit/>
+          </a:bodyPr>
           <a:lstStyle/>
           <a:p>
             <a:r>
-              <a:rPr lang="en-US"/>
-              <a:t>Write two tests for the function numpy.var :</a:t>
+              <a:rPr lang="en-US" sz="1400">
+                <a:solidFill>
+                  <a:srgbClr val="7F007F"/>
+                </a:solidFill>
+                <a:effectLst/>
+                <a:latin typeface="Courier New"/>
+                <a:cs typeface="Courier New"/>
+              </a:rPr>
+              <a:t>def</a:t>
+            </a:r>
+            <a:r>
+              <a:rPr lang="en-US" sz="1400">
+                <a:solidFill>
+                  <a:srgbClr val="000000"/>
+                </a:solidFill>
+                <a:effectLst/>
+                <a:latin typeface="Courier New"/>
+                <a:cs typeface="Courier New"/>
+              </a:rPr>
+              <a:t> </a:t>
+            </a:r>
+            <a:r>
+              <a:rPr lang="en-US" sz="1400">
+                <a:solidFill>
+                  <a:srgbClr val="0000FF"/>
+                </a:solidFill>
+                <a:effectLst/>
+                <a:latin typeface="Courier New"/>
+                <a:cs typeface="Courier New"/>
+              </a:rPr>
+              <a:t>test_var_deterministic</a:t>
+            </a:r>
+            <a:r>
+              <a:rPr lang="en-US" sz="1400">
+                <a:solidFill>
+                  <a:srgbClr val="000000"/>
+                </a:solidFill>
+                <a:effectLst/>
+                <a:latin typeface="Courier New"/>
+                <a:cs typeface="Courier New"/>
+              </a:rPr>
+              <a:t>():</a:t>
             </a:r>
             <a:br>
-              <a:rPr lang="en-US"/>
+              <a:rPr lang="en-US" sz="1400">
+                <a:solidFill>
+                  <a:srgbClr val="000000"/>
+                </a:solidFill>
+                <a:effectLst/>
+                <a:latin typeface="Courier New"/>
+                <a:cs typeface="Courier New"/>
+              </a:rPr>
             </a:br>
             <a:r>
-              <a:rPr lang="en-US"/>
-              <a:t>1) First, a deterministic test</a:t>
+              <a:rPr lang="en-US" sz="1400">
+                <a:solidFill>
+                  <a:srgbClr val="000000"/>
+                </a:solidFill>
+                <a:effectLst/>
+                <a:latin typeface="Courier New"/>
+                <a:cs typeface="Courier New"/>
+              </a:rPr>
+              <a:t>    x = numpy.array([-2.0, 2.0])</a:t>
             </a:r>
             <a:br>
-              <a:rPr lang="en-US"/>
+              <a:rPr lang="en-US" sz="1400">
+                <a:solidFill>
+                  <a:srgbClr val="000000"/>
+                </a:solidFill>
+                <a:effectLst/>
+                <a:latin typeface="Courier New"/>
+                <a:cs typeface="Courier New"/>
+              </a:rPr>
             </a:br>
             <a:r>
-              <a:rPr lang="en-US"/>
-              <a:t>2) Then, a numerical fuzzing test</a:t>
-            </a:r>
+              <a:rPr lang="en-US" sz="1400">
+                <a:solidFill>
+                  <a:srgbClr val="000000"/>
+                </a:solidFill>
+                <a:effectLst/>
+                <a:latin typeface="Courier New"/>
+                <a:cs typeface="Courier New"/>
+              </a:rPr>
+              <a:t>    expected = 4.0</a:t>
+            </a:r>
+            <a:br>
+              <a:rPr lang="en-US" sz="1400">
+                <a:solidFill>
+                  <a:srgbClr val="000000"/>
+                </a:solidFill>
+                <a:effectLst/>
+                <a:latin typeface="Courier New"/>
+                <a:cs typeface="Courier New"/>
+              </a:rPr>
+            </a:br>
+            <a:r>
+              <a:rPr lang="en-US" sz="1400">
+                <a:solidFill>
+                  <a:srgbClr val="000000"/>
+                </a:solidFill>
+                <a:effectLst/>
+                <a:latin typeface="Courier New"/>
+                <a:cs typeface="Courier New"/>
+              </a:rPr>
+              <a:t>    </a:t>
+            </a:r>
+            <a:r>
+              <a:rPr lang="en-US" sz="1400">
+                <a:solidFill>
+                  <a:srgbClr val="7F007F"/>
+                </a:solidFill>
+                <a:effectLst/>
+                <a:latin typeface="Courier New"/>
+                <a:cs typeface="Courier New"/>
+              </a:rPr>
+              <a:t>assert</a:t>
+            </a:r>
+            <a:r>
+              <a:rPr lang="en-US" sz="1400">
+                <a:solidFill>
+                  <a:srgbClr val="000000"/>
+                </a:solidFill>
+                <a:effectLst/>
+                <a:latin typeface="Courier New"/>
+                <a:cs typeface="Courier New"/>
+              </a:rPr>
+              <a:t> isclose(numpy.var(x), expected)</a:t>
+            </a:r>
+            <a:br>
+              <a:rPr lang="en-US" sz="1400">
+                <a:solidFill>
+                  <a:srgbClr val="000000"/>
+                </a:solidFill>
+                <a:effectLst/>
+                <a:latin typeface="Courier New"/>
+                <a:cs typeface="Courier New"/>
+              </a:rPr>
+            </a:br>
+            <a:r>
+              <a:rPr lang="en-US" sz="1400">
+                <a:solidFill>
+                  <a:srgbClr val="000000"/>
+                </a:solidFill>
+                <a:effectLst/>
+                <a:latin typeface="Courier New"/>
+                <a:cs typeface="Courier New"/>
+              </a:rPr>
+              <a:t/>
+            </a:r>
+            <a:br>
+              <a:rPr lang="en-US" sz="1400">
+                <a:solidFill>
+                  <a:srgbClr val="000000"/>
+                </a:solidFill>
+                <a:effectLst/>
+                <a:latin typeface="Courier New"/>
+                <a:cs typeface="Courier New"/>
+              </a:rPr>
+            </a:br>
+            <a:r>
+              <a:rPr lang="en-US" sz="1400">
+                <a:solidFill>
+                  <a:srgbClr val="000000"/>
+                </a:solidFill>
+                <a:effectLst/>
+                <a:latin typeface="Courier New"/>
+                <a:cs typeface="Courier New"/>
+              </a:rPr>
+              <a:t/>
+            </a:r>
+            <a:br>
+              <a:rPr lang="en-US" sz="1400">
+                <a:solidFill>
+                  <a:srgbClr val="000000"/>
+                </a:solidFill>
+                <a:effectLst/>
+                <a:latin typeface="Courier New"/>
+                <a:cs typeface="Courier New"/>
+              </a:rPr>
+            </a:br>
+            <a:r>
+              <a:rPr lang="en-US" sz="1400">
+                <a:solidFill>
+                  <a:srgbClr val="7F007F"/>
+                </a:solidFill>
+                <a:effectLst/>
+                <a:latin typeface="Courier New"/>
+                <a:cs typeface="Courier New"/>
+              </a:rPr>
+              <a:t>def</a:t>
+            </a:r>
+            <a:r>
+              <a:rPr lang="en-US" sz="1400">
+                <a:solidFill>
+                  <a:srgbClr val="000000"/>
+                </a:solidFill>
+                <a:effectLst/>
+                <a:latin typeface="Courier New"/>
+                <a:cs typeface="Courier New"/>
+              </a:rPr>
+              <a:t> </a:t>
+            </a:r>
+            <a:r>
+              <a:rPr lang="en-US" sz="1400">
+                <a:solidFill>
+                  <a:srgbClr val="0000FF"/>
+                </a:solidFill>
+                <a:effectLst/>
+                <a:latin typeface="Courier New"/>
+                <a:cs typeface="Courier New"/>
+              </a:rPr>
+              <a:t>test_var_fuzzing</a:t>
+            </a:r>
+            <a:r>
+              <a:rPr lang="en-US" sz="1400">
+                <a:solidFill>
+                  <a:srgbClr val="000000"/>
+                </a:solidFill>
+                <a:effectLst/>
+                <a:latin typeface="Courier New"/>
+                <a:cs typeface="Courier New"/>
+              </a:rPr>
+              <a:t>():</a:t>
+            </a:r>
+            <a:br>
+              <a:rPr lang="en-US" sz="1400">
+                <a:solidFill>
+                  <a:srgbClr val="000000"/>
+                </a:solidFill>
+                <a:effectLst/>
+                <a:latin typeface="Courier New"/>
+                <a:cs typeface="Courier New"/>
+              </a:rPr>
+            </a:br>
+            <a:r>
+              <a:rPr lang="en-US" sz="1400">
+                <a:solidFill>
+                  <a:srgbClr val="000000"/>
+                </a:solidFill>
+                <a:effectLst/>
+                <a:latin typeface="Courier New"/>
+                <a:cs typeface="Courier New"/>
+              </a:rPr>
+              <a:t>    rand_state = numpy.random.RandomState(8393)</a:t>
+            </a:r>
+            <a:br>
+              <a:rPr lang="en-US" sz="1400">
+                <a:solidFill>
+                  <a:srgbClr val="000000"/>
+                </a:solidFill>
+                <a:effectLst/>
+                <a:latin typeface="Courier New"/>
+                <a:cs typeface="Courier New"/>
+              </a:rPr>
+            </a:br>
+            <a:r>
+              <a:rPr lang="en-US" sz="1400">
+                <a:solidFill>
+                  <a:srgbClr val="000000"/>
+                </a:solidFill>
+                <a:effectLst/>
+                <a:latin typeface="Courier New"/>
+                <a:cs typeface="Courier New"/>
+              </a:rPr>
+              <a:t/>
+            </a:r>
+            <a:br>
+              <a:rPr lang="en-US" sz="1400">
+                <a:solidFill>
+                  <a:srgbClr val="000000"/>
+                </a:solidFill>
+                <a:effectLst/>
+                <a:latin typeface="Courier New"/>
+                <a:cs typeface="Courier New"/>
+              </a:rPr>
+            </a:br>
+            <a:r>
+              <a:rPr lang="en-US" sz="1400">
+                <a:solidFill>
+                  <a:srgbClr val="000000"/>
+                </a:solidFill>
+                <a:effectLst/>
+                <a:latin typeface="Courier New"/>
+                <a:cs typeface="Courier New"/>
+              </a:rPr>
+              <a:t>    N, D = 100000, 5</a:t>
+            </a:r>
+            <a:br>
+              <a:rPr lang="en-US" sz="1400">
+                <a:solidFill>
+                  <a:srgbClr val="000000"/>
+                </a:solidFill>
+                <a:effectLst/>
+                <a:latin typeface="Courier New"/>
+                <a:cs typeface="Courier New"/>
+              </a:rPr>
+            </a:br>
+            <a:r>
+              <a:rPr lang="en-US" sz="1400">
+                <a:solidFill>
+                  <a:srgbClr val="000000"/>
+                </a:solidFill>
+                <a:effectLst/>
+                <a:latin typeface="Courier New"/>
+                <a:cs typeface="Courier New"/>
+              </a:rPr>
+              <a:t>    </a:t>
+            </a:r>
+            <a:r>
+              <a:rPr lang="en-US" sz="1400">
+                <a:solidFill>
+                  <a:srgbClr val="B22222"/>
+                </a:solidFill>
+                <a:effectLst/>
+                <a:latin typeface="Courier New"/>
+                <a:cs typeface="Courier New"/>
+              </a:rPr>
+              <a:t># Goal variances: [0.1 ,  0.45,  0.8 ,  1.15,  1.5]</a:t>
+            </a:r>
+            <a:br>
+              <a:rPr lang="en-US" sz="1400">
+                <a:solidFill>
+                  <a:srgbClr val="B22222"/>
+                </a:solidFill>
+                <a:effectLst/>
+                <a:latin typeface="Courier New"/>
+                <a:cs typeface="Courier New"/>
+              </a:rPr>
+            </a:br>
+            <a:r>
+              <a:rPr lang="en-US" sz="1400">
+                <a:solidFill>
+                  <a:srgbClr val="000000"/>
+                </a:solidFill>
+                <a:effectLst/>
+                <a:latin typeface="Courier New"/>
+                <a:cs typeface="Courier New"/>
+              </a:rPr>
+              <a:t>    expected = numpy.linspace(0.1, 1.5, D)</a:t>
+            </a:r>
+            <a:br>
+              <a:rPr lang="en-US" sz="1400">
+                <a:solidFill>
+                  <a:srgbClr val="000000"/>
+                </a:solidFill>
+                <a:effectLst/>
+                <a:latin typeface="Courier New"/>
+                <a:cs typeface="Courier New"/>
+              </a:rPr>
+            </a:br>
+            <a:r>
+              <a:rPr lang="en-US" sz="1400">
+                <a:solidFill>
+                  <a:srgbClr val="000000"/>
+                </a:solidFill>
+                <a:effectLst/>
+                <a:latin typeface="Courier New"/>
+                <a:cs typeface="Courier New"/>
+              </a:rPr>
+              <a:t/>
+            </a:r>
+            <a:br>
+              <a:rPr lang="en-US" sz="1400">
+                <a:solidFill>
+                  <a:srgbClr val="000000"/>
+                </a:solidFill>
+                <a:effectLst/>
+                <a:latin typeface="Courier New"/>
+                <a:cs typeface="Courier New"/>
+              </a:rPr>
+            </a:br>
+            <a:r>
+              <a:rPr lang="en-US" sz="1400">
+                <a:solidFill>
+                  <a:srgbClr val="000000"/>
+                </a:solidFill>
+                <a:effectLst/>
+                <a:latin typeface="Courier New"/>
+                <a:cs typeface="Courier New"/>
+              </a:rPr>
+              <a:t>    </a:t>
+            </a:r>
+            <a:r>
+              <a:rPr lang="en-US" sz="1400">
+                <a:solidFill>
+                  <a:srgbClr val="B22222"/>
+                </a:solidFill>
+                <a:effectLst/>
+                <a:latin typeface="Courier New"/>
+                <a:cs typeface="Courier New"/>
+              </a:rPr>
+              <a:t># Generate random, D-dimensional data</a:t>
+            </a:r>
+            <a:br>
+              <a:rPr lang="en-US" sz="1400">
+                <a:solidFill>
+                  <a:srgbClr val="B22222"/>
+                </a:solidFill>
+                <a:effectLst/>
+                <a:latin typeface="Courier New"/>
+                <a:cs typeface="Courier New"/>
+              </a:rPr>
+            </a:br>
+            <a:r>
+              <a:rPr lang="en-US" sz="1400">
+                <a:solidFill>
+                  <a:srgbClr val="000000"/>
+                </a:solidFill>
+                <a:effectLst/>
+                <a:latin typeface="Courier New"/>
+                <a:cs typeface="Courier New"/>
+              </a:rPr>
+              <a:t>    x = rand_state.randn(N, D) * numpy.sqrt(expected)</a:t>
+            </a:r>
+            <a:br>
+              <a:rPr lang="en-US" sz="1400">
+                <a:solidFill>
+                  <a:srgbClr val="000000"/>
+                </a:solidFill>
+                <a:effectLst/>
+                <a:latin typeface="Courier New"/>
+                <a:cs typeface="Courier New"/>
+              </a:rPr>
+            </a:br>
+            <a:r>
+              <a:rPr lang="en-US" sz="1400">
+                <a:solidFill>
+                  <a:srgbClr val="000000"/>
+                </a:solidFill>
+                <a:effectLst/>
+                <a:latin typeface="Courier New"/>
+                <a:cs typeface="Courier New"/>
+              </a:rPr>
+              <a:t>    variance = numpy.var(x, axis=0)</a:t>
+            </a:r>
+            <a:br>
+              <a:rPr lang="en-US" sz="1400">
+                <a:solidFill>
+                  <a:srgbClr val="000000"/>
+                </a:solidFill>
+                <a:effectLst/>
+                <a:latin typeface="Courier New"/>
+                <a:cs typeface="Courier New"/>
+              </a:rPr>
+            </a:br>
+            <a:r>
+              <a:rPr lang="en-US" sz="1400">
+                <a:solidFill>
+                  <a:srgbClr val="000000"/>
+                </a:solidFill>
+                <a:effectLst/>
+                <a:latin typeface="Courier New"/>
+                <a:cs typeface="Courier New"/>
+              </a:rPr>
+              <a:t>    numpy.testing.assert_allclose(variance, expected, rtol=1e-2)</a:t>
+            </a:r>
+            <a:br>
+              <a:rPr lang="en-US" sz="1400">
+                <a:solidFill>
+                  <a:srgbClr val="000000"/>
+                </a:solidFill>
+                <a:effectLst/>
+                <a:latin typeface="Courier New"/>
+                <a:cs typeface="Courier New"/>
+              </a:rPr>
+            </a:br>
+            <a:endParaRPr lang="en-US" sz="1400" dirty="0">
+              <a:latin typeface="Courier New"/>
+              <a:cs typeface="Courier New"/>
+            </a:endParaRPr>
+          </a:p>
+          <a:p>
+            <a:endParaRPr lang="en-US" sz="1400" dirty="0">
+              <a:latin typeface="Courier New"/>
+              <a:cs typeface="Courier New"/>
+            </a:endParaRPr>
           </a:p>
         </p:txBody>
       </p:sp>
       <p:sp>
         <p:nvSpPr>
-          <p:cNvPr id="4" name="Date Placeholder 3"/>
+          <p:cNvPr id="9" name="Date Placeholder 8"/>
           <p:cNvSpPr>
             <a:spLocks noGrp="1"/>
           </p:cNvSpPr>
@@ -39358,7 +39799,12 @@
             <p:ph type="dt" sz="half" idx="10"/>
           </p:nvPr>
         </p:nvSpPr>
-        <p:spPr/>
+        <p:spPr>
+          <a:xfrm>
+            <a:off x="6400800" y="6356350"/>
+            <a:ext cx="2289048" cy="365760"/>
+          </a:xfrm>
+        </p:spPr>
         <p:txBody>
           <a:bodyPr/>
           <a:lstStyle/>
@@ -39373,7 +39819,7 @@
       </p:sp>
       <p:sp>
         <p:nvSpPr>
-          <p:cNvPr id="5" name="Footer Placeholder 4"/>
+          <p:cNvPr id="10" name="Footer Placeholder 9"/>
           <p:cNvSpPr>
             <a:spLocks noGrp="1"/>
           </p:cNvSpPr>
@@ -39381,7 +39827,12 @@
             <p:ph type="ftr" sz="quarter" idx="11"/>
           </p:nvPr>
         </p:nvSpPr>
-        <p:spPr/>
+        <p:spPr>
+          <a:xfrm>
+            <a:off x="2898648" y="6356350"/>
+            <a:ext cx="3505200" cy="365760"/>
+          </a:xfrm>
+        </p:spPr>
         <p:txBody>
           <a:bodyPr/>
           <a:lstStyle/>
@@ -39395,11 +39846,6 @@
         </p:txBody>
       </p:sp>
     </p:spTree>
-    <p:extLst>
-      <p:ext uri="{BB962C8B-B14F-4D97-AF65-F5344CB8AC3E}">
-        <p14:creationId xmlns:p14="http://schemas.microsoft.com/office/powerpoint/2010/main" val="2782627509"/>
-      </p:ext>
-    </p:extLst>
   </p:cSld>
   <p:clrMapOvr>
     <a:masterClrMapping/>
@@ -39547,627 +39993,6 @@
 </file>
 
 <file path=ppt/slides/slide40.xml><?xml version="1.0" encoding="utf-8"?>
-<p:sld xmlns:a="http://schemas.openxmlformats.org/drawingml/2006/main" xmlns:r="http://schemas.openxmlformats.org/officeDocument/2006/relationships" xmlns:p="http://schemas.openxmlformats.org/presentationml/2006/main">
-  <p:cSld>
-    <p:spTree>
-      <p:nvGrpSpPr>
-        <p:cNvPr id="1" name=""/>
-        <p:cNvGrpSpPr/>
-        <p:nvPr/>
-      </p:nvGrpSpPr>
-      <p:grpSpPr>
-        <a:xfrm>
-          <a:off x="0" y="0"/>
-          <a:ext cx="0" cy="0"/>
-          <a:chOff x="0" y="0"/>
-          <a:chExt cx="0" cy="0"/>
-        </a:xfrm>
-      </p:grpSpPr>
-      <p:sp>
-        <p:nvSpPr>
-          <p:cNvPr id="7" name="Title 6"/>
-          <p:cNvSpPr>
-            <a:spLocks noGrp="1"/>
-          </p:cNvSpPr>
-          <p:nvPr>
-            <p:ph type="title"/>
-          </p:nvPr>
-        </p:nvSpPr>
-        <p:spPr/>
-        <p:txBody>
-          <a:bodyPr/>
-          <a:lstStyle/>
-          <a:p>
-            <a:r>
-              <a:rPr lang="en-US" dirty="0" smtClean="0"/>
-              <a:t>Numerical </a:t>
-            </a:r>
-            <a:r>
-              <a:rPr lang="en-US" dirty="0" err="1" smtClean="0"/>
-              <a:t>fuzzing</a:t>
-            </a:r>
-            <a:r>
-              <a:rPr lang="en-US" dirty="0" smtClean="0"/>
-              <a:t> – solution</a:t>
-            </a:r>
-            <a:endParaRPr lang="en-US" dirty="0"/>
-          </a:p>
-        </p:txBody>
-      </p:sp>
-      <p:sp>
-        <p:nvSpPr>
-          <p:cNvPr id="8" name="TextBox 7"/>
-          <p:cNvSpPr txBox="1"/>
-          <p:nvPr/>
-        </p:nvSpPr>
-        <p:spPr>
-          <a:xfrm>
-            <a:off x="609600" y="1484784"/>
-            <a:ext cx="8077200" cy="4185761"/>
-          </a:xfrm>
-          <a:prstGeom prst="rect">
-            <a:avLst/>
-          </a:prstGeom>
-          <a:noFill/>
-        </p:spPr>
-        <p:txBody>
-          <a:bodyPr wrap="square" rtlCol="0">
-            <a:spAutoFit/>
-          </a:bodyPr>
-          <a:lstStyle/>
-          <a:p>
-            <a:r>
-              <a:rPr lang="en-US" sz="1400">
-                <a:solidFill>
-                  <a:srgbClr val="7F007F"/>
-                </a:solidFill>
-                <a:effectLst/>
-                <a:latin typeface="Courier New"/>
-                <a:cs typeface="Courier New"/>
-              </a:rPr>
-              <a:t>def</a:t>
-            </a:r>
-            <a:r>
-              <a:rPr lang="en-US" sz="1400">
-                <a:solidFill>
-                  <a:srgbClr val="000000"/>
-                </a:solidFill>
-                <a:effectLst/>
-                <a:latin typeface="Courier New"/>
-                <a:cs typeface="Courier New"/>
-              </a:rPr>
-              <a:t> </a:t>
-            </a:r>
-            <a:r>
-              <a:rPr lang="en-US" sz="1400">
-                <a:solidFill>
-                  <a:srgbClr val="0000FF"/>
-                </a:solidFill>
-                <a:effectLst/>
-                <a:latin typeface="Courier New"/>
-                <a:cs typeface="Courier New"/>
-              </a:rPr>
-              <a:t>test_var_deterministic</a:t>
-            </a:r>
-            <a:r>
-              <a:rPr lang="en-US" sz="1400">
-                <a:solidFill>
-                  <a:srgbClr val="000000"/>
-                </a:solidFill>
-                <a:effectLst/>
-                <a:latin typeface="Courier New"/>
-                <a:cs typeface="Courier New"/>
-              </a:rPr>
-              <a:t>():</a:t>
-            </a:r>
-            <a:br>
-              <a:rPr lang="en-US" sz="1400">
-                <a:solidFill>
-                  <a:srgbClr val="000000"/>
-                </a:solidFill>
-                <a:effectLst/>
-                <a:latin typeface="Courier New"/>
-                <a:cs typeface="Courier New"/>
-              </a:rPr>
-            </a:br>
-            <a:r>
-              <a:rPr lang="en-US" sz="1400">
-                <a:solidFill>
-                  <a:srgbClr val="000000"/>
-                </a:solidFill>
-                <a:effectLst/>
-                <a:latin typeface="Courier New"/>
-                <a:cs typeface="Courier New"/>
-              </a:rPr>
-              <a:t>    x = numpy.array([-2.0, 2.0])</a:t>
-            </a:r>
-            <a:br>
-              <a:rPr lang="en-US" sz="1400">
-                <a:solidFill>
-                  <a:srgbClr val="000000"/>
-                </a:solidFill>
-                <a:effectLst/>
-                <a:latin typeface="Courier New"/>
-                <a:cs typeface="Courier New"/>
-              </a:rPr>
-            </a:br>
-            <a:r>
-              <a:rPr lang="en-US" sz="1400">
-                <a:solidFill>
-                  <a:srgbClr val="000000"/>
-                </a:solidFill>
-                <a:effectLst/>
-                <a:latin typeface="Courier New"/>
-                <a:cs typeface="Courier New"/>
-              </a:rPr>
-              <a:t>    expected = 4.0</a:t>
-            </a:r>
-            <a:br>
-              <a:rPr lang="en-US" sz="1400">
-                <a:solidFill>
-                  <a:srgbClr val="000000"/>
-                </a:solidFill>
-                <a:effectLst/>
-                <a:latin typeface="Courier New"/>
-                <a:cs typeface="Courier New"/>
-              </a:rPr>
-            </a:br>
-            <a:r>
-              <a:rPr lang="en-US" sz="1400">
-                <a:solidFill>
-                  <a:srgbClr val="000000"/>
-                </a:solidFill>
-                <a:effectLst/>
-                <a:latin typeface="Courier New"/>
-                <a:cs typeface="Courier New"/>
-              </a:rPr>
-              <a:t>    </a:t>
-            </a:r>
-            <a:r>
-              <a:rPr lang="en-US" sz="1400">
-                <a:solidFill>
-                  <a:srgbClr val="7F007F"/>
-                </a:solidFill>
-                <a:effectLst/>
-                <a:latin typeface="Courier New"/>
-                <a:cs typeface="Courier New"/>
-              </a:rPr>
-              <a:t>assert</a:t>
-            </a:r>
-            <a:r>
-              <a:rPr lang="en-US" sz="1400">
-                <a:solidFill>
-                  <a:srgbClr val="000000"/>
-                </a:solidFill>
-                <a:effectLst/>
-                <a:latin typeface="Courier New"/>
-                <a:cs typeface="Courier New"/>
-              </a:rPr>
-              <a:t> isclose(numpy.var(x), expected)</a:t>
-            </a:r>
-            <a:br>
-              <a:rPr lang="en-US" sz="1400">
-                <a:solidFill>
-                  <a:srgbClr val="000000"/>
-                </a:solidFill>
-                <a:effectLst/>
-                <a:latin typeface="Courier New"/>
-                <a:cs typeface="Courier New"/>
-              </a:rPr>
-            </a:br>
-            <a:r>
-              <a:rPr lang="en-US" sz="1400">
-                <a:solidFill>
-                  <a:srgbClr val="000000"/>
-                </a:solidFill>
-                <a:effectLst/>
-                <a:latin typeface="Courier New"/>
-                <a:cs typeface="Courier New"/>
-              </a:rPr>
-              <a:t/>
-            </a:r>
-            <a:br>
-              <a:rPr lang="en-US" sz="1400">
-                <a:solidFill>
-                  <a:srgbClr val="000000"/>
-                </a:solidFill>
-                <a:effectLst/>
-                <a:latin typeface="Courier New"/>
-                <a:cs typeface="Courier New"/>
-              </a:rPr>
-            </a:br>
-            <a:r>
-              <a:rPr lang="en-US" sz="1400">
-                <a:solidFill>
-                  <a:srgbClr val="000000"/>
-                </a:solidFill>
-                <a:effectLst/>
-                <a:latin typeface="Courier New"/>
-                <a:cs typeface="Courier New"/>
-              </a:rPr>
-              <a:t/>
-            </a:r>
-            <a:br>
-              <a:rPr lang="en-US" sz="1400">
-                <a:solidFill>
-                  <a:srgbClr val="000000"/>
-                </a:solidFill>
-                <a:effectLst/>
-                <a:latin typeface="Courier New"/>
-                <a:cs typeface="Courier New"/>
-              </a:rPr>
-            </a:br>
-            <a:r>
-              <a:rPr lang="en-US" sz="1400">
-                <a:solidFill>
-                  <a:srgbClr val="7F007F"/>
-                </a:solidFill>
-                <a:effectLst/>
-                <a:latin typeface="Courier New"/>
-                <a:cs typeface="Courier New"/>
-              </a:rPr>
-              <a:t>def</a:t>
-            </a:r>
-            <a:r>
-              <a:rPr lang="en-US" sz="1400">
-                <a:solidFill>
-                  <a:srgbClr val="000000"/>
-                </a:solidFill>
-                <a:effectLst/>
-                <a:latin typeface="Courier New"/>
-                <a:cs typeface="Courier New"/>
-              </a:rPr>
-              <a:t> </a:t>
-            </a:r>
-            <a:r>
-              <a:rPr lang="en-US" sz="1400">
-                <a:solidFill>
-                  <a:srgbClr val="0000FF"/>
-                </a:solidFill>
-                <a:effectLst/>
-                <a:latin typeface="Courier New"/>
-                <a:cs typeface="Courier New"/>
-              </a:rPr>
-              <a:t>test_var_fuzzing</a:t>
-            </a:r>
-            <a:r>
-              <a:rPr lang="en-US" sz="1400">
-                <a:solidFill>
-                  <a:srgbClr val="000000"/>
-                </a:solidFill>
-                <a:effectLst/>
-                <a:latin typeface="Courier New"/>
-                <a:cs typeface="Courier New"/>
-              </a:rPr>
-              <a:t>():</a:t>
-            </a:r>
-            <a:br>
-              <a:rPr lang="en-US" sz="1400">
-                <a:solidFill>
-                  <a:srgbClr val="000000"/>
-                </a:solidFill>
-                <a:effectLst/>
-                <a:latin typeface="Courier New"/>
-                <a:cs typeface="Courier New"/>
-              </a:rPr>
-            </a:br>
-            <a:r>
-              <a:rPr lang="en-US" sz="1400">
-                <a:solidFill>
-                  <a:srgbClr val="000000"/>
-                </a:solidFill>
-                <a:effectLst/>
-                <a:latin typeface="Courier New"/>
-                <a:cs typeface="Courier New"/>
-              </a:rPr>
-              <a:t>    rand_state = numpy.random.RandomState(8393)</a:t>
-            </a:r>
-            <a:br>
-              <a:rPr lang="en-US" sz="1400">
-                <a:solidFill>
-                  <a:srgbClr val="000000"/>
-                </a:solidFill>
-                <a:effectLst/>
-                <a:latin typeface="Courier New"/>
-                <a:cs typeface="Courier New"/>
-              </a:rPr>
-            </a:br>
-            <a:r>
-              <a:rPr lang="en-US" sz="1400">
-                <a:solidFill>
-                  <a:srgbClr val="000000"/>
-                </a:solidFill>
-                <a:effectLst/>
-                <a:latin typeface="Courier New"/>
-                <a:cs typeface="Courier New"/>
-              </a:rPr>
-              <a:t/>
-            </a:r>
-            <a:br>
-              <a:rPr lang="en-US" sz="1400">
-                <a:solidFill>
-                  <a:srgbClr val="000000"/>
-                </a:solidFill>
-                <a:effectLst/>
-                <a:latin typeface="Courier New"/>
-                <a:cs typeface="Courier New"/>
-              </a:rPr>
-            </a:br>
-            <a:r>
-              <a:rPr lang="en-US" sz="1400">
-                <a:solidFill>
-                  <a:srgbClr val="000000"/>
-                </a:solidFill>
-                <a:effectLst/>
-                <a:latin typeface="Courier New"/>
-                <a:cs typeface="Courier New"/>
-              </a:rPr>
-              <a:t>    N, D = 100000, 5</a:t>
-            </a:r>
-            <a:br>
-              <a:rPr lang="en-US" sz="1400">
-                <a:solidFill>
-                  <a:srgbClr val="000000"/>
-                </a:solidFill>
-                <a:effectLst/>
-                <a:latin typeface="Courier New"/>
-                <a:cs typeface="Courier New"/>
-              </a:rPr>
-            </a:br>
-            <a:r>
-              <a:rPr lang="en-US" sz="1400">
-                <a:solidFill>
-                  <a:srgbClr val="000000"/>
-                </a:solidFill>
-                <a:effectLst/>
-                <a:latin typeface="Courier New"/>
-                <a:cs typeface="Courier New"/>
-              </a:rPr>
-              <a:t>    </a:t>
-            </a:r>
-            <a:r>
-              <a:rPr lang="en-US" sz="1400">
-                <a:solidFill>
-                  <a:srgbClr val="B22222"/>
-                </a:solidFill>
-                <a:effectLst/>
-                <a:latin typeface="Courier New"/>
-                <a:cs typeface="Courier New"/>
-              </a:rPr>
-              <a:t># Goal variances: [0.1 ,  0.45,  0.8 ,  1.15,  1.5]</a:t>
-            </a:r>
-            <a:br>
-              <a:rPr lang="en-US" sz="1400">
-                <a:solidFill>
-                  <a:srgbClr val="B22222"/>
-                </a:solidFill>
-                <a:effectLst/>
-                <a:latin typeface="Courier New"/>
-                <a:cs typeface="Courier New"/>
-              </a:rPr>
-            </a:br>
-            <a:r>
-              <a:rPr lang="en-US" sz="1400">
-                <a:solidFill>
-                  <a:srgbClr val="000000"/>
-                </a:solidFill>
-                <a:effectLst/>
-                <a:latin typeface="Courier New"/>
-                <a:cs typeface="Courier New"/>
-              </a:rPr>
-              <a:t>    expected = numpy.linspace(0.1, 1.5, D)</a:t>
-            </a:r>
-            <a:br>
-              <a:rPr lang="en-US" sz="1400">
-                <a:solidFill>
-                  <a:srgbClr val="000000"/>
-                </a:solidFill>
-                <a:effectLst/>
-                <a:latin typeface="Courier New"/>
-                <a:cs typeface="Courier New"/>
-              </a:rPr>
-            </a:br>
-            <a:r>
-              <a:rPr lang="en-US" sz="1400">
-                <a:solidFill>
-                  <a:srgbClr val="000000"/>
-                </a:solidFill>
-                <a:effectLst/>
-                <a:latin typeface="Courier New"/>
-                <a:cs typeface="Courier New"/>
-              </a:rPr>
-              <a:t/>
-            </a:r>
-            <a:br>
-              <a:rPr lang="en-US" sz="1400">
-                <a:solidFill>
-                  <a:srgbClr val="000000"/>
-                </a:solidFill>
-                <a:effectLst/>
-                <a:latin typeface="Courier New"/>
-                <a:cs typeface="Courier New"/>
-              </a:rPr>
-            </a:br>
-            <a:r>
-              <a:rPr lang="en-US" sz="1400">
-                <a:solidFill>
-                  <a:srgbClr val="000000"/>
-                </a:solidFill>
-                <a:effectLst/>
-                <a:latin typeface="Courier New"/>
-                <a:cs typeface="Courier New"/>
-              </a:rPr>
-              <a:t>    </a:t>
-            </a:r>
-            <a:r>
-              <a:rPr lang="en-US" sz="1400">
-                <a:solidFill>
-                  <a:srgbClr val="B22222"/>
-                </a:solidFill>
-                <a:effectLst/>
-                <a:latin typeface="Courier New"/>
-                <a:cs typeface="Courier New"/>
-              </a:rPr>
-              <a:t># Generate random, D-dimensional data</a:t>
-            </a:r>
-            <a:br>
-              <a:rPr lang="en-US" sz="1400">
-                <a:solidFill>
-                  <a:srgbClr val="B22222"/>
-                </a:solidFill>
-                <a:effectLst/>
-                <a:latin typeface="Courier New"/>
-                <a:cs typeface="Courier New"/>
-              </a:rPr>
-            </a:br>
-            <a:r>
-              <a:rPr lang="en-US" sz="1400">
-                <a:solidFill>
-                  <a:srgbClr val="000000"/>
-                </a:solidFill>
-                <a:effectLst/>
-                <a:latin typeface="Courier New"/>
-                <a:cs typeface="Courier New"/>
-              </a:rPr>
-              <a:t>    x = rand_state.randn(N, D) * numpy.sqrt(expected)</a:t>
-            </a:r>
-            <a:br>
-              <a:rPr lang="en-US" sz="1400">
-                <a:solidFill>
-                  <a:srgbClr val="000000"/>
-                </a:solidFill>
-                <a:effectLst/>
-                <a:latin typeface="Courier New"/>
-                <a:cs typeface="Courier New"/>
-              </a:rPr>
-            </a:br>
-            <a:r>
-              <a:rPr lang="en-US" sz="1400">
-                <a:solidFill>
-                  <a:srgbClr val="000000"/>
-                </a:solidFill>
-                <a:effectLst/>
-                <a:latin typeface="Courier New"/>
-                <a:cs typeface="Courier New"/>
-              </a:rPr>
-              <a:t>    variance = numpy.var(x, axis=0)</a:t>
-            </a:r>
-            <a:br>
-              <a:rPr lang="en-US" sz="1400">
-                <a:solidFill>
-                  <a:srgbClr val="000000"/>
-                </a:solidFill>
-                <a:effectLst/>
-                <a:latin typeface="Courier New"/>
-                <a:cs typeface="Courier New"/>
-              </a:rPr>
-            </a:br>
-            <a:r>
-              <a:rPr lang="en-US" sz="1400">
-                <a:solidFill>
-                  <a:srgbClr val="000000"/>
-                </a:solidFill>
-                <a:effectLst/>
-                <a:latin typeface="Courier New"/>
-                <a:cs typeface="Courier New"/>
-              </a:rPr>
-              <a:t>    numpy.testing.assert_allclose(variance, expected, rtol=1e-2)</a:t>
-            </a:r>
-            <a:br>
-              <a:rPr lang="en-US" sz="1400">
-                <a:solidFill>
-                  <a:srgbClr val="000000"/>
-                </a:solidFill>
-                <a:effectLst/>
-                <a:latin typeface="Courier New"/>
-                <a:cs typeface="Courier New"/>
-              </a:rPr>
-            </a:br>
-            <a:endParaRPr lang="en-US" sz="1400" dirty="0">
-              <a:latin typeface="Courier New"/>
-              <a:cs typeface="Courier New"/>
-            </a:endParaRPr>
-          </a:p>
-          <a:p>
-            <a:endParaRPr lang="en-US" sz="1400" dirty="0">
-              <a:latin typeface="Courier New"/>
-              <a:cs typeface="Courier New"/>
-            </a:endParaRPr>
-          </a:p>
-        </p:txBody>
-      </p:sp>
-      <p:sp>
-        <p:nvSpPr>
-          <p:cNvPr id="9" name="Date Placeholder 8"/>
-          <p:cNvSpPr>
-            <a:spLocks noGrp="1"/>
-          </p:cNvSpPr>
-          <p:nvPr>
-            <p:ph type="dt" sz="half" idx="10"/>
-          </p:nvPr>
-        </p:nvSpPr>
-        <p:spPr>
-          <a:xfrm>
-            <a:off x="6400800" y="6356350"/>
-            <a:ext cx="2289048" cy="365760"/>
-          </a:xfrm>
-        </p:spPr>
-        <p:txBody>
-          <a:bodyPr/>
-          <a:lstStyle/>
-          <a:p>
-            <a:r>
-              <a:rPr lang="en-US" smtClean="0"/>
-              <a:t>Pietro Berkes, Sept 2016</a:t>
-            </a:r>
-            <a:endParaRPr lang="en-US"/>
-          </a:p>
-        </p:txBody>
-      </p:sp>
-      <p:sp>
-        <p:nvSpPr>
-          <p:cNvPr id="10" name="Footer Placeholder 9"/>
-          <p:cNvSpPr>
-            <a:spLocks noGrp="1"/>
-          </p:cNvSpPr>
-          <p:nvPr>
-            <p:ph type="ftr" sz="quarter" idx="11"/>
-          </p:nvPr>
-        </p:nvSpPr>
-        <p:spPr>
-          <a:xfrm>
-            <a:off x="2898648" y="6356350"/>
-            <a:ext cx="3505200" cy="365760"/>
-          </a:xfrm>
-        </p:spPr>
-        <p:txBody>
-          <a:bodyPr/>
-          <a:lstStyle/>
-          <a:p>
-            <a:r>
-              <a:rPr lang="en-US" smtClean="0"/>
-              <a:t>Testing, debugging, profiling</a:t>
-            </a:r>
-            <a:endParaRPr lang="en-US"/>
-          </a:p>
-        </p:txBody>
-      </p:sp>
-    </p:spTree>
-  </p:cSld>
-  <p:clrMapOvr>
-    <a:masterClrMapping/>
-  </p:clrMapOvr>
-  <p:timing>
-    <p:tnLst>
-      <p:par>
-        <p:cTn xmlns:p14="http://schemas.microsoft.com/office/powerpoint/2010/main" id="1" dur="indefinite" restart="never" nodeType="tmRoot"/>
-      </p:par>
-    </p:tnLst>
-  </p:timing>
-</p:sld>
-</file>
-
-<file path=ppt/slides/slide41.xml><?xml version="1.0" encoding="utf-8"?>
 <p:sld xmlns:a="http://schemas.openxmlformats.org/drawingml/2006/main" xmlns:r="http://schemas.openxmlformats.org/officeDocument/2006/relationships" xmlns:p="http://schemas.openxmlformats.org/presentationml/2006/main">
   <p:cSld>
     <p:spTree>
@@ -40623,7 +40448,7 @@
 </p:sld>
 </file>
 
-<file path=ppt/slides/slide42.xml><?xml version="1.0" encoding="utf-8"?>
+<file path=ppt/slides/slide41.xml><?xml version="1.0" encoding="utf-8"?>
 <p:sld xmlns:a="http://schemas.openxmlformats.org/drawingml/2006/main" xmlns:r="http://schemas.openxmlformats.org/officeDocument/2006/relationships" xmlns:p="http://schemas.openxmlformats.org/presentationml/2006/main">
   <p:cSld>
     <p:spTree>
@@ -40932,7 +40757,7 @@
 </p:sld>
 </file>
 
-<file path=ppt/slides/slide43.xml><?xml version="1.0" encoding="utf-8"?>
+<file path=ppt/slides/slide42.xml><?xml version="1.0" encoding="utf-8"?>
 <p:sld xmlns:a="http://schemas.openxmlformats.org/drawingml/2006/main" xmlns:r="http://schemas.openxmlformats.org/officeDocument/2006/relationships" xmlns:p="http://schemas.openxmlformats.org/presentationml/2006/main">
   <p:cSld>
     <p:spTree>
@@ -41464,7 +41289,7 @@
 </p:sld>
 </file>
 
-<file path=ppt/slides/slide44.xml><?xml version="1.0" encoding="utf-8"?>
+<file path=ppt/slides/slide43.xml><?xml version="1.0" encoding="utf-8"?>
 <p:sld xmlns:a="http://schemas.openxmlformats.org/drawingml/2006/main" xmlns:r="http://schemas.openxmlformats.org/officeDocument/2006/relationships" xmlns:p="http://schemas.openxmlformats.org/presentationml/2006/main">
   <p:cSld>
     <p:spTree>
@@ -41603,6 +41428,149 @@
 </p:sld>
 </file>
 
+<file path=ppt/slides/slide44.xml><?xml version="1.0" encoding="utf-8"?>
+<p:sld xmlns:a="http://schemas.openxmlformats.org/drawingml/2006/main" xmlns:r="http://schemas.openxmlformats.org/officeDocument/2006/relationships" xmlns:p="http://schemas.openxmlformats.org/presentationml/2006/main">
+  <p:cSld>
+    <p:spTree>
+      <p:nvGrpSpPr>
+        <p:cNvPr id="1" name=""/>
+        <p:cNvGrpSpPr/>
+        <p:nvPr/>
+      </p:nvGrpSpPr>
+      <p:grpSpPr>
+        <a:xfrm>
+          <a:off x="0" y="0"/>
+          <a:ext cx="0" cy="0"/>
+          <a:chOff x="0" y="0"/>
+          <a:chExt cx="0" cy="0"/>
+        </a:xfrm>
+      </p:grpSpPr>
+      <p:sp>
+        <p:nvSpPr>
+          <p:cNvPr id="2" name="Title 1"/>
+          <p:cNvSpPr>
+            <a:spLocks noGrp="1"/>
+          </p:cNvSpPr>
+          <p:nvPr>
+            <p:ph type="title"/>
+          </p:nvPr>
+        </p:nvSpPr>
+        <p:spPr/>
+        <p:txBody>
+          <a:bodyPr/>
+          <a:lstStyle/>
+          <a:p>
+            <a:r>
+              <a:rPr lang="en-US"/>
+              <a:t>Hands-on!</a:t>
+            </a:r>
+          </a:p>
+        </p:txBody>
+      </p:sp>
+      <p:sp>
+        <p:nvSpPr>
+          <p:cNvPr id="3" name="Content Placeholder 2"/>
+          <p:cNvSpPr>
+            <a:spLocks noGrp="1"/>
+          </p:cNvSpPr>
+          <p:nvPr>
+            <p:ph sz="quarter" idx="1"/>
+          </p:nvPr>
+        </p:nvSpPr>
+        <p:spPr/>
+        <p:txBody>
+          <a:bodyPr/>
+          <a:lstStyle/>
+          <a:p>
+            <a:r>
+              <a:rPr lang="en-US"/>
+              <a:t>Write a test for your </a:t>
+            </a:r>
+            <a:r>
+              <a:rPr lang="en-US">
+                <a:latin typeface="Courier New"/>
+                <a:cs typeface="Courier New"/>
+              </a:rPr>
+              <a:t>find_maxima</a:t>
+            </a:r>
+            <a:r>
+              <a:rPr lang="en-US"/>
+              <a:t> function</a:t>
+            </a:r>
+          </a:p>
+          <a:p>
+            <a:r>
+              <a:rPr lang="en-US"/>
+              <a:t>Correct the function if the function was incorrect, or clean it up if it wasn’t</a:t>
+            </a:r>
+          </a:p>
+          <a:p>
+            <a:r>
+              <a:rPr lang="en-US"/>
+              <a:t>Run the test again and watch it pass</a:t>
+            </a:r>
+          </a:p>
+        </p:txBody>
+      </p:sp>
+      <p:sp>
+        <p:nvSpPr>
+          <p:cNvPr id="4" name="Date Placeholder 3"/>
+          <p:cNvSpPr>
+            <a:spLocks noGrp="1"/>
+          </p:cNvSpPr>
+          <p:nvPr>
+            <p:ph type="dt" sz="half" idx="10"/>
+          </p:nvPr>
+        </p:nvSpPr>
+        <p:spPr/>
+        <p:txBody>
+          <a:bodyPr/>
+          <a:lstStyle/>
+          <a:p>
+            <a:r>
+              <a:rPr lang="en-US" smtClean="0"/>
+              <a:t>Pietro Berkes, Sept 2016</a:t>
+            </a:r>
+            <a:endParaRPr lang="en-US"/>
+          </a:p>
+        </p:txBody>
+      </p:sp>
+      <p:sp>
+        <p:nvSpPr>
+          <p:cNvPr id="5" name="Footer Placeholder 4"/>
+          <p:cNvSpPr>
+            <a:spLocks noGrp="1"/>
+          </p:cNvSpPr>
+          <p:nvPr>
+            <p:ph type="ftr" sz="quarter" idx="11"/>
+          </p:nvPr>
+        </p:nvSpPr>
+        <p:spPr/>
+        <p:txBody>
+          <a:bodyPr/>
+          <a:lstStyle/>
+          <a:p>
+            <a:r>
+              <a:rPr lang="en-US" smtClean="0"/>
+              <a:t>Testing, debugging, profiling</a:t>
+            </a:r>
+            <a:endParaRPr lang="en-US"/>
+          </a:p>
+        </p:txBody>
+      </p:sp>
+    </p:spTree>
+    <p:extLst>
+      <p:ext uri="{BB962C8B-B14F-4D97-AF65-F5344CB8AC3E}">
+        <p14:creationId xmlns:p14="http://schemas.microsoft.com/office/powerpoint/2010/main" val="1252037126"/>
+      </p:ext>
+    </p:extLst>
+  </p:cSld>
+  <p:clrMapOvr>
+    <a:masterClrMapping/>
+  </p:clrMapOvr>
+</p:sld>
+</file>
+
 <file path=ppt/slides/slide45.xml><?xml version="1.0" encoding="utf-8"?>
 <p:sld xmlns:a="http://schemas.openxmlformats.org/drawingml/2006/main" xmlns:r="http://schemas.openxmlformats.org/officeDocument/2006/relationships" xmlns:p="http://schemas.openxmlformats.org/presentationml/2006/main">
   <p:cSld>
@@ -41622,7 +41590,7 @@
       </p:grpSpPr>
       <p:sp>
         <p:nvSpPr>
-          <p:cNvPr id="2" name="Title 1"/>
+          <p:cNvPr id="5" name="Title 4"/>
           <p:cNvSpPr>
             <a:spLocks noGrp="1"/>
           </p:cNvSpPr>
@@ -41636,15 +41604,72 @@
           <a:lstStyle/>
           <a:p>
             <a:r>
-              <a:rPr lang="en-US"/>
-              <a:t>Hands-on!</a:t>
-            </a:r>
+              <a:rPr lang="en-US" dirty="0" smtClean="0"/>
+              <a:t>Testing is good for your self-esteem</a:t>
+            </a:r>
+            <a:endParaRPr lang="en-US" dirty="0"/>
           </a:p>
         </p:txBody>
       </p:sp>
       <p:sp>
         <p:nvSpPr>
-          <p:cNvPr id="3" name="Content Placeholder 2"/>
+          <p:cNvPr id="2" name="Date Placeholder 1"/>
+          <p:cNvSpPr>
+            <a:spLocks noGrp="1"/>
+          </p:cNvSpPr>
+          <p:nvPr>
+            <p:ph type="dt" sz="half" idx="10"/>
+          </p:nvPr>
+        </p:nvSpPr>
+        <p:spPr>
+          <a:xfrm>
+            <a:off x="6400800" y="6356350"/>
+            <a:ext cx="2289048" cy="365760"/>
+          </a:xfrm>
+        </p:spPr>
+        <p:txBody>
+          <a:bodyPr/>
+          <a:lstStyle/>
+          <a:p>
+            <a:r>
+              <a:rPr lang="en-US" smtClean="0"/>
+              <a:t>Pietro Berkes, Sept 2016</a:t>
+            </a:r>
+            <a:endParaRPr lang="en-US"/>
+          </a:p>
+        </p:txBody>
+      </p:sp>
+      <p:sp>
+        <p:nvSpPr>
+          <p:cNvPr id="3" name="Footer Placeholder 2"/>
+          <p:cNvSpPr>
+            <a:spLocks noGrp="1"/>
+          </p:cNvSpPr>
+          <p:nvPr>
+            <p:ph type="ftr" sz="quarter" idx="11"/>
+          </p:nvPr>
+        </p:nvSpPr>
+        <p:spPr>
+          <a:xfrm>
+            <a:off x="2898648" y="6356350"/>
+            <a:ext cx="3505200" cy="365760"/>
+          </a:xfrm>
+        </p:spPr>
+        <p:txBody>
+          <a:bodyPr/>
+          <a:lstStyle/>
+          <a:p>
+            <a:r>
+              <a:rPr lang="en-US" smtClean="0"/>
+              <a:t>Testing, debugging, profiling</a:t>
+            </a:r>
+            <a:endParaRPr lang="en-US"/>
+          </a:p>
+        </p:txBody>
+      </p:sp>
+      <p:sp>
+        <p:nvSpPr>
+          <p:cNvPr id="6" name="Content Placeholder 5"/>
           <p:cNvSpPr>
             <a:spLocks noGrp="1"/>
           </p:cNvSpPr>
@@ -41658,91 +41683,55 @@
           <a:lstStyle/>
           <a:p>
             <a:r>
+              <a:rPr lang="en-US" dirty="0"/>
+              <a:t>Immediately: Always be confident that your results are correct, whether your approach works of not</a:t>
+            </a:r>
+          </a:p>
+          <a:p>
+            <a:r>
+              <a:rPr lang="en-US" dirty="0" smtClean="0"/>
+              <a:t>In the future: save your future self some trouble!</a:t>
+            </a:r>
+          </a:p>
+          <a:p>
+            <a:pPr lvl="1"/>
+            <a:r>
               <a:rPr lang="en-US"/>
-              <a:t>Write a test for your </a:t>
+              <a:t>Example: </a:t>
             </a:r>
             <a:r>
               <a:rPr lang="en-US">
                 <a:latin typeface="Courier New"/>
                 <a:cs typeface="Courier New"/>
               </a:rPr>
-              <a:t>find_maxima</a:t>
-            </a:r>
-            <a:r>
-              <a:rPr lang="en-US"/>
-              <a:t> function</a:t>
-            </a:r>
-          </a:p>
-          <a:p>
-            <a:r>
-              <a:rPr lang="en-US"/>
-              <a:t>Correct the function if the function was incorrect, or clean it up if it wasn’t</a:t>
-            </a:r>
-          </a:p>
-          <a:p>
-            <a:r>
-              <a:rPr lang="en-US"/>
-              <a:t>Run the test again and watch it pass</a:t>
-            </a:r>
-          </a:p>
-        </p:txBody>
-      </p:sp>
-      <p:sp>
-        <p:nvSpPr>
-          <p:cNvPr id="4" name="Date Placeholder 3"/>
-          <p:cNvSpPr>
-            <a:spLocks noGrp="1"/>
-          </p:cNvSpPr>
-          <p:nvPr>
-            <p:ph type="dt" sz="half" idx="10"/>
-          </p:nvPr>
-        </p:nvSpPr>
-        <p:spPr/>
-        <p:txBody>
-          <a:bodyPr/>
-          <a:lstStyle/>
-          <a:p>
-            <a:r>
-              <a:rPr lang="en-US" smtClean="0"/>
-              <a:t>Pietro Berkes, Sept 2016</a:t>
-            </a:r>
-            <a:endParaRPr lang="en-US"/>
-          </a:p>
-        </p:txBody>
-      </p:sp>
-      <p:sp>
-        <p:nvSpPr>
-          <p:cNvPr id="5" name="Footer Placeholder 4"/>
-          <p:cNvSpPr>
-            <a:spLocks noGrp="1"/>
-          </p:cNvSpPr>
-          <p:nvPr>
-            <p:ph type="ftr" sz="quarter" idx="11"/>
-          </p:nvPr>
-        </p:nvSpPr>
-        <p:spPr/>
-        <p:txBody>
-          <a:bodyPr/>
-          <a:lstStyle/>
-          <a:p>
-            <a:r>
-              <a:rPr lang="en-US" smtClean="0"/>
-              <a:t>Testing, debugging, profiling</a:t>
-            </a:r>
-            <a:endParaRPr lang="en-US"/>
+              <a:t>mdp.utils.routine.permute</a:t>
+            </a:r>
+          </a:p>
+          <a:p>
+            <a:endParaRPr lang="en-US" dirty="0" smtClean="0"/>
+          </a:p>
+          <a:p>
+            <a:endParaRPr lang="en-US" dirty="0"/>
           </a:p>
         </p:txBody>
       </p:sp>
     </p:spTree>
     <p:extLst>
       <p:ext uri="{BB962C8B-B14F-4D97-AF65-F5344CB8AC3E}">
-        <p14:creationId xmlns:p14="http://schemas.microsoft.com/office/powerpoint/2010/main" val="1252037126"/>
+        <p14:creationId xmlns:p14="http://schemas.microsoft.com/office/powerpoint/2010/main" val="55267331"/>
       </p:ext>
     </p:extLst>
   </p:cSld>
   <p:clrMapOvr>
     <a:masterClrMapping/>
   </p:clrMapOvr>
+  <p:timing>
+    <p:tnLst>
+      <p:par>
+        <p:cTn xmlns:p14="http://schemas.microsoft.com/office/powerpoint/2010/main" id="1" dur="indefinite" restart="never" nodeType="tmRoot"/>
+      </p:par>
+    </p:tnLst>
+  </p:timing>
 </p:sld>
 </file>
 
@@ -41765,30 +41754,7 @@
       </p:grpSpPr>
       <p:sp>
         <p:nvSpPr>
-          <p:cNvPr id="5" name="Title 4"/>
-          <p:cNvSpPr>
-            <a:spLocks noGrp="1"/>
-          </p:cNvSpPr>
-          <p:nvPr>
-            <p:ph type="title"/>
-          </p:nvPr>
-        </p:nvSpPr>
-        <p:spPr/>
-        <p:txBody>
-          <a:bodyPr/>
-          <a:lstStyle/>
-          <a:p>
-            <a:r>
-              <a:rPr lang="en-US" dirty="0" smtClean="0"/>
-              <a:t>Testing is good for your self-esteem</a:t>
-            </a:r>
-            <a:endParaRPr lang="en-US" dirty="0"/>
-          </a:p>
-        </p:txBody>
-      </p:sp>
-      <p:sp>
-        <p:nvSpPr>
-          <p:cNvPr id="2" name="Date Placeholder 1"/>
+          <p:cNvPr id="3" name="Date Placeholder 2"/>
           <p:cNvSpPr>
             <a:spLocks noGrp="1"/>
           </p:cNvSpPr>
@@ -41796,12 +41762,7 @@
             <p:ph type="dt" sz="half" idx="10"/>
           </p:nvPr>
         </p:nvSpPr>
-        <p:spPr>
-          <a:xfrm>
-            <a:off x="6400800" y="6356350"/>
-            <a:ext cx="2289048" cy="365760"/>
-          </a:xfrm>
-        </p:spPr>
+        <p:spPr/>
         <p:txBody>
           <a:bodyPr/>
           <a:lstStyle/>
@@ -41816,7 +41777,7 @@
       </p:sp>
       <p:sp>
         <p:nvSpPr>
-          <p:cNvPr id="3" name="Footer Placeholder 2"/>
+          <p:cNvPr id="4" name="Footer Placeholder 3"/>
           <p:cNvSpPr>
             <a:spLocks noGrp="1"/>
           </p:cNvSpPr>
@@ -41824,76 +41785,55 @@
             <p:ph type="ftr" sz="quarter" idx="11"/>
           </p:nvPr>
         </p:nvSpPr>
-        <p:spPr>
-          <a:xfrm>
-            <a:off x="2898648" y="6356350"/>
-            <a:ext cx="3505200" cy="365760"/>
-          </a:xfrm>
-        </p:spPr>
-        <p:txBody>
-          <a:bodyPr/>
-          <a:lstStyle/>
-          <a:p>
-            <a:r>
-              <a:rPr lang="en-US" smtClean="0"/>
-              <a:t>Testing, debugging, profiling</a:t>
-            </a:r>
-            <a:endParaRPr lang="en-US"/>
-          </a:p>
-        </p:txBody>
-      </p:sp>
-      <p:sp>
-        <p:nvSpPr>
-          <p:cNvPr id="6" name="Content Placeholder 5"/>
-          <p:cNvSpPr>
-            <a:spLocks noGrp="1"/>
-          </p:cNvSpPr>
-          <p:nvPr>
-            <p:ph sz="quarter" idx="1"/>
-          </p:nvPr>
-        </p:nvSpPr>
         <p:spPr/>
         <p:txBody>
           <a:bodyPr/>
           <a:lstStyle/>
           <a:p>
             <a:r>
-              <a:rPr lang="en-US" dirty="0"/>
-              <a:t>Immediately: Always be confident that your results are correct, whether your approach works of not</a:t>
-            </a:r>
-          </a:p>
-          <a:p>
-            <a:r>
-              <a:rPr lang="en-US" dirty="0" smtClean="0"/>
-              <a:t>In the future: save your future self some trouble!</a:t>
-            </a:r>
-          </a:p>
-          <a:p>
-            <a:pPr lvl="1"/>
-            <a:r>
-              <a:rPr lang="en-US"/>
-              <a:t>Example: </a:t>
-            </a:r>
-            <a:r>
-              <a:rPr lang="en-US">
-                <a:latin typeface="Courier New"/>
-                <a:cs typeface="Courier New"/>
-              </a:rPr>
-              <a:t>mdp.utils.routine.permute</a:t>
-            </a:r>
-          </a:p>
-          <a:p>
-            <a:endParaRPr lang="en-US" dirty="0" smtClean="0"/>
-          </a:p>
-          <a:p>
-            <a:endParaRPr lang="en-US" dirty="0"/>
+              <a:rPr lang="en-US" smtClean="0"/>
+              <a:t>Testing, debugging, profiling</a:t>
+            </a:r>
+            <a:endParaRPr lang="en-US"/>
+          </a:p>
+        </p:txBody>
+      </p:sp>
+      <p:sp>
+        <p:nvSpPr>
+          <p:cNvPr id="7" name="TextBox 6"/>
+          <p:cNvSpPr txBox="1"/>
+          <p:nvPr/>
+        </p:nvSpPr>
+        <p:spPr>
+          <a:xfrm>
+            <a:off x="827584" y="1628800"/>
+            <a:ext cx="7416824" cy="769441"/>
+          </a:xfrm>
+          <a:prstGeom prst="rect">
+            <a:avLst/>
+          </a:prstGeom>
+          <a:noFill/>
+        </p:spPr>
+        <p:txBody>
+          <a:bodyPr wrap="square" rtlCol="0">
+            <a:spAutoFit/>
+          </a:bodyPr>
+          <a:lstStyle/>
+          <a:p>
+            <a:pPr algn="ctr"/>
+            <a:r>
+              <a:rPr lang="en-US" sz="4400">
+                <a:latin typeface="+mj-lt"/>
+              </a:rPr>
+              <a:t>Optimization and profiling</a:t>
+            </a:r>
           </a:p>
         </p:txBody>
       </p:sp>
     </p:spTree>
     <p:extLst>
       <p:ext uri="{BB962C8B-B14F-4D97-AF65-F5344CB8AC3E}">
-        <p14:creationId xmlns:p14="http://schemas.microsoft.com/office/powerpoint/2010/main" val="55267331"/>
+        <p14:creationId xmlns:p14="http://schemas.microsoft.com/office/powerpoint/2010/main" val="675702178"/>
       </p:ext>
     </p:extLst>
   </p:cSld>
@@ -41929,121 +41869,6 @@
       </p:grpSpPr>
       <p:sp>
         <p:nvSpPr>
-          <p:cNvPr id="3" name="Date Placeholder 2"/>
-          <p:cNvSpPr>
-            <a:spLocks noGrp="1"/>
-          </p:cNvSpPr>
-          <p:nvPr>
-            <p:ph type="dt" sz="half" idx="10"/>
-          </p:nvPr>
-        </p:nvSpPr>
-        <p:spPr/>
-        <p:txBody>
-          <a:bodyPr/>
-          <a:lstStyle/>
-          <a:p>
-            <a:r>
-              <a:rPr lang="en-US" smtClean="0"/>
-              <a:t>Pietro Berkes, Sept 2016</a:t>
-            </a:r>
-            <a:endParaRPr lang="en-US"/>
-          </a:p>
-        </p:txBody>
-      </p:sp>
-      <p:sp>
-        <p:nvSpPr>
-          <p:cNvPr id="4" name="Footer Placeholder 3"/>
-          <p:cNvSpPr>
-            <a:spLocks noGrp="1"/>
-          </p:cNvSpPr>
-          <p:nvPr>
-            <p:ph type="ftr" sz="quarter" idx="11"/>
-          </p:nvPr>
-        </p:nvSpPr>
-        <p:spPr/>
-        <p:txBody>
-          <a:bodyPr/>
-          <a:lstStyle/>
-          <a:p>
-            <a:r>
-              <a:rPr lang="en-US" smtClean="0"/>
-              <a:t>Testing, debugging, profiling</a:t>
-            </a:r>
-            <a:endParaRPr lang="en-US"/>
-          </a:p>
-        </p:txBody>
-      </p:sp>
-      <p:sp>
-        <p:nvSpPr>
-          <p:cNvPr id="7" name="TextBox 6"/>
-          <p:cNvSpPr txBox="1"/>
-          <p:nvPr/>
-        </p:nvSpPr>
-        <p:spPr>
-          <a:xfrm>
-            <a:off x="827584" y="1628800"/>
-            <a:ext cx="7416824" cy="769441"/>
-          </a:xfrm>
-          <a:prstGeom prst="rect">
-            <a:avLst/>
-          </a:prstGeom>
-          <a:noFill/>
-        </p:spPr>
-        <p:txBody>
-          <a:bodyPr wrap="square" rtlCol="0">
-            <a:spAutoFit/>
-          </a:bodyPr>
-          <a:lstStyle/>
-          <a:p>
-            <a:pPr algn="ctr"/>
-            <a:r>
-              <a:rPr lang="en-US" sz="4400">
-                <a:latin typeface="+mj-lt"/>
-              </a:rPr>
-              <a:t>Optimization and profiling</a:t>
-            </a:r>
-          </a:p>
-        </p:txBody>
-      </p:sp>
-    </p:spTree>
-    <p:extLst>
-      <p:ext uri="{BB962C8B-B14F-4D97-AF65-F5344CB8AC3E}">
-        <p14:creationId xmlns:p14="http://schemas.microsoft.com/office/powerpoint/2010/main" val="675702178"/>
-      </p:ext>
-    </p:extLst>
-  </p:cSld>
-  <p:clrMapOvr>
-    <a:masterClrMapping/>
-  </p:clrMapOvr>
-  <p:timing>
-    <p:tnLst>
-      <p:par>
-        <p:cTn xmlns:p14="http://schemas.microsoft.com/office/powerpoint/2010/main" id="1" dur="indefinite" restart="never" nodeType="tmRoot"/>
-      </p:par>
-    </p:tnLst>
-  </p:timing>
-</p:sld>
-</file>
-
-<file path=ppt/slides/slide48.xml><?xml version="1.0" encoding="utf-8"?>
-<p:sld xmlns:a="http://schemas.openxmlformats.org/drawingml/2006/main" xmlns:r="http://schemas.openxmlformats.org/officeDocument/2006/relationships" xmlns:p="http://schemas.openxmlformats.org/presentationml/2006/main">
-  <p:cSld>
-    <p:spTree>
-      <p:nvGrpSpPr>
-        <p:cNvPr id="1" name=""/>
-        <p:cNvGrpSpPr/>
-        <p:nvPr/>
-      </p:nvGrpSpPr>
-      <p:grpSpPr>
-        <a:xfrm>
-          <a:off x="0" y="0"/>
-          <a:ext cx="0" cy="0"/>
-          <a:chOff x="0" y="0"/>
-          <a:chExt cx="0" cy="0"/>
-        </a:xfrm>
-      </p:grpSpPr>
-      <p:sp>
-        <p:nvSpPr>
           <p:cNvPr id="5" name="Title 4"/>
           <p:cNvSpPr>
             <a:spLocks noGrp="1"/>
@@ -42267,7 +42092,7 @@
 </p:sld>
 </file>
 
-<file path=ppt/slides/slide49.xml><?xml version="1.0" encoding="utf-8"?>
+<file path=ppt/slides/slide48.xml><?xml version="1.0" encoding="utf-8"?>
 <p:sld xmlns:a="http://schemas.openxmlformats.org/drawingml/2006/main" xmlns:r="http://schemas.openxmlformats.org/officeDocument/2006/relationships" xmlns:p="http://schemas.openxmlformats.org/presentationml/2006/main">
   <p:cSld>
     <p:spTree>
@@ -42805,174 +42630,7 @@
 </p:sld>
 </file>
 
-<file path=ppt/slides/slide5.xml><?xml version="1.0" encoding="utf-8"?>
-<p:sld xmlns:a="http://schemas.openxmlformats.org/drawingml/2006/main" xmlns:r="http://schemas.openxmlformats.org/officeDocument/2006/relationships" xmlns:p="http://schemas.openxmlformats.org/presentationml/2006/main">
-  <p:cSld>
-    <p:spTree>
-      <p:nvGrpSpPr>
-        <p:cNvPr id="1" name=""/>
-        <p:cNvGrpSpPr/>
-        <p:nvPr/>
-      </p:nvGrpSpPr>
-      <p:grpSpPr>
-        <a:xfrm>
-          <a:off x="0" y="0"/>
-          <a:ext cx="0" cy="0"/>
-          <a:chOff x="0" y="0"/>
-          <a:chExt cx="0" cy="0"/>
-        </a:xfrm>
-      </p:grpSpPr>
-      <p:sp>
-        <p:nvSpPr>
-          <p:cNvPr id="2" name="Title 1"/>
-          <p:cNvSpPr>
-            <a:spLocks noGrp="1"/>
-          </p:cNvSpPr>
-          <p:nvPr>
-            <p:ph type="title"/>
-          </p:nvPr>
-        </p:nvSpPr>
-        <p:spPr/>
-        <p:txBody>
-          <a:bodyPr/>
-          <a:lstStyle/>
-          <a:p>
-            <a:r>
-              <a:rPr lang="en-US"/>
-              <a:t>Warm-up project</a:t>
-            </a:r>
-          </a:p>
-        </p:txBody>
-      </p:sp>
-      <p:sp>
-        <p:nvSpPr>
-          <p:cNvPr id="3" name="Content Placeholder 2"/>
-          <p:cNvSpPr>
-            <a:spLocks noGrp="1"/>
-          </p:cNvSpPr>
-          <p:nvPr>
-            <p:ph sz="quarter" idx="1"/>
-          </p:nvPr>
-        </p:nvSpPr>
-        <p:spPr/>
-        <p:txBody>
-          <a:bodyPr/>
-          <a:lstStyle/>
-          <a:p>
-            <a:r>
-              <a:rPr lang="en-US"/>
-              <a:t>Write a function that finds the position of local maxima in a list of numbers</a:t>
-            </a:r>
-          </a:p>
-          <a:p>
-            <a:r>
-              <a:rPr lang="en-US"/>
-              <a:t>Check your solution with these inputs:</a:t>
-            </a:r>
-          </a:p>
-          <a:p>
-            <a:pPr lvl="1"/>
-            <a:r>
-              <a:rPr lang="en-US"/>
-              <a:t>Input: [1, 4, -5, 0, 2, 1]	Expected result: [1, 4]</a:t>
-            </a:r>
-          </a:p>
-          <a:p>
-            <a:pPr lvl="1"/>
-            <a:r>
-              <a:rPr lang="en-US"/>
-              <a:t>Input: [-1, -1, 0, -1]		Expected result: [2]</a:t>
-            </a:r>
-          </a:p>
-          <a:p>
-            <a:pPr lvl="1"/>
-            <a:r>
-              <a:rPr lang="en-US"/>
-              <a:t>Input: [4, 2, 1, 3, 1, 5]	Expected result: [0, 3, 5]</a:t>
-            </a:r>
-          </a:p>
-          <a:p>
-            <a:pPr lvl="1"/>
-            <a:r>
-              <a:rPr lang="en-US"/>
-              <a:t>Input: [1, 2, 2, 1]		Expected result: [1] (or [2], or [1, 2])</a:t>
-            </a:r>
-          </a:p>
-          <a:p>
-            <a:pPr marL="274320" lvl="1" indent="0">
-              <a:buNone/>
-            </a:pPr>
-            <a:endParaRPr lang="en-US"/>
-          </a:p>
-        </p:txBody>
-      </p:sp>
-      <p:sp>
-        <p:nvSpPr>
-          <p:cNvPr id="4" name="Date Placeholder 3"/>
-          <p:cNvSpPr>
-            <a:spLocks noGrp="1"/>
-          </p:cNvSpPr>
-          <p:nvPr>
-            <p:ph type="dt" sz="half" idx="10"/>
-          </p:nvPr>
-        </p:nvSpPr>
-        <p:spPr/>
-        <p:txBody>
-          <a:bodyPr/>
-          <a:lstStyle/>
-          <a:p>
-            <a:r>
-              <a:rPr lang="en-US" smtClean="0"/>
-              <a:t>Pietro Berkes, Sept 2016</a:t>
-            </a:r>
-            <a:endParaRPr lang="en-US"/>
-          </a:p>
-        </p:txBody>
-      </p:sp>
-      <p:sp>
-        <p:nvSpPr>
-          <p:cNvPr id="5" name="Footer Placeholder 4"/>
-          <p:cNvSpPr>
-            <a:spLocks noGrp="1"/>
-          </p:cNvSpPr>
-          <p:nvPr>
-            <p:ph type="ftr" sz="quarter" idx="11"/>
-          </p:nvPr>
-        </p:nvSpPr>
-        <p:spPr/>
-        <p:txBody>
-          <a:bodyPr/>
-          <a:lstStyle/>
-          <a:p>
-            <a:r>
-              <a:rPr lang="en-US" smtClean="0"/>
-              <a:t>Testing, debugging, profiling</a:t>
-            </a:r>
-            <a:endParaRPr lang="en-US"/>
-          </a:p>
-        </p:txBody>
-      </p:sp>
-    </p:spTree>
-    <p:extLst>
-      <p:ext uri="{BB962C8B-B14F-4D97-AF65-F5344CB8AC3E}">
-        <p14:creationId xmlns:p14="http://schemas.microsoft.com/office/powerpoint/2010/main" val="2549855055"/>
-      </p:ext>
-    </p:extLst>
-  </p:cSld>
-  <p:clrMapOvr>
-    <a:masterClrMapping/>
-  </p:clrMapOvr>
-  <p:timing>
-    <p:tnLst>
-      <p:par>
-        <p:cTn xmlns:p14="http://schemas.microsoft.com/office/powerpoint/2010/main" id="1" dur="indefinite" restart="never" nodeType="tmRoot"/>
-      </p:par>
-    </p:tnLst>
-  </p:timing>
-</p:sld>
-</file>
-
-<file path=ppt/slides/slide50.xml><?xml version="1.0" encoding="utf-8"?>
+<file path=ppt/slides/slide49.xml><?xml version="1.0" encoding="utf-8"?>
 <p:sld xmlns:a="http://schemas.openxmlformats.org/drawingml/2006/main" xmlns:r="http://schemas.openxmlformats.org/officeDocument/2006/relationships" xmlns:p="http://schemas.openxmlformats.org/presentationml/2006/main">
   <p:cSld>
     <p:spTree>
@@ -43330,7 +42988,182 @@
 </p:sld>
 </file>
 
-<file path=ppt/slides/slide51.xml><?xml version="1.0" encoding="utf-8"?>
+<file path=ppt/slides/slide5.xml><?xml version="1.0" encoding="utf-8"?>
+<p:sld xmlns:a="http://schemas.openxmlformats.org/drawingml/2006/main" xmlns:r="http://schemas.openxmlformats.org/officeDocument/2006/relationships" xmlns:p="http://schemas.openxmlformats.org/presentationml/2006/main">
+  <p:cSld>
+    <p:spTree>
+      <p:nvGrpSpPr>
+        <p:cNvPr id="1" name=""/>
+        <p:cNvGrpSpPr/>
+        <p:nvPr/>
+      </p:nvGrpSpPr>
+      <p:grpSpPr>
+        <a:xfrm>
+          <a:off x="0" y="0"/>
+          <a:ext cx="0" cy="0"/>
+          <a:chOff x="0" y="0"/>
+          <a:chExt cx="0" cy="0"/>
+        </a:xfrm>
+      </p:grpSpPr>
+      <p:sp>
+        <p:nvSpPr>
+          <p:cNvPr id="2" name="Title 1"/>
+          <p:cNvSpPr>
+            <a:spLocks noGrp="1"/>
+          </p:cNvSpPr>
+          <p:nvPr>
+            <p:ph type="title"/>
+          </p:nvPr>
+        </p:nvSpPr>
+        <p:spPr/>
+        <p:txBody>
+          <a:bodyPr/>
+          <a:lstStyle/>
+          <a:p>
+            <a:r>
+              <a:rPr lang="en-US"/>
+              <a:t>Warm-up project</a:t>
+            </a:r>
+          </a:p>
+        </p:txBody>
+      </p:sp>
+      <p:sp>
+        <p:nvSpPr>
+          <p:cNvPr id="3" name="Content Placeholder 2"/>
+          <p:cNvSpPr>
+            <a:spLocks noGrp="1"/>
+          </p:cNvSpPr>
+          <p:nvPr>
+            <p:ph sz="quarter" idx="1"/>
+          </p:nvPr>
+        </p:nvSpPr>
+        <p:spPr/>
+        <p:txBody>
+          <a:bodyPr/>
+          <a:lstStyle/>
+          <a:p>
+            <a:r>
+              <a:rPr lang="en-US"/>
+              <a:t>Write a function that finds the position of local maxima in a list of numbers</a:t>
+            </a:r>
+          </a:p>
+          <a:p>
+            <a:r>
+              <a:rPr lang="en-US"/>
+              <a:t>Check your solution with these inputs:</a:t>
+            </a:r>
+          </a:p>
+          <a:p>
+            <a:pPr lvl="1"/>
+            <a:r>
+              <a:rPr lang="en-US"/>
+              <a:t>Input: [1, 4, -5, 0, 2, 1]	Expected result: [1, 4]</a:t>
+            </a:r>
+          </a:p>
+          <a:p>
+            <a:pPr lvl="1"/>
+            <a:r>
+              <a:rPr lang="en-US"/>
+              <a:t>Input: [-1, -1, 0, -1]		Expected result: [2]</a:t>
+            </a:r>
+          </a:p>
+          <a:p>
+            <a:pPr lvl="1"/>
+            <a:r>
+              <a:rPr lang="en-US"/>
+              <a:t>Input: [4, 2, 1, 3, 1, 5]	Expected result: [0, 3, 5]</a:t>
+            </a:r>
+          </a:p>
+          <a:p>
+            <a:pPr lvl="1"/>
+            <a:r>
+              <a:rPr lang="en-US"/>
+              <a:t>Input: [1]			Expected result: [0]</a:t>
+            </a:r>
+            <a:endParaRPr lang="en-US"/>
+          </a:p>
+          <a:p>
+            <a:pPr lvl="1"/>
+            <a:r>
+              <a:rPr lang="en-US"/>
+              <a:t>Input: [1, 2, 2, 1]		Expected result: [1] (or [2], or [1, 2])</a:t>
+            </a:r>
+          </a:p>
+          <a:p>
+            <a:pPr marL="274320" lvl="1" indent="0">
+              <a:buNone/>
+            </a:pPr>
+            <a:endParaRPr lang="en-US"/>
+          </a:p>
+        </p:txBody>
+      </p:sp>
+      <p:sp>
+        <p:nvSpPr>
+          <p:cNvPr id="4" name="Date Placeholder 3"/>
+          <p:cNvSpPr>
+            <a:spLocks noGrp="1"/>
+          </p:cNvSpPr>
+          <p:nvPr>
+            <p:ph type="dt" sz="half" idx="10"/>
+          </p:nvPr>
+        </p:nvSpPr>
+        <p:spPr/>
+        <p:txBody>
+          <a:bodyPr/>
+          <a:lstStyle/>
+          <a:p>
+            <a:r>
+              <a:rPr lang="en-US" smtClean="0"/>
+              <a:t>Pietro Berkes, Sept 2016</a:t>
+            </a:r>
+            <a:endParaRPr lang="en-US"/>
+          </a:p>
+        </p:txBody>
+      </p:sp>
+      <p:sp>
+        <p:nvSpPr>
+          <p:cNvPr id="5" name="Footer Placeholder 4"/>
+          <p:cNvSpPr>
+            <a:spLocks noGrp="1"/>
+          </p:cNvSpPr>
+          <p:nvPr>
+            <p:ph type="ftr" sz="quarter" idx="11"/>
+          </p:nvPr>
+        </p:nvSpPr>
+        <p:spPr/>
+        <p:txBody>
+          <a:bodyPr/>
+          <a:lstStyle/>
+          <a:p>
+            <a:r>
+              <a:rPr lang="en-US" smtClean="0"/>
+              <a:t>Testing, debugging, profiling</a:t>
+            </a:r>
+            <a:endParaRPr lang="en-US"/>
+          </a:p>
+        </p:txBody>
+      </p:sp>
+    </p:spTree>
+    <p:extLst>
+      <p:ext uri="{BB962C8B-B14F-4D97-AF65-F5344CB8AC3E}">
+        <p14:creationId xmlns:p14="http://schemas.microsoft.com/office/powerpoint/2010/main" val="2549855055"/>
+      </p:ext>
+    </p:extLst>
+  </p:cSld>
+  <p:clrMapOvr>
+    <a:masterClrMapping/>
+  </p:clrMapOvr>
+  <p:timing>
+    <p:tnLst>
+      <p:par>
+        <p:cTn xmlns:p14="http://schemas.microsoft.com/office/powerpoint/2010/main" id="1" dur="indefinite" restart="never" nodeType="tmRoot"/>
+      </p:par>
+    </p:tnLst>
+  </p:timing>
+</p:sld>
+</file>
+
+<file path=ppt/slides/slide50.xml><?xml version="1.0" encoding="utf-8"?>
 <p:sld xmlns:a="http://schemas.openxmlformats.org/drawingml/2006/main" xmlns:r="http://schemas.openxmlformats.org/officeDocument/2006/relationships" xmlns:p="http://schemas.openxmlformats.org/presentationml/2006/main">
   <p:cSld>
     <p:spTree>
@@ -43616,6 +43449,264 @@
     <p:extLst>
       <p:ext uri="{BB962C8B-B14F-4D97-AF65-F5344CB8AC3E}">
         <p14:creationId xmlns:p14="http://schemas.microsoft.com/office/powerpoint/2010/main" val="1239101084"/>
+      </p:ext>
+    </p:extLst>
+  </p:cSld>
+  <p:clrMapOvr>
+    <a:masterClrMapping/>
+  </p:clrMapOvr>
+  <p:timing>
+    <p:tnLst>
+      <p:par>
+        <p:cTn xmlns:p14="http://schemas.microsoft.com/office/powerpoint/2010/main" id="1" dur="indefinite" restart="never" nodeType="tmRoot"/>
+      </p:par>
+    </p:tnLst>
+  </p:timing>
+</p:sld>
+</file>
+
+<file path=ppt/slides/slide51.xml><?xml version="1.0" encoding="utf-8"?>
+<p:sld xmlns:a="http://schemas.openxmlformats.org/drawingml/2006/main" xmlns:r="http://schemas.openxmlformats.org/officeDocument/2006/relationships" xmlns:p="http://schemas.openxmlformats.org/presentationml/2006/main">
+  <p:cSld>
+    <p:spTree>
+      <p:nvGrpSpPr>
+        <p:cNvPr id="1" name=""/>
+        <p:cNvGrpSpPr/>
+        <p:nvPr/>
+      </p:nvGrpSpPr>
+      <p:grpSpPr>
+        <a:xfrm>
+          <a:off x="0" y="0"/>
+          <a:ext cx="0" cy="0"/>
+          <a:chOff x="0" y="0"/>
+          <a:chExt cx="0" cy="0"/>
+        </a:xfrm>
+      </p:grpSpPr>
+      <p:sp>
+        <p:nvSpPr>
+          <p:cNvPr id="2" name="Title 1"/>
+          <p:cNvSpPr>
+            <a:spLocks noGrp="1"/>
+          </p:cNvSpPr>
+          <p:nvPr>
+            <p:ph type="title"/>
+          </p:nvPr>
+        </p:nvSpPr>
+        <p:spPr/>
+        <p:txBody>
+          <a:bodyPr/>
+          <a:lstStyle/>
+          <a:p>
+            <a:r>
+              <a:rPr lang="en-US" dirty="0" smtClean="0"/>
+              <a:t>How to optimize</a:t>
+            </a:r>
+            <a:endParaRPr lang="en-US" dirty="0"/>
+          </a:p>
+        </p:txBody>
+      </p:sp>
+      <p:sp>
+        <p:nvSpPr>
+          <p:cNvPr id="3" name="Content Placeholder 2"/>
+          <p:cNvSpPr>
+            <a:spLocks noGrp="1"/>
+          </p:cNvSpPr>
+          <p:nvPr>
+            <p:ph idx="1"/>
+          </p:nvPr>
+        </p:nvSpPr>
+        <p:spPr/>
+        <p:txBody>
+          <a:bodyPr>
+            <a:normAutofit/>
+          </a:bodyPr>
+          <a:lstStyle/>
+          <a:p>
+            <a:r>
+              <a:rPr lang="en-US" dirty="0"/>
+              <a:t>Usually, a small percentage of your code takes up most of the </a:t>
+            </a:r>
+            <a:r>
+              <a:rPr lang="en-US" dirty="0" smtClean="0"/>
+              <a:t>time</a:t>
+            </a:r>
+          </a:p>
+          <a:p>
+            <a:pPr marL="514350" indent="-514350">
+              <a:buFont typeface="+mj-lt"/>
+              <a:buAutoNum type="arabicPeriod"/>
+            </a:pPr>
+            <a:r>
+              <a:rPr lang="en-US" dirty="0" smtClean="0"/>
+              <a:t>Identify </a:t>
+            </a:r>
+            <a:r>
+              <a:rPr lang="en-US" dirty="0"/>
+              <a:t>time-consuming parts of the </a:t>
+            </a:r>
+            <a:r>
+              <a:rPr lang="en-US" dirty="0" smtClean="0"/>
+              <a:t>code</a:t>
+            </a:r>
+            <a:r>
+              <a:rPr lang="en-US" dirty="0"/>
+              <a:t/>
+            </a:r>
+            <a:br>
+              <a:rPr lang="en-US" dirty="0"/>
+            </a:br>
+            <a:r>
+              <a:rPr lang="en-US" dirty="0"/>
+              <a:t>Where’s the bottleneck? Computations? Disk I/O? </a:t>
+            </a:r>
+            <a:br>
+              <a:rPr lang="en-US" dirty="0"/>
+            </a:br>
+            <a:r>
+              <a:rPr lang="en-US" dirty="0"/>
+              <a:t>Memory I/O? (see also </a:t>
+            </a:r>
+            <a:r>
+              <a:rPr lang="en-US" dirty="0" err="1"/>
+              <a:t>Francesc’s </a:t>
+            </a:r>
+            <a:r>
+              <a:rPr lang="en-US" dirty="0"/>
+              <a:t>class later this week</a:t>
+            </a:r>
+            <a:r>
+              <a:rPr lang="en-US"/>
+              <a:t>)</a:t>
+            </a:r>
+            <a:br>
+              <a:rPr lang="en-US"/>
+            </a:br>
+            <a:r>
+              <a:rPr lang="en-US"/>
+              <a:t>Use a profiler!</a:t>
+            </a:r>
+            <a:endParaRPr lang="en-US" dirty="0"/>
+          </a:p>
+          <a:p>
+            <a:pPr marL="514350" indent="-514350">
+              <a:buFont typeface="+mj-lt"/>
+              <a:buAutoNum type="arabicPeriod"/>
+            </a:pPr>
+            <a:r>
+              <a:rPr lang="en-US" dirty="0" smtClean="0"/>
+              <a:t>Only </a:t>
+            </a:r>
+            <a:r>
+              <a:rPr lang="en-US" dirty="0"/>
+              <a:t>optimize those parts of the code</a:t>
+            </a:r>
+          </a:p>
+          <a:p>
+            <a:pPr marL="514350" indent="-514350">
+              <a:buFont typeface="+mj-lt"/>
+              <a:buAutoNum type="arabicPeriod"/>
+            </a:pPr>
+            <a:r>
+              <a:rPr lang="en-US" dirty="0" smtClean="0"/>
+              <a:t>Keep </a:t>
+            </a:r>
+            <a:r>
+              <a:rPr lang="en-US" dirty="0"/>
+              <a:t>running the tests to make sure that </a:t>
+            </a:r>
+            <a:r>
+              <a:rPr lang="en-US" dirty="0" smtClean="0"/>
+              <a:t>code is </a:t>
+            </a:r>
+            <a:r>
+              <a:rPr lang="en-US" dirty="0"/>
+              <a:t>not </a:t>
+            </a:r>
+            <a:r>
+              <a:rPr lang="en-US" dirty="0" smtClean="0"/>
+              <a:t>broken</a:t>
+            </a:r>
+          </a:p>
+          <a:p>
+            <a:pPr marL="0" indent="0">
+              <a:buNone/>
+            </a:pPr>
+            <a:endParaRPr lang="en-US" dirty="0"/>
+          </a:p>
+          <a:p>
+            <a:r>
+              <a:rPr lang="en-US" dirty="0"/>
+              <a:t>Stop optimizing as soon as possible</a:t>
+            </a:r>
+            <a:br>
+              <a:rPr lang="en-US" dirty="0"/>
+            </a:br>
+            <a:endParaRPr lang="en-US" dirty="0"/>
+          </a:p>
+          <a:p>
+            <a:pPr marL="514350" indent="-514350">
+              <a:buFont typeface="+mj-lt"/>
+              <a:buAutoNum type="arabicPeriod"/>
+            </a:pPr>
+            <a:endParaRPr lang="en-US" dirty="0"/>
+          </a:p>
+        </p:txBody>
+      </p:sp>
+      <p:sp>
+        <p:nvSpPr>
+          <p:cNvPr id="8" name="Footer Placeholder 7"/>
+          <p:cNvSpPr>
+            <a:spLocks noGrp="1"/>
+          </p:cNvSpPr>
+          <p:nvPr>
+            <p:ph type="ftr" sz="quarter" idx="11"/>
+          </p:nvPr>
+        </p:nvSpPr>
+        <p:spPr>
+          <a:xfrm>
+            <a:off x="2898648" y="6356350"/>
+            <a:ext cx="3505200" cy="365760"/>
+          </a:xfrm>
+        </p:spPr>
+        <p:txBody>
+          <a:bodyPr/>
+          <a:lstStyle/>
+          <a:p>
+            <a:r>
+              <a:rPr lang="en-US" smtClean="0"/>
+              <a:t>Testing, debugging, profiling</a:t>
+            </a:r>
+            <a:endParaRPr lang="en-US"/>
+          </a:p>
+        </p:txBody>
+      </p:sp>
+      <p:sp>
+        <p:nvSpPr>
+          <p:cNvPr id="4" name="Date Placeholder 3"/>
+          <p:cNvSpPr>
+            <a:spLocks noGrp="1"/>
+          </p:cNvSpPr>
+          <p:nvPr>
+            <p:ph type="dt" sz="half" idx="10"/>
+          </p:nvPr>
+        </p:nvSpPr>
+        <p:spPr/>
+        <p:txBody>
+          <a:bodyPr/>
+          <a:lstStyle/>
+          <a:p>
+            <a:r>
+              <a:rPr lang="en-US" smtClean="0"/>
+              <a:t>Pietro Berkes, Sept 2016</a:t>
+            </a:r>
+            <a:endParaRPr lang="en-US"/>
+          </a:p>
+        </p:txBody>
+      </p:sp>
+    </p:spTree>
+    <p:extLst>
+      <p:ext uri="{BB962C8B-B14F-4D97-AF65-F5344CB8AC3E}">
+        <p14:creationId xmlns:p14="http://schemas.microsoft.com/office/powerpoint/2010/main" val="849293537"/>
       </p:ext>
     </p:extLst>
   </p:cSld>
@@ -43665,10 +43756,19 @@
           <a:lstStyle/>
           <a:p>
             <a:r>
-              <a:rPr lang="en-US" dirty="0" smtClean="0"/>
-              <a:t>How to optimize</a:t>
-            </a:r>
-            <a:endParaRPr lang="en-US" dirty="0"/>
+              <a:rPr lang="en-GB" dirty="0" err="1" smtClean="0">
+                <a:cs typeface="Courier New" pitchFamily="49" charset="0"/>
+              </a:rPr>
+              <a:t>Measuring time: </a:t>
+            </a:r>
+            <a:r>
+              <a:rPr lang="en-GB" dirty="0" err="1" smtClean="0">
+                <a:latin typeface="Courier New" pitchFamily="49" charset="0"/>
+                <a:cs typeface="Courier New" pitchFamily="49" charset="0"/>
+              </a:rPr>
+              <a:t>timeit</a:t>
+            </a:r>
+            <a:endParaRPr lang="en-GB" dirty="0"/>
           </a:p>
         </p:txBody>
       </p:sp>
@@ -43679,149 +43779,111 @@
             <a:spLocks noGrp="1"/>
           </p:cNvSpPr>
           <p:nvPr>
-            <p:ph idx="1"/>
+            <p:ph sz="quarter" idx="1"/>
           </p:nvPr>
         </p:nvSpPr>
         <p:spPr/>
         <p:txBody>
           <a:bodyPr>
-            <a:normAutofit/>
+            <a:noAutofit/>
           </a:bodyPr>
           <a:lstStyle/>
           <a:p>
             <a:r>
-              <a:rPr lang="en-US" dirty="0"/>
-              <a:t>Usually, a small percentage of your code takes up most of the </a:t>
-            </a:r>
-            <a:r>
-              <a:rPr lang="en-US" dirty="0" smtClean="0"/>
-              <a:t>time</a:t>
-            </a:r>
-          </a:p>
-          <a:p>
-            <a:pPr marL="514350" indent="-514350">
-              <a:buFont typeface="+mj-lt"/>
-              <a:buAutoNum type="arabicPeriod"/>
-            </a:pPr>
-            <a:r>
-              <a:rPr lang="en-US" dirty="0" smtClean="0"/>
-              <a:t>Identify </a:t>
-            </a:r>
-            <a:r>
-              <a:rPr lang="en-US" dirty="0"/>
-              <a:t>time-consuming parts of the </a:t>
-            </a:r>
-            <a:r>
-              <a:rPr lang="en-US" dirty="0" smtClean="0"/>
-              <a:t>code</a:t>
-            </a:r>
-            <a:r>
-              <a:rPr lang="en-US" dirty="0"/>
+              <a:rPr lang="en-GB" dirty="0" smtClean="0"/>
+              <a:t>IPython magic command: </a:t>
+            </a:r>
+            <a:r>
+              <a:rPr lang="en-GB" dirty="0">
+                <a:latin typeface="Courier New" pitchFamily="49" charset="0"/>
+                <a:cs typeface="Courier New" pitchFamily="49" charset="0"/>
+              </a:rPr>
+              <a:t>%</a:t>
+            </a:r>
+            <a:r>
+              <a:rPr lang="en-GB" dirty="0" err="1">
+                <a:latin typeface="Courier New" pitchFamily="49" charset="0"/>
+                <a:cs typeface="Courier New" pitchFamily="49" charset="0"/>
+              </a:rPr>
+              <a:t>timeit</a:t>
+            </a:r>
+            <a:endParaRPr lang="en-GB" dirty="0" smtClean="0"/>
+          </a:p>
+          <a:p>
+            <a:r>
+              <a:rPr lang="en-GB" dirty="0" smtClean="0"/>
+              <a:t>Precise timing of a function/expression</a:t>
+            </a:r>
+          </a:p>
+          <a:p>
+            <a:r>
+              <a:rPr lang="en-GB" dirty="0"/>
+              <a:t>Test different versions of a small amount of code, often used in interactive Python shell</a:t>
+            </a:r>
+            <a:br>
+              <a:rPr lang="en-GB" dirty="0"/>
+            </a:br>
+            <a:r>
+              <a:rPr lang="en-GB" dirty="0"/>
               <a:t/>
             </a:r>
             <a:br>
-              <a:rPr lang="en-US" dirty="0"/>
+              <a:rPr lang="en-GB" dirty="0"/>
             </a:br>
             <a:r>
-              <a:rPr lang="en-US" dirty="0"/>
-              <a:t>Where’s the bottleneck? Computations? Disk I/O? </a:t>
+              <a:rPr lang="en-GB" sz="2000" dirty="0">
+                <a:latin typeface="Courier New"/>
+                <a:cs typeface="Courier New"/>
+              </a:rPr>
+              <a:t>In [6]: %timeit cube(123)</a:t>
             </a:r>
             <a:br>
-              <a:rPr lang="en-US" dirty="0"/>
+              <a:rPr lang="en-GB" sz="2000" dirty="0">
+                <a:latin typeface="Courier New"/>
+                <a:cs typeface="Courier New"/>
+              </a:rPr>
             </a:br>
             <a:r>
-              <a:rPr lang="en-US" dirty="0"/>
-              <a:t>Memory I/O? (see also </a:t>
-            </a:r>
-            <a:r>
-              <a:rPr lang="en-US" dirty="0" err="1"/>
-              <a:t>Francesc’s </a:t>
-            </a:r>
-            <a:r>
-              <a:rPr lang="en-US" dirty="0"/>
-              <a:t>class later this week</a:t>
-            </a:r>
-            <a:r>
-              <a:rPr lang="en-US"/>
-              <a:t>)</a:t>
-            </a:r>
-            <a:br>
-              <a:rPr lang="en-US"/>
-            </a:br>
-            <a:r>
-              <a:rPr lang="en-US"/>
-              <a:t>Use a profiler!</a:t>
-            </a:r>
-            <a:endParaRPr lang="en-US" dirty="0"/>
-          </a:p>
-          <a:p>
-            <a:pPr marL="514350" indent="-514350">
-              <a:buFont typeface="+mj-lt"/>
-              <a:buAutoNum type="arabicPeriod"/>
-            </a:pPr>
-            <a:r>
-              <a:rPr lang="en-US" dirty="0" smtClean="0"/>
-              <a:t>Only </a:t>
-            </a:r>
-            <a:r>
-              <a:rPr lang="en-US" dirty="0"/>
-              <a:t>optimize those parts of the code</a:t>
-            </a:r>
-          </a:p>
-          <a:p>
-            <a:pPr marL="514350" indent="-514350">
-              <a:buFont typeface="+mj-lt"/>
-              <a:buAutoNum type="arabicPeriod"/>
-            </a:pPr>
-            <a:r>
-              <a:rPr lang="en-US" dirty="0" smtClean="0"/>
-              <a:t>Keep </a:t>
-            </a:r>
-            <a:r>
-              <a:rPr lang="en-US" dirty="0"/>
-              <a:t>running the tests to make sure that </a:t>
-            </a:r>
-            <a:r>
-              <a:rPr lang="en-US" dirty="0" smtClean="0"/>
-              <a:t>code is </a:t>
-            </a:r>
-            <a:r>
-              <a:rPr lang="en-US" dirty="0"/>
-              <a:t>not </a:t>
-            </a:r>
-            <a:r>
-              <a:rPr lang="en-US" dirty="0" smtClean="0"/>
-              <a:t>broken</a:t>
-            </a:r>
-          </a:p>
-          <a:p>
-            <a:pPr marL="0" indent="0">
-              <a:buNone/>
-            </a:pPr>
-            <a:endParaRPr lang="en-US" dirty="0"/>
-          </a:p>
-          <a:p>
-            <a:r>
-              <a:rPr lang="en-US" dirty="0"/>
-              <a:t>Stop optimizing as soon as possible</a:t>
-            </a:r>
-            <a:br>
-              <a:rPr lang="en-US" dirty="0"/>
-            </a:br>
-            <a:endParaRPr lang="en-US" dirty="0"/>
-          </a:p>
-          <a:p>
-            <a:pPr marL="514350" indent="-514350">
-              <a:buFont typeface="+mj-lt"/>
-              <a:buAutoNum type="arabicPeriod"/>
-            </a:pPr>
-            <a:endParaRPr lang="en-US" dirty="0"/>
+              <a:rPr lang="en-GB" sz="2000" dirty="0">
+                <a:latin typeface="Courier New"/>
+                <a:cs typeface="Courier New"/>
+              </a:rPr>
+              <a:t>10000000 loops, best of 3: 185 ns per loop</a:t>
+            </a:r>
           </a:p>
         </p:txBody>
       </p:sp>
       <p:sp>
         <p:nvSpPr>
-          <p:cNvPr id="8" name="Footer Placeholder 7"/>
+          <p:cNvPr id="8" name="Date Placeholder 7"/>
+          <p:cNvSpPr>
+            <a:spLocks noGrp="1"/>
+          </p:cNvSpPr>
+          <p:nvPr>
+            <p:ph type="dt" sz="half" idx="10"/>
+          </p:nvPr>
+        </p:nvSpPr>
+        <p:spPr>
+          <a:xfrm>
+            <a:off x="6400800" y="6356350"/>
+            <a:ext cx="2289048" cy="365760"/>
+          </a:xfrm>
+        </p:spPr>
+        <p:txBody>
+          <a:bodyPr/>
+          <a:lstStyle/>
+          <a:p>
+            <a:r>
+              <a:rPr lang="en-US" smtClean="0"/>
+              <a:t>Pietro Berkes, Sept 2016</a:t>
+            </a:r>
+            <a:endParaRPr lang="en-US"/>
+          </a:p>
+        </p:txBody>
+      </p:sp>
+      <p:sp>
+        <p:nvSpPr>
+          <p:cNvPr id="9" name="Footer Placeholder 8"/>
           <p:cNvSpPr>
             <a:spLocks noGrp="1"/>
           </p:cNvSpPr>
@@ -43847,35 +43909,7 @@
           </a:p>
         </p:txBody>
       </p:sp>
-      <p:sp>
-        <p:nvSpPr>
-          <p:cNvPr id="4" name="Date Placeholder 3"/>
-          <p:cNvSpPr>
-            <a:spLocks noGrp="1"/>
-          </p:cNvSpPr>
-          <p:nvPr>
-            <p:ph type="dt" sz="half" idx="10"/>
-          </p:nvPr>
-        </p:nvSpPr>
-        <p:spPr/>
-        <p:txBody>
-          <a:bodyPr/>
-          <a:lstStyle/>
-          <a:p>
-            <a:r>
-              <a:rPr lang="en-US" smtClean="0"/>
-              <a:t>Pietro Berkes, Sept 2016</a:t>
-            </a:r>
-            <a:endParaRPr lang="en-US"/>
-          </a:p>
-        </p:txBody>
-      </p:sp>
     </p:spTree>
-    <p:extLst>
-      <p:ext uri="{BB962C8B-B14F-4D97-AF65-F5344CB8AC3E}">
-        <p14:creationId xmlns:p14="http://schemas.microsoft.com/office/powerpoint/2010/main" val="849293537"/>
-      </p:ext>
-    </p:extLst>
   </p:cSld>
   <p:clrMapOvr>
     <a:masterClrMapping/>
@@ -43923,207 +43957,6 @@
           <a:lstStyle/>
           <a:p>
             <a:r>
-              <a:rPr lang="en-GB" dirty="0" err="1" smtClean="0">
-                <a:cs typeface="Courier New" pitchFamily="49" charset="0"/>
-              </a:rPr>
-              <a:t>Measuring time: </a:t>
-            </a:r>
-            <a:r>
-              <a:rPr lang="en-GB" dirty="0" err="1" smtClean="0">
-                <a:latin typeface="Courier New" pitchFamily="49" charset="0"/>
-                <a:cs typeface="Courier New" pitchFamily="49" charset="0"/>
-              </a:rPr>
-              <a:t>timeit</a:t>
-            </a:r>
-            <a:endParaRPr lang="en-GB" dirty="0"/>
-          </a:p>
-        </p:txBody>
-      </p:sp>
-      <p:sp>
-        <p:nvSpPr>
-          <p:cNvPr id="3" name="Content Placeholder 2"/>
-          <p:cNvSpPr>
-            <a:spLocks noGrp="1"/>
-          </p:cNvSpPr>
-          <p:nvPr>
-            <p:ph sz="quarter" idx="1"/>
-          </p:nvPr>
-        </p:nvSpPr>
-        <p:spPr/>
-        <p:txBody>
-          <a:bodyPr>
-            <a:noAutofit/>
-          </a:bodyPr>
-          <a:lstStyle/>
-          <a:p>
-            <a:r>
-              <a:rPr lang="en-GB" dirty="0" smtClean="0"/>
-              <a:t>IPython magic command: </a:t>
-            </a:r>
-            <a:r>
-              <a:rPr lang="en-GB" dirty="0">
-                <a:latin typeface="Courier New" pitchFamily="49" charset="0"/>
-                <a:cs typeface="Courier New" pitchFamily="49" charset="0"/>
-              </a:rPr>
-              <a:t>%</a:t>
-            </a:r>
-            <a:r>
-              <a:rPr lang="en-GB" dirty="0" err="1">
-                <a:latin typeface="Courier New" pitchFamily="49" charset="0"/>
-                <a:cs typeface="Courier New" pitchFamily="49" charset="0"/>
-              </a:rPr>
-              <a:t>timeit</a:t>
-            </a:r>
-            <a:endParaRPr lang="en-GB" dirty="0" smtClean="0"/>
-          </a:p>
-          <a:p>
-            <a:r>
-              <a:rPr lang="en-GB" dirty="0" smtClean="0"/>
-              <a:t>Precise timing of a function/expression</a:t>
-            </a:r>
-          </a:p>
-          <a:p>
-            <a:r>
-              <a:rPr lang="en-GB" dirty="0"/>
-              <a:t>Test different versions of a small amount of code, often used in interactive Python shell</a:t>
-            </a:r>
-            <a:br>
-              <a:rPr lang="en-GB" dirty="0"/>
-            </a:br>
-            <a:r>
-              <a:rPr lang="en-GB" dirty="0"/>
-              <a:t/>
-            </a:r>
-            <a:br>
-              <a:rPr lang="en-GB" dirty="0"/>
-            </a:br>
-            <a:r>
-              <a:rPr lang="en-GB" sz="2000" dirty="0">
-                <a:latin typeface="Courier New"/>
-                <a:cs typeface="Courier New"/>
-              </a:rPr>
-              <a:t>In [6]: %timeit cube(123)</a:t>
-            </a:r>
-            <a:br>
-              <a:rPr lang="en-GB" sz="2000" dirty="0">
-                <a:latin typeface="Courier New"/>
-                <a:cs typeface="Courier New"/>
-              </a:rPr>
-            </a:br>
-            <a:r>
-              <a:rPr lang="en-GB" sz="2000" dirty="0">
-                <a:latin typeface="Courier New"/>
-                <a:cs typeface="Courier New"/>
-              </a:rPr>
-              <a:t>10000000 loops, best of 3: 185 ns per loop</a:t>
-            </a:r>
-          </a:p>
-        </p:txBody>
-      </p:sp>
-      <p:sp>
-        <p:nvSpPr>
-          <p:cNvPr id="8" name="Date Placeholder 7"/>
-          <p:cNvSpPr>
-            <a:spLocks noGrp="1"/>
-          </p:cNvSpPr>
-          <p:nvPr>
-            <p:ph type="dt" sz="half" idx="10"/>
-          </p:nvPr>
-        </p:nvSpPr>
-        <p:spPr>
-          <a:xfrm>
-            <a:off x="6400800" y="6356350"/>
-            <a:ext cx="2289048" cy="365760"/>
-          </a:xfrm>
-        </p:spPr>
-        <p:txBody>
-          <a:bodyPr/>
-          <a:lstStyle/>
-          <a:p>
-            <a:r>
-              <a:rPr lang="en-US" smtClean="0"/>
-              <a:t>Pietro Berkes, Sept 2016</a:t>
-            </a:r>
-            <a:endParaRPr lang="en-US"/>
-          </a:p>
-        </p:txBody>
-      </p:sp>
-      <p:sp>
-        <p:nvSpPr>
-          <p:cNvPr id="9" name="Footer Placeholder 8"/>
-          <p:cNvSpPr>
-            <a:spLocks noGrp="1"/>
-          </p:cNvSpPr>
-          <p:nvPr>
-            <p:ph type="ftr" sz="quarter" idx="11"/>
-          </p:nvPr>
-        </p:nvSpPr>
-        <p:spPr>
-          <a:xfrm>
-            <a:off x="2898648" y="6356350"/>
-            <a:ext cx="3505200" cy="365760"/>
-          </a:xfrm>
-        </p:spPr>
-        <p:txBody>
-          <a:bodyPr/>
-          <a:lstStyle/>
-          <a:p>
-            <a:r>
-              <a:rPr lang="en-US" smtClean="0"/>
-              <a:t>Testing, debugging, profiling</a:t>
-            </a:r>
-            <a:endParaRPr lang="en-US"/>
-          </a:p>
-        </p:txBody>
-      </p:sp>
-    </p:spTree>
-  </p:cSld>
-  <p:clrMapOvr>
-    <a:masterClrMapping/>
-  </p:clrMapOvr>
-  <p:timing>
-    <p:tnLst>
-      <p:par>
-        <p:cTn xmlns:p14="http://schemas.microsoft.com/office/powerpoint/2010/main" id="1" dur="indefinite" restart="never" nodeType="tmRoot"/>
-      </p:par>
-    </p:tnLst>
-  </p:timing>
-</p:sld>
-</file>
-
-<file path=ppt/slides/slide54.xml><?xml version="1.0" encoding="utf-8"?>
-<p:sld xmlns:a="http://schemas.openxmlformats.org/drawingml/2006/main" xmlns:r="http://schemas.openxmlformats.org/officeDocument/2006/relationships" xmlns:p="http://schemas.openxmlformats.org/presentationml/2006/main">
-  <p:cSld>
-    <p:spTree>
-      <p:nvGrpSpPr>
-        <p:cNvPr id="1" name=""/>
-        <p:cNvGrpSpPr/>
-        <p:nvPr/>
-      </p:nvGrpSpPr>
-      <p:grpSpPr>
-        <a:xfrm>
-          <a:off x="0" y="0"/>
-          <a:ext cx="0" cy="0"/>
-          <a:chOff x="0" y="0"/>
-          <a:chExt cx="0" cy="0"/>
-        </a:xfrm>
-      </p:grpSpPr>
-      <p:sp>
-        <p:nvSpPr>
-          <p:cNvPr id="2" name="Title 1"/>
-          <p:cNvSpPr>
-            <a:spLocks noGrp="1"/>
-          </p:cNvSpPr>
-          <p:nvPr>
-            <p:ph type="title"/>
-          </p:nvPr>
-        </p:nvSpPr>
-        <p:spPr/>
-        <p:txBody>
-          <a:bodyPr/>
-          <a:lstStyle/>
-          <a:p>
-            <a:r>
               <a:rPr lang="en-US"/>
               <a:t>Hands-on!</a:t>
             </a:r>
@@ -44271,7 +44104,7 @@
 </p:sld>
 </file>
 
-<file path=ppt/slides/slide55.xml><?xml version="1.0" encoding="utf-8"?>
+<file path=ppt/slides/slide54.xml><?xml version="1.0" encoding="utf-8"?>
 <p:sld xmlns:a="http://schemas.openxmlformats.org/drawingml/2006/main" xmlns:r="http://schemas.openxmlformats.org/officeDocument/2006/relationships" xmlns:p="http://schemas.openxmlformats.org/presentationml/2006/main">
   <p:cSld>
     <p:spTree>
@@ -44462,6 +44295,280 @@
 </p:sld>
 </file>
 
+<file path=ppt/slides/slide55.xml><?xml version="1.0" encoding="utf-8"?>
+<p:sld xmlns:a="http://schemas.openxmlformats.org/drawingml/2006/main" xmlns:r="http://schemas.openxmlformats.org/officeDocument/2006/relationships" xmlns:p="http://schemas.openxmlformats.org/presentationml/2006/main">
+  <p:cSld>
+    <p:spTree>
+      <p:nvGrpSpPr>
+        <p:cNvPr id="1" name=""/>
+        <p:cNvGrpSpPr/>
+        <p:nvPr/>
+      </p:nvGrpSpPr>
+      <p:grpSpPr>
+        <a:xfrm>
+          <a:off x="0" y="0"/>
+          <a:ext cx="0" cy="0"/>
+          <a:chOff x="0" y="0"/>
+          <a:chExt cx="0" cy="0"/>
+        </a:xfrm>
+      </p:grpSpPr>
+      <p:sp>
+        <p:nvSpPr>
+          <p:cNvPr id="2" name="Title 1"/>
+          <p:cNvSpPr>
+            <a:spLocks noGrp="1"/>
+          </p:cNvSpPr>
+          <p:nvPr>
+            <p:ph type="title"/>
+          </p:nvPr>
+        </p:nvSpPr>
+        <p:spPr/>
+        <p:txBody>
+          <a:bodyPr/>
+          <a:lstStyle/>
+          <a:p>
+            <a:r>
+              <a:rPr lang="en-GB" dirty="0" err="1" smtClean="0">
+                <a:cs typeface="Courier New" pitchFamily="49" charset="0"/>
+              </a:rPr>
+              <a:t>Measuring time: </a:t>
+            </a:r>
+            <a:r>
+              <a:rPr lang="en-GB" dirty="0" err="1" smtClean="0">
+                <a:latin typeface="Courier New" pitchFamily="49" charset="0"/>
+                <a:cs typeface="Courier New" pitchFamily="49" charset="0"/>
+              </a:rPr>
+              <a:t>time</a:t>
+            </a:r>
+            <a:endParaRPr lang="en-GB" dirty="0"/>
+          </a:p>
+        </p:txBody>
+      </p:sp>
+      <p:sp>
+        <p:nvSpPr>
+          <p:cNvPr id="3" name="Content Placeholder 2"/>
+          <p:cNvSpPr>
+            <a:spLocks noGrp="1"/>
+          </p:cNvSpPr>
+          <p:nvPr>
+            <p:ph sz="quarter" idx="1"/>
+          </p:nvPr>
+        </p:nvSpPr>
+        <p:spPr/>
+        <p:txBody>
+          <a:bodyPr>
+            <a:noAutofit/>
+          </a:bodyPr>
+          <a:lstStyle/>
+          <a:p>
+            <a:r>
+              <a:rPr lang="en-GB" dirty="0" smtClean="0"/>
+              <a:t>On *nix systems, the command </a:t>
+            </a:r>
+            <a:r>
+              <a:rPr lang="en-GB" dirty="0" smtClean="0">
+                <a:latin typeface="Courier New"/>
+                <a:cs typeface="Courier New"/>
+              </a:rPr>
+              <a:t>time</a:t>
+            </a:r>
+            <a:r>
+              <a:rPr lang="en-GB" dirty="0" smtClean="0"/>
+              <a:t> gives a quick way of measuring time:</a:t>
+            </a:r>
+          </a:p>
+          <a:p>
+            <a:endParaRPr lang="en-GB" dirty="0"/>
+          </a:p>
+          <a:p>
+            <a:endParaRPr lang="en-GB" dirty="0" smtClean="0"/>
+          </a:p>
+          <a:p>
+            <a:endParaRPr lang="en-GB" dirty="0"/>
+          </a:p>
+          <a:p>
+            <a:endParaRPr lang="en-GB" dirty="0" smtClean="0"/>
+          </a:p>
+          <a:p>
+            <a:r>
+              <a:rPr lang="en-GB" dirty="0"/>
+              <a:t>“real” is wall clock time</a:t>
+            </a:r>
+          </a:p>
+          <a:p>
+            <a:r>
+              <a:rPr lang="en-GB" dirty="0" smtClean="0"/>
+              <a:t>“user” is CPU time executing the script</a:t>
+            </a:r>
+          </a:p>
+          <a:p>
+            <a:r>
+              <a:rPr lang="en-GB" dirty="0"/>
+              <a:t>“sys” is CPU time spent in system calls</a:t>
+            </a:r>
+            <a:endParaRPr lang="en-GB" dirty="0" smtClean="0"/>
+          </a:p>
+        </p:txBody>
+      </p:sp>
+      <p:sp>
+        <p:nvSpPr>
+          <p:cNvPr id="4" name="TextBox 3"/>
+          <p:cNvSpPr txBox="1"/>
+          <p:nvPr/>
+        </p:nvSpPr>
+        <p:spPr>
+          <a:xfrm>
+            <a:off x="755576" y="2348880"/>
+            <a:ext cx="8001056" cy="1569660"/>
+          </a:xfrm>
+          <a:prstGeom prst="rect">
+            <a:avLst/>
+          </a:prstGeom>
+          <a:noFill/>
+        </p:spPr>
+        <p:txBody>
+          <a:bodyPr wrap="square" rtlCol="0">
+            <a:spAutoFit/>
+          </a:bodyPr>
+          <a:lstStyle/>
+          <a:p>
+            <a:r>
+              <a:rPr lang="en-GB" sz="1600" dirty="0" err="1" smtClean="0">
+                <a:solidFill>
+                  <a:srgbClr val="000000"/>
+                </a:solidFill>
+                <a:latin typeface="Courier New" pitchFamily="49" charset="0"/>
+              </a:rPr>
+              <a:t>$ time python your_script.py</a:t>
+            </a:r>
+          </a:p>
+          <a:p>
+            <a:endParaRPr lang="en-GB" sz="1600" dirty="0" err="1">
+              <a:solidFill>
+                <a:srgbClr val="000000"/>
+              </a:solidFill>
+              <a:latin typeface="Courier New" pitchFamily="49" charset="0"/>
+            </a:endParaRPr>
+          </a:p>
+          <a:p>
+            <a:r>
+              <a:rPr lang="en-GB" sz="1600" dirty="0">
+                <a:solidFill>
+                  <a:srgbClr val="000000"/>
+                </a:solidFill>
+                <a:latin typeface="Courier New" pitchFamily="49" charset="0"/>
+              </a:rPr>
+              <a:t>real	0m0.135s</a:t>
+            </a:r>
+          </a:p>
+          <a:p>
+            <a:r>
+              <a:rPr lang="en-GB" sz="1600" dirty="0">
+                <a:solidFill>
+                  <a:srgbClr val="000000"/>
+                </a:solidFill>
+                <a:latin typeface="Courier New" pitchFamily="49" charset="0"/>
+              </a:rPr>
+              <a:t>user	0m0.125s</a:t>
+            </a:r>
+          </a:p>
+          <a:p>
+            <a:r>
+              <a:rPr lang="en-GB" sz="1600" dirty="0">
+                <a:solidFill>
+                  <a:srgbClr val="000000"/>
+                </a:solidFill>
+                <a:latin typeface="Courier New" pitchFamily="49" charset="0"/>
+              </a:rPr>
+              <a:t>sys	0m0.009s</a:t>
+            </a:r>
+          </a:p>
+          <a:p>
+            <a:endParaRPr lang="en-GB" sz="1600" dirty="0" smtClean="0">
+              <a:solidFill>
+                <a:srgbClr val="000000"/>
+              </a:solidFill>
+              <a:latin typeface="Courier New" pitchFamily="49" charset="0"/>
+            </a:endParaRPr>
+          </a:p>
+        </p:txBody>
+      </p:sp>
+      <p:sp>
+        <p:nvSpPr>
+          <p:cNvPr id="8" name="Date Placeholder 7"/>
+          <p:cNvSpPr>
+            <a:spLocks noGrp="1"/>
+          </p:cNvSpPr>
+          <p:nvPr>
+            <p:ph type="dt" sz="half" idx="10"/>
+          </p:nvPr>
+        </p:nvSpPr>
+        <p:spPr>
+          <a:xfrm>
+            <a:off x="6400800" y="6356350"/>
+            <a:ext cx="2289048" cy="365760"/>
+          </a:xfrm>
+        </p:spPr>
+        <p:txBody>
+          <a:bodyPr/>
+          <a:lstStyle/>
+          <a:p>
+            <a:r>
+              <a:rPr lang="en-US" smtClean="0"/>
+              <a:t>Pietro Berkes, Sept 2016</a:t>
+            </a:r>
+            <a:endParaRPr lang="en-US"/>
+          </a:p>
+        </p:txBody>
+      </p:sp>
+      <p:sp>
+        <p:nvSpPr>
+          <p:cNvPr id="9" name="Footer Placeholder 8"/>
+          <p:cNvSpPr>
+            <a:spLocks noGrp="1"/>
+          </p:cNvSpPr>
+          <p:nvPr>
+            <p:ph type="ftr" sz="quarter" idx="11"/>
+          </p:nvPr>
+        </p:nvSpPr>
+        <p:spPr>
+          <a:xfrm>
+            <a:off x="2898648" y="6356350"/>
+            <a:ext cx="3505200" cy="365760"/>
+          </a:xfrm>
+        </p:spPr>
+        <p:txBody>
+          <a:bodyPr/>
+          <a:lstStyle/>
+          <a:p>
+            <a:r>
+              <a:rPr lang="en-US" smtClean="0"/>
+              <a:t>Testing, debugging, profiling</a:t>
+            </a:r>
+            <a:endParaRPr lang="en-US"/>
+          </a:p>
+        </p:txBody>
+      </p:sp>
+    </p:spTree>
+    <p:extLst>
+      <p:ext uri="{BB962C8B-B14F-4D97-AF65-F5344CB8AC3E}">
+        <p14:creationId xmlns:p14="http://schemas.microsoft.com/office/powerpoint/2010/main" val="2661697105"/>
+      </p:ext>
+    </p:extLst>
+  </p:cSld>
+  <p:clrMapOvr>
+    <a:masterClrMapping/>
+  </p:clrMapOvr>
+  <p:timing>
+    <p:tnLst>
+      <p:par>
+        <p:cTn xmlns:p14="http://schemas.microsoft.com/office/powerpoint/2010/main" id="1" dur="indefinite" restart="never" nodeType="tmRoot"/>
+      </p:par>
+    </p:tnLst>
+  </p:timing>
+</p:sld>
+</file>
+
 <file path=ppt/slides/slide56.xml><?xml version="1.0" encoding="utf-8"?>
 <p:sld xmlns:a="http://schemas.openxmlformats.org/drawingml/2006/main" xmlns:r="http://schemas.openxmlformats.org/officeDocument/2006/relationships" xmlns:p="http://schemas.openxmlformats.org/presentationml/2006/main">
   <p:cSld>
@@ -44496,16 +44603,10 @@
           <a:p>
             <a:r>
               <a:rPr lang="en-GB" dirty="0" err="1" smtClean="0">
-                <a:cs typeface="Courier New" pitchFamily="49" charset="0"/>
-              </a:rPr>
-              <a:t>Measuring time: </a:t>
-            </a:r>
-            <a:r>
-              <a:rPr lang="en-GB" dirty="0" err="1" smtClean="0">
                 <a:latin typeface="Courier New" pitchFamily="49" charset="0"/>
                 <a:cs typeface="Courier New" pitchFamily="49" charset="0"/>
               </a:rPr>
-              <a:t>time</a:t>
+              <a:t>cProfile</a:t>
             </a:r>
             <a:endParaRPr lang="en-GB" dirty="0"/>
           </a:p>
@@ -44521,72 +44622,75 @@
             <p:ph sz="quarter" idx="1"/>
           </p:nvPr>
         </p:nvSpPr>
-        <p:spPr/>
+        <p:spPr>
+          <a:xfrm>
+            <a:off x="357158" y="1219200"/>
+            <a:ext cx="8572560" cy="4937760"/>
+          </a:xfrm>
+        </p:spPr>
         <p:txBody>
-          <a:bodyPr>
-            <a:noAutofit/>
-          </a:bodyPr>
+          <a:bodyPr/>
           <a:lstStyle/>
           <a:p>
             <a:r>
               <a:rPr lang="en-GB" dirty="0" smtClean="0"/>
-              <a:t>On *nix systems, the command </a:t>
-            </a:r>
-            <a:r>
-              <a:rPr lang="en-GB" dirty="0" smtClean="0">
-                <a:latin typeface="Courier New"/>
-                <a:cs typeface="Courier New"/>
-              </a:rPr>
-              <a:t>time</a:t>
-            </a:r>
-            <a:r>
+              <a:t>standard Python module to profile an entire application</a:t>
+            </a:r>
+            <a:br>
               <a:rPr lang="en-GB" dirty="0" smtClean="0"/>
-              <a:t> gives a quick way of measuring time:</a:t>
-            </a:r>
-          </a:p>
-          <a:p>
-            <a:endParaRPr lang="en-GB" dirty="0"/>
-          </a:p>
-          <a:p>
+            </a:br>
+            <a:r>
+              <a:rPr lang="en-GB" dirty="0" smtClean="0"/>
+              <a:t>(</a:t>
+            </a:r>
+            <a:r>
+              <a:rPr lang="en-GB" sz="2400" dirty="0" smtClean="0">
+                <a:latin typeface="Courier New" pitchFamily="49" charset="0"/>
+                <a:cs typeface="Courier New" pitchFamily="49" charset="0"/>
+              </a:rPr>
+              <a:t>profile </a:t>
+            </a:r>
+            <a:r>
+              <a:rPr lang="en-GB" dirty="0" smtClean="0"/>
+              <a:t>is an old, slow profiling module)</a:t>
+            </a:r>
+          </a:p>
+          <a:p>
+            <a:r>
+              <a:rPr lang="en-GB" dirty="0" smtClean="0"/>
+              <a:t>Running the profiler from command line:</a:t>
+            </a:r>
+            <a:br>
+              <a:rPr lang="en-GB" dirty="0" smtClean="0"/>
+            </a:br>
+            <a:r>
+              <a:rPr lang="en-GB" dirty="0" smtClean="0"/>
+              <a:t/>
+            </a:r>
+            <a:br>
+              <a:rPr lang="en-GB" dirty="0" smtClean="0"/>
+            </a:br>
             <a:endParaRPr lang="en-GB" dirty="0" smtClean="0"/>
           </a:p>
           <a:p>
-            <a:endParaRPr lang="en-GB" dirty="0"/>
-          </a:p>
-          <a:p>
-            <a:endParaRPr lang="en-GB" dirty="0" smtClean="0"/>
-          </a:p>
-          <a:p>
             <a:r>
               <a:rPr lang="en-GB" dirty="0"/>
-              <a:t>“real” is wall clock time</a:t>
-            </a:r>
-          </a:p>
-          <a:p>
-            <a:r>
-              <a:rPr lang="en-GB" dirty="0" smtClean="0"/>
-              <a:t>“user” is CPU time executing the script</a:t>
-            </a:r>
-          </a:p>
-          <a:p>
-            <a:r>
-              <a:rPr lang="en-GB" dirty="0"/>
-              <a:t>“sys” is CPU time spent in system calls</a:t>
-            </a:r>
-            <a:endParaRPr lang="en-GB" dirty="0" smtClean="0"/>
+              <a:t>Sorting options:</a:t>
+            </a:r>
+            <a:endParaRPr lang="en-US" dirty="0" smtClean="0"/>
           </a:p>
         </p:txBody>
       </p:sp>
       <p:sp>
         <p:nvSpPr>
-          <p:cNvPr id="4" name="TextBox 3"/>
+          <p:cNvPr id="7" name="TextBox 6"/>
           <p:cNvSpPr txBox="1"/>
           <p:nvPr/>
         </p:nvSpPr>
         <p:spPr>
           <a:xfrm>
-            <a:off x="755576" y="2348880"/>
-            <a:ext cx="8001056" cy="1569660"/>
+            <a:off x="755576" y="2564904"/>
+            <a:ext cx="8107834" cy="400110"/>
           </a:xfrm>
           <a:prstGeom prst="rect">
             <a:avLst/>
@@ -44600,69 +44704,33 @@
           <a:lstStyle/>
           <a:p>
             <a:r>
-              <a:rPr lang="en-GB" sz="1600" dirty="0" err="1" smtClean="0">
-                <a:solidFill>
-                  <a:srgbClr val="000000"/>
-                </a:solidFill>
+              <a:rPr lang="en-GB" sz="2000" dirty="0" smtClean="0">
                 <a:latin typeface="Courier New" pitchFamily="49" charset="0"/>
-              </a:rPr>
-              <a:t>$ time python your_script.py</a:t>
-            </a:r>
-          </a:p>
-          <a:p>
-            <a:endParaRPr lang="en-GB" sz="1600" dirty="0" err="1">
-              <a:solidFill>
-                <a:srgbClr val="000000"/>
-              </a:solidFill>
-              <a:latin typeface="Courier New" pitchFamily="49" charset="0"/>
-            </a:endParaRPr>
-          </a:p>
-          <a:p>
-            <a:r>
-              <a:rPr lang="en-GB" sz="1600" dirty="0">
-                <a:solidFill>
-                  <a:srgbClr val="000000"/>
-                </a:solidFill>
+                <a:cs typeface="Courier New" pitchFamily="49" charset="0"/>
+              </a:rPr>
+              <a:t>python -m </a:t>
+            </a:r>
+            <a:r>
+              <a:rPr lang="en-GB" sz="2000" dirty="0" err="1" smtClean="0">
                 <a:latin typeface="Courier New" pitchFamily="49" charset="0"/>
-              </a:rPr>
-              <a:t>real	0m0.135s</a:t>
-            </a:r>
-          </a:p>
-          <a:p>
-            <a:r>
-              <a:rPr lang="en-GB" sz="1600" dirty="0">
-                <a:solidFill>
-                  <a:srgbClr val="000000"/>
-                </a:solidFill>
+                <a:cs typeface="Courier New" pitchFamily="49" charset="0"/>
+              </a:rPr>
+              <a:t>cProfile</a:t>
+            </a:r>
+            <a:r>
+              <a:rPr lang="en-GB" sz="2000" dirty="0" smtClean="0">
                 <a:latin typeface="Courier New" pitchFamily="49" charset="0"/>
-              </a:rPr>
-              <a:t>user	0m0.125s</a:t>
-            </a:r>
-          </a:p>
-          <a:p>
-            <a:r>
-              <a:rPr lang="en-GB" sz="1600" dirty="0">
-                <a:solidFill>
-                  <a:srgbClr val="000000"/>
-                </a:solidFill>
-                <a:latin typeface="Courier New" pitchFamily="49" charset="0"/>
-              </a:rPr>
-              <a:t>sys	0m0.009s</a:t>
-            </a:r>
-          </a:p>
-          <a:p>
-            <a:endParaRPr lang="en-GB" sz="1600" dirty="0" smtClean="0">
-              <a:solidFill>
-                <a:srgbClr val="000000"/>
-              </a:solidFill>
-              <a:latin typeface="Courier New" pitchFamily="49" charset="0"/>
-            </a:endParaRPr>
+                <a:cs typeface="Courier New" pitchFamily="49" charset="0"/>
+              </a:rPr>
+              <a:t> –s cumulative myscript.py</a:t>
+            </a:r>
+            <a:endParaRPr lang="en-GB" sz="2000" dirty="0" smtClean="0"/>
           </a:p>
         </p:txBody>
       </p:sp>
       <p:sp>
         <p:nvSpPr>
-          <p:cNvPr id="8" name="Date Placeholder 7"/>
+          <p:cNvPr id="10" name="Date Placeholder 9"/>
           <p:cNvSpPr>
             <a:spLocks noGrp="1"/>
           </p:cNvSpPr>
@@ -44690,7 +44758,7 @@
       </p:sp>
       <p:sp>
         <p:nvSpPr>
-          <p:cNvPr id="9" name="Footer Placeholder 8"/>
+          <p:cNvPr id="11" name="Footer Placeholder 10"/>
           <p:cNvSpPr>
             <a:spLocks noGrp="1"/>
           </p:cNvSpPr>
@@ -44716,12 +44784,78 @@
           </a:p>
         </p:txBody>
       </p:sp>
+      <p:sp>
+        <p:nvSpPr>
+          <p:cNvPr id="8" name="TextBox 7"/>
+          <p:cNvSpPr txBox="1"/>
+          <p:nvPr/>
+        </p:nvSpPr>
+        <p:spPr>
+          <a:xfrm>
+            <a:off x="683568" y="3789040"/>
+            <a:ext cx="8280920" cy="1015663"/>
+          </a:xfrm>
+          <a:prstGeom prst="rect">
+            <a:avLst/>
+          </a:prstGeom>
+          <a:noFill/>
+        </p:spPr>
+        <p:txBody>
+          <a:bodyPr wrap="square" rtlCol="0">
+            <a:spAutoFit/>
+          </a:bodyPr>
+          <a:lstStyle/>
+          <a:p>
+            <a:r>
+              <a:rPr lang="en-GB" sz="2000" dirty="0" smtClean="0">
+                <a:latin typeface="Courier New" pitchFamily="49" charset="0"/>
+                <a:cs typeface="Courier New" pitchFamily="49" charset="0"/>
+              </a:rPr>
+              <a:t>tottime : </a:t>
+            </a:r>
+            <a:r>
+              <a:rPr lang="en-GB" sz="2000" dirty="0" smtClean="0">
+                <a:latin typeface="+mn-lt"/>
+                <a:cs typeface="Courier New" pitchFamily="49" charset="0"/>
+              </a:rPr>
+              <a:t>time spent in function only</a:t>
+            </a:r>
+          </a:p>
+          <a:p>
+            <a:r>
+              <a:rPr lang="en-GB" sz="2000" dirty="0" smtClean="0">
+                <a:latin typeface="Courier New" pitchFamily="49" charset="0"/>
+                <a:cs typeface="Courier New" pitchFamily="49" charset="0"/>
+              </a:rPr>
+              <a:t>cumtime : </a:t>
+            </a:r>
+            <a:r>
+              <a:rPr lang="en-GB" sz="2000" dirty="0" smtClean="0">
+                <a:latin typeface="+mn-lt"/>
+                <a:cs typeface="Courier New" pitchFamily="49" charset="0"/>
+              </a:rPr>
+              <a:t>time spent in function and sub-calls</a:t>
+            </a:r>
+          </a:p>
+          <a:p>
+            <a:r>
+              <a:rPr lang="en-GB" sz="2000" dirty="0">
+                <a:latin typeface="Courier New" pitchFamily="49" charset="0"/>
+                <a:cs typeface="Courier New" pitchFamily="49" charset="0"/>
+              </a:rPr>
+              <a:t>calls   : </a:t>
+            </a:r>
+            <a:r>
+              <a:rPr lang="en-GB" sz="2000" dirty="0">
+                <a:latin typeface="+mn-lt"/>
+                <a:cs typeface="Courier New" pitchFamily="49" charset="0"/>
+              </a:rPr>
+              <a:t>number of calls</a:t>
+            </a:r>
+          </a:p>
+        </p:txBody>
+      </p:sp>
     </p:spTree>
-    <p:extLst>
-      <p:ext uri="{BB962C8B-B14F-4D97-AF65-F5344CB8AC3E}">
-        <p14:creationId xmlns:p14="http://schemas.microsoft.com/office/powerpoint/2010/main" val="2661697105"/>
-      </p:ext>
-    </p:extLst>
   </p:cSld>
   <p:clrMapOvr>
     <a:masterClrMapping/>
@@ -44801,307 +44935,6 @@
           <a:p>
             <a:r>
               <a:rPr lang="en-GB" dirty="0" smtClean="0"/>
-              <a:t>standard Python module to profile an entire application</a:t>
-            </a:r>
-            <a:br>
-              <a:rPr lang="en-GB" dirty="0" smtClean="0"/>
-            </a:br>
-            <a:r>
-              <a:rPr lang="en-GB" dirty="0" smtClean="0"/>
-              <a:t>(</a:t>
-            </a:r>
-            <a:r>
-              <a:rPr lang="en-GB" sz="2400" dirty="0" smtClean="0">
-                <a:latin typeface="Courier New" pitchFamily="49" charset="0"/>
-                <a:cs typeface="Courier New" pitchFamily="49" charset="0"/>
-              </a:rPr>
-              <a:t>profile </a:t>
-            </a:r>
-            <a:r>
-              <a:rPr lang="en-GB" dirty="0" smtClean="0"/>
-              <a:t>is an old, slow profiling module)</a:t>
-            </a:r>
-          </a:p>
-          <a:p>
-            <a:r>
-              <a:rPr lang="en-GB" dirty="0" smtClean="0"/>
-              <a:t>Running the profiler from command line:</a:t>
-            </a:r>
-            <a:br>
-              <a:rPr lang="en-GB" dirty="0" smtClean="0"/>
-            </a:br>
-            <a:r>
-              <a:rPr lang="en-GB" dirty="0" smtClean="0"/>
-              <a:t/>
-            </a:r>
-            <a:br>
-              <a:rPr lang="en-GB" dirty="0" smtClean="0"/>
-            </a:br>
-            <a:endParaRPr lang="en-GB" dirty="0" smtClean="0"/>
-          </a:p>
-          <a:p>
-            <a:r>
-              <a:rPr lang="en-GB" dirty="0"/>
-              <a:t>Sorting options:</a:t>
-            </a:r>
-            <a:endParaRPr lang="en-US" dirty="0" smtClean="0"/>
-          </a:p>
-        </p:txBody>
-      </p:sp>
-      <p:sp>
-        <p:nvSpPr>
-          <p:cNvPr id="7" name="TextBox 6"/>
-          <p:cNvSpPr txBox="1"/>
-          <p:nvPr/>
-        </p:nvSpPr>
-        <p:spPr>
-          <a:xfrm>
-            <a:off x="755576" y="2564904"/>
-            <a:ext cx="8107834" cy="400110"/>
-          </a:xfrm>
-          <a:prstGeom prst="rect">
-            <a:avLst/>
-          </a:prstGeom>
-          <a:noFill/>
-        </p:spPr>
-        <p:txBody>
-          <a:bodyPr wrap="square" rtlCol="0">
-            <a:spAutoFit/>
-          </a:bodyPr>
-          <a:lstStyle/>
-          <a:p>
-            <a:r>
-              <a:rPr lang="en-GB" sz="2000" dirty="0" smtClean="0">
-                <a:latin typeface="Courier New" pitchFamily="49" charset="0"/>
-                <a:cs typeface="Courier New" pitchFamily="49" charset="0"/>
-              </a:rPr>
-              <a:t>python -m </a:t>
-            </a:r>
-            <a:r>
-              <a:rPr lang="en-GB" sz="2000" dirty="0" err="1" smtClean="0">
-                <a:latin typeface="Courier New" pitchFamily="49" charset="0"/>
-                <a:cs typeface="Courier New" pitchFamily="49" charset="0"/>
-              </a:rPr>
-              <a:t>cProfile</a:t>
-            </a:r>
-            <a:r>
-              <a:rPr lang="en-GB" sz="2000" dirty="0" smtClean="0">
-                <a:latin typeface="Courier New" pitchFamily="49" charset="0"/>
-                <a:cs typeface="Courier New" pitchFamily="49" charset="0"/>
-              </a:rPr>
-              <a:t> –s cumulative myscript.py</a:t>
-            </a:r>
-            <a:endParaRPr lang="en-GB" sz="2000" dirty="0" smtClean="0"/>
-          </a:p>
-        </p:txBody>
-      </p:sp>
-      <p:sp>
-        <p:nvSpPr>
-          <p:cNvPr id="10" name="Date Placeholder 9"/>
-          <p:cNvSpPr>
-            <a:spLocks noGrp="1"/>
-          </p:cNvSpPr>
-          <p:nvPr>
-            <p:ph type="dt" sz="half" idx="10"/>
-          </p:nvPr>
-        </p:nvSpPr>
-        <p:spPr>
-          <a:xfrm>
-            <a:off x="6400800" y="6356350"/>
-            <a:ext cx="2289048" cy="365760"/>
-          </a:xfrm>
-        </p:spPr>
-        <p:txBody>
-          <a:bodyPr/>
-          <a:lstStyle/>
-          <a:p>
-            <a:r>
-              <a:rPr lang="en-US" smtClean="0"/>
-              <a:t>Pietro Berkes, Sept 2016</a:t>
-            </a:r>
-            <a:endParaRPr lang="en-US"/>
-          </a:p>
-        </p:txBody>
-      </p:sp>
-      <p:sp>
-        <p:nvSpPr>
-          <p:cNvPr id="11" name="Footer Placeholder 10"/>
-          <p:cNvSpPr>
-            <a:spLocks noGrp="1"/>
-          </p:cNvSpPr>
-          <p:nvPr>
-            <p:ph type="ftr" sz="quarter" idx="11"/>
-          </p:nvPr>
-        </p:nvSpPr>
-        <p:spPr>
-          <a:xfrm>
-            <a:off x="2898648" y="6356350"/>
-            <a:ext cx="3505200" cy="365760"/>
-          </a:xfrm>
-        </p:spPr>
-        <p:txBody>
-          <a:bodyPr/>
-          <a:lstStyle/>
-          <a:p>
-            <a:r>
-              <a:rPr lang="en-US" smtClean="0"/>
-              <a:t>Testing, debugging, profiling</a:t>
-            </a:r>
-            <a:endParaRPr lang="en-US"/>
-          </a:p>
-        </p:txBody>
-      </p:sp>
-      <p:sp>
-        <p:nvSpPr>
-          <p:cNvPr id="8" name="TextBox 7"/>
-          <p:cNvSpPr txBox="1"/>
-          <p:nvPr/>
-        </p:nvSpPr>
-        <p:spPr>
-          <a:xfrm>
-            <a:off x="683568" y="3789040"/>
-            <a:ext cx="8280920" cy="1015663"/>
-          </a:xfrm>
-          <a:prstGeom prst="rect">
-            <a:avLst/>
-          </a:prstGeom>
-          <a:noFill/>
-        </p:spPr>
-        <p:txBody>
-          <a:bodyPr wrap="square" rtlCol="0">
-            <a:spAutoFit/>
-          </a:bodyPr>
-          <a:lstStyle/>
-          <a:p>
-            <a:r>
-              <a:rPr lang="en-GB" sz="2000" dirty="0" smtClean="0">
-                <a:latin typeface="Courier New" pitchFamily="49" charset="0"/>
-                <a:cs typeface="Courier New" pitchFamily="49" charset="0"/>
-              </a:rPr>
-              <a:t>tottime : </a:t>
-            </a:r>
-            <a:r>
-              <a:rPr lang="en-GB" sz="2000" dirty="0" smtClean="0">
-                <a:latin typeface="+mn-lt"/>
-                <a:cs typeface="Courier New" pitchFamily="49" charset="0"/>
-              </a:rPr>
-              <a:t>time spent in function only</a:t>
-            </a:r>
-          </a:p>
-          <a:p>
-            <a:r>
-              <a:rPr lang="en-GB" sz="2000" dirty="0" smtClean="0">
-                <a:latin typeface="Courier New" pitchFamily="49" charset="0"/>
-                <a:cs typeface="Courier New" pitchFamily="49" charset="0"/>
-              </a:rPr>
-              <a:t>cumtime : </a:t>
-            </a:r>
-            <a:r>
-              <a:rPr lang="en-GB" sz="2000" dirty="0" smtClean="0">
-                <a:latin typeface="+mn-lt"/>
-                <a:cs typeface="Courier New" pitchFamily="49" charset="0"/>
-              </a:rPr>
-              <a:t>time spent in function and sub-calls</a:t>
-            </a:r>
-          </a:p>
-          <a:p>
-            <a:r>
-              <a:rPr lang="en-GB" sz="2000" dirty="0">
-                <a:latin typeface="Courier New" pitchFamily="49" charset="0"/>
-                <a:cs typeface="Courier New" pitchFamily="49" charset="0"/>
-              </a:rPr>
-              <a:t>calls   : </a:t>
-            </a:r>
-            <a:r>
-              <a:rPr lang="en-GB" sz="2000" dirty="0">
-                <a:latin typeface="+mn-lt"/>
-                <a:cs typeface="Courier New" pitchFamily="49" charset="0"/>
-              </a:rPr>
-              <a:t>number of calls</a:t>
-            </a:r>
-          </a:p>
-        </p:txBody>
-      </p:sp>
-    </p:spTree>
-  </p:cSld>
-  <p:clrMapOvr>
-    <a:masterClrMapping/>
-  </p:clrMapOvr>
-  <p:timing>
-    <p:tnLst>
-      <p:par>
-        <p:cTn xmlns:p14="http://schemas.microsoft.com/office/powerpoint/2010/main" id="1" dur="indefinite" restart="never" nodeType="tmRoot"/>
-      </p:par>
-    </p:tnLst>
-  </p:timing>
-</p:sld>
-</file>
-
-<file path=ppt/slides/slide58.xml><?xml version="1.0" encoding="utf-8"?>
-<p:sld xmlns:a="http://schemas.openxmlformats.org/drawingml/2006/main" xmlns:r="http://schemas.openxmlformats.org/officeDocument/2006/relationships" xmlns:p="http://schemas.openxmlformats.org/presentationml/2006/main">
-  <p:cSld>
-    <p:spTree>
-      <p:nvGrpSpPr>
-        <p:cNvPr id="1" name=""/>
-        <p:cNvGrpSpPr/>
-        <p:nvPr/>
-      </p:nvGrpSpPr>
-      <p:grpSpPr>
-        <a:xfrm>
-          <a:off x="0" y="0"/>
-          <a:ext cx="0" cy="0"/>
-          <a:chOff x="0" y="0"/>
-          <a:chExt cx="0" cy="0"/>
-        </a:xfrm>
-      </p:grpSpPr>
-      <p:sp>
-        <p:nvSpPr>
-          <p:cNvPr id="2" name="Title 1"/>
-          <p:cNvSpPr>
-            <a:spLocks noGrp="1"/>
-          </p:cNvSpPr>
-          <p:nvPr>
-            <p:ph type="title"/>
-          </p:nvPr>
-        </p:nvSpPr>
-        <p:spPr/>
-        <p:txBody>
-          <a:bodyPr/>
-          <a:lstStyle/>
-          <a:p>
-            <a:r>
-              <a:rPr lang="en-GB" dirty="0" err="1" smtClean="0">
-                <a:latin typeface="Courier New" pitchFamily="49" charset="0"/>
-                <a:cs typeface="Courier New" pitchFamily="49" charset="0"/>
-              </a:rPr>
-              <a:t>cProfile</a:t>
-            </a:r>
-            <a:endParaRPr lang="en-GB" dirty="0"/>
-          </a:p>
-        </p:txBody>
-      </p:sp>
-      <p:sp>
-        <p:nvSpPr>
-          <p:cNvPr id="3" name="Content Placeholder 2"/>
-          <p:cNvSpPr>
-            <a:spLocks noGrp="1"/>
-          </p:cNvSpPr>
-          <p:nvPr>
-            <p:ph sz="quarter" idx="1"/>
-          </p:nvPr>
-        </p:nvSpPr>
-        <p:spPr>
-          <a:xfrm>
-            <a:off x="357158" y="1219200"/>
-            <a:ext cx="8572560" cy="4937760"/>
-          </a:xfrm>
-        </p:spPr>
-        <p:txBody>
-          <a:bodyPr/>
-          <a:lstStyle/>
-          <a:p>
-            <a:r>
-              <a:rPr lang="en-GB" dirty="0" smtClean="0"/>
               <a:t>Or save results to disk for later inspection:</a:t>
             </a:r>
             <a:br>
@@ -45382,7 +45215,7 @@
 </p:sld>
 </file>
 
-<file path=ppt/slides/slide59.xml><?xml version="1.0" encoding="utf-8"?>
+<file path=ppt/slides/slide58.xml><?xml version="1.0" encoding="utf-8"?>
 <p:sld xmlns:a="http://schemas.openxmlformats.org/drawingml/2006/main" xmlns:r="http://schemas.openxmlformats.org/officeDocument/2006/relationships" xmlns:p="http://schemas.openxmlformats.org/presentationml/2006/main">
   <p:cSld>
     <p:spTree>
@@ -45517,6 +45350,235 @@
 </p:sld>
 </file>
 
+<file path=ppt/slides/slide59.xml><?xml version="1.0" encoding="utf-8"?>
+<p:sld xmlns:a="http://schemas.openxmlformats.org/drawingml/2006/main" xmlns:r="http://schemas.openxmlformats.org/officeDocument/2006/relationships" xmlns:p="http://schemas.openxmlformats.org/presentationml/2006/main">
+  <p:cSld>
+    <p:spTree>
+      <p:nvGrpSpPr>
+        <p:cNvPr id="1" name=""/>
+        <p:cNvGrpSpPr/>
+        <p:nvPr/>
+      </p:nvGrpSpPr>
+      <p:grpSpPr>
+        <a:xfrm>
+          <a:off x="0" y="0"/>
+          <a:ext cx="0" cy="0"/>
+          <a:chOff x="0" y="0"/>
+          <a:chExt cx="0" cy="0"/>
+        </a:xfrm>
+      </p:grpSpPr>
+      <p:sp>
+        <p:nvSpPr>
+          <p:cNvPr id="2" name="Title 1"/>
+          <p:cNvSpPr>
+            <a:spLocks noGrp="1"/>
+          </p:cNvSpPr>
+          <p:nvPr>
+            <p:ph type="title"/>
+          </p:nvPr>
+        </p:nvSpPr>
+        <p:spPr/>
+        <p:txBody>
+          <a:bodyPr/>
+          <a:lstStyle/>
+          <a:p>
+            <a:r>
+              <a:rPr lang="en-US"/>
+              <a:t>Using callgrind</a:t>
+            </a:r>
+          </a:p>
+        </p:txBody>
+      </p:sp>
+      <p:sp>
+        <p:nvSpPr>
+          <p:cNvPr id="3" name="Content Placeholder 2"/>
+          <p:cNvSpPr>
+            <a:spLocks noGrp="1"/>
+          </p:cNvSpPr>
+          <p:nvPr>
+            <p:ph sz="quarter" idx="1"/>
+          </p:nvPr>
+        </p:nvSpPr>
+        <p:spPr>
+          <a:xfrm>
+            <a:off x="323528" y="1219200"/>
+            <a:ext cx="8496944" cy="4937760"/>
+          </a:xfrm>
+        </p:spPr>
+        <p:txBody>
+          <a:bodyPr>
+            <a:normAutofit/>
+          </a:bodyPr>
+          <a:lstStyle/>
+          <a:p>
+            <a:pPr marL="0" indent="0">
+              <a:buNone/>
+            </a:pPr>
+            <a:r>
+              <a:rPr lang="en-US"/>
+              <a:t>Callgrind gives graphical representation of profiling results:</a:t>
+            </a:r>
+          </a:p>
+          <a:p>
+            <a:r>
+              <a:rPr lang="en-US"/>
+              <a:t>Run profiler:</a:t>
+            </a:r>
+            <a:br>
+              <a:rPr lang="en-US"/>
+            </a:br>
+            <a:r>
+              <a:rPr lang="en-US" sz="2000">
+                <a:latin typeface="Courier New"/>
+                <a:cs typeface="Courier New"/>
+              </a:rPr>
+              <a:t>python -m cProfile -o factorial.prof factorial.py </a:t>
+            </a:r>
+          </a:p>
+          <a:p>
+            <a:r>
+              <a:rPr lang="en-US"/>
+              <a:t>Transform results in callgrind format:</a:t>
+            </a:r>
+            <a:br>
+              <a:rPr lang="en-US"/>
+            </a:br>
+            <a:r>
+              <a:rPr lang="en-US" sz="2000">
+                <a:latin typeface="Courier New"/>
+                <a:cs typeface="Courier New"/>
+              </a:rPr>
+              <a:t>pyprof2calltree -i factorial.prof -o callgrind.out.1</a:t>
+            </a:r>
+          </a:p>
+          <a:p>
+            <a:r>
+              <a:rPr lang="en-US"/>
+              <a:t>Run callgrind:</a:t>
+            </a:r>
+            <a:br>
+              <a:rPr lang="en-US"/>
+            </a:br>
+            <a:r>
+              <a:rPr lang="en-US" sz="2000">
+                <a:latin typeface="Courier New"/>
+                <a:cs typeface="Courier New"/>
+              </a:rPr>
+              <a:t>qcallgrind callgrind.out.1</a:t>
+            </a:r>
+            <a:br>
+              <a:rPr lang="en-US" sz="2000">
+                <a:latin typeface="Courier New"/>
+                <a:cs typeface="Courier New"/>
+              </a:rPr>
+            </a:br>
+            <a:r>
+              <a:rPr lang="en-US" sz="2000">
+                <a:cs typeface="Courier New"/>
+              </a:rPr>
+              <a:t>or</a:t>
+            </a:r>
+            <a:r>
+              <a:rPr lang="en-US" sz="2000">
+                <a:latin typeface="Courier New"/>
+                <a:cs typeface="Courier New"/>
+              </a:rPr>
+              <a:t/>
+            </a:r>
+            <a:br>
+              <a:rPr lang="en-US" sz="2000">
+                <a:latin typeface="Courier New"/>
+                <a:cs typeface="Courier New"/>
+              </a:rPr>
+            </a:br>
+            <a:r>
+              <a:rPr lang="en-US" sz="2000">
+                <a:latin typeface="Courier New"/>
+                <a:cs typeface="Courier New"/>
+              </a:rPr>
+              <a:t>kcachegrind callgrind.out.1</a:t>
+            </a:r>
+          </a:p>
+          <a:p>
+            <a:endParaRPr lang="en-US" sz="2000">
+              <a:latin typeface="Courier New"/>
+              <a:cs typeface="Courier New"/>
+            </a:endParaRPr>
+          </a:p>
+          <a:p>
+            <a:pPr marL="0" indent="0">
+              <a:buNone/>
+            </a:pPr>
+            <a:endParaRPr lang="en-US"/>
+          </a:p>
+        </p:txBody>
+      </p:sp>
+      <p:sp>
+        <p:nvSpPr>
+          <p:cNvPr id="4" name="Date Placeholder 3"/>
+          <p:cNvSpPr>
+            <a:spLocks noGrp="1"/>
+          </p:cNvSpPr>
+          <p:nvPr>
+            <p:ph type="dt" sz="half" idx="10"/>
+          </p:nvPr>
+        </p:nvSpPr>
+        <p:spPr/>
+        <p:txBody>
+          <a:bodyPr/>
+          <a:lstStyle/>
+          <a:p>
+            <a:r>
+              <a:rPr lang="en-US" smtClean="0"/>
+              <a:t>Pietro Berkes, Sept 2016</a:t>
+            </a:r>
+            <a:endParaRPr lang="en-US"/>
+          </a:p>
+        </p:txBody>
+      </p:sp>
+      <p:sp>
+        <p:nvSpPr>
+          <p:cNvPr id="5" name="Footer Placeholder 4"/>
+          <p:cNvSpPr>
+            <a:spLocks noGrp="1"/>
+          </p:cNvSpPr>
+          <p:nvPr>
+            <p:ph type="ftr" sz="quarter" idx="11"/>
+          </p:nvPr>
+        </p:nvSpPr>
+        <p:spPr/>
+        <p:txBody>
+          <a:bodyPr/>
+          <a:lstStyle/>
+          <a:p>
+            <a:r>
+              <a:rPr lang="en-US" smtClean="0"/>
+              <a:t>Testing, debugging, profiling</a:t>
+            </a:r>
+            <a:endParaRPr lang="en-US"/>
+          </a:p>
+        </p:txBody>
+      </p:sp>
+    </p:spTree>
+    <p:extLst>
+      <p:ext uri="{BB962C8B-B14F-4D97-AF65-F5344CB8AC3E}">
+        <p14:creationId xmlns:p14="http://schemas.microsoft.com/office/powerpoint/2010/main" val="1942706288"/>
+      </p:ext>
+    </p:extLst>
+  </p:cSld>
+  <p:clrMapOvr>
+    <a:masterClrMapping/>
+  </p:clrMapOvr>
+  <p:timing>
+    <p:tnLst>
+      <p:par>
+        <p:cTn xmlns:p14="http://schemas.microsoft.com/office/powerpoint/2010/main" id="1" dur="indefinite" restart="never" nodeType="tmRoot"/>
+      </p:par>
+    </p:tnLst>
+  </p:timing>
+</p:sld>
+</file>
+
 <file path=ppt/slides/slide6.xml><?xml version="1.0" encoding="utf-8"?>
 <p:sld xmlns:a="http://schemas.openxmlformats.org/drawingml/2006/main" xmlns:r="http://schemas.openxmlformats.org/officeDocument/2006/relationships" xmlns:p="http://schemas.openxmlformats.org/presentationml/2006/main">
   <p:cSld>
@@ -45696,7 +45758,7 @@
           <a:p>
             <a:r>
               <a:rPr lang="en-US"/>
-              <a:t>Using callgrind</a:t>
+              <a:t>Hands-on</a:t>
             </a:r>
           </a:p>
         </p:txBody>
@@ -45711,114 +45773,56 @@
             <p:ph sz="quarter" idx="1"/>
           </p:nvPr>
         </p:nvSpPr>
-        <p:spPr>
-          <a:xfrm>
-            <a:off x="323528" y="1219200"/>
-            <a:ext cx="8496944" cy="4937760"/>
-          </a:xfrm>
-        </p:spPr>
+        <p:spPr/>
         <p:txBody>
-          <a:bodyPr>
-            <a:normAutofit/>
-          </a:bodyPr>
+          <a:bodyPr/>
           <a:lstStyle/>
           <a:p>
-            <a:pPr marL="0" indent="0">
-              <a:buNone/>
-            </a:pPr>
             <a:r>
               <a:rPr lang="en-US"/>
-              <a:t>Callgrind gives graphical representation of profiling results:</a:t>
+              <a:t>Make sure you can profile and run cachegrind</a:t>
             </a:r>
           </a:p>
           <a:p>
             <a:r>
               <a:rPr lang="en-US"/>
-              <a:t>Run profiler:</a:t>
-            </a:r>
-            <a:br>
-              <a:rPr lang="en-US"/>
-            </a:br>
-            <a:r>
-              <a:rPr lang="en-US" sz="2000">
+              <a:t>Optimize the </a:t>
+            </a:r>
+            <a:r>
+              <a:rPr lang="en-US">
                 <a:latin typeface="Courier New"/>
                 <a:cs typeface="Courier New"/>
               </a:rPr>
-              <a:t>python -m cProfile -o factorial.prof factorial.py </a:t>
-            </a:r>
-          </a:p>
-          <a:p>
+              <a:t>factorial</a:t>
+            </a:r>
             <a:r>
               <a:rPr lang="en-US"/>
-              <a:t>Transform results in callgrind format:</a:t>
-            </a:r>
-            <a:br>
+              <a:t> funciton</a:t>
+            </a:r>
+          </a:p>
+          <a:p>
+            <a:pPr lvl="1"/>
+            <a:r>
               <a:rPr lang="en-US"/>
-            </a:br>
-            <a:r>
-              <a:rPr lang="en-US" sz="2000">
-                <a:latin typeface="Courier New"/>
-                <a:cs typeface="Courier New"/>
-              </a:rPr>
-              <a:t>pyprof2calltree -i factorial.prof -o callgrind.out.1</a:t>
-            </a:r>
-          </a:p>
-          <a:p>
+              <a:t>Modify the code</a:t>
+            </a:r>
+          </a:p>
+          <a:p>
+            <a:pPr lvl="1"/>
             <a:r>
               <a:rPr lang="en-US"/>
-              <a:t>Run callgrind:</a:t>
-            </a:r>
-            <a:br>
+              <a:t>Run tests to make sure it still works</a:t>
+            </a:r>
+          </a:p>
+          <a:p>
+            <a:pPr lvl="1"/>
+            <a:r>
               <a:rPr lang="en-US"/>
-            </a:br>
-            <a:r>
-              <a:rPr lang="en-US" sz="2000">
-                <a:latin typeface="Courier New"/>
-                <a:cs typeface="Courier New"/>
-              </a:rPr>
-              <a:t>qcallgrind callgrind.out.1</a:t>
-            </a:r>
-            <a:br>
-              <a:rPr lang="en-US" sz="2000">
-                <a:latin typeface="Courier New"/>
-                <a:cs typeface="Courier New"/>
-              </a:rPr>
-            </a:br>
-            <a:r>
-              <a:rPr lang="en-US" sz="2000">
-                <a:cs typeface="Courier New"/>
-              </a:rPr>
-              <a:t>or</a:t>
-            </a:r>
-            <a:r>
-              <a:rPr lang="en-US" sz="2000">
-                <a:latin typeface="Courier New"/>
-                <a:cs typeface="Courier New"/>
-              </a:rPr>
-              <a:t/>
-            </a:r>
-            <a:br>
-              <a:rPr lang="en-US" sz="2000">
-                <a:latin typeface="Courier New"/>
-                <a:cs typeface="Courier New"/>
-              </a:rPr>
-            </a:br>
-            <a:r>
-              <a:rPr lang="en-US" sz="2000">
-                <a:latin typeface="Courier New"/>
-                <a:cs typeface="Courier New"/>
-              </a:rPr>
-              <a:t>kcachegrind callgrind.out.1</a:t>
-            </a:r>
-          </a:p>
-          <a:p>
-            <a:endParaRPr lang="en-US" sz="2000">
-              <a:latin typeface="Courier New"/>
-              <a:cs typeface="Courier New"/>
-            </a:endParaRPr>
-          </a:p>
-          <a:p>
-            <a:pPr marL="0" indent="0">
+              <a:t>Profile and measure progress</a:t>
+            </a:r>
+          </a:p>
+          <a:p>
+            <a:pPr marL="274320" lvl="1" indent="0">
               <a:buNone/>
             </a:pPr>
             <a:endParaRPr lang="en-US"/>
@@ -45874,20 +45878,13 @@
     </p:spTree>
     <p:extLst>
       <p:ext uri="{BB962C8B-B14F-4D97-AF65-F5344CB8AC3E}">
-        <p14:creationId xmlns:p14="http://schemas.microsoft.com/office/powerpoint/2010/main" val="1942706288"/>
+        <p14:creationId xmlns:p14="http://schemas.microsoft.com/office/powerpoint/2010/main" val="2502568403"/>
       </p:ext>
     </p:extLst>
   </p:cSld>
   <p:clrMapOvr>
     <a:masterClrMapping/>
   </p:clrMapOvr>
-  <p:timing>
-    <p:tnLst>
-      <p:par>
-        <p:cTn xmlns:p14="http://schemas.microsoft.com/office/powerpoint/2010/main" id="1" dur="indefinite" restart="never" nodeType="tmRoot"/>
-      </p:par>
-    </p:tnLst>
-  </p:timing>
 </p:sld>
 </file>
 
@@ -45925,7 +45922,7 @@
           <a:p>
             <a:r>
               <a:rPr lang="en-US"/>
-              <a:t>Hands-on</a:t>
+              <a:t>Fine-grained profiling: line_profiler</a:t>
             </a:r>
           </a:p>
         </p:txBody>
@@ -45947,52 +45944,45 @@
           <a:p>
             <a:r>
               <a:rPr lang="en-US"/>
-              <a:t>Make sure you can profile and run cachegrind</a:t>
-            </a:r>
-          </a:p>
-          <a:p>
-            <a:r>
-              <a:rPr lang="en-US"/>
-              <a:t>Optimize the </a:t>
+              <a:t>You can profile a subset of all functions by decorating them with </a:t>
             </a:r>
             <a:r>
               <a:rPr lang="en-US">
                 <a:latin typeface="Courier New"/>
                 <a:cs typeface="Courier New"/>
               </a:rPr>
-              <a:t>factorial</a:t>
+              <a:t>@profile</a:t>
             </a:r>
             <a:r>
               <a:rPr lang="en-US"/>
-              <a:t> funciton</a:t>
-            </a:r>
-          </a:p>
-          <a:p>
-            <a:pPr lvl="1"/>
-            <a:r>
+              <a:t/>
+            </a:r>
+            <a:br>
               <a:rPr lang="en-US"/>
-              <a:t>Modify the code</a:t>
-            </a:r>
-          </a:p>
-          <a:p>
-            <a:pPr lvl="1"/>
+            </a:br>
+            <a:r>
+              <a:rPr lang="en-US">
+                <a:latin typeface="Courier New"/>
+                <a:cs typeface="Courier New"/>
+              </a:rPr>
+              <a:t>kernprof –b -v factorial.py</a:t>
+            </a:r>
+          </a:p>
+          <a:p>
             <a:r>
               <a:rPr lang="en-US"/>
-              <a:t>Run tests to make sure it still works</a:t>
-            </a:r>
-          </a:p>
-          <a:p>
-            <a:pPr lvl="1"/>
-            <a:r>
+              <a:t>Line-by-line profiling</a:t>
+            </a:r>
+            <a:br>
               <a:rPr lang="en-US"/>
-              <a:t>Profile and measure progress</a:t>
-            </a:r>
-          </a:p>
-          <a:p>
-            <a:pPr marL="274320" lvl="1" indent="0">
-              <a:buNone/>
-            </a:pPr>
-            <a:endParaRPr lang="en-US"/>
+            </a:br>
+            <a:r>
+              <a:rPr lang="en-US">
+                <a:latin typeface="Courier New"/>
+                <a:cs typeface="Courier New"/>
+              </a:rPr>
+              <a:t>kernprof -b -l -v factorial.py</a:t>
+            </a:r>
           </a:p>
         </p:txBody>
       </p:sp>
@@ -46045,13 +46035,20 @@
     </p:spTree>
     <p:extLst>
       <p:ext uri="{BB962C8B-B14F-4D97-AF65-F5344CB8AC3E}">
-        <p14:creationId xmlns:p14="http://schemas.microsoft.com/office/powerpoint/2010/main" val="2502568403"/>
+        <p14:creationId xmlns:p14="http://schemas.microsoft.com/office/powerpoint/2010/main" val="2331284151"/>
       </p:ext>
     </p:extLst>
   </p:cSld>
   <p:clrMapOvr>
     <a:masterClrMapping/>
   </p:clrMapOvr>
+  <p:timing>
+    <p:tnLst>
+      <p:par>
+        <p:cTn xmlns:p14="http://schemas.microsoft.com/office/powerpoint/2010/main" id="1" dur="indefinite" restart="never" nodeType="tmRoot"/>
+      </p:par>
+    </p:tnLst>
+  </p:timing>
 </p:sld>
 </file>
 
@@ -46089,7 +46086,7 @@
           <a:p>
             <a:r>
               <a:rPr lang="en-US"/>
-              <a:t>Fine-grained profiling: kernprof</a:t>
+              <a:t>No safety net!</a:t>
             </a:r>
           </a:p>
         </p:txBody>
@@ -46111,44 +46108,7 @@
           <a:p>
             <a:r>
               <a:rPr lang="en-US"/>
-              <a:t>You can profile a subset of all functions by decorating them with </a:t>
-            </a:r>
-            <a:r>
-              <a:rPr lang="en-US">
-                <a:latin typeface="Courier New"/>
-                <a:cs typeface="Courier New"/>
-              </a:rPr>
-              <a:t>@profile</a:t>
-            </a:r>
-            <a:r>
-              <a:rPr lang="en-US"/>
-              <a:t/>
-            </a:r>
-            <a:br>
-              <a:rPr lang="en-US"/>
-            </a:br>
-            <a:r>
-              <a:rPr lang="en-US">
-                <a:latin typeface="Courier New"/>
-                <a:cs typeface="Courier New"/>
-              </a:rPr>
-              <a:t>kernprof –b -v factorial.py</a:t>
-            </a:r>
-          </a:p>
-          <a:p>
-            <a:r>
-              <a:rPr lang="en-US"/>
-              <a:t>Line-by-line profiling</a:t>
-            </a:r>
-            <a:br>
-              <a:rPr lang="en-US"/>
-            </a:br>
-            <a:r>
-              <a:rPr lang="en-US">
-                <a:latin typeface="Courier New"/>
-                <a:cs typeface="Courier New"/>
-              </a:rPr>
-              <a:t>kernprof -b -l -v factorial.py</a:t>
+              <a:t>Optimization of contributed code</a:t>
             </a:r>
           </a:p>
         </p:txBody>
@@ -46202,7 +46162,7 @@
     </p:spTree>
     <p:extLst>
       <p:ext uri="{BB962C8B-B14F-4D97-AF65-F5344CB8AC3E}">
-        <p14:creationId xmlns:p14="http://schemas.microsoft.com/office/powerpoint/2010/main" val="2331284151"/>
+        <p14:creationId xmlns:p14="http://schemas.microsoft.com/office/powerpoint/2010/main" val="4068521431"/>
       </p:ext>
     </p:extLst>
   </p:cSld>
@@ -46238,133 +46198,6 @@
       </p:grpSpPr>
       <p:sp>
         <p:nvSpPr>
-          <p:cNvPr id="2" name="Title 1"/>
-          <p:cNvSpPr>
-            <a:spLocks noGrp="1"/>
-          </p:cNvSpPr>
-          <p:nvPr>
-            <p:ph type="title"/>
-          </p:nvPr>
-        </p:nvSpPr>
-        <p:spPr/>
-        <p:txBody>
-          <a:bodyPr/>
-          <a:lstStyle/>
-          <a:p>
-            <a:r>
-              <a:rPr lang="en-US"/>
-              <a:t>No safety net!</a:t>
-            </a:r>
-          </a:p>
-        </p:txBody>
-      </p:sp>
-      <p:sp>
-        <p:nvSpPr>
-          <p:cNvPr id="3" name="Content Placeholder 2"/>
-          <p:cNvSpPr>
-            <a:spLocks noGrp="1"/>
-          </p:cNvSpPr>
-          <p:nvPr>
-            <p:ph sz="quarter" idx="1"/>
-          </p:nvPr>
-        </p:nvSpPr>
-        <p:spPr/>
-        <p:txBody>
-          <a:bodyPr/>
-          <a:lstStyle/>
-          <a:p>
-            <a:r>
-              <a:rPr lang="en-US"/>
-              <a:t>Optimization of contributed code</a:t>
-            </a:r>
-          </a:p>
-        </p:txBody>
-      </p:sp>
-      <p:sp>
-        <p:nvSpPr>
-          <p:cNvPr id="4" name="Date Placeholder 3"/>
-          <p:cNvSpPr>
-            <a:spLocks noGrp="1"/>
-          </p:cNvSpPr>
-          <p:nvPr>
-            <p:ph type="dt" sz="half" idx="10"/>
-          </p:nvPr>
-        </p:nvSpPr>
-        <p:spPr/>
-        <p:txBody>
-          <a:bodyPr/>
-          <a:lstStyle/>
-          <a:p>
-            <a:r>
-              <a:rPr lang="en-US" smtClean="0"/>
-              <a:t>Pietro Berkes, Sept 2016</a:t>
-            </a:r>
-            <a:endParaRPr lang="en-US"/>
-          </a:p>
-        </p:txBody>
-      </p:sp>
-      <p:sp>
-        <p:nvSpPr>
-          <p:cNvPr id="5" name="Footer Placeholder 4"/>
-          <p:cNvSpPr>
-            <a:spLocks noGrp="1"/>
-          </p:cNvSpPr>
-          <p:nvPr>
-            <p:ph type="ftr" sz="quarter" idx="11"/>
-          </p:nvPr>
-        </p:nvSpPr>
-        <p:spPr/>
-        <p:txBody>
-          <a:bodyPr/>
-          <a:lstStyle/>
-          <a:p>
-            <a:r>
-              <a:rPr lang="en-US" smtClean="0"/>
-              <a:t>Testing, debugging, profiling</a:t>
-            </a:r>
-            <a:endParaRPr lang="en-US"/>
-          </a:p>
-        </p:txBody>
-      </p:sp>
-    </p:spTree>
-    <p:extLst>
-      <p:ext uri="{BB962C8B-B14F-4D97-AF65-F5344CB8AC3E}">
-        <p14:creationId xmlns:p14="http://schemas.microsoft.com/office/powerpoint/2010/main" val="4068521431"/>
-      </p:ext>
-    </p:extLst>
-  </p:cSld>
-  <p:clrMapOvr>
-    <a:masterClrMapping/>
-  </p:clrMapOvr>
-  <p:timing>
-    <p:tnLst>
-      <p:par>
-        <p:cTn xmlns:p14="http://schemas.microsoft.com/office/powerpoint/2010/main" id="1" dur="indefinite" restart="never" nodeType="tmRoot"/>
-      </p:par>
-    </p:tnLst>
-  </p:timing>
-</p:sld>
-</file>
-
-<file path=ppt/slides/slide64.xml><?xml version="1.0" encoding="utf-8"?>
-<p:sld xmlns:a="http://schemas.openxmlformats.org/drawingml/2006/main" xmlns:r="http://schemas.openxmlformats.org/officeDocument/2006/relationships" xmlns:p="http://schemas.openxmlformats.org/presentationml/2006/main">
-  <p:cSld>
-    <p:spTree>
-      <p:nvGrpSpPr>
-        <p:cNvPr id="1" name=""/>
-        <p:cNvGrpSpPr/>
-        <p:nvPr/>
-      </p:nvGrpSpPr>
-      <p:grpSpPr>
-        <a:xfrm>
-          <a:off x="0" y="0"/>
-          <a:ext cx="0" cy="0"/>
-          <a:chOff x="0" y="0"/>
-          <a:chExt cx="0" cy="0"/>
-        </a:xfrm>
-      </p:grpSpPr>
-      <p:sp>
-        <p:nvSpPr>
           <p:cNvPr id="3" name="Date Placeholder 2"/>
           <p:cNvSpPr>
             <a:spLocks noGrp="1"/>
@@ -46465,7 +46298,7 @@
 </p:sld>
 </file>
 
-<file path=ppt/slides/slide65.xml><?xml version="1.0" encoding="utf-8"?>
+<file path=ppt/slides/slide64.xml><?xml version="1.0" encoding="utf-8"?>
 <p:sld xmlns:a="http://schemas.openxmlformats.org/drawingml/2006/main" xmlns:r="http://schemas.openxmlformats.org/officeDocument/2006/relationships" xmlns:p="http://schemas.openxmlformats.org/presentationml/2006/main">
   <p:cSld>
     <p:spTree>
@@ -46885,7 +46718,7 @@
 </p:sld>
 </file>
 
-<file path=ppt/slides/slide66.xml><?xml version="1.0" encoding="utf-8"?>
+<file path=ppt/slides/slide65.xml><?xml version="1.0" encoding="utf-8"?>
 <p:sld xmlns:a="http://schemas.openxmlformats.org/drawingml/2006/main" xmlns:r="http://schemas.openxmlformats.org/officeDocument/2006/relationships" xmlns:p="http://schemas.openxmlformats.org/presentationml/2006/main">
   <p:cSld>
     <p:spTree>
@@ -47210,7 +47043,7 @@
 </p:sld>
 </file>
 
-<file path=ppt/slides/slide67.xml><?xml version="1.0" encoding="utf-8"?>
+<file path=ppt/slides/slide66.xml><?xml version="1.0" encoding="utf-8"?>
 <p:sld xmlns:a="http://schemas.openxmlformats.org/drawingml/2006/main" xmlns:r="http://schemas.openxmlformats.org/officeDocument/2006/relationships" xmlns:p="http://schemas.openxmlformats.org/presentationml/2006/main">
   <p:cSld>
     <p:spTree>
@@ -47419,7 +47252,7 @@
 </p:sld>
 </file>
 
-<file path=ppt/slides/slide68.xml><?xml version="1.0" encoding="utf-8"?>
+<file path=ppt/slides/slide67.xml><?xml version="1.0" encoding="utf-8"?>
 <p:sld xmlns:a="http://schemas.openxmlformats.org/drawingml/2006/main" xmlns:r="http://schemas.openxmlformats.org/officeDocument/2006/relationships" xmlns:p="http://schemas.openxmlformats.org/presentationml/2006/main">
   <p:cSld>
     <p:spTree>
@@ -47568,6 +47401,598 @@
 </p:sld>
 </file>
 
+<file path=ppt/slides/slide68.xml><?xml version="1.0" encoding="utf-8"?>
+<p:sld xmlns:a="http://schemas.openxmlformats.org/drawingml/2006/main" xmlns:r="http://schemas.openxmlformats.org/officeDocument/2006/relationships" xmlns:p="http://schemas.openxmlformats.org/presentationml/2006/main">
+  <p:cSld>
+    <p:spTree>
+      <p:nvGrpSpPr>
+        <p:cNvPr id="1" name=""/>
+        <p:cNvGrpSpPr/>
+        <p:nvPr/>
+      </p:nvGrpSpPr>
+      <p:grpSpPr>
+        <a:xfrm>
+          <a:off x="0" y="0"/>
+          <a:ext cx="0" cy="0"/>
+          <a:chOff x="0" y="0"/>
+          <a:chExt cx="0" cy="0"/>
+        </a:xfrm>
+      </p:grpSpPr>
+      <p:sp>
+        <p:nvSpPr>
+          <p:cNvPr id="2" name="Title 1"/>
+          <p:cNvSpPr>
+            <a:spLocks noGrp="1"/>
+          </p:cNvSpPr>
+          <p:nvPr>
+            <p:ph type="title"/>
+          </p:nvPr>
+        </p:nvSpPr>
+        <p:spPr/>
+        <p:txBody>
+          <a:bodyPr/>
+          <a:lstStyle/>
+          <a:p>
+            <a:r>
+              <a:rPr lang="en-GB" dirty="0" smtClean="0"/>
+              <a:t>Entering the debugger</a:t>
+            </a:r>
+            <a:endParaRPr lang="en-GB" dirty="0"/>
+          </a:p>
+        </p:txBody>
+      </p:sp>
+      <p:sp>
+        <p:nvSpPr>
+          <p:cNvPr id="3" name="Content Placeholder 2"/>
+          <p:cNvSpPr>
+            <a:spLocks noGrp="1"/>
+          </p:cNvSpPr>
+          <p:nvPr>
+            <p:ph sz="quarter" idx="1"/>
+          </p:nvPr>
+        </p:nvSpPr>
+        <p:spPr/>
+        <p:txBody>
+          <a:bodyPr>
+            <a:noAutofit/>
+          </a:bodyPr>
+          <a:lstStyle/>
+          <a:p>
+            <a:pPr indent="228600">
+              <a:spcAft>
+                <a:spcPts val="0"/>
+              </a:spcAft>
+            </a:pPr>
+            <a:r>
+              <a:rPr lang="en-US" dirty="0" smtClean="0">
+                <a:ea typeface="Times New Roman"/>
+                <a:cs typeface="Times New Roman"/>
+              </a:rPr>
+              <a:t>Enter debugger at the start of a file:</a:t>
+            </a:r>
+            <a:r>
+              <a:rPr lang="en-US" sz="2800" dirty="0" smtClean="0">
+                <a:latin typeface="Calibri"/>
+                <a:ea typeface="Times New Roman"/>
+                <a:cs typeface="Times New Roman"/>
+              </a:rPr>
+              <a:t/>
+            </a:r>
+            <a:br>
+              <a:rPr lang="en-US" sz="2800" dirty="0" smtClean="0">
+                <a:latin typeface="Calibri"/>
+                <a:ea typeface="Times New Roman"/>
+                <a:cs typeface="Times New Roman"/>
+              </a:rPr>
+            </a:br>
+            <a:r>
+              <a:rPr lang="en-US" sz="2800" dirty="0" smtClean="0">
+                <a:latin typeface="Calibri"/>
+                <a:ea typeface="Times New Roman"/>
+                <a:cs typeface="Times New Roman"/>
+              </a:rPr>
+              <a:t>    </a:t>
+            </a:r>
+            <a:r>
+              <a:rPr lang="en-US" sz="2400" dirty="0" smtClean="0">
+                <a:latin typeface="Courier New" pitchFamily="49" charset="0"/>
+                <a:ea typeface="Times New Roman"/>
+                <a:cs typeface="Times New Roman"/>
+              </a:rPr>
+              <a:t>python –m </a:t>
+            </a:r>
+            <a:r>
+              <a:rPr lang="en-US" sz="2400" dirty="0" err="1" smtClean="0">
+                <a:latin typeface="Courier New" pitchFamily="49" charset="0"/>
+                <a:ea typeface="Times New Roman"/>
+                <a:cs typeface="Times New Roman"/>
+              </a:rPr>
+              <a:t>pdb</a:t>
+            </a:r>
+            <a:r>
+              <a:rPr lang="en-US" sz="2400" dirty="0" smtClean="0">
+                <a:latin typeface="Courier New" pitchFamily="49" charset="0"/>
+                <a:ea typeface="Times New Roman"/>
+                <a:cs typeface="Times New Roman"/>
+              </a:rPr>
+              <a:t> myscript.py</a:t>
+            </a:r>
+            <a:endParaRPr lang="en-GB" sz="2400" dirty="0" smtClean="0">
+              <a:latin typeface="Calibri"/>
+              <a:ea typeface="Times New Roman"/>
+              <a:cs typeface="Times New Roman"/>
+            </a:endParaRPr>
+          </a:p>
+          <a:p>
+            <a:pPr indent="228600">
+              <a:spcAft>
+                <a:spcPts val="0"/>
+              </a:spcAft>
+            </a:pPr>
+            <a:r>
+              <a:rPr lang="en-US" dirty="0" smtClean="0">
+                <a:ea typeface="Times New Roman"/>
+                <a:cs typeface="Times New Roman"/>
+              </a:rPr>
+              <a:t>Enter at a specific point in the code (alternative to </a:t>
+            </a:r>
+            <a:r>
+              <a:rPr lang="en-US" dirty="0" smtClean="0">
+                <a:latin typeface="Courier New" pitchFamily="49" charset="0"/>
+                <a:ea typeface="Times New Roman"/>
+                <a:cs typeface="Courier New" pitchFamily="49" charset="0"/>
+              </a:rPr>
+              <a:t>print</a:t>
+            </a:r>
+            <a:r>
+              <a:rPr lang="en-US" dirty="0" smtClean="0">
+                <a:ea typeface="Times New Roman"/>
+                <a:cs typeface="Times New Roman"/>
+              </a:rPr>
+              <a:t>):</a:t>
+            </a:r>
+          </a:p>
+          <a:p>
+            <a:pPr indent="228600">
+              <a:spcAft>
+                <a:spcPts val="0"/>
+              </a:spcAft>
+            </a:pPr>
+            <a:endParaRPr lang="en-US" dirty="0">
+              <a:ea typeface="Times New Roman"/>
+              <a:cs typeface="Times New Roman"/>
+            </a:endParaRPr>
+          </a:p>
+          <a:p>
+            <a:pPr indent="228600">
+              <a:spcAft>
+                <a:spcPts val="0"/>
+              </a:spcAft>
+            </a:pPr>
+            <a:endParaRPr lang="en-US" dirty="0" smtClean="0">
+              <a:ea typeface="Times New Roman"/>
+              <a:cs typeface="Times New Roman"/>
+            </a:endParaRPr>
+          </a:p>
+          <a:p>
+            <a:pPr indent="228600">
+              <a:spcAft>
+                <a:spcPts val="0"/>
+              </a:spcAft>
+            </a:pPr>
+            <a:endParaRPr lang="en-US" dirty="0">
+              <a:ea typeface="Times New Roman"/>
+              <a:cs typeface="Times New Roman"/>
+            </a:endParaRPr>
+          </a:p>
+          <a:p>
+            <a:pPr indent="228600">
+              <a:spcAft>
+                <a:spcPts val="0"/>
+              </a:spcAft>
+            </a:pPr>
+            <a:r>
+              <a:rPr lang="en-US" dirty="0" smtClean="0">
+                <a:ea typeface="Times New Roman"/>
+                <a:cs typeface="Times New Roman"/>
+              </a:rPr>
+              <a:t>If you have it installed, use ipdb instead:</a:t>
+            </a:r>
+          </a:p>
+        </p:txBody>
+      </p:sp>
+      <p:sp>
+        <p:nvSpPr>
+          <p:cNvPr id="5" name="TextBox 4"/>
+          <p:cNvSpPr txBox="1"/>
+          <p:nvPr/>
+        </p:nvSpPr>
+        <p:spPr>
+          <a:xfrm>
+            <a:off x="1043608" y="2636912"/>
+            <a:ext cx="6572296" cy="1631216"/>
+          </a:xfrm>
+          <a:prstGeom prst="rect">
+            <a:avLst/>
+          </a:prstGeom>
+          <a:noFill/>
+        </p:spPr>
+        <p:txBody>
+          <a:bodyPr wrap="square" rtlCol="0">
+            <a:spAutoFit/>
+          </a:bodyPr>
+          <a:lstStyle/>
+          <a:p>
+            <a:pPr eaLnBrk="1" fontAlgn="auto" hangingPunct="1">
+              <a:spcBef>
+                <a:spcPts val="1200"/>
+              </a:spcBef>
+              <a:spcAft>
+                <a:spcPts val="0"/>
+              </a:spcAft>
+              <a:buClr>
+                <a:srgbClr val="727CA3"/>
+              </a:buClr>
+              <a:buSzPct val="76000"/>
+            </a:pPr>
+            <a:r>
+              <a:rPr lang="en-US" sz="2000" dirty="0" smtClean="0">
+                <a:solidFill>
+                  <a:srgbClr val="A9494D"/>
+                </a:solidFill>
+                <a:latin typeface="Courier New" pitchFamily="49" charset="0"/>
+                <a:ea typeface="Times New Roman"/>
+                <a:cs typeface="Times New Roman"/>
+              </a:rPr>
+              <a:t># some code here</a:t>
+            </a:r>
+            <a:r>
+              <a:rPr lang="en-GB" sz="2000" dirty="0" smtClean="0">
+                <a:solidFill>
+                  <a:prstClr val="black"/>
+                </a:solidFill>
+                <a:latin typeface="Calibri"/>
+                <a:ea typeface="Times New Roman"/>
+                <a:cs typeface="Times New Roman"/>
+              </a:rPr>
+              <a:t/>
+            </a:r>
+            <a:br>
+              <a:rPr lang="en-GB" sz="2000" dirty="0" smtClean="0">
+                <a:solidFill>
+                  <a:prstClr val="black"/>
+                </a:solidFill>
+                <a:latin typeface="Calibri"/>
+                <a:ea typeface="Times New Roman"/>
+                <a:cs typeface="Times New Roman"/>
+              </a:rPr>
+            </a:br>
+            <a:r>
+              <a:rPr lang="en-US" sz="2000" dirty="0" smtClean="0">
+                <a:solidFill>
+                  <a:srgbClr val="A9494D"/>
+                </a:solidFill>
+                <a:latin typeface="Courier New" pitchFamily="49" charset="0"/>
+                <a:ea typeface="Times New Roman"/>
+                <a:cs typeface="Times New Roman"/>
+              </a:rPr>
+              <a:t># the debugger starts here</a:t>
+            </a:r>
+            <a:r>
+              <a:rPr lang="en-GB" sz="2000" dirty="0" smtClean="0">
+                <a:solidFill>
+                  <a:prstClr val="black"/>
+                </a:solidFill>
+                <a:latin typeface="Calibri"/>
+                <a:ea typeface="Times New Roman"/>
+                <a:cs typeface="Times New Roman"/>
+              </a:rPr>
+              <a:t/>
+            </a:r>
+            <a:br>
+              <a:rPr lang="en-GB" sz="2000" dirty="0" smtClean="0">
+                <a:solidFill>
+                  <a:prstClr val="black"/>
+                </a:solidFill>
+                <a:latin typeface="Calibri"/>
+                <a:ea typeface="Times New Roman"/>
+                <a:cs typeface="Times New Roman"/>
+              </a:rPr>
+            </a:br>
+            <a:r>
+              <a:rPr lang="en-US" sz="2000" dirty="0" smtClean="0">
+                <a:solidFill>
+                  <a:srgbClr val="0000FF"/>
+                </a:solidFill>
+                <a:latin typeface="Courier New" pitchFamily="49" charset="0"/>
+                <a:ea typeface="Times New Roman"/>
+                <a:cs typeface="Times New Roman"/>
+              </a:rPr>
+              <a:t>import </a:t>
+            </a:r>
+            <a:r>
+              <a:rPr lang="en-US" sz="2000" dirty="0" err="1" smtClean="0">
+                <a:solidFill>
+                  <a:prstClr val="black"/>
+                </a:solidFill>
+                <a:latin typeface="Courier New" pitchFamily="49" charset="0"/>
+                <a:ea typeface="Times New Roman"/>
+                <a:cs typeface="Times New Roman"/>
+              </a:rPr>
+              <a:t>pdb</a:t>
+            </a:r>
+            <a:r>
+              <a:rPr lang="en-GB" sz="2000" dirty="0" smtClean="0">
+                <a:solidFill>
+                  <a:prstClr val="black"/>
+                </a:solidFill>
+                <a:latin typeface="Calibri"/>
+                <a:ea typeface="Times New Roman"/>
+                <a:cs typeface="Times New Roman"/>
+              </a:rPr>
+              <a:t>;</a:t>
+            </a:r>
+            <a:br>
+              <a:rPr lang="en-GB" sz="2000" dirty="0" smtClean="0">
+                <a:solidFill>
+                  <a:prstClr val="black"/>
+                </a:solidFill>
+                <a:latin typeface="Calibri"/>
+                <a:ea typeface="Times New Roman"/>
+                <a:cs typeface="Times New Roman"/>
+              </a:rPr>
+            </a:br>
+            <a:r>
+              <a:rPr lang="en-US" sz="2000" dirty="0" err="1" smtClean="0">
+                <a:solidFill>
+                  <a:prstClr val="black"/>
+                </a:solidFill>
+                <a:latin typeface="Courier New" pitchFamily="49" charset="0"/>
+                <a:ea typeface="Times New Roman"/>
+                <a:cs typeface="Times New Roman"/>
+              </a:rPr>
+              <a:t>pdb.set_trace</a:t>
+            </a:r>
+            <a:r>
+              <a:rPr lang="en-US" sz="2000" dirty="0" smtClean="0">
+                <a:solidFill>
+                  <a:prstClr val="black"/>
+                </a:solidFill>
+                <a:latin typeface="Courier New" pitchFamily="49" charset="0"/>
+                <a:ea typeface="Times New Roman"/>
+                <a:cs typeface="Times New Roman"/>
+              </a:rPr>
+              <a:t>()</a:t>
+            </a:r>
+            <a:r>
+              <a:rPr lang="en-GB" sz="1600" dirty="0" smtClean="0">
+                <a:solidFill>
+                  <a:prstClr val="black"/>
+                </a:solidFill>
+                <a:latin typeface="Calibri"/>
+                <a:ea typeface="Times New Roman"/>
+                <a:cs typeface="Times New Roman"/>
+              </a:rPr>
+              <a:t/>
+            </a:r>
+            <a:br>
+              <a:rPr lang="en-GB" sz="1600" dirty="0" smtClean="0">
+                <a:solidFill>
+                  <a:prstClr val="black"/>
+                </a:solidFill>
+                <a:latin typeface="Calibri"/>
+                <a:ea typeface="Times New Roman"/>
+                <a:cs typeface="Times New Roman"/>
+              </a:rPr>
+            </a:br>
+            <a:r>
+              <a:rPr lang="en-US" sz="2000" dirty="0" smtClean="0">
+                <a:solidFill>
+                  <a:srgbClr val="A9494D"/>
+                </a:solidFill>
+                <a:latin typeface="Courier New" pitchFamily="49" charset="0"/>
+                <a:ea typeface="Times New Roman"/>
+                <a:cs typeface="Times New Roman"/>
+              </a:rPr>
+              <a:t># rest of the code</a:t>
+            </a:r>
+          </a:p>
+        </p:txBody>
+      </p:sp>
+      <p:sp>
+        <p:nvSpPr>
+          <p:cNvPr id="9" name="Date Placeholder 8"/>
+          <p:cNvSpPr>
+            <a:spLocks noGrp="1"/>
+          </p:cNvSpPr>
+          <p:nvPr>
+            <p:ph type="dt" sz="half" idx="10"/>
+          </p:nvPr>
+        </p:nvSpPr>
+        <p:spPr>
+          <a:xfrm>
+            <a:off x="6400800" y="6356350"/>
+            <a:ext cx="2289048" cy="365760"/>
+          </a:xfrm>
+        </p:spPr>
+        <p:txBody>
+          <a:bodyPr/>
+          <a:lstStyle/>
+          <a:p>
+            <a:r>
+              <a:rPr lang="en-US" smtClean="0"/>
+              <a:t>Pietro Berkes, Sept 2016</a:t>
+            </a:r>
+            <a:endParaRPr lang="en-US"/>
+          </a:p>
+        </p:txBody>
+      </p:sp>
+      <p:sp>
+        <p:nvSpPr>
+          <p:cNvPr id="10" name="Footer Placeholder 9"/>
+          <p:cNvSpPr>
+            <a:spLocks noGrp="1"/>
+          </p:cNvSpPr>
+          <p:nvPr>
+            <p:ph type="ftr" sz="quarter" idx="11"/>
+          </p:nvPr>
+        </p:nvSpPr>
+        <p:spPr>
+          <a:xfrm>
+            <a:off x="2898648" y="6356350"/>
+            <a:ext cx="3505200" cy="365760"/>
+          </a:xfrm>
+        </p:spPr>
+        <p:txBody>
+          <a:bodyPr/>
+          <a:lstStyle/>
+          <a:p>
+            <a:r>
+              <a:rPr lang="en-US" smtClean="0"/>
+              <a:t>Testing, debugging, profiling</a:t>
+            </a:r>
+            <a:endParaRPr lang="en-US"/>
+          </a:p>
+        </p:txBody>
+      </p:sp>
+      <p:sp>
+        <p:nvSpPr>
+          <p:cNvPr id="7" name="TextBox 6"/>
+          <p:cNvSpPr txBox="1"/>
+          <p:nvPr/>
+        </p:nvSpPr>
+        <p:spPr>
+          <a:xfrm>
+            <a:off x="1024040" y="4725144"/>
+            <a:ext cx="6572296" cy="707886"/>
+          </a:xfrm>
+          <a:prstGeom prst="rect">
+            <a:avLst/>
+          </a:prstGeom>
+          <a:noFill/>
+        </p:spPr>
+        <p:txBody>
+          <a:bodyPr wrap="square" rtlCol="0">
+            <a:spAutoFit/>
+          </a:bodyPr>
+          <a:lstStyle/>
+          <a:p>
+            <a:pPr eaLnBrk="1" fontAlgn="auto" hangingPunct="1">
+              <a:spcBef>
+                <a:spcPts val="1200"/>
+              </a:spcBef>
+              <a:spcAft>
+                <a:spcPts val="0"/>
+              </a:spcAft>
+              <a:buClr>
+                <a:srgbClr val="727CA3"/>
+              </a:buClr>
+              <a:buSzPct val="76000"/>
+            </a:pPr>
+            <a:r>
+              <a:rPr lang="en-US" sz="2000" dirty="0" smtClean="0">
+                <a:solidFill>
+                  <a:srgbClr val="0000FF"/>
+                </a:solidFill>
+                <a:latin typeface="Courier New" pitchFamily="49" charset="0"/>
+                <a:ea typeface="Times New Roman"/>
+                <a:cs typeface="Times New Roman"/>
+              </a:rPr>
+              <a:t>import </a:t>
+            </a:r>
+            <a:r>
+              <a:rPr lang="en-US" sz="2000" dirty="0" smtClean="0">
+                <a:latin typeface="Courier New" pitchFamily="49" charset="0"/>
+                <a:ea typeface="Times New Roman"/>
+                <a:cs typeface="Times New Roman"/>
+              </a:rPr>
+              <a:t>i</a:t>
+            </a:r>
+            <a:r>
+              <a:rPr lang="en-US" sz="2000" dirty="0" err="1" smtClean="0">
+                <a:solidFill>
+                  <a:prstClr val="black"/>
+                </a:solidFill>
+                <a:latin typeface="Courier New" pitchFamily="49" charset="0"/>
+                <a:ea typeface="Times New Roman"/>
+                <a:cs typeface="Times New Roman"/>
+              </a:rPr>
+              <a:t>pdb</a:t>
+            </a:r>
+            <a:r>
+              <a:rPr lang="en-GB" sz="2000" dirty="0" smtClean="0">
+                <a:solidFill>
+                  <a:prstClr val="black"/>
+                </a:solidFill>
+                <a:latin typeface="Calibri"/>
+                <a:ea typeface="Times New Roman"/>
+                <a:cs typeface="Times New Roman"/>
+              </a:rPr>
+              <a:t>;</a:t>
+            </a:r>
+            <a:br>
+              <a:rPr lang="en-GB" sz="2000" dirty="0" smtClean="0">
+                <a:solidFill>
+                  <a:prstClr val="black"/>
+                </a:solidFill>
+                <a:latin typeface="Calibri"/>
+                <a:ea typeface="Times New Roman"/>
+                <a:cs typeface="Times New Roman"/>
+              </a:rPr>
+            </a:br>
+            <a:r>
+              <a:rPr lang="en-US" sz="2000" dirty="0" err="1" smtClean="0">
+                <a:solidFill>
+                  <a:prstClr val="black"/>
+                </a:solidFill>
+                <a:latin typeface="Courier New" pitchFamily="49" charset="0"/>
+                <a:ea typeface="Times New Roman"/>
+                <a:cs typeface="Times New Roman"/>
+              </a:rPr>
+              <a:t>ipdb.set_trace</a:t>
+            </a:r>
+            <a:r>
+              <a:rPr lang="en-US" sz="2000" dirty="0" smtClean="0">
+                <a:solidFill>
+                  <a:prstClr val="black"/>
+                </a:solidFill>
+                <a:latin typeface="Courier New" pitchFamily="49" charset="0"/>
+                <a:ea typeface="Times New Roman"/>
+                <a:cs typeface="Times New Roman"/>
+              </a:rPr>
+              <a:t>()</a:t>
+            </a:r>
+            <a:endParaRPr lang="en-US" sz="2000" dirty="0" smtClean="0">
+              <a:solidFill>
+                <a:srgbClr val="A9494D"/>
+              </a:solidFill>
+              <a:latin typeface="Courier New" pitchFamily="49" charset="0"/>
+              <a:ea typeface="Times New Roman"/>
+              <a:cs typeface="Times New Roman"/>
+            </a:endParaRPr>
+          </a:p>
+        </p:txBody>
+      </p:sp>
+    </p:spTree>
+    <p:extLst>
+      <p:ext uri="{BB962C8B-B14F-4D97-AF65-F5344CB8AC3E}">
+        <p14:creationId xmlns:p14="http://schemas.microsoft.com/office/powerpoint/2010/main" val="1909710663"/>
+      </p:ext>
+    </p:extLst>
+  </p:cSld>
+  <p:clrMapOvr>
+    <a:masterClrMapping/>
+  </p:clrMapOvr>
+  <p:timing>
+    <p:tnLst>
+      <p:par>
+        <p:cTn xmlns:p14="http://schemas.microsoft.com/office/powerpoint/2010/main" id="1" dur="indefinite" restart="never" nodeType="tmRoot"/>
+      </p:par>
+    </p:tnLst>
+  </p:timing>
+</p:sld>
+</file>
+
 <file path=ppt/slides/slide69.xml><?xml version="1.0" encoding="utf-8"?>
 <p:sld xmlns:a="http://schemas.openxmlformats.org/drawingml/2006/main" xmlns:r="http://schemas.openxmlformats.org/officeDocument/2006/relationships" xmlns:p="http://schemas.openxmlformats.org/presentationml/2006/main">
   <p:cSld>
@@ -47587,9 +48012,9 @@
       </p:grpSpPr>
       <p:sp>
         <p:nvSpPr>
-          <p:cNvPr id="2" name="Title 1"/>
+          <p:cNvPr id="33794" name="Rectangle 2"/>
           <p:cNvSpPr>
-            <a:spLocks noGrp="1"/>
+            <a:spLocks noGrp="1" noChangeArrowheads="1"/>
           </p:cNvSpPr>
           <p:nvPr>
             <p:ph type="title"/>
@@ -47602,17 +48027,24 @@
           <a:p>
             <a:r>
               <a:rPr lang="en-GB" dirty="0" smtClean="0"/>
-              <a:t>Entering the debugger</a:t>
-            </a:r>
-            <a:endParaRPr lang="en-GB" dirty="0"/>
+              <a:t>Entering the debugger from </a:t>
+            </a:r>
+            <a:r>
+              <a:rPr lang="en-GB" dirty="0" err="1" smtClean="0"/>
+              <a:t>ipython</a:t>
+            </a:r>
+            <a:endParaRPr lang="en-US" dirty="0">
+              <a:latin typeface="Courier New" pitchFamily="49" charset="0"/>
+              <a:cs typeface="Courier New" pitchFamily="49" charset="0"/>
+            </a:endParaRPr>
           </a:p>
         </p:txBody>
       </p:sp>
       <p:sp>
         <p:nvSpPr>
-          <p:cNvPr id="3" name="Content Placeholder 2"/>
+          <p:cNvPr id="33795" name="Rectangle 3"/>
           <p:cNvSpPr>
-            <a:spLocks noGrp="1"/>
+            <a:spLocks noGrp="1" noChangeArrowheads="1"/>
           </p:cNvSpPr>
           <p:nvPr>
             <p:ph sz="quarter" idx="1"/>
@@ -47620,355 +48052,92 @@
         </p:nvSpPr>
         <p:spPr/>
         <p:txBody>
-          <a:bodyPr>
-            <a:noAutofit/>
-          </a:bodyPr>
+          <a:bodyPr/>
           <a:lstStyle/>
           <a:p>
-            <a:pPr indent="228600">
-              <a:spcAft>
-                <a:spcPts val="0"/>
-              </a:spcAft>
-            </a:pPr>
-            <a:r>
-              <a:rPr lang="en-US" dirty="0" smtClean="0">
-                <a:ea typeface="Times New Roman"/>
-                <a:cs typeface="Times New Roman"/>
-              </a:rPr>
-              <a:t>Enter debugger at the start of a file:</a:t>
-            </a:r>
-            <a:r>
-              <a:rPr lang="en-US" sz="2800" dirty="0" smtClean="0">
-                <a:latin typeface="Calibri"/>
-                <a:ea typeface="Times New Roman"/>
-                <a:cs typeface="Times New Roman"/>
-              </a:rPr>
+            <a:r>
+              <a:rPr lang="en-US" sz="2800" dirty="0"/>
+              <a:t>From </a:t>
+            </a:r>
+            <a:r>
+              <a:rPr lang="en-US" sz="2800" dirty="0" err="1"/>
+              <a:t>ipython</a:t>
+            </a:r>
+            <a:r>
+              <a:rPr lang="en-US" sz="2800" dirty="0" smtClean="0"/>
+              <a:t>:</a:t>
+            </a:r>
+            <a:r>
+              <a:rPr lang="en-US" dirty="0" smtClean="0"/>
               <a:t/>
             </a:r>
             <a:br>
-              <a:rPr lang="en-US" sz="2800" dirty="0" smtClean="0">
-                <a:latin typeface="Calibri"/>
-                <a:ea typeface="Times New Roman"/>
-                <a:cs typeface="Times New Roman"/>
-              </a:rPr>
+              <a:rPr lang="en-US" dirty="0" smtClean="0"/>
             </a:br>
-            <a:r>
-              <a:rPr lang="en-US" sz="2800" dirty="0" smtClean="0">
-                <a:latin typeface="Calibri"/>
-                <a:ea typeface="Times New Roman"/>
-                <a:cs typeface="Times New Roman"/>
-              </a:rPr>
-              <a:t>    </a:t>
-            </a:r>
             <a:r>
               <a:rPr lang="en-US" sz="2400" dirty="0" smtClean="0">
                 <a:latin typeface="Courier New" pitchFamily="49" charset="0"/>
-                <a:ea typeface="Times New Roman"/>
-                <a:cs typeface="Times New Roman"/>
-              </a:rPr>
-              <a:t>python –m </a:t>
+                <a:cs typeface="Courier New" pitchFamily="49" charset="0"/>
+              </a:rPr>
+              <a:t>%</a:t>
             </a:r>
             <a:r>
               <a:rPr lang="en-US" sz="2400" dirty="0" err="1" smtClean="0">
                 <a:latin typeface="Courier New" pitchFamily="49" charset="0"/>
-                <a:ea typeface="Times New Roman"/>
-                <a:cs typeface="Times New Roman"/>
+                <a:cs typeface="Courier New" pitchFamily="49" charset="0"/>
               </a:rPr>
               <a:t>pdb</a:t>
+            </a:r>
+            <a:r>
+              <a:rPr lang="en-US" sz="2400" dirty="0" smtClean="0">
+                <a:cs typeface="Courier New" pitchFamily="49" charset="0"/>
+              </a:rPr>
+              <a:t> – preventive</a:t>
             </a:r>
             <a:r>
               <a:rPr lang="en-US" sz="2400" dirty="0" smtClean="0">
                 <a:latin typeface="Courier New" pitchFamily="49" charset="0"/>
-                <a:ea typeface="Times New Roman"/>
-                <a:cs typeface="Times New Roman"/>
-              </a:rPr>
-              <a:t> myscript.py</a:t>
-            </a:r>
-            <a:endParaRPr lang="en-GB" sz="2400" dirty="0" smtClean="0">
-              <a:latin typeface="Calibri"/>
-              <a:ea typeface="Times New Roman"/>
-              <a:cs typeface="Times New Roman"/>
+                <a:cs typeface="Courier New" pitchFamily="49" charset="0"/>
+              </a:rPr>
+              <a:t/>
+            </a:r>
+            <a:br>
+              <a:rPr lang="en-US" sz="2400" dirty="0" smtClean="0">
+                <a:latin typeface="Courier New" pitchFamily="49" charset="0"/>
+                <a:cs typeface="Courier New" pitchFamily="49" charset="0"/>
+              </a:rPr>
+            </a:br>
+            <a:r>
+              <a:rPr lang="en-US" sz="2400" dirty="0" smtClean="0">
+                <a:latin typeface="Courier New" pitchFamily="49" charset="0"/>
+                <a:cs typeface="Courier New" pitchFamily="49" charset="0"/>
+              </a:rPr>
+              <a:t>%debug</a:t>
+            </a:r>
+            <a:r>
+              <a:rPr lang="en-US" sz="2400" dirty="0" smtClean="0">
+                <a:cs typeface="Courier New" pitchFamily="49" charset="0"/>
+              </a:rPr>
+              <a:t> – post-mortem</a:t>
+            </a:r>
+          </a:p>
+          <a:p>
+            <a:endParaRPr lang="en-US" dirty="0">
+              <a:latin typeface="Courier New" pitchFamily="49" charset="0"/>
+              <a:cs typeface="Courier New" pitchFamily="49" charset="0"/>
             </a:endParaRPr>
           </a:p>
           <a:p>
-            <a:pPr indent="228600">
-              <a:spcAft>
-                <a:spcPts val="0"/>
-              </a:spcAft>
-            </a:pPr>
-            <a:r>
-              <a:rPr lang="en-US" dirty="0" smtClean="0">
-                <a:ea typeface="Times New Roman"/>
-                <a:cs typeface="Times New Roman"/>
-              </a:rPr>
-              <a:t>Enter at a specific point in the code (alternative to </a:t>
-            </a:r>
-            <a:r>
-              <a:rPr lang="en-US" dirty="0" smtClean="0">
-                <a:latin typeface="Courier New" pitchFamily="49" charset="0"/>
-                <a:ea typeface="Times New Roman"/>
-                <a:cs typeface="Courier New" pitchFamily="49" charset="0"/>
-              </a:rPr>
-              <a:t>print</a:t>
-            </a:r>
-            <a:r>
-              <a:rPr lang="en-US" dirty="0" smtClean="0">
-                <a:ea typeface="Times New Roman"/>
-                <a:cs typeface="Times New Roman"/>
-              </a:rPr>
-              <a:t>):</a:t>
-            </a:r>
-          </a:p>
-          <a:p>
-            <a:pPr indent="228600">
-              <a:spcAft>
-                <a:spcPts val="0"/>
-              </a:spcAft>
-            </a:pPr>
-            <a:endParaRPr lang="en-US" dirty="0">
-              <a:ea typeface="Times New Roman"/>
-              <a:cs typeface="Times New Roman"/>
+            <a:endParaRPr lang="en-US" sz="2400" dirty="0" smtClean="0">
+              <a:latin typeface="Courier New" pitchFamily="49" charset="0"/>
+              <a:cs typeface="Courier New" pitchFamily="49" charset="0"/>
             </a:endParaRPr>
           </a:p>
-          <a:p>
-            <a:pPr indent="228600">
-              <a:spcAft>
-                <a:spcPts val="0"/>
-              </a:spcAft>
-            </a:pPr>
-            <a:endParaRPr lang="en-US" dirty="0" smtClean="0">
-              <a:ea typeface="Times New Roman"/>
-              <a:cs typeface="Times New Roman"/>
-            </a:endParaRPr>
-          </a:p>
-          <a:p>
-            <a:pPr indent="228600">
-              <a:spcAft>
-                <a:spcPts val="0"/>
-              </a:spcAft>
-            </a:pPr>
-            <a:endParaRPr lang="en-US" dirty="0">
-              <a:ea typeface="Times New Roman"/>
-              <a:cs typeface="Times New Roman"/>
-            </a:endParaRPr>
-          </a:p>
-          <a:p>
-            <a:pPr indent="228600">
-              <a:spcAft>
-                <a:spcPts val="0"/>
-              </a:spcAft>
-            </a:pPr>
-            <a:r>
-              <a:rPr lang="en-US" dirty="0" smtClean="0">
-                <a:ea typeface="Times New Roman"/>
-                <a:cs typeface="Times New Roman"/>
-              </a:rPr>
-              <a:t>If you have it installed, use ipdb instead:</a:t>
-            </a:r>
-          </a:p>
         </p:txBody>
       </p:sp>
       <p:sp>
         <p:nvSpPr>
-          <p:cNvPr id="5" name="TextBox 4"/>
-          <p:cNvSpPr txBox="1"/>
-          <p:nvPr/>
-        </p:nvSpPr>
-        <p:spPr>
-          <a:xfrm>
-            <a:off x="1043608" y="2636912"/>
-            <a:ext cx="6572296" cy="1631216"/>
-          </a:xfrm>
-          <a:prstGeom prst="rect">
-            <a:avLst/>
-          </a:prstGeom>
-          <a:noFill/>
-        </p:spPr>
-        <p:txBody>
-          <a:bodyPr wrap="square" rtlCol="0">
-            <a:spAutoFit/>
-          </a:bodyPr>
-          <a:lstStyle/>
-          <a:p>
-            <a:pPr eaLnBrk="1" fontAlgn="auto" hangingPunct="1">
-              <a:spcBef>
-                <a:spcPts val="1200"/>
-              </a:spcBef>
-              <a:spcAft>
-                <a:spcPts val="0"/>
-              </a:spcAft>
-              <a:buClr>
-                <a:srgbClr val="727CA3"/>
-              </a:buClr>
-              <a:buSzPct val="76000"/>
-            </a:pPr>
-            <a:r>
-              <a:rPr lang="en-US" sz="2000" dirty="0" smtClean="0">
-                <a:solidFill>
-                  <a:srgbClr val="A9494D"/>
-                </a:solidFill>
-                <a:latin typeface="Courier New" pitchFamily="49" charset="0"/>
-                <a:ea typeface="Times New Roman"/>
-                <a:cs typeface="Times New Roman"/>
-              </a:rPr>
-              <a:t># some code here</a:t>
-            </a:r>
-            <a:r>
-              <a:rPr lang="en-GB" sz="2000" dirty="0" smtClean="0">
-                <a:solidFill>
-                  <a:prstClr val="black"/>
-                </a:solidFill>
-                <a:latin typeface="Calibri"/>
-                <a:ea typeface="Times New Roman"/>
-                <a:cs typeface="Times New Roman"/>
-              </a:rPr>
-              <a:t/>
-            </a:r>
-            <a:br>
-              <a:rPr lang="en-GB" sz="2000" dirty="0" smtClean="0">
-                <a:solidFill>
-                  <a:prstClr val="black"/>
-                </a:solidFill>
-                <a:latin typeface="Calibri"/>
-                <a:ea typeface="Times New Roman"/>
-                <a:cs typeface="Times New Roman"/>
-              </a:rPr>
-            </a:br>
-            <a:r>
-              <a:rPr lang="en-US" sz="2000" dirty="0" smtClean="0">
-                <a:solidFill>
-                  <a:srgbClr val="A9494D"/>
-                </a:solidFill>
-                <a:latin typeface="Courier New" pitchFamily="49" charset="0"/>
-                <a:ea typeface="Times New Roman"/>
-                <a:cs typeface="Times New Roman"/>
-              </a:rPr>
-              <a:t># the debugger starts here</a:t>
-            </a:r>
-            <a:r>
-              <a:rPr lang="en-GB" sz="2000" dirty="0" smtClean="0">
-                <a:solidFill>
-                  <a:prstClr val="black"/>
-                </a:solidFill>
-                <a:latin typeface="Calibri"/>
-                <a:ea typeface="Times New Roman"/>
-                <a:cs typeface="Times New Roman"/>
-              </a:rPr>
-              <a:t/>
-            </a:r>
-            <a:br>
-              <a:rPr lang="en-GB" sz="2000" dirty="0" smtClean="0">
-                <a:solidFill>
-                  <a:prstClr val="black"/>
-                </a:solidFill>
-                <a:latin typeface="Calibri"/>
-                <a:ea typeface="Times New Roman"/>
-                <a:cs typeface="Times New Roman"/>
-              </a:rPr>
-            </a:br>
-            <a:r>
-              <a:rPr lang="en-US" sz="2000" dirty="0" smtClean="0">
-                <a:solidFill>
-                  <a:srgbClr val="0000FF"/>
-                </a:solidFill>
-                <a:latin typeface="Courier New" pitchFamily="49" charset="0"/>
-                <a:ea typeface="Times New Roman"/>
-                <a:cs typeface="Times New Roman"/>
-              </a:rPr>
-              <a:t>import </a:t>
-            </a:r>
-            <a:r>
-              <a:rPr lang="en-US" sz="2000" dirty="0" err="1" smtClean="0">
-                <a:solidFill>
-                  <a:prstClr val="black"/>
-                </a:solidFill>
-                <a:latin typeface="Courier New" pitchFamily="49" charset="0"/>
-                <a:ea typeface="Times New Roman"/>
-                <a:cs typeface="Times New Roman"/>
-              </a:rPr>
-              <a:t>pdb</a:t>
-            </a:r>
-            <a:r>
-              <a:rPr lang="en-GB" sz="2000" dirty="0" smtClean="0">
-                <a:solidFill>
-                  <a:prstClr val="black"/>
-                </a:solidFill>
-                <a:latin typeface="Calibri"/>
-                <a:ea typeface="Times New Roman"/>
-                <a:cs typeface="Times New Roman"/>
-              </a:rPr>
-              <a:t>;</a:t>
-            </a:r>
-            <a:br>
-              <a:rPr lang="en-GB" sz="2000" dirty="0" smtClean="0">
-                <a:solidFill>
-                  <a:prstClr val="black"/>
-                </a:solidFill>
-                <a:latin typeface="Calibri"/>
-                <a:ea typeface="Times New Roman"/>
-                <a:cs typeface="Times New Roman"/>
-              </a:rPr>
-            </a:br>
-            <a:r>
-              <a:rPr lang="en-US" sz="2000" dirty="0" err="1" smtClean="0">
-                <a:solidFill>
-                  <a:prstClr val="black"/>
-                </a:solidFill>
-                <a:latin typeface="Courier New" pitchFamily="49" charset="0"/>
-                <a:ea typeface="Times New Roman"/>
-                <a:cs typeface="Times New Roman"/>
-              </a:rPr>
-              <a:t>pdb.set_trace</a:t>
-            </a:r>
-            <a:r>
-              <a:rPr lang="en-US" sz="2000" dirty="0" smtClean="0">
-                <a:solidFill>
-                  <a:prstClr val="black"/>
-                </a:solidFill>
-                <a:latin typeface="Courier New" pitchFamily="49" charset="0"/>
-                <a:ea typeface="Times New Roman"/>
-                <a:cs typeface="Times New Roman"/>
-              </a:rPr>
-              <a:t>()</a:t>
-            </a:r>
-            <a:r>
-              <a:rPr lang="en-GB" sz="1600" dirty="0" smtClean="0">
-                <a:solidFill>
-                  <a:prstClr val="black"/>
-                </a:solidFill>
-                <a:latin typeface="Calibri"/>
-                <a:ea typeface="Times New Roman"/>
-                <a:cs typeface="Times New Roman"/>
-              </a:rPr>
-              <a:t/>
-            </a:r>
-            <a:br>
-              <a:rPr lang="en-GB" sz="1600" dirty="0" smtClean="0">
-                <a:solidFill>
-                  <a:prstClr val="black"/>
-                </a:solidFill>
-                <a:latin typeface="Calibri"/>
-                <a:ea typeface="Times New Roman"/>
-                <a:cs typeface="Times New Roman"/>
-              </a:rPr>
-            </a:br>
-            <a:r>
-              <a:rPr lang="en-US" sz="2000" dirty="0" smtClean="0">
-                <a:solidFill>
-                  <a:srgbClr val="A9494D"/>
-                </a:solidFill>
-                <a:latin typeface="Courier New" pitchFamily="49" charset="0"/>
-                <a:ea typeface="Times New Roman"/>
-                <a:cs typeface="Times New Roman"/>
-              </a:rPr>
-              <a:t># rest of the code</a:t>
-            </a:r>
-          </a:p>
-        </p:txBody>
-      </p:sp>
-      <p:sp>
-        <p:nvSpPr>
-          <p:cNvPr id="9" name="Date Placeholder 8"/>
+          <p:cNvPr id="7" name="Date Placeholder 6"/>
           <p:cNvSpPr>
             <a:spLocks noGrp="1"/>
           </p:cNvSpPr>
@@ -47996,7 +48165,7 @@
       </p:sp>
       <p:sp>
         <p:nvSpPr>
-          <p:cNvPr id="10" name="Footer Placeholder 9"/>
+          <p:cNvPr id="8" name="Footer Placeholder 7"/>
           <p:cNvSpPr>
             <a:spLocks noGrp="1"/>
           </p:cNvSpPr>
@@ -48022,128 +48191,10 @@
           </a:p>
         </p:txBody>
       </p:sp>
-      <p:sp>
-        <p:nvSpPr>
-          <p:cNvPr id="7" name="TextBox 6"/>
-          <p:cNvSpPr txBox="1"/>
-          <p:nvPr/>
-        </p:nvSpPr>
-        <p:spPr>
-          <a:xfrm>
-            <a:off x="1024040" y="4725144"/>
-            <a:ext cx="6572296" cy="707886"/>
-          </a:xfrm>
-          <a:prstGeom prst="rect">
-            <a:avLst/>
-          </a:prstGeom>
-          <a:noFill/>
-        </p:spPr>
-        <p:txBody>
-          <a:bodyPr wrap="square" rtlCol="0">
-            <a:spAutoFit/>
-          </a:bodyPr>
-          <a:lstStyle/>
-          <a:p>
-            <a:pPr eaLnBrk="1" fontAlgn="auto" hangingPunct="1">
-              <a:spcBef>
-                <a:spcPts val="1200"/>
-              </a:spcBef>
-              <a:spcAft>
-                <a:spcPts val="0"/>
-              </a:spcAft>
-              <a:buClr>
-                <a:srgbClr val="727CA3"/>
-              </a:buClr>
-              <a:buSzPct val="76000"/>
-            </a:pPr>
-            <a:r>
-              <a:rPr lang="en-US" sz="2000" dirty="0" smtClean="0">
-                <a:solidFill>
-                  <a:srgbClr val="0000FF"/>
-                </a:solidFill>
-                <a:latin typeface="Courier New" pitchFamily="49" charset="0"/>
-                <a:ea typeface="Times New Roman"/>
-                <a:cs typeface="Times New Roman"/>
-              </a:rPr>
-              <a:t>import </a:t>
-            </a:r>
-            <a:r>
-              <a:rPr lang="en-US" sz="2000" dirty="0" smtClean="0">
-                <a:latin typeface="Courier New" pitchFamily="49" charset="0"/>
-                <a:ea typeface="Times New Roman"/>
-                <a:cs typeface="Times New Roman"/>
-              </a:rPr>
-              <a:t>i</a:t>
-            </a:r>
-            <a:r>
-              <a:rPr lang="en-US" sz="2000" dirty="0" err="1" smtClean="0">
-                <a:solidFill>
-                  <a:prstClr val="black"/>
-                </a:solidFill>
-                <a:latin typeface="Courier New" pitchFamily="49" charset="0"/>
-                <a:ea typeface="Times New Roman"/>
-                <a:cs typeface="Times New Roman"/>
-              </a:rPr>
-              <a:t>pdb</a:t>
-            </a:r>
-            <a:r>
-              <a:rPr lang="en-GB" sz="2000" dirty="0" smtClean="0">
-                <a:solidFill>
-                  <a:prstClr val="black"/>
-                </a:solidFill>
-                <a:latin typeface="Calibri"/>
-                <a:ea typeface="Times New Roman"/>
-                <a:cs typeface="Times New Roman"/>
-              </a:rPr>
-              <a:t>;</a:t>
-            </a:r>
-            <a:br>
-              <a:rPr lang="en-GB" sz="2000" dirty="0" smtClean="0">
-                <a:solidFill>
-                  <a:prstClr val="black"/>
-                </a:solidFill>
-                <a:latin typeface="Calibri"/>
-                <a:ea typeface="Times New Roman"/>
-                <a:cs typeface="Times New Roman"/>
-              </a:rPr>
-            </a:br>
-            <a:r>
-              <a:rPr lang="en-US" sz="2000" dirty="0" err="1" smtClean="0">
-                <a:solidFill>
-                  <a:prstClr val="black"/>
-                </a:solidFill>
-                <a:latin typeface="Courier New" pitchFamily="49" charset="0"/>
-                <a:ea typeface="Times New Roman"/>
-                <a:cs typeface="Times New Roman"/>
-              </a:rPr>
-              <a:t>ipdb.set_trace</a:t>
-            </a:r>
-            <a:r>
-              <a:rPr lang="en-US" sz="2000" dirty="0" smtClean="0">
-                <a:solidFill>
-                  <a:prstClr val="black"/>
-                </a:solidFill>
-                <a:latin typeface="Courier New" pitchFamily="49" charset="0"/>
-                <a:ea typeface="Times New Roman"/>
-                <a:cs typeface="Times New Roman"/>
-              </a:rPr>
-              <a:t>()</a:t>
-            </a:r>
-            <a:endParaRPr lang="en-US" sz="2000" dirty="0" smtClean="0">
-              <a:solidFill>
-                <a:srgbClr val="A9494D"/>
-              </a:solidFill>
-              <a:latin typeface="Courier New" pitchFamily="49" charset="0"/>
-              <a:ea typeface="Times New Roman"/>
-              <a:cs typeface="Times New Roman"/>
-            </a:endParaRPr>
-          </a:p>
-        </p:txBody>
-      </p:sp>
     </p:spTree>
     <p:extLst>
       <p:ext uri="{BB962C8B-B14F-4D97-AF65-F5344CB8AC3E}">
-        <p14:creationId xmlns:p14="http://schemas.microsoft.com/office/powerpoint/2010/main" val="1909710663"/>
+        <p14:creationId xmlns:p14="http://schemas.microsoft.com/office/powerpoint/2010/main" val="1040927012"/>
       </p:ext>
     </p:extLst>
   </p:cSld>
@@ -48325,9 +48376,9 @@
       </p:grpSpPr>
       <p:sp>
         <p:nvSpPr>
-          <p:cNvPr id="33794" name="Rectangle 2"/>
+          <p:cNvPr id="4" name="Title 3"/>
           <p:cNvSpPr>
-            <a:spLocks noGrp="1" noChangeArrowheads="1"/>
+            <a:spLocks noGrp="1"/>
           </p:cNvSpPr>
           <p:nvPr>
             <p:ph type="title"/>
@@ -48339,25 +48390,17 @@
           <a:lstStyle/>
           <a:p>
             <a:r>
-              <a:rPr lang="en-GB" dirty="0" smtClean="0"/>
-              <a:t>Entering the debugger from </a:t>
-            </a:r>
-            <a:r>
-              <a:rPr lang="en-GB" dirty="0" err="1" smtClean="0"/>
-              <a:t>ipython</a:t>
-            </a:r>
-            <a:endParaRPr lang="en-US" dirty="0">
-              <a:latin typeface="Courier New" pitchFamily="49" charset="0"/>
-              <a:cs typeface="Courier New" pitchFamily="49" charset="0"/>
-            </a:endParaRPr>
+              <a:rPr lang="en-US"/>
+              <a:t>Static checking</a:t>
+            </a:r>
           </a:p>
         </p:txBody>
       </p:sp>
       <p:sp>
         <p:nvSpPr>
-          <p:cNvPr id="33795" name="Rectangle 3"/>
+          <p:cNvPr id="5" name="Content Placeholder 4"/>
           <p:cNvSpPr>
-            <a:spLocks noGrp="1" noChangeArrowheads="1"/>
+            <a:spLocks noGrp="1"/>
           </p:cNvSpPr>
           <p:nvPr>
             <p:ph sz="quarter" idx="1"/>
@@ -48368,89 +48411,67 @@
           <a:bodyPr/>
           <a:lstStyle/>
           <a:p>
-            <a:r>
-              <a:rPr lang="en-US" sz="2800" dirty="0"/>
-              <a:t>From </a:t>
-            </a:r>
-            <a:r>
-              <a:rPr lang="en-US" sz="2800" dirty="0" err="1"/>
-              <a:t>ipython</a:t>
-            </a:r>
-            <a:r>
-              <a:rPr lang="en-US" sz="2800" dirty="0" smtClean="0"/>
-              <a:t>:</a:t>
-            </a:r>
-            <a:r>
-              <a:rPr lang="en-US" dirty="0" smtClean="0"/>
-              <a:t/>
-            </a:r>
-            <a:br>
-              <a:rPr lang="en-US" dirty="0" smtClean="0"/>
-            </a:br>
-            <a:r>
-              <a:rPr lang="en-US" sz="2400" dirty="0" smtClean="0">
-                <a:latin typeface="Courier New" pitchFamily="49" charset="0"/>
-                <a:cs typeface="Courier New" pitchFamily="49" charset="0"/>
-              </a:rPr>
-              <a:t>%</a:t>
-            </a:r>
-            <a:r>
-              <a:rPr lang="en-US" sz="2400" dirty="0" err="1" smtClean="0">
-                <a:latin typeface="Courier New" pitchFamily="49" charset="0"/>
-                <a:cs typeface="Courier New" pitchFamily="49" charset="0"/>
-              </a:rPr>
-              <a:t>pdb</a:t>
-            </a:r>
-            <a:r>
-              <a:rPr lang="en-US" sz="2400" dirty="0" smtClean="0">
-                <a:cs typeface="Courier New" pitchFamily="49" charset="0"/>
-              </a:rPr>
-              <a:t> – preventive</a:t>
-            </a:r>
-            <a:r>
-              <a:rPr lang="en-US" sz="2400" dirty="0" smtClean="0">
-                <a:latin typeface="Courier New" pitchFamily="49" charset="0"/>
-                <a:cs typeface="Courier New" pitchFamily="49" charset="0"/>
-              </a:rPr>
-              <a:t/>
-            </a:r>
-            <a:br>
-              <a:rPr lang="en-US" sz="2400" dirty="0" smtClean="0">
-                <a:latin typeface="Courier New" pitchFamily="49" charset="0"/>
-                <a:cs typeface="Courier New" pitchFamily="49" charset="0"/>
-              </a:rPr>
-            </a:br>
-            <a:r>
-              <a:rPr lang="en-US" sz="2400" dirty="0" smtClean="0">
-                <a:latin typeface="Courier New" pitchFamily="49" charset="0"/>
-                <a:cs typeface="Courier New" pitchFamily="49" charset="0"/>
-              </a:rPr>
-              <a:t>%debug</a:t>
-            </a:r>
-            <a:r>
-              <a:rPr lang="en-US" sz="2400" dirty="0" smtClean="0">
-                <a:cs typeface="Courier New" pitchFamily="49" charset="0"/>
-              </a:rPr>
-              <a:t> – post-mortem</a:t>
-            </a:r>
-          </a:p>
-          <a:p>
-            <a:endParaRPr lang="en-US" dirty="0">
-              <a:latin typeface="Courier New" pitchFamily="49" charset="0"/>
-              <a:cs typeface="Courier New" pitchFamily="49" charset="0"/>
-            </a:endParaRPr>
-          </a:p>
-          <a:p>
-            <a:endParaRPr lang="en-US" sz="2400" dirty="0" smtClean="0">
-              <a:latin typeface="Courier New" pitchFamily="49" charset="0"/>
-              <a:cs typeface="Courier New" pitchFamily="49" charset="0"/>
-            </a:endParaRPr>
+            <a:pPr marL="0" indent="0">
+              <a:buNone/>
+            </a:pPr>
+            <a:r>
+              <a:rPr lang="en-US"/>
+              <a:t>One of the problems with debugging in Python is that most bugs only appear when the code executes.</a:t>
+            </a:r>
+          </a:p>
+          <a:p>
+            <a:pPr marL="0" indent="0">
+              <a:buNone/>
+            </a:pPr>
+            <a:r>
+              <a:rPr lang="en-US"/>
+              <a:t>“Static checking” tools analyze the code without executing it.</a:t>
+            </a:r>
+          </a:p>
+          <a:p>
+            <a:r>
+              <a:rPr lang="en-US">
+                <a:latin typeface="Courier New"/>
+                <a:cs typeface="Courier New"/>
+              </a:rPr>
+              <a:t>pep8</a:t>
+            </a:r>
+            <a:r>
+              <a:rPr lang="en-US"/>
+              <a:t>: check that the style of the files is compatible with PEP8</a:t>
+            </a:r>
+          </a:p>
+          <a:p>
+            <a:r>
+              <a:rPr lang="en-US">
+                <a:latin typeface="Courier New"/>
+                <a:cs typeface="Courier New"/>
+              </a:rPr>
+              <a:t>pyflakes</a:t>
+            </a:r>
+            <a:r>
+              <a:rPr lang="en-US"/>
+              <a:t>: look for errors like defined but unused variables, undefined names, etc.</a:t>
+            </a:r>
+          </a:p>
+          <a:p>
+            <a:r>
+              <a:rPr lang="en-US">
+                <a:latin typeface="Courier New"/>
+                <a:cs typeface="Courier New"/>
+              </a:rPr>
+              <a:t>flake8</a:t>
+            </a:r>
+            <a:r>
+              <a:rPr lang="en-US"/>
+              <a:t>: pep8 and pyflakes in a single, handy command</a:t>
+            </a:r>
           </a:p>
         </p:txBody>
       </p:sp>
       <p:sp>
         <p:nvSpPr>
-          <p:cNvPr id="7" name="Date Placeholder 6"/>
+          <p:cNvPr id="2" name="Date Placeholder 1"/>
           <p:cNvSpPr>
             <a:spLocks noGrp="1"/>
           </p:cNvSpPr>
@@ -48458,12 +48479,7 @@
             <p:ph type="dt" sz="half" idx="10"/>
           </p:nvPr>
         </p:nvSpPr>
-        <p:spPr>
-          <a:xfrm>
-            <a:off x="6400800" y="6356350"/>
-            <a:ext cx="2289048" cy="365760"/>
-          </a:xfrm>
-        </p:spPr>
+        <p:spPr/>
         <p:txBody>
           <a:bodyPr/>
           <a:lstStyle/>
@@ -48478,7 +48494,7 @@
       </p:sp>
       <p:sp>
         <p:nvSpPr>
-          <p:cNvPr id="8" name="Footer Placeholder 7"/>
+          <p:cNvPr id="3" name="Footer Placeholder 2"/>
           <p:cNvSpPr>
             <a:spLocks noGrp="1"/>
           </p:cNvSpPr>
@@ -48486,12 +48502,7 @@
             <p:ph type="ftr" sz="quarter" idx="11"/>
           </p:nvPr>
         </p:nvSpPr>
-        <p:spPr>
-          <a:xfrm>
-            <a:off x="2898648" y="6356350"/>
-            <a:ext cx="3505200" cy="365760"/>
-          </a:xfrm>
-        </p:spPr>
+        <p:spPr/>
         <p:txBody>
           <a:bodyPr/>
           <a:lstStyle/>
@@ -48507,7 +48518,7 @@
     </p:spTree>
     <p:extLst>
       <p:ext uri="{BB962C8B-B14F-4D97-AF65-F5344CB8AC3E}">
-        <p14:creationId xmlns:p14="http://schemas.microsoft.com/office/powerpoint/2010/main" val="1040927012"/>
+        <p14:creationId xmlns:p14="http://schemas.microsoft.com/office/powerpoint/2010/main" val="3526052389"/>
       </p:ext>
     </p:extLst>
   </p:cSld>
@@ -48543,184 +48554,6 @@
       </p:grpSpPr>
       <p:sp>
         <p:nvSpPr>
-          <p:cNvPr id="4" name="Title 3"/>
-          <p:cNvSpPr>
-            <a:spLocks noGrp="1"/>
-          </p:cNvSpPr>
-          <p:nvPr>
-            <p:ph type="title"/>
-          </p:nvPr>
-        </p:nvSpPr>
-        <p:spPr/>
-        <p:txBody>
-          <a:bodyPr/>
-          <a:lstStyle/>
-          <a:p>
-            <a:r>
-              <a:rPr lang="en-US"/>
-              <a:t>Static checking</a:t>
-            </a:r>
-          </a:p>
-        </p:txBody>
-      </p:sp>
-      <p:sp>
-        <p:nvSpPr>
-          <p:cNvPr id="5" name="Content Placeholder 4"/>
-          <p:cNvSpPr>
-            <a:spLocks noGrp="1"/>
-          </p:cNvSpPr>
-          <p:nvPr>
-            <p:ph sz="quarter" idx="1"/>
-          </p:nvPr>
-        </p:nvSpPr>
-        <p:spPr/>
-        <p:txBody>
-          <a:bodyPr/>
-          <a:lstStyle/>
-          <a:p>
-            <a:pPr marL="0" indent="0">
-              <a:buNone/>
-            </a:pPr>
-            <a:r>
-              <a:rPr lang="en-US"/>
-              <a:t>One of the problems with debugging in Python is that most bugs only appear when the code executes.</a:t>
-            </a:r>
-          </a:p>
-          <a:p>
-            <a:pPr marL="0" indent="0">
-              <a:buNone/>
-            </a:pPr>
-            <a:r>
-              <a:rPr lang="en-US"/>
-              <a:t>“Static checking” tools analyze the code without executing it.</a:t>
-            </a:r>
-          </a:p>
-          <a:p>
-            <a:r>
-              <a:rPr lang="en-US">
-                <a:latin typeface="Courier New"/>
-                <a:cs typeface="Courier New"/>
-              </a:rPr>
-              <a:t>pep8</a:t>
-            </a:r>
-            <a:r>
-              <a:rPr lang="en-US"/>
-              <a:t>: check that the style of the files is compatible with PEP8</a:t>
-            </a:r>
-          </a:p>
-          <a:p>
-            <a:r>
-              <a:rPr lang="en-US">
-                <a:latin typeface="Courier New"/>
-                <a:cs typeface="Courier New"/>
-              </a:rPr>
-              <a:t>pyflakes</a:t>
-            </a:r>
-            <a:r>
-              <a:rPr lang="en-US"/>
-              <a:t>: look for errors like defined but unused variables, undefined names, etc.</a:t>
-            </a:r>
-          </a:p>
-          <a:p>
-            <a:r>
-              <a:rPr lang="en-US">
-                <a:latin typeface="Courier New"/>
-                <a:cs typeface="Courier New"/>
-              </a:rPr>
-              <a:t>flake8</a:t>
-            </a:r>
-            <a:r>
-              <a:rPr lang="en-US"/>
-              <a:t>: pep8 and pyflakes in a single, handy command</a:t>
-            </a:r>
-          </a:p>
-        </p:txBody>
-      </p:sp>
-      <p:sp>
-        <p:nvSpPr>
-          <p:cNvPr id="2" name="Date Placeholder 1"/>
-          <p:cNvSpPr>
-            <a:spLocks noGrp="1"/>
-          </p:cNvSpPr>
-          <p:nvPr>
-            <p:ph type="dt" sz="half" idx="10"/>
-          </p:nvPr>
-        </p:nvSpPr>
-        <p:spPr/>
-        <p:txBody>
-          <a:bodyPr/>
-          <a:lstStyle/>
-          <a:p>
-            <a:r>
-              <a:rPr lang="en-US" smtClean="0"/>
-              <a:t>Pietro Berkes, Sept 2016</a:t>
-            </a:r>
-            <a:endParaRPr lang="en-US"/>
-          </a:p>
-        </p:txBody>
-      </p:sp>
-      <p:sp>
-        <p:nvSpPr>
-          <p:cNvPr id="3" name="Footer Placeholder 2"/>
-          <p:cNvSpPr>
-            <a:spLocks noGrp="1"/>
-          </p:cNvSpPr>
-          <p:nvPr>
-            <p:ph type="ftr" sz="quarter" idx="11"/>
-          </p:nvPr>
-        </p:nvSpPr>
-        <p:spPr/>
-        <p:txBody>
-          <a:bodyPr/>
-          <a:lstStyle/>
-          <a:p>
-            <a:r>
-              <a:rPr lang="en-US" smtClean="0"/>
-              <a:t>Testing, debugging, profiling</a:t>
-            </a:r>
-            <a:endParaRPr lang="en-US"/>
-          </a:p>
-        </p:txBody>
-      </p:sp>
-    </p:spTree>
-    <p:extLst>
-      <p:ext uri="{BB962C8B-B14F-4D97-AF65-F5344CB8AC3E}">
-        <p14:creationId xmlns:p14="http://schemas.microsoft.com/office/powerpoint/2010/main" val="3526052389"/>
-      </p:ext>
-    </p:extLst>
-  </p:cSld>
-  <p:clrMapOvr>
-    <a:masterClrMapping/>
-  </p:clrMapOvr>
-  <p:timing>
-    <p:tnLst>
-      <p:par>
-        <p:cTn xmlns:p14="http://schemas.microsoft.com/office/powerpoint/2010/main" id="1" dur="indefinite" restart="never" nodeType="tmRoot"/>
-      </p:par>
-    </p:tnLst>
-  </p:timing>
-</p:sld>
-</file>
-
-<file path=ppt/slides/slide72.xml><?xml version="1.0" encoding="utf-8"?>
-<p:sld xmlns:a="http://schemas.openxmlformats.org/drawingml/2006/main" xmlns:r="http://schemas.openxmlformats.org/officeDocument/2006/relationships" xmlns:p="http://schemas.openxmlformats.org/presentationml/2006/main">
-  <p:cSld>
-    <p:spTree>
-      <p:nvGrpSpPr>
-        <p:cNvPr id="1" name=""/>
-        <p:cNvGrpSpPr/>
-        <p:nvPr/>
-      </p:nvGrpSpPr>
-      <p:grpSpPr>
-        <a:xfrm>
-          <a:off x="0" y="0"/>
-          <a:ext cx="0" cy="0"/>
-          <a:chOff x="0" y="0"/>
-          <a:chExt cx="0" cy="0"/>
-        </a:xfrm>
-      </p:grpSpPr>
-      <p:sp>
-        <p:nvSpPr>
           <p:cNvPr id="2" name="Title 1"/>
           <p:cNvSpPr>
             <a:spLocks noGrp="1"/>
@@ -48829,7 +48662,7 @@
 </p:sld>
 </file>
 
-<file path=ppt/slides/slide73.xml><?xml version="1.0" encoding="utf-8"?>
+<file path=ppt/slides/slide72.xml><?xml version="1.0" encoding="utf-8"?>
 <p:sld xmlns:a="http://schemas.openxmlformats.org/drawingml/2006/main" xmlns:r="http://schemas.openxmlformats.org/officeDocument/2006/relationships" xmlns:p="http://schemas.openxmlformats.org/presentationml/2006/main">
   <p:cSld>
     <p:spTree>
@@ -49001,6 +48834,154 @@
 </p:sld>
 </file>
 
+<file path=ppt/slides/slide73.xml><?xml version="1.0" encoding="utf-8"?>
+<p:sld xmlns:a="http://schemas.openxmlformats.org/drawingml/2006/main" xmlns:r="http://schemas.openxmlformats.org/officeDocument/2006/relationships" xmlns:p="http://schemas.openxmlformats.org/presentationml/2006/main">
+  <p:cSld>
+    <p:spTree>
+      <p:nvGrpSpPr>
+        <p:cNvPr id="1" name=""/>
+        <p:cNvGrpSpPr/>
+        <p:nvPr/>
+      </p:nvGrpSpPr>
+      <p:grpSpPr>
+        <a:xfrm>
+          <a:off x="0" y="0"/>
+          <a:ext cx="0" cy="0"/>
+          <a:chOff x="0" y="0"/>
+          <a:chExt cx="0" cy="0"/>
+        </a:xfrm>
+      </p:grpSpPr>
+      <p:sp>
+        <p:nvSpPr>
+          <p:cNvPr id="2" name="Title 1"/>
+          <p:cNvSpPr>
+            <a:spLocks noGrp="1"/>
+          </p:cNvSpPr>
+          <p:nvPr>
+            <p:ph type="title"/>
+          </p:nvPr>
+        </p:nvSpPr>
+        <p:spPr/>
+        <p:txBody>
+          <a:bodyPr/>
+          <a:lstStyle/>
+          <a:p>
+            <a:r>
+              <a:rPr lang="en-GB" dirty="0" smtClean="0"/>
+              <a:t>Final thoughts</a:t>
+            </a:r>
+            <a:endParaRPr lang="en-GB" dirty="0"/>
+          </a:p>
+        </p:txBody>
+      </p:sp>
+      <p:sp>
+        <p:nvSpPr>
+          <p:cNvPr id="3" name="Content Placeholder 2"/>
+          <p:cNvSpPr>
+            <a:spLocks noGrp="1"/>
+          </p:cNvSpPr>
+          <p:nvPr>
+            <p:ph sz="quarter" idx="1"/>
+          </p:nvPr>
+        </p:nvSpPr>
+        <p:spPr/>
+        <p:txBody>
+          <a:bodyPr>
+            <a:normAutofit/>
+          </a:bodyPr>
+          <a:lstStyle/>
+          <a:p>
+            <a:r>
+              <a:rPr lang="en-GB" dirty="0"/>
+              <a:t>Good programming practices, with testing in the front line, will help you becoming confident about your results, and efficient at navigating your research project</a:t>
+            </a:r>
+            <a:endParaRPr lang="en-GB" dirty="0" smtClean="0"/>
+          </a:p>
+          <a:p>
+            <a:endParaRPr lang="en-GB" dirty="0" smtClean="0"/>
+          </a:p>
+          <a:p>
+            <a:r>
+              <a:rPr lang="en-US" dirty="0"/>
+              <a:t>For maximum efficiency, check out how these tools can be integrated with your editor / IDE</a:t>
+            </a:r>
+          </a:p>
+          <a:p>
+            <a:endParaRPr lang="en-GB" dirty="0" smtClean="0"/>
+          </a:p>
+        </p:txBody>
+      </p:sp>
+      <p:sp>
+        <p:nvSpPr>
+          <p:cNvPr id="9" name="Footer Placeholder 8"/>
+          <p:cNvSpPr>
+            <a:spLocks noGrp="1"/>
+          </p:cNvSpPr>
+          <p:nvPr>
+            <p:ph type="ftr" sz="quarter" idx="11"/>
+          </p:nvPr>
+        </p:nvSpPr>
+        <p:spPr>
+          <a:xfrm>
+            <a:off x="2898648" y="6356350"/>
+            <a:ext cx="3505200" cy="365760"/>
+          </a:xfrm>
+        </p:spPr>
+        <p:txBody>
+          <a:bodyPr/>
+          <a:lstStyle/>
+          <a:p>
+            <a:r>
+              <a:rPr lang="en-US" smtClean="0"/>
+              <a:t>Testing, debugging, profiling</a:t>
+            </a:r>
+            <a:endParaRPr lang="en-US"/>
+          </a:p>
+        </p:txBody>
+      </p:sp>
+      <p:sp>
+        <p:nvSpPr>
+          <p:cNvPr id="4" name="Date Placeholder 3"/>
+          <p:cNvSpPr>
+            <a:spLocks noGrp="1"/>
+          </p:cNvSpPr>
+          <p:nvPr>
+            <p:ph type="dt" sz="half" idx="10"/>
+          </p:nvPr>
+        </p:nvSpPr>
+        <p:spPr/>
+        <p:txBody>
+          <a:bodyPr/>
+          <a:lstStyle/>
+          <a:p>
+            <a:r>
+              <a:rPr lang="en-US" smtClean="0"/>
+              <a:t>Pietro Berkes, Sept 2016</a:t>
+            </a:r>
+            <a:endParaRPr lang="en-US"/>
+          </a:p>
+        </p:txBody>
+      </p:sp>
+    </p:spTree>
+    <p:extLst>
+      <p:ext uri="{BB962C8B-B14F-4D97-AF65-F5344CB8AC3E}">
+        <p14:creationId xmlns:p14="http://schemas.microsoft.com/office/powerpoint/2010/main" val="1969738961"/>
+      </p:ext>
+    </p:extLst>
+  </p:cSld>
+  <p:clrMapOvr>
+    <a:masterClrMapping/>
+  </p:clrMapOvr>
+  <p:timing>
+    <p:tnLst>
+      <p:par>
+        <p:cTn xmlns:p14="http://schemas.microsoft.com/office/powerpoint/2010/main" id="1" dur="indefinite" restart="never" nodeType="tmRoot"/>
+      </p:par>
+    </p:tnLst>
+  </p:timing>
+</p:sld>
+</file>
+
 <file path=ppt/slides/slide74.xml><?xml version="1.0" encoding="utf-8"?>
 <p:sld xmlns:a="http://schemas.openxmlformats.org/drawingml/2006/main" xmlns:r="http://schemas.openxmlformats.org/officeDocument/2006/relationships" xmlns:p="http://schemas.openxmlformats.org/presentationml/2006/main">
   <p:cSld>
@@ -49035,7 +49016,7 @@
           <a:p>
             <a:r>
               <a:rPr lang="en-GB" dirty="0" smtClean="0"/>
-              <a:t>Final thoughts</a:t>
+              <a:t>The End</a:t>
             </a:r>
             <a:endParaRPr lang="en-GB" dirty="0"/>
           </a:p>
@@ -49043,7 +49024,7 @@
       </p:sp>
       <p:sp>
         <p:nvSpPr>
-          <p:cNvPr id="3" name="Content Placeholder 2"/>
+          <p:cNvPr id="5" name="Content Placeholder 4"/>
           <p:cNvSpPr>
             <a:spLocks noGrp="1"/>
           </p:cNvSpPr>
@@ -49053,28 +49034,36 @@
         </p:nvSpPr>
         <p:spPr/>
         <p:txBody>
-          <a:bodyPr>
-            <a:normAutofit/>
-          </a:bodyPr>
+          <a:bodyPr/>
           <a:lstStyle/>
           <a:p>
             <a:r>
-              <a:rPr lang="en-GB" dirty="0"/>
-              <a:t>Good programming practices, with testing in the front line, will help you becoming confident about your results, and efficient at navigating your research project</a:t>
-            </a:r>
-            <a:endParaRPr lang="en-GB" dirty="0" smtClean="0"/>
-          </a:p>
-          <a:p>
-            <a:endParaRPr lang="en-GB" dirty="0" smtClean="0"/>
-          </a:p>
-          <a:p>
-            <a:r>
-              <a:rPr lang="en-US" dirty="0"/>
-              <a:t>For maximum efficiency, check out how these tools can be integrated with your editor / IDE</a:t>
-            </a:r>
-          </a:p>
-          <a:p>
-            <a:endParaRPr lang="en-GB" dirty="0" smtClean="0"/>
+              <a:rPr lang="en-US"/>
+              <a:t>Thank you!</a:t>
+            </a:r>
+          </a:p>
+        </p:txBody>
+      </p:sp>
+      <p:sp>
+        <p:nvSpPr>
+          <p:cNvPr id="8" name="Date Placeholder 7"/>
+          <p:cNvSpPr>
+            <a:spLocks noGrp="1"/>
+          </p:cNvSpPr>
+          <p:nvPr>
+            <p:ph type="dt" sz="half" idx="10"/>
+          </p:nvPr>
+        </p:nvSpPr>
+        <p:spPr/>
+        <p:txBody>
+          <a:bodyPr/>
+          <a:lstStyle/>
+          <a:p>
+            <a:r>
+              <a:rPr lang="en-US" smtClean="0"/>
+              <a:t>Pietro Berkes, Sept 2016</a:t>
+            </a:r>
+            <a:endParaRPr lang="en-US"/>
           </a:p>
         </p:txBody>
       </p:sp>
@@ -49088,34 +49077,6 @@
             <p:ph type="ftr" sz="quarter" idx="11"/>
           </p:nvPr>
         </p:nvSpPr>
-        <p:spPr>
-          <a:xfrm>
-            <a:off x="2898648" y="6356350"/>
-            <a:ext cx="3505200" cy="365760"/>
-          </a:xfrm>
-        </p:spPr>
-        <p:txBody>
-          <a:bodyPr/>
-          <a:lstStyle/>
-          <a:p>
-            <a:r>
-              <a:rPr lang="en-US" smtClean="0"/>
-              <a:t>Testing, debugging, profiling</a:t>
-            </a:r>
-            <a:endParaRPr lang="en-US"/>
-          </a:p>
-        </p:txBody>
-      </p:sp>
-      <p:sp>
-        <p:nvSpPr>
-          <p:cNvPr id="4" name="Date Placeholder 3"/>
-          <p:cNvSpPr>
-            <a:spLocks noGrp="1"/>
-          </p:cNvSpPr>
-          <p:nvPr>
-            <p:ph type="dt" sz="half" idx="10"/>
-          </p:nvPr>
-        </p:nvSpPr>
         <p:spPr/>
         <p:txBody>
           <a:bodyPr/>
@@ -49123,18 +49084,13 @@
           <a:p>
             <a:r>
               <a:rPr lang="en-US" smtClean="0"/>
-              <a:t>Pietro Berkes, Sept 2016</a:t>
+              <a:t>Testing, debugging, profiling</a:t>
             </a:r>
             <a:endParaRPr lang="en-US"/>
           </a:p>
         </p:txBody>
       </p:sp>
     </p:spTree>
-    <p:extLst>
-      <p:ext uri="{BB962C8B-B14F-4D97-AF65-F5344CB8AC3E}">
-        <p14:creationId xmlns:p14="http://schemas.microsoft.com/office/powerpoint/2010/main" val="1969738961"/>
-      </p:ext>
-    </p:extLst>
   </p:cSld>
   <p:clrMapOvr>
     <a:masterClrMapping/>
@@ -49183,129 +49139,6 @@
           <a:p>
             <a:r>
               <a:rPr lang="en-GB" dirty="0" smtClean="0"/>
-              <a:t>The End</a:t>
-            </a:r>
-            <a:endParaRPr lang="en-GB" dirty="0"/>
-          </a:p>
-        </p:txBody>
-      </p:sp>
-      <p:sp>
-        <p:nvSpPr>
-          <p:cNvPr id="5" name="Content Placeholder 4"/>
-          <p:cNvSpPr>
-            <a:spLocks noGrp="1"/>
-          </p:cNvSpPr>
-          <p:nvPr>
-            <p:ph sz="quarter" idx="1"/>
-          </p:nvPr>
-        </p:nvSpPr>
-        <p:spPr/>
-        <p:txBody>
-          <a:bodyPr/>
-          <a:lstStyle/>
-          <a:p>
-            <a:r>
-              <a:rPr lang="en-US"/>
-              <a:t>Thank you!</a:t>
-            </a:r>
-          </a:p>
-        </p:txBody>
-      </p:sp>
-      <p:sp>
-        <p:nvSpPr>
-          <p:cNvPr id="8" name="Date Placeholder 7"/>
-          <p:cNvSpPr>
-            <a:spLocks noGrp="1"/>
-          </p:cNvSpPr>
-          <p:nvPr>
-            <p:ph type="dt" sz="half" idx="10"/>
-          </p:nvPr>
-        </p:nvSpPr>
-        <p:spPr/>
-        <p:txBody>
-          <a:bodyPr/>
-          <a:lstStyle/>
-          <a:p>
-            <a:r>
-              <a:rPr lang="en-US" smtClean="0"/>
-              <a:t>Pietro Berkes, Sept 2016</a:t>
-            </a:r>
-            <a:endParaRPr lang="en-US"/>
-          </a:p>
-        </p:txBody>
-      </p:sp>
-      <p:sp>
-        <p:nvSpPr>
-          <p:cNvPr id="9" name="Footer Placeholder 8"/>
-          <p:cNvSpPr>
-            <a:spLocks noGrp="1"/>
-          </p:cNvSpPr>
-          <p:nvPr>
-            <p:ph type="ftr" sz="quarter" idx="11"/>
-          </p:nvPr>
-        </p:nvSpPr>
-        <p:spPr/>
-        <p:txBody>
-          <a:bodyPr/>
-          <a:lstStyle/>
-          <a:p>
-            <a:r>
-              <a:rPr lang="en-US" smtClean="0"/>
-              <a:t>Testing, debugging, profiling</a:t>
-            </a:r>
-            <a:endParaRPr lang="en-US"/>
-          </a:p>
-        </p:txBody>
-      </p:sp>
-    </p:spTree>
-  </p:cSld>
-  <p:clrMapOvr>
-    <a:masterClrMapping/>
-  </p:clrMapOvr>
-  <p:timing>
-    <p:tnLst>
-      <p:par>
-        <p:cTn xmlns:p14="http://schemas.microsoft.com/office/powerpoint/2010/main" id="1" dur="indefinite" restart="never" nodeType="tmRoot"/>
-      </p:par>
-    </p:tnLst>
-  </p:timing>
-</p:sld>
-</file>
-
-<file path=ppt/slides/slide76.xml><?xml version="1.0" encoding="utf-8"?>
-<p:sld xmlns:a="http://schemas.openxmlformats.org/drawingml/2006/main" xmlns:r="http://schemas.openxmlformats.org/officeDocument/2006/relationships" xmlns:p="http://schemas.openxmlformats.org/presentationml/2006/main">
-  <p:cSld>
-    <p:spTree>
-      <p:nvGrpSpPr>
-        <p:cNvPr id="1" name=""/>
-        <p:cNvGrpSpPr/>
-        <p:nvPr/>
-      </p:nvGrpSpPr>
-      <p:grpSpPr>
-        <a:xfrm>
-          <a:off x="0" y="0"/>
-          <a:ext cx="0" cy="0"/>
-          <a:chOff x="0" y="0"/>
-          <a:chExt cx="0" cy="0"/>
-        </a:xfrm>
-      </p:grpSpPr>
-      <p:sp>
-        <p:nvSpPr>
-          <p:cNvPr id="2" name="Title 1"/>
-          <p:cNvSpPr>
-            <a:spLocks noGrp="1"/>
-          </p:cNvSpPr>
-          <p:nvPr>
-            <p:ph type="title"/>
-          </p:nvPr>
-        </p:nvSpPr>
-        <p:spPr/>
-        <p:txBody>
-          <a:bodyPr/>
-          <a:lstStyle/>
-          <a:p>
-            <a:r>
-              <a:rPr lang="en-GB" dirty="0" smtClean="0"/>
               <a:t>Exercises</a:t>
             </a:r>
             <a:endParaRPr lang="en-GB" dirty="0"/>
@@ -49378,7 +49211,7 @@
 </p:sld>
 </file>
 
-<file path=ppt/slides/slide77.xml><?xml version="1.0" encoding="utf-8"?>
+<file path=ppt/slides/slide76.xml><?xml version="1.0" encoding="utf-8"?>
 <p:sld xmlns:a="http://schemas.openxmlformats.org/drawingml/2006/main" xmlns:r="http://schemas.openxmlformats.org/officeDocument/2006/relationships" xmlns:p="http://schemas.openxmlformats.org/presentationml/2006/main">
   <p:cSld>
     <p:spTree>

--- a/testing-debugging-profiling.pptx
+++ b/testing-debugging-profiling.pptx
@@ -3672,8 +3672,8 @@
     <dgm:cxn modelId="{C3F663E8-CDBC-AD42-8445-A68824C7C674}" type="presOf" srcId="{D8FC48C4-469B-40DC-950F-ABA168836D34}" destId="{3725F2C1-AA1D-49A3-9D73-9D444D08CE71}" srcOrd="0" destOrd="0" presId="urn:microsoft.com/office/officeart/2005/8/layout/process2"/>
     <dgm:cxn modelId="{0F95B477-3571-3442-BE80-0888F825957B}" srcId="{47AA4630-B738-4650-913F-7378CC40D312}" destId="{E188BD28-8BF3-DF4E-89B0-D0D9BDDAD858}" srcOrd="0" destOrd="0" parTransId="{36E39B49-FFE1-4141-AC7D-DEC0690E85F8}" sibTransId="{7764EA43-B182-BC4F-BCDA-333200F918B8}"/>
     <dgm:cxn modelId="{C9026A74-F1DD-E146-9422-19412D77C7FA}" type="presOf" srcId="{04BB66AA-DBE2-4BFD-A94E-A31165187E75}" destId="{E202264D-36A3-408A-9050-7FBD30D2645C}" srcOrd="0" destOrd="0" presId="urn:microsoft.com/office/officeart/2005/8/layout/process2"/>
+    <dgm:cxn modelId="{CE2432D2-047D-C84F-BE85-931E49079978}" type="presOf" srcId="{EFB1699C-C280-416C-B6B3-B9CB2E52EAA1}" destId="{B2BEE0C4-D8B2-432A-8CB1-C2162205DCA3}" srcOrd="1" destOrd="0" presId="urn:microsoft.com/office/officeart/2005/8/layout/process2"/>
     <dgm:cxn modelId="{B9ADBC9D-82F2-364C-83D5-7EEEA8E21DB6}" type="presOf" srcId="{96BC0EEB-57F0-4267-86F0-4EA98B40D230}" destId="{C45FEE31-6BF1-4E83-9497-1224D8F07991}" srcOrd="0" destOrd="0" presId="urn:microsoft.com/office/officeart/2005/8/layout/process2"/>
-    <dgm:cxn modelId="{CE2432D2-047D-C84F-BE85-931E49079978}" type="presOf" srcId="{EFB1699C-C280-416C-B6B3-B9CB2E52EAA1}" destId="{B2BEE0C4-D8B2-432A-8CB1-C2162205DCA3}" srcOrd="1" destOrd="0" presId="urn:microsoft.com/office/officeart/2005/8/layout/process2"/>
     <dgm:cxn modelId="{8B1827B0-24B7-EE47-8D05-143F23981B45}" type="presOf" srcId="{6CD60870-D228-4E7C-AB37-75604251742A}" destId="{3FA6B472-D1F3-409B-BF18-F1310278CB78}" srcOrd="0" destOrd="0" presId="urn:microsoft.com/office/officeart/2005/8/layout/process2"/>
     <dgm:cxn modelId="{165AE32A-34E6-4032-86AF-87A045F8F59C}" srcId="{47AA4630-B738-4650-913F-7378CC40D312}" destId="{D8FC48C4-469B-40DC-950F-ABA168836D34}" srcOrd="3" destOrd="0" parTransId="{3B29C759-9861-4F5A-9C39-84993FBBD849}" sibTransId="{CB49FD0C-9B39-4860-B781-669D9FC3FB40}"/>
     <dgm:cxn modelId="{F77116B4-48FE-C046-9571-D046EADCF564}" type="presOf" srcId="{97DB59AD-8506-4A74-BB78-BA533F4FB10F}" destId="{87C32DCB-D7CA-425A-A14D-DC1B34BAA990}" srcOrd="0" destOrd="0" presId="urn:microsoft.com/office/officeart/2005/8/layout/process2"/>
@@ -4282,24 +4282,24 @@
   </dgm:ptLst>
   <dgm:cxnLst>
     <dgm:cxn modelId="{8747F884-7CA4-413D-AFAC-DD5CAE19DDA5}" srcId="{47AA4630-B738-4650-913F-7378CC40D312}" destId="{6CD60870-D228-4E7C-AB37-75604251742A}" srcOrd="2" destOrd="0" parTransId="{75E4D45F-C716-48A2-8E57-584BA67C4566}" sibTransId="{04BB66AA-DBE2-4BFD-A94E-A31165187E75}"/>
+    <dgm:cxn modelId="{D502F2CB-B89C-E34F-A6DF-89B1A25FEDE7}" type="presOf" srcId="{D8FC48C4-469B-40DC-950F-ABA168836D34}" destId="{3725F2C1-AA1D-49A3-9D73-9D444D08CE71}" srcOrd="0" destOrd="0" presId="urn:microsoft.com/office/officeart/2005/8/layout/process2"/>
     <dgm:cxn modelId="{B9FDB916-0E3A-45DF-B817-B4FF0DF0DD0F}" srcId="{47AA4630-B738-4650-913F-7378CC40D312}" destId="{96BC0EEB-57F0-4267-86F0-4EA98B40D230}" srcOrd="4" destOrd="0" parTransId="{A57BE1BC-E807-47AE-8640-A3F276768BED}" sibTransId="{062036D4-7094-47BF-9BE9-A58B2E6A4D41}"/>
-    <dgm:cxn modelId="{D502F2CB-B89C-E34F-A6DF-89B1A25FEDE7}" type="presOf" srcId="{D8FC48C4-469B-40DC-950F-ABA168836D34}" destId="{3725F2C1-AA1D-49A3-9D73-9D444D08CE71}" srcOrd="0" destOrd="0" presId="urn:microsoft.com/office/officeart/2005/8/layout/process2"/>
+    <dgm:cxn modelId="{1B5D7B5E-5E25-644F-BB4B-F1E7896D0731}" type="presOf" srcId="{97DB59AD-8506-4A74-BB78-BA533F4FB10F}" destId="{87C32DCB-D7CA-425A-A14D-DC1B34BAA990}" srcOrd="0" destOrd="0" presId="urn:microsoft.com/office/officeart/2005/8/layout/process2"/>
+    <dgm:cxn modelId="{D086F928-FE0E-4B47-8C13-5FF4984C9F9C}" type="presOf" srcId="{EFB1699C-C280-416C-B6B3-B9CB2E52EAA1}" destId="{143F6140-E7F1-4CCF-A9B1-524762512517}" srcOrd="0" destOrd="0" presId="urn:microsoft.com/office/officeart/2005/8/layout/process2"/>
+    <dgm:cxn modelId="{B8E8490A-B09C-734B-A716-413F24EA4012}" type="presOf" srcId="{EFB1699C-C280-416C-B6B3-B9CB2E52EAA1}" destId="{B2BEE0C4-D8B2-432A-8CB1-C2162205DCA3}" srcOrd="1" destOrd="0" presId="urn:microsoft.com/office/officeart/2005/8/layout/process2"/>
+    <dgm:cxn modelId="{9D8E6E91-508B-E540-99ED-C0D4895B5537}" type="presOf" srcId="{CB49FD0C-9B39-4860-B781-669D9FC3FB40}" destId="{B4CC5E68-BD20-49EE-86FA-E08541A3FE12}" srcOrd="0" destOrd="0" presId="urn:microsoft.com/office/officeart/2005/8/layout/process2"/>
+    <dgm:cxn modelId="{29DFC02F-6195-3043-8F91-015C50C4CEAE}" type="presOf" srcId="{7764EA43-B182-BC4F-BCDA-333200F918B8}" destId="{5EB7E61C-215B-AD45-8738-514EF8F5F4E5}" srcOrd="1" destOrd="0" presId="urn:microsoft.com/office/officeart/2005/8/layout/process2"/>
+    <dgm:cxn modelId="{F91E15A7-C24F-4D74-8B1A-D7C0021B8888}" srcId="{47AA4630-B738-4650-913F-7378CC40D312}" destId="{97DB59AD-8506-4A74-BB78-BA533F4FB10F}" srcOrd="1" destOrd="0" parTransId="{E5F038C7-DBC4-490A-AAFB-6D151F9C0538}" sibTransId="{EFB1699C-C280-416C-B6B3-B9CB2E52EAA1}"/>
+    <dgm:cxn modelId="{9C518300-8071-B04B-8A6B-F7BFA0AC4999}" type="presOf" srcId="{7764EA43-B182-BC4F-BCDA-333200F918B8}" destId="{66533B70-8731-2345-9B98-5A7A7F80153B}" srcOrd="0" destOrd="0" presId="urn:microsoft.com/office/officeart/2005/8/layout/process2"/>
+    <dgm:cxn modelId="{FF83F153-2D58-2E4E-B3E7-2B6600349125}" type="presOf" srcId="{04BB66AA-DBE2-4BFD-A94E-A31165187E75}" destId="{E3B3E849-56D6-49C5-932E-7B5B0F9F195C}" srcOrd="1" destOrd="0" presId="urn:microsoft.com/office/officeart/2005/8/layout/process2"/>
+    <dgm:cxn modelId="{0F95B477-3571-3442-BE80-0888F825957B}" srcId="{47AA4630-B738-4650-913F-7378CC40D312}" destId="{E188BD28-8BF3-DF4E-89B0-D0D9BDDAD858}" srcOrd="0" destOrd="0" parTransId="{36E39B49-FFE1-4141-AC7D-DEC0690E85F8}" sibTransId="{7764EA43-B182-BC4F-BCDA-333200F918B8}"/>
+    <dgm:cxn modelId="{3F4C1D19-41C5-5C46-AB27-79D2FA146B21}" type="presOf" srcId="{E188BD28-8BF3-DF4E-89B0-D0D9BDDAD858}" destId="{8B185A30-22C7-6840-8D3E-58B36EE38549}" srcOrd="0" destOrd="0" presId="urn:microsoft.com/office/officeart/2005/8/layout/process2"/>
+    <dgm:cxn modelId="{298F934D-0BC7-3B4B-8998-C29A1E2FA2F5}" type="presOf" srcId="{CB49FD0C-9B39-4860-B781-669D9FC3FB40}" destId="{BD1FA95E-C45B-4671-BBAB-95DCE436E052}" srcOrd="1" destOrd="0" presId="urn:microsoft.com/office/officeart/2005/8/layout/process2"/>
+    <dgm:cxn modelId="{4F77C843-7170-FB42-AD56-04C07B5BA200}" type="presOf" srcId="{96BC0EEB-57F0-4267-86F0-4EA98B40D230}" destId="{C45FEE31-6BF1-4E83-9497-1224D8F07991}" srcOrd="0" destOrd="0" presId="urn:microsoft.com/office/officeart/2005/8/layout/process2"/>
+    <dgm:cxn modelId="{165AE32A-34E6-4032-86AF-87A045F8F59C}" srcId="{47AA4630-B738-4650-913F-7378CC40D312}" destId="{D8FC48C4-469B-40DC-950F-ABA168836D34}" srcOrd="3" destOrd="0" parTransId="{3B29C759-9861-4F5A-9C39-84993FBBD849}" sibTransId="{CB49FD0C-9B39-4860-B781-669D9FC3FB40}"/>
     <dgm:cxn modelId="{CF6FC7B7-1ABC-5A44-B057-88C52247DFDB}" type="presOf" srcId="{6CD60870-D228-4E7C-AB37-75604251742A}" destId="{3FA6B472-D1F3-409B-BF18-F1310278CB78}" srcOrd="0" destOrd="0" presId="urn:microsoft.com/office/officeart/2005/8/layout/process2"/>
-    <dgm:cxn modelId="{0F95B477-3571-3442-BE80-0888F825957B}" srcId="{47AA4630-B738-4650-913F-7378CC40D312}" destId="{E188BD28-8BF3-DF4E-89B0-D0D9BDDAD858}" srcOrd="0" destOrd="0" parTransId="{36E39B49-FFE1-4141-AC7D-DEC0690E85F8}" sibTransId="{7764EA43-B182-BC4F-BCDA-333200F918B8}"/>
+    <dgm:cxn modelId="{9ED44D31-D359-7A48-807F-414B7B57652D}" type="presOf" srcId="{47AA4630-B738-4650-913F-7378CC40D312}" destId="{7A234B30-A436-41B7-96D9-05CCC2F7ADDC}" srcOrd="0" destOrd="0" presId="urn:microsoft.com/office/officeart/2005/8/layout/process2"/>
     <dgm:cxn modelId="{FA0C0E2A-C034-524E-B609-3005A3507C7A}" type="presOf" srcId="{04BB66AA-DBE2-4BFD-A94E-A31165187E75}" destId="{E202264D-36A3-408A-9050-7FBD30D2645C}" srcOrd="0" destOrd="0" presId="urn:microsoft.com/office/officeart/2005/8/layout/process2"/>
-    <dgm:cxn modelId="{298F934D-0BC7-3B4B-8998-C29A1E2FA2F5}" type="presOf" srcId="{CB49FD0C-9B39-4860-B781-669D9FC3FB40}" destId="{BD1FA95E-C45B-4671-BBAB-95DCE436E052}" srcOrd="1" destOrd="0" presId="urn:microsoft.com/office/officeart/2005/8/layout/process2"/>
-    <dgm:cxn modelId="{29DFC02F-6195-3043-8F91-015C50C4CEAE}" type="presOf" srcId="{7764EA43-B182-BC4F-BCDA-333200F918B8}" destId="{5EB7E61C-215B-AD45-8738-514EF8F5F4E5}" srcOrd="1" destOrd="0" presId="urn:microsoft.com/office/officeart/2005/8/layout/process2"/>
-    <dgm:cxn modelId="{3F4C1D19-41C5-5C46-AB27-79D2FA146B21}" type="presOf" srcId="{E188BD28-8BF3-DF4E-89B0-D0D9BDDAD858}" destId="{8B185A30-22C7-6840-8D3E-58B36EE38549}" srcOrd="0" destOrd="0" presId="urn:microsoft.com/office/officeart/2005/8/layout/process2"/>
-    <dgm:cxn modelId="{165AE32A-34E6-4032-86AF-87A045F8F59C}" srcId="{47AA4630-B738-4650-913F-7378CC40D312}" destId="{D8FC48C4-469B-40DC-950F-ABA168836D34}" srcOrd="3" destOrd="0" parTransId="{3B29C759-9861-4F5A-9C39-84993FBBD849}" sibTransId="{CB49FD0C-9B39-4860-B781-669D9FC3FB40}"/>
-    <dgm:cxn modelId="{D086F928-FE0E-4B47-8C13-5FF4984C9F9C}" type="presOf" srcId="{EFB1699C-C280-416C-B6B3-B9CB2E52EAA1}" destId="{143F6140-E7F1-4CCF-A9B1-524762512517}" srcOrd="0" destOrd="0" presId="urn:microsoft.com/office/officeart/2005/8/layout/process2"/>
-    <dgm:cxn modelId="{FF83F153-2D58-2E4E-B3E7-2B6600349125}" type="presOf" srcId="{04BB66AA-DBE2-4BFD-A94E-A31165187E75}" destId="{E3B3E849-56D6-49C5-932E-7B5B0F9F195C}" srcOrd="1" destOrd="0" presId="urn:microsoft.com/office/officeart/2005/8/layout/process2"/>
-    <dgm:cxn modelId="{B8E8490A-B09C-734B-A716-413F24EA4012}" type="presOf" srcId="{EFB1699C-C280-416C-B6B3-B9CB2E52EAA1}" destId="{B2BEE0C4-D8B2-432A-8CB1-C2162205DCA3}" srcOrd="1" destOrd="0" presId="urn:microsoft.com/office/officeart/2005/8/layout/process2"/>
-    <dgm:cxn modelId="{F91E15A7-C24F-4D74-8B1A-D7C0021B8888}" srcId="{47AA4630-B738-4650-913F-7378CC40D312}" destId="{97DB59AD-8506-4A74-BB78-BA533F4FB10F}" srcOrd="1" destOrd="0" parTransId="{E5F038C7-DBC4-490A-AAFB-6D151F9C0538}" sibTransId="{EFB1699C-C280-416C-B6B3-B9CB2E52EAA1}"/>
-    <dgm:cxn modelId="{4F77C843-7170-FB42-AD56-04C07B5BA200}" type="presOf" srcId="{96BC0EEB-57F0-4267-86F0-4EA98B40D230}" destId="{C45FEE31-6BF1-4E83-9497-1224D8F07991}" srcOrd="0" destOrd="0" presId="urn:microsoft.com/office/officeart/2005/8/layout/process2"/>
-    <dgm:cxn modelId="{9D8E6E91-508B-E540-99ED-C0D4895B5537}" type="presOf" srcId="{CB49FD0C-9B39-4860-B781-669D9FC3FB40}" destId="{B4CC5E68-BD20-49EE-86FA-E08541A3FE12}" srcOrd="0" destOrd="0" presId="urn:microsoft.com/office/officeart/2005/8/layout/process2"/>
-    <dgm:cxn modelId="{9ED44D31-D359-7A48-807F-414B7B57652D}" type="presOf" srcId="{47AA4630-B738-4650-913F-7378CC40D312}" destId="{7A234B30-A436-41B7-96D9-05CCC2F7ADDC}" srcOrd="0" destOrd="0" presId="urn:microsoft.com/office/officeart/2005/8/layout/process2"/>
-    <dgm:cxn modelId="{1B5D7B5E-5E25-644F-BB4B-F1E7896D0731}" type="presOf" srcId="{97DB59AD-8506-4A74-BB78-BA533F4FB10F}" destId="{87C32DCB-D7CA-425A-A14D-DC1B34BAA990}" srcOrd="0" destOrd="0" presId="urn:microsoft.com/office/officeart/2005/8/layout/process2"/>
-    <dgm:cxn modelId="{9C518300-8071-B04B-8A6B-F7BFA0AC4999}" type="presOf" srcId="{7764EA43-B182-BC4F-BCDA-333200F918B8}" destId="{66533B70-8731-2345-9B98-5A7A7F80153B}" srcOrd="0" destOrd="0" presId="urn:microsoft.com/office/officeart/2005/8/layout/process2"/>
     <dgm:cxn modelId="{D10CBB14-61D0-5A4C-9A50-E26F9C5EB347}" type="presParOf" srcId="{7A234B30-A436-41B7-96D9-05CCC2F7ADDC}" destId="{8B185A30-22C7-6840-8D3E-58B36EE38549}" srcOrd="0" destOrd="0" presId="urn:microsoft.com/office/officeart/2005/8/layout/process2"/>
     <dgm:cxn modelId="{8FE40D00-E814-1443-BEB0-B3CC291F595A}" type="presParOf" srcId="{7A234B30-A436-41B7-96D9-05CCC2F7ADDC}" destId="{66533B70-8731-2345-9B98-5A7A7F80153B}" srcOrd="1" destOrd="0" presId="urn:microsoft.com/office/officeart/2005/8/layout/process2"/>
     <dgm:cxn modelId="{A24DEC56-1878-E64B-9D73-E456A25FB8B9}" type="presParOf" srcId="{66533B70-8731-2345-9B98-5A7A7F80153B}" destId="{5EB7E61C-215B-AD45-8738-514EF8F5F4E5}" srcOrd="0" destOrd="0" presId="urn:microsoft.com/office/officeart/2005/8/layout/process2"/>
@@ -4879,24 +4879,24 @@
   </dgm:ptLst>
   <dgm:cxnLst>
     <dgm:cxn modelId="{8747F884-7CA4-413D-AFAC-DD5CAE19DDA5}" srcId="{47AA4630-B738-4650-913F-7378CC40D312}" destId="{6CD60870-D228-4E7C-AB37-75604251742A}" srcOrd="2" destOrd="0" parTransId="{75E4D45F-C716-48A2-8E57-584BA67C4566}" sibTransId="{04BB66AA-DBE2-4BFD-A94E-A31165187E75}"/>
+    <dgm:cxn modelId="{9DCAD1AE-AE8F-C542-993A-46832AD7E3F7}" type="presOf" srcId="{04BB66AA-DBE2-4BFD-A94E-A31165187E75}" destId="{E3B3E849-56D6-49C5-932E-7B5B0F9F195C}" srcOrd="1" destOrd="0" presId="urn:microsoft.com/office/officeart/2005/8/layout/process2"/>
     <dgm:cxn modelId="{B9FDB916-0E3A-45DF-B817-B4FF0DF0DD0F}" srcId="{47AA4630-B738-4650-913F-7378CC40D312}" destId="{96BC0EEB-57F0-4267-86F0-4EA98B40D230}" srcOrd="4" destOrd="0" parTransId="{A57BE1BC-E807-47AE-8640-A3F276768BED}" sibTransId="{062036D4-7094-47BF-9BE9-A58B2E6A4D41}"/>
+    <dgm:cxn modelId="{6689F0B5-F6D2-6146-A3CC-16A7F09ECD95}" type="presOf" srcId="{97DB59AD-8506-4A74-BB78-BA533F4FB10F}" destId="{87C32DCB-D7CA-425A-A14D-DC1B34BAA990}" srcOrd="0" destOrd="0" presId="urn:microsoft.com/office/officeart/2005/8/layout/process2"/>
+    <dgm:cxn modelId="{EB39C2AD-FD57-5049-B098-258DD88E7496}" type="presOf" srcId="{04BB66AA-DBE2-4BFD-A94E-A31165187E75}" destId="{E202264D-36A3-408A-9050-7FBD30D2645C}" srcOrd="0" destOrd="0" presId="urn:microsoft.com/office/officeart/2005/8/layout/process2"/>
+    <dgm:cxn modelId="{0F95B477-3571-3442-BE80-0888F825957B}" srcId="{47AA4630-B738-4650-913F-7378CC40D312}" destId="{E188BD28-8BF3-DF4E-89B0-D0D9BDDAD858}" srcOrd="0" destOrd="0" parTransId="{36E39B49-FFE1-4141-AC7D-DEC0690E85F8}" sibTransId="{7764EA43-B182-BC4F-BCDA-333200F918B8}"/>
     <dgm:cxn modelId="{F4F8E3FF-6FD5-6745-A94E-2A3A6F209DFF}" type="presOf" srcId="{CB49FD0C-9B39-4860-B781-669D9FC3FB40}" destId="{BD1FA95E-C45B-4671-BBAB-95DCE436E052}" srcOrd="1" destOrd="0" presId="urn:microsoft.com/office/officeart/2005/8/layout/process2"/>
+    <dgm:cxn modelId="{E40B25C4-5FF1-D246-9715-8E798430839E}" type="presOf" srcId="{7764EA43-B182-BC4F-BCDA-333200F918B8}" destId="{66533B70-8731-2345-9B98-5A7A7F80153B}" srcOrd="0" destOrd="0" presId="urn:microsoft.com/office/officeart/2005/8/layout/process2"/>
+    <dgm:cxn modelId="{165AE32A-34E6-4032-86AF-87A045F8F59C}" srcId="{47AA4630-B738-4650-913F-7378CC40D312}" destId="{D8FC48C4-469B-40DC-950F-ABA168836D34}" srcOrd="3" destOrd="0" parTransId="{3B29C759-9861-4F5A-9C39-84993FBBD849}" sibTransId="{CB49FD0C-9B39-4860-B781-669D9FC3FB40}"/>
+    <dgm:cxn modelId="{258E6188-D24E-5243-86FE-FF33A3DEEA39}" type="presOf" srcId="{7764EA43-B182-BC4F-BCDA-333200F918B8}" destId="{5EB7E61C-215B-AD45-8738-514EF8F5F4E5}" srcOrd="1" destOrd="0" presId="urn:microsoft.com/office/officeart/2005/8/layout/process2"/>
+    <dgm:cxn modelId="{3E1261D4-078C-EE4B-AFC6-897F3D5D71BD}" type="presOf" srcId="{EFB1699C-C280-416C-B6B3-B9CB2E52EAA1}" destId="{B2BEE0C4-D8B2-432A-8CB1-C2162205DCA3}" srcOrd="1" destOrd="0" presId="urn:microsoft.com/office/officeart/2005/8/layout/process2"/>
+    <dgm:cxn modelId="{2D0ABAC6-DA91-8D46-B554-E9457DCF3A92}" type="presOf" srcId="{47AA4630-B738-4650-913F-7378CC40D312}" destId="{7A234B30-A436-41B7-96D9-05CCC2F7ADDC}" srcOrd="0" destOrd="0" presId="urn:microsoft.com/office/officeart/2005/8/layout/process2"/>
+    <dgm:cxn modelId="{D365E894-A5EB-1247-B4AA-97AE89C3B6F1}" type="presOf" srcId="{EFB1699C-C280-416C-B6B3-B9CB2E52EAA1}" destId="{143F6140-E7F1-4CCF-A9B1-524762512517}" srcOrd="0" destOrd="0" presId="urn:microsoft.com/office/officeart/2005/8/layout/process2"/>
+    <dgm:cxn modelId="{F91E15A7-C24F-4D74-8B1A-D7C0021B8888}" srcId="{47AA4630-B738-4650-913F-7378CC40D312}" destId="{97DB59AD-8506-4A74-BB78-BA533F4FB10F}" srcOrd="1" destOrd="0" parTransId="{E5F038C7-DBC4-490A-AAFB-6D151F9C0538}" sibTransId="{EFB1699C-C280-416C-B6B3-B9CB2E52EAA1}"/>
+    <dgm:cxn modelId="{9DF0477C-A764-8B4F-B772-DEA08EF5B2B1}" type="presOf" srcId="{D8FC48C4-469B-40DC-950F-ABA168836D34}" destId="{3725F2C1-AA1D-49A3-9D73-9D444D08CE71}" srcOrd="0" destOrd="0" presId="urn:microsoft.com/office/officeart/2005/8/layout/process2"/>
+    <dgm:cxn modelId="{26575D07-F418-0F47-847E-EB1CD13E562B}" type="presOf" srcId="{96BC0EEB-57F0-4267-86F0-4EA98B40D230}" destId="{C45FEE31-6BF1-4E83-9497-1224D8F07991}" srcOrd="0" destOrd="0" presId="urn:microsoft.com/office/officeart/2005/8/layout/process2"/>
     <dgm:cxn modelId="{0E210A85-09CF-AA45-A9A9-05D250FD2536}" type="presOf" srcId="{E188BD28-8BF3-DF4E-89B0-D0D9BDDAD858}" destId="{8B185A30-22C7-6840-8D3E-58B36EE38549}" srcOrd="0" destOrd="0" presId="urn:microsoft.com/office/officeart/2005/8/layout/process2"/>
-    <dgm:cxn modelId="{F91E15A7-C24F-4D74-8B1A-D7C0021B8888}" srcId="{47AA4630-B738-4650-913F-7378CC40D312}" destId="{97DB59AD-8506-4A74-BB78-BA533F4FB10F}" srcOrd="1" destOrd="0" parTransId="{E5F038C7-DBC4-490A-AAFB-6D151F9C0538}" sibTransId="{EFB1699C-C280-416C-B6B3-B9CB2E52EAA1}"/>
+    <dgm:cxn modelId="{33D39394-D06E-3C45-A948-C1FD1F42BE5D}" type="presOf" srcId="{6CD60870-D228-4E7C-AB37-75604251742A}" destId="{3FA6B472-D1F3-409B-BF18-F1310278CB78}" srcOrd="0" destOrd="0" presId="urn:microsoft.com/office/officeart/2005/8/layout/process2"/>
     <dgm:cxn modelId="{53D6E192-6B91-4748-A7C9-998CF3DA9B64}" type="presOf" srcId="{CB49FD0C-9B39-4860-B781-669D9FC3FB40}" destId="{B4CC5E68-BD20-49EE-86FA-E08541A3FE12}" srcOrd="0" destOrd="0" presId="urn:microsoft.com/office/officeart/2005/8/layout/process2"/>
-    <dgm:cxn modelId="{E40B25C4-5FF1-D246-9715-8E798430839E}" type="presOf" srcId="{7764EA43-B182-BC4F-BCDA-333200F918B8}" destId="{66533B70-8731-2345-9B98-5A7A7F80153B}" srcOrd="0" destOrd="0" presId="urn:microsoft.com/office/officeart/2005/8/layout/process2"/>
-    <dgm:cxn modelId="{0F95B477-3571-3442-BE80-0888F825957B}" srcId="{47AA4630-B738-4650-913F-7378CC40D312}" destId="{E188BD28-8BF3-DF4E-89B0-D0D9BDDAD858}" srcOrd="0" destOrd="0" parTransId="{36E39B49-FFE1-4141-AC7D-DEC0690E85F8}" sibTransId="{7764EA43-B182-BC4F-BCDA-333200F918B8}"/>
-    <dgm:cxn modelId="{2D0ABAC6-DA91-8D46-B554-E9457DCF3A92}" type="presOf" srcId="{47AA4630-B738-4650-913F-7378CC40D312}" destId="{7A234B30-A436-41B7-96D9-05CCC2F7ADDC}" srcOrd="0" destOrd="0" presId="urn:microsoft.com/office/officeart/2005/8/layout/process2"/>
-    <dgm:cxn modelId="{3E1261D4-078C-EE4B-AFC6-897F3D5D71BD}" type="presOf" srcId="{EFB1699C-C280-416C-B6B3-B9CB2E52EAA1}" destId="{B2BEE0C4-D8B2-432A-8CB1-C2162205DCA3}" srcOrd="1" destOrd="0" presId="urn:microsoft.com/office/officeart/2005/8/layout/process2"/>
-    <dgm:cxn modelId="{EB39C2AD-FD57-5049-B098-258DD88E7496}" type="presOf" srcId="{04BB66AA-DBE2-4BFD-A94E-A31165187E75}" destId="{E202264D-36A3-408A-9050-7FBD30D2645C}" srcOrd="0" destOrd="0" presId="urn:microsoft.com/office/officeart/2005/8/layout/process2"/>
-    <dgm:cxn modelId="{165AE32A-34E6-4032-86AF-87A045F8F59C}" srcId="{47AA4630-B738-4650-913F-7378CC40D312}" destId="{D8FC48C4-469B-40DC-950F-ABA168836D34}" srcOrd="3" destOrd="0" parTransId="{3B29C759-9861-4F5A-9C39-84993FBBD849}" sibTransId="{CB49FD0C-9B39-4860-B781-669D9FC3FB40}"/>
-    <dgm:cxn modelId="{9DF0477C-A764-8B4F-B772-DEA08EF5B2B1}" type="presOf" srcId="{D8FC48C4-469B-40DC-950F-ABA168836D34}" destId="{3725F2C1-AA1D-49A3-9D73-9D444D08CE71}" srcOrd="0" destOrd="0" presId="urn:microsoft.com/office/officeart/2005/8/layout/process2"/>
-    <dgm:cxn modelId="{33D39394-D06E-3C45-A948-C1FD1F42BE5D}" type="presOf" srcId="{6CD60870-D228-4E7C-AB37-75604251742A}" destId="{3FA6B472-D1F3-409B-BF18-F1310278CB78}" srcOrd="0" destOrd="0" presId="urn:microsoft.com/office/officeart/2005/8/layout/process2"/>
-    <dgm:cxn modelId="{D365E894-A5EB-1247-B4AA-97AE89C3B6F1}" type="presOf" srcId="{EFB1699C-C280-416C-B6B3-B9CB2E52EAA1}" destId="{143F6140-E7F1-4CCF-A9B1-524762512517}" srcOrd="0" destOrd="0" presId="urn:microsoft.com/office/officeart/2005/8/layout/process2"/>
-    <dgm:cxn modelId="{6689F0B5-F6D2-6146-A3CC-16A7F09ECD95}" type="presOf" srcId="{97DB59AD-8506-4A74-BB78-BA533F4FB10F}" destId="{87C32DCB-D7CA-425A-A14D-DC1B34BAA990}" srcOrd="0" destOrd="0" presId="urn:microsoft.com/office/officeart/2005/8/layout/process2"/>
-    <dgm:cxn modelId="{26575D07-F418-0F47-847E-EB1CD13E562B}" type="presOf" srcId="{96BC0EEB-57F0-4267-86F0-4EA98B40D230}" destId="{C45FEE31-6BF1-4E83-9497-1224D8F07991}" srcOrd="0" destOrd="0" presId="urn:microsoft.com/office/officeart/2005/8/layout/process2"/>
-    <dgm:cxn modelId="{9DCAD1AE-AE8F-C542-993A-46832AD7E3F7}" type="presOf" srcId="{04BB66AA-DBE2-4BFD-A94E-A31165187E75}" destId="{E3B3E849-56D6-49C5-932E-7B5B0F9F195C}" srcOrd="1" destOrd="0" presId="urn:microsoft.com/office/officeart/2005/8/layout/process2"/>
-    <dgm:cxn modelId="{258E6188-D24E-5243-86FE-FF33A3DEEA39}" type="presOf" srcId="{7764EA43-B182-BC4F-BCDA-333200F918B8}" destId="{5EB7E61C-215B-AD45-8738-514EF8F5F4E5}" srcOrd="1" destOrd="0" presId="urn:microsoft.com/office/officeart/2005/8/layout/process2"/>
     <dgm:cxn modelId="{15EAEB83-C41B-5C48-9F6E-3898263890BB}" type="presParOf" srcId="{7A234B30-A436-41B7-96D9-05CCC2F7ADDC}" destId="{8B185A30-22C7-6840-8D3E-58B36EE38549}" srcOrd="0" destOrd="0" presId="urn:microsoft.com/office/officeart/2005/8/layout/process2"/>
     <dgm:cxn modelId="{D84D3A96-F045-B440-B21D-D8AE917A4A87}" type="presParOf" srcId="{7A234B30-A436-41B7-96D9-05CCC2F7ADDC}" destId="{66533B70-8731-2345-9B98-5A7A7F80153B}" srcOrd="1" destOrd="0" presId="urn:microsoft.com/office/officeart/2005/8/layout/process2"/>
     <dgm:cxn modelId="{7AFF4E44-A8A0-B346-A202-3F879C6FDA04}" type="presParOf" srcId="{66533B70-8731-2345-9B98-5A7A7F80153B}" destId="{5EB7E61C-215B-AD45-8738-514EF8F5F4E5}" srcOrd="0" destOrd="0" presId="urn:microsoft.com/office/officeart/2005/8/layout/process2"/>
@@ -11217,7 +11217,7 @@
             <a:fld id="{80AC11AF-147E-0A48-A5B0-8DA858D84551}" type="datetimeFigureOut">
               <a:rPr lang="en-US" smtClean="0"/>
               <a:pPr/>
-              <a:t>03/10/16</a:t>
+              <a:t>04/10/16</a:t>
             </a:fld>
             <a:endParaRPr lang="en-US"/>
           </a:p>
@@ -22140,8 +22140,8 @@
         </p:nvSpPr>
         <p:spPr>
           <a:xfrm>
-            <a:off x="6012160" y="2420888"/>
-            <a:ext cx="1869976" cy="415498"/>
+            <a:off x="6012160" y="2276872"/>
+            <a:ext cx="1869976" cy="738664"/>
           </a:xfrm>
           <a:prstGeom prst="rect">
             <a:avLst/>
@@ -22160,6 +22160,15 @@
                 <a:cs typeface="Courier New" pitchFamily="49" charset="0"/>
               </a:rPr>
               <a:t>py.test</a:t>
+            </a:r>
+          </a:p>
+          <a:p>
+            <a:r>
+              <a:rPr lang="en-US" sz="2100" dirty="0" err="1">
+                <a:latin typeface="Courier New" pitchFamily="49" charset="0"/>
+                <a:cs typeface="Courier New" pitchFamily="49" charset="0"/>
+              </a:rPr>
+              <a:t>mock</a:t>
             </a:r>
             <a:endParaRPr lang="en-US" sz="2100" dirty="0" smtClean="0">
               <a:latin typeface="Courier New" pitchFamily="49" charset="0"/>
@@ -31312,7 +31321,7 @@
         <p:spPr>
           <a:xfrm>
             <a:off x="971600" y="2276872"/>
-            <a:ext cx="7162800" cy="2677656"/>
+            <a:ext cx="7162800" cy="3323987"/>
           </a:xfrm>
           <a:prstGeom prst="rect">
             <a:avLst/>
@@ -31690,7 +31699,7 @@
                 <a:latin typeface="Courier New"/>
                 <a:cs typeface="Courier New"/>
               </a:rPr>
-              <a:t>''</a:t>
+              <a:t>’’</a:t>
             </a:r>
             <a:r>
               <a:rPr lang="en-US" sz="1400">
@@ -31755,7 +31764,7 @@
                 <a:latin typeface="Courier New"/>
                 <a:cs typeface="Courier New"/>
               </a:rPr>
-              <a:t>(string, expected):</a:t>
+              <a:t>(string, expected, msg):</a:t>
             </a:r>
             <a:br>
               <a:rPr lang="en-US" sz="1400">
@@ -31820,6 +31829,38 @@
                 <a:cs typeface="Courier New"/>
               </a:rPr>
               <a:t> output == expected</a:t>
+            </a:r>
+          </a:p>
+          <a:p>
+            <a:endParaRPr lang="en-US" sz="1400">
+              <a:solidFill>
+                <a:srgbClr val="000000"/>
+              </a:solidFill>
+              <a:latin typeface="Courier New"/>
+              <a:cs typeface="Courier New"/>
+            </a:endParaRPr>
+          </a:p>
+          <a:p>
+            <a:endParaRPr lang="en-US" sz="1400">
+              <a:solidFill>
+                <a:srgbClr val="000000"/>
+              </a:solidFill>
+              <a:effectLst/>
+              <a:latin typeface="Courier New"/>
+              <a:cs typeface="Courier New"/>
+            </a:endParaRPr>
+          </a:p>
+          <a:p>
+            <a:r>
+              <a:rPr lang="en-US" sz="1400">
+                <a:solidFill>
+                  <a:srgbClr val="000000"/>
+                </a:solidFill>
+                <a:effectLst/>
+                <a:latin typeface="Courier New"/>
+                <a:cs typeface="Courier New"/>
+              </a:rPr>
+              <a:t/>
             </a:r>
             <a:br>
               <a:rPr lang="en-US" sz="1400">
@@ -49489,7 +49530,6 @@
               <a:rPr lang="en-US"/>
               <a:t> flags to True</a:t>
             </a:r>
-            <a:endParaRPr lang="en-US"/>
           </a:p>
           <a:p>
             <a:pPr marL="731520" lvl="1" indent="-457200">
@@ -49524,13 +49564,7 @@
               <a:rPr lang="en-US">
                 <a:cs typeface="Courier New"/>
               </a:rPr>
-              <a:t>Theano will print out a profiling report when script exists,</a:t>
-            </a:r>
-            <a:r>
-              <a:rPr lang="en-US">
-                <a:cs typeface="Courier New"/>
-              </a:rPr>
-              <a:t> or upon request:</a:t>
+              <a:t>Theano will print out a profiling report when script exists, or upon request:</a:t>
             </a:r>
             <a:br>
               <a:rPr lang="en-US">
@@ -49544,10 +49578,6 @@
               </a:rPr>
               <a:t>func.profile.summary()</a:t>
             </a:r>
-            <a:endParaRPr lang="en-US">
-              <a:latin typeface="Courier New"/>
-              <a:cs typeface="Courier New"/>
-            </a:endParaRPr>
           </a:p>
         </p:txBody>
       </p:sp>
@@ -49820,7 +49850,6 @@
               <a:rPr lang="en-US" dirty="0"/>
               <a:t>Save your future self some trouble</a:t>
             </a:r>
-            <a:endParaRPr lang="en-US" dirty="0"/>
           </a:p>
         </p:txBody>
       </p:sp>
@@ -50173,90 +50202,132 @@
           <a:lstStyle/>
           <a:p>
             <a:r>
-              <a:rPr lang="en-US"/>
+              <a:rPr lang="en-US" sz="2000">
+                <a:latin typeface="Courier New"/>
+                <a:cs typeface="Courier New"/>
+              </a:rPr>
               <a:t>root</a:t>
             </a:r>
           </a:p>
           <a:p>
             <a:pPr lvl="1"/>
             <a:r>
-              <a:rPr lang="en-US"/>
+              <a:rPr lang="en-US" sz="2000">
+                <a:latin typeface="Courier New"/>
+                <a:cs typeface="Courier New"/>
+              </a:rPr>
               <a:t>package</a:t>
             </a:r>
           </a:p>
           <a:p>
             <a:pPr lvl="2"/>
             <a:r>
-              <a:rPr lang="en-US"/>
+              <a:rPr lang="en-US">
+                <a:latin typeface="Courier New"/>
+                <a:cs typeface="Courier New"/>
+              </a:rPr>
               <a:t>__init__.py</a:t>
             </a:r>
           </a:p>
           <a:p>
             <a:pPr lvl="2"/>
             <a:r>
-              <a:rPr lang="en-US"/>
+              <a:rPr lang="en-US">
+                <a:latin typeface="Courier New"/>
+                <a:cs typeface="Courier New"/>
+              </a:rPr>
               <a:t>module1.py</a:t>
             </a:r>
           </a:p>
           <a:p>
             <a:pPr lvl="2"/>
             <a:r>
-              <a:rPr lang="en-US"/>
+              <a:rPr lang="en-US">
+                <a:latin typeface="Courier New"/>
+                <a:cs typeface="Courier New"/>
+              </a:rPr>
               <a:t>module2.py</a:t>
             </a:r>
           </a:p>
           <a:p>
             <a:pPr lvl="2"/>
             <a:r>
-              <a:rPr lang="en-US"/>
+              <a:rPr lang="en-US">
+                <a:latin typeface="Courier New"/>
+                <a:cs typeface="Courier New"/>
+              </a:rPr>
               <a:t>tests</a:t>
             </a:r>
           </a:p>
           <a:p>
             <a:pPr lvl="3"/>
             <a:r>
-              <a:rPr lang="en-US"/>
+              <a:rPr lang="en-US" sz="2000">
+                <a:latin typeface="Courier New"/>
+                <a:cs typeface="Courier New"/>
+              </a:rPr>
               <a:t>test_module1.py</a:t>
             </a:r>
           </a:p>
           <a:p>
             <a:pPr lvl="3"/>
             <a:r>
-              <a:rPr lang="en-US"/>
+              <a:rPr lang="en-US" sz="2000">
+                <a:latin typeface="Courier New"/>
+                <a:cs typeface="Courier New"/>
+              </a:rPr>
               <a:t>test_module2.py</a:t>
             </a:r>
           </a:p>
           <a:p>
             <a:pPr lvl="1"/>
             <a:r>
-              <a:rPr lang="en-US"/>
+              <a:rPr lang="en-US" sz="2000">
+                <a:latin typeface="Courier New"/>
+                <a:cs typeface="Courier New"/>
+              </a:rPr>
               <a:t>docs</a:t>
             </a:r>
           </a:p>
           <a:p>
             <a:pPr lvl="1"/>
             <a:r>
-              <a:rPr lang="en-US"/>
+              <a:rPr lang="en-US" sz="2000">
+                <a:latin typeface="Courier New"/>
+                <a:cs typeface="Courier New"/>
+              </a:rPr>
               <a:t>LICENSE.txt</a:t>
             </a:r>
           </a:p>
           <a:p>
             <a:pPr lvl="1"/>
             <a:r>
-              <a:rPr lang="en-US"/>
+              <a:rPr lang="en-US" sz="2000">
+                <a:latin typeface="Courier New"/>
+                <a:cs typeface="Courier New"/>
+              </a:rPr>
               <a:t>README.txt</a:t>
             </a:r>
           </a:p>
           <a:p>
             <a:pPr lvl="1"/>
             <a:r>
-              <a:rPr lang="en-US">
+              <a:rPr lang="en-US" sz="2000">
                 <a:solidFill>
                   <a:srgbClr val="FF0000"/>
                 </a:solidFill>
+                <a:latin typeface="Courier New"/>
+                <a:cs typeface="Courier New"/>
               </a:rPr>
               <a:t>setup.py</a:t>
             </a:r>
+            <a:endParaRPr lang="en-US" sz="1400">
+              <a:solidFill>
+                <a:srgbClr val="FF0000"/>
+              </a:solidFill>
+              <a:latin typeface="Courier New"/>
+              <a:cs typeface="Courier New"/>
+            </a:endParaRPr>
           </a:p>
         </p:txBody>
       </p:sp>

--- a/testing-debugging-profiling.pptx
+++ b/testing-debugging-profiling.pptx
@@ -5,10 +5,10 @@
     <p:sldMasterId id="2147483660" r:id="rId1"/>
   </p:sldMasterIdLst>
   <p:notesMasterIdLst>
-    <p:notesMasterId r:id="rId84"/>
+    <p:notesMasterId r:id="rId85"/>
   </p:notesMasterIdLst>
   <p:handoutMasterIdLst>
-    <p:handoutMasterId r:id="rId85"/>
+    <p:handoutMasterId r:id="rId86"/>
   </p:handoutMasterIdLst>
   <p:sldIdLst>
     <p:sldId id="273" r:id="rId2"/>
@@ -59,40 +59,41 @@
     <p:sldId id="319" r:id="rId47"/>
     <p:sldId id="316" r:id="rId48"/>
     <p:sldId id="306" r:id="rId49"/>
-    <p:sldId id="469" r:id="rId50"/>
-    <p:sldId id="494" r:id="rId51"/>
-    <p:sldId id="359" r:id="rId52"/>
-    <p:sldId id="381" r:id="rId53"/>
-    <p:sldId id="501" r:id="rId54"/>
-    <p:sldId id="430" r:id="rId55"/>
-    <p:sldId id="419" r:id="rId56"/>
-    <p:sldId id="464" r:id="rId57"/>
-    <p:sldId id="358" r:id="rId58"/>
-    <p:sldId id="275" r:id="rId59"/>
-    <p:sldId id="397" r:id="rId60"/>
-    <p:sldId id="453" r:id="rId61"/>
-    <p:sldId id="452" r:id="rId62"/>
-    <p:sldId id="284" r:id="rId63"/>
-    <p:sldId id="454" r:id="rId64"/>
-    <p:sldId id="390" r:id="rId65"/>
-    <p:sldId id="465" r:id="rId66"/>
-    <p:sldId id="493" r:id="rId67"/>
-    <p:sldId id="391" r:id="rId68"/>
-    <p:sldId id="468" r:id="rId69"/>
-    <p:sldId id="482" r:id="rId70"/>
-    <p:sldId id="483" r:id="rId71"/>
-    <p:sldId id="484" r:id="rId72"/>
-    <p:sldId id="485" r:id="rId73"/>
-    <p:sldId id="486" r:id="rId74"/>
-    <p:sldId id="487" r:id="rId75"/>
-    <p:sldId id="488" r:id="rId76"/>
-    <p:sldId id="489" r:id="rId77"/>
-    <p:sldId id="490" r:id="rId78"/>
-    <p:sldId id="355" r:id="rId79"/>
-    <p:sldId id="476" r:id="rId80"/>
-    <p:sldId id="288" r:id="rId81"/>
-    <p:sldId id="477" r:id="rId82"/>
-    <p:sldId id="298" r:id="rId83"/>
+    <p:sldId id="494" r:id="rId50"/>
+    <p:sldId id="504" r:id="rId51"/>
+    <p:sldId id="505" r:id="rId52"/>
+    <p:sldId id="359" r:id="rId53"/>
+    <p:sldId id="381" r:id="rId54"/>
+    <p:sldId id="501" r:id="rId55"/>
+    <p:sldId id="430" r:id="rId56"/>
+    <p:sldId id="419" r:id="rId57"/>
+    <p:sldId id="464" r:id="rId58"/>
+    <p:sldId id="358" r:id="rId59"/>
+    <p:sldId id="275" r:id="rId60"/>
+    <p:sldId id="397" r:id="rId61"/>
+    <p:sldId id="453" r:id="rId62"/>
+    <p:sldId id="452" r:id="rId63"/>
+    <p:sldId id="284" r:id="rId64"/>
+    <p:sldId id="454" r:id="rId65"/>
+    <p:sldId id="390" r:id="rId66"/>
+    <p:sldId id="465" r:id="rId67"/>
+    <p:sldId id="493" r:id="rId68"/>
+    <p:sldId id="391" r:id="rId69"/>
+    <p:sldId id="468" r:id="rId70"/>
+    <p:sldId id="482" r:id="rId71"/>
+    <p:sldId id="483" r:id="rId72"/>
+    <p:sldId id="484" r:id="rId73"/>
+    <p:sldId id="485" r:id="rId74"/>
+    <p:sldId id="486" r:id="rId75"/>
+    <p:sldId id="487" r:id="rId76"/>
+    <p:sldId id="488" r:id="rId77"/>
+    <p:sldId id="489" r:id="rId78"/>
+    <p:sldId id="490" r:id="rId79"/>
+    <p:sldId id="355" r:id="rId80"/>
+    <p:sldId id="476" r:id="rId81"/>
+    <p:sldId id="288" r:id="rId82"/>
+    <p:sldId id="477" r:id="rId83"/>
+    <p:sldId id="298" r:id="rId84"/>
   </p:sldIdLst>
   <p:sldSz cx="9144000" cy="6858000" type="screen4x3"/>
   <p:notesSz cx="6858000" cy="9144000"/>
@@ -274,8 +275,9 @@
             <p14:sldId id="319"/>
             <p14:sldId id="316"/>
             <p14:sldId id="306"/>
-            <p14:sldId id="469"/>
             <p14:sldId id="494"/>
+            <p14:sldId id="504"/>
+            <p14:sldId id="505"/>
             <p14:sldId id="359"/>
             <p14:sldId id="381"/>
             <p14:sldId id="501"/>
@@ -21338,7 +21340,7 @@
             <a:fld id="{99B30722-7DAA-4E93-8206-71F83E275281}" type="slidenum">
               <a:rPr lang="en-US"/>
               <a:pPr/>
-              <a:t>51</a:t>
+              <a:t>52</a:t>
             </a:fld>
             <a:endParaRPr lang="en-US"/>
           </a:p>
@@ -21425,7 +21427,7 @@
             <a:fld id="{5F378627-E3FE-44FD-B5FA-4582AC800163}" type="slidenum">
               <a:rPr lang="en-GB" smtClean="0"/>
               <a:pPr/>
-              <a:t>54</a:t>
+              <a:t>55</a:t>
             </a:fld>
             <a:endParaRPr lang="en-GB"/>
           </a:p>
@@ -21507,7 +21509,7 @@
             <a:fld id="{2E53EA59-0E76-47F3-BAE3-1CF23EB8E420}" type="slidenum">
               <a:rPr lang="en-US" smtClean="0"/>
               <a:pPr/>
-              <a:t>55</a:t>
+              <a:t>56</a:t>
             </a:fld>
             <a:endParaRPr lang="en-US"/>
           </a:p>
@@ -21589,7 +21591,7 @@
             <a:fld id="{99B30722-7DAA-4E93-8206-71F83E275281}" type="slidenum">
               <a:rPr lang="en-US" smtClean="0"/>
               <a:pPr/>
-              <a:t>58</a:t>
+              <a:t>59</a:t>
             </a:fld>
             <a:endParaRPr lang="en-US"/>
           </a:p>
@@ -21671,7 +21673,7 @@
             <a:fld id="{99B30722-7DAA-4E93-8206-71F83E275281}" type="slidenum">
               <a:rPr lang="en-US" smtClean="0"/>
               <a:pPr/>
-              <a:t>61</a:t>
+              <a:t>62</a:t>
             </a:fld>
             <a:endParaRPr lang="en-US"/>
           </a:p>
@@ -21769,7 +21771,7 @@
             <a:fld id="{99B30722-7DAA-4E93-8206-71F83E275281}" type="slidenum">
               <a:rPr lang="en-US" smtClean="0"/>
               <a:pPr/>
-              <a:t>62</a:t>
+              <a:t>63</a:t>
             </a:fld>
             <a:endParaRPr lang="en-US"/>
           </a:p>
@@ -21867,7 +21869,7 @@
             <a:fld id="{99B30722-7DAA-4E93-8206-71F83E275281}" type="slidenum">
               <a:rPr lang="en-US" smtClean="0"/>
               <a:pPr/>
-              <a:t>63</a:t>
+              <a:t>64</a:t>
             </a:fld>
             <a:endParaRPr lang="en-US"/>
           </a:p>
@@ -21968,7 +21970,7 @@
             <a:fld id="{99B30722-7DAA-4E93-8206-71F83E275281}" type="slidenum">
               <a:rPr lang="en-US"/>
               <a:pPr/>
-              <a:t>65</a:t>
+              <a:t>66</a:t>
             </a:fld>
             <a:endParaRPr lang="en-US"/>
           </a:p>
@@ -22055,7 +22057,7 @@
             <a:fld id="{5F378627-E3FE-44FD-B5FA-4582AC800163}" type="slidenum">
               <a:rPr lang="en-GB" smtClean="0"/>
               <a:pPr/>
-              <a:t>70</a:t>
+              <a:t>71</a:t>
             </a:fld>
             <a:endParaRPr lang="en-GB"/>
           </a:p>
@@ -22141,7 +22143,7 @@
             <a:fld id="{99B30722-7DAA-4E93-8206-71F83E275281}" type="slidenum">
               <a:rPr lang="en-US" smtClean="0"/>
               <a:pPr/>
-              <a:t>71</a:t>
+              <a:t>72</a:t>
             </a:fld>
             <a:endParaRPr lang="en-US"/>
           </a:p>
@@ -22354,7 +22356,7 @@
             <a:fld id="{99B30722-7DAA-4E93-8206-71F83E275281}" type="slidenum">
               <a:rPr lang="en-US"/>
               <a:pPr/>
-              <a:t>76</a:t>
+              <a:t>77</a:t>
             </a:fld>
             <a:endParaRPr lang="en-US"/>
           </a:p>
@@ -22439,7 +22441,7 @@
             <a:fld id="{99B30722-7DAA-4E93-8206-71F83E275281}" type="slidenum">
               <a:rPr lang="en-US" smtClean="0"/>
               <a:pPr/>
-              <a:t>78</a:t>
+              <a:t>79</a:t>
             </a:fld>
             <a:endParaRPr lang="en-US"/>
           </a:p>
@@ -29697,7 +29699,7 @@
             </a:r>
             <a:r>
               <a:rPr lang="en-US" sz="2000"/>
-              <a:t>whether that lead is a dead end, or worth pursuing. </a:t>
+              <a:t>whether that lead is a dead end, or worth continuing. </a:t>
             </a:r>
           </a:p>
           <a:p>
@@ -29710,7 +29712,7 @@
             </a:r>
             <a:r>
               <a:rPr lang="en-US" sz="2000" b="1"/>
-              <a:t>easily re-organize it and optimize it </a:t>
+              <a:t>easily re-organize and optimize it </a:t>
             </a:r>
             <a:r>
               <a:rPr lang="en-US" sz="2000"/>
@@ -29792,6 +29794,9 @@
               <a:ext uri="{BEBA8EAE-BF5A-486C-A8C5-ECC9F3942E4B}">
                 <a14:imgProps xmlns:a14="http://schemas.microsoft.com/office/drawing/2010/main">
                   <a14:imgLayer r:embed="rId3">
+                    <a14:imgEffect>
+                      <a14:saturation sat="200000"/>
+                    </a14:imgEffect>
                     <a14:imgEffect>
                       <a14:brightnessContrast contrast="-40000"/>
                     </a14:imgEffect>
@@ -34066,135 +34071,6 @@
           <a:chExt cx="0" cy="0"/>
         </a:xfrm>
       </p:grpSpPr>
-      <p:sp>
-        <p:nvSpPr>
-          <p:cNvPr id="2" name="Title 1"/>
-          <p:cNvSpPr>
-            <a:spLocks noGrp="1"/>
-          </p:cNvSpPr>
-          <p:nvPr>
-            <p:ph type="title"/>
-          </p:nvPr>
-        </p:nvSpPr>
-        <p:spPr/>
-        <p:txBody>
-          <a:bodyPr/>
-          <a:lstStyle/>
-          <a:p>
-            <a:r>
-              <a:rPr lang="en-US" dirty="0" smtClean="0"/>
-              <a:t>Reaching Enlightenment</a:t>
-            </a:r>
-            <a:endParaRPr lang="en-US" dirty="0"/>
-          </a:p>
-        </p:txBody>
-      </p:sp>
-      <p:sp>
-        <p:nvSpPr>
-          <p:cNvPr id="6" name="Content Placeholder 5"/>
-          <p:cNvSpPr>
-            <a:spLocks noGrp="1"/>
-          </p:cNvSpPr>
-          <p:nvPr>
-            <p:ph sz="quarter" idx="1"/>
-          </p:nvPr>
-        </p:nvSpPr>
-        <p:spPr/>
-        <p:txBody>
-          <a:bodyPr/>
-          <a:lstStyle/>
-          <a:p>
-            <a:r>
-              <a:rPr lang="en-US"/>
-              <a:t>How do we get to the blessed state of </a:t>
-            </a:r>
-            <a:r>
-              <a:rPr lang="en-US" b="1"/>
-              <a:t>confidence</a:t>
-            </a:r>
-            <a:r>
-              <a:rPr lang="en-US"/>
-              <a:t> and </a:t>
-            </a:r>
-            <a:r>
-              <a:rPr lang="en-US" b="1"/>
-              <a:t>efficiency</a:t>
-            </a:r>
-            <a:r>
-              <a:rPr lang="en-US"/>
-              <a:t>?</a:t>
-            </a:r>
-            <a:endParaRPr lang="en-US" dirty="0" smtClean="0"/>
-          </a:p>
-          <a:p>
-            <a:r>
-              <a:rPr lang="en-US" dirty="0" smtClean="0"/>
-              <a:t>Being a Python expert is not sufficient, good programming practices make a big difference</a:t>
-            </a:r>
-          </a:p>
-          <a:p>
-            <a:r>
-              <a:rPr lang="en-US" dirty="0" smtClean="0"/>
-              <a:t>We can learn a lot from the development </a:t>
-            </a:r>
-            <a:r>
-              <a:rPr lang="en-US" dirty="0"/>
-              <a:t>methods </a:t>
-            </a:r>
-            <a:r>
-              <a:rPr lang="en-US" dirty="0" smtClean="0"/>
-              <a:t>developed for commercial and open source software</a:t>
-            </a:r>
-            <a:endParaRPr lang="en-US" dirty="0"/>
-          </a:p>
-        </p:txBody>
-      </p:sp>
-      <p:sp>
-        <p:nvSpPr>
-          <p:cNvPr id="7" name="Date Placeholder 6"/>
-          <p:cNvSpPr>
-            <a:spLocks noGrp="1"/>
-          </p:cNvSpPr>
-          <p:nvPr>
-            <p:ph type="dt" sz="half" idx="10"/>
-          </p:nvPr>
-        </p:nvSpPr>
-        <p:spPr/>
-        <p:txBody>
-          <a:bodyPr/>
-          <a:lstStyle/>
-          <a:p>
-            <a:r>
-              <a:rPr lang="en-US" smtClean="0"/>
-              <a:t>Pietro Berkes, Aug 2017</a:t>
-            </a:r>
-            <a:endParaRPr lang="en-US"/>
-          </a:p>
-        </p:txBody>
-      </p:sp>
-      <p:sp>
-        <p:nvSpPr>
-          <p:cNvPr id="8" name="Footer Placeholder 7"/>
-          <p:cNvSpPr>
-            <a:spLocks noGrp="1"/>
-          </p:cNvSpPr>
-          <p:nvPr>
-            <p:ph type="ftr" sz="quarter" idx="11"/>
-          </p:nvPr>
-        </p:nvSpPr>
-        <p:spPr/>
-        <p:txBody>
-          <a:bodyPr/>
-          <a:lstStyle/>
-          <a:p>
-            <a:r>
-              <a:rPr lang="en-US" smtClean="0"/>
-              <a:t>Testing, debugging, profiling</a:t>
-            </a:r>
-            <a:endParaRPr lang="en-US"/>
-          </a:p>
-        </p:txBody>
-      </p:sp>
       <p:pic>
         <p:nvPicPr>
           <p:cNvPr id="3" name="Picture 2" descr="C3FD1E0E-5ACC-4052-86E9-322D60E78953.JPG"/>
@@ -34217,7 +34093,7 @@
         </p:blipFill>
         <p:spPr>
           <a:xfrm>
-            <a:off x="2977264" y="3900140"/>
+            <a:off x="5004048" y="4005064"/>
             <a:ext cx="3394936" cy="2265164"/>
           </a:xfrm>
           <a:prstGeom prst="ellipse">
@@ -34231,6 +34107,212 @@
           </a:effectLst>
         </p:spPr>
       </p:pic>
+      <p:sp>
+        <p:nvSpPr>
+          <p:cNvPr id="5" name="Cloud Callout 4"/>
+          <p:cNvSpPr/>
+          <p:nvPr/>
+        </p:nvSpPr>
+        <p:spPr>
+          <a:xfrm>
+            <a:off x="6598784" y="3533924"/>
+            <a:ext cx="1656184" cy="792088"/>
+          </a:xfrm>
+          <a:prstGeom prst="cloudCallout">
+            <a:avLst/>
+          </a:prstGeom>
+          <a:solidFill>
+            <a:schemeClr val="bg1"/>
+          </a:solidFill>
+        </p:spPr>
+        <p:style>
+          <a:lnRef idx="1">
+            <a:schemeClr val="accent1"/>
+          </a:lnRef>
+          <a:fillRef idx="3">
+            <a:schemeClr val="accent1"/>
+          </a:fillRef>
+          <a:effectRef idx="2">
+            <a:schemeClr val="accent1"/>
+          </a:effectRef>
+          <a:fontRef idx="minor">
+            <a:schemeClr val="lt1"/>
+          </a:fontRef>
+        </p:style>
+        <p:txBody>
+          <a:bodyPr rtlCol="0" anchor="ctr"/>
+          <a:lstStyle/>
+          <a:p>
+            <a:pPr algn="ctr"/>
+            <a:endParaRPr lang="en-US"/>
+          </a:p>
+        </p:txBody>
+      </p:sp>
+      <p:sp>
+        <p:nvSpPr>
+          <p:cNvPr id="2" name="Title 1"/>
+          <p:cNvSpPr>
+            <a:spLocks noGrp="1"/>
+          </p:cNvSpPr>
+          <p:nvPr>
+            <p:ph type="title"/>
+          </p:nvPr>
+        </p:nvSpPr>
+        <p:spPr/>
+        <p:txBody>
+          <a:bodyPr/>
+          <a:lstStyle/>
+          <a:p>
+            <a:r>
+              <a:rPr lang="en-US" dirty="0" smtClean="0"/>
+              <a:t>Reaching Enlightenment</a:t>
+            </a:r>
+            <a:endParaRPr lang="en-US" dirty="0"/>
+          </a:p>
+        </p:txBody>
+      </p:sp>
+      <p:sp>
+        <p:nvSpPr>
+          <p:cNvPr id="6" name="Content Placeholder 5"/>
+          <p:cNvSpPr>
+            <a:spLocks noGrp="1"/>
+          </p:cNvSpPr>
+          <p:nvPr>
+            <p:ph sz="quarter" idx="1"/>
+          </p:nvPr>
+        </p:nvSpPr>
+        <p:spPr/>
+        <p:txBody>
+          <a:bodyPr/>
+          <a:lstStyle/>
+          <a:p>
+            <a:r>
+              <a:rPr lang="en-US"/>
+              <a:t>How do we get to the blessed state of </a:t>
+            </a:r>
+            <a:r>
+              <a:rPr lang="en-US" b="1"/>
+              <a:t>confidence</a:t>
+            </a:r>
+            <a:r>
+              <a:rPr lang="en-US"/>
+              <a:t> and </a:t>
+            </a:r>
+            <a:r>
+              <a:rPr lang="en-US" b="1"/>
+              <a:t>efficiency</a:t>
+            </a:r>
+            <a:r>
+              <a:rPr lang="en-US"/>
+              <a:t>?</a:t>
+            </a:r>
+            <a:endParaRPr lang="en-US" dirty="0" smtClean="0"/>
+          </a:p>
+          <a:p>
+            <a:r>
+              <a:rPr lang="en-US" dirty="0" smtClean="0"/>
+              <a:t>Being a Python expert is not sufficient, good programming practices make a big difference</a:t>
+            </a:r>
+          </a:p>
+          <a:p>
+            <a:r>
+              <a:rPr lang="en-US" dirty="0" smtClean="0"/>
+              <a:t>We can learn a lot from the development </a:t>
+            </a:r>
+            <a:r>
+              <a:rPr lang="en-US" dirty="0"/>
+              <a:t>methods </a:t>
+            </a:r>
+            <a:r>
+              <a:rPr lang="en-US" dirty="0" smtClean="0"/>
+              <a:t>developed for commercial and open source software</a:t>
+            </a:r>
+            <a:endParaRPr lang="en-US" dirty="0"/>
+          </a:p>
+        </p:txBody>
+      </p:sp>
+      <p:sp>
+        <p:nvSpPr>
+          <p:cNvPr id="7" name="Date Placeholder 6"/>
+          <p:cNvSpPr>
+            <a:spLocks noGrp="1"/>
+          </p:cNvSpPr>
+          <p:nvPr>
+            <p:ph type="dt" sz="half" idx="10"/>
+          </p:nvPr>
+        </p:nvSpPr>
+        <p:spPr/>
+        <p:txBody>
+          <a:bodyPr/>
+          <a:lstStyle/>
+          <a:p>
+            <a:r>
+              <a:rPr lang="en-US" smtClean="0"/>
+              <a:t>Pietro Berkes, Aug 2017</a:t>
+            </a:r>
+            <a:endParaRPr lang="en-US"/>
+          </a:p>
+        </p:txBody>
+      </p:sp>
+      <p:sp>
+        <p:nvSpPr>
+          <p:cNvPr id="8" name="Footer Placeholder 7"/>
+          <p:cNvSpPr>
+            <a:spLocks noGrp="1"/>
+          </p:cNvSpPr>
+          <p:nvPr>
+            <p:ph type="ftr" sz="quarter" idx="11"/>
+          </p:nvPr>
+        </p:nvSpPr>
+        <p:spPr/>
+        <p:txBody>
+          <a:bodyPr/>
+          <a:lstStyle/>
+          <a:p>
+            <a:r>
+              <a:rPr lang="en-US" smtClean="0"/>
+              <a:t>Testing, debugging, profiling</a:t>
+            </a:r>
+            <a:endParaRPr lang="en-US"/>
+          </a:p>
+        </p:txBody>
+      </p:sp>
+      <p:sp>
+        <p:nvSpPr>
+          <p:cNvPr id="4" name="TextBox 3"/>
+          <p:cNvSpPr txBox="1"/>
+          <p:nvPr/>
+        </p:nvSpPr>
+        <p:spPr>
+          <a:xfrm>
+            <a:off x="6238744" y="3605932"/>
+            <a:ext cx="2376264" cy="461665"/>
+          </a:xfrm>
+          <a:prstGeom prst="rect">
+            <a:avLst/>
+          </a:prstGeom>
+          <a:noFill/>
+        </p:spPr>
+        <p:txBody>
+          <a:bodyPr wrap="square" rtlCol="0">
+            <a:spAutoFit/>
+          </a:bodyPr>
+          <a:lstStyle/>
+          <a:p>
+            <a:pPr algn="ctr"/>
+            <a:r>
+              <a:rPr lang="en-US">
+                <a:solidFill>
+                  <a:srgbClr val="FF0000"/>
+                </a:solidFill>
+                <a:latin typeface="Courier"/>
+                <a:cs typeface="Courier"/>
+              </a:rPr>
+              <a:t>lambda</a:t>
+            </a:r>
+          </a:p>
+        </p:txBody>
+      </p:sp>
     </p:spTree>
     <p:extLst>
       <p:ext uri="{BB962C8B-B14F-4D97-AF65-F5344CB8AC3E}">
@@ -42712,7 +42794,7 @@
           <a:p>
             <a:r>
               <a:rPr lang="en-US"/>
-              <a:t>No safety net!</a:t>
+              <a:t>Hands-on!</a:t>
             </a:r>
           </a:p>
         </p:txBody>
@@ -42734,20 +42816,31 @@
           <a:p>
             <a:r>
               <a:rPr lang="en-US"/>
-              <a:t>Testing of contributed code</a:t>
-            </a:r>
-          </a:p>
-          <a:p>
-            <a:pPr marL="274320" lvl="1" indent="0">
-              <a:buNone/>
-            </a:pPr>
-            <a:endParaRPr lang="en-US"/>
-          </a:p>
-          <a:p>
-            <a:pPr marL="274320" lvl="1" indent="0">
-              <a:buNone/>
-            </a:pPr>
-            <a:endParaRPr lang="en-US"/>
+              <a:t>Write a test for your </a:t>
+            </a:r>
+            <a:r>
+              <a:rPr lang="en-US">
+                <a:latin typeface="Courier New"/>
+                <a:cs typeface="Courier New"/>
+              </a:rPr>
+              <a:t>find_maxima</a:t>
+            </a:r>
+            <a:r>
+              <a:rPr lang="en-US"/>
+              <a:t> function</a:t>
+            </a:r>
+          </a:p>
+          <a:p>
+            <a:r>
+              <a:rPr lang="en-US"/>
+              <a:t>Correct the function if the function was incorrect, or clean it up if it wasn’t</a:t>
+            </a:r>
+          </a:p>
+          <a:p>
+            <a:r>
+              <a:rPr lang="en-US"/>
+              <a:t>Run the test again and watch it pass</a:t>
+            </a:r>
           </a:p>
         </p:txBody>
       </p:sp>
@@ -42800,20 +42893,13 @@
     </p:spTree>
     <p:extLst>
       <p:ext uri="{BB962C8B-B14F-4D97-AF65-F5344CB8AC3E}">
-        <p14:creationId xmlns:p14="http://schemas.microsoft.com/office/powerpoint/2010/main" val="3565413105"/>
+        <p14:creationId xmlns:p14="http://schemas.microsoft.com/office/powerpoint/2010/main" val="1252037126"/>
       </p:ext>
     </p:extLst>
   </p:cSld>
   <p:clrMapOvr>
     <a:masterClrMapping/>
   </p:clrMapOvr>
-  <p:timing>
-    <p:tnLst>
-      <p:par>
-        <p:cTn xmlns:p14="http://schemas.microsoft.com/office/powerpoint/2010/main" id="1" dur="indefinite" restart="never" nodeType="tmRoot"/>
-      </p:par>
-    </p:tnLst>
-  </p:timing>
 </p:sld>
 </file>
 
@@ -43018,7 +43104,7 @@
           <a:p>
             <a:r>
               <a:rPr lang="en-US"/>
-              <a:t>Hands-on!</a:t>
+              <a:t>Let’s talk about Continuous Integration</a:t>
             </a:r>
           </a:p>
         </p:txBody>
@@ -43040,37 +43126,63 @@
           <a:p>
             <a:r>
               <a:rPr lang="en-US"/>
-              <a:t>Write a test for your </a:t>
-            </a:r>
-            <a:r>
-              <a:rPr lang="en-US">
+              <a:t>Have tests run automatically whenever a Pull Request is submitted</a:t>
+            </a:r>
+          </a:p>
+          <a:p>
+            <a:r>
+              <a:rPr lang="en-US"/>
+              <a:t>Don’t rely on the submitter or the reviewers to run them! They are only humans.</a:t>
+            </a:r>
+          </a:p>
+          <a:p>
+            <a:r>
+              <a:rPr lang="en-US"/>
+              <a:t>It’s easy with freely available services like TravisCI</a:t>
+            </a:r>
+          </a:p>
+          <a:p>
+            <a:r>
+              <a:rPr lang="is-IS"/>
+              <a:t>… let’s have a look at </a:t>
+            </a:r>
+            <a:r>
+              <a:rPr lang="is-IS">
                 <a:latin typeface="Courier New"/>
                 <a:cs typeface="Courier New"/>
               </a:rPr>
-              <a:t>find_maxima</a:t>
-            </a:r>
-            <a:r>
-              <a:rPr lang="en-US"/>
-              <a:t> function</a:t>
-            </a:r>
-          </a:p>
-          <a:p>
-            <a:r>
-              <a:rPr lang="en-US"/>
-              <a:t>Correct the function if the function was incorrect, or clean it up if it wasn’t</a:t>
-            </a:r>
-          </a:p>
-          <a:p>
-            <a:r>
-              <a:rPr lang="en-US"/>
-              <a:t>Run the test again and watch it pass</a:t>
-            </a:r>
-          </a:p>
-        </p:txBody>
-      </p:sp>
-      <p:sp>
-        <p:nvSpPr>
-          <p:cNvPr id="6" name="Date Placeholder 5"/>
+              <a:t>massmail</a:t>
+            </a:r>
+            <a:r>
+              <a:rPr lang="is-IS"/>
+              <a:t> again ...</a:t>
+            </a:r>
+          </a:p>
+          <a:p>
+            <a:pPr lvl="1"/>
+            <a:r>
+              <a:rPr lang="is-IS"/>
+              <a:t>PR with tick</a:t>
+            </a:r>
+          </a:p>
+          <a:p>
+            <a:pPr lvl="1"/>
+            <a:r>
+              <a:rPr lang="is-IS">
+                <a:latin typeface="Courier New"/>
+                <a:cs typeface="Courier New"/>
+              </a:rPr>
+              <a:t>.travis.yml</a:t>
+            </a:r>
+          </a:p>
+          <a:p>
+            <a:endParaRPr lang="is-IS"/>
+          </a:p>
+        </p:txBody>
+      </p:sp>
+      <p:sp>
+        <p:nvSpPr>
+          <p:cNvPr id="4" name="Date Placeholder 3"/>
           <p:cNvSpPr>
             <a:spLocks noGrp="1"/>
           </p:cNvSpPr>
@@ -43093,7 +43205,7 @@
       </p:sp>
       <p:sp>
         <p:nvSpPr>
-          <p:cNvPr id="7" name="Footer Placeholder 6"/>
+          <p:cNvPr id="5" name="Footer Placeholder 4"/>
           <p:cNvSpPr>
             <a:spLocks noGrp="1"/>
           </p:cNvSpPr>
@@ -43117,7 +43229,7 @@
     </p:spTree>
     <p:extLst>
       <p:ext uri="{BB962C8B-B14F-4D97-AF65-F5344CB8AC3E}">
-        <p14:creationId xmlns:p14="http://schemas.microsoft.com/office/powerpoint/2010/main" val="1252037126"/>
+        <p14:creationId xmlns:p14="http://schemas.microsoft.com/office/powerpoint/2010/main" val="141118314"/>
       </p:ext>
     </p:extLst>
   </p:cSld>
@@ -43146,7 +43258,7 @@
       </p:grpSpPr>
       <p:sp>
         <p:nvSpPr>
-          <p:cNvPr id="5" name="Title 4"/>
+          <p:cNvPr id="2" name="Title 1"/>
           <p:cNvSpPr>
             <a:spLocks noGrp="1"/>
           </p:cNvSpPr>
@@ -43160,16 +43272,15 @@
           <a:lstStyle/>
           <a:p>
             <a:r>
-              <a:rPr lang="en-US" dirty="0" smtClean="0"/>
-              <a:t>Testing is good for your self-esteem</a:t>
-            </a:r>
-            <a:endParaRPr lang="en-US" dirty="0"/>
-          </a:p>
-        </p:txBody>
-      </p:sp>
-      <p:sp>
-        <p:nvSpPr>
-          <p:cNvPr id="6" name="Content Placeholder 5"/>
+              <a:rPr lang="en-US"/>
+              <a:t>Hands-on!</a:t>
+            </a:r>
+          </a:p>
+        </p:txBody>
+      </p:sp>
+      <p:sp>
+        <p:nvSpPr>
+          <p:cNvPr id="5" name="Content Placeholder 4"/>
           <p:cNvSpPr>
             <a:spLocks noGrp="1"/>
           </p:cNvSpPr>
@@ -43183,41 +43294,74 @@
           <a:lstStyle/>
           <a:p>
             <a:r>
-              <a:rPr lang="en-US" dirty="0"/>
-              <a:t>Immediately: Always be confident that your results are correct, whether your approach works of not</a:t>
-            </a:r>
-          </a:p>
-          <a:p>
-            <a:r>
-              <a:rPr lang="en-US" dirty="0" smtClean="0"/>
-              <a:t>In the future: save your future self some trouble!</a:t>
-            </a:r>
-          </a:p>
-          <a:p>
-            <a:pPr lvl="1"/>
-            <a:r>
               <a:rPr lang="en-US"/>
-              <a:t>Example: </a:t>
+              <a:t>Let’s fix issue #7 in </a:t>
             </a:r>
             <a:r>
               <a:rPr lang="en-US">
                 <a:latin typeface="Courier New"/>
                 <a:cs typeface="Courier New"/>
               </a:rPr>
-              <a:t>mdp.utils.routine.permute</a:t>
-            </a:r>
-          </a:p>
-          <a:p>
-            <a:endParaRPr lang="en-US" dirty="0" smtClean="0"/>
-          </a:p>
-          <a:p>
-            <a:endParaRPr lang="en-US" dirty="0"/>
-          </a:p>
-        </p:txBody>
-      </p:sp>
-      <p:sp>
-        <p:nvSpPr>
-          <p:cNvPr id="4" name="Date Placeholder 3"/>
+              <a:t>massmail </a:t>
+            </a:r>
+            <a:r>
+              <a:rPr lang="en-US"/>
+              <a:t>together:</a:t>
+            </a:r>
+          </a:p>
+          <a:p>
+            <a:pPr lvl="1"/>
+            <a:r>
+              <a:rPr lang="en-US"/>
+              <a:t>Volunteer 1: Write a test that reproduces the issue</a:t>
+            </a:r>
+          </a:p>
+          <a:p>
+            <a:pPr lvl="1"/>
+            <a:r>
+              <a:rPr lang="en-US"/>
+              <a:t>Volunteer 2: Fix the code so that the test passes</a:t>
+            </a:r>
+          </a:p>
+          <a:p>
+            <a:pPr lvl="1"/>
+            <a:r>
+              <a:rPr lang="en-US"/>
+              <a:t>Volunteer 3: Write a test for the $$ issue</a:t>
+            </a:r>
+          </a:p>
+          <a:p>
+            <a:pPr lvl="1"/>
+            <a:r>
+              <a:rPr lang="en-US"/>
+              <a:t>Volunteer 4: Fix that as well</a:t>
+            </a:r>
+          </a:p>
+          <a:p>
+            <a:pPr lvl="1"/>
+            <a:r>
+              <a:rPr lang="en-US"/>
+              <a:t>Volunteer 5: Do the git dance, submit a PR, observe how TravisCI is happy</a:t>
+            </a:r>
+          </a:p>
+          <a:p>
+            <a:pPr lvl="1"/>
+            <a:r>
+              <a:rPr lang="en-US"/>
+              <a:t>Everyone: Celebrate!</a:t>
+            </a:r>
+          </a:p>
+          <a:p>
+            <a:pPr marL="274320" lvl="1" indent="0">
+              <a:buNone/>
+            </a:pPr>
+            <a:endParaRPr lang="en-US"/>
+          </a:p>
+        </p:txBody>
+      </p:sp>
+      <p:sp>
+        <p:nvSpPr>
+          <p:cNvPr id="3" name="Date Placeholder 2"/>
           <p:cNvSpPr>
             <a:spLocks noGrp="1"/>
           </p:cNvSpPr>
@@ -43240,7 +43384,7 @@
       </p:sp>
       <p:sp>
         <p:nvSpPr>
-          <p:cNvPr id="7" name="Footer Placeholder 6"/>
+          <p:cNvPr id="4" name="Footer Placeholder 3"/>
           <p:cNvSpPr>
             <a:spLocks noGrp="1"/>
           </p:cNvSpPr>
@@ -43264,20 +43408,13 @@
     </p:spTree>
     <p:extLst>
       <p:ext uri="{BB962C8B-B14F-4D97-AF65-F5344CB8AC3E}">
-        <p14:creationId xmlns:p14="http://schemas.microsoft.com/office/powerpoint/2010/main" val="55267331"/>
+        <p14:creationId xmlns:p14="http://schemas.microsoft.com/office/powerpoint/2010/main" val="4270359181"/>
       </p:ext>
     </p:extLst>
   </p:cSld>
   <p:clrMapOvr>
     <a:masterClrMapping/>
   </p:clrMapOvr>
-  <p:timing>
-    <p:tnLst>
-      <p:par>
-        <p:cTn xmlns:p14="http://schemas.microsoft.com/office/powerpoint/2010/main" id="1" dur="indefinite" restart="never" nodeType="tmRoot"/>
-      </p:par>
-    </p:tnLst>
-  </p:timing>
 </p:sld>
 </file>
 
@@ -43300,39 +43437,76 @@
       </p:grpSpPr>
       <p:sp>
         <p:nvSpPr>
-          <p:cNvPr id="7" name="TextBox 6"/>
-          <p:cNvSpPr txBox="1"/>
-          <p:nvPr/>
-        </p:nvSpPr>
-        <p:spPr>
-          <a:xfrm>
-            <a:off x="827584" y="1628800"/>
-            <a:ext cx="7416824" cy="769441"/>
-          </a:xfrm>
-          <a:prstGeom prst="rect">
-            <a:avLst/>
-          </a:prstGeom>
-          <a:noFill/>
-        </p:spPr>
-        <p:txBody>
-          <a:bodyPr wrap="square" rtlCol="0">
-            <a:spAutoFit/>
-          </a:bodyPr>
+          <p:cNvPr id="5" name="Title 4"/>
+          <p:cNvSpPr>
+            <a:spLocks noGrp="1"/>
+          </p:cNvSpPr>
+          <p:nvPr>
+            <p:ph type="title"/>
+          </p:nvPr>
+        </p:nvSpPr>
+        <p:spPr/>
+        <p:txBody>
+          <a:bodyPr/>
           <a:lstStyle/>
           <a:p>
-            <a:pPr algn="ctr"/>
-            <a:r>
-              <a:rPr lang="en-US" sz="4400">
-                <a:latin typeface="+mj-lt"/>
-              </a:rPr>
-              <a:t>Optimization and profiling</a:t>
-            </a:r>
-          </a:p>
-        </p:txBody>
-      </p:sp>
-      <p:sp>
-        <p:nvSpPr>
-          <p:cNvPr id="2" name="Date Placeholder 1"/>
+            <a:r>
+              <a:rPr lang="en-US" dirty="0" smtClean="0"/>
+              <a:t>Testing is good for your self-esteem</a:t>
+            </a:r>
+            <a:endParaRPr lang="en-US" dirty="0"/>
+          </a:p>
+        </p:txBody>
+      </p:sp>
+      <p:sp>
+        <p:nvSpPr>
+          <p:cNvPr id="6" name="Content Placeholder 5"/>
+          <p:cNvSpPr>
+            <a:spLocks noGrp="1"/>
+          </p:cNvSpPr>
+          <p:nvPr>
+            <p:ph sz="quarter" idx="1"/>
+          </p:nvPr>
+        </p:nvSpPr>
+        <p:spPr/>
+        <p:txBody>
+          <a:bodyPr/>
+          <a:lstStyle/>
+          <a:p>
+            <a:r>
+              <a:rPr lang="en-US" dirty="0"/>
+              <a:t>Immediately: Always be confident that your results are correct, whether your approach works of not</a:t>
+            </a:r>
+          </a:p>
+          <a:p>
+            <a:r>
+              <a:rPr lang="en-US" dirty="0" smtClean="0"/>
+              <a:t>In the future: save your future self some trouble!</a:t>
+            </a:r>
+          </a:p>
+          <a:p>
+            <a:r>
+              <a:rPr lang="en-US" dirty="0"/>
+              <a:t>If you are left thinking “it’s cool but I cannot test </a:t>
+            </a:r>
+            <a:r>
+              <a:rPr lang="en-US" i="1" dirty="0"/>
+              <a:t>my</a:t>
+            </a:r>
+            <a:r>
+              <a:rPr lang="en-US" dirty="0"/>
+              <a:t> code because XYZ”, talk to me over the break and I’ll show you how to do it ;-)</a:t>
+            </a:r>
+            <a:endParaRPr lang="en-US" dirty="0" smtClean="0"/>
+          </a:p>
+          <a:p>
+            <a:endParaRPr lang="en-US" dirty="0"/>
+          </a:p>
+        </p:txBody>
+      </p:sp>
+      <p:sp>
+        <p:nvSpPr>
+          <p:cNvPr id="4" name="Date Placeholder 3"/>
           <p:cNvSpPr>
             <a:spLocks noGrp="1"/>
           </p:cNvSpPr>
@@ -43355,7 +43529,7 @@
       </p:sp>
       <p:sp>
         <p:nvSpPr>
-          <p:cNvPr id="5" name="Footer Placeholder 4"/>
+          <p:cNvPr id="7" name="Footer Placeholder 6"/>
           <p:cNvSpPr>
             <a:spLocks noGrp="1"/>
           </p:cNvSpPr>
@@ -43379,7 +43553,7 @@
     </p:spTree>
     <p:extLst>
       <p:ext uri="{BB962C8B-B14F-4D97-AF65-F5344CB8AC3E}">
-        <p14:creationId xmlns:p14="http://schemas.microsoft.com/office/powerpoint/2010/main" val="675702178"/>
+        <p14:creationId xmlns:p14="http://schemas.microsoft.com/office/powerpoint/2010/main" val="55267331"/>
       </p:ext>
     </p:extLst>
   </p:cSld>
@@ -43415,6 +43589,121 @@
       </p:grpSpPr>
       <p:sp>
         <p:nvSpPr>
+          <p:cNvPr id="7" name="TextBox 6"/>
+          <p:cNvSpPr txBox="1"/>
+          <p:nvPr/>
+        </p:nvSpPr>
+        <p:spPr>
+          <a:xfrm>
+            <a:off x="827584" y="1628800"/>
+            <a:ext cx="7416824" cy="769441"/>
+          </a:xfrm>
+          <a:prstGeom prst="rect">
+            <a:avLst/>
+          </a:prstGeom>
+          <a:noFill/>
+        </p:spPr>
+        <p:txBody>
+          <a:bodyPr wrap="square" rtlCol="0">
+            <a:spAutoFit/>
+          </a:bodyPr>
+          <a:lstStyle/>
+          <a:p>
+            <a:pPr algn="ctr"/>
+            <a:r>
+              <a:rPr lang="en-US" sz="4400">
+                <a:latin typeface="+mj-lt"/>
+              </a:rPr>
+              <a:t>Optimization and profiling</a:t>
+            </a:r>
+          </a:p>
+        </p:txBody>
+      </p:sp>
+      <p:sp>
+        <p:nvSpPr>
+          <p:cNvPr id="2" name="Date Placeholder 1"/>
+          <p:cNvSpPr>
+            <a:spLocks noGrp="1"/>
+          </p:cNvSpPr>
+          <p:nvPr>
+            <p:ph type="dt" sz="half" idx="10"/>
+          </p:nvPr>
+        </p:nvSpPr>
+        <p:spPr/>
+        <p:txBody>
+          <a:bodyPr/>
+          <a:lstStyle/>
+          <a:p>
+            <a:r>
+              <a:rPr lang="en-US" smtClean="0"/>
+              <a:t>Pietro Berkes, Aug 2017</a:t>
+            </a:r>
+            <a:endParaRPr lang="en-US"/>
+          </a:p>
+        </p:txBody>
+      </p:sp>
+      <p:sp>
+        <p:nvSpPr>
+          <p:cNvPr id="5" name="Footer Placeholder 4"/>
+          <p:cNvSpPr>
+            <a:spLocks noGrp="1"/>
+          </p:cNvSpPr>
+          <p:nvPr>
+            <p:ph type="ftr" sz="quarter" idx="11"/>
+          </p:nvPr>
+        </p:nvSpPr>
+        <p:spPr/>
+        <p:txBody>
+          <a:bodyPr/>
+          <a:lstStyle/>
+          <a:p>
+            <a:r>
+              <a:rPr lang="en-US" smtClean="0"/>
+              <a:t>Testing, debugging, profiling</a:t>
+            </a:r>
+            <a:endParaRPr lang="en-US"/>
+          </a:p>
+        </p:txBody>
+      </p:sp>
+    </p:spTree>
+    <p:extLst>
+      <p:ext uri="{BB962C8B-B14F-4D97-AF65-F5344CB8AC3E}">
+        <p14:creationId xmlns:p14="http://schemas.microsoft.com/office/powerpoint/2010/main" val="675702178"/>
+      </p:ext>
+    </p:extLst>
+  </p:cSld>
+  <p:clrMapOvr>
+    <a:masterClrMapping/>
+  </p:clrMapOvr>
+  <p:timing>
+    <p:tnLst>
+      <p:par>
+        <p:cTn xmlns:p14="http://schemas.microsoft.com/office/powerpoint/2010/main" id="1" dur="indefinite" restart="never" nodeType="tmRoot"/>
+      </p:par>
+    </p:tnLst>
+  </p:timing>
+</p:sld>
+</file>
+
+<file path=ppt/slides/slide54.xml><?xml version="1.0" encoding="utf-8"?>
+<p:sld xmlns:a="http://schemas.openxmlformats.org/drawingml/2006/main" xmlns:r="http://schemas.openxmlformats.org/officeDocument/2006/relationships" xmlns:p="http://schemas.openxmlformats.org/presentationml/2006/main">
+  <p:cSld>
+    <p:spTree>
+      <p:nvGrpSpPr>
+        <p:cNvPr id="1" name=""/>
+        <p:cNvGrpSpPr/>
+        <p:nvPr/>
+      </p:nvGrpSpPr>
+      <p:grpSpPr>
+        <a:xfrm>
+          <a:off x="0" y="0"/>
+          <a:ext cx="0" cy="0"/>
+          <a:chOff x="0" y="0"/>
+          <a:chExt cx="0" cy="0"/>
+        </a:xfrm>
+      </p:grpSpPr>
+      <p:sp>
+        <p:nvSpPr>
           <p:cNvPr id="5" name="Title 4"/>
           <p:cNvSpPr>
             <a:spLocks noGrp="1"/>
@@ -43538,7 +43827,7 @@
 </p:sld>
 </file>
 
-<file path=ppt/slides/slide54.xml><?xml version="1.0" encoding="utf-8"?>
+<file path=ppt/slides/slide55.xml><?xml version="1.0" encoding="utf-8"?>
 <p:sld xmlns:a="http://schemas.openxmlformats.org/drawingml/2006/main" xmlns:r="http://schemas.openxmlformats.org/officeDocument/2006/relationships" xmlns:p="http://schemas.openxmlformats.org/presentationml/2006/main">
   <p:cSld>
     <p:spTree>
@@ -44066,7 +44355,7 @@
 </p:sld>
 </file>
 
-<file path=ppt/slides/slide55.xml><?xml version="1.0" encoding="utf-8"?>
+<file path=ppt/slides/slide56.xml><?xml version="1.0" encoding="utf-8"?>
 <p:sld xmlns:a="http://schemas.openxmlformats.org/drawingml/2006/main" xmlns:r="http://schemas.openxmlformats.org/officeDocument/2006/relationships" xmlns:p="http://schemas.openxmlformats.org/presentationml/2006/main">
   <p:cSld>
     <p:spTree>
@@ -44419,225 +44708,6 @@
 </p:sld>
 </file>
 
-<file path=ppt/slides/slide56.xml><?xml version="1.0" encoding="utf-8"?>
-<p:sld xmlns:a="http://schemas.openxmlformats.org/drawingml/2006/main" xmlns:r="http://schemas.openxmlformats.org/officeDocument/2006/relationships" xmlns:p="http://schemas.openxmlformats.org/presentationml/2006/main">
-  <p:cSld>
-    <p:spTree>
-      <p:nvGrpSpPr>
-        <p:cNvPr id="1" name=""/>
-        <p:cNvGrpSpPr/>
-        <p:nvPr/>
-      </p:nvGrpSpPr>
-      <p:grpSpPr>
-        <a:xfrm>
-          <a:off x="0" y="0"/>
-          <a:ext cx="0" cy="0"/>
-          <a:chOff x="0" y="0"/>
-          <a:chExt cx="0" cy="0"/>
-        </a:xfrm>
-      </p:grpSpPr>
-      <p:sp>
-        <p:nvSpPr>
-          <p:cNvPr id="2" name="Title 1"/>
-          <p:cNvSpPr>
-            <a:spLocks noGrp="1"/>
-          </p:cNvSpPr>
-          <p:nvPr>
-            <p:ph type="title"/>
-          </p:nvPr>
-        </p:nvSpPr>
-        <p:spPr/>
-        <p:txBody>
-          <a:bodyPr>
-            <a:normAutofit/>
-          </a:bodyPr>
-          <a:lstStyle/>
-          <a:p>
-            <a:r>
-              <a:rPr lang="en-US" dirty="0" smtClean="0"/>
-              <a:t>Optimization methods hierarchy</a:t>
-            </a:r>
-            <a:endParaRPr lang="en-US" dirty="0"/>
-          </a:p>
-        </p:txBody>
-      </p:sp>
-      <p:sp>
-        <p:nvSpPr>
-          <p:cNvPr id="3" name="Content Placeholder 2"/>
-          <p:cNvSpPr>
-            <a:spLocks noGrp="1"/>
-          </p:cNvSpPr>
-          <p:nvPr>
-            <p:ph idx="1"/>
-          </p:nvPr>
-        </p:nvSpPr>
-        <p:spPr/>
-        <p:txBody>
-          <a:bodyPr>
-            <a:normAutofit/>
-          </a:bodyPr>
-          <a:lstStyle/>
-          <a:p>
-            <a:r>
-              <a:rPr lang="en-US" dirty="0" smtClean="0"/>
-              <a:t>(This is mildly controversial)</a:t>
-            </a:r>
-            <a:endParaRPr lang="en-US" dirty="0"/>
-          </a:p>
-          <a:p>
-            <a:r>
-              <a:rPr lang="en-US" dirty="0" smtClean="0"/>
-              <a:t>In order of preference:</a:t>
-            </a:r>
-          </a:p>
-          <a:p>
-            <a:pPr lvl="1"/>
-            <a:r>
-              <a:rPr lang="en-US" dirty="0" err="1"/>
-              <a:t>Don’t do anything</a:t>
-            </a:r>
-          </a:p>
-          <a:p>
-            <a:pPr lvl="1"/>
-            <a:r>
-              <a:rPr lang="en-US" dirty="0" err="1"/>
-              <a:t>Vectorize</a:t>
-            </a:r>
-            <a:r>
-              <a:rPr lang="en-US" dirty="0"/>
-              <a:t> your code using </a:t>
-            </a:r>
-            <a:r>
-              <a:rPr lang="en-US" dirty="0" err="1"/>
-              <a:t>numpy</a:t>
-            </a:r>
-            <a:endParaRPr lang="en-US" dirty="0"/>
-          </a:p>
-          <a:p>
-            <a:pPr lvl="1"/>
-            <a:r>
-              <a:rPr lang="en-US" dirty="0"/>
-              <a:t>Spend some money on better hardware (faster machine, SSD), optimized libraries (e.g., Intel’s MKL)</a:t>
-            </a:r>
-          </a:p>
-          <a:p>
-            <a:pPr lvl="1"/>
-            <a:r>
-              <a:rPr lang="en-US" dirty="0"/>
-              <a:t>Use a “magic optimization” tool, like </a:t>
-            </a:r>
-            <a:r>
-              <a:rPr lang="en-US" dirty="0" err="1"/>
-              <a:t>numexpr, or numba; </a:t>
-            </a:r>
-            <a:br>
-              <a:rPr lang="en-US" dirty="0" err="1"/>
-            </a:br>
-            <a:r>
-              <a:rPr lang="en-US" dirty="0" err="1"/>
-              <a:t>or a “magic parallelization” tool, like joblib or dask</a:t>
-            </a:r>
-            <a:endParaRPr lang="en-US" dirty="0" err="1" smtClean="0"/>
-          </a:p>
-          <a:p>
-            <a:pPr lvl="1"/>
-            <a:r>
-              <a:rPr lang="en-US" dirty="0"/>
-              <a:t>Use GPU acceleration</a:t>
-            </a:r>
-            <a:endParaRPr lang="en-US" dirty="0" smtClean="0"/>
-          </a:p>
-          <a:p>
-            <a:pPr lvl="1"/>
-            <a:r>
-              <a:rPr lang="en-US" dirty="0" smtClean="0"/>
-              <a:t>Use </a:t>
-            </a:r>
-            <a:r>
-              <a:rPr lang="en-US" dirty="0" err="1" smtClean="0"/>
-              <a:t>Cython</a:t>
-            </a:r>
-            <a:endParaRPr lang="en-US" dirty="0" smtClean="0"/>
-          </a:p>
-          <a:p>
-            <a:pPr lvl="1"/>
-            <a:r>
-              <a:rPr lang="en-US" dirty="0"/>
-              <a:t>P</a:t>
-            </a:r>
-            <a:r>
-              <a:rPr lang="en-US" dirty="0" smtClean="0"/>
-              <a:t>arallelize your code</a:t>
-            </a:r>
-          </a:p>
-        </p:txBody>
-      </p:sp>
-      <p:sp>
-        <p:nvSpPr>
-          <p:cNvPr id="6" name="Date Placeholder 5"/>
-          <p:cNvSpPr>
-            <a:spLocks noGrp="1"/>
-          </p:cNvSpPr>
-          <p:nvPr>
-            <p:ph type="dt" sz="half" idx="10"/>
-          </p:nvPr>
-        </p:nvSpPr>
-        <p:spPr/>
-        <p:txBody>
-          <a:bodyPr/>
-          <a:lstStyle/>
-          <a:p>
-            <a:r>
-              <a:rPr lang="en-US" smtClean="0"/>
-              <a:t>Pietro Berkes, Aug 2017</a:t>
-            </a:r>
-            <a:endParaRPr lang="en-US"/>
-          </a:p>
-        </p:txBody>
-      </p:sp>
-      <p:sp>
-        <p:nvSpPr>
-          <p:cNvPr id="9" name="Footer Placeholder 8"/>
-          <p:cNvSpPr>
-            <a:spLocks noGrp="1"/>
-          </p:cNvSpPr>
-          <p:nvPr>
-            <p:ph type="ftr" sz="quarter" idx="11"/>
-          </p:nvPr>
-        </p:nvSpPr>
-        <p:spPr/>
-        <p:txBody>
-          <a:bodyPr/>
-          <a:lstStyle/>
-          <a:p>
-            <a:r>
-              <a:rPr lang="en-US" smtClean="0"/>
-              <a:t>Testing, debugging, profiling</a:t>
-            </a:r>
-            <a:endParaRPr lang="en-US"/>
-          </a:p>
-        </p:txBody>
-      </p:sp>
-    </p:spTree>
-    <p:extLst>
-      <p:ext uri="{BB962C8B-B14F-4D97-AF65-F5344CB8AC3E}">
-        <p14:creationId xmlns:p14="http://schemas.microsoft.com/office/powerpoint/2010/main" val="1239101084"/>
-      </p:ext>
-    </p:extLst>
-  </p:cSld>
-  <p:clrMapOvr>
-    <a:masterClrMapping/>
-  </p:clrMapOvr>
-  <p:timing>
-    <p:tnLst>
-      <p:par>
-        <p:cTn xmlns:p14="http://schemas.microsoft.com/office/powerpoint/2010/main" id="1" dur="indefinite" restart="never" nodeType="tmRoot"/>
-      </p:par>
-    </p:tnLst>
-  </p:timing>
-</p:sld>
-</file>
-
 <file path=ppt/slides/slide57.xml><?xml version="1.0" encoding="utf-8"?>
 <p:sld xmlns:a="http://schemas.openxmlformats.org/drawingml/2006/main" xmlns:r="http://schemas.openxmlformats.org/officeDocument/2006/relationships" xmlns:p="http://schemas.openxmlformats.org/presentationml/2006/main">
   <p:cSld>
@@ -44667,12 +44737,14 @@
         </p:nvSpPr>
         <p:spPr/>
         <p:txBody>
-          <a:bodyPr/>
+          <a:bodyPr>
+            <a:normAutofit/>
+          </a:bodyPr>
           <a:lstStyle/>
           <a:p>
             <a:r>
               <a:rPr lang="en-US" dirty="0" smtClean="0"/>
-              <a:t>How to optimize</a:t>
+              <a:t>Optimization methods hierarchy</a:t>
             </a:r>
             <a:endParaRPr lang="en-US" dirty="0"/>
           </a:p>
@@ -44696,138 +44768,102 @@
           <a:lstStyle/>
           <a:p>
             <a:r>
+              <a:rPr lang="en-US" dirty="0" smtClean="0"/>
+              <a:t>(This is mildly controversial)</a:t>
+            </a:r>
+            <a:endParaRPr lang="en-US" dirty="0"/>
+          </a:p>
+          <a:p>
+            <a:r>
+              <a:rPr lang="en-US" dirty="0" smtClean="0"/>
+              <a:t>In order of preference:</a:t>
+            </a:r>
+          </a:p>
+          <a:p>
+            <a:pPr lvl="1"/>
+            <a:r>
+              <a:rPr lang="en-US" dirty="0" err="1"/>
+              <a:t>Don’t do anything</a:t>
+            </a:r>
+          </a:p>
+          <a:p>
+            <a:pPr lvl="1"/>
+            <a:r>
+              <a:rPr lang="en-US" dirty="0" err="1"/>
+              <a:t>Vectorize</a:t>
+            </a:r>
+            <a:r>
               <a:rPr lang="en-US" dirty="0"/>
-              <a:t>Usually, a small percentage of your code takes up most of the </a:t>
-            </a:r>
+              <a:t> your code using </a:t>
+            </a:r>
+            <a:r>
+              <a:rPr lang="en-US" dirty="0" err="1"/>
+              <a:t>numpy</a:t>
+            </a:r>
+            <a:endParaRPr lang="en-US" dirty="0"/>
+          </a:p>
+          <a:p>
+            <a:pPr lvl="1"/>
+            <a:r>
+              <a:rPr lang="en-US" dirty="0"/>
+              <a:t>Spend some money on better hardware (faster machine, SSD), optimized libraries (e.g., Intel’s MKL)</a:t>
+            </a:r>
+          </a:p>
+          <a:p>
+            <a:pPr lvl="1"/>
+            <a:r>
+              <a:rPr lang="en-US" dirty="0"/>
+              <a:t>Use a “magic optimization” tool, like </a:t>
+            </a:r>
+            <a:r>
+              <a:rPr lang="en-US" dirty="0" err="1"/>
+              <a:t>numexpr, or numba; </a:t>
+            </a:r>
+            <a:br>
+              <a:rPr lang="en-US" dirty="0" err="1"/>
+            </a:br>
+            <a:r>
+              <a:rPr lang="en-US" dirty="0" err="1"/>
+              <a:t>or a “magic parallelization” tool, like joblib or dask</a:t>
+            </a:r>
+            <a:endParaRPr lang="en-US" dirty="0" err="1" smtClean="0"/>
+          </a:p>
+          <a:p>
+            <a:pPr lvl="1"/>
+            <a:r>
+              <a:rPr lang="en-US" dirty="0"/>
+              <a:t>Use GPU acceleration</a:t>
+            </a:r>
+            <a:endParaRPr lang="en-US" dirty="0" smtClean="0"/>
+          </a:p>
+          <a:p>
+            <a:pPr lvl="1"/>
             <a:r>
               <a:rPr lang="en-US" dirty="0" smtClean="0"/>
-              <a:t>time</a:t>
-            </a:r>
-          </a:p>
-          <a:p>
-            <a:pPr marL="514350" indent="-514350">
-              <a:buFont typeface="+mj-lt"/>
-              <a:buAutoNum type="arabicPeriod"/>
-            </a:pPr>
+              <a:t>Use </a:t>
+            </a:r>
+            <a:r>
+              <a:rPr lang="en-US" dirty="0" err="1" smtClean="0"/>
+              <a:t>Cython</a:t>
+            </a:r>
+            <a:endParaRPr lang="en-US" dirty="0" smtClean="0"/>
+          </a:p>
+          <a:p>
+            <a:pPr lvl="1"/>
+            <a:r>
+              <a:rPr lang="en-US" dirty="0"/>
+              <a:t>P</a:t>
+            </a:r>
             <a:r>
               <a:rPr lang="en-US" dirty="0" smtClean="0"/>
-              <a:t>Identify </a:t>
-            </a:r>
-            <a:r>
-              <a:rPr lang="en-US" dirty="0"/>
-              <a:t>time-consuming parts of the </a:t>
-            </a:r>
-            <a:r>
-              <a:rPr lang="en-US" dirty="0" smtClean="0"/>
-              <a:t>code</a:t>
-            </a:r>
-            <a:r>
-              <a:rPr lang="en-US" dirty="0"/>
-              <a:t/>
-            </a:r>
-            <a:br>
-              <a:rPr lang="en-US" dirty="0"/>
-            </a:br>
-            <a:r>
-              <a:rPr lang="en-US" dirty="0"/>
-              <a:t>Where’s the bottleneck? Computations? Disk I/O? </a:t>
-            </a:r>
-            <a:br>
-              <a:rPr lang="en-US" dirty="0"/>
-            </a:br>
-            <a:r>
-              <a:rPr lang="en-US" dirty="0"/>
-              <a:t>Memory I/O? (see also </a:t>
-            </a:r>
-            <a:r>
-              <a:rPr lang="en-US" dirty="0" err="1"/>
-              <a:t>Francesc’s </a:t>
-            </a:r>
-            <a:r>
-              <a:rPr lang="en-US" dirty="0"/>
-              <a:t>videos</a:t>
-            </a:r>
-            <a:r>
-              <a:rPr lang="en-US"/>
-              <a:t>)</a:t>
-            </a:r>
-            <a:br>
-              <a:rPr lang="en-US"/>
-            </a:br>
-            <a:r>
-              <a:rPr lang="en-US"/>
-              <a:t>Use a profiler!</a:t>
-            </a:r>
-            <a:endParaRPr lang="en-US" dirty="0"/>
-          </a:p>
-          <a:p>
-            <a:pPr marL="514350" indent="-514350">
-              <a:buFont typeface="+mj-lt"/>
-              <a:buAutoNum type="arabicPeriod"/>
-            </a:pPr>
-            <a:r>
-              <a:rPr lang="en-US" dirty="0" smtClean="0"/>
-              <a:t>Only </a:t>
-            </a:r>
-            <a:r>
-              <a:rPr lang="en-US" dirty="0"/>
-              <a:t>optimize those parts of the code</a:t>
-            </a:r>
-          </a:p>
-          <a:p>
-            <a:pPr marL="514350" indent="-514350">
-              <a:buFont typeface="+mj-lt"/>
-              <a:buAutoNum type="arabicPeriod"/>
-            </a:pPr>
-            <a:r>
-              <a:rPr lang="en-US" dirty="0" smtClean="0"/>
-              <a:t>Keep </a:t>
-            </a:r>
-            <a:r>
-              <a:rPr lang="en-US" dirty="0"/>
-              <a:t>running the tests to make sure that </a:t>
-            </a:r>
-            <a:r>
-              <a:rPr lang="en-US" dirty="0" smtClean="0"/>
-              <a:t>code is </a:t>
-            </a:r>
-            <a:r>
-              <a:rPr lang="en-US" dirty="0"/>
-              <a:t>not </a:t>
-            </a:r>
-            <a:r>
-              <a:rPr lang="en-US" dirty="0" smtClean="0"/>
-              <a:t>broken</a:t>
-            </a:r>
-          </a:p>
-          <a:p>
-            <a:pPr marL="0" indent="0">
-              <a:buNone/>
-            </a:pPr>
-            <a:endParaRPr lang="en-US" dirty="0"/>
-          </a:p>
-          <a:p>
-            <a:r>
-              <a:rPr lang="en-US" dirty="0"/>
-              <a:t>Stop optimizing as soon as possible</a:t>
-            </a:r>
-            <a:br>
-              <a:rPr lang="en-US" dirty="0"/>
-            </a:br>
-            <a:endParaRPr lang="en-US" dirty="0"/>
-          </a:p>
-          <a:p>
-            <a:pPr marL="514350" indent="-514350">
-              <a:buFont typeface="+mj-lt"/>
-              <a:buAutoNum type="arabicPeriod"/>
-            </a:pPr>
-            <a:endParaRPr lang="en-US" dirty="0"/>
-          </a:p>
-        </p:txBody>
-      </p:sp>
-      <p:sp>
-        <p:nvSpPr>
-          <p:cNvPr id="5" name="Date Placeholder 4"/>
+              <a:t>arallelize your code</a:t>
+            </a:r>
+          </a:p>
+        </p:txBody>
+      </p:sp>
+      <p:sp>
+        <p:nvSpPr>
+          <p:cNvPr id="6" name="Date Placeholder 5"/>
           <p:cNvSpPr>
             <a:spLocks noGrp="1"/>
           </p:cNvSpPr>
@@ -44850,7 +44886,7 @@
       </p:sp>
       <p:sp>
         <p:nvSpPr>
-          <p:cNvPr id="6" name="Footer Placeholder 5"/>
+          <p:cNvPr id="9" name="Footer Placeholder 8"/>
           <p:cNvSpPr>
             <a:spLocks noGrp="1"/>
           </p:cNvSpPr>
@@ -44874,7 +44910,7 @@
     </p:spTree>
     <p:extLst>
       <p:ext uri="{BB962C8B-B14F-4D97-AF65-F5344CB8AC3E}">
-        <p14:creationId xmlns:p14="http://schemas.microsoft.com/office/powerpoint/2010/main" val="849293537"/>
+        <p14:creationId xmlns:p14="http://schemas.microsoft.com/office/powerpoint/2010/main" val="1239101084"/>
       </p:ext>
     </p:extLst>
   </p:cSld>
@@ -44924,19 +44960,10 @@
           <a:lstStyle/>
           <a:p>
             <a:r>
-              <a:rPr lang="en-GB" dirty="0" err="1" smtClean="0">
-                <a:cs typeface="Courier New" pitchFamily="49" charset="0"/>
-              </a:rPr>
-              <a:t>Measuring time: </a:t>
-            </a:r>
-            <a:r>
-              <a:rPr lang="en-GB" dirty="0" err="1" smtClean="0">
-                <a:latin typeface="Courier New" pitchFamily="49" charset="0"/>
-                <a:cs typeface="Courier New" pitchFamily="49" charset="0"/>
-              </a:rPr>
-              <a:t>timeit</a:t>
-            </a:r>
-            <a:endParaRPr lang="en-GB" dirty="0"/>
+              <a:rPr lang="en-US" dirty="0" smtClean="0"/>
+              <a:t>How to optimize</a:t>
+            </a:r>
+            <a:endParaRPr lang="en-US" dirty="0"/>
           </a:p>
         </p:txBody>
       </p:sp>
@@ -44947,83 +44974,149 @@
             <a:spLocks noGrp="1"/>
           </p:cNvSpPr>
           <p:nvPr>
-            <p:ph sz="quarter" idx="1"/>
+            <p:ph idx="1"/>
           </p:nvPr>
         </p:nvSpPr>
         <p:spPr/>
         <p:txBody>
           <a:bodyPr>
-            <a:noAutofit/>
+            <a:normAutofit/>
           </a:bodyPr>
           <a:lstStyle/>
           <a:p>
             <a:r>
-              <a:rPr lang="en-GB" dirty="0" smtClean="0"/>
-              <a:t>IPython magic command: </a:t>
-            </a:r>
-            <a:r>
-              <a:rPr lang="en-GB" dirty="0">
-                <a:latin typeface="Courier New" pitchFamily="49" charset="0"/>
-                <a:cs typeface="Courier New" pitchFamily="49" charset="0"/>
-              </a:rPr>
-              <a:t>%</a:t>
-            </a:r>
-            <a:r>
-              <a:rPr lang="en-GB" dirty="0" err="1">
-                <a:latin typeface="Courier New" pitchFamily="49" charset="0"/>
-                <a:cs typeface="Courier New" pitchFamily="49" charset="0"/>
-              </a:rPr>
-              <a:t>timeit</a:t>
-            </a:r>
-            <a:endParaRPr lang="en-GB" dirty="0" smtClean="0"/>
-          </a:p>
-          <a:p>
-            <a:r>
-              <a:rPr lang="en-GB" dirty="0" smtClean="0"/>
-              <a:t>Precise timing of a function/expression</a:t>
-            </a:r>
-          </a:p>
-          <a:p>
-            <a:r>
-              <a:rPr lang="en-GB" dirty="0"/>
-              <a:t>Test different versions of a small amount of code, often used in interactive Python shell</a:t>
+              <a:rPr lang="en-US" dirty="0"/>
+              <a:t>Usually, a small percentage of your code takes up most of the </a:t>
+            </a:r>
+            <a:r>
+              <a:rPr lang="en-US" dirty="0" smtClean="0"/>
+              <a:t>time</a:t>
+            </a:r>
+          </a:p>
+          <a:p>
+            <a:pPr marL="514350" indent="-514350">
+              <a:buFont typeface="+mj-lt"/>
+              <a:buAutoNum type="arabicPeriod"/>
+            </a:pPr>
+            <a:r>
+              <a:rPr lang="en-US" dirty="0" smtClean="0"/>
+              <a:t>Identify </a:t>
+            </a:r>
+            <a:r>
+              <a:rPr lang="en-US" dirty="0"/>
+              <a:t>time-consuming parts of the </a:t>
+            </a:r>
+            <a:r>
+              <a:rPr lang="en-US" dirty="0" smtClean="0"/>
+              <a:t>code</a:t>
+            </a:r>
+            <a:r>
+              <a:rPr lang="en-US" dirty="0"/>
+              <a:t/>
             </a:r>
             <a:br>
-              <a:rPr lang="en-GB" dirty="0"/>
+              <a:rPr lang="en-US" dirty="0"/>
             </a:br>
             <a:r>
-              <a:rPr lang="en-GB" dirty="0"/>
-              <a:t/>
+              <a:rPr lang="en-US" dirty="0"/>
+              <a:t>Where’s the bottleneck? Computations? Disk I/O? </a:t>
             </a:r>
             <a:br>
-              <a:rPr lang="en-GB" dirty="0"/>
+              <a:rPr lang="en-US" dirty="0"/>
             </a:br>
             <a:r>
-              <a:rPr lang="en-GB" sz="2000" dirty="0">
-                <a:latin typeface="Courier New"/>
-                <a:cs typeface="Courier New"/>
-              </a:rPr>
-              <a:t>In [6]: %timeit cube(123)</a:t>
+              <a:rPr lang="en-US" dirty="0"/>
+              <a:t>Memory I/O? (see also </a:t>
+            </a:r>
+            <a:r>
+              <a:rPr lang="en-US" dirty="0" err="1"/>
+              <a:t>Francesc’s </a:t>
+            </a:r>
+            <a:r>
+              <a:rPr lang="en-US" dirty="0"/>
+              <a:t>videos</a:t>
+            </a:r>
+            <a:r>
+              <a:rPr lang="en-US"/>
+              <a:t>)</a:t>
             </a:r>
             <a:br>
-              <a:rPr lang="en-GB" sz="2000" dirty="0">
-                <a:latin typeface="Courier New"/>
-                <a:cs typeface="Courier New"/>
-              </a:rPr>
+              <a:rPr lang="en-US"/>
             </a:br>
             <a:r>
-              <a:rPr lang="en-GB" sz="2000" dirty="0">
-                <a:latin typeface="Courier New"/>
-                <a:cs typeface="Courier New"/>
-              </a:rPr>
-              <a:t>10000000 loops, best of 3: 185 ns per loop</a:t>
-            </a:r>
-          </a:p>
-        </p:txBody>
-      </p:sp>
-      <p:sp>
-        <p:nvSpPr>
-          <p:cNvPr id="4" name="Date Placeholder 3"/>
+              <a:rPr lang="en-US"/>
+              <a:t>Use a profiler!</a:t>
+            </a:r>
+            <a:endParaRPr lang="en-US" dirty="0"/>
+          </a:p>
+          <a:p>
+            <a:pPr marL="514350" indent="-514350">
+              <a:buFont typeface="+mj-lt"/>
+              <a:buAutoNum type="arabicPeriod"/>
+            </a:pPr>
+            <a:r>
+              <a:rPr lang="en-US" dirty="0" smtClean="0"/>
+              <a:t>Only </a:t>
+            </a:r>
+            <a:r>
+              <a:rPr lang="en-US" dirty="0"/>
+              <a:t>optimize those parts of the code</a:t>
+            </a:r>
+          </a:p>
+          <a:p>
+            <a:pPr marL="514350" indent="-514350">
+              <a:buFont typeface="+mj-lt"/>
+              <a:buAutoNum type="arabicPeriod"/>
+            </a:pPr>
+            <a:r>
+              <a:rPr lang="en-US" dirty="0" smtClean="0"/>
+              <a:t>Keep </a:t>
+            </a:r>
+            <a:r>
+              <a:rPr lang="en-US" dirty="0"/>
+              <a:t>running the tests to make sure that </a:t>
+            </a:r>
+            <a:r>
+              <a:rPr lang="en-US" dirty="0" smtClean="0"/>
+              <a:t>code is </a:t>
+            </a:r>
+            <a:r>
+              <a:rPr lang="en-US" dirty="0"/>
+              <a:t>not </a:t>
+            </a:r>
+            <a:r>
+              <a:rPr lang="en-US" dirty="0" smtClean="0"/>
+              <a:t>broken</a:t>
+            </a:r>
+          </a:p>
+          <a:p>
+            <a:pPr marL="0" indent="0">
+              <a:buNone/>
+            </a:pPr>
+            <a:endParaRPr lang="en-US" dirty="0"/>
+          </a:p>
+          <a:p>
+            <a:r>
+              <a:rPr lang="en-US" dirty="0"/>
+              <a:t>Stop optimizing as soon as possible</a:t>
+            </a:r>
+            <a:br>
+              <a:rPr lang="en-US" dirty="0"/>
+            </a:br>
+            <a:endParaRPr lang="en-US" dirty="0"/>
+          </a:p>
+          <a:p>
+            <a:pPr marL="514350" indent="-514350">
+              <a:buFont typeface="+mj-lt"/>
+              <a:buAutoNum type="arabicPeriod"/>
+            </a:pPr>
+            <a:endParaRPr lang="en-US" dirty="0"/>
+          </a:p>
+        </p:txBody>
+      </p:sp>
+      <p:sp>
+        <p:nvSpPr>
+          <p:cNvPr id="5" name="Date Placeholder 4"/>
           <p:cNvSpPr>
             <a:spLocks noGrp="1"/>
           </p:cNvSpPr>
@@ -45046,7 +45139,7 @@
       </p:sp>
       <p:sp>
         <p:nvSpPr>
-          <p:cNvPr id="5" name="Footer Placeholder 4"/>
+          <p:cNvPr id="6" name="Footer Placeholder 5"/>
           <p:cNvSpPr>
             <a:spLocks noGrp="1"/>
           </p:cNvSpPr>
@@ -45068,6 +45161,11 @@
         </p:txBody>
       </p:sp>
     </p:spTree>
+    <p:extLst>
+      <p:ext uri="{BB962C8B-B14F-4D97-AF65-F5344CB8AC3E}">
+        <p14:creationId xmlns:p14="http://schemas.microsoft.com/office/powerpoint/2010/main" val="849293537"/>
+      </p:ext>
+    </p:extLst>
   </p:cSld>
   <p:clrMapOvr>
     <a:masterClrMapping/>
@@ -45115,9 +45213,19 @@
           <a:lstStyle/>
           <a:p>
             <a:r>
-              <a:rPr lang="en-US"/>
-              <a:t>Hands-on!</a:t>
-            </a:r>
+              <a:rPr lang="en-GB" dirty="0" err="1" smtClean="0">
+                <a:cs typeface="Courier New" pitchFamily="49" charset="0"/>
+              </a:rPr>
+              <a:t>Measuring time: </a:t>
+            </a:r>
+            <a:r>
+              <a:rPr lang="en-GB" dirty="0" err="1" smtClean="0">
+                <a:latin typeface="Courier New" pitchFamily="49" charset="0"/>
+                <a:cs typeface="Courier New" pitchFamily="49" charset="0"/>
+              </a:rPr>
+              <a:t>timeit</a:t>
+            </a:r>
+            <a:endParaRPr lang="en-GB" dirty="0"/>
           </a:p>
         </p:txBody>
       </p:sp>
@@ -45133,72 +45241,78 @@
         </p:nvSpPr>
         <p:spPr/>
         <p:txBody>
-          <a:bodyPr/>
+          <a:bodyPr>
+            <a:noAutofit/>
+          </a:bodyPr>
           <a:lstStyle/>
           <a:p>
             <a:r>
-              <a:rPr lang="en-US"/>
-              <a:t>Write a dot product function in pure Python and time it in IPython using </a:t>
-            </a:r>
-            <a:r>
-              <a:rPr lang="en-US">
+              <a:rPr lang="en-GB" dirty="0" smtClean="0"/>
+              <a:t>IPython magic command: </a:t>
+            </a:r>
+            <a:r>
+              <a:rPr lang="en-GB" dirty="0">
+                <a:latin typeface="Courier New" pitchFamily="49" charset="0"/>
+                <a:cs typeface="Courier New" pitchFamily="49" charset="0"/>
+              </a:rPr>
+              <a:t>%</a:t>
+            </a:r>
+            <a:r>
+              <a:rPr lang="en-GB" dirty="0" err="1">
+                <a:latin typeface="Courier New" pitchFamily="49" charset="0"/>
+                <a:cs typeface="Courier New" pitchFamily="49" charset="0"/>
+              </a:rPr>
+              <a:t>timeit</a:t>
+            </a:r>
+            <a:endParaRPr lang="en-GB" dirty="0" smtClean="0"/>
+          </a:p>
+          <a:p>
+            <a:r>
+              <a:rPr lang="en-GB" dirty="0" smtClean="0"/>
+              <a:t>Precise timing of a function/expression</a:t>
+            </a:r>
+          </a:p>
+          <a:p>
+            <a:r>
+              <a:rPr lang="en-GB" dirty="0"/>
+              <a:t>Test different versions of a small amount of code, often used in interactive Python shell</a:t>
+            </a:r>
+            <a:br>
+              <a:rPr lang="en-GB" dirty="0"/>
+            </a:br>
+            <a:r>
+              <a:rPr lang="en-GB" dirty="0"/>
+              <a:t/>
+            </a:r>
+            <a:br>
+              <a:rPr lang="en-GB" dirty="0"/>
+            </a:br>
+            <a:r>
+              <a:rPr lang="en-GB" sz="2000" dirty="0">
                 <a:latin typeface="Courier New"/>
                 <a:cs typeface="Courier New"/>
               </a:rPr>
-              <a:t>%timeit</a:t>
-            </a:r>
-            <a:r>
-              <a:rPr lang="en-US"/>
-              <a:t>:</a:t>
+              <a:t>In [6]: %timeit cube(123)</a:t>
             </a:r>
             <a:br>
-              <a:rPr lang="en-US"/>
+              <a:rPr lang="en-GB" sz="2000" dirty="0">
+                <a:latin typeface="Courier New"/>
+                <a:cs typeface="Courier New"/>
+              </a:rPr>
             </a:br>
             <a:r>
-              <a:rPr lang="en-US"/>
-              <a:t/>
-            </a:r>
-            <a:br>
-              <a:rPr lang="en-US"/>
-            </a:br>
-            <a:r>
-              <a:rPr lang="en-US"/>
-              <a:t>dot_product(x, y) is </a:t>
-            </a:r>
-            <a:br>
-              <a:rPr lang="en-US"/>
-            </a:br>
-            <a:r>
-              <a:rPr lang="en-US"/>
-              <a:t>x[1] * y[1] + x[2] * y[2] + … + x[N] * y[N]</a:t>
-            </a:r>
-          </a:p>
-          <a:p>
-            <a:endParaRPr lang="en-US"/>
-          </a:p>
-          <a:p>
-            <a:r>
-              <a:rPr lang="en-US"/>
-              <a:t>Write a version using numpy (vectorized), time it again</a:t>
-            </a:r>
-          </a:p>
-          <a:p>
-            <a:r>
-              <a:rPr lang="en-US"/>
-              <a:t>Time numpy.dot</a:t>
-            </a:r>
-          </a:p>
-          <a:p>
-            <a:r>
-              <a:rPr lang="en-US"/>
-              <a:t>Try with large (1000 elements) and small vectors (5 elements)</a:t>
-            </a:r>
-          </a:p>
-        </p:txBody>
-      </p:sp>
-      <p:sp>
-        <p:nvSpPr>
-          <p:cNvPr id="6" name="Date Placeholder 5"/>
+              <a:rPr lang="en-GB" sz="2000" dirty="0">
+                <a:latin typeface="Courier New"/>
+                <a:cs typeface="Courier New"/>
+              </a:rPr>
+              <a:t>10000000 loops, best of 3: 185 ns per loop</a:t>
+            </a:r>
+          </a:p>
+        </p:txBody>
+      </p:sp>
+      <p:sp>
+        <p:nvSpPr>
+          <p:cNvPr id="4" name="Date Placeholder 3"/>
           <p:cNvSpPr>
             <a:spLocks noGrp="1"/>
           </p:cNvSpPr>
@@ -45221,7 +45335,7 @@
       </p:sp>
       <p:sp>
         <p:nvSpPr>
-          <p:cNvPr id="7" name="Footer Placeholder 6"/>
+          <p:cNvPr id="5" name="Footer Placeholder 4"/>
           <p:cNvSpPr>
             <a:spLocks noGrp="1"/>
           </p:cNvSpPr>
@@ -45243,11 +45357,6 @@
         </p:txBody>
       </p:sp>
     </p:spTree>
-    <p:extLst>
-      <p:ext uri="{BB962C8B-B14F-4D97-AF65-F5344CB8AC3E}">
-        <p14:creationId xmlns:p14="http://schemas.microsoft.com/office/powerpoint/2010/main" val="884339064"/>
-      </p:ext>
-    </p:extLst>
   </p:cSld>
   <p:clrMapOvr>
     <a:masterClrMapping/>
@@ -45426,6 +45535,186 @@
       </p:grpSpPr>
       <p:sp>
         <p:nvSpPr>
+          <p:cNvPr id="2" name="Title 1"/>
+          <p:cNvSpPr>
+            <a:spLocks noGrp="1"/>
+          </p:cNvSpPr>
+          <p:nvPr>
+            <p:ph type="title"/>
+          </p:nvPr>
+        </p:nvSpPr>
+        <p:spPr/>
+        <p:txBody>
+          <a:bodyPr/>
+          <a:lstStyle/>
+          <a:p>
+            <a:r>
+              <a:rPr lang="en-US"/>
+              <a:t>Hands-on!</a:t>
+            </a:r>
+          </a:p>
+        </p:txBody>
+      </p:sp>
+      <p:sp>
+        <p:nvSpPr>
+          <p:cNvPr id="3" name="Content Placeholder 2"/>
+          <p:cNvSpPr>
+            <a:spLocks noGrp="1"/>
+          </p:cNvSpPr>
+          <p:nvPr>
+            <p:ph sz="quarter" idx="1"/>
+          </p:nvPr>
+        </p:nvSpPr>
+        <p:spPr/>
+        <p:txBody>
+          <a:bodyPr/>
+          <a:lstStyle/>
+          <a:p>
+            <a:r>
+              <a:rPr lang="en-US"/>
+              <a:t>Write a dot product function in pure Python and time it in IPython using </a:t>
+            </a:r>
+            <a:r>
+              <a:rPr lang="en-US">
+                <a:latin typeface="Courier New"/>
+                <a:cs typeface="Courier New"/>
+              </a:rPr>
+              <a:t>%timeit</a:t>
+            </a:r>
+            <a:r>
+              <a:rPr lang="en-US"/>
+              <a:t>:</a:t>
+            </a:r>
+            <a:br>
+              <a:rPr lang="en-US"/>
+            </a:br>
+            <a:r>
+              <a:rPr lang="en-US"/>
+              <a:t/>
+            </a:r>
+            <a:br>
+              <a:rPr lang="en-US"/>
+            </a:br>
+            <a:r>
+              <a:rPr lang="en-US"/>
+              <a:t>dot_product(x, y) is </a:t>
+            </a:r>
+            <a:br>
+              <a:rPr lang="en-US"/>
+            </a:br>
+            <a:r>
+              <a:rPr lang="en-US"/>
+              <a:t>x[1] * y[1] + x[2] * y[2] + … + x[N] * y[N]</a:t>
+            </a:r>
+          </a:p>
+          <a:p>
+            <a:endParaRPr lang="en-US"/>
+          </a:p>
+          <a:p>
+            <a:r>
+              <a:rPr lang="en-US"/>
+              <a:t>Write a version using numpy (vectorized), time it again</a:t>
+            </a:r>
+          </a:p>
+          <a:p>
+            <a:r>
+              <a:rPr lang="en-US"/>
+              <a:t>Time numpy.dot</a:t>
+            </a:r>
+          </a:p>
+          <a:p>
+            <a:r>
+              <a:rPr lang="en-US"/>
+              <a:t>Try with large (1000 elements) and small vectors (5 elements)</a:t>
+            </a:r>
+          </a:p>
+        </p:txBody>
+      </p:sp>
+      <p:sp>
+        <p:nvSpPr>
+          <p:cNvPr id="6" name="Date Placeholder 5"/>
+          <p:cNvSpPr>
+            <a:spLocks noGrp="1"/>
+          </p:cNvSpPr>
+          <p:nvPr>
+            <p:ph type="dt" sz="half" idx="10"/>
+          </p:nvPr>
+        </p:nvSpPr>
+        <p:spPr/>
+        <p:txBody>
+          <a:bodyPr/>
+          <a:lstStyle/>
+          <a:p>
+            <a:r>
+              <a:rPr lang="en-US" smtClean="0"/>
+              <a:t>Pietro Berkes, Aug 2017</a:t>
+            </a:r>
+            <a:endParaRPr lang="en-US"/>
+          </a:p>
+        </p:txBody>
+      </p:sp>
+      <p:sp>
+        <p:nvSpPr>
+          <p:cNvPr id="7" name="Footer Placeholder 6"/>
+          <p:cNvSpPr>
+            <a:spLocks noGrp="1"/>
+          </p:cNvSpPr>
+          <p:nvPr>
+            <p:ph type="ftr" sz="quarter" idx="11"/>
+          </p:nvPr>
+        </p:nvSpPr>
+        <p:spPr/>
+        <p:txBody>
+          <a:bodyPr/>
+          <a:lstStyle/>
+          <a:p>
+            <a:r>
+              <a:rPr lang="en-US" smtClean="0"/>
+              <a:t>Testing, debugging, profiling</a:t>
+            </a:r>
+            <a:endParaRPr lang="en-US"/>
+          </a:p>
+        </p:txBody>
+      </p:sp>
+    </p:spTree>
+    <p:extLst>
+      <p:ext uri="{BB962C8B-B14F-4D97-AF65-F5344CB8AC3E}">
+        <p14:creationId xmlns:p14="http://schemas.microsoft.com/office/powerpoint/2010/main" val="884339064"/>
+      </p:ext>
+    </p:extLst>
+  </p:cSld>
+  <p:clrMapOvr>
+    <a:masterClrMapping/>
+  </p:clrMapOvr>
+  <p:timing>
+    <p:tnLst>
+      <p:par>
+        <p:cTn xmlns:p14="http://schemas.microsoft.com/office/powerpoint/2010/main" id="1" dur="indefinite" restart="never" nodeType="tmRoot"/>
+      </p:par>
+    </p:tnLst>
+  </p:timing>
+</p:sld>
+</file>
+
+<file path=ppt/slides/slide61.xml><?xml version="1.0" encoding="utf-8"?>
+<p:sld xmlns:a="http://schemas.openxmlformats.org/drawingml/2006/main" xmlns:r="http://schemas.openxmlformats.org/officeDocument/2006/relationships" xmlns:p="http://schemas.openxmlformats.org/presentationml/2006/main">
+  <p:cSld>
+    <p:spTree>
+      <p:nvGrpSpPr>
+        <p:cNvPr id="1" name=""/>
+        <p:cNvGrpSpPr/>
+        <p:nvPr/>
+      </p:nvGrpSpPr>
+      <p:grpSpPr>
+        <a:xfrm>
+          <a:off x="0" y="0"/>
+          <a:ext cx="0" cy="0"/>
+          <a:chOff x="0" y="0"/>
+          <a:chExt cx="0" cy="0"/>
+        </a:xfrm>
+      </p:grpSpPr>
+      <p:sp>
+        <p:nvSpPr>
           <p:cNvPr id="2" name="Curved Up Ribbon 1"/>
           <p:cNvSpPr/>
           <p:nvPr/>
@@ -45588,270 +45877,6 @@
 </p:sld>
 </file>
 
-<file path=ppt/slides/slide61.xml><?xml version="1.0" encoding="utf-8"?>
-<p:sld xmlns:a="http://schemas.openxmlformats.org/drawingml/2006/main" xmlns:r="http://schemas.openxmlformats.org/officeDocument/2006/relationships" xmlns:p="http://schemas.openxmlformats.org/presentationml/2006/main">
-  <p:cSld>
-    <p:spTree>
-      <p:nvGrpSpPr>
-        <p:cNvPr id="1" name=""/>
-        <p:cNvGrpSpPr/>
-        <p:nvPr/>
-      </p:nvGrpSpPr>
-      <p:grpSpPr>
-        <a:xfrm>
-          <a:off x="0" y="0"/>
-          <a:ext cx="0" cy="0"/>
-          <a:chOff x="0" y="0"/>
-          <a:chExt cx="0" cy="0"/>
-        </a:xfrm>
-      </p:grpSpPr>
-      <p:sp>
-        <p:nvSpPr>
-          <p:cNvPr id="2" name="Title 1"/>
-          <p:cNvSpPr>
-            <a:spLocks noGrp="1"/>
-          </p:cNvSpPr>
-          <p:nvPr>
-            <p:ph type="title"/>
-          </p:nvPr>
-        </p:nvSpPr>
-        <p:spPr/>
-        <p:txBody>
-          <a:bodyPr/>
-          <a:lstStyle/>
-          <a:p>
-            <a:r>
-              <a:rPr lang="en-GB" dirty="0" err="1" smtClean="0">
-                <a:cs typeface="Courier New" pitchFamily="49" charset="0"/>
-              </a:rPr>
-              <a:t>Measuring time: </a:t>
-            </a:r>
-            <a:r>
-              <a:rPr lang="en-GB" dirty="0" err="1" smtClean="0">
-                <a:latin typeface="Courier New" pitchFamily="49" charset="0"/>
-                <a:cs typeface="Courier New" pitchFamily="49" charset="0"/>
-              </a:rPr>
-              <a:t>time</a:t>
-            </a:r>
-            <a:endParaRPr lang="en-GB" dirty="0"/>
-          </a:p>
-        </p:txBody>
-      </p:sp>
-      <p:sp>
-        <p:nvSpPr>
-          <p:cNvPr id="3" name="Content Placeholder 2"/>
-          <p:cNvSpPr>
-            <a:spLocks noGrp="1"/>
-          </p:cNvSpPr>
-          <p:nvPr>
-            <p:ph sz="quarter" idx="1"/>
-          </p:nvPr>
-        </p:nvSpPr>
-        <p:spPr/>
-        <p:txBody>
-          <a:bodyPr>
-            <a:noAutofit/>
-          </a:bodyPr>
-          <a:lstStyle/>
-          <a:p>
-            <a:r>
-              <a:rPr lang="en-GB" dirty="0" smtClean="0"/>
-              <a:t>On *nix systems, the command </a:t>
-            </a:r>
-            <a:r>
-              <a:rPr lang="en-GB" dirty="0" smtClean="0">
-                <a:latin typeface="Courier New"/>
-                <a:cs typeface="Courier New"/>
-              </a:rPr>
-              <a:t>time</a:t>
-            </a:r>
-            <a:r>
-              <a:rPr lang="en-GB" dirty="0" smtClean="0"/>
-              <a:t> gives a quick way of measuring time:</a:t>
-            </a:r>
-          </a:p>
-          <a:p>
-            <a:endParaRPr lang="en-GB" dirty="0"/>
-          </a:p>
-          <a:p>
-            <a:endParaRPr lang="en-GB" dirty="0" smtClean="0"/>
-          </a:p>
-          <a:p>
-            <a:endParaRPr lang="en-GB" dirty="0"/>
-          </a:p>
-          <a:p>
-            <a:endParaRPr lang="en-GB" dirty="0" smtClean="0"/>
-          </a:p>
-          <a:p>
-            <a:r>
-              <a:rPr lang="en-GB" dirty="0"/>
-              <a:t>“real” is wall clock time</a:t>
-            </a:r>
-          </a:p>
-          <a:p>
-            <a:r>
-              <a:rPr lang="en-GB" dirty="0" smtClean="0"/>
-              <a:t>“user” is CPU time executing the script</a:t>
-            </a:r>
-          </a:p>
-          <a:p>
-            <a:r>
-              <a:rPr lang="en-GB" dirty="0"/>
-              <a:t>“sys” is CPU time spent in system calls</a:t>
-            </a:r>
-            <a:endParaRPr lang="en-GB" dirty="0" smtClean="0"/>
-          </a:p>
-        </p:txBody>
-      </p:sp>
-      <p:sp>
-        <p:nvSpPr>
-          <p:cNvPr id="4" name="TextBox 3"/>
-          <p:cNvSpPr txBox="1"/>
-          <p:nvPr/>
-        </p:nvSpPr>
-        <p:spPr>
-          <a:xfrm>
-            <a:off x="755576" y="2348880"/>
-            <a:ext cx="8001056" cy="1569660"/>
-          </a:xfrm>
-          <a:prstGeom prst="rect">
-            <a:avLst/>
-          </a:prstGeom>
-          <a:noFill/>
-        </p:spPr>
-        <p:txBody>
-          <a:bodyPr wrap="square" rtlCol="0">
-            <a:spAutoFit/>
-          </a:bodyPr>
-          <a:lstStyle/>
-          <a:p>
-            <a:r>
-              <a:rPr lang="en-GB" sz="1600" dirty="0" err="1" smtClean="0">
-                <a:solidFill>
-                  <a:srgbClr val="000000"/>
-                </a:solidFill>
-                <a:latin typeface="Courier New" pitchFamily="49" charset="0"/>
-              </a:rPr>
-              <a:t>$ time python your_script.py</a:t>
-            </a:r>
-          </a:p>
-          <a:p>
-            <a:endParaRPr lang="en-GB" sz="1600" dirty="0" err="1">
-              <a:solidFill>
-                <a:srgbClr val="000000"/>
-              </a:solidFill>
-              <a:latin typeface="Courier New" pitchFamily="49" charset="0"/>
-            </a:endParaRPr>
-          </a:p>
-          <a:p>
-            <a:r>
-              <a:rPr lang="en-GB" sz="1600" dirty="0">
-                <a:solidFill>
-                  <a:srgbClr val="000000"/>
-                </a:solidFill>
-                <a:latin typeface="Courier New" pitchFamily="49" charset="0"/>
-              </a:rPr>
-              <a:t>real	0m0.135s</a:t>
-            </a:r>
-          </a:p>
-          <a:p>
-            <a:r>
-              <a:rPr lang="en-GB" sz="1600" dirty="0">
-                <a:solidFill>
-                  <a:srgbClr val="000000"/>
-                </a:solidFill>
-                <a:latin typeface="Courier New" pitchFamily="49" charset="0"/>
-              </a:rPr>
-              <a:t>user	0m0.125s</a:t>
-            </a:r>
-          </a:p>
-          <a:p>
-            <a:r>
-              <a:rPr lang="en-GB" sz="1600" dirty="0">
-                <a:solidFill>
-                  <a:srgbClr val="000000"/>
-                </a:solidFill>
-                <a:latin typeface="Courier New" pitchFamily="49" charset="0"/>
-              </a:rPr>
-              <a:t>sys	0m0.009s</a:t>
-            </a:r>
-          </a:p>
-          <a:p>
-            <a:endParaRPr lang="en-GB" sz="1600" dirty="0" smtClean="0">
-              <a:solidFill>
-                <a:srgbClr val="000000"/>
-              </a:solidFill>
-              <a:latin typeface="Courier New" pitchFamily="49" charset="0"/>
-            </a:endParaRPr>
-          </a:p>
-        </p:txBody>
-      </p:sp>
-      <p:sp>
-        <p:nvSpPr>
-          <p:cNvPr id="5" name="Date Placeholder 4"/>
-          <p:cNvSpPr>
-            <a:spLocks noGrp="1"/>
-          </p:cNvSpPr>
-          <p:nvPr>
-            <p:ph type="dt" sz="half" idx="10"/>
-          </p:nvPr>
-        </p:nvSpPr>
-        <p:spPr/>
-        <p:txBody>
-          <a:bodyPr/>
-          <a:lstStyle/>
-          <a:p>
-            <a:r>
-              <a:rPr lang="en-US" smtClean="0"/>
-              <a:t>Pietro Berkes, Aug 2017</a:t>
-            </a:r>
-            <a:endParaRPr lang="en-US"/>
-          </a:p>
-        </p:txBody>
-      </p:sp>
-      <p:sp>
-        <p:nvSpPr>
-          <p:cNvPr id="6" name="Footer Placeholder 5"/>
-          <p:cNvSpPr>
-            <a:spLocks noGrp="1"/>
-          </p:cNvSpPr>
-          <p:nvPr>
-            <p:ph type="ftr" sz="quarter" idx="11"/>
-          </p:nvPr>
-        </p:nvSpPr>
-        <p:spPr/>
-        <p:txBody>
-          <a:bodyPr/>
-          <a:lstStyle/>
-          <a:p>
-            <a:r>
-              <a:rPr lang="en-US" smtClean="0"/>
-              <a:t>Testing, debugging, profiling</a:t>
-            </a:r>
-            <a:endParaRPr lang="en-US"/>
-          </a:p>
-        </p:txBody>
-      </p:sp>
-    </p:spTree>
-    <p:extLst>
-      <p:ext uri="{BB962C8B-B14F-4D97-AF65-F5344CB8AC3E}">
-        <p14:creationId xmlns:p14="http://schemas.microsoft.com/office/powerpoint/2010/main" val="2661697105"/>
-      </p:ext>
-    </p:extLst>
-  </p:cSld>
-  <p:clrMapOvr>
-    <a:masterClrMapping/>
-  </p:clrMapOvr>
-  <p:timing>
-    <p:tnLst>
-      <p:par>
-        <p:cTn xmlns:p14="http://schemas.microsoft.com/office/powerpoint/2010/main" id="1" dur="indefinite" restart="never" nodeType="tmRoot"/>
-      </p:par>
-    </p:tnLst>
-  </p:timing>
-</p:sld>
-</file>
-
 <file path=ppt/slides/slide62.xml><?xml version="1.0" encoding="utf-8"?>
 <p:sld xmlns:a="http://schemas.openxmlformats.org/drawingml/2006/main" xmlns:r="http://schemas.openxmlformats.org/officeDocument/2006/relationships" xmlns:p="http://schemas.openxmlformats.org/presentationml/2006/main">
   <p:cSld>
@@ -45886,10 +45911,16 @@
           <a:p>
             <a:r>
               <a:rPr lang="en-GB" dirty="0" err="1" smtClean="0">
+                <a:cs typeface="Courier New" pitchFamily="49" charset="0"/>
+              </a:rPr>
+              <a:t>Measuring time: </a:t>
+            </a:r>
+            <a:r>
+              <a:rPr lang="en-GB" dirty="0" err="1" smtClean="0">
                 <a:latin typeface="Courier New" pitchFamily="49" charset="0"/>
                 <a:cs typeface="Courier New" pitchFamily="49" charset="0"/>
               </a:rPr>
-              <a:t>cProfile</a:t>
+              <a:t>time</a:t>
             </a:r>
             <a:endParaRPr lang="en-GB" dirty="0"/>
           </a:p>
@@ -45905,75 +45936,72 @@
             <p:ph sz="quarter" idx="1"/>
           </p:nvPr>
         </p:nvSpPr>
+        <p:spPr/>
+        <p:txBody>
+          <a:bodyPr>
+            <a:noAutofit/>
+          </a:bodyPr>
+          <a:lstStyle/>
+          <a:p>
+            <a:r>
+              <a:rPr lang="en-GB" dirty="0" smtClean="0"/>
+              <a:t>On *nix systems, the command </a:t>
+            </a:r>
+            <a:r>
+              <a:rPr lang="en-GB" dirty="0" smtClean="0">
+                <a:latin typeface="Courier New"/>
+                <a:cs typeface="Courier New"/>
+              </a:rPr>
+              <a:t>time</a:t>
+            </a:r>
+            <a:r>
+              <a:rPr lang="en-GB" dirty="0" smtClean="0"/>
+              <a:t> gives a quick way of measuring time:</a:t>
+            </a:r>
+          </a:p>
+          <a:p>
+            <a:endParaRPr lang="en-GB" dirty="0"/>
+          </a:p>
+          <a:p>
+            <a:endParaRPr lang="en-GB" dirty="0" smtClean="0"/>
+          </a:p>
+          <a:p>
+            <a:endParaRPr lang="en-GB" dirty="0"/>
+          </a:p>
+          <a:p>
+            <a:endParaRPr lang="en-GB" dirty="0" smtClean="0"/>
+          </a:p>
+          <a:p>
+            <a:r>
+              <a:rPr lang="en-GB" dirty="0"/>
+              <a:t>“real” is wall clock time</a:t>
+            </a:r>
+          </a:p>
+          <a:p>
+            <a:r>
+              <a:rPr lang="en-GB" dirty="0" smtClean="0"/>
+              <a:t>“user” is CPU time executing the script</a:t>
+            </a:r>
+          </a:p>
+          <a:p>
+            <a:r>
+              <a:rPr lang="en-GB" dirty="0"/>
+              <a:t>“sys” is CPU time spent in system calls</a:t>
+            </a:r>
+            <a:endParaRPr lang="en-GB" dirty="0" smtClean="0"/>
+          </a:p>
+        </p:txBody>
+      </p:sp>
+      <p:sp>
+        <p:nvSpPr>
+          <p:cNvPr id="4" name="TextBox 3"/>
+          <p:cNvSpPr txBox="1"/>
+          <p:nvPr/>
+        </p:nvSpPr>
         <p:spPr>
           <a:xfrm>
-            <a:off x="357158" y="1219200"/>
-            <a:ext cx="8572560" cy="4937760"/>
-          </a:xfrm>
-        </p:spPr>
-        <p:txBody>
-          <a:bodyPr/>
-          <a:lstStyle/>
-          <a:p>
-            <a:r>
-              <a:rPr lang="en-GB" dirty="0" smtClean="0"/>
-              <a:t>standard Python module to profile an entire application</a:t>
-            </a:r>
-            <a:br>
-              <a:rPr lang="en-GB" dirty="0" smtClean="0"/>
-            </a:br>
-            <a:r>
-              <a:rPr lang="en-GB" dirty="0" smtClean="0"/>
-              <a:t>(</a:t>
-            </a:r>
-            <a:r>
-              <a:rPr lang="en-GB" sz="2400" dirty="0" smtClean="0">
-                <a:latin typeface="Courier New" pitchFamily="49" charset="0"/>
-                <a:cs typeface="Courier New" pitchFamily="49" charset="0"/>
-              </a:rPr>
-              <a:t>profile </a:t>
-            </a:r>
-            <a:r>
-              <a:rPr lang="en-GB" dirty="0" smtClean="0"/>
-              <a:t>is an old, slow profiling module)</a:t>
-            </a:r>
-          </a:p>
-          <a:p>
-            <a:r>
-              <a:rPr lang="en-GB" dirty="0" smtClean="0"/>
-              <a:t>Running the profiler from command line:</a:t>
-            </a:r>
-            <a:br>
-              <a:rPr lang="en-GB" dirty="0" smtClean="0"/>
-            </a:br>
-            <a:r>
-              <a:rPr lang="en-GB" dirty="0" smtClean="0"/>
-              <a:t/>
-            </a:r>
-            <a:br>
-              <a:rPr lang="en-GB" dirty="0" smtClean="0"/>
-            </a:br>
-            <a:endParaRPr lang="en-GB" dirty="0" smtClean="0"/>
-          </a:p>
-          <a:p>
-            <a:r>
-              <a:rPr lang="en-GB" dirty="0"/>
-              <a:t>Sorting options:</a:t>
-            </a:r>
-            <a:endParaRPr lang="en-US" dirty="0" smtClean="0"/>
-          </a:p>
-        </p:txBody>
-      </p:sp>
-      <p:sp>
-        <p:nvSpPr>
-          <p:cNvPr id="7" name="TextBox 6"/>
-          <p:cNvSpPr txBox="1"/>
-          <p:nvPr/>
-        </p:nvSpPr>
-        <p:spPr>
-          <a:xfrm>
-            <a:off x="755576" y="2564904"/>
-            <a:ext cx="8107834" cy="400110"/>
+            <a:off x="755576" y="2348880"/>
+            <a:ext cx="8001056" cy="1569660"/>
           </a:xfrm>
           <a:prstGeom prst="rect">
             <a:avLst/>
@@ -45987,104 +46015,69 @@
           <a:lstStyle/>
           <a:p>
             <a:r>
-              <a:rPr lang="en-GB" sz="2000" dirty="0" smtClean="0">
+              <a:rPr lang="en-GB" sz="1600" dirty="0" err="1" smtClean="0">
+                <a:solidFill>
+                  <a:srgbClr val="000000"/>
+                </a:solidFill>
                 <a:latin typeface="Courier New" pitchFamily="49" charset="0"/>
-                <a:cs typeface="Courier New" pitchFamily="49" charset="0"/>
-              </a:rPr>
-              <a:t>python -m </a:t>
-            </a:r>
-            <a:r>
-              <a:rPr lang="en-GB" sz="2000" dirty="0" err="1" smtClean="0">
+              </a:rPr>
+              <a:t>$ time python your_script.py</a:t>
+            </a:r>
+          </a:p>
+          <a:p>
+            <a:endParaRPr lang="en-GB" sz="1600" dirty="0" err="1">
+              <a:solidFill>
+                <a:srgbClr val="000000"/>
+              </a:solidFill>
+              <a:latin typeface="Courier New" pitchFamily="49" charset="0"/>
+            </a:endParaRPr>
+          </a:p>
+          <a:p>
+            <a:r>
+              <a:rPr lang="en-GB" sz="1600" dirty="0">
+                <a:solidFill>
+                  <a:srgbClr val="000000"/>
+                </a:solidFill>
                 <a:latin typeface="Courier New" pitchFamily="49" charset="0"/>
-                <a:cs typeface="Courier New" pitchFamily="49" charset="0"/>
-              </a:rPr>
-              <a:t>cProfile</a:t>
-            </a:r>
-            <a:r>
-              <a:rPr lang="en-GB" sz="2000" dirty="0" smtClean="0">
+              </a:rPr>
+              <a:t>real	0m0.135s</a:t>
+            </a:r>
+          </a:p>
+          <a:p>
+            <a:r>
+              <a:rPr lang="en-GB" sz="1600" dirty="0">
+                <a:solidFill>
+                  <a:srgbClr val="000000"/>
+                </a:solidFill>
                 <a:latin typeface="Courier New" pitchFamily="49" charset="0"/>
-                <a:cs typeface="Courier New" pitchFamily="49" charset="0"/>
-              </a:rPr>
-              <a:t> –s cumulative myscript.py</a:t>
-            </a:r>
-            <a:endParaRPr lang="en-GB" sz="2000" dirty="0" smtClean="0"/>
-          </a:p>
-        </p:txBody>
-      </p:sp>
-      <p:sp>
-        <p:nvSpPr>
-          <p:cNvPr id="8" name="TextBox 7"/>
-          <p:cNvSpPr txBox="1"/>
-          <p:nvPr/>
-        </p:nvSpPr>
-        <p:spPr>
-          <a:xfrm>
-            <a:off x="683568" y="3789040"/>
-            <a:ext cx="8280920" cy="1015663"/>
-          </a:xfrm>
-          <a:prstGeom prst="rect">
-            <a:avLst/>
-          </a:prstGeom>
-          <a:noFill/>
-        </p:spPr>
-        <p:txBody>
-          <a:bodyPr wrap="square" rtlCol="0">
-            <a:spAutoFit/>
-          </a:bodyPr>
-          <a:lstStyle/>
-          <a:p>
-            <a:r>
-              <a:rPr lang="en-GB" sz="2000" dirty="0" smtClean="0">
+              </a:rPr>
+              <a:t>user	0m0.125s</a:t>
+            </a:r>
+          </a:p>
+          <a:p>
+            <a:r>
+              <a:rPr lang="en-GB" sz="1600" dirty="0">
+                <a:solidFill>
+                  <a:srgbClr val="000000"/>
+                </a:solidFill>
                 <a:latin typeface="Courier New" pitchFamily="49" charset="0"/>
-                <a:cs typeface="Courier New" pitchFamily="49" charset="0"/>
-              </a:rPr>
-              <a:t>tottime : </a:t>
-            </a:r>
-            <a:r>
-              <a:rPr lang="en-GB" sz="2000" dirty="0" smtClean="0">
-                <a:latin typeface="+mn-lt"/>
-                <a:cs typeface="Courier New" pitchFamily="49" charset="0"/>
-              </a:rPr>
-              <a:t>time spent in function only</a:t>
-            </a:r>
-          </a:p>
-          <a:p>
-            <a:r>
-              <a:rPr lang="en-GB" sz="2000" dirty="0" smtClean="0">
-                <a:latin typeface="Courier New" pitchFamily="49" charset="0"/>
-                <a:cs typeface="Courier New" pitchFamily="49" charset="0"/>
-              </a:rPr>
-              <a:t>cumtime : </a:t>
-            </a:r>
-            <a:r>
-              <a:rPr lang="en-GB" sz="2000" dirty="0" smtClean="0">
-                <a:latin typeface="+mn-lt"/>
-                <a:cs typeface="Courier New" pitchFamily="49" charset="0"/>
-              </a:rPr>
-              <a:t>time spent in function and sub-calls</a:t>
-            </a:r>
-          </a:p>
-          <a:p>
-            <a:r>
-              <a:rPr lang="en-GB" sz="2000" dirty="0">
-                <a:latin typeface="Courier New" pitchFamily="49" charset="0"/>
-                <a:cs typeface="Courier New" pitchFamily="49" charset="0"/>
-              </a:rPr>
-              <a:t>calls   : </a:t>
-            </a:r>
-            <a:r>
-              <a:rPr lang="en-GB" sz="2000" dirty="0">
-                <a:latin typeface="+mn-lt"/>
-                <a:cs typeface="Courier New" pitchFamily="49" charset="0"/>
-              </a:rPr>
-              <a:t>number of calls</a:t>
-            </a:r>
-          </a:p>
-        </p:txBody>
-      </p:sp>
-      <p:sp>
-        <p:nvSpPr>
-          <p:cNvPr id="4" name="Date Placeholder 3"/>
+              </a:rPr>
+              <a:t>sys	0m0.009s</a:t>
+            </a:r>
+          </a:p>
+          <a:p>
+            <a:endParaRPr lang="en-GB" sz="1600" dirty="0" smtClean="0">
+              <a:solidFill>
+                <a:srgbClr val="000000"/>
+              </a:solidFill>
+              <a:latin typeface="Courier New" pitchFamily="49" charset="0"/>
+            </a:endParaRPr>
+          </a:p>
+        </p:txBody>
+      </p:sp>
+      <p:sp>
+        <p:nvSpPr>
+          <p:cNvPr id="5" name="Date Placeholder 4"/>
           <p:cNvSpPr>
             <a:spLocks noGrp="1"/>
           </p:cNvSpPr>
@@ -46107,7 +46100,7 @@
       </p:sp>
       <p:sp>
         <p:nvSpPr>
-          <p:cNvPr id="5" name="Footer Placeholder 4"/>
+          <p:cNvPr id="6" name="Footer Placeholder 5"/>
           <p:cNvSpPr>
             <a:spLocks noGrp="1"/>
           </p:cNvSpPr>
@@ -46129,6 +46122,11 @@
         </p:txBody>
       </p:sp>
     </p:spTree>
+    <p:extLst>
+      <p:ext uri="{BB962C8B-B14F-4D97-AF65-F5344CB8AC3E}">
+        <p14:creationId xmlns:p14="http://schemas.microsoft.com/office/powerpoint/2010/main" val="2661697105"/>
+      </p:ext>
+    </p:extLst>
   </p:cSld>
   <p:clrMapOvr>
     <a:masterClrMapping/>
@@ -46208,7 +46206,31 @@
           <a:p>
             <a:r>
               <a:rPr lang="en-GB" dirty="0" smtClean="0"/>
-              <a:t>Or save results to disk for later inspection:</a:t>
+              <a:t>standard Python module to profile an entire application</a:t>
+            </a:r>
+            <a:br>
+              <a:rPr lang="en-GB" dirty="0" smtClean="0"/>
+            </a:br>
+            <a:r>
+              <a:rPr lang="en-GB" dirty="0" smtClean="0"/>
+              <a:t>(</a:t>
+            </a:r>
+            <a:r>
+              <a:rPr lang="en-GB" sz="2400" dirty="0" smtClean="0">
+                <a:latin typeface="Courier New" pitchFamily="49" charset="0"/>
+                <a:cs typeface="Courier New" pitchFamily="49" charset="0"/>
+              </a:rPr>
+              <a:t>profile </a:t>
+            </a:r>
+            <a:r>
+              <a:rPr lang="en-GB" dirty="0" smtClean="0"/>
+              <a:t>is an old, slow profiling module)</a:t>
+            </a:r>
+          </a:p>
+          <a:p>
+            <a:r>
+              <a:rPr lang="en-GB" dirty="0" smtClean="0"/>
+              <a:t>Running the profiler from command line:</a:t>
             </a:r>
             <a:br>
               <a:rPr lang="en-GB" dirty="0" smtClean="0"/>
@@ -46225,7 +46247,7 @@
           <a:p>
             <a:r>
               <a:rPr lang="en-GB" dirty="0"/>
-              <a:t>Explore with</a:t>
+              <a:t>Sorting options:</a:t>
             </a:r>
             <a:endParaRPr lang="en-US" dirty="0" smtClean="0"/>
           </a:p>
@@ -46239,7 +46261,7 @@
         </p:nvSpPr>
         <p:spPr>
           <a:xfrm>
-            <a:off x="755576" y="1700808"/>
+            <a:off x="755576" y="2564904"/>
             <a:ext cx="8107834" cy="400110"/>
           </a:xfrm>
           <a:prstGeom prst="rect">
@@ -46265,14 +46287,14 @@
                 <a:latin typeface="Courier New" pitchFamily="49" charset="0"/>
                 <a:cs typeface="Courier New" pitchFamily="49" charset="0"/>
               </a:rPr>
-              <a:t>cProfile </a:t>
+              <a:t>cProfile</a:t>
             </a:r>
             <a:r>
               <a:rPr lang="en-GB" sz="2000" dirty="0" smtClean="0">
                 <a:latin typeface="Courier New" pitchFamily="49" charset="0"/>
                 <a:cs typeface="Courier New" pitchFamily="49" charset="0"/>
               </a:rPr>
-              <a:t>–o filename.prof myscript.py</a:t>
+              <a:t> –s cumulative myscript.py</a:t>
             </a:r>
             <a:endParaRPr lang="en-GB" sz="2000" dirty="0" smtClean="0"/>
           </a:p>
@@ -46286,8 +46308,8 @@
         </p:nvSpPr>
         <p:spPr>
           <a:xfrm>
-            <a:off x="755576" y="2996952"/>
-            <a:ext cx="8136904" cy="1938992"/>
+            <a:off x="683568" y="3789040"/>
+            <a:ext cx="8280920" cy="1015663"/>
           </a:xfrm>
           <a:prstGeom prst="rect">
             <a:avLst/>
@@ -46305,109 +46327,46 @@
                 <a:latin typeface="Courier New" pitchFamily="49" charset="0"/>
                 <a:cs typeface="Courier New" pitchFamily="49" charset="0"/>
               </a:rPr>
-              <a:t>python –m </a:t>
-            </a:r>
-            <a:r>
-              <a:rPr lang="en-GB" sz="2000" dirty="0" err="1">
+              <a:t>tottime : </a:t>
+            </a:r>
+            <a:r>
+              <a:rPr lang="en-GB" sz="2000" dirty="0" smtClean="0">
+                <a:latin typeface="+mn-lt"/>
+                <a:cs typeface="Courier New" pitchFamily="49" charset="0"/>
+              </a:rPr>
+              <a:t>time spent in function only</a:t>
+            </a:r>
+          </a:p>
+          <a:p>
+            <a:r>
+              <a:rPr lang="en-GB" sz="2000" dirty="0" smtClean="0">
                 <a:latin typeface="Courier New" pitchFamily="49" charset="0"/>
                 <a:cs typeface="Courier New" pitchFamily="49" charset="0"/>
               </a:rPr>
-              <a:t>pstats </a:t>
-            </a:r>
+              <a:t>cumtime : </a:t>
+            </a:r>
+            <a:r>
+              <a:rPr lang="en-GB" sz="2000" dirty="0" smtClean="0">
+                <a:latin typeface="+mn-lt"/>
+                <a:cs typeface="Courier New" pitchFamily="49" charset="0"/>
+              </a:rPr>
+              <a:t>time spent in function and sub-calls</a:t>
+            </a:r>
+          </a:p>
+          <a:p>
             <a:r>
               <a:rPr lang="en-GB" sz="2000" dirty="0">
                 <a:latin typeface="Courier New" pitchFamily="49" charset="0"/>
                 <a:cs typeface="Courier New" pitchFamily="49" charset="0"/>
               </a:rPr>
-              <a:t>filename</a:t>
-            </a:r>
-            <a:r>
-              <a:rPr lang="en-GB" sz="2000" dirty="0" smtClean="0">
-                <a:latin typeface="Courier New" pitchFamily="49" charset="0"/>
-                <a:cs typeface="Courier New" pitchFamily="49" charset="0"/>
-              </a:rPr>
-              <a:t>.prof</a:t>
-            </a:r>
-          </a:p>
-          <a:p>
-            <a:endParaRPr lang="en-GB" sz="2000" dirty="0">
-              <a:latin typeface="Courier New" pitchFamily="49" charset="0"/>
-              <a:cs typeface="Courier New" pitchFamily="49" charset="0"/>
-            </a:endParaRPr>
-          </a:p>
-          <a:p>
-            <a:r>
-              <a:rPr lang="en-GB" sz="2000" dirty="0" smtClean="0">
-                <a:latin typeface="Courier New" pitchFamily="49" charset="0"/>
-                <a:cs typeface="Courier New" pitchFamily="49" charset="0"/>
-              </a:rPr>
-              <a:t>stats [n | regexp]: </a:t>
-            </a:r>
-            <a:r>
-              <a:rPr lang="en-GB" sz="2000" dirty="0" smtClean="0">
-                <a:latin typeface="+mn-lt"/>
-                <a:cs typeface="Courier New" pitchFamily="49" charset="0"/>
-              </a:rPr>
-              <a:t>print statistics</a:t>
-            </a:r>
-          </a:p>
-          <a:p>
-            <a:r>
-              <a:rPr lang="en-GB" sz="2000" dirty="0">
-                <a:latin typeface="Courier New" pitchFamily="49" charset="0"/>
-                <a:cs typeface="Courier New" pitchFamily="49" charset="0"/>
-              </a:rPr>
-              <a:t>sort [cumulative, time, ...] : </a:t>
+              <a:t>calls   : </a:t>
             </a:r>
             <a:r>
               <a:rPr lang="en-GB" sz="2000" dirty="0">
                 <a:latin typeface="+mn-lt"/>
                 <a:cs typeface="Courier New" pitchFamily="49" charset="0"/>
               </a:rPr>
-              <a:t>change sort order</a:t>
-            </a:r>
-            <a:r>
-              <a:rPr lang="en-GB" sz="2000" dirty="0">
-                <a:latin typeface="Courier New" pitchFamily="49" charset="0"/>
-                <a:cs typeface="Courier New" pitchFamily="49" charset="0"/>
-              </a:rPr>
-              <a:t/>
-            </a:r>
-            <a:br>
-              <a:rPr lang="en-GB" sz="2000" dirty="0">
-                <a:latin typeface="Courier New" pitchFamily="49" charset="0"/>
-                <a:cs typeface="Courier New" pitchFamily="49" charset="0"/>
-              </a:rPr>
-            </a:br>
-            <a:r>
-              <a:rPr lang="en-GB" sz="2000" dirty="0">
-                <a:latin typeface="Courier New" pitchFamily="49" charset="0"/>
-                <a:cs typeface="Courier New" pitchFamily="49" charset="0"/>
-              </a:rPr>
-              <a:t>callers [n | regexp]: </a:t>
-            </a:r>
-            <a:r>
-              <a:rPr lang="en-GB" sz="2000" dirty="0">
-                <a:latin typeface="+mn-lt"/>
-                <a:cs typeface="Courier New" pitchFamily="49" charset="0"/>
-              </a:rPr>
-              <a:t>show callers of functions</a:t>
-            </a:r>
-          </a:p>
-          <a:p>
-            <a:r>
-              <a:rPr lang="en-GB" sz="2000" dirty="0">
-                <a:latin typeface="Courier New" pitchFamily="49" charset="0"/>
-                <a:cs typeface="Courier New" pitchFamily="49" charset="0"/>
-              </a:rPr>
-              <a:t>callees [n | regexp]: </a:t>
-            </a:r>
-            <a:r>
-              <a:rPr lang="en-GB" sz="2000" dirty="0">
-                <a:latin typeface="+mn-lt"/>
-                <a:cs typeface="Courier New" pitchFamily="49" charset="0"/>
-              </a:rPr>
-              <a:t>show callees of functions</a:t>
+              <a:t>number of calls</a:t>
             </a:r>
           </a:p>
         </p:txBody>
@@ -46459,11 +46418,6 @@
         </p:txBody>
       </p:sp>
     </p:spTree>
-    <p:extLst>
-      <p:ext uri="{BB962C8B-B14F-4D97-AF65-F5344CB8AC3E}">
-        <p14:creationId xmlns:p14="http://schemas.microsoft.com/office/powerpoint/2010/main" val="4063644365"/>
-      </p:ext>
-    </p:extLst>
   </p:cSld>
   <p:clrMapOvr>
     <a:masterClrMapping/>
@@ -46511,45 +46465,245 @@
           <a:lstStyle/>
           <a:p>
             <a:r>
-              <a:rPr lang="en-US"/>
-              <a:t>Callgrind</a:t>
-            </a:r>
-          </a:p>
-        </p:txBody>
-      </p:sp>
-      <p:pic>
-        <p:nvPicPr>
-          <p:cNvPr id="6" name="Picture 5" descr="Screen Shot 2015-08-30 at 12.14.29.png"/>
-          <p:cNvPicPr>
-            <a:picLocks noChangeAspect="1"/>
-          </p:cNvPicPr>
-          <p:nvPr/>
-        </p:nvPicPr>
-        <p:blipFill>
-          <a:blip r:embed="rId2">
-            <a:extLst>
-              <a:ext uri="{28A0092B-C50C-407E-A947-70E740481C1C}">
-                <a14:useLocalDpi xmlns:a14="http://schemas.microsoft.com/office/drawing/2010/main" val="0"/>
-              </a:ext>
-            </a:extLst>
-          </a:blip>
-          <a:stretch>
-            <a:fillRect/>
-          </a:stretch>
-        </p:blipFill>
+              <a:rPr lang="en-GB" dirty="0" err="1" smtClean="0">
+                <a:latin typeface="Courier New" pitchFamily="49" charset="0"/>
+                <a:cs typeface="Courier New" pitchFamily="49" charset="0"/>
+              </a:rPr>
+              <a:t>cProfile</a:t>
+            </a:r>
+            <a:endParaRPr lang="en-GB" dirty="0"/>
+          </a:p>
+        </p:txBody>
+      </p:sp>
+      <p:sp>
+        <p:nvSpPr>
+          <p:cNvPr id="3" name="Content Placeholder 2"/>
+          <p:cNvSpPr>
+            <a:spLocks noGrp="1"/>
+          </p:cNvSpPr>
+          <p:nvPr>
+            <p:ph sz="quarter" idx="1"/>
+          </p:nvPr>
+        </p:nvSpPr>
         <p:spPr>
           <a:xfrm>
-            <a:off x="948710" y="1268760"/>
-            <a:ext cx="7295698" cy="4723871"/>
+            <a:off x="357158" y="1219200"/>
+            <a:ext cx="8572560" cy="4937760"/>
+          </a:xfrm>
+        </p:spPr>
+        <p:txBody>
+          <a:bodyPr/>
+          <a:lstStyle/>
+          <a:p>
+            <a:r>
+              <a:rPr lang="en-GB" dirty="0" smtClean="0"/>
+              <a:t>Or save results to disk for later inspection:</a:t>
+            </a:r>
+            <a:br>
+              <a:rPr lang="en-GB" dirty="0" smtClean="0"/>
+            </a:br>
+            <a:r>
+              <a:rPr lang="en-GB" dirty="0" smtClean="0"/>
+              <a:t/>
+            </a:r>
+            <a:br>
+              <a:rPr lang="en-GB" dirty="0" smtClean="0"/>
+            </a:br>
+            <a:endParaRPr lang="en-GB" dirty="0" smtClean="0"/>
+          </a:p>
+          <a:p>
+            <a:r>
+              <a:rPr lang="en-GB" dirty="0"/>
+              <a:t>Explore with</a:t>
+            </a:r>
+            <a:endParaRPr lang="en-US" dirty="0" smtClean="0"/>
+          </a:p>
+        </p:txBody>
+      </p:sp>
+      <p:sp>
+        <p:nvSpPr>
+          <p:cNvPr id="7" name="TextBox 6"/>
+          <p:cNvSpPr txBox="1"/>
+          <p:nvPr/>
+        </p:nvSpPr>
+        <p:spPr>
+          <a:xfrm>
+            <a:off x="755576" y="1700808"/>
+            <a:ext cx="8107834" cy="400110"/>
           </a:xfrm>
           <a:prstGeom prst="rect">
             <a:avLst/>
           </a:prstGeom>
+          <a:noFill/>
         </p:spPr>
-      </p:pic>
-      <p:sp>
-        <p:nvSpPr>
-          <p:cNvPr id="3" name="Date Placeholder 2"/>
+        <p:txBody>
+          <a:bodyPr wrap="square" rtlCol="0">
+            <a:spAutoFit/>
+          </a:bodyPr>
+          <a:lstStyle/>
+          <a:p>
+            <a:r>
+              <a:rPr lang="en-GB" sz="2000" dirty="0" smtClean="0">
+                <a:latin typeface="Courier New" pitchFamily="49" charset="0"/>
+                <a:cs typeface="Courier New" pitchFamily="49" charset="0"/>
+              </a:rPr>
+              <a:t>python -m </a:t>
+            </a:r>
+            <a:r>
+              <a:rPr lang="en-GB" sz="2000" dirty="0" err="1" smtClean="0">
+                <a:latin typeface="Courier New" pitchFamily="49" charset="0"/>
+                <a:cs typeface="Courier New" pitchFamily="49" charset="0"/>
+              </a:rPr>
+              <a:t>cProfile </a:t>
+            </a:r>
+            <a:r>
+              <a:rPr lang="en-GB" sz="2000" dirty="0" smtClean="0">
+                <a:latin typeface="Courier New" pitchFamily="49" charset="0"/>
+                <a:cs typeface="Courier New" pitchFamily="49" charset="0"/>
+              </a:rPr>
+              <a:t>–o filename.prof myscript.py</a:t>
+            </a:r>
+            <a:endParaRPr lang="en-GB" sz="2000" dirty="0" smtClean="0"/>
+          </a:p>
+        </p:txBody>
+      </p:sp>
+      <p:sp>
+        <p:nvSpPr>
+          <p:cNvPr id="8" name="TextBox 7"/>
+          <p:cNvSpPr txBox="1"/>
+          <p:nvPr/>
+        </p:nvSpPr>
+        <p:spPr>
+          <a:xfrm>
+            <a:off x="755576" y="2996952"/>
+            <a:ext cx="8136904" cy="1938992"/>
+          </a:xfrm>
+          <a:prstGeom prst="rect">
+            <a:avLst/>
+          </a:prstGeom>
+          <a:noFill/>
+        </p:spPr>
+        <p:txBody>
+          <a:bodyPr wrap="square" rtlCol="0">
+            <a:spAutoFit/>
+          </a:bodyPr>
+          <a:lstStyle/>
+          <a:p>
+            <a:r>
+              <a:rPr lang="en-GB" sz="2000" dirty="0" smtClean="0">
+                <a:latin typeface="Courier New" pitchFamily="49" charset="0"/>
+                <a:cs typeface="Courier New" pitchFamily="49" charset="0"/>
+              </a:rPr>
+              <a:t>python –m </a:t>
+            </a:r>
+            <a:r>
+              <a:rPr lang="en-GB" sz="2000" dirty="0" err="1">
+                <a:latin typeface="Courier New" pitchFamily="49" charset="0"/>
+                <a:cs typeface="Courier New" pitchFamily="49" charset="0"/>
+              </a:rPr>
+              <a:t>pstats </a:t>
+            </a:r>
+            <a:r>
+              <a:rPr lang="en-GB" sz="2000" dirty="0">
+                <a:latin typeface="Courier New" pitchFamily="49" charset="0"/>
+                <a:cs typeface="Courier New" pitchFamily="49" charset="0"/>
+              </a:rPr>
+              <a:t>filename</a:t>
+            </a:r>
+            <a:r>
+              <a:rPr lang="en-GB" sz="2000" dirty="0" smtClean="0">
+                <a:latin typeface="Courier New" pitchFamily="49" charset="0"/>
+                <a:cs typeface="Courier New" pitchFamily="49" charset="0"/>
+              </a:rPr>
+              <a:t>.prof</a:t>
+            </a:r>
+          </a:p>
+          <a:p>
+            <a:endParaRPr lang="en-GB" sz="2000" dirty="0">
+              <a:latin typeface="Courier New" pitchFamily="49" charset="0"/>
+              <a:cs typeface="Courier New" pitchFamily="49" charset="0"/>
+            </a:endParaRPr>
+          </a:p>
+          <a:p>
+            <a:r>
+              <a:rPr lang="en-GB" sz="2000" dirty="0" smtClean="0">
+                <a:latin typeface="Courier New" pitchFamily="49" charset="0"/>
+                <a:cs typeface="Courier New" pitchFamily="49" charset="0"/>
+              </a:rPr>
+              <a:t>stats [n | regexp]: </a:t>
+            </a:r>
+            <a:r>
+              <a:rPr lang="en-GB" sz="2000" dirty="0" smtClean="0">
+                <a:latin typeface="+mn-lt"/>
+                <a:cs typeface="Courier New" pitchFamily="49" charset="0"/>
+              </a:rPr>
+              <a:t>print statistics</a:t>
+            </a:r>
+          </a:p>
+          <a:p>
+            <a:r>
+              <a:rPr lang="en-GB" sz="2000" dirty="0">
+                <a:latin typeface="Courier New" pitchFamily="49" charset="0"/>
+                <a:cs typeface="Courier New" pitchFamily="49" charset="0"/>
+              </a:rPr>
+              <a:t>sort [cumulative, time, ...] : </a:t>
+            </a:r>
+            <a:r>
+              <a:rPr lang="en-GB" sz="2000" dirty="0">
+                <a:latin typeface="+mn-lt"/>
+                <a:cs typeface="Courier New" pitchFamily="49" charset="0"/>
+              </a:rPr>
+              <a:t>change sort order</a:t>
+            </a:r>
+            <a:r>
+              <a:rPr lang="en-GB" sz="2000" dirty="0">
+                <a:latin typeface="Courier New" pitchFamily="49" charset="0"/>
+                <a:cs typeface="Courier New" pitchFamily="49" charset="0"/>
+              </a:rPr>
+              <a:t/>
+            </a:r>
+            <a:br>
+              <a:rPr lang="en-GB" sz="2000" dirty="0">
+                <a:latin typeface="Courier New" pitchFamily="49" charset="0"/>
+                <a:cs typeface="Courier New" pitchFamily="49" charset="0"/>
+              </a:rPr>
+            </a:br>
+            <a:r>
+              <a:rPr lang="en-GB" sz="2000" dirty="0">
+                <a:latin typeface="Courier New" pitchFamily="49" charset="0"/>
+                <a:cs typeface="Courier New" pitchFamily="49" charset="0"/>
+              </a:rPr>
+              <a:t>callers [n | regexp]: </a:t>
+            </a:r>
+            <a:r>
+              <a:rPr lang="en-GB" sz="2000" dirty="0">
+                <a:latin typeface="+mn-lt"/>
+                <a:cs typeface="Courier New" pitchFamily="49" charset="0"/>
+              </a:rPr>
+              <a:t>show callers of functions</a:t>
+            </a:r>
+          </a:p>
+          <a:p>
+            <a:r>
+              <a:rPr lang="en-GB" sz="2000" dirty="0">
+                <a:latin typeface="Courier New" pitchFamily="49" charset="0"/>
+                <a:cs typeface="Courier New" pitchFamily="49" charset="0"/>
+              </a:rPr>
+              <a:t>callees [n | regexp]: </a:t>
+            </a:r>
+            <a:r>
+              <a:rPr lang="en-GB" sz="2000" dirty="0">
+                <a:latin typeface="+mn-lt"/>
+                <a:cs typeface="Courier New" pitchFamily="49" charset="0"/>
+              </a:rPr>
+              <a:t>show callees of functions</a:t>
+            </a:r>
+          </a:p>
+        </p:txBody>
+      </p:sp>
+      <p:sp>
+        <p:nvSpPr>
+          <p:cNvPr id="4" name="Date Placeholder 3"/>
           <p:cNvSpPr>
             <a:spLocks noGrp="1"/>
           </p:cNvSpPr>
@@ -46572,7 +46726,7 @@
       </p:sp>
       <p:sp>
         <p:nvSpPr>
-          <p:cNvPr id="7" name="Footer Placeholder 6"/>
+          <p:cNvPr id="5" name="Footer Placeholder 4"/>
           <p:cNvSpPr>
             <a:spLocks noGrp="1"/>
           </p:cNvSpPr>
@@ -46596,7 +46750,7 @@
     </p:spTree>
     <p:extLst>
       <p:ext uri="{BB962C8B-B14F-4D97-AF65-F5344CB8AC3E}">
-        <p14:creationId xmlns:p14="http://schemas.microsoft.com/office/powerpoint/2010/main" val="2633883575"/>
+        <p14:creationId xmlns:p14="http://schemas.microsoft.com/office/powerpoint/2010/main" val="4063644365"/>
       </p:ext>
     </p:extLst>
   </p:cSld>
@@ -46647,138 +46801,44 @@
           <a:p>
             <a:r>
               <a:rPr lang="en-US"/>
-              <a:t>Using callgrind</a:t>
-            </a:r>
-          </a:p>
-        </p:txBody>
-      </p:sp>
-      <p:sp>
-        <p:nvSpPr>
-          <p:cNvPr id="3" name="Content Placeholder 2"/>
-          <p:cNvSpPr>
-            <a:spLocks noGrp="1"/>
-          </p:cNvSpPr>
-          <p:nvPr>
-            <p:ph sz="quarter" idx="1"/>
-          </p:nvPr>
-        </p:nvSpPr>
+              <a:t>Callgrind</a:t>
+            </a:r>
+          </a:p>
+        </p:txBody>
+      </p:sp>
+      <p:pic>
+        <p:nvPicPr>
+          <p:cNvPr id="6" name="Picture 5" descr="Screen Shot 2015-08-30 at 12.14.29.png"/>
+          <p:cNvPicPr>
+            <a:picLocks noChangeAspect="1"/>
+          </p:cNvPicPr>
+          <p:nvPr/>
+        </p:nvPicPr>
+        <p:blipFill>
+          <a:blip r:embed="rId2">
+            <a:extLst>
+              <a:ext uri="{28A0092B-C50C-407E-A947-70E740481C1C}">
+                <a14:useLocalDpi xmlns:a14="http://schemas.microsoft.com/office/drawing/2010/main" val="0"/>
+              </a:ext>
+            </a:extLst>
+          </a:blip>
+          <a:stretch>
+            <a:fillRect/>
+          </a:stretch>
+        </p:blipFill>
         <p:spPr>
           <a:xfrm>
-            <a:off x="323528" y="1219200"/>
-            <a:ext cx="8496944" cy="4937760"/>
+            <a:off x="948710" y="1268760"/>
+            <a:ext cx="7295698" cy="4723871"/>
           </a:xfrm>
+          <a:prstGeom prst="rect">
+            <a:avLst/>
+          </a:prstGeom>
         </p:spPr>
-        <p:txBody>
-          <a:bodyPr>
-            <a:normAutofit/>
-          </a:bodyPr>
-          <a:lstStyle/>
-          <a:p>
-            <a:pPr marL="0" indent="0">
-              <a:buNone/>
-            </a:pPr>
-            <a:r>
-              <a:rPr lang="en-US"/>
-              <a:t>Callgrind gives graphical representation of profiling results:</a:t>
-            </a:r>
-          </a:p>
-          <a:p>
-            <a:r>
-              <a:rPr lang="en-US"/>
-              <a:t>Run profiler:</a:t>
-            </a:r>
-            <a:br>
-              <a:rPr lang="en-US"/>
-            </a:br>
-            <a:r>
-              <a:rPr lang="en-US" sz="2000">
-                <a:latin typeface="Courier New"/>
-                <a:cs typeface="Courier New"/>
-              </a:rPr>
-              <a:t>python -m cProfile -o factorial.prof factorial.py </a:t>
-            </a:r>
-          </a:p>
-          <a:p>
-            <a:r>
-              <a:rPr lang="en-US"/>
-              <a:t>Transform results in callgrind format:</a:t>
-            </a:r>
-            <a:br>
-              <a:rPr lang="en-US"/>
-            </a:br>
-            <a:r>
-              <a:rPr lang="en-US" sz="2000">
-                <a:latin typeface="Courier New"/>
-                <a:cs typeface="Courier New"/>
-              </a:rPr>
-              <a:t>pyprof2calltree -i factorial.prof -o callgrind.out.1</a:t>
-            </a:r>
-          </a:p>
-          <a:p>
-            <a:r>
-              <a:rPr lang="en-US"/>
-              <a:t>Run callgrind:</a:t>
-            </a:r>
-            <a:br>
-              <a:rPr lang="en-US"/>
-            </a:br>
-            <a:r>
-              <a:rPr lang="en-US" sz="2000">
-                <a:latin typeface="Courier New"/>
-                <a:cs typeface="Courier New"/>
-              </a:rPr>
-              <a:t>qcallgrind callgrind.out.1</a:t>
-            </a:r>
-            <a:br>
-              <a:rPr lang="en-US" sz="2000">
-                <a:latin typeface="Courier New"/>
-                <a:cs typeface="Courier New"/>
-              </a:rPr>
-            </a:br>
-            <a:r>
-              <a:rPr lang="en-US" sz="2000">
-                <a:cs typeface="Courier New"/>
-              </a:rPr>
-              <a:t>or</a:t>
-            </a:r>
-            <a:r>
-              <a:rPr lang="en-US" sz="2000">
-                <a:latin typeface="Courier New"/>
-                <a:cs typeface="Courier New"/>
-              </a:rPr>
-              <a:t/>
-            </a:r>
-            <a:br>
-              <a:rPr lang="en-US" sz="2000">
-                <a:latin typeface="Courier New"/>
-                <a:cs typeface="Courier New"/>
-              </a:rPr>
-            </a:br>
-            <a:r>
-              <a:rPr lang="en-US" sz="2000">
-                <a:latin typeface="Courier New"/>
-                <a:cs typeface="Courier New"/>
-              </a:rPr>
-              <a:t>kcachegrind callgrind.out.1</a:t>
-            </a:r>
-          </a:p>
-          <a:p>
-            <a:endParaRPr lang="en-US" sz="2000">
-              <a:latin typeface="Courier New"/>
-              <a:cs typeface="Courier New"/>
-            </a:endParaRPr>
-          </a:p>
-          <a:p>
-            <a:pPr marL="0" indent="0">
-              <a:buNone/>
-            </a:pPr>
-            <a:endParaRPr lang="en-US"/>
-          </a:p>
-        </p:txBody>
-      </p:sp>
-      <p:sp>
-        <p:nvSpPr>
-          <p:cNvPr id="6" name="Date Placeholder 5"/>
+      </p:pic>
+      <p:sp>
+        <p:nvSpPr>
+          <p:cNvPr id="3" name="Date Placeholder 2"/>
           <p:cNvSpPr>
             <a:spLocks noGrp="1"/>
           </p:cNvSpPr>
@@ -46825,7 +46885,7 @@
     </p:spTree>
     <p:extLst>
       <p:ext uri="{BB962C8B-B14F-4D97-AF65-F5344CB8AC3E}">
-        <p14:creationId xmlns:p14="http://schemas.microsoft.com/office/powerpoint/2010/main" val="1942706288"/>
+        <p14:creationId xmlns:p14="http://schemas.microsoft.com/office/powerpoint/2010/main" val="2633883575"/>
       </p:ext>
     </p:extLst>
   </p:cSld>
@@ -46876,7 +46936,7 @@
           <a:p>
             <a:r>
               <a:rPr lang="en-US"/>
-              <a:t>Hands-on</a:t>
+              <a:t>Using callgrind</a:t>
             </a:r>
           </a:p>
         </p:txBody>
@@ -46891,56 +46951,114 @@
             <p:ph sz="quarter" idx="1"/>
           </p:nvPr>
         </p:nvSpPr>
-        <p:spPr/>
-        <p:txBody>
-          <a:bodyPr/>
+        <p:spPr>
+          <a:xfrm>
+            <a:off x="323528" y="1219200"/>
+            <a:ext cx="8496944" cy="4937760"/>
+          </a:xfrm>
+        </p:spPr>
+        <p:txBody>
+          <a:bodyPr>
+            <a:normAutofit/>
+          </a:bodyPr>
           <a:lstStyle/>
           <a:p>
+            <a:pPr marL="0" indent="0">
+              <a:buNone/>
+            </a:pPr>
             <a:r>
               <a:rPr lang="en-US"/>
-              <a:t>Make sure you can profile and run cachegrind</a:t>
+              <a:t>Callgrind gives graphical representation of profiling results:</a:t>
             </a:r>
           </a:p>
           <a:p>
             <a:r>
               <a:rPr lang="en-US"/>
-              <a:t>Optimize the </a:t>
-            </a:r>
-            <a:r>
-              <a:rPr lang="en-US">
+              <a:t>Run profiler:</a:t>
+            </a:r>
+            <a:br>
+              <a:rPr lang="en-US"/>
+            </a:br>
+            <a:r>
+              <a:rPr lang="en-US" sz="2000">
                 <a:latin typeface="Courier New"/>
                 <a:cs typeface="Courier New"/>
               </a:rPr>
-              <a:t>factorial</a:t>
-            </a:r>
+              <a:t>python -m cProfile -o factorial.prof factorial.py </a:t>
+            </a:r>
+          </a:p>
+          <a:p>
             <a:r>
               <a:rPr lang="en-US"/>
-              <a:t> funciton</a:t>
-            </a:r>
-          </a:p>
-          <a:p>
-            <a:pPr lvl="1"/>
-            <a:r>
+              <a:t>Transform results in callgrind format:</a:t>
+            </a:r>
+            <a:br>
               <a:rPr lang="en-US"/>
-              <a:t>Modify the code</a:t>
-            </a:r>
-          </a:p>
-          <a:p>
-            <a:pPr lvl="1"/>
+            </a:br>
+            <a:r>
+              <a:rPr lang="en-US" sz="2000">
+                <a:latin typeface="Courier New"/>
+                <a:cs typeface="Courier New"/>
+              </a:rPr>
+              <a:t>pyprof2calltree -i factorial.prof -o callgrind.out.1</a:t>
+            </a:r>
+          </a:p>
+          <a:p>
             <a:r>
               <a:rPr lang="en-US"/>
-              <a:t>Run tests to make sure it still works</a:t>
-            </a:r>
-          </a:p>
-          <a:p>
-            <a:pPr lvl="1"/>
-            <a:r>
+              <a:t>Run callgrind:</a:t>
+            </a:r>
+            <a:br>
               <a:rPr lang="en-US"/>
-              <a:t>Profile and measure progress</a:t>
-            </a:r>
-          </a:p>
-          <a:p>
-            <a:pPr marL="274320" lvl="1" indent="0">
+            </a:br>
+            <a:r>
+              <a:rPr lang="en-US" sz="2000">
+                <a:latin typeface="Courier New"/>
+                <a:cs typeface="Courier New"/>
+              </a:rPr>
+              <a:t>qcallgrind callgrind.out.1</a:t>
+            </a:r>
+            <a:br>
+              <a:rPr lang="en-US" sz="2000">
+                <a:latin typeface="Courier New"/>
+                <a:cs typeface="Courier New"/>
+              </a:rPr>
+            </a:br>
+            <a:r>
+              <a:rPr lang="en-US" sz="2000">
+                <a:cs typeface="Courier New"/>
+              </a:rPr>
+              <a:t>or</a:t>
+            </a:r>
+            <a:r>
+              <a:rPr lang="en-US" sz="2000">
+                <a:latin typeface="Courier New"/>
+                <a:cs typeface="Courier New"/>
+              </a:rPr>
+              <a:t/>
+            </a:r>
+            <a:br>
+              <a:rPr lang="en-US" sz="2000">
+                <a:latin typeface="Courier New"/>
+                <a:cs typeface="Courier New"/>
+              </a:rPr>
+            </a:br>
+            <a:r>
+              <a:rPr lang="en-US" sz="2000">
+                <a:latin typeface="Courier New"/>
+                <a:cs typeface="Courier New"/>
+              </a:rPr>
+              <a:t>kcachegrind callgrind.out.1</a:t>
+            </a:r>
+          </a:p>
+          <a:p>
+            <a:endParaRPr lang="en-US" sz="2000">
+              <a:latin typeface="Courier New"/>
+              <a:cs typeface="Courier New"/>
+            </a:endParaRPr>
+          </a:p>
+          <a:p>
+            <a:pPr marL="0" indent="0">
               <a:buNone/>
             </a:pPr>
             <a:endParaRPr lang="en-US"/>
@@ -46996,13 +47114,20 @@
     </p:spTree>
     <p:extLst>
       <p:ext uri="{BB962C8B-B14F-4D97-AF65-F5344CB8AC3E}">
-        <p14:creationId xmlns:p14="http://schemas.microsoft.com/office/powerpoint/2010/main" val="2502568403"/>
+        <p14:creationId xmlns:p14="http://schemas.microsoft.com/office/powerpoint/2010/main" val="1942706288"/>
       </p:ext>
     </p:extLst>
   </p:cSld>
   <p:clrMapOvr>
     <a:masterClrMapping/>
   </p:clrMapOvr>
+  <p:timing>
+    <p:tnLst>
+      <p:par>
+        <p:cTn xmlns:p14="http://schemas.microsoft.com/office/powerpoint/2010/main" id="1" dur="indefinite" restart="never" nodeType="tmRoot"/>
+      </p:par>
+    </p:tnLst>
+  </p:timing>
 </p:sld>
 </file>
 
@@ -47040,7 +47165,7 @@
           <a:p>
             <a:r>
               <a:rPr lang="en-US"/>
-              <a:t>Fine-grained profiling: kernprof</a:t>
+              <a:t>Hands-on</a:t>
             </a:r>
           </a:p>
         </p:txBody>
@@ -47062,45 +47187,52 @@
           <a:p>
             <a:r>
               <a:rPr lang="en-US"/>
-              <a:t>You can profile a subset of all functions by decorating them with </a:t>
+              <a:t>Make sure you can profile and run cachegrind</a:t>
+            </a:r>
+          </a:p>
+          <a:p>
+            <a:r>
+              <a:rPr lang="en-US"/>
+              <a:t>Optimize the </a:t>
             </a:r>
             <a:r>
               <a:rPr lang="en-US">
                 <a:latin typeface="Courier New"/>
                 <a:cs typeface="Courier New"/>
               </a:rPr>
-              <a:t>@profile</a:t>
+              <a:t>factorial</a:t>
             </a:r>
             <a:r>
               <a:rPr lang="en-US"/>
-              <a:t/>
-            </a:r>
-            <a:br>
+              <a:t> funciton</a:t>
+            </a:r>
+          </a:p>
+          <a:p>
+            <a:pPr lvl="1"/>
+            <a:r>
               <a:rPr lang="en-US"/>
-            </a:br>
-            <a:r>
-              <a:rPr lang="en-US">
-                <a:latin typeface="Courier New"/>
-                <a:cs typeface="Courier New"/>
-              </a:rPr>
-              <a:t>kernprof –b -v factorial.py</a:t>
-            </a:r>
-          </a:p>
-          <a:p>
+              <a:t>Modify the code</a:t>
+            </a:r>
+          </a:p>
+          <a:p>
+            <a:pPr lvl="1"/>
             <a:r>
               <a:rPr lang="en-US"/>
-              <a:t>Line-by-line profiling</a:t>
-            </a:r>
-            <a:br>
+              <a:t>Run tests to make sure it still works</a:t>
+            </a:r>
+          </a:p>
+          <a:p>
+            <a:pPr lvl="1"/>
+            <a:r>
               <a:rPr lang="en-US"/>
-            </a:br>
-            <a:r>
-              <a:rPr lang="en-US">
-                <a:latin typeface="Courier New"/>
-                <a:cs typeface="Courier New"/>
-              </a:rPr>
-              <a:t>kernprof -b -l -v factorial.py</a:t>
-            </a:r>
+              <a:t>Profile and measure progress</a:t>
+            </a:r>
+          </a:p>
+          <a:p>
+            <a:pPr marL="274320" lvl="1" indent="0">
+              <a:buNone/>
+            </a:pPr>
+            <a:endParaRPr lang="en-US"/>
           </a:p>
         </p:txBody>
       </p:sp>
@@ -47153,20 +47285,13 @@
     </p:spTree>
     <p:extLst>
       <p:ext uri="{BB962C8B-B14F-4D97-AF65-F5344CB8AC3E}">
-        <p14:creationId xmlns:p14="http://schemas.microsoft.com/office/powerpoint/2010/main" val="2331284151"/>
+        <p14:creationId xmlns:p14="http://schemas.microsoft.com/office/powerpoint/2010/main" val="2502568403"/>
       </p:ext>
     </p:extLst>
   </p:cSld>
   <p:clrMapOvr>
     <a:masterClrMapping/>
   </p:clrMapOvr>
-  <p:timing>
-    <p:tnLst>
-      <p:par>
-        <p:cTn xmlns:p14="http://schemas.microsoft.com/office/powerpoint/2010/main" id="1" dur="indefinite" restart="never" nodeType="tmRoot"/>
-      </p:par>
-    </p:tnLst>
-  </p:timing>
 </p:sld>
 </file>
 
@@ -47204,7 +47329,7 @@
           <a:p>
             <a:r>
               <a:rPr lang="en-US"/>
-              <a:t>No safety net!</a:t>
+              <a:t>Fine-grained profiling: kernprof</a:t>
             </a:r>
           </a:p>
         </p:txBody>
@@ -47226,7 +47351,44 @@
           <a:p>
             <a:r>
               <a:rPr lang="en-US"/>
-              <a:t>Optimization of contributed code (or residuals)</a:t>
+              <a:t>You can profile a subset of all functions by decorating them with </a:t>
+            </a:r>
+            <a:r>
+              <a:rPr lang="en-US">
+                <a:latin typeface="Courier New"/>
+                <a:cs typeface="Courier New"/>
+              </a:rPr>
+              <a:t>@profile</a:t>
+            </a:r>
+            <a:r>
+              <a:rPr lang="en-US"/>
+              <a:t/>
+            </a:r>
+            <a:br>
+              <a:rPr lang="en-US"/>
+            </a:br>
+            <a:r>
+              <a:rPr lang="en-US">
+                <a:latin typeface="Courier New"/>
+                <a:cs typeface="Courier New"/>
+              </a:rPr>
+              <a:t>kernprof –b -v factorial.py</a:t>
+            </a:r>
+          </a:p>
+          <a:p>
+            <a:r>
+              <a:rPr lang="en-US"/>
+              <a:t>Line-by-line profiling</a:t>
+            </a:r>
+            <a:br>
+              <a:rPr lang="en-US"/>
+            </a:br>
+            <a:r>
+              <a:rPr lang="en-US">
+                <a:latin typeface="Courier New"/>
+                <a:cs typeface="Courier New"/>
+              </a:rPr>
+              <a:t>kernprof -b -l -v factorial.py</a:t>
             </a:r>
           </a:p>
         </p:txBody>
@@ -47280,7 +47442,7 @@
     </p:spTree>
     <p:extLst>
       <p:ext uri="{BB962C8B-B14F-4D97-AF65-F5344CB8AC3E}">
-        <p14:creationId xmlns:p14="http://schemas.microsoft.com/office/powerpoint/2010/main" val="4068521431"/>
+        <p14:creationId xmlns:p14="http://schemas.microsoft.com/office/powerpoint/2010/main" val="2331284151"/>
       </p:ext>
     </p:extLst>
   </p:cSld>
@@ -47316,43 +47478,51 @@
       </p:grpSpPr>
       <p:sp>
         <p:nvSpPr>
-          <p:cNvPr id="7" name="TextBox 6"/>
-          <p:cNvSpPr txBox="1"/>
-          <p:nvPr/>
-        </p:nvSpPr>
-        <p:spPr>
-          <a:xfrm>
-            <a:off x="827584" y="1628800"/>
-            <a:ext cx="7416824" cy="769441"/>
-          </a:xfrm>
-          <a:prstGeom prst="rect">
-            <a:avLst/>
-          </a:prstGeom>
-          <a:noFill/>
-        </p:spPr>
-        <p:txBody>
-          <a:bodyPr wrap="square" rtlCol="0">
-            <a:spAutoFit/>
-          </a:bodyPr>
+          <p:cNvPr id="2" name="Title 1"/>
+          <p:cNvSpPr>
+            <a:spLocks noGrp="1"/>
+          </p:cNvSpPr>
+          <p:nvPr>
+            <p:ph type="title"/>
+          </p:nvPr>
+        </p:nvSpPr>
+        <p:spPr/>
+        <p:txBody>
+          <a:bodyPr/>
           <a:lstStyle/>
           <a:p>
-            <a:pPr algn="ctr"/>
-            <a:r>
-              <a:rPr lang="en-US" sz="4400">
-                <a:latin typeface="+mj-lt"/>
-                <a:cs typeface="Consolas"/>
-              </a:rPr>
-              <a:t>Debugging</a:t>
-            </a:r>
-            <a:endParaRPr lang="en-US" sz="4400">
-              <a:latin typeface="+mj-lt"/>
-            </a:endParaRPr>
-          </a:p>
-        </p:txBody>
-      </p:sp>
-      <p:sp>
-        <p:nvSpPr>
-          <p:cNvPr id="2" name="Date Placeholder 1"/>
+            <a:r>
+              <a:rPr lang="en-US"/>
+              <a:t>No safety net!</a:t>
+            </a:r>
+          </a:p>
+        </p:txBody>
+      </p:sp>
+      <p:sp>
+        <p:nvSpPr>
+          <p:cNvPr id="3" name="Content Placeholder 2"/>
+          <p:cNvSpPr>
+            <a:spLocks noGrp="1"/>
+          </p:cNvSpPr>
+          <p:nvPr>
+            <p:ph sz="quarter" idx="1"/>
+          </p:nvPr>
+        </p:nvSpPr>
+        <p:spPr/>
+        <p:txBody>
+          <a:bodyPr/>
+          <a:lstStyle/>
+          <a:p>
+            <a:r>
+              <a:rPr lang="en-US"/>
+              <a:t>Optimization of contributed code (or residuals)</a:t>
+            </a:r>
+          </a:p>
+        </p:txBody>
+      </p:sp>
+      <p:sp>
+        <p:nvSpPr>
+          <p:cNvPr id="6" name="Date Placeholder 5"/>
           <p:cNvSpPr>
             <a:spLocks noGrp="1"/>
           </p:cNvSpPr>
@@ -47375,7 +47545,7 @@
       </p:sp>
       <p:sp>
         <p:nvSpPr>
-          <p:cNvPr id="5" name="Footer Placeholder 4"/>
+          <p:cNvPr id="7" name="Footer Placeholder 6"/>
           <p:cNvSpPr>
             <a:spLocks noGrp="1"/>
           </p:cNvSpPr>
@@ -47399,7 +47569,7 @@
     </p:spTree>
     <p:extLst>
       <p:ext uri="{BB962C8B-B14F-4D97-AF65-F5344CB8AC3E}">
-        <p14:creationId xmlns:p14="http://schemas.microsoft.com/office/powerpoint/2010/main" val="2955799924"/>
+        <p14:creationId xmlns:p14="http://schemas.microsoft.com/office/powerpoint/2010/main" val="4068521431"/>
       </p:ext>
     </p:extLst>
   </p:cSld>
@@ -47563,6 +47733,125 @@
 </file>
 
 <file path=ppt/slides/slide70.xml><?xml version="1.0" encoding="utf-8"?>
+<p:sld xmlns:a="http://schemas.openxmlformats.org/drawingml/2006/main" xmlns:r="http://schemas.openxmlformats.org/officeDocument/2006/relationships" xmlns:p="http://schemas.openxmlformats.org/presentationml/2006/main">
+  <p:cSld>
+    <p:spTree>
+      <p:nvGrpSpPr>
+        <p:cNvPr id="1" name=""/>
+        <p:cNvGrpSpPr/>
+        <p:nvPr/>
+      </p:nvGrpSpPr>
+      <p:grpSpPr>
+        <a:xfrm>
+          <a:off x="0" y="0"/>
+          <a:ext cx="0" cy="0"/>
+          <a:chOff x="0" y="0"/>
+          <a:chExt cx="0" cy="0"/>
+        </a:xfrm>
+      </p:grpSpPr>
+      <p:sp>
+        <p:nvSpPr>
+          <p:cNvPr id="7" name="TextBox 6"/>
+          <p:cNvSpPr txBox="1"/>
+          <p:nvPr/>
+        </p:nvSpPr>
+        <p:spPr>
+          <a:xfrm>
+            <a:off x="827584" y="1628800"/>
+            <a:ext cx="7416824" cy="769441"/>
+          </a:xfrm>
+          <a:prstGeom prst="rect">
+            <a:avLst/>
+          </a:prstGeom>
+          <a:noFill/>
+        </p:spPr>
+        <p:txBody>
+          <a:bodyPr wrap="square" rtlCol="0">
+            <a:spAutoFit/>
+          </a:bodyPr>
+          <a:lstStyle/>
+          <a:p>
+            <a:pPr algn="ctr"/>
+            <a:r>
+              <a:rPr lang="en-US" sz="4400">
+                <a:latin typeface="+mj-lt"/>
+                <a:cs typeface="Consolas"/>
+              </a:rPr>
+              <a:t>Debugging</a:t>
+            </a:r>
+            <a:endParaRPr lang="en-US" sz="4400">
+              <a:latin typeface="+mj-lt"/>
+            </a:endParaRPr>
+          </a:p>
+        </p:txBody>
+      </p:sp>
+      <p:sp>
+        <p:nvSpPr>
+          <p:cNvPr id="2" name="Date Placeholder 1"/>
+          <p:cNvSpPr>
+            <a:spLocks noGrp="1"/>
+          </p:cNvSpPr>
+          <p:nvPr>
+            <p:ph type="dt" sz="half" idx="10"/>
+          </p:nvPr>
+        </p:nvSpPr>
+        <p:spPr/>
+        <p:txBody>
+          <a:bodyPr/>
+          <a:lstStyle/>
+          <a:p>
+            <a:r>
+              <a:rPr lang="en-US" smtClean="0"/>
+              <a:t>Pietro Berkes, Aug 2017</a:t>
+            </a:r>
+            <a:endParaRPr lang="en-US"/>
+          </a:p>
+        </p:txBody>
+      </p:sp>
+      <p:sp>
+        <p:nvSpPr>
+          <p:cNvPr id="5" name="Footer Placeholder 4"/>
+          <p:cNvSpPr>
+            <a:spLocks noGrp="1"/>
+          </p:cNvSpPr>
+          <p:nvPr>
+            <p:ph type="ftr" sz="quarter" idx="11"/>
+          </p:nvPr>
+        </p:nvSpPr>
+        <p:spPr/>
+        <p:txBody>
+          <a:bodyPr/>
+          <a:lstStyle/>
+          <a:p>
+            <a:r>
+              <a:rPr lang="en-US" smtClean="0"/>
+              <a:t>Testing, debugging, profiling</a:t>
+            </a:r>
+            <a:endParaRPr lang="en-US"/>
+          </a:p>
+        </p:txBody>
+      </p:sp>
+    </p:spTree>
+    <p:extLst>
+      <p:ext uri="{BB962C8B-B14F-4D97-AF65-F5344CB8AC3E}">
+        <p14:creationId xmlns:p14="http://schemas.microsoft.com/office/powerpoint/2010/main" val="2955799924"/>
+      </p:ext>
+    </p:extLst>
+  </p:cSld>
+  <p:clrMapOvr>
+    <a:masterClrMapping/>
+  </p:clrMapOvr>
+  <p:timing>
+    <p:tnLst>
+      <p:par>
+        <p:cTn xmlns:p14="http://schemas.microsoft.com/office/powerpoint/2010/main" id="1" dur="indefinite" restart="never" nodeType="tmRoot"/>
+      </p:par>
+    </p:tnLst>
+  </p:timing>
+</p:sld>
+</file>
+
+<file path=ppt/slides/slide71.xml><?xml version="1.0" encoding="utf-8"?>
 <p:sld xmlns:a="http://schemas.openxmlformats.org/drawingml/2006/main" xmlns:r="http://schemas.openxmlformats.org/officeDocument/2006/relationships" xmlns:p="http://schemas.openxmlformats.org/presentationml/2006/main">
   <p:cSld>
     <p:spTree>
@@ -47972,7 +48261,7 @@
 </p:sld>
 </file>
 
-<file path=ppt/slides/slide71.xml><?xml version="1.0" encoding="utf-8"?>
+<file path=ppt/slides/slide72.xml><?xml version="1.0" encoding="utf-8"?>
 <p:sld xmlns:a="http://schemas.openxmlformats.org/drawingml/2006/main" xmlns:r="http://schemas.openxmlformats.org/officeDocument/2006/relationships" xmlns:p="http://schemas.openxmlformats.org/presentationml/2006/main">
   <p:cSld>
     <p:spTree>
@@ -48292,7 +48581,7 @@
 </p:sld>
 </file>
 
-<file path=ppt/slides/slide72.xml><?xml version="1.0" encoding="utf-8"?>
+<file path=ppt/slides/slide73.xml><?xml version="1.0" encoding="utf-8"?>
 <p:sld xmlns:a="http://schemas.openxmlformats.org/drawingml/2006/main" xmlns:r="http://schemas.openxmlformats.org/officeDocument/2006/relationships" xmlns:p="http://schemas.openxmlformats.org/presentationml/2006/main">
   <p:cSld>
     <p:spTree>
@@ -48491,7 +48780,7 @@
 </p:sld>
 </file>
 
-<file path=ppt/slides/slide73.xml><?xml version="1.0" encoding="utf-8"?>
+<file path=ppt/slides/slide74.xml><?xml version="1.0" encoding="utf-8"?>
 <p:sld xmlns:a="http://schemas.openxmlformats.org/drawingml/2006/main" xmlns:r="http://schemas.openxmlformats.org/officeDocument/2006/relationships" xmlns:p="http://schemas.openxmlformats.org/presentationml/2006/main">
   <p:cSld>
     <p:spTree>
@@ -48630,588 +48919,6 @@
 </p:sld>
 </file>
 
-<file path=ppt/slides/slide74.xml><?xml version="1.0" encoding="utf-8"?>
-<p:sld xmlns:a="http://schemas.openxmlformats.org/drawingml/2006/main" xmlns:r="http://schemas.openxmlformats.org/officeDocument/2006/relationships" xmlns:p="http://schemas.openxmlformats.org/presentationml/2006/main">
-  <p:cSld>
-    <p:spTree>
-      <p:nvGrpSpPr>
-        <p:cNvPr id="1" name=""/>
-        <p:cNvGrpSpPr/>
-        <p:nvPr/>
-      </p:nvGrpSpPr>
-      <p:grpSpPr>
-        <a:xfrm>
-          <a:off x="0" y="0"/>
-          <a:ext cx="0" cy="0"/>
-          <a:chOff x="0" y="0"/>
-          <a:chExt cx="0" cy="0"/>
-        </a:xfrm>
-      </p:grpSpPr>
-      <p:sp>
-        <p:nvSpPr>
-          <p:cNvPr id="2" name="Title 1"/>
-          <p:cNvSpPr>
-            <a:spLocks noGrp="1"/>
-          </p:cNvSpPr>
-          <p:nvPr>
-            <p:ph type="title"/>
-          </p:nvPr>
-        </p:nvSpPr>
-        <p:spPr/>
-        <p:txBody>
-          <a:bodyPr/>
-          <a:lstStyle/>
-          <a:p>
-            <a:r>
-              <a:rPr lang="en-GB" dirty="0" smtClean="0"/>
-              <a:t>Entering the debugger</a:t>
-            </a:r>
-            <a:endParaRPr lang="en-GB" dirty="0"/>
-          </a:p>
-        </p:txBody>
-      </p:sp>
-      <p:sp>
-        <p:nvSpPr>
-          <p:cNvPr id="3" name="Content Placeholder 2"/>
-          <p:cNvSpPr>
-            <a:spLocks noGrp="1"/>
-          </p:cNvSpPr>
-          <p:nvPr>
-            <p:ph sz="quarter" idx="1"/>
-          </p:nvPr>
-        </p:nvSpPr>
-        <p:spPr/>
-        <p:txBody>
-          <a:bodyPr>
-            <a:noAutofit/>
-          </a:bodyPr>
-          <a:lstStyle/>
-          <a:p>
-            <a:pPr indent="228600">
-              <a:spcAft>
-                <a:spcPts val="0"/>
-              </a:spcAft>
-            </a:pPr>
-            <a:r>
-              <a:rPr lang="en-US" dirty="0" smtClean="0">
-                <a:ea typeface="Times New Roman"/>
-                <a:cs typeface="Times New Roman"/>
-              </a:rPr>
-              <a:t>Enter debugger at the start of a file:</a:t>
-            </a:r>
-            <a:r>
-              <a:rPr lang="en-US" sz="2800" dirty="0" smtClean="0">
-                <a:latin typeface="Calibri"/>
-                <a:ea typeface="Times New Roman"/>
-                <a:cs typeface="Times New Roman"/>
-              </a:rPr>
-              <a:t/>
-            </a:r>
-            <a:br>
-              <a:rPr lang="en-US" sz="2800" dirty="0" smtClean="0">
-                <a:latin typeface="Calibri"/>
-                <a:ea typeface="Times New Roman"/>
-                <a:cs typeface="Times New Roman"/>
-              </a:rPr>
-            </a:br>
-            <a:r>
-              <a:rPr lang="en-US" sz="2800" dirty="0" smtClean="0">
-                <a:latin typeface="Calibri"/>
-                <a:ea typeface="Times New Roman"/>
-                <a:cs typeface="Times New Roman"/>
-              </a:rPr>
-              <a:t>    </a:t>
-            </a:r>
-            <a:r>
-              <a:rPr lang="en-US" sz="2400" dirty="0" smtClean="0">
-                <a:latin typeface="Courier New" pitchFamily="49" charset="0"/>
-                <a:ea typeface="Times New Roman"/>
-                <a:cs typeface="Times New Roman"/>
-              </a:rPr>
-              <a:t>python –m </a:t>
-            </a:r>
-            <a:r>
-              <a:rPr lang="en-US" sz="2400" dirty="0" err="1" smtClean="0">
-                <a:latin typeface="Courier New" pitchFamily="49" charset="0"/>
-                <a:ea typeface="Times New Roman"/>
-                <a:cs typeface="Times New Roman"/>
-              </a:rPr>
-              <a:t>pdb</a:t>
-            </a:r>
-            <a:r>
-              <a:rPr lang="en-US" sz="2400" dirty="0" smtClean="0">
-                <a:latin typeface="Courier New" pitchFamily="49" charset="0"/>
-                <a:ea typeface="Times New Roman"/>
-                <a:cs typeface="Times New Roman"/>
-              </a:rPr>
-              <a:t> myscript.py</a:t>
-            </a:r>
-            <a:endParaRPr lang="en-GB" sz="2400" dirty="0" smtClean="0">
-              <a:latin typeface="Calibri"/>
-              <a:ea typeface="Times New Roman"/>
-              <a:cs typeface="Times New Roman"/>
-            </a:endParaRPr>
-          </a:p>
-          <a:p>
-            <a:pPr indent="228600">
-              <a:spcAft>
-                <a:spcPts val="0"/>
-              </a:spcAft>
-            </a:pPr>
-            <a:r>
-              <a:rPr lang="en-US" dirty="0" smtClean="0">
-                <a:ea typeface="Times New Roman"/>
-                <a:cs typeface="Times New Roman"/>
-              </a:rPr>
-              <a:t>Enter at a specific point in the code (alternative to </a:t>
-            </a:r>
-            <a:r>
-              <a:rPr lang="en-US" dirty="0" smtClean="0">
-                <a:latin typeface="Courier New" pitchFamily="49" charset="0"/>
-                <a:ea typeface="Times New Roman"/>
-                <a:cs typeface="Courier New" pitchFamily="49" charset="0"/>
-              </a:rPr>
-              <a:t>print</a:t>
-            </a:r>
-            <a:r>
-              <a:rPr lang="en-US" dirty="0" smtClean="0">
-                <a:ea typeface="Times New Roman"/>
-                <a:cs typeface="Times New Roman"/>
-              </a:rPr>
-              <a:t>):</a:t>
-            </a:r>
-          </a:p>
-          <a:p>
-            <a:pPr indent="228600">
-              <a:spcAft>
-                <a:spcPts val="0"/>
-              </a:spcAft>
-            </a:pPr>
-            <a:endParaRPr lang="en-US" dirty="0">
-              <a:ea typeface="Times New Roman"/>
-              <a:cs typeface="Times New Roman"/>
-            </a:endParaRPr>
-          </a:p>
-          <a:p>
-            <a:pPr indent="228600">
-              <a:spcAft>
-                <a:spcPts val="0"/>
-              </a:spcAft>
-            </a:pPr>
-            <a:endParaRPr lang="en-US" dirty="0" smtClean="0">
-              <a:ea typeface="Times New Roman"/>
-              <a:cs typeface="Times New Roman"/>
-            </a:endParaRPr>
-          </a:p>
-          <a:p>
-            <a:pPr indent="228600">
-              <a:spcAft>
-                <a:spcPts val="0"/>
-              </a:spcAft>
-            </a:pPr>
-            <a:endParaRPr lang="en-US" dirty="0">
-              <a:ea typeface="Times New Roman"/>
-              <a:cs typeface="Times New Roman"/>
-            </a:endParaRPr>
-          </a:p>
-          <a:p>
-            <a:pPr indent="228600">
-              <a:spcAft>
-                <a:spcPts val="0"/>
-              </a:spcAft>
-            </a:pPr>
-            <a:r>
-              <a:rPr lang="en-US" dirty="0" smtClean="0">
-                <a:ea typeface="Times New Roman"/>
-                <a:cs typeface="Times New Roman"/>
-              </a:rPr>
-              <a:t>If you have it installed, use ipdb instead:</a:t>
-            </a:r>
-          </a:p>
-        </p:txBody>
-      </p:sp>
-      <p:sp>
-        <p:nvSpPr>
-          <p:cNvPr id="5" name="TextBox 4"/>
-          <p:cNvSpPr txBox="1"/>
-          <p:nvPr/>
-        </p:nvSpPr>
-        <p:spPr>
-          <a:xfrm>
-            <a:off x="1043608" y="2636912"/>
-            <a:ext cx="6572296" cy="1631216"/>
-          </a:xfrm>
-          <a:prstGeom prst="rect">
-            <a:avLst/>
-          </a:prstGeom>
-          <a:noFill/>
-        </p:spPr>
-        <p:txBody>
-          <a:bodyPr wrap="square" rtlCol="0">
-            <a:spAutoFit/>
-          </a:bodyPr>
-          <a:lstStyle/>
-          <a:p>
-            <a:pPr eaLnBrk="1" fontAlgn="auto" hangingPunct="1">
-              <a:spcBef>
-                <a:spcPts val="1200"/>
-              </a:spcBef>
-              <a:spcAft>
-                <a:spcPts val="0"/>
-              </a:spcAft>
-              <a:buClr>
-                <a:srgbClr val="727CA3"/>
-              </a:buClr>
-              <a:buSzPct val="76000"/>
-            </a:pPr>
-            <a:r>
-              <a:rPr lang="en-US" sz="2000" dirty="0" smtClean="0">
-                <a:solidFill>
-                  <a:srgbClr val="A9494D"/>
-                </a:solidFill>
-                <a:latin typeface="Courier New" pitchFamily="49" charset="0"/>
-                <a:ea typeface="Times New Roman"/>
-                <a:cs typeface="Times New Roman"/>
-              </a:rPr>
-              <a:t># some code here</a:t>
-            </a:r>
-            <a:r>
-              <a:rPr lang="en-GB" sz="2000" dirty="0" smtClean="0">
-                <a:solidFill>
-                  <a:prstClr val="black"/>
-                </a:solidFill>
-                <a:latin typeface="Calibri"/>
-                <a:ea typeface="Times New Roman"/>
-                <a:cs typeface="Times New Roman"/>
-              </a:rPr>
-              <a:t/>
-            </a:r>
-            <a:br>
-              <a:rPr lang="en-GB" sz="2000" dirty="0" smtClean="0">
-                <a:solidFill>
-                  <a:prstClr val="black"/>
-                </a:solidFill>
-                <a:latin typeface="Calibri"/>
-                <a:ea typeface="Times New Roman"/>
-                <a:cs typeface="Times New Roman"/>
-              </a:rPr>
-            </a:br>
-            <a:r>
-              <a:rPr lang="en-US" sz="2000" dirty="0" smtClean="0">
-                <a:solidFill>
-                  <a:srgbClr val="A9494D"/>
-                </a:solidFill>
-                <a:latin typeface="Courier New" pitchFamily="49" charset="0"/>
-                <a:ea typeface="Times New Roman"/>
-                <a:cs typeface="Times New Roman"/>
-              </a:rPr>
-              <a:t># the debugger starts here</a:t>
-            </a:r>
-            <a:r>
-              <a:rPr lang="en-GB" sz="2000" dirty="0" smtClean="0">
-                <a:solidFill>
-                  <a:prstClr val="black"/>
-                </a:solidFill>
-                <a:latin typeface="Calibri"/>
-                <a:ea typeface="Times New Roman"/>
-                <a:cs typeface="Times New Roman"/>
-              </a:rPr>
-              <a:t/>
-            </a:r>
-            <a:br>
-              <a:rPr lang="en-GB" sz="2000" dirty="0" smtClean="0">
-                <a:solidFill>
-                  <a:prstClr val="black"/>
-                </a:solidFill>
-                <a:latin typeface="Calibri"/>
-                <a:ea typeface="Times New Roman"/>
-                <a:cs typeface="Times New Roman"/>
-              </a:rPr>
-            </a:br>
-            <a:r>
-              <a:rPr lang="en-US" sz="2000" dirty="0" smtClean="0">
-                <a:solidFill>
-                  <a:srgbClr val="0000FF"/>
-                </a:solidFill>
-                <a:latin typeface="Courier New" pitchFamily="49" charset="0"/>
-                <a:ea typeface="Times New Roman"/>
-                <a:cs typeface="Times New Roman"/>
-              </a:rPr>
-              <a:t>import </a:t>
-            </a:r>
-            <a:r>
-              <a:rPr lang="en-US" sz="2000" dirty="0" err="1" smtClean="0">
-                <a:solidFill>
-                  <a:prstClr val="black"/>
-                </a:solidFill>
-                <a:latin typeface="Courier New" pitchFamily="49" charset="0"/>
-                <a:ea typeface="Times New Roman"/>
-                <a:cs typeface="Times New Roman"/>
-              </a:rPr>
-              <a:t>pdb</a:t>
-            </a:r>
-            <a:r>
-              <a:rPr lang="en-GB" sz="2000" dirty="0" smtClean="0">
-                <a:solidFill>
-                  <a:prstClr val="black"/>
-                </a:solidFill>
-                <a:latin typeface="Calibri"/>
-                <a:ea typeface="Times New Roman"/>
-                <a:cs typeface="Times New Roman"/>
-              </a:rPr>
-              <a:t>;</a:t>
-            </a:r>
-            <a:br>
-              <a:rPr lang="en-GB" sz="2000" dirty="0" smtClean="0">
-                <a:solidFill>
-                  <a:prstClr val="black"/>
-                </a:solidFill>
-                <a:latin typeface="Calibri"/>
-                <a:ea typeface="Times New Roman"/>
-                <a:cs typeface="Times New Roman"/>
-              </a:rPr>
-            </a:br>
-            <a:r>
-              <a:rPr lang="en-US" sz="2000" dirty="0" err="1" smtClean="0">
-                <a:solidFill>
-                  <a:prstClr val="black"/>
-                </a:solidFill>
-                <a:latin typeface="Courier New" pitchFamily="49" charset="0"/>
-                <a:ea typeface="Times New Roman"/>
-                <a:cs typeface="Times New Roman"/>
-              </a:rPr>
-              <a:t>pdb.set_trace</a:t>
-            </a:r>
-            <a:r>
-              <a:rPr lang="en-US" sz="2000" dirty="0" smtClean="0">
-                <a:solidFill>
-                  <a:prstClr val="black"/>
-                </a:solidFill>
-                <a:latin typeface="Courier New" pitchFamily="49" charset="0"/>
-                <a:ea typeface="Times New Roman"/>
-                <a:cs typeface="Times New Roman"/>
-              </a:rPr>
-              <a:t>()</a:t>
-            </a:r>
-            <a:r>
-              <a:rPr lang="en-GB" sz="1600" dirty="0" smtClean="0">
-                <a:solidFill>
-                  <a:prstClr val="black"/>
-                </a:solidFill>
-                <a:latin typeface="Calibri"/>
-                <a:ea typeface="Times New Roman"/>
-                <a:cs typeface="Times New Roman"/>
-              </a:rPr>
-              <a:t/>
-            </a:r>
-            <a:br>
-              <a:rPr lang="en-GB" sz="1600" dirty="0" smtClean="0">
-                <a:solidFill>
-                  <a:prstClr val="black"/>
-                </a:solidFill>
-                <a:latin typeface="Calibri"/>
-                <a:ea typeface="Times New Roman"/>
-                <a:cs typeface="Times New Roman"/>
-              </a:rPr>
-            </a:br>
-            <a:r>
-              <a:rPr lang="en-US" sz="2000" dirty="0" smtClean="0">
-                <a:solidFill>
-                  <a:srgbClr val="A9494D"/>
-                </a:solidFill>
-                <a:latin typeface="Courier New" pitchFamily="49" charset="0"/>
-                <a:ea typeface="Times New Roman"/>
-                <a:cs typeface="Times New Roman"/>
-              </a:rPr>
-              <a:t># rest of the code</a:t>
-            </a:r>
-          </a:p>
-        </p:txBody>
-      </p:sp>
-      <p:sp>
-        <p:nvSpPr>
-          <p:cNvPr id="7" name="TextBox 6"/>
-          <p:cNvSpPr txBox="1"/>
-          <p:nvPr/>
-        </p:nvSpPr>
-        <p:spPr>
-          <a:xfrm>
-            <a:off x="1024040" y="4725144"/>
-            <a:ext cx="6572296" cy="707886"/>
-          </a:xfrm>
-          <a:prstGeom prst="rect">
-            <a:avLst/>
-          </a:prstGeom>
-          <a:noFill/>
-        </p:spPr>
-        <p:txBody>
-          <a:bodyPr wrap="square" rtlCol="0">
-            <a:spAutoFit/>
-          </a:bodyPr>
-          <a:lstStyle/>
-          <a:p>
-            <a:pPr eaLnBrk="1" fontAlgn="auto" hangingPunct="1">
-              <a:spcBef>
-                <a:spcPts val="1200"/>
-              </a:spcBef>
-              <a:spcAft>
-                <a:spcPts val="0"/>
-              </a:spcAft>
-              <a:buClr>
-                <a:srgbClr val="727CA3"/>
-              </a:buClr>
-              <a:buSzPct val="76000"/>
-            </a:pPr>
-            <a:r>
-              <a:rPr lang="en-US" sz="2000" dirty="0" smtClean="0">
-                <a:solidFill>
-                  <a:srgbClr val="0000FF"/>
-                </a:solidFill>
-                <a:latin typeface="Courier New" pitchFamily="49" charset="0"/>
-                <a:ea typeface="Times New Roman"/>
-                <a:cs typeface="Times New Roman"/>
-              </a:rPr>
-              <a:t>import </a:t>
-            </a:r>
-            <a:r>
-              <a:rPr lang="en-US" sz="2000" dirty="0" smtClean="0">
-                <a:latin typeface="Courier New" pitchFamily="49" charset="0"/>
-                <a:ea typeface="Times New Roman"/>
-                <a:cs typeface="Times New Roman"/>
-              </a:rPr>
-              <a:t>i</a:t>
-            </a:r>
-            <a:r>
-              <a:rPr lang="en-US" sz="2000" dirty="0" err="1" smtClean="0">
-                <a:solidFill>
-                  <a:prstClr val="black"/>
-                </a:solidFill>
-                <a:latin typeface="Courier New" pitchFamily="49" charset="0"/>
-                <a:ea typeface="Times New Roman"/>
-                <a:cs typeface="Times New Roman"/>
-              </a:rPr>
-              <a:t>pdb</a:t>
-            </a:r>
-            <a:r>
-              <a:rPr lang="en-GB" sz="2000" dirty="0" smtClean="0">
-                <a:solidFill>
-                  <a:prstClr val="black"/>
-                </a:solidFill>
-                <a:latin typeface="Calibri"/>
-                <a:ea typeface="Times New Roman"/>
-                <a:cs typeface="Times New Roman"/>
-              </a:rPr>
-              <a:t>;</a:t>
-            </a:r>
-            <a:br>
-              <a:rPr lang="en-GB" sz="2000" dirty="0" smtClean="0">
-                <a:solidFill>
-                  <a:prstClr val="black"/>
-                </a:solidFill>
-                <a:latin typeface="Calibri"/>
-                <a:ea typeface="Times New Roman"/>
-                <a:cs typeface="Times New Roman"/>
-              </a:rPr>
-            </a:br>
-            <a:r>
-              <a:rPr lang="en-US" sz="2000" dirty="0" err="1" smtClean="0">
-                <a:solidFill>
-                  <a:prstClr val="black"/>
-                </a:solidFill>
-                <a:latin typeface="Courier New" pitchFamily="49" charset="0"/>
-                <a:ea typeface="Times New Roman"/>
-                <a:cs typeface="Times New Roman"/>
-              </a:rPr>
-              <a:t>ipdb.set_trace</a:t>
-            </a:r>
-            <a:r>
-              <a:rPr lang="en-US" sz="2000" dirty="0" smtClean="0">
-                <a:solidFill>
-                  <a:prstClr val="black"/>
-                </a:solidFill>
-                <a:latin typeface="Courier New" pitchFamily="49" charset="0"/>
-                <a:ea typeface="Times New Roman"/>
-                <a:cs typeface="Times New Roman"/>
-              </a:rPr>
-              <a:t>()</a:t>
-            </a:r>
-            <a:endParaRPr lang="en-US" sz="2000" dirty="0" smtClean="0">
-              <a:solidFill>
-                <a:srgbClr val="A9494D"/>
-              </a:solidFill>
-              <a:latin typeface="Courier New" pitchFamily="49" charset="0"/>
-              <a:ea typeface="Times New Roman"/>
-              <a:cs typeface="Times New Roman"/>
-            </a:endParaRPr>
-          </a:p>
-        </p:txBody>
-      </p:sp>
-      <p:sp>
-        <p:nvSpPr>
-          <p:cNvPr id="4" name="Date Placeholder 3"/>
-          <p:cNvSpPr>
-            <a:spLocks noGrp="1"/>
-          </p:cNvSpPr>
-          <p:nvPr>
-            <p:ph type="dt" sz="half" idx="10"/>
-          </p:nvPr>
-        </p:nvSpPr>
-        <p:spPr/>
-        <p:txBody>
-          <a:bodyPr/>
-          <a:lstStyle/>
-          <a:p>
-            <a:r>
-              <a:rPr lang="en-US" smtClean="0"/>
-              <a:t>Pietro Berkes, Aug 2017</a:t>
-            </a:r>
-            <a:endParaRPr lang="en-US"/>
-          </a:p>
-        </p:txBody>
-      </p:sp>
-      <p:sp>
-        <p:nvSpPr>
-          <p:cNvPr id="6" name="Footer Placeholder 5"/>
-          <p:cNvSpPr>
-            <a:spLocks noGrp="1"/>
-          </p:cNvSpPr>
-          <p:nvPr>
-            <p:ph type="ftr" sz="quarter" idx="11"/>
-          </p:nvPr>
-        </p:nvSpPr>
-        <p:spPr/>
-        <p:txBody>
-          <a:bodyPr/>
-          <a:lstStyle/>
-          <a:p>
-            <a:r>
-              <a:rPr lang="en-US" smtClean="0"/>
-              <a:t>Testing, debugging, profiling</a:t>
-            </a:r>
-            <a:endParaRPr lang="en-US"/>
-          </a:p>
-        </p:txBody>
-      </p:sp>
-    </p:spTree>
-    <p:extLst>
-      <p:ext uri="{BB962C8B-B14F-4D97-AF65-F5344CB8AC3E}">
-        <p14:creationId xmlns:p14="http://schemas.microsoft.com/office/powerpoint/2010/main" val="1909710663"/>
-      </p:ext>
-    </p:extLst>
-  </p:cSld>
-  <p:clrMapOvr>
-    <a:masterClrMapping/>
-  </p:clrMapOvr>
-  <p:timing>
-    <p:tnLst>
-      <p:par>
-        <p:cTn xmlns:p14="http://schemas.microsoft.com/office/powerpoint/2010/main" id="1" dur="indefinite" restart="never" nodeType="tmRoot"/>
-      </p:par>
-    </p:tnLst>
-  </p:timing>
-</p:sld>
-</file>
-
 <file path=ppt/slides/slide75.xml><?xml version="1.0" encoding="utf-8"?>
 <p:sld xmlns:a="http://schemas.openxmlformats.org/drawingml/2006/main" xmlns:r="http://schemas.openxmlformats.org/officeDocument/2006/relationships" xmlns:p="http://schemas.openxmlformats.org/presentationml/2006/main">
   <p:cSld>
@@ -49231,9 +48938,9 @@
       </p:grpSpPr>
       <p:sp>
         <p:nvSpPr>
-          <p:cNvPr id="33794" name="Rectangle 2"/>
+          <p:cNvPr id="2" name="Title 1"/>
           <p:cNvSpPr>
-            <a:spLocks noGrp="1" noChangeArrowheads="1"/>
+            <a:spLocks noGrp="1"/>
           </p:cNvSpPr>
           <p:nvPr>
             <p:ph type="title"/>
@@ -49246,24 +48953,17 @@
           <a:p>
             <a:r>
               <a:rPr lang="en-GB" dirty="0" smtClean="0"/>
-              <a:t>Entering the debugger from </a:t>
-            </a:r>
-            <a:r>
-              <a:rPr lang="en-GB" dirty="0" err="1" smtClean="0"/>
-              <a:t>ipython</a:t>
-            </a:r>
-            <a:endParaRPr lang="en-US" dirty="0">
-              <a:latin typeface="Courier New" pitchFamily="49" charset="0"/>
-              <a:cs typeface="Courier New" pitchFamily="49" charset="0"/>
-            </a:endParaRPr>
-          </a:p>
-        </p:txBody>
-      </p:sp>
-      <p:sp>
-        <p:nvSpPr>
-          <p:cNvPr id="33795" name="Rectangle 3"/>
+              <a:t>Entering the debugger</a:t>
+            </a:r>
+            <a:endParaRPr lang="en-GB" dirty="0"/>
+          </a:p>
+        </p:txBody>
+      </p:sp>
+      <p:sp>
+        <p:nvSpPr>
+          <p:cNvPr id="3" name="Content Placeholder 2"/>
           <p:cNvSpPr>
-            <a:spLocks noGrp="1" noChangeArrowheads="1"/>
+            <a:spLocks noGrp="1"/>
           </p:cNvSpPr>
           <p:nvPr>
             <p:ph sz="quarter" idx="1"/>
@@ -49271,92 +48971,473 @@
         </p:nvSpPr>
         <p:spPr/>
         <p:txBody>
-          <a:bodyPr/>
+          <a:bodyPr>
+            <a:noAutofit/>
+          </a:bodyPr>
           <a:lstStyle/>
           <a:p>
-            <a:r>
-              <a:rPr lang="en-US" sz="2800" dirty="0"/>
-              <a:t>From </a:t>
-            </a:r>
-            <a:r>
-              <a:rPr lang="en-US" sz="2800" dirty="0" err="1"/>
-              <a:t>ipython</a:t>
-            </a:r>
-            <a:r>
-              <a:rPr lang="en-US" sz="2800" dirty="0" smtClean="0"/>
-              <a:t>:</a:t>
-            </a:r>
-            <a:r>
-              <a:rPr lang="en-US" dirty="0" smtClean="0"/>
+            <a:pPr indent="228600">
+              <a:spcAft>
+                <a:spcPts val="0"/>
+              </a:spcAft>
+            </a:pPr>
+            <a:r>
+              <a:rPr lang="en-US" dirty="0" smtClean="0">
+                <a:ea typeface="Times New Roman"/>
+                <a:cs typeface="Times New Roman"/>
+              </a:rPr>
+              <a:t>Enter debugger at the start of a file:</a:t>
+            </a:r>
+            <a:r>
+              <a:rPr lang="en-US" sz="2800" dirty="0" smtClean="0">
+                <a:latin typeface="Calibri"/>
+                <a:ea typeface="Times New Roman"/>
+                <a:cs typeface="Times New Roman"/>
+              </a:rPr>
               <a:t/>
             </a:r>
             <a:br>
-              <a:rPr lang="en-US" dirty="0" smtClean="0"/>
+              <a:rPr lang="en-US" sz="2800" dirty="0" smtClean="0">
+                <a:latin typeface="Calibri"/>
+                <a:ea typeface="Times New Roman"/>
+                <a:cs typeface="Times New Roman"/>
+              </a:rPr>
             </a:br>
+            <a:r>
+              <a:rPr lang="en-US" sz="2800" dirty="0" smtClean="0">
+                <a:latin typeface="Calibri"/>
+                <a:ea typeface="Times New Roman"/>
+                <a:cs typeface="Times New Roman"/>
+              </a:rPr>
+              <a:t>    </a:t>
+            </a:r>
             <a:r>
               <a:rPr lang="en-US" sz="2400" dirty="0" smtClean="0">
                 <a:latin typeface="Courier New" pitchFamily="49" charset="0"/>
-                <a:cs typeface="Courier New" pitchFamily="49" charset="0"/>
-              </a:rPr>
-              <a:t>%</a:t>
+                <a:ea typeface="Times New Roman"/>
+                <a:cs typeface="Times New Roman"/>
+              </a:rPr>
+              <a:t>python –m </a:t>
             </a:r>
             <a:r>
               <a:rPr lang="en-US" sz="2400" dirty="0" err="1" smtClean="0">
                 <a:latin typeface="Courier New" pitchFamily="49" charset="0"/>
-                <a:cs typeface="Courier New" pitchFamily="49" charset="0"/>
+                <a:ea typeface="Times New Roman"/>
+                <a:cs typeface="Times New Roman"/>
               </a:rPr>
               <a:t>pdb</a:t>
-            </a:r>
-            <a:r>
-              <a:rPr lang="en-US" sz="2400" dirty="0" smtClean="0">
-                <a:cs typeface="Courier New" pitchFamily="49" charset="0"/>
-              </a:rPr>
-              <a:t> – preventive</a:t>
             </a:r>
             <a:r>
               <a:rPr lang="en-US" sz="2400" dirty="0" smtClean="0">
                 <a:latin typeface="Courier New" pitchFamily="49" charset="0"/>
+                <a:ea typeface="Times New Roman"/>
+                <a:cs typeface="Times New Roman"/>
+              </a:rPr>
+              <a:t> myscript.py</a:t>
+            </a:r>
+            <a:endParaRPr lang="en-GB" sz="2400" dirty="0" smtClean="0">
+              <a:latin typeface="Calibri"/>
+              <a:ea typeface="Times New Roman"/>
+              <a:cs typeface="Times New Roman"/>
+            </a:endParaRPr>
+          </a:p>
+          <a:p>
+            <a:pPr indent="228600">
+              <a:spcAft>
+                <a:spcPts val="0"/>
+              </a:spcAft>
+            </a:pPr>
+            <a:r>
+              <a:rPr lang="en-US" dirty="0" smtClean="0">
+                <a:ea typeface="Times New Roman"/>
+                <a:cs typeface="Times New Roman"/>
+              </a:rPr>
+              <a:t>Enter at a specific point in the code (alternative to </a:t>
+            </a:r>
+            <a:r>
+              <a:rPr lang="en-US" dirty="0" smtClean="0">
+                <a:latin typeface="Courier New" pitchFamily="49" charset="0"/>
+                <a:ea typeface="Times New Roman"/>
                 <a:cs typeface="Courier New" pitchFamily="49" charset="0"/>
               </a:rPr>
+              <a:t>print</a:t>
+            </a:r>
+            <a:r>
+              <a:rPr lang="en-US" dirty="0" smtClean="0">
+                <a:ea typeface="Times New Roman"/>
+                <a:cs typeface="Times New Roman"/>
+              </a:rPr>
+              <a:t>):</a:t>
+            </a:r>
+          </a:p>
+          <a:p>
+            <a:pPr indent="228600">
+              <a:spcAft>
+                <a:spcPts val="0"/>
+              </a:spcAft>
+            </a:pPr>
+            <a:endParaRPr lang="en-US" dirty="0">
+              <a:ea typeface="Times New Roman"/>
+              <a:cs typeface="Times New Roman"/>
+            </a:endParaRPr>
+          </a:p>
+          <a:p>
+            <a:pPr indent="228600">
+              <a:spcAft>
+                <a:spcPts val="0"/>
+              </a:spcAft>
+            </a:pPr>
+            <a:endParaRPr lang="en-US" dirty="0" smtClean="0">
+              <a:ea typeface="Times New Roman"/>
+              <a:cs typeface="Times New Roman"/>
+            </a:endParaRPr>
+          </a:p>
+          <a:p>
+            <a:pPr indent="228600">
+              <a:spcAft>
+                <a:spcPts val="0"/>
+              </a:spcAft>
+            </a:pPr>
+            <a:endParaRPr lang="en-US" dirty="0">
+              <a:ea typeface="Times New Roman"/>
+              <a:cs typeface="Times New Roman"/>
+            </a:endParaRPr>
+          </a:p>
+          <a:p>
+            <a:pPr indent="228600">
+              <a:spcAft>
+                <a:spcPts val="0"/>
+              </a:spcAft>
+            </a:pPr>
+            <a:r>
+              <a:rPr lang="en-US" dirty="0" smtClean="0">
+                <a:ea typeface="Times New Roman"/>
+                <a:cs typeface="Times New Roman"/>
+              </a:rPr>
+              <a:t>If you have it installed, use ipdb instead:</a:t>
+            </a:r>
+          </a:p>
+        </p:txBody>
+      </p:sp>
+      <p:sp>
+        <p:nvSpPr>
+          <p:cNvPr id="5" name="TextBox 4"/>
+          <p:cNvSpPr txBox="1"/>
+          <p:nvPr/>
+        </p:nvSpPr>
+        <p:spPr>
+          <a:xfrm>
+            <a:off x="1043608" y="2636912"/>
+            <a:ext cx="6572296" cy="1631216"/>
+          </a:xfrm>
+          <a:prstGeom prst="rect">
+            <a:avLst/>
+          </a:prstGeom>
+          <a:noFill/>
+        </p:spPr>
+        <p:txBody>
+          <a:bodyPr wrap="square" rtlCol="0">
+            <a:spAutoFit/>
+          </a:bodyPr>
+          <a:lstStyle/>
+          <a:p>
+            <a:pPr eaLnBrk="1" fontAlgn="auto" hangingPunct="1">
+              <a:spcBef>
+                <a:spcPts val="1200"/>
+              </a:spcBef>
+              <a:spcAft>
+                <a:spcPts val="0"/>
+              </a:spcAft>
+              <a:buClr>
+                <a:srgbClr val="727CA3"/>
+              </a:buClr>
+              <a:buSzPct val="76000"/>
+            </a:pPr>
+            <a:r>
+              <a:rPr lang="en-US" sz="2000" dirty="0" smtClean="0">
+                <a:solidFill>
+                  <a:srgbClr val="A9494D"/>
+                </a:solidFill>
+                <a:latin typeface="Courier New" pitchFamily="49" charset="0"/>
+                <a:ea typeface="Times New Roman"/>
+                <a:cs typeface="Times New Roman"/>
+              </a:rPr>
+              <a:t># some code here</a:t>
+            </a:r>
+            <a:r>
+              <a:rPr lang="en-GB" sz="2000" dirty="0" smtClean="0">
+                <a:solidFill>
+                  <a:prstClr val="black"/>
+                </a:solidFill>
+                <a:latin typeface="Calibri"/>
+                <a:ea typeface="Times New Roman"/>
+                <a:cs typeface="Times New Roman"/>
+              </a:rPr>
               <a:t/>
             </a:r>
             <a:br>
-              <a:rPr lang="en-US" sz="2400" dirty="0" smtClean="0">
+              <a:rPr lang="en-GB" sz="2000" dirty="0" smtClean="0">
+                <a:solidFill>
+                  <a:prstClr val="black"/>
+                </a:solidFill>
+                <a:latin typeface="Calibri"/>
+                <a:ea typeface="Times New Roman"/>
+                <a:cs typeface="Times New Roman"/>
+              </a:rPr>
+            </a:br>
+            <a:r>
+              <a:rPr lang="en-US" sz="2000" dirty="0" smtClean="0">
+                <a:solidFill>
+                  <a:srgbClr val="A9494D"/>
+                </a:solidFill>
                 <a:latin typeface="Courier New" pitchFamily="49" charset="0"/>
-                <a:cs typeface="Courier New" pitchFamily="49" charset="0"/>
+                <a:ea typeface="Times New Roman"/>
+                <a:cs typeface="Times New Roman"/>
+              </a:rPr>
+              <a:t># the debugger starts here</a:t>
+            </a:r>
+            <a:r>
+              <a:rPr lang="en-GB" sz="2000" dirty="0" smtClean="0">
+                <a:solidFill>
+                  <a:prstClr val="black"/>
+                </a:solidFill>
+                <a:latin typeface="Calibri"/>
+                <a:ea typeface="Times New Roman"/>
+                <a:cs typeface="Times New Roman"/>
+              </a:rPr>
+              <a:t/>
+            </a:r>
+            <a:br>
+              <a:rPr lang="en-GB" sz="2000" dirty="0" smtClean="0">
+                <a:solidFill>
+                  <a:prstClr val="black"/>
+                </a:solidFill>
+                <a:latin typeface="Calibri"/>
+                <a:ea typeface="Times New Roman"/>
+                <a:cs typeface="Times New Roman"/>
               </a:rPr>
             </a:br>
             <a:r>
-              <a:rPr lang="en-US" sz="2400" dirty="0" smtClean="0">
+              <a:rPr lang="en-US" sz="2000" dirty="0" smtClean="0">
+                <a:solidFill>
+                  <a:srgbClr val="0000FF"/>
+                </a:solidFill>
                 <a:latin typeface="Courier New" pitchFamily="49" charset="0"/>
-                <a:cs typeface="Courier New" pitchFamily="49" charset="0"/>
-              </a:rPr>
-              <a:t>%debug</a:t>
-            </a:r>
-            <a:r>
-              <a:rPr lang="en-US" sz="2400" dirty="0" smtClean="0">
-                <a:cs typeface="Courier New" pitchFamily="49" charset="0"/>
-              </a:rPr>
-              <a:t> – post-mortem</a:t>
-            </a:r>
-          </a:p>
-          <a:p>
-            <a:endParaRPr lang="en-US" dirty="0">
+                <a:ea typeface="Times New Roman"/>
+                <a:cs typeface="Times New Roman"/>
+              </a:rPr>
+              <a:t>import </a:t>
+            </a:r>
+            <a:r>
+              <a:rPr lang="en-US" sz="2000" dirty="0" err="1" smtClean="0">
+                <a:solidFill>
+                  <a:prstClr val="black"/>
+                </a:solidFill>
+                <a:latin typeface="Courier New" pitchFamily="49" charset="0"/>
+                <a:ea typeface="Times New Roman"/>
+                <a:cs typeface="Times New Roman"/>
+              </a:rPr>
+              <a:t>pdb</a:t>
+            </a:r>
+            <a:r>
+              <a:rPr lang="en-GB" sz="2000" dirty="0" smtClean="0">
+                <a:solidFill>
+                  <a:prstClr val="black"/>
+                </a:solidFill>
+                <a:latin typeface="Calibri"/>
+                <a:ea typeface="Times New Roman"/>
+                <a:cs typeface="Times New Roman"/>
+              </a:rPr>
+              <a:t>;</a:t>
+            </a:r>
+            <a:br>
+              <a:rPr lang="en-GB" sz="2000" dirty="0" smtClean="0">
+                <a:solidFill>
+                  <a:prstClr val="black"/>
+                </a:solidFill>
+                <a:latin typeface="Calibri"/>
+                <a:ea typeface="Times New Roman"/>
+                <a:cs typeface="Times New Roman"/>
+              </a:rPr>
+            </a:br>
+            <a:r>
+              <a:rPr lang="en-US" sz="2000" dirty="0" err="1" smtClean="0">
+                <a:solidFill>
+                  <a:prstClr val="black"/>
+                </a:solidFill>
+                <a:latin typeface="Courier New" pitchFamily="49" charset="0"/>
+                <a:ea typeface="Times New Roman"/>
+                <a:cs typeface="Times New Roman"/>
+              </a:rPr>
+              <a:t>pdb.set_trace</a:t>
+            </a:r>
+            <a:r>
+              <a:rPr lang="en-US" sz="2000" dirty="0" smtClean="0">
+                <a:solidFill>
+                  <a:prstClr val="black"/>
+                </a:solidFill>
+                <a:latin typeface="Courier New" pitchFamily="49" charset="0"/>
+                <a:ea typeface="Times New Roman"/>
+                <a:cs typeface="Times New Roman"/>
+              </a:rPr>
+              <a:t>()</a:t>
+            </a:r>
+            <a:r>
+              <a:rPr lang="en-GB" sz="1600" dirty="0" smtClean="0">
+                <a:solidFill>
+                  <a:prstClr val="black"/>
+                </a:solidFill>
+                <a:latin typeface="Calibri"/>
+                <a:ea typeface="Times New Roman"/>
+                <a:cs typeface="Times New Roman"/>
+              </a:rPr>
+              <a:t/>
+            </a:r>
+            <a:br>
+              <a:rPr lang="en-GB" sz="1600" dirty="0" smtClean="0">
+                <a:solidFill>
+                  <a:prstClr val="black"/>
+                </a:solidFill>
+                <a:latin typeface="Calibri"/>
+                <a:ea typeface="Times New Roman"/>
+                <a:cs typeface="Times New Roman"/>
+              </a:rPr>
+            </a:br>
+            <a:r>
+              <a:rPr lang="en-US" sz="2000" dirty="0" smtClean="0">
+                <a:solidFill>
+                  <a:srgbClr val="A9494D"/>
+                </a:solidFill>
+                <a:latin typeface="Courier New" pitchFamily="49" charset="0"/>
+                <a:ea typeface="Times New Roman"/>
+                <a:cs typeface="Times New Roman"/>
+              </a:rPr>
+              <a:t># rest of the code</a:t>
+            </a:r>
+          </a:p>
+        </p:txBody>
+      </p:sp>
+      <p:sp>
+        <p:nvSpPr>
+          <p:cNvPr id="7" name="TextBox 6"/>
+          <p:cNvSpPr txBox="1"/>
+          <p:nvPr/>
+        </p:nvSpPr>
+        <p:spPr>
+          <a:xfrm>
+            <a:off x="1024040" y="4725144"/>
+            <a:ext cx="6572296" cy="707886"/>
+          </a:xfrm>
+          <a:prstGeom prst="rect">
+            <a:avLst/>
+          </a:prstGeom>
+          <a:noFill/>
+        </p:spPr>
+        <p:txBody>
+          <a:bodyPr wrap="square" rtlCol="0">
+            <a:spAutoFit/>
+          </a:bodyPr>
+          <a:lstStyle/>
+          <a:p>
+            <a:pPr eaLnBrk="1" fontAlgn="auto" hangingPunct="1">
+              <a:spcBef>
+                <a:spcPts val="1200"/>
+              </a:spcBef>
+              <a:spcAft>
+                <a:spcPts val="0"/>
+              </a:spcAft>
+              <a:buClr>
+                <a:srgbClr val="727CA3"/>
+              </a:buClr>
+              <a:buSzPct val="76000"/>
+            </a:pPr>
+            <a:r>
+              <a:rPr lang="en-US" sz="2000" dirty="0" smtClean="0">
+                <a:solidFill>
+                  <a:srgbClr val="0000FF"/>
+                </a:solidFill>
+                <a:latin typeface="Courier New" pitchFamily="49" charset="0"/>
+                <a:ea typeface="Times New Roman"/>
+                <a:cs typeface="Times New Roman"/>
+              </a:rPr>
+              <a:t>import </a:t>
+            </a:r>
+            <a:r>
+              <a:rPr lang="en-US" sz="2000" dirty="0" smtClean="0">
+                <a:latin typeface="Courier New" pitchFamily="49" charset="0"/>
+                <a:ea typeface="Times New Roman"/>
+                <a:cs typeface="Times New Roman"/>
+              </a:rPr>
+              <a:t>i</a:t>
+            </a:r>
+            <a:r>
+              <a:rPr lang="en-US" sz="2000" dirty="0" err="1" smtClean="0">
+                <a:solidFill>
+                  <a:prstClr val="black"/>
+                </a:solidFill>
+                <a:latin typeface="Courier New" pitchFamily="49" charset="0"/>
+                <a:ea typeface="Times New Roman"/>
+                <a:cs typeface="Times New Roman"/>
+              </a:rPr>
+              <a:t>pdb</a:t>
+            </a:r>
+            <a:r>
+              <a:rPr lang="en-GB" sz="2000" dirty="0" smtClean="0">
+                <a:solidFill>
+                  <a:prstClr val="black"/>
+                </a:solidFill>
+                <a:latin typeface="Calibri"/>
+                <a:ea typeface="Times New Roman"/>
+                <a:cs typeface="Times New Roman"/>
+              </a:rPr>
+              <a:t>;</a:t>
+            </a:r>
+            <a:br>
+              <a:rPr lang="en-GB" sz="2000" dirty="0" smtClean="0">
+                <a:solidFill>
+                  <a:prstClr val="black"/>
+                </a:solidFill>
+                <a:latin typeface="Calibri"/>
+                <a:ea typeface="Times New Roman"/>
+                <a:cs typeface="Times New Roman"/>
+              </a:rPr>
+            </a:br>
+            <a:r>
+              <a:rPr lang="en-US" sz="2000" dirty="0" err="1" smtClean="0">
+                <a:solidFill>
+                  <a:prstClr val="black"/>
+                </a:solidFill>
+                <a:latin typeface="Courier New" pitchFamily="49" charset="0"/>
+                <a:ea typeface="Times New Roman"/>
+                <a:cs typeface="Times New Roman"/>
+              </a:rPr>
+              <a:t>ipdb.set_trace</a:t>
+            </a:r>
+            <a:r>
+              <a:rPr lang="en-US" sz="2000" dirty="0" smtClean="0">
+                <a:solidFill>
+                  <a:prstClr val="black"/>
+                </a:solidFill>
+                <a:latin typeface="Courier New" pitchFamily="49" charset="0"/>
+                <a:ea typeface="Times New Roman"/>
+                <a:cs typeface="Times New Roman"/>
+              </a:rPr>
+              <a:t>()</a:t>
+            </a:r>
+            <a:endParaRPr lang="en-US" sz="2000" dirty="0" smtClean="0">
+              <a:solidFill>
+                <a:srgbClr val="A9494D"/>
+              </a:solidFill>
               <a:latin typeface="Courier New" pitchFamily="49" charset="0"/>
-              <a:cs typeface="Courier New" pitchFamily="49" charset="0"/>
+              <a:ea typeface="Times New Roman"/>
+              <a:cs typeface="Times New Roman"/>
             </a:endParaRPr>
           </a:p>
-          <a:p>
-            <a:endParaRPr lang="en-US" sz="2400" dirty="0" smtClean="0">
-              <a:latin typeface="Courier New" pitchFamily="49" charset="0"/>
-              <a:cs typeface="Courier New" pitchFamily="49" charset="0"/>
-            </a:endParaRPr>
-          </a:p>
-        </p:txBody>
-      </p:sp>
-      <p:sp>
-        <p:nvSpPr>
-          <p:cNvPr id="2" name="Date Placeholder 1"/>
+        </p:txBody>
+      </p:sp>
+      <p:sp>
+        <p:nvSpPr>
+          <p:cNvPr id="4" name="Date Placeholder 3"/>
           <p:cNvSpPr>
             <a:spLocks noGrp="1"/>
           </p:cNvSpPr>
@@ -49379,7 +49460,7 @@
       </p:sp>
       <p:sp>
         <p:nvSpPr>
-          <p:cNvPr id="3" name="Footer Placeholder 2"/>
+          <p:cNvPr id="6" name="Footer Placeholder 5"/>
           <p:cNvSpPr>
             <a:spLocks noGrp="1"/>
           </p:cNvSpPr>
@@ -49403,7 +49484,7 @@
     </p:spTree>
     <p:extLst>
       <p:ext uri="{BB962C8B-B14F-4D97-AF65-F5344CB8AC3E}">
-        <p14:creationId xmlns:p14="http://schemas.microsoft.com/office/powerpoint/2010/main" val="1040927012"/>
+        <p14:creationId xmlns:p14="http://schemas.microsoft.com/office/powerpoint/2010/main" val="1909710663"/>
       </p:ext>
     </p:extLst>
   </p:cSld>
@@ -49439,9 +49520,9 @@
       </p:grpSpPr>
       <p:sp>
         <p:nvSpPr>
-          <p:cNvPr id="4" name="Title 3"/>
+          <p:cNvPr id="33794" name="Rectangle 2"/>
           <p:cNvSpPr>
-            <a:spLocks noGrp="1"/>
+            <a:spLocks noGrp="1" noChangeArrowheads="1"/>
           </p:cNvSpPr>
           <p:nvPr>
             <p:ph type="title"/>
@@ -49453,17 +49534,25 @@
           <a:lstStyle/>
           <a:p>
             <a:r>
-              <a:rPr lang="en-US"/>
-              <a:t>Static checking</a:t>
-            </a:r>
-          </a:p>
-        </p:txBody>
-      </p:sp>
-      <p:sp>
-        <p:nvSpPr>
-          <p:cNvPr id="5" name="Content Placeholder 4"/>
+              <a:rPr lang="en-GB" dirty="0" smtClean="0"/>
+              <a:t>Entering the debugger from </a:t>
+            </a:r>
+            <a:r>
+              <a:rPr lang="en-GB" dirty="0" err="1" smtClean="0"/>
+              <a:t>ipython</a:t>
+            </a:r>
+            <a:endParaRPr lang="en-US" dirty="0">
+              <a:latin typeface="Courier New" pitchFamily="49" charset="0"/>
+              <a:cs typeface="Courier New" pitchFamily="49" charset="0"/>
+            </a:endParaRPr>
+          </a:p>
+        </p:txBody>
+      </p:sp>
+      <p:sp>
+        <p:nvSpPr>
+          <p:cNvPr id="33795" name="Rectangle 3"/>
           <p:cNvSpPr>
-            <a:spLocks noGrp="1"/>
+            <a:spLocks noGrp="1" noChangeArrowheads="1"/>
           </p:cNvSpPr>
           <p:nvPr>
             <p:ph sz="quarter" idx="1"/>
@@ -49474,67 +49563,89 @@
           <a:bodyPr/>
           <a:lstStyle/>
           <a:p>
-            <a:pPr marL="0" indent="0">
-              <a:buNone/>
-            </a:pPr>
-            <a:r>
-              <a:rPr lang="en-US"/>
-              <a:t>One of the problems with debugging in Python is that most bugs only appear when the code executes.</a:t>
-            </a:r>
-          </a:p>
-          <a:p>
-            <a:pPr marL="0" indent="0">
-              <a:buNone/>
-            </a:pPr>
-            <a:r>
-              <a:rPr lang="en-US"/>
-              <a:t>“Static checking” tools analyze the code without executing it.</a:t>
-            </a:r>
-          </a:p>
-          <a:p>
-            <a:r>
-              <a:rPr lang="en-US">
-                <a:latin typeface="Courier New"/>
-                <a:cs typeface="Courier New"/>
-              </a:rPr>
-              <a:t>pep8</a:t>
-            </a:r>
-            <a:r>
-              <a:rPr lang="en-US"/>
-              <a:t>: check that the style of the files is compatible with PEP8</a:t>
-            </a:r>
-          </a:p>
-          <a:p>
-            <a:r>
-              <a:rPr lang="en-US">
-                <a:latin typeface="Courier New"/>
-                <a:cs typeface="Courier New"/>
-              </a:rPr>
-              <a:t>pyflakes</a:t>
-            </a:r>
-            <a:r>
-              <a:rPr lang="en-US"/>
-              <a:t>: look for errors like defined but unused variables, undefined names, etc.</a:t>
-            </a:r>
-          </a:p>
-          <a:p>
-            <a:r>
-              <a:rPr lang="en-US">
-                <a:latin typeface="Courier New"/>
-                <a:cs typeface="Courier New"/>
-              </a:rPr>
-              <a:t>flake8</a:t>
-            </a:r>
-            <a:r>
-              <a:rPr lang="en-US"/>
-              <a:t>: pep8 and pyflakes in a single, handy command</a:t>
-            </a:r>
-          </a:p>
-        </p:txBody>
-      </p:sp>
-      <p:sp>
-        <p:nvSpPr>
-          <p:cNvPr id="6" name="Date Placeholder 5"/>
+            <a:r>
+              <a:rPr lang="en-US" sz="2800" dirty="0"/>
+              <a:t>From </a:t>
+            </a:r>
+            <a:r>
+              <a:rPr lang="en-US" sz="2800" dirty="0" err="1"/>
+              <a:t>ipython</a:t>
+            </a:r>
+            <a:r>
+              <a:rPr lang="en-US" sz="2800" dirty="0" smtClean="0"/>
+              <a:t>:</a:t>
+            </a:r>
+            <a:r>
+              <a:rPr lang="en-US" dirty="0" smtClean="0"/>
+              <a:t/>
+            </a:r>
+            <a:br>
+              <a:rPr lang="en-US" dirty="0" smtClean="0"/>
+            </a:br>
+            <a:r>
+              <a:rPr lang="en-US" sz="2400" dirty="0" smtClean="0">
+                <a:latin typeface="Courier New" pitchFamily="49" charset="0"/>
+                <a:cs typeface="Courier New" pitchFamily="49" charset="0"/>
+              </a:rPr>
+              <a:t>%</a:t>
+            </a:r>
+            <a:r>
+              <a:rPr lang="en-US" sz="2400" dirty="0" err="1" smtClean="0">
+                <a:latin typeface="Courier New" pitchFamily="49" charset="0"/>
+                <a:cs typeface="Courier New" pitchFamily="49" charset="0"/>
+              </a:rPr>
+              <a:t>pdb</a:t>
+            </a:r>
+            <a:r>
+              <a:rPr lang="en-US" sz="2400" dirty="0" smtClean="0">
+                <a:cs typeface="Courier New" pitchFamily="49" charset="0"/>
+              </a:rPr>
+              <a:t> – preventive</a:t>
+            </a:r>
+            <a:r>
+              <a:rPr lang="en-US" sz="2400" dirty="0" smtClean="0">
+                <a:latin typeface="Courier New" pitchFamily="49" charset="0"/>
+                <a:cs typeface="Courier New" pitchFamily="49" charset="0"/>
+              </a:rPr>
+              <a:t/>
+            </a:r>
+            <a:br>
+              <a:rPr lang="en-US" sz="2400" dirty="0" smtClean="0">
+                <a:latin typeface="Courier New" pitchFamily="49" charset="0"/>
+                <a:cs typeface="Courier New" pitchFamily="49" charset="0"/>
+              </a:rPr>
+            </a:br>
+            <a:r>
+              <a:rPr lang="en-US" sz="2400" dirty="0" smtClean="0">
+                <a:latin typeface="Courier New" pitchFamily="49" charset="0"/>
+                <a:cs typeface="Courier New" pitchFamily="49" charset="0"/>
+              </a:rPr>
+              <a:t>%debug</a:t>
+            </a:r>
+            <a:r>
+              <a:rPr lang="en-US" sz="2400" dirty="0" smtClean="0">
+                <a:cs typeface="Courier New" pitchFamily="49" charset="0"/>
+              </a:rPr>
+              <a:t> – post-mortem</a:t>
+            </a:r>
+          </a:p>
+          <a:p>
+            <a:endParaRPr lang="en-US" dirty="0">
+              <a:latin typeface="Courier New" pitchFamily="49" charset="0"/>
+              <a:cs typeface="Courier New" pitchFamily="49" charset="0"/>
+            </a:endParaRPr>
+          </a:p>
+          <a:p>
+            <a:endParaRPr lang="en-US" sz="2400" dirty="0" smtClean="0">
+              <a:latin typeface="Courier New" pitchFamily="49" charset="0"/>
+              <a:cs typeface="Courier New" pitchFamily="49" charset="0"/>
+            </a:endParaRPr>
+          </a:p>
+        </p:txBody>
+      </p:sp>
+      <p:sp>
+        <p:nvSpPr>
+          <p:cNvPr id="2" name="Date Placeholder 1"/>
           <p:cNvSpPr>
             <a:spLocks noGrp="1"/>
           </p:cNvSpPr>
@@ -49557,7 +49668,7 @@
       </p:sp>
       <p:sp>
         <p:nvSpPr>
-          <p:cNvPr id="7" name="Footer Placeholder 6"/>
+          <p:cNvPr id="3" name="Footer Placeholder 2"/>
           <p:cNvSpPr>
             <a:spLocks noGrp="1"/>
           </p:cNvSpPr>
@@ -49581,7 +49692,7 @@
     </p:spTree>
     <p:extLst>
       <p:ext uri="{BB962C8B-B14F-4D97-AF65-F5344CB8AC3E}">
-        <p14:creationId xmlns:p14="http://schemas.microsoft.com/office/powerpoint/2010/main" val="3526052389"/>
+        <p14:creationId xmlns:p14="http://schemas.microsoft.com/office/powerpoint/2010/main" val="1040927012"/>
       </p:ext>
     </p:extLst>
   </p:cSld>
@@ -49617,7 +49728,7 @@
       </p:grpSpPr>
       <p:sp>
         <p:nvSpPr>
-          <p:cNvPr id="2" name="Title 1"/>
+          <p:cNvPr id="4" name="Title 3"/>
           <p:cNvSpPr>
             <a:spLocks noGrp="1"/>
           </p:cNvSpPr>
@@ -49632,14 +49743,14 @@
           <a:p>
             <a:r>
               <a:rPr lang="en-US"/>
-              <a:t>Hands-on!</a:t>
-            </a:r>
-          </a:p>
-        </p:txBody>
-      </p:sp>
-      <p:sp>
-        <p:nvSpPr>
-          <p:cNvPr id="3" name="Content Placeholder 2"/>
+              <a:t>Static checking</a:t>
+            </a:r>
+          </a:p>
+        </p:txBody>
+      </p:sp>
+      <p:sp>
+        <p:nvSpPr>
+          <p:cNvPr id="5" name="Content Placeholder 4"/>
           <p:cNvSpPr>
             <a:spLocks noGrp="1"/>
           </p:cNvSpPr>
@@ -49652,9 +49763,60 @@
           <a:bodyPr/>
           <a:lstStyle/>
           <a:p>
+            <a:pPr marL="0" indent="0">
+              <a:buNone/>
+            </a:pPr>
             <a:r>
               <a:rPr lang="en-US"/>
-              <a:t>Run flake8 on the pyanno package, and fix all complaints</a:t>
+              <a:t>One of the problems with debugging in Python is that most bugs only appear when the code executes.</a:t>
+            </a:r>
+          </a:p>
+          <a:p>
+            <a:pPr marL="0" indent="0">
+              <a:buNone/>
+            </a:pPr>
+            <a:r>
+              <a:rPr lang="en-US"/>
+              <a:t>“Static checking” tools analyze the code without executing it.</a:t>
+            </a:r>
+          </a:p>
+          <a:p>
+            <a:r>
+              <a:rPr lang="en-US">
+                <a:latin typeface="Courier New"/>
+                <a:cs typeface="Courier New"/>
+              </a:rPr>
+              <a:t>pep8</a:t>
+            </a:r>
+            <a:r>
+              <a:rPr lang="en-US"/>
+              <a:t>: check that the style of the files is compatible with PEP8</a:t>
+            </a:r>
+          </a:p>
+          <a:p>
+            <a:r>
+              <a:rPr lang="en-US">
+                <a:latin typeface="Courier New"/>
+                <a:cs typeface="Courier New"/>
+              </a:rPr>
+              <a:t>pyflakes</a:t>
+            </a:r>
+            <a:r>
+              <a:rPr lang="en-US"/>
+              <a:t>: look for errors like defined but unused variables, undefined names, etc.</a:t>
+            </a:r>
+          </a:p>
+          <a:p>
+            <a:r>
+              <a:rPr lang="en-US">
+                <a:latin typeface="Courier New"/>
+                <a:cs typeface="Courier New"/>
+              </a:rPr>
+              <a:t>flake8</a:t>
+            </a:r>
+            <a:r>
+              <a:rPr lang="en-US"/>
+              <a:t>: pep8 and pyflakes in a single, handy command</a:t>
             </a:r>
           </a:p>
         </p:txBody>
@@ -49708,7 +49870,7 @@
     </p:spTree>
     <p:extLst>
       <p:ext uri="{BB962C8B-B14F-4D97-AF65-F5344CB8AC3E}">
-        <p14:creationId xmlns:p14="http://schemas.microsoft.com/office/powerpoint/2010/main" val="921815139"/>
+        <p14:creationId xmlns:p14="http://schemas.microsoft.com/office/powerpoint/2010/main" val="3526052389"/>
       </p:ext>
     </p:extLst>
   </p:cSld>
@@ -49758,10 +49920,9 @@
           <a:lstStyle/>
           <a:p>
             <a:r>
-              <a:rPr lang="en-GB" dirty="0" smtClean="0"/>
-              <a:t>Final thoughts</a:t>
-            </a:r>
-            <a:endParaRPr lang="en-GB" dirty="0"/>
+              <a:rPr lang="en-US"/>
+              <a:t>Hands-on!</a:t>
+            </a:r>
           </a:p>
         </p:txBody>
       </p:sp>
@@ -49777,34 +49938,19 @@
         </p:nvSpPr>
         <p:spPr/>
         <p:txBody>
-          <a:bodyPr>
-            <a:normAutofit/>
-          </a:bodyPr>
+          <a:bodyPr/>
           <a:lstStyle/>
           <a:p>
             <a:r>
-              <a:rPr lang="en-GB" dirty="0"/>
-              <a:t>Good programming practices, with testing in the front line, will help you becoming confident about your results, and efficient at navigating your research project</a:t>
-            </a:r>
-            <a:endParaRPr lang="en-GB" dirty="0" smtClean="0"/>
-          </a:p>
-          <a:p>
-            <a:endParaRPr lang="en-GB" dirty="0" smtClean="0"/>
-          </a:p>
-          <a:p>
-            <a:r>
-              <a:rPr lang="en-US" dirty="0"/>
-              <a:t>For maximum efficiency, check out how these tools can be integrated with your editor / IDE</a:t>
-            </a:r>
-          </a:p>
-          <a:p>
-            <a:endParaRPr lang="en-GB" dirty="0" smtClean="0"/>
-          </a:p>
-        </p:txBody>
-      </p:sp>
-      <p:sp>
-        <p:nvSpPr>
-          <p:cNvPr id="5" name="Date Placeholder 4"/>
+              <a:rPr lang="en-US"/>
+              <a:t>Run flake8 on the pyanno package, and fix all complaints</a:t>
+            </a:r>
+          </a:p>
+        </p:txBody>
+      </p:sp>
+      <p:sp>
+        <p:nvSpPr>
+          <p:cNvPr id="6" name="Date Placeholder 5"/>
           <p:cNvSpPr>
             <a:spLocks noGrp="1"/>
           </p:cNvSpPr>
@@ -49827,7 +49973,7 @@
       </p:sp>
       <p:sp>
         <p:nvSpPr>
-          <p:cNvPr id="6" name="Footer Placeholder 5"/>
+          <p:cNvPr id="7" name="Footer Placeholder 6"/>
           <p:cNvSpPr>
             <a:spLocks noGrp="1"/>
           </p:cNvSpPr>
@@ -49851,7 +49997,7 @@
     </p:spTree>
     <p:extLst>
       <p:ext uri="{BB962C8B-B14F-4D97-AF65-F5344CB8AC3E}">
-        <p14:creationId xmlns:p14="http://schemas.microsoft.com/office/powerpoint/2010/main" val="1969738961"/>
+        <p14:creationId xmlns:p14="http://schemas.microsoft.com/office/powerpoint/2010/main" val="921815139"/>
       </p:ext>
     </p:extLst>
   </p:cSld>
@@ -49887,7 +50033,7 @@
       </p:grpSpPr>
       <p:sp>
         <p:nvSpPr>
-          <p:cNvPr id="6" name="Title 5"/>
+          <p:cNvPr id="2" name="Title 1"/>
           <p:cNvSpPr>
             <a:spLocks noGrp="1"/>
           </p:cNvSpPr>
@@ -49897,93 +50043,57 @@
         </p:nvSpPr>
         <p:spPr/>
         <p:txBody>
+          <a:bodyPr/>
+          <a:lstStyle/>
+          <a:p>
+            <a:r>
+              <a:rPr lang="en-GB" dirty="0" smtClean="0"/>
+              <a:t>Final thoughts</a:t>
+            </a:r>
+            <a:endParaRPr lang="en-GB" dirty="0"/>
+          </a:p>
+        </p:txBody>
+      </p:sp>
+      <p:sp>
+        <p:nvSpPr>
+          <p:cNvPr id="3" name="Content Placeholder 2"/>
+          <p:cNvSpPr>
+            <a:spLocks noGrp="1"/>
+          </p:cNvSpPr>
+          <p:nvPr>
+            <p:ph sz="quarter" idx="1"/>
+          </p:nvPr>
+        </p:nvSpPr>
+        <p:spPr/>
+        <p:txBody>
           <a:bodyPr>
             <a:normAutofit/>
           </a:bodyPr>
           <a:lstStyle/>
           <a:p>
             <a:r>
-              <a:rPr lang="en-US"/>
-              <a:t>Recommended readings</a:t>
-            </a:r>
-          </a:p>
-        </p:txBody>
-      </p:sp>
-      <p:pic>
-        <p:nvPicPr>
-          <p:cNvPr id="9" name="Picture 8"/>
-          <p:cNvPicPr>
-            <a:picLocks noChangeAspect="1"/>
-          </p:cNvPicPr>
-          <p:nvPr/>
-        </p:nvPicPr>
-        <p:blipFill>
-          <a:blip r:embed="rId2"/>
-          <a:stretch>
-            <a:fillRect/>
-          </a:stretch>
-        </p:blipFill>
-        <p:spPr>
-          <a:xfrm>
-            <a:off x="827584" y="2132856"/>
-            <a:ext cx="2352367" cy="2952328"/>
-          </a:xfrm>
-          <a:prstGeom prst="rect">
-            <a:avLst/>
-          </a:prstGeom>
-        </p:spPr>
-      </p:pic>
-      <p:pic>
-        <p:nvPicPr>
-          <p:cNvPr id="10" name="Picture 9"/>
-          <p:cNvPicPr>
-            <a:picLocks noChangeAspect="1"/>
-          </p:cNvPicPr>
-          <p:nvPr/>
-        </p:nvPicPr>
-        <p:blipFill>
-          <a:blip r:embed="rId3"/>
-          <a:stretch>
-            <a:fillRect/>
-          </a:stretch>
-        </p:blipFill>
-        <p:spPr>
-          <a:xfrm>
-            <a:off x="3491880" y="2132856"/>
-            <a:ext cx="2355484" cy="2952328"/>
-          </a:xfrm>
-          <a:prstGeom prst="rect">
-            <a:avLst/>
-          </a:prstGeom>
-        </p:spPr>
-      </p:pic>
-      <p:pic>
-        <p:nvPicPr>
-          <p:cNvPr id="11" name="Picture 10"/>
-          <p:cNvPicPr>
-            <a:picLocks noChangeAspect="1"/>
-          </p:cNvPicPr>
-          <p:nvPr/>
-        </p:nvPicPr>
-        <p:blipFill>
-          <a:blip r:embed="rId4"/>
-          <a:stretch>
-            <a:fillRect/>
-          </a:stretch>
-        </p:blipFill>
-        <p:spPr>
-          <a:xfrm>
-            <a:off x="6156176" y="2132856"/>
-            <a:ext cx="2273475" cy="2952328"/>
-          </a:xfrm>
-          <a:prstGeom prst="rect">
-            <a:avLst/>
-          </a:prstGeom>
-        </p:spPr>
-      </p:pic>
-      <p:sp>
-        <p:nvSpPr>
-          <p:cNvPr id="2" name="Date Placeholder 1"/>
+              <a:rPr lang="en-GB" dirty="0"/>
+              <a:t>Good programming practices, with testing in the front line, will help you becoming confident about your results, and efficient at navigating your research project</a:t>
+            </a:r>
+            <a:endParaRPr lang="en-GB" dirty="0" smtClean="0"/>
+          </a:p>
+          <a:p>
+            <a:endParaRPr lang="en-GB" dirty="0" smtClean="0"/>
+          </a:p>
+          <a:p>
+            <a:r>
+              <a:rPr lang="en-US" dirty="0"/>
+              <a:t>For maximum efficiency, check out how these tools can be integrated with your editor / IDE</a:t>
+            </a:r>
+          </a:p>
+          <a:p>
+            <a:endParaRPr lang="en-GB" dirty="0" smtClean="0"/>
+          </a:p>
+        </p:txBody>
+      </p:sp>
+      <p:sp>
+        <p:nvSpPr>
+          <p:cNvPr id="5" name="Date Placeholder 4"/>
           <p:cNvSpPr>
             <a:spLocks noGrp="1"/>
           </p:cNvSpPr>
@@ -50006,7 +50116,7 @@
       </p:sp>
       <p:sp>
         <p:nvSpPr>
-          <p:cNvPr id="3" name="Footer Placeholder 2"/>
+          <p:cNvPr id="6" name="Footer Placeholder 5"/>
           <p:cNvSpPr>
             <a:spLocks noGrp="1"/>
           </p:cNvSpPr>
@@ -50030,13 +50140,20 @@
     </p:spTree>
     <p:extLst>
       <p:ext uri="{BB962C8B-B14F-4D97-AF65-F5344CB8AC3E}">
-        <p14:creationId xmlns:p14="http://schemas.microsoft.com/office/powerpoint/2010/main" val="554997526"/>
+        <p14:creationId xmlns:p14="http://schemas.microsoft.com/office/powerpoint/2010/main" val="1969738961"/>
       </p:ext>
     </p:extLst>
   </p:cSld>
   <p:clrMapOvr>
     <a:masterClrMapping/>
   </p:clrMapOvr>
+  <p:timing>
+    <p:tnLst>
+      <p:par>
+        <p:cTn xmlns:p14="http://schemas.microsoft.com/office/powerpoint/2010/main" id="1" dur="indefinite" restart="never" nodeType="tmRoot"/>
+      </p:par>
+    </p:tnLst>
+  </p:timing>
 </p:sld>
 </file>
 
@@ -50318,7 +50435,7 @@
       </p:grpSpPr>
       <p:sp>
         <p:nvSpPr>
-          <p:cNvPr id="2" name="Title 1"/>
+          <p:cNvPr id="6" name="Title 5"/>
           <p:cNvSpPr>
             <a:spLocks noGrp="1"/>
           </p:cNvSpPr>
@@ -50328,42 +50445,93 @@
         </p:nvSpPr>
         <p:spPr/>
         <p:txBody>
-          <a:bodyPr/>
+          <a:bodyPr>
+            <a:normAutofit/>
+          </a:bodyPr>
           <a:lstStyle/>
           <a:p>
             <a:r>
-              <a:rPr lang="en-GB" dirty="0" smtClean="0"/>
-              <a:t>The End</a:t>
-            </a:r>
-            <a:endParaRPr lang="en-GB" dirty="0"/>
-          </a:p>
-        </p:txBody>
-      </p:sp>
-      <p:sp>
-        <p:nvSpPr>
-          <p:cNvPr id="5" name="Content Placeholder 4"/>
-          <p:cNvSpPr>
-            <a:spLocks noGrp="1"/>
-          </p:cNvSpPr>
-          <p:nvPr>
-            <p:ph sz="quarter" idx="1"/>
-          </p:nvPr>
-        </p:nvSpPr>
-        <p:spPr/>
-        <p:txBody>
-          <a:bodyPr/>
-          <a:lstStyle/>
-          <a:p>
-            <a:r>
               <a:rPr lang="en-US"/>
-              <a:t>Thank you!</a:t>
-            </a:r>
-          </a:p>
-        </p:txBody>
-      </p:sp>
-      <p:sp>
-        <p:nvSpPr>
-          <p:cNvPr id="3" name="Date Placeholder 2"/>
+              <a:t>Recommended readings</a:t>
+            </a:r>
+          </a:p>
+        </p:txBody>
+      </p:sp>
+      <p:pic>
+        <p:nvPicPr>
+          <p:cNvPr id="9" name="Picture 8"/>
+          <p:cNvPicPr>
+            <a:picLocks noChangeAspect="1"/>
+          </p:cNvPicPr>
+          <p:nvPr/>
+        </p:nvPicPr>
+        <p:blipFill>
+          <a:blip r:embed="rId2"/>
+          <a:stretch>
+            <a:fillRect/>
+          </a:stretch>
+        </p:blipFill>
+        <p:spPr>
+          <a:xfrm>
+            <a:off x="827584" y="2132856"/>
+            <a:ext cx="2352367" cy="2952328"/>
+          </a:xfrm>
+          <a:prstGeom prst="rect">
+            <a:avLst/>
+          </a:prstGeom>
+        </p:spPr>
+      </p:pic>
+      <p:pic>
+        <p:nvPicPr>
+          <p:cNvPr id="10" name="Picture 9"/>
+          <p:cNvPicPr>
+            <a:picLocks noChangeAspect="1"/>
+          </p:cNvPicPr>
+          <p:nvPr/>
+        </p:nvPicPr>
+        <p:blipFill>
+          <a:blip r:embed="rId3"/>
+          <a:stretch>
+            <a:fillRect/>
+          </a:stretch>
+        </p:blipFill>
+        <p:spPr>
+          <a:xfrm>
+            <a:off x="3491880" y="2132856"/>
+            <a:ext cx="2355484" cy="2952328"/>
+          </a:xfrm>
+          <a:prstGeom prst="rect">
+            <a:avLst/>
+          </a:prstGeom>
+        </p:spPr>
+      </p:pic>
+      <p:pic>
+        <p:nvPicPr>
+          <p:cNvPr id="11" name="Picture 10"/>
+          <p:cNvPicPr>
+            <a:picLocks noChangeAspect="1"/>
+          </p:cNvPicPr>
+          <p:nvPr/>
+        </p:nvPicPr>
+        <p:blipFill>
+          <a:blip r:embed="rId4"/>
+          <a:stretch>
+            <a:fillRect/>
+          </a:stretch>
+        </p:blipFill>
+        <p:spPr>
+          <a:xfrm>
+            <a:off x="6156176" y="2132856"/>
+            <a:ext cx="2273475" cy="2952328"/>
+          </a:xfrm>
+          <a:prstGeom prst="rect">
+            <a:avLst/>
+          </a:prstGeom>
+        </p:spPr>
+      </p:pic>
+      <p:sp>
+        <p:nvSpPr>
+          <p:cNvPr id="2" name="Date Placeholder 1"/>
           <p:cNvSpPr>
             <a:spLocks noGrp="1"/>
           </p:cNvSpPr>
@@ -50386,7 +50554,7 @@
       </p:sp>
       <p:sp>
         <p:nvSpPr>
-          <p:cNvPr id="4" name="Footer Placeholder 3"/>
+          <p:cNvPr id="3" name="Footer Placeholder 2"/>
           <p:cNvSpPr>
             <a:spLocks noGrp="1"/>
           </p:cNvSpPr>
@@ -50408,17 +50576,15 @@
         </p:txBody>
       </p:sp>
     </p:spTree>
+    <p:extLst>
+      <p:ext uri="{BB962C8B-B14F-4D97-AF65-F5344CB8AC3E}">
+        <p14:creationId xmlns:p14="http://schemas.microsoft.com/office/powerpoint/2010/main" val="554997526"/>
+      </p:ext>
+    </p:extLst>
   </p:cSld>
   <p:clrMapOvr>
     <a:masterClrMapping/>
   </p:clrMapOvr>
-  <p:timing>
-    <p:tnLst>
-      <p:par>
-        <p:cTn xmlns:p14="http://schemas.microsoft.com/office/powerpoint/2010/main" id="1" dur="indefinite" restart="never" nodeType="tmRoot"/>
-      </p:par>
-    </p:tnLst>
-  </p:timing>
 </p:sld>
 </file>
 
@@ -50456,6 +50622,129 @@
           <a:p>
             <a:r>
               <a:rPr lang="en-GB" dirty="0" smtClean="0"/>
+              <a:t>The End</a:t>
+            </a:r>
+            <a:endParaRPr lang="en-GB" dirty="0"/>
+          </a:p>
+        </p:txBody>
+      </p:sp>
+      <p:sp>
+        <p:nvSpPr>
+          <p:cNvPr id="5" name="Content Placeholder 4"/>
+          <p:cNvSpPr>
+            <a:spLocks noGrp="1"/>
+          </p:cNvSpPr>
+          <p:nvPr>
+            <p:ph sz="quarter" idx="1"/>
+          </p:nvPr>
+        </p:nvSpPr>
+        <p:spPr/>
+        <p:txBody>
+          <a:bodyPr/>
+          <a:lstStyle/>
+          <a:p>
+            <a:r>
+              <a:rPr lang="en-US"/>
+              <a:t>Thank you!</a:t>
+            </a:r>
+          </a:p>
+        </p:txBody>
+      </p:sp>
+      <p:sp>
+        <p:nvSpPr>
+          <p:cNvPr id="3" name="Date Placeholder 2"/>
+          <p:cNvSpPr>
+            <a:spLocks noGrp="1"/>
+          </p:cNvSpPr>
+          <p:nvPr>
+            <p:ph type="dt" sz="half" idx="10"/>
+          </p:nvPr>
+        </p:nvSpPr>
+        <p:spPr/>
+        <p:txBody>
+          <a:bodyPr/>
+          <a:lstStyle/>
+          <a:p>
+            <a:r>
+              <a:rPr lang="en-US" smtClean="0"/>
+              <a:t>Pietro Berkes, Aug 2017</a:t>
+            </a:r>
+            <a:endParaRPr lang="en-US"/>
+          </a:p>
+        </p:txBody>
+      </p:sp>
+      <p:sp>
+        <p:nvSpPr>
+          <p:cNvPr id="4" name="Footer Placeholder 3"/>
+          <p:cNvSpPr>
+            <a:spLocks noGrp="1"/>
+          </p:cNvSpPr>
+          <p:nvPr>
+            <p:ph type="ftr" sz="quarter" idx="11"/>
+          </p:nvPr>
+        </p:nvSpPr>
+        <p:spPr/>
+        <p:txBody>
+          <a:bodyPr/>
+          <a:lstStyle/>
+          <a:p>
+            <a:r>
+              <a:rPr lang="en-US" smtClean="0"/>
+              <a:t>Testing, debugging, profiling</a:t>
+            </a:r>
+            <a:endParaRPr lang="en-US"/>
+          </a:p>
+        </p:txBody>
+      </p:sp>
+    </p:spTree>
+  </p:cSld>
+  <p:clrMapOvr>
+    <a:masterClrMapping/>
+  </p:clrMapOvr>
+  <p:timing>
+    <p:tnLst>
+      <p:par>
+        <p:cTn xmlns:p14="http://schemas.microsoft.com/office/powerpoint/2010/main" id="1" dur="indefinite" restart="never" nodeType="tmRoot"/>
+      </p:par>
+    </p:tnLst>
+  </p:timing>
+</p:sld>
+</file>
+
+<file path=ppt/slides/slide82.xml><?xml version="1.0" encoding="utf-8"?>
+<p:sld xmlns:a="http://schemas.openxmlformats.org/drawingml/2006/main" xmlns:r="http://schemas.openxmlformats.org/officeDocument/2006/relationships" xmlns:p="http://schemas.openxmlformats.org/presentationml/2006/main">
+  <p:cSld>
+    <p:spTree>
+      <p:nvGrpSpPr>
+        <p:cNvPr id="1" name=""/>
+        <p:cNvGrpSpPr/>
+        <p:nvPr/>
+      </p:nvGrpSpPr>
+      <p:grpSpPr>
+        <a:xfrm>
+          <a:off x="0" y="0"/>
+          <a:ext cx="0" cy="0"/>
+          <a:chOff x="0" y="0"/>
+          <a:chExt cx="0" cy="0"/>
+        </a:xfrm>
+      </p:grpSpPr>
+      <p:sp>
+        <p:nvSpPr>
+          <p:cNvPr id="2" name="Title 1"/>
+          <p:cNvSpPr>
+            <a:spLocks noGrp="1"/>
+          </p:cNvSpPr>
+          <p:nvPr>
+            <p:ph type="title"/>
+          </p:nvPr>
+        </p:nvSpPr>
+        <p:spPr/>
+        <p:txBody>
+          <a:bodyPr/>
+          <a:lstStyle/>
+          <a:p>
+            <a:r>
+              <a:rPr lang="en-GB" dirty="0" smtClean="0"/>
               <a:t>Exercises</a:t>
             </a:r>
             <a:endParaRPr lang="en-GB" dirty="0"/>
@@ -50528,7 +50817,7 @@
 </p:sld>
 </file>
 
-<file path=ppt/slides/slide82.xml><?xml version="1.0" encoding="utf-8"?>
+<file path=ppt/slides/slide83.xml><?xml version="1.0" encoding="utf-8"?>
 <p:sld xmlns:a="http://schemas.openxmlformats.org/drawingml/2006/main" xmlns:r="http://schemas.openxmlformats.org/officeDocument/2006/relationships" xmlns:p="http://schemas.openxmlformats.org/presentationml/2006/main">
   <p:cSld>
     <p:spTree>
